--- a/presentation/presentation.pptx
+++ b/presentation/presentation.pptx
@@ -1,106 +1,52 @@
 
 <file path=ppt/presentation.xml><?xml version="1.0" encoding="utf-8"?>
-<p:presentation xmlns:a="http://schemas.openxmlformats.org/drawingml/2006/main" xmlns:r="http://schemas.openxmlformats.org/officeDocument/2006/relationships" xmlns:p="http://schemas.openxmlformats.org/presentationml/2006/main" saveSubsetFonts="1" embedTrueTypeFonts="true">
+<p:presentation xmlns:a="http://schemas.openxmlformats.org/drawingml/2006/main" xmlns:r="http://schemas.openxmlformats.org/officeDocument/2006/relationships" xmlns:p="http://schemas.openxmlformats.org/presentationml/2006/main" embedTrueTypeFonts="1" saveSubsetFonts="1">
   <p:sldMasterIdLst>
     <p:sldMasterId id="2147483648" r:id="rId1"/>
   </p:sldMasterIdLst>
+  <p:notesMasterIdLst>
+    <p:notesMasterId r:id="rId11"/>
+  </p:notesMasterIdLst>
   <p:sldIdLst>
-    <p:sldId id="256" r:id="rId27"/>
-    <p:sldId id="257" r:id="rId28"/>
-    <p:sldId id="258" r:id="rId29"/>
-    <p:sldId id="259" r:id="rId30"/>
-    <p:sldId id="260" r:id="rId31"/>
-    <p:sldId id="261" r:id="rId32"/>
-    <p:sldId id="262" r:id="rId33"/>
-    <p:sldId id="263" r:id="rId34"/>
-    <p:sldId id="264" r:id="rId35"/>
+    <p:sldId id="256" r:id="rId2"/>
+    <p:sldId id="257" r:id="rId3"/>
+    <p:sldId id="258" r:id="rId4"/>
+    <p:sldId id="259" r:id="rId5"/>
+    <p:sldId id="260" r:id="rId6"/>
+    <p:sldId id="261" r:id="rId7"/>
+    <p:sldId id="262" r:id="rId8"/>
+    <p:sldId id="263" r:id="rId9"/>
+    <p:sldId id="264" r:id="rId10"/>
   </p:sldIdLst>
   <p:sldSz cx="18288000" cy="10287000"/>
   <p:notesSz cx="6858000" cy="9144000"/>
   <p:embeddedFontLst>
     <p:embeddedFont>
-      <p:font typeface="Arimo" charset="1" panose="020B0604020202020204"/>
-      <p:regular r:id="rId6"/>
-    </p:embeddedFont>
-    <p:embeddedFont>
-      <p:font typeface="Arimo Bold" charset="1" panose="020B0704020202020204"/>
-      <p:regular r:id="rId7"/>
-    </p:embeddedFont>
-    <p:embeddedFont>
-      <p:font typeface="Arimo Italics" charset="1" panose="020B0604020202090204"/>
-      <p:regular r:id="rId8"/>
-    </p:embeddedFont>
-    <p:embeddedFont>
-      <p:font typeface="Arimo Bold Italics" charset="1" panose="020B0704020202090204"/>
-      <p:regular r:id="rId9"/>
-    </p:embeddedFont>
-    <p:embeddedFont>
-      <p:font typeface="Brick Sans" charset="1" panose="00000000000000000000"/>
-      <p:regular r:id="rId10"/>
-    </p:embeddedFont>
-    <p:embeddedFont>
-      <p:font typeface="Public Sans" charset="1" panose="00000000000000000000"/>
-      <p:regular r:id="rId11"/>
-    </p:embeddedFont>
-    <p:embeddedFont>
-      <p:font typeface="Public Sans Bold" charset="1" panose="00000000000000000000"/>
+      <p:font typeface="Brick Sans" pitchFamily="2" charset="77"/>
       <p:regular r:id="rId12"/>
     </p:embeddedFont>
     <p:embeddedFont>
-      <p:font typeface="Public Sans Italics" charset="1" panose="00000000000000000000"/>
+      <p:font typeface="Calibri" panose="020F0502020204030204" pitchFamily="34" charset="0"/>
       <p:regular r:id="rId13"/>
+      <p:bold r:id="rId14"/>
+      <p:italic r:id="rId15"/>
+      <p:boldItalic r:id="rId16"/>
     </p:embeddedFont>
     <p:embeddedFont>
-      <p:font typeface="Public Sans Bold Italics" charset="1" panose="00000000000000000000"/>
-      <p:regular r:id="rId14"/>
-    </p:embeddedFont>
-    <p:embeddedFont>
-      <p:font typeface="Public Sans Thin" charset="1" panose="00000000000000000000"/>
-      <p:regular r:id="rId15"/>
-    </p:embeddedFont>
-    <p:embeddedFont>
-      <p:font typeface="Public Sans Thin Italics" charset="1" panose="00000000000000000000"/>
-      <p:regular r:id="rId16"/>
-    </p:embeddedFont>
-    <p:embeddedFont>
-      <p:font typeface="Public Sans Medium" charset="1" panose="00000000000000000000"/>
+      <p:font typeface="Canva Sans" panose="020B0503030501040103" pitchFamily="34" charset="0"/>
       <p:regular r:id="rId17"/>
     </p:embeddedFont>
     <p:embeddedFont>
-      <p:font typeface="Public Sans Medium Italics" charset="1" panose="00000000000000000000"/>
+      <p:font typeface="Public Sans" pitchFamily="2" charset="77"/>
       <p:regular r:id="rId18"/>
     </p:embeddedFont>
     <p:embeddedFont>
-      <p:font typeface="Public Sans Heavy" charset="1" panose="00000000000000000000"/>
+      <p:font typeface="Public Sans Bold" pitchFamily="2" charset="77"/>
       <p:regular r:id="rId19"/>
     </p:embeddedFont>
     <p:embeddedFont>
-      <p:font typeface="Public Sans Heavy Italics" charset="1" panose="00000000000000000000"/>
+      <p:font typeface="Public Sans Heavy" pitchFamily="2" charset="77"/>
       <p:regular r:id="rId20"/>
-    </p:embeddedFont>
-    <p:embeddedFont>
-      <p:font typeface="Canva Sans" charset="1" panose="020B0503030501040103"/>
-      <p:regular r:id="rId21"/>
-    </p:embeddedFont>
-    <p:embeddedFont>
-      <p:font typeface="Canva Sans Bold" charset="1" panose="020B0803030501040103"/>
-      <p:regular r:id="rId22"/>
-    </p:embeddedFont>
-    <p:embeddedFont>
-      <p:font typeface="Canva Sans Italics" charset="1" panose="020B0503030501040103"/>
-      <p:regular r:id="rId23"/>
-    </p:embeddedFont>
-    <p:embeddedFont>
-      <p:font typeface="Canva Sans Bold Italics" charset="1" panose="020B0803030501040103"/>
-      <p:regular r:id="rId24"/>
-    </p:embeddedFont>
-    <p:embeddedFont>
-      <p:font typeface="Canva Sans Medium" charset="1" panose="020B0603030501040103"/>
-      <p:regular r:id="rId25"/>
-    </p:embeddedFont>
-    <p:embeddedFont>
-      <p:font typeface="Canva Sans Medium Italics" charset="1" panose="020B0603030501040103"/>
-      <p:regular r:id="rId26"/>
     </p:embeddedFont>
   </p:embeddedFontLst>
   <p:defaultTextStyle>
@@ -198,7 +144,1814 @@
       </a:defRPr>
     </a:lvl9pPr>
   </p:defaultTextStyle>
+  <p:extLst>
+    <p:ext uri="{EFAFB233-063F-42B5-8137-9DF3F51BA10A}">
+      <p15:sldGuideLst xmlns:p15="http://schemas.microsoft.com/office/powerpoint/2012/main">
+        <p15:guide id="1" orient="horz" pos="2160">
+          <p15:clr>
+            <a:srgbClr val="A4A3A4"/>
+          </p15:clr>
+        </p15:guide>
+        <p15:guide id="2" pos="2880">
+          <p15:clr>
+            <a:srgbClr val="A4A3A4"/>
+          </p15:clr>
+        </p15:guide>
+      </p15:sldGuideLst>
+    </p:ext>
+  </p:extLst>
 </p:presentation>
+</file>
+
+<file path=ppt/notesMasters/notesMaster1.xml><?xml version="1.0" encoding="utf-8"?>
+<p:notesMaster xmlns:a="http://schemas.openxmlformats.org/drawingml/2006/main" xmlns:r="http://schemas.openxmlformats.org/officeDocument/2006/relationships" xmlns:p="http://schemas.openxmlformats.org/presentationml/2006/main">
+  <p:cSld>
+    <p:bg>
+      <p:bgRef idx="1001">
+        <a:schemeClr val="bg1"/>
+      </p:bgRef>
+    </p:bg>
+    <p:spTree>
+      <p:nvGrpSpPr>
+        <p:cNvPr id="1" name=""/>
+        <p:cNvGrpSpPr/>
+        <p:nvPr/>
+      </p:nvGrpSpPr>
+      <p:grpSpPr>
+        <a:xfrm>
+          <a:off x="0" y="0"/>
+          <a:ext cx="0" cy="0"/>
+          <a:chOff x="0" y="0"/>
+          <a:chExt cx="0" cy="0"/>
+        </a:xfrm>
+      </p:grpSpPr>
+      <p:sp>
+        <p:nvSpPr>
+          <p:cNvPr id="2" name="Header Placeholder 1"/>
+          <p:cNvSpPr>
+            <a:spLocks noGrp="1"/>
+          </p:cNvSpPr>
+          <p:nvPr>
+            <p:ph type="hdr" sz="quarter"/>
+          </p:nvPr>
+        </p:nvSpPr>
+        <p:spPr>
+          <a:xfrm>
+            <a:off x="0" y="0"/>
+            <a:ext cx="2971800" cy="458788"/>
+          </a:xfrm>
+          <a:prstGeom prst="rect">
+            <a:avLst/>
+          </a:prstGeom>
+        </p:spPr>
+        <p:txBody>
+          <a:bodyPr vert="horz" lIns="91440" tIns="45720" rIns="91440" bIns="45720" rtlCol="0"/>
+          <a:lstStyle>
+            <a:lvl1pPr algn="l">
+              <a:defRPr sz="1200"/>
+            </a:lvl1pPr>
+          </a:lstStyle>
+          <a:p>
+            <a:endParaRPr lang="en-US"/>
+          </a:p>
+        </p:txBody>
+      </p:sp>
+      <p:sp>
+        <p:nvSpPr>
+          <p:cNvPr id="3" name="Date Placeholder 2"/>
+          <p:cNvSpPr>
+            <a:spLocks noGrp="1"/>
+          </p:cNvSpPr>
+          <p:nvPr>
+            <p:ph type="dt" idx="1"/>
+          </p:nvPr>
+        </p:nvSpPr>
+        <p:spPr>
+          <a:xfrm>
+            <a:off x="3884613" y="0"/>
+            <a:ext cx="2971800" cy="458788"/>
+          </a:xfrm>
+          <a:prstGeom prst="rect">
+            <a:avLst/>
+          </a:prstGeom>
+        </p:spPr>
+        <p:txBody>
+          <a:bodyPr vert="horz" lIns="91440" tIns="45720" rIns="91440" bIns="45720" rtlCol="0"/>
+          <a:lstStyle>
+            <a:lvl1pPr algn="r">
+              <a:defRPr sz="1200"/>
+            </a:lvl1pPr>
+          </a:lstStyle>
+          <a:p>
+            <a:fld id="{85BA90B5-C4B4-C647-BC3D-46BF24662E26}" type="datetimeFigureOut">
+              <a:rPr lang="en-US" smtClean="0"/>
+              <a:t>4/2/24</a:t>
+            </a:fld>
+            <a:endParaRPr lang="en-US"/>
+          </a:p>
+        </p:txBody>
+      </p:sp>
+      <p:sp>
+        <p:nvSpPr>
+          <p:cNvPr id="4" name="Slide Image Placeholder 3"/>
+          <p:cNvSpPr>
+            <a:spLocks noGrp="1" noRot="1" noChangeAspect="1"/>
+          </p:cNvSpPr>
+          <p:nvPr>
+            <p:ph type="sldImg" idx="2"/>
+          </p:nvPr>
+        </p:nvSpPr>
+        <p:spPr>
+          <a:xfrm>
+            <a:off x="685800" y="1143000"/>
+            <a:ext cx="5486400" cy="3086100"/>
+          </a:xfrm>
+          <a:prstGeom prst="rect">
+            <a:avLst/>
+          </a:prstGeom>
+          <a:noFill/>
+          <a:ln w="12700">
+            <a:solidFill>
+              <a:prstClr val="black"/>
+            </a:solidFill>
+          </a:ln>
+        </p:spPr>
+        <p:txBody>
+          <a:bodyPr vert="horz" lIns="91440" tIns="45720" rIns="91440" bIns="45720" rtlCol="0" anchor="ctr"/>
+          <a:lstStyle/>
+          <a:p>
+            <a:endParaRPr lang="en-US"/>
+          </a:p>
+        </p:txBody>
+      </p:sp>
+      <p:sp>
+        <p:nvSpPr>
+          <p:cNvPr id="5" name="Notes Placeholder 4"/>
+          <p:cNvSpPr>
+            <a:spLocks noGrp="1"/>
+          </p:cNvSpPr>
+          <p:nvPr>
+            <p:ph type="body" sz="quarter" idx="3"/>
+          </p:nvPr>
+        </p:nvSpPr>
+        <p:spPr>
+          <a:xfrm>
+            <a:off x="685800" y="4400550"/>
+            <a:ext cx="5486400" cy="3600450"/>
+          </a:xfrm>
+          <a:prstGeom prst="rect">
+            <a:avLst/>
+          </a:prstGeom>
+        </p:spPr>
+        <p:txBody>
+          <a:bodyPr vert="horz" lIns="91440" tIns="45720" rIns="91440" bIns="45720" rtlCol="0"/>
+          <a:lstStyle/>
+          <a:p>
+            <a:pPr lvl="0"/>
+            <a:r>
+              <a:rPr lang="en-GB"/>
+              <a:t>Click to edit Master text styles</a:t>
+            </a:r>
+          </a:p>
+          <a:p>
+            <a:pPr lvl="1"/>
+            <a:r>
+              <a:rPr lang="en-GB"/>
+              <a:t>Second level</a:t>
+            </a:r>
+          </a:p>
+          <a:p>
+            <a:pPr lvl="2"/>
+            <a:r>
+              <a:rPr lang="en-GB"/>
+              <a:t>Third level</a:t>
+            </a:r>
+          </a:p>
+          <a:p>
+            <a:pPr lvl="3"/>
+            <a:r>
+              <a:rPr lang="en-GB"/>
+              <a:t>Fourth level</a:t>
+            </a:r>
+          </a:p>
+          <a:p>
+            <a:pPr lvl="4"/>
+            <a:r>
+              <a:rPr lang="en-GB"/>
+              <a:t>Fifth level</a:t>
+            </a:r>
+            <a:endParaRPr lang="en-US"/>
+          </a:p>
+        </p:txBody>
+      </p:sp>
+      <p:sp>
+        <p:nvSpPr>
+          <p:cNvPr id="6" name="Footer Placeholder 5"/>
+          <p:cNvSpPr>
+            <a:spLocks noGrp="1"/>
+          </p:cNvSpPr>
+          <p:nvPr>
+            <p:ph type="ftr" sz="quarter" idx="4"/>
+          </p:nvPr>
+        </p:nvSpPr>
+        <p:spPr>
+          <a:xfrm>
+            <a:off x="0" y="8685213"/>
+            <a:ext cx="2971800" cy="458787"/>
+          </a:xfrm>
+          <a:prstGeom prst="rect">
+            <a:avLst/>
+          </a:prstGeom>
+        </p:spPr>
+        <p:txBody>
+          <a:bodyPr vert="horz" lIns="91440" tIns="45720" rIns="91440" bIns="45720" rtlCol="0" anchor="b"/>
+          <a:lstStyle>
+            <a:lvl1pPr algn="l">
+              <a:defRPr sz="1200"/>
+            </a:lvl1pPr>
+          </a:lstStyle>
+          <a:p>
+            <a:endParaRPr lang="en-US"/>
+          </a:p>
+        </p:txBody>
+      </p:sp>
+      <p:sp>
+        <p:nvSpPr>
+          <p:cNvPr id="7" name="Slide Number Placeholder 6"/>
+          <p:cNvSpPr>
+            <a:spLocks noGrp="1"/>
+          </p:cNvSpPr>
+          <p:nvPr>
+            <p:ph type="sldNum" sz="quarter" idx="5"/>
+          </p:nvPr>
+        </p:nvSpPr>
+        <p:spPr>
+          <a:xfrm>
+            <a:off x="3884613" y="8685213"/>
+            <a:ext cx="2971800" cy="458787"/>
+          </a:xfrm>
+          <a:prstGeom prst="rect">
+            <a:avLst/>
+          </a:prstGeom>
+        </p:spPr>
+        <p:txBody>
+          <a:bodyPr vert="horz" lIns="91440" tIns="45720" rIns="91440" bIns="45720" rtlCol="0" anchor="b"/>
+          <a:lstStyle>
+            <a:lvl1pPr algn="r">
+              <a:defRPr sz="1200"/>
+            </a:lvl1pPr>
+          </a:lstStyle>
+          <a:p>
+            <a:fld id="{4D7E02E5-87D3-E448-947F-831956D1A2E7}" type="slidenum">
+              <a:rPr lang="en-US" smtClean="0"/>
+              <a:t>‹#›</a:t>
+            </a:fld>
+            <a:endParaRPr lang="en-US"/>
+          </a:p>
+        </p:txBody>
+      </p:sp>
+    </p:spTree>
+    <p:extLst>
+      <p:ext uri="{BB962C8B-B14F-4D97-AF65-F5344CB8AC3E}">
+        <p14:creationId xmlns:p14="http://schemas.microsoft.com/office/powerpoint/2010/main" val="3908675725"/>
+      </p:ext>
+    </p:extLst>
+  </p:cSld>
+  <p:clrMap bg1="lt1" tx1="dk1" bg2="lt2" tx2="dk2" accent1="accent1" accent2="accent2" accent3="accent3" accent4="accent4" accent5="accent5" accent6="accent6" hlink="hlink" folHlink="folHlink"/>
+  <p:notesStyle>
+    <a:lvl1pPr marL="0" algn="l" defTabSz="914400" rtl="0" eaLnBrk="1" latinLnBrk="0" hangingPunct="1">
+      <a:defRPr sz="1200" kern="1200">
+        <a:solidFill>
+          <a:schemeClr val="tx1"/>
+        </a:solidFill>
+        <a:latin typeface="+mn-lt"/>
+        <a:ea typeface="+mn-ea"/>
+        <a:cs typeface="+mn-cs"/>
+      </a:defRPr>
+    </a:lvl1pPr>
+    <a:lvl2pPr marL="457200" algn="l" defTabSz="914400" rtl="0" eaLnBrk="1" latinLnBrk="0" hangingPunct="1">
+      <a:defRPr sz="1200" kern="1200">
+        <a:solidFill>
+          <a:schemeClr val="tx1"/>
+        </a:solidFill>
+        <a:latin typeface="+mn-lt"/>
+        <a:ea typeface="+mn-ea"/>
+        <a:cs typeface="+mn-cs"/>
+      </a:defRPr>
+    </a:lvl2pPr>
+    <a:lvl3pPr marL="914400" algn="l" defTabSz="914400" rtl="0" eaLnBrk="1" latinLnBrk="0" hangingPunct="1">
+      <a:defRPr sz="1200" kern="1200">
+        <a:solidFill>
+          <a:schemeClr val="tx1"/>
+        </a:solidFill>
+        <a:latin typeface="+mn-lt"/>
+        <a:ea typeface="+mn-ea"/>
+        <a:cs typeface="+mn-cs"/>
+      </a:defRPr>
+    </a:lvl3pPr>
+    <a:lvl4pPr marL="1371600" algn="l" defTabSz="914400" rtl="0" eaLnBrk="1" latinLnBrk="0" hangingPunct="1">
+      <a:defRPr sz="1200" kern="1200">
+        <a:solidFill>
+          <a:schemeClr val="tx1"/>
+        </a:solidFill>
+        <a:latin typeface="+mn-lt"/>
+        <a:ea typeface="+mn-ea"/>
+        <a:cs typeface="+mn-cs"/>
+      </a:defRPr>
+    </a:lvl4pPr>
+    <a:lvl5pPr marL="1828800" algn="l" defTabSz="914400" rtl="0" eaLnBrk="1" latinLnBrk="0" hangingPunct="1">
+      <a:defRPr sz="1200" kern="1200">
+        <a:solidFill>
+          <a:schemeClr val="tx1"/>
+        </a:solidFill>
+        <a:latin typeface="+mn-lt"/>
+        <a:ea typeface="+mn-ea"/>
+        <a:cs typeface="+mn-cs"/>
+      </a:defRPr>
+    </a:lvl5pPr>
+    <a:lvl6pPr marL="2286000" algn="l" defTabSz="914400" rtl="0" eaLnBrk="1" latinLnBrk="0" hangingPunct="1">
+      <a:defRPr sz="1200" kern="1200">
+        <a:solidFill>
+          <a:schemeClr val="tx1"/>
+        </a:solidFill>
+        <a:latin typeface="+mn-lt"/>
+        <a:ea typeface="+mn-ea"/>
+        <a:cs typeface="+mn-cs"/>
+      </a:defRPr>
+    </a:lvl6pPr>
+    <a:lvl7pPr marL="2743200" algn="l" defTabSz="914400" rtl="0" eaLnBrk="1" latinLnBrk="0" hangingPunct="1">
+      <a:defRPr sz="1200" kern="1200">
+        <a:solidFill>
+          <a:schemeClr val="tx1"/>
+        </a:solidFill>
+        <a:latin typeface="+mn-lt"/>
+        <a:ea typeface="+mn-ea"/>
+        <a:cs typeface="+mn-cs"/>
+      </a:defRPr>
+    </a:lvl7pPr>
+    <a:lvl8pPr marL="3200400" algn="l" defTabSz="914400" rtl="0" eaLnBrk="1" latinLnBrk="0" hangingPunct="1">
+      <a:defRPr sz="1200" kern="1200">
+        <a:solidFill>
+          <a:schemeClr val="tx1"/>
+        </a:solidFill>
+        <a:latin typeface="+mn-lt"/>
+        <a:ea typeface="+mn-ea"/>
+        <a:cs typeface="+mn-cs"/>
+      </a:defRPr>
+    </a:lvl8pPr>
+    <a:lvl9pPr marL="3657600" algn="l" defTabSz="914400" rtl="0" eaLnBrk="1" latinLnBrk="0" hangingPunct="1">
+      <a:defRPr sz="1200" kern="1200">
+        <a:solidFill>
+          <a:schemeClr val="tx1"/>
+        </a:solidFill>
+        <a:latin typeface="+mn-lt"/>
+        <a:ea typeface="+mn-ea"/>
+        <a:cs typeface="+mn-cs"/>
+      </a:defRPr>
+    </a:lvl9pPr>
+  </p:notesStyle>
+</p:notesMaster>
+</file>
+
+<file path=ppt/notesSlides/notesSlide1.xml><?xml version="1.0" encoding="utf-8"?>
+<p:notes xmlns:a="http://schemas.openxmlformats.org/drawingml/2006/main" xmlns:r="http://schemas.openxmlformats.org/officeDocument/2006/relationships" xmlns:p="http://schemas.openxmlformats.org/presentationml/2006/main">
+  <p:cSld>
+    <p:spTree>
+      <p:nvGrpSpPr>
+        <p:cNvPr id="1" name=""/>
+        <p:cNvGrpSpPr/>
+        <p:nvPr/>
+      </p:nvGrpSpPr>
+      <p:grpSpPr>
+        <a:xfrm>
+          <a:off x="0" y="0"/>
+          <a:ext cx="0" cy="0"/>
+          <a:chOff x="0" y="0"/>
+          <a:chExt cx="0" cy="0"/>
+        </a:xfrm>
+      </p:grpSpPr>
+      <p:sp>
+        <p:nvSpPr>
+          <p:cNvPr id="2" name="Slide Image Placeholder 1"/>
+          <p:cNvSpPr>
+            <a:spLocks noGrp="1" noRot="1" noChangeAspect="1"/>
+          </p:cNvSpPr>
+          <p:nvPr>
+            <p:ph type="sldImg"/>
+          </p:nvPr>
+        </p:nvSpPr>
+        <p:spPr/>
+      </p:sp>
+      <p:sp>
+        <p:nvSpPr>
+          <p:cNvPr id="3" name="Notes Placeholder 2"/>
+          <p:cNvSpPr>
+            <a:spLocks noGrp="1"/>
+          </p:cNvSpPr>
+          <p:nvPr>
+            <p:ph type="body" idx="1"/>
+          </p:nvPr>
+        </p:nvSpPr>
+        <p:spPr/>
+        <p:txBody>
+          <a:bodyPr/>
+          <a:lstStyle/>
+          <a:p>
+            <a:r>
+              <a:rPr lang="en-GB" b="0" dirty="0">
+                <a:solidFill>
+                  <a:srgbClr val="CCCCCC"/>
+                </a:solidFill>
+                <a:effectLst/>
+                <a:latin typeface="+mn-lt"/>
+              </a:rPr>
+              <a:t>Diabetes is a prevalent chronic disease that affects millions of people worldwide. According to the International Diabetes Federation, approximately 537 million adults (20-79 years) are living with diabetes. Around 90% of diabetes cases are Type 2, influenced by factors like economy, age, environment, and lifestyles. </a:t>
+            </a:r>
+          </a:p>
+          <a:p>
+            <a:endParaRPr lang="en-GB" b="0" dirty="0">
+              <a:solidFill>
+                <a:srgbClr val="CCCCCC"/>
+              </a:solidFill>
+              <a:effectLst/>
+              <a:latin typeface="+mn-lt"/>
+            </a:endParaRPr>
+          </a:p>
+          <a:p>
+            <a:r>
+              <a:rPr lang="en-GB" b="0" dirty="0">
+                <a:solidFill>
+                  <a:srgbClr val="CCCCCC"/>
+                </a:solidFill>
+                <a:effectLst/>
+                <a:latin typeface="+mn-lt"/>
+              </a:rPr>
+              <a:t>Early detection and prediction of diabetes are crucial for effective management and prevention of complications. This project aims to develop a predictive model to identify individuals at risk of developing diabetes based on various health indicators.</a:t>
+            </a:r>
+          </a:p>
+          <a:p>
+            <a:endParaRPr lang="en-GB" b="0" dirty="0">
+              <a:solidFill>
+                <a:srgbClr val="CCCCCC"/>
+              </a:solidFill>
+              <a:effectLst/>
+              <a:latin typeface="+mn-lt"/>
+            </a:endParaRPr>
+          </a:p>
+          <a:p>
+            <a:r>
+              <a:rPr lang="en-GB" b="0" dirty="0">
+                <a:solidFill>
+                  <a:srgbClr val="CCCCCC"/>
+                </a:solidFill>
+                <a:effectLst/>
+                <a:latin typeface="+mn-lt"/>
+              </a:rPr>
+              <a:t>The project aims to predict Type 2 diabetes risk using machine learning algorithms based on lifestyle and family background. By leveraging machine learning algorithms and techniques, we will analyse anonymous health records encompassing parameters such as BMI, age, blood pressure, dietary habits, etc. The project will employ feature selection methods and experiment with various algorithms, including Logistic Regression, Random Forest, Decision Tree, Support Vector Machines (SVM), K-Nearest </a:t>
+            </a:r>
+            <a:r>
+              <a:rPr lang="en-GB" b="0" dirty="0" err="1">
+                <a:solidFill>
+                  <a:srgbClr val="CCCCCC"/>
+                </a:solidFill>
+                <a:effectLst/>
+                <a:latin typeface="+mn-lt"/>
+              </a:rPr>
+              <a:t>Neighbors</a:t>
+            </a:r>
+            <a:r>
+              <a:rPr lang="en-GB" b="0" dirty="0">
+                <a:solidFill>
+                  <a:srgbClr val="CCCCCC"/>
+                </a:solidFill>
+                <a:effectLst/>
+                <a:latin typeface="+mn-lt"/>
+              </a:rPr>
+              <a:t> (KNN) and Neural Network, to build a robust and accurate predictive tool.</a:t>
+            </a:r>
+          </a:p>
+          <a:p>
+            <a:br>
+              <a:rPr lang="en-GB" b="0" dirty="0">
+                <a:solidFill>
+                  <a:srgbClr val="CCCCCC"/>
+                </a:solidFill>
+                <a:effectLst/>
+                <a:latin typeface="+mn-lt"/>
+              </a:rPr>
+            </a:br>
+            <a:r>
+              <a:rPr lang="en-GB" b="0" dirty="0">
+                <a:solidFill>
+                  <a:srgbClr val="CCCCCC"/>
+                </a:solidFill>
+                <a:effectLst/>
+                <a:latin typeface="+mn-lt"/>
+              </a:rPr>
+              <a:t>The ultimate goal is to gain insights into the significant factors contributing to the prediction of diabetes occurrence. Through early detection and intervention, the project aims to contribute to better management and prevention of diabetes, thus improving public health outcomes.</a:t>
+            </a:r>
+          </a:p>
+          <a:p>
+            <a:endParaRPr lang="en-US" dirty="0">
+              <a:latin typeface="+mn-lt"/>
+            </a:endParaRPr>
+          </a:p>
+          <a:p>
+            <a:endParaRPr lang="en-US" dirty="0">
+              <a:latin typeface="+mn-lt"/>
+            </a:endParaRPr>
+          </a:p>
+        </p:txBody>
+      </p:sp>
+      <p:sp>
+        <p:nvSpPr>
+          <p:cNvPr id="4" name="Slide Number Placeholder 3"/>
+          <p:cNvSpPr>
+            <a:spLocks noGrp="1"/>
+          </p:cNvSpPr>
+          <p:nvPr>
+            <p:ph type="sldNum" sz="quarter" idx="5"/>
+          </p:nvPr>
+        </p:nvSpPr>
+        <p:spPr/>
+        <p:txBody>
+          <a:bodyPr/>
+          <a:lstStyle/>
+          <a:p>
+            <a:fld id="{4D7E02E5-87D3-E448-947F-831956D1A2E7}" type="slidenum">
+              <a:rPr lang="en-US" smtClean="0"/>
+              <a:t>2</a:t>
+            </a:fld>
+            <a:endParaRPr lang="en-US"/>
+          </a:p>
+        </p:txBody>
+      </p:sp>
+    </p:spTree>
+    <p:extLst>
+      <p:ext uri="{BB962C8B-B14F-4D97-AF65-F5344CB8AC3E}">
+        <p14:creationId xmlns:p14="http://schemas.microsoft.com/office/powerpoint/2010/main" val="915690324"/>
+      </p:ext>
+    </p:extLst>
+  </p:cSld>
+  <p:clrMapOvr>
+    <a:masterClrMapping/>
+  </p:clrMapOvr>
+</p:notes>
+</file>
+
+<file path=ppt/notesSlides/notesSlide2.xml><?xml version="1.0" encoding="utf-8"?>
+<p:notes xmlns:a="http://schemas.openxmlformats.org/drawingml/2006/main" xmlns:r="http://schemas.openxmlformats.org/officeDocument/2006/relationships" xmlns:p="http://schemas.openxmlformats.org/presentationml/2006/main">
+  <p:cSld>
+    <p:spTree>
+      <p:nvGrpSpPr>
+        <p:cNvPr id="1" name=""/>
+        <p:cNvGrpSpPr/>
+        <p:nvPr/>
+      </p:nvGrpSpPr>
+      <p:grpSpPr>
+        <a:xfrm>
+          <a:off x="0" y="0"/>
+          <a:ext cx="0" cy="0"/>
+          <a:chOff x="0" y="0"/>
+          <a:chExt cx="0" cy="0"/>
+        </a:xfrm>
+      </p:grpSpPr>
+      <p:sp>
+        <p:nvSpPr>
+          <p:cNvPr id="2" name="Slide Image Placeholder 1"/>
+          <p:cNvSpPr>
+            <a:spLocks noGrp="1" noRot="1" noChangeAspect="1"/>
+          </p:cNvSpPr>
+          <p:nvPr>
+            <p:ph type="sldImg"/>
+          </p:nvPr>
+        </p:nvSpPr>
+        <p:spPr/>
+      </p:sp>
+      <p:sp>
+        <p:nvSpPr>
+          <p:cNvPr id="3" name="Notes Placeholder 2"/>
+          <p:cNvSpPr>
+            <a:spLocks noGrp="1"/>
+          </p:cNvSpPr>
+          <p:nvPr>
+            <p:ph type="body" idx="1"/>
+          </p:nvPr>
+        </p:nvSpPr>
+        <p:spPr/>
+        <p:txBody>
+          <a:bodyPr/>
+          <a:lstStyle/>
+          <a:p>
+            <a:r>
+              <a:rPr lang="en-GB" b="0" dirty="0">
+                <a:solidFill>
+                  <a:srgbClr val="CCCCCC"/>
+                </a:solidFill>
+                <a:effectLst/>
+                <a:latin typeface="+mn-lt"/>
+              </a:rPr>
+              <a:t>The Kaggle </a:t>
+            </a:r>
+            <a:r>
+              <a:rPr lang="en-GB" b="0" dirty="0">
+                <a:solidFill>
+                  <a:srgbClr val="CE9178"/>
+                </a:solidFill>
+                <a:effectLst/>
+                <a:latin typeface="+mn-lt"/>
+              </a:rPr>
+              <a:t>dataset</a:t>
+            </a:r>
+            <a:r>
+              <a:rPr lang="en-GB" b="0" dirty="0">
+                <a:solidFill>
+                  <a:srgbClr val="CCCCCC"/>
+                </a:solidFill>
+                <a:effectLst/>
+                <a:latin typeface="+mn-lt"/>
+              </a:rPr>
+              <a:t> utilised in this project was curated by researchers from the Department of Computer Science and Engineering at Birla Institute of Technology in India, for research purposes only and is not intended for commercial use. An </a:t>
+            </a:r>
+            <a:r>
+              <a:rPr lang="en-GB" b="0" dirty="0">
+                <a:solidFill>
+                  <a:srgbClr val="CE9178"/>
+                </a:solidFill>
+                <a:effectLst/>
+                <a:latin typeface="+mn-lt"/>
+              </a:rPr>
+              <a:t>article</a:t>
+            </a:r>
+            <a:r>
+              <a:rPr lang="en-GB" b="0" dirty="0">
+                <a:solidFill>
+                  <a:srgbClr val="CCCCCC"/>
+                </a:solidFill>
+                <a:effectLst/>
+                <a:latin typeface="+mn-lt"/>
+              </a:rPr>
+              <a:t> detailing the implementation of this dataset was published on </a:t>
+            </a:r>
+            <a:r>
+              <a:rPr lang="en-GB" b="0" dirty="0">
+                <a:solidFill>
+                  <a:srgbClr val="CE9178"/>
+                </a:solidFill>
+                <a:effectLst/>
+                <a:latin typeface="+mn-lt"/>
+              </a:rPr>
+              <a:t>ScienceDirect,</a:t>
+            </a:r>
+            <a:r>
+              <a:rPr lang="en-GB" b="0" dirty="0">
+                <a:solidFill>
+                  <a:srgbClr val="CCCCCC"/>
+                </a:solidFill>
+                <a:effectLst/>
+                <a:latin typeface="+mn-lt"/>
+              </a:rPr>
+              <a:t> providing further information.</a:t>
+            </a:r>
+          </a:p>
+          <a:p>
+            <a:endParaRPr lang="en-GB" b="0" dirty="0">
+              <a:solidFill>
+                <a:srgbClr val="CCCCCC"/>
+              </a:solidFill>
+              <a:effectLst/>
+              <a:latin typeface="+mn-lt"/>
+            </a:endParaRPr>
+          </a:p>
+          <a:p>
+            <a:pPr algn="l"/>
+            <a:r>
+              <a:rPr lang="en-GB" b="1" i="0" dirty="0">
+                <a:solidFill>
+                  <a:srgbClr val="CCCCCC"/>
+                </a:solidFill>
+                <a:effectLst/>
+                <a:latin typeface="+mn-lt"/>
+              </a:rPr>
+              <a:t>Data Cleaning and Pre-Processing:</a:t>
+            </a:r>
+            <a:br>
+              <a:rPr lang="en-GB" b="1" i="0" dirty="0">
+                <a:solidFill>
+                  <a:srgbClr val="CCCCCC"/>
+                </a:solidFill>
+                <a:effectLst/>
+                <a:latin typeface="+mn-lt"/>
+              </a:rPr>
+            </a:br>
+            <a:r>
+              <a:rPr lang="en-GB" b="1" i="0" dirty="0">
+                <a:solidFill>
+                  <a:srgbClr val="CCCCCC"/>
+                </a:solidFill>
+                <a:effectLst/>
+                <a:latin typeface="+mn-lt"/>
+              </a:rPr>
+              <a:t>- Parameter were renamed for consistency and accuracy.</a:t>
+            </a:r>
+          </a:p>
+          <a:p>
+            <a:pPr algn="l"/>
+            <a:r>
+              <a:rPr lang="en-GB" b="0" i="0" dirty="0">
+                <a:solidFill>
+                  <a:srgbClr val="CCCCCC"/>
+                </a:solidFill>
+                <a:effectLst/>
+                <a:latin typeface="+mn-lt"/>
+              </a:rPr>
+              <a:t>- </a:t>
+            </a:r>
+            <a:r>
+              <a:rPr lang="en-GB" b="1" i="0" dirty="0">
+                <a:solidFill>
+                  <a:srgbClr val="CCCCCC"/>
+                </a:solidFill>
+                <a:effectLst/>
+                <a:latin typeface="+mn-lt"/>
+              </a:rPr>
+              <a:t>Redundant Columns like </a:t>
+            </a:r>
+            <a:r>
+              <a:rPr lang="en-GB" b="0" i="0" dirty="0" err="1">
+                <a:solidFill>
+                  <a:srgbClr val="CCCCCC"/>
+                </a:solidFill>
+                <a:effectLst/>
+                <a:latin typeface="+mn-lt"/>
+              </a:rPr>
+              <a:t>highBP</a:t>
+            </a:r>
+            <a:r>
+              <a:rPr lang="en-GB" b="0" i="0" dirty="0">
+                <a:solidFill>
+                  <a:srgbClr val="CCCCCC"/>
+                </a:solidFill>
+                <a:effectLst/>
+                <a:latin typeface="+mn-lt"/>
+              </a:rPr>
+              <a:t> was dropped. This reduces the possibility of conflicting information.</a:t>
+            </a:r>
+          </a:p>
+          <a:p>
+            <a:pPr algn="l"/>
+            <a:r>
+              <a:rPr lang="en-GB" b="0" i="0" dirty="0">
+                <a:solidFill>
+                  <a:srgbClr val="CCCCCC"/>
+                </a:solidFill>
+                <a:effectLst/>
+                <a:latin typeface="+mn-lt"/>
+              </a:rPr>
+              <a:t>- </a:t>
+            </a:r>
+            <a:r>
+              <a:rPr lang="en-GB" b="1" i="0" dirty="0">
+                <a:solidFill>
+                  <a:srgbClr val="CCCCCC"/>
+                </a:solidFill>
+                <a:effectLst/>
+                <a:latin typeface="+mn-lt"/>
+              </a:rPr>
+              <a:t>Missing Value: </a:t>
+            </a:r>
+            <a:r>
+              <a:rPr lang="en-GB" b="0" i="0" dirty="0">
+                <a:solidFill>
+                  <a:srgbClr val="CCCCCC"/>
+                </a:solidFill>
+                <a:effectLst/>
+                <a:latin typeface="+mn-lt"/>
+              </a:rPr>
+              <a:t>Rows containing missing values were removed entirely to avoid corruption by incomplete data.</a:t>
+            </a:r>
+          </a:p>
+          <a:p>
+            <a:pPr algn="l"/>
+            <a:r>
+              <a:rPr lang="en-GB" b="1" i="0" dirty="0">
+                <a:solidFill>
+                  <a:srgbClr val="CCCCCC"/>
+                </a:solidFill>
+                <a:effectLst/>
+                <a:latin typeface="+mn-lt"/>
+              </a:rPr>
+              <a:t>- Categorical Parameters were converted to numerical values. </a:t>
+            </a:r>
+            <a:r>
+              <a:rPr lang="en-GB" b="0" i="0" dirty="0">
+                <a:solidFill>
+                  <a:srgbClr val="CCCCCC"/>
+                </a:solidFill>
+                <a:effectLst/>
+                <a:latin typeface="+mn-lt"/>
+              </a:rPr>
+              <a:t>This conversion allows parameters to be used in machine learning algorithms that require numerical features.</a:t>
+            </a:r>
+          </a:p>
+          <a:p>
+            <a:pPr algn="l"/>
+            <a:endParaRPr lang="en-GB" b="0" i="0" dirty="0">
+              <a:solidFill>
+                <a:srgbClr val="CCCCCC"/>
+              </a:solidFill>
+              <a:effectLst/>
+              <a:latin typeface="+mn-lt"/>
+            </a:endParaRPr>
+          </a:p>
+          <a:p>
+            <a:pPr algn="l"/>
+            <a:r>
+              <a:rPr lang="en-GB" b="1" i="0" dirty="0">
+                <a:solidFill>
+                  <a:srgbClr val="CCCCCC"/>
+                </a:solidFill>
+                <a:effectLst/>
+                <a:latin typeface="+mn-lt"/>
+              </a:rPr>
+              <a:t>Data Splitting:</a:t>
+            </a:r>
+            <a:endParaRPr lang="en-GB" b="0" i="0" dirty="0">
+              <a:solidFill>
+                <a:srgbClr val="CCCCCC"/>
+              </a:solidFill>
+              <a:effectLst/>
+              <a:latin typeface="+mn-lt"/>
+            </a:endParaRPr>
+          </a:p>
+          <a:p>
+            <a:pPr algn="l">
+              <a:buFont typeface="Arial" panose="020B0604020202020204" pitchFamily="34" charset="0"/>
+              <a:buChar char="•"/>
+            </a:pPr>
+            <a:r>
+              <a:rPr lang="en-GB" b="0" i="0" dirty="0">
+                <a:solidFill>
+                  <a:srgbClr val="CCCCCC"/>
+                </a:solidFill>
+                <a:effectLst/>
+                <a:latin typeface="+mn-lt"/>
+              </a:rPr>
+              <a:t>Defined the target Diabetic and feature parameters and split the data into subsets ready for the training and testing of models.</a:t>
+            </a:r>
+          </a:p>
+          <a:p>
+            <a:pPr algn="l">
+              <a:buFont typeface="Arial" panose="020B0604020202020204" pitchFamily="34" charset="0"/>
+              <a:buChar char="•"/>
+            </a:pPr>
+            <a:endParaRPr lang="en-GB" b="0" i="0" dirty="0">
+              <a:solidFill>
+                <a:srgbClr val="CCCCCC"/>
+              </a:solidFill>
+              <a:effectLst/>
+              <a:latin typeface="+mn-lt"/>
+            </a:endParaRPr>
+          </a:p>
+          <a:p>
+            <a:pPr algn="l"/>
+            <a:r>
+              <a:rPr lang="en-GB" b="1" i="0" dirty="0">
+                <a:solidFill>
+                  <a:srgbClr val="CCCCCC"/>
+                </a:solidFill>
+                <a:effectLst/>
+                <a:latin typeface="+mn-lt"/>
+              </a:rPr>
+              <a:t>Feature scaling:</a:t>
+            </a:r>
+            <a:endParaRPr lang="en-GB" b="0" i="0" dirty="0">
+              <a:solidFill>
+                <a:srgbClr val="CCCCCC"/>
+              </a:solidFill>
+              <a:effectLst/>
+              <a:latin typeface="+mn-lt"/>
+            </a:endParaRPr>
+          </a:p>
+          <a:p>
+            <a:pPr algn="l">
+              <a:buFont typeface="Arial" panose="020B0604020202020204" pitchFamily="34" charset="0"/>
+              <a:buChar char="•"/>
+            </a:pPr>
+            <a:r>
+              <a:rPr lang="en-GB" b="0" i="0" dirty="0">
+                <a:solidFill>
+                  <a:srgbClr val="CCCCCC"/>
+                </a:solidFill>
+                <a:effectLst/>
+                <a:latin typeface="+mn-lt"/>
+              </a:rPr>
+              <a:t>Standardised numerical features using Z-score normalisation.</a:t>
+            </a:r>
+            <a:endParaRPr lang="en-GB" b="0" dirty="0">
+              <a:solidFill>
+                <a:srgbClr val="CCCCCC"/>
+              </a:solidFill>
+              <a:effectLst/>
+              <a:latin typeface="+mn-lt"/>
+            </a:endParaRPr>
+          </a:p>
+          <a:p>
+            <a:endParaRPr lang="en-US" dirty="0">
+              <a:latin typeface="+mn-lt"/>
+            </a:endParaRPr>
+          </a:p>
+        </p:txBody>
+      </p:sp>
+      <p:sp>
+        <p:nvSpPr>
+          <p:cNvPr id="4" name="Slide Number Placeholder 3"/>
+          <p:cNvSpPr>
+            <a:spLocks noGrp="1"/>
+          </p:cNvSpPr>
+          <p:nvPr>
+            <p:ph type="sldNum" sz="quarter" idx="5"/>
+          </p:nvPr>
+        </p:nvSpPr>
+        <p:spPr/>
+        <p:txBody>
+          <a:bodyPr/>
+          <a:lstStyle/>
+          <a:p>
+            <a:fld id="{4D7E02E5-87D3-E448-947F-831956D1A2E7}" type="slidenum">
+              <a:rPr lang="en-US" smtClean="0"/>
+              <a:t>3</a:t>
+            </a:fld>
+            <a:endParaRPr lang="en-US"/>
+          </a:p>
+        </p:txBody>
+      </p:sp>
+    </p:spTree>
+    <p:extLst>
+      <p:ext uri="{BB962C8B-B14F-4D97-AF65-F5344CB8AC3E}">
+        <p14:creationId xmlns:p14="http://schemas.microsoft.com/office/powerpoint/2010/main" val="1873853049"/>
+      </p:ext>
+    </p:extLst>
+  </p:cSld>
+  <p:clrMapOvr>
+    <a:masterClrMapping/>
+  </p:clrMapOvr>
+</p:notes>
+</file>
+
+<file path=ppt/notesSlides/notesSlide3.xml><?xml version="1.0" encoding="utf-8"?>
+<p:notes xmlns:a="http://schemas.openxmlformats.org/drawingml/2006/main" xmlns:r="http://schemas.openxmlformats.org/officeDocument/2006/relationships" xmlns:p="http://schemas.openxmlformats.org/presentationml/2006/main">
+  <p:cSld>
+    <p:spTree>
+      <p:nvGrpSpPr>
+        <p:cNvPr id="1" name=""/>
+        <p:cNvGrpSpPr/>
+        <p:nvPr/>
+      </p:nvGrpSpPr>
+      <p:grpSpPr>
+        <a:xfrm>
+          <a:off x="0" y="0"/>
+          <a:ext cx="0" cy="0"/>
+          <a:chOff x="0" y="0"/>
+          <a:chExt cx="0" cy="0"/>
+        </a:xfrm>
+      </p:grpSpPr>
+      <p:sp>
+        <p:nvSpPr>
+          <p:cNvPr id="2" name="Slide Image Placeholder 1"/>
+          <p:cNvSpPr>
+            <a:spLocks noGrp="1" noRot="1" noChangeAspect="1"/>
+          </p:cNvSpPr>
+          <p:nvPr>
+            <p:ph type="sldImg"/>
+          </p:nvPr>
+        </p:nvSpPr>
+        <p:spPr/>
+      </p:sp>
+      <p:sp>
+        <p:nvSpPr>
+          <p:cNvPr id="3" name="Notes Placeholder 2"/>
+          <p:cNvSpPr>
+            <a:spLocks noGrp="1"/>
+          </p:cNvSpPr>
+          <p:nvPr>
+            <p:ph type="body" idx="1"/>
+          </p:nvPr>
+        </p:nvSpPr>
+        <p:spPr/>
+        <p:txBody>
+          <a:bodyPr/>
+          <a:lstStyle/>
+          <a:p>
+            <a:r>
+              <a:rPr lang="en-GB" b="1" dirty="0">
+                <a:solidFill>
+                  <a:srgbClr val="569CD6"/>
+                </a:solidFill>
+                <a:effectLst/>
+                <a:latin typeface="+mn-lt"/>
+              </a:rPr>
+              <a:t>Model Building:</a:t>
+            </a:r>
+            <a:endParaRPr lang="en-GB" b="0" dirty="0">
+              <a:solidFill>
+                <a:srgbClr val="CCCCCC"/>
+              </a:solidFill>
+              <a:effectLst/>
+              <a:latin typeface="+mn-lt"/>
+            </a:endParaRPr>
+          </a:p>
+          <a:p>
+            <a:r>
+              <a:rPr lang="en-GB" b="0" dirty="0">
+                <a:solidFill>
+                  <a:srgbClr val="6796E6"/>
+                </a:solidFill>
+                <a:effectLst/>
+                <a:latin typeface="+mn-lt"/>
+              </a:rPr>
+              <a:t>-</a:t>
+            </a:r>
+            <a:r>
+              <a:rPr lang="en-GB" b="0" dirty="0">
+                <a:solidFill>
+                  <a:srgbClr val="CCCCCC"/>
+                </a:solidFill>
+                <a:effectLst/>
+                <a:latin typeface="+mn-lt"/>
+              </a:rPr>
+              <a:t> </a:t>
+            </a:r>
+            <a:r>
+              <a:rPr lang="en-GB" b="1" dirty="0">
+                <a:solidFill>
+                  <a:srgbClr val="569CD6"/>
+                </a:solidFill>
+                <a:effectLst/>
+                <a:latin typeface="+mn-lt"/>
+              </a:rPr>
+              <a:t>Logistic Regression: </a:t>
+            </a:r>
+            <a:r>
+              <a:rPr lang="en-GB" b="0" dirty="0">
+                <a:solidFill>
+                  <a:srgbClr val="CCCCCC"/>
+                </a:solidFill>
+                <a:effectLst/>
+                <a:latin typeface="+mn-lt"/>
+              </a:rPr>
+              <a:t>Trained a logistic regression model as a baseline model.</a:t>
+            </a:r>
+          </a:p>
+          <a:p>
+            <a:r>
+              <a:rPr lang="en-GB" b="0" dirty="0">
+                <a:solidFill>
+                  <a:srgbClr val="6796E6"/>
+                </a:solidFill>
+                <a:effectLst/>
+                <a:latin typeface="+mn-lt"/>
+              </a:rPr>
+              <a:t>-</a:t>
+            </a:r>
+            <a:r>
+              <a:rPr lang="en-GB" b="0" dirty="0">
+                <a:solidFill>
+                  <a:srgbClr val="CCCCCC"/>
+                </a:solidFill>
+                <a:effectLst/>
+                <a:latin typeface="+mn-lt"/>
+              </a:rPr>
+              <a:t> </a:t>
+            </a:r>
+            <a:r>
+              <a:rPr lang="en-GB" b="1" dirty="0">
+                <a:solidFill>
+                  <a:srgbClr val="569CD6"/>
+                </a:solidFill>
+                <a:effectLst/>
+                <a:latin typeface="+mn-lt"/>
+              </a:rPr>
+              <a:t>Random Forest:</a:t>
+            </a:r>
+            <a:r>
+              <a:rPr lang="en-GB" b="0" dirty="0">
+                <a:solidFill>
+                  <a:srgbClr val="CCCCCC"/>
+                </a:solidFill>
+                <a:effectLst/>
+                <a:latin typeface="+mn-lt"/>
+              </a:rPr>
+              <a:t> Implemented a random forest classifier to capture non-linear relationships between features.</a:t>
+            </a:r>
+          </a:p>
+          <a:p>
+            <a:r>
+              <a:rPr lang="en-GB" b="0" dirty="0">
+                <a:solidFill>
+                  <a:srgbClr val="6796E6"/>
+                </a:solidFill>
+                <a:effectLst/>
+                <a:latin typeface="+mn-lt"/>
+              </a:rPr>
+              <a:t>-</a:t>
+            </a:r>
+            <a:r>
+              <a:rPr lang="en-GB" b="0" dirty="0">
+                <a:solidFill>
+                  <a:srgbClr val="CCCCCC"/>
+                </a:solidFill>
+                <a:effectLst/>
+                <a:latin typeface="+mn-lt"/>
+              </a:rPr>
+              <a:t> </a:t>
+            </a:r>
+            <a:r>
+              <a:rPr lang="en-GB" b="1" dirty="0">
+                <a:solidFill>
+                  <a:srgbClr val="569CD6"/>
+                </a:solidFill>
+                <a:effectLst/>
+                <a:latin typeface="+mn-lt"/>
+              </a:rPr>
+              <a:t>Decision Tree:</a:t>
+            </a:r>
+            <a:r>
+              <a:rPr lang="en-GB" b="0" dirty="0">
+                <a:solidFill>
+                  <a:srgbClr val="CCCCCC"/>
+                </a:solidFill>
+                <a:effectLst/>
+                <a:latin typeface="+mn-lt"/>
+              </a:rPr>
+              <a:t> Built a decision tree classifier to understand the decision-making process.</a:t>
+            </a:r>
+          </a:p>
+          <a:p>
+            <a:r>
+              <a:rPr lang="en-GB" b="0" dirty="0">
+                <a:solidFill>
+                  <a:srgbClr val="6796E6"/>
+                </a:solidFill>
+                <a:effectLst/>
+                <a:latin typeface="+mn-lt"/>
+              </a:rPr>
+              <a:t>-</a:t>
+            </a:r>
+            <a:r>
+              <a:rPr lang="en-GB" b="0" dirty="0">
+                <a:solidFill>
+                  <a:srgbClr val="CCCCCC"/>
+                </a:solidFill>
+                <a:effectLst/>
+                <a:latin typeface="+mn-lt"/>
+              </a:rPr>
+              <a:t> </a:t>
+            </a:r>
+            <a:r>
+              <a:rPr lang="en-GB" b="1" dirty="0">
+                <a:solidFill>
+                  <a:srgbClr val="569CD6"/>
+                </a:solidFill>
+                <a:effectLst/>
+                <a:latin typeface="+mn-lt"/>
+              </a:rPr>
+              <a:t>Support Vector Machine (SVM):</a:t>
+            </a:r>
+            <a:r>
+              <a:rPr lang="en-GB" b="0" dirty="0">
+                <a:solidFill>
+                  <a:srgbClr val="CCCCCC"/>
+                </a:solidFill>
+                <a:effectLst/>
+                <a:latin typeface="+mn-lt"/>
+              </a:rPr>
+              <a:t> Employed SVM with different kernels (linear, polynomial, and radial basis function) to find the best separating hyperplane. In this project, a linear kernel was selected due to its computational efficiency, which is advantageous for large datasets.</a:t>
+            </a:r>
+          </a:p>
+          <a:p>
+            <a:r>
+              <a:rPr lang="en-GB" b="0" dirty="0">
+                <a:solidFill>
+                  <a:srgbClr val="6796E6"/>
+                </a:solidFill>
+                <a:effectLst/>
+                <a:latin typeface="+mn-lt"/>
+              </a:rPr>
+              <a:t>-</a:t>
+            </a:r>
+            <a:r>
+              <a:rPr lang="en-GB" b="0" dirty="0">
+                <a:solidFill>
+                  <a:srgbClr val="CCCCCC"/>
+                </a:solidFill>
+                <a:effectLst/>
+                <a:latin typeface="+mn-lt"/>
+              </a:rPr>
+              <a:t> </a:t>
+            </a:r>
+            <a:r>
+              <a:rPr lang="en-GB" b="1" dirty="0">
+                <a:solidFill>
+                  <a:srgbClr val="569CD6"/>
+                </a:solidFill>
+                <a:effectLst/>
+                <a:latin typeface="+mn-lt"/>
+              </a:rPr>
+              <a:t>K-Nearest </a:t>
+            </a:r>
+            <a:r>
+              <a:rPr lang="en-GB" b="1" dirty="0" err="1">
+                <a:solidFill>
+                  <a:srgbClr val="569CD6"/>
+                </a:solidFill>
+                <a:effectLst/>
+                <a:latin typeface="+mn-lt"/>
+              </a:rPr>
+              <a:t>Neighbors</a:t>
+            </a:r>
+            <a:r>
+              <a:rPr lang="en-GB" b="1" dirty="0">
+                <a:solidFill>
+                  <a:srgbClr val="569CD6"/>
+                </a:solidFill>
+                <a:effectLst/>
+                <a:latin typeface="+mn-lt"/>
+              </a:rPr>
+              <a:t> (KNN):</a:t>
+            </a:r>
+            <a:r>
+              <a:rPr lang="en-GB" b="0" dirty="0">
+                <a:solidFill>
+                  <a:srgbClr val="CCCCCC"/>
+                </a:solidFill>
+                <a:effectLst/>
+                <a:latin typeface="+mn-lt"/>
+              </a:rPr>
+              <a:t> Implemented KNN to classify data points based on the majority class of their nearest neighbours.</a:t>
+            </a:r>
+          </a:p>
+          <a:p>
+            <a:r>
+              <a:rPr lang="en-GB" b="0" dirty="0">
+                <a:solidFill>
+                  <a:srgbClr val="6796E6"/>
+                </a:solidFill>
+                <a:effectLst/>
+                <a:latin typeface="+mn-lt"/>
+              </a:rPr>
+              <a:t>-</a:t>
+            </a:r>
+            <a:r>
+              <a:rPr lang="en-GB" b="0" dirty="0">
+                <a:solidFill>
+                  <a:srgbClr val="CCCCCC"/>
+                </a:solidFill>
+                <a:effectLst/>
+                <a:latin typeface="+mn-lt"/>
+              </a:rPr>
+              <a:t> </a:t>
+            </a:r>
+            <a:r>
+              <a:rPr lang="en-GB" b="1" dirty="0">
+                <a:solidFill>
+                  <a:srgbClr val="569CD6"/>
+                </a:solidFill>
+                <a:effectLst/>
+                <a:latin typeface="+mn-lt"/>
+              </a:rPr>
+              <a:t>Neural Network:</a:t>
+            </a:r>
+            <a:r>
+              <a:rPr lang="en-GB" b="0" dirty="0">
+                <a:solidFill>
+                  <a:srgbClr val="CCCCCC"/>
+                </a:solidFill>
+                <a:effectLst/>
+                <a:latin typeface="+mn-lt"/>
+              </a:rPr>
+              <a:t> Constructed a Neural Network with multiple hidden layers using TensorFlow.</a:t>
+            </a:r>
+          </a:p>
+          <a:p>
+            <a:endParaRPr lang="en-GB" b="1" dirty="0">
+              <a:solidFill>
+                <a:srgbClr val="569CD6"/>
+              </a:solidFill>
+              <a:effectLst/>
+              <a:latin typeface="+mn-lt"/>
+            </a:endParaRPr>
+          </a:p>
+          <a:p>
+            <a:r>
+              <a:rPr lang="en-GB" b="1" dirty="0">
+                <a:solidFill>
+                  <a:srgbClr val="569CD6"/>
+                </a:solidFill>
+                <a:effectLst/>
+                <a:latin typeface="+mn-lt"/>
+              </a:rPr>
+              <a:t>Tuning and Optimisation:</a:t>
+            </a:r>
+          </a:p>
+          <a:p>
+            <a:r>
+              <a:rPr lang="en-GB" b="1" dirty="0">
+                <a:solidFill>
+                  <a:srgbClr val="569CD6"/>
+                </a:solidFill>
+                <a:effectLst/>
+                <a:latin typeface="+mn-lt"/>
+              </a:rPr>
+              <a:t>Hyperparameter Tuning:</a:t>
+            </a:r>
+            <a:endParaRPr lang="en-GB" b="0" dirty="0">
+              <a:solidFill>
+                <a:srgbClr val="CCCCCC"/>
+              </a:solidFill>
+              <a:effectLst/>
+              <a:latin typeface="+mn-lt"/>
+            </a:endParaRPr>
+          </a:p>
+          <a:p>
+            <a:r>
+              <a:rPr lang="en-GB" b="0" dirty="0">
+                <a:solidFill>
+                  <a:srgbClr val="6796E6"/>
+                </a:solidFill>
+                <a:effectLst/>
+                <a:latin typeface="+mn-lt"/>
+              </a:rPr>
+              <a:t>-</a:t>
+            </a:r>
+            <a:r>
+              <a:rPr lang="en-GB" b="0" dirty="0">
+                <a:solidFill>
+                  <a:srgbClr val="CCCCCC"/>
+                </a:solidFill>
+                <a:effectLst/>
+                <a:latin typeface="+mn-lt"/>
+              </a:rPr>
+              <a:t> Utilised </a:t>
+            </a:r>
+            <a:r>
+              <a:rPr lang="en-GB" b="1" dirty="0" err="1">
+                <a:solidFill>
+                  <a:srgbClr val="569CD6"/>
+                </a:solidFill>
+                <a:effectLst/>
+                <a:latin typeface="+mn-lt"/>
+              </a:rPr>
+              <a:t>GridSearchCV</a:t>
+            </a:r>
+            <a:r>
+              <a:rPr lang="en-GB" b="0" dirty="0">
+                <a:solidFill>
+                  <a:srgbClr val="CCCCCC"/>
+                </a:solidFill>
+                <a:effectLst/>
+                <a:latin typeface="+mn-lt"/>
+              </a:rPr>
+              <a:t> to tune hyperparameters for Logistic Regression, Random Forest, Decision Tree, SVM and KNN.</a:t>
+            </a:r>
+          </a:p>
+          <a:p>
+            <a:r>
+              <a:rPr lang="en-GB" b="1" dirty="0">
+                <a:solidFill>
+                  <a:srgbClr val="569CD6"/>
+                </a:solidFill>
+                <a:effectLst/>
+                <a:latin typeface="+mn-lt"/>
+              </a:rPr>
+              <a:t>Neural Network Optimisation:</a:t>
+            </a:r>
+            <a:endParaRPr lang="en-GB" b="0" dirty="0">
+              <a:solidFill>
+                <a:srgbClr val="CCCCCC"/>
+              </a:solidFill>
+              <a:effectLst/>
+              <a:latin typeface="+mn-lt"/>
+            </a:endParaRPr>
+          </a:p>
+          <a:p>
+            <a:r>
+              <a:rPr lang="en-GB" b="0" dirty="0">
+                <a:solidFill>
+                  <a:srgbClr val="6796E6"/>
+                </a:solidFill>
+                <a:effectLst/>
+                <a:latin typeface="+mn-lt"/>
+              </a:rPr>
+              <a:t>-</a:t>
+            </a:r>
+            <a:r>
+              <a:rPr lang="en-GB" b="0" dirty="0">
+                <a:solidFill>
+                  <a:srgbClr val="CCCCCC"/>
+                </a:solidFill>
+                <a:effectLst/>
+                <a:latin typeface="+mn-lt"/>
+              </a:rPr>
+              <a:t> Used </a:t>
+            </a:r>
+            <a:r>
+              <a:rPr lang="en-GB" b="1" dirty="0" err="1">
+                <a:solidFill>
+                  <a:srgbClr val="569CD6"/>
+                </a:solidFill>
+                <a:effectLst/>
+                <a:latin typeface="+mn-lt"/>
+              </a:rPr>
+              <a:t>Keras</a:t>
+            </a:r>
+            <a:r>
+              <a:rPr lang="en-GB" b="1" dirty="0">
+                <a:solidFill>
+                  <a:srgbClr val="569CD6"/>
+                </a:solidFill>
+                <a:effectLst/>
+                <a:latin typeface="+mn-lt"/>
+              </a:rPr>
+              <a:t> Tuner</a:t>
+            </a:r>
+            <a:r>
+              <a:rPr lang="en-GB" b="0" dirty="0">
+                <a:solidFill>
+                  <a:srgbClr val="CCCCCC"/>
+                </a:solidFill>
+                <a:effectLst/>
+                <a:latin typeface="+mn-lt"/>
+              </a:rPr>
+              <a:t> to perform hyperparameter optimisation for the Neural Network model, including the number of hidden layers, neurons per layer, activation functions, and learning rate.</a:t>
+            </a:r>
+          </a:p>
+          <a:p>
+            <a:endParaRPr lang="en-US" dirty="0">
+              <a:latin typeface="+mn-lt"/>
+            </a:endParaRPr>
+          </a:p>
+        </p:txBody>
+      </p:sp>
+      <p:sp>
+        <p:nvSpPr>
+          <p:cNvPr id="4" name="Slide Number Placeholder 3"/>
+          <p:cNvSpPr>
+            <a:spLocks noGrp="1"/>
+          </p:cNvSpPr>
+          <p:nvPr>
+            <p:ph type="sldNum" sz="quarter" idx="5"/>
+          </p:nvPr>
+        </p:nvSpPr>
+        <p:spPr/>
+        <p:txBody>
+          <a:bodyPr/>
+          <a:lstStyle/>
+          <a:p>
+            <a:fld id="{4D7E02E5-87D3-E448-947F-831956D1A2E7}" type="slidenum">
+              <a:rPr lang="en-US" smtClean="0"/>
+              <a:t>4</a:t>
+            </a:fld>
+            <a:endParaRPr lang="en-US"/>
+          </a:p>
+        </p:txBody>
+      </p:sp>
+    </p:spTree>
+    <p:extLst>
+      <p:ext uri="{BB962C8B-B14F-4D97-AF65-F5344CB8AC3E}">
+        <p14:creationId xmlns:p14="http://schemas.microsoft.com/office/powerpoint/2010/main" val="1425259791"/>
+      </p:ext>
+    </p:extLst>
+  </p:cSld>
+  <p:clrMapOvr>
+    <a:masterClrMapping/>
+  </p:clrMapOvr>
+</p:notes>
+</file>
+
+<file path=ppt/notesSlides/notesSlide4.xml><?xml version="1.0" encoding="utf-8"?>
+<p:notes xmlns:a="http://schemas.openxmlformats.org/drawingml/2006/main" xmlns:r="http://schemas.openxmlformats.org/officeDocument/2006/relationships" xmlns:p="http://schemas.openxmlformats.org/presentationml/2006/main">
+  <p:cSld>
+    <p:spTree>
+      <p:nvGrpSpPr>
+        <p:cNvPr id="1" name=""/>
+        <p:cNvGrpSpPr/>
+        <p:nvPr/>
+      </p:nvGrpSpPr>
+      <p:grpSpPr>
+        <a:xfrm>
+          <a:off x="0" y="0"/>
+          <a:ext cx="0" cy="0"/>
+          <a:chOff x="0" y="0"/>
+          <a:chExt cx="0" cy="0"/>
+        </a:xfrm>
+      </p:grpSpPr>
+      <p:sp>
+        <p:nvSpPr>
+          <p:cNvPr id="2" name="Slide Image Placeholder 1"/>
+          <p:cNvSpPr>
+            <a:spLocks noGrp="1" noRot="1" noChangeAspect="1"/>
+          </p:cNvSpPr>
+          <p:nvPr>
+            <p:ph type="sldImg"/>
+          </p:nvPr>
+        </p:nvSpPr>
+        <p:spPr/>
+      </p:sp>
+      <p:sp>
+        <p:nvSpPr>
+          <p:cNvPr id="3" name="Notes Placeholder 2"/>
+          <p:cNvSpPr>
+            <a:spLocks noGrp="1"/>
+          </p:cNvSpPr>
+          <p:nvPr>
+            <p:ph type="body" idx="1"/>
+          </p:nvPr>
+        </p:nvSpPr>
+        <p:spPr/>
+        <p:txBody>
+          <a:bodyPr/>
+          <a:lstStyle/>
+          <a:p>
+            <a:r>
+              <a:rPr lang="en-GB" b="0" dirty="0">
+                <a:solidFill>
+                  <a:srgbClr val="CCCCCC"/>
+                </a:solidFill>
+                <a:effectLst/>
+                <a:latin typeface="+mn-lt"/>
+              </a:rPr>
+              <a:t>The Neural Network model demonstrates the highest accuracy and balanced performance in predicting Type 2 diabetes. Random Forest, Decision Tree, and KNN also exhibit promising results, closely following the Neural Network in terms of accuracy and performance metrics. SVM and Logistic Regression show comparatively lower accuracy and performance metrics.</a:t>
+            </a:r>
+          </a:p>
+          <a:p>
+            <a:br>
+              <a:rPr lang="en-GB" b="0" dirty="0">
+                <a:solidFill>
+                  <a:srgbClr val="CCCCCC"/>
+                </a:solidFill>
+                <a:effectLst/>
+                <a:latin typeface="+mn-lt"/>
+              </a:rPr>
+            </a:br>
+            <a:r>
+              <a:rPr lang="en-GB" b="0" dirty="0">
+                <a:solidFill>
+                  <a:srgbClr val="CCCCCC"/>
+                </a:solidFill>
+                <a:effectLst/>
+                <a:latin typeface="+mn-lt"/>
+              </a:rPr>
+              <a:t>Using Random Forest, it was found that the top 3 features influencing the predictions are </a:t>
+            </a:r>
+            <a:r>
+              <a:rPr lang="en-GB" b="0" dirty="0" err="1">
+                <a:solidFill>
+                  <a:srgbClr val="CE9178"/>
+                </a:solidFill>
+                <a:effectLst/>
+                <a:latin typeface="+mn-lt"/>
+              </a:rPr>
+              <a:t>RegularMedicine</a:t>
+            </a:r>
+            <a:r>
+              <a:rPr lang="en-GB" b="0" dirty="0">
+                <a:solidFill>
+                  <a:srgbClr val="CCCCCC"/>
+                </a:solidFill>
+                <a:effectLst/>
+                <a:latin typeface="+mn-lt"/>
+              </a:rPr>
+              <a:t>, </a:t>
+            </a:r>
+            <a:r>
+              <a:rPr lang="en-GB" b="0" dirty="0">
+                <a:solidFill>
+                  <a:srgbClr val="CE9178"/>
+                </a:solidFill>
+                <a:effectLst/>
+                <a:latin typeface="+mn-lt"/>
+              </a:rPr>
+              <a:t>Age</a:t>
+            </a:r>
+            <a:r>
+              <a:rPr lang="en-GB" b="0" dirty="0">
+                <a:solidFill>
+                  <a:srgbClr val="CCCCCC"/>
+                </a:solidFill>
+                <a:effectLst/>
+                <a:latin typeface="+mn-lt"/>
+              </a:rPr>
+              <a:t>, and </a:t>
+            </a:r>
+            <a:r>
+              <a:rPr lang="en-GB" b="0" dirty="0">
+                <a:solidFill>
+                  <a:srgbClr val="CE9178"/>
+                </a:solidFill>
+                <a:effectLst/>
+                <a:latin typeface="+mn-lt"/>
+              </a:rPr>
+              <a:t>BMI</a:t>
+            </a:r>
+            <a:r>
+              <a:rPr lang="en-GB" b="0" dirty="0">
+                <a:solidFill>
+                  <a:srgbClr val="CCCCCC"/>
+                </a:solidFill>
+                <a:effectLst/>
+                <a:latin typeface="+mn-lt"/>
+              </a:rPr>
+              <a:t>.</a:t>
+            </a:r>
+          </a:p>
+          <a:p>
+            <a:br>
+              <a:rPr lang="en-GB" b="0" dirty="0">
+                <a:solidFill>
+                  <a:srgbClr val="CCCCCC"/>
+                </a:solidFill>
+                <a:effectLst/>
+                <a:latin typeface="+mn-lt"/>
+              </a:rPr>
+            </a:br>
+            <a:r>
+              <a:rPr lang="en-GB" b="0" dirty="0">
+                <a:solidFill>
+                  <a:srgbClr val="CCCCCC"/>
+                </a:solidFill>
+                <a:effectLst/>
+                <a:latin typeface="+mn-lt"/>
+              </a:rPr>
+              <a:t>Hyperparameter tuning by </a:t>
+            </a:r>
+            <a:r>
+              <a:rPr lang="en-GB" b="0" dirty="0" err="1">
+                <a:solidFill>
+                  <a:srgbClr val="CCCCCC"/>
+                </a:solidFill>
+                <a:effectLst/>
+                <a:latin typeface="+mn-lt"/>
+              </a:rPr>
+              <a:t>GridSearchCV</a:t>
+            </a:r>
+            <a:r>
+              <a:rPr lang="en-GB" b="0" dirty="0">
+                <a:solidFill>
+                  <a:srgbClr val="CCCCCC"/>
+                </a:solidFill>
+                <a:effectLst/>
+                <a:latin typeface="+mn-lt"/>
+              </a:rPr>
+              <a:t> resulted in significant improvement for SVM and minor improvement for Logistic Regression. However, due to diminishing returns, no visible improvements were observed in Decision Tree, Random Forest, and KNN after tuning.</a:t>
+            </a:r>
+          </a:p>
+          <a:p>
+            <a:br>
+              <a:rPr lang="en-GB" b="0" dirty="0">
+                <a:solidFill>
+                  <a:srgbClr val="CCCCCC"/>
+                </a:solidFill>
+                <a:effectLst/>
+                <a:latin typeface="+mn-lt"/>
+              </a:rPr>
+            </a:br>
+            <a:r>
+              <a:rPr lang="en-GB" b="0" dirty="0">
+                <a:solidFill>
+                  <a:srgbClr val="CCCCCC"/>
+                </a:solidFill>
+                <a:effectLst/>
+                <a:latin typeface="+mn-lt"/>
+              </a:rPr>
+              <a:t>Based on the results, the Neural Network model is recommended for accurate and reliable diabetes prediction. However, considering computational resources, Random Forest, Decision Tree, and KNN are also viable options as they strike a balance between accuracy and efficiency.</a:t>
+            </a:r>
+          </a:p>
+          <a:p>
+            <a:endParaRPr lang="en-US" dirty="0">
+              <a:latin typeface="+mn-lt"/>
+            </a:endParaRPr>
+          </a:p>
+        </p:txBody>
+      </p:sp>
+      <p:sp>
+        <p:nvSpPr>
+          <p:cNvPr id="4" name="Slide Number Placeholder 3"/>
+          <p:cNvSpPr>
+            <a:spLocks noGrp="1"/>
+          </p:cNvSpPr>
+          <p:nvPr>
+            <p:ph type="sldNum" sz="quarter" idx="5"/>
+          </p:nvPr>
+        </p:nvSpPr>
+        <p:spPr/>
+        <p:txBody>
+          <a:bodyPr/>
+          <a:lstStyle/>
+          <a:p>
+            <a:fld id="{4D7E02E5-87D3-E448-947F-831956D1A2E7}" type="slidenum">
+              <a:rPr lang="en-US" smtClean="0"/>
+              <a:t>8</a:t>
+            </a:fld>
+            <a:endParaRPr lang="en-US"/>
+          </a:p>
+        </p:txBody>
+      </p:sp>
+    </p:spTree>
+    <p:extLst>
+      <p:ext uri="{BB962C8B-B14F-4D97-AF65-F5344CB8AC3E}">
+        <p14:creationId xmlns:p14="http://schemas.microsoft.com/office/powerpoint/2010/main" val="391178529"/>
+      </p:ext>
+    </p:extLst>
+  </p:cSld>
+  <p:clrMapOvr>
+    <a:masterClrMapping/>
+  </p:clrMapOvr>
+</p:notes>
+</file>
+
+<file path=ppt/notesSlides/notesSlide5.xml><?xml version="1.0" encoding="utf-8"?>
+<p:notes xmlns:a="http://schemas.openxmlformats.org/drawingml/2006/main" xmlns:r="http://schemas.openxmlformats.org/officeDocument/2006/relationships" xmlns:p="http://schemas.openxmlformats.org/presentationml/2006/main">
+  <p:cSld>
+    <p:spTree>
+      <p:nvGrpSpPr>
+        <p:cNvPr id="1" name=""/>
+        <p:cNvGrpSpPr/>
+        <p:nvPr/>
+      </p:nvGrpSpPr>
+      <p:grpSpPr>
+        <a:xfrm>
+          <a:off x="0" y="0"/>
+          <a:ext cx="0" cy="0"/>
+          <a:chOff x="0" y="0"/>
+          <a:chExt cx="0" cy="0"/>
+        </a:xfrm>
+      </p:grpSpPr>
+      <p:sp>
+        <p:nvSpPr>
+          <p:cNvPr id="2" name="Slide Image Placeholder 1"/>
+          <p:cNvSpPr>
+            <a:spLocks noGrp="1" noRot="1" noChangeAspect="1"/>
+          </p:cNvSpPr>
+          <p:nvPr>
+            <p:ph type="sldImg"/>
+          </p:nvPr>
+        </p:nvSpPr>
+        <p:spPr/>
+      </p:sp>
+      <p:sp>
+        <p:nvSpPr>
+          <p:cNvPr id="3" name="Notes Placeholder 2"/>
+          <p:cNvSpPr>
+            <a:spLocks noGrp="1"/>
+          </p:cNvSpPr>
+          <p:nvPr>
+            <p:ph type="body" idx="1"/>
+          </p:nvPr>
+        </p:nvSpPr>
+        <p:spPr/>
+        <p:txBody>
+          <a:bodyPr/>
+          <a:lstStyle/>
+          <a:p>
+            <a:endParaRPr lang="en-US" dirty="0"/>
+          </a:p>
+        </p:txBody>
+      </p:sp>
+      <p:sp>
+        <p:nvSpPr>
+          <p:cNvPr id="4" name="Slide Number Placeholder 3"/>
+          <p:cNvSpPr>
+            <a:spLocks noGrp="1"/>
+          </p:cNvSpPr>
+          <p:nvPr>
+            <p:ph type="sldNum" sz="quarter" idx="5"/>
+          </p:nvPr>
+        </p:nvSpPr>
+        <p:spPr/>
+        <p:txBody>
+          <a:bodyPr/>
+          <a:lstStyle/>
+          <a:p>
+            <a:fld id="{4D7E02E5-87D3-E448-947F-831956D1A2E7}" type="slidenum">
+              <a:rPr lang="en-US" smtClean="0"/>
+              <a:t>9</a:t>
+            </a:fld>
+            <a:endParaRPr lang="en-US"/>
+          </a:p>
+        </p:txBody>
+      </p:sp>
+    </p:spTree>
+    <p:extLst>
+      <p:ext uri="{BB962C8B-B14F-4D97-AF65-F5344CB8AC3E}">
+        <p14:creationId xmlns:p14="http://schemas.microsoft.com/office/powerpoint/2010/main" val="2037400189"/>
+      </p:ext>
+    </p:extLst>
+  </p:cSld>
+  <p:clrMapOvr>
+    <a:masterClrMapping/>
+  </p:clrMapOvr>
+</p:notes>
 </file>
 
 <file path=ppt/slideLayouts/slideLayout1.xml><?xml version="1.0" encoding="utf-8"?>
@@ -239,10 +1992,9 @@
           <a:lstStyle/>
           <a:p>
             <a:r>
-              <a:rPr lang="en-US" smtClean="0"/>
+              <a:rPr lang="en-US"/>
               <a:t>Click to edit Master title style</a:t>
             </a:r>
-            <a:endParaRPr lang="en-US"/>
           </a:p>
         </p:txBody>
       </p:sp>
@@ -358,10 +2110,9 @@
           </a:lstStyle>
           <a:p>
             <a:r>
-              <a:rPr lang="en-US" smtClean="0"/>
+              <a:rPr lang="en-US"/>
               <a:t>Click to edit Master subtitle style</a:t>
             </a:r>
-            <a:endParaRPr lang="en-US"/>
           </a:p>
         </p:txBody>
       </p:sp>
@@ -383,7 +2134,7 @@
             <a:fld id="{1D8BD707-D9CF-40AE-B4C6-C98DA3205C09}" type="datetimeFigureOut">
               <a:rPr lang="en-US" smtClean="0"/>
               <a:pPr/>
-              <a:t>8/1/2011</a:t>
+              <a:t>4/2/24</a:t>
             </a:fld>
             <a:endParaRPr lang="en-US"/>
           </a:p>
@@ -473,10 +2224,9 @@
           <a:lstStyle/>
           <a:p>
             <a:r>
-              <a:rPr lang="en-US" smtClean="0"/>
+              <a:rPr lang="en-US"/>
               <a:t>Click to edit Master title style</a:t>
             </a:r>
-            <a:endParaRPr lang="en-US"/>
           </a:p>
         </p:txBody>
       </p:sp>
@@ -497,38 +2247,37 @@
           <a:p>
             <a:pPr lvl="0"/>
             <a:r>
-              <a:rPr lang="en-US" smtClean="0"/>
+              <a:rPr lang="en-US"/>
               <a:t>Click to edit Master text styles</a:t>
             </a:r>
           </a:p>
           <a:p>
             <a:pPr lvl="1"/>
             <a:r>
-              <a:rPr lang="en-US" smtClean="0"/>
+              <a:rPr lang="en-US"/>
               <a:t>Second level</a:t>
             </a:r>
           </a:p>
           <a:p>
             <a:pPr lvl="2"/>
             <a:r>
-              <a:rPr lang="en-US" smtClean="0"/>
+              <a:rPr lang="en-US"/>
               <a:t>Third level</a:t>
             </a:r>
           </a:p>
           <a:p>
             <a:pPr lvl="3"/>
             <a:r>
-              <a:rPr lang="en-US" smtClean="0"/>
+              <a:rPr lang="en-US"/>
               <a:t>Fourth level</a:t>
             </a:r>
           </a:p>
           <a:p>
             <a:pPr lvl="4"/>
             <a:r>
-              <a:rPr lang="en-US" smtClean="0"/>
+              <a:rPr lang="en-US"/>
               <a:t>Fifth level</a:t>
             </a:r>
-            <a:endParaRPr lang="en-US"/>
           </a:p>
         </p:txBody>
       </p:sp>
@@ -550,7 +2299,7 @@
             <a:fld id="{1D8BD707-D9CF-40AE-B4C6-C98DA3205C09}" type="datetimeFigureOut">
               <a:rPr lang="en-US" smtClean="0"/>
               <a:pPr/>
-              <a:t>8/1/2011</a:t>
+              <a:t>4/2/24</a:t>
             </a:fld>
             <a:endParaRPr lang="en-US"/>
           </a:p>
@@ -645,10 +2394,9 @@
           <a:lstStyle/>
           <a:p>
             <a:r>
-              <a:rPr lang="en-US" smtClean="0"/>
+              <a:rPr lang="en-US"/>
               <a:t>Click to edit Master title style</a:t>
             </a:r>
-            <a:endParaRPr lang="en-US"/>
           </a:p>
         </p:txBody>
       </p:sp>
@@ -674,38 +2422,37 @@
           <a:p>
             <a:pPr lvl="0"/>
             <a:r>
-              <a:rPr lang="en-US" smtClean="0"/>
+              <a:rPr lang="en-US"/>
               <a:t>Click to edit Master text styles</a:t>
             </a:r>
           </a:p>
           <a:p>
             <a:pPr lvl="1"/>
             <a:r>
-              <a:rPr lang="en-US" smtClean="0"/>
+              <a:rPr lang="en-US"/>
               <a:t>Second level</a:t>
             </a:r>
           </a:p>
           <a:p>
             <a:pPr lvl="2"/>
             <a:r>
-              <a:rPr lang="en-US" smtClean="0"/>
+              <a:rPr lang="en-US"/>
               <a:t>Third level</a:t>
             </a:r>
           </a:p>
           <a:p>
             <a:pPr lvl="3"/>
             <a:r>
-              <a:rPr lang="en-US" smtClean="0"/>
+              <a:rPr lang="en-US"/>
               <a:t>Fourth level</a:t>
             </a:r>
           </a:p>
           <a:p>
             <a:pPr lvl="4"/>
             <a:r>
-              <a:rPr lang="en-US" smtClean="0"/>
+              <a:rPr lang="en-US"/>
               <a:t>Fifth level</a:t>
             </a:r>
-            <a:endParaRPr lang="en-US"/>
           </a:p>
         </p:txBody>
       </p:sp>
@@ -727,7 +2474,7 @@
             <a:fld id="{1D8BD707-D9CF-40AE-B4C6-C98DA3205C09}" type="datetimeFigureOut">
               <a:rPr lang="en-US" smtClean="0"/>
               <a:pPr/>
-              <a:t>8/1/2011</a:t>
+              <a:t>4/2/24</a:t>
             </a:fld>
             <a:endParaRPr lang="en-US"/>
           </a:p>
@@ -817,10 +2564,9 @@
           <a:lstStyle/>
           <a:p>
             <a:r>
-              <a:rPr lang="en-US" smtClean="0"/>
+              <a:rPr lang="en-US"/>
               <a:t>Click to edit Master title style</a:t>
             </a:r>
-            <a:endParaRPr lang="en-US"/>
           </a:p>
         </p:txBody>
       </p:sp>
@@ -841,38 +2587,37 @@
           <a:p>
             <a:pPr lvl="0"/>
             <a:r>
-              <a:rPr lang="en-US" smtClean="0"/>
+              <a:rPr lang="en-US"/>
               <a:t>Click to edit Master text styles</a:t>
             </a:r>
           </a:p>
           <a:p>
             <a:pPr lvl="1"/>
             <a:r>
-              <a:rPr lang="en-US" smtClean="0"/>
+              <a:rPr lang="en-US"/>
               <a:t>Second level</a:t>
             </a:r>
           </a:p>
           <a:p>
             <a:pPr lvl="2"/>
             <a:r>
-              <a:rPr lang="en-US" smtClean="0"/>
+              <a:rPr lang="en-US"/>
               <a:t>Third level</a:t>
             </a:r>
           </a:p>
           <a:p>
             <a:pPr lvl="3"/>
             <a:r>
-              <a:rPr lang="en-US" smtClean="0"/>
+              <a:rPr lang="en-US"/>
               <a:t>Fourth level</a:t>
             </a:r>
           </a:p>
           <a:p>
             <a:pPr lvl="4"/>
             <a:r>
-              <a:rPr lang="en-US" smtClean="0"/>
+              <a:rPr lang="en-US"/>
               <a:t>Fifth level</a:t>
             </a:r>
-            <a:endParaRPr lang="en-US"/>
           </a:p>
         </p:txBody>
       </p:sp>
@@ -894,7 +2639,7 @@
             <a:fld id="{1D8BD707-D9CF-40AE-B4C6-C98DA3205C09}" type="datetimeFigureOut">
               <a:rPr lang="en-US" smtClean="0"/>
               <a:pPr/>
-              <a:t>8/1/2011</a:t>
+              <a:t>4/2/24</a:t>
             </a:fld>
             <a:endParaRPr lang="en-US"/>
           </a:p>
@@ -993,10 +2738,9 @@
           </a:lstStyle>
           <a:p>
             <a:r>
-              <a:rPr lang="en-US" smtClean="0"/>
+              <a:rPr lang="en-US"/>
               <a:t>Click to edit Master title style</a:t>
             </a:r>
-            <a:endParaRPr lang="en-US"/>
           </a:p>
         </p:txBody>
       </p:sp>
@@ -1113,7 +2857,7 @@
           <a:p>
             <a:pPr lvl="0"/>
             <a:r>
-              <a:rPr lang="en-US" smtClean="0"/>
+              <a:rPr lang="en-US"/>
               <a:t>Click to edit Master text styles</a:t>
             </a:r>
           </a:p>
@@ -1137,7 +2881,7 @@
             <a:fld id="{1D8BD707-D9CF-40AE-B4C6-C98DA3205C09}" type="datetimeFigureOut">
               <a:rPr lang="en-US" smtClean="0"/>
               <a:pPr/>
-              <a:t>8/1/2011</a:t>
+              <a:t>4/2/24</a:t>
             </a:fld>
             <a:endParaRPr lang="en-US"/>
           </a:p>
@@ -1227,10 +2971,9 @@
           <a:lstStyle/>
           <a:p>
             <a:r>
-              <a:rPr lang="en-US" smtClean="0"/>
+              <a:rPr lang="en-US"/>
               <a:t>Click to edit Master title style</a:t>
             </a:r>
-            <a:endParaRPr lang="en-US"/>
           </a:p>
         </p:txBody>
       </p:sp>
@@ -1284,38 +3027,37 @@
           <a:p>
             <a:pPr lvl="0"/>
             <a:r>
-              <a:rPr lang="en-US" smtClean="0"/>
+              <a:rPr lang="en-US"/>
               <a:t>Click to edit Master text styles</a:t>
             </a:r>
           </a:p>
           <a:p>
             <a:pPr lvl="1"/>
             <a:r>
-              <a:rPr lang="en-US" smtClean="0"/>
+              <a:rPr lang="en-US"/>
               <a:t>Second level</a:t>
             </a:r>
           </a:p>
           <a:p>
             <a:pPr lvl="2"/>
             <a:r>
-              <a:rPr lang="en-US" smtClean="0"/>
+              <a:rPr lang="en-US"/>
               <a:t>Third level</a:t>
             </a:r>
           </a:p>
           <a:p>
             <a:pPr lvl="3"/>
             <a:r>
-              <a:rPr lang="en-US" smtClean="0"/>
+              <a:rPr lang="en-US"/>
               <a:t>Fourth level</a:t>
             </a:r>
           </a:p>
           <a:p>
             <a:pPr lvl="4"/>
             <a:r>
-              <a:rPr lang="en-US" smtClean="0"/>
+              <a:rPr lang="en-US"/>
               <a:t>Fifth level</a:t>
             </a:r>
-            <a:endParaRPr lang="en-US"/>
           </a:p>
         </p:txBody>
       </p:sp>
@@ -1369,38 +3111,37 @@
           <a:p>
             <a:pPr lvl="0"/>
             <a:r>
-              <a:rPr lang="en-US" smtClean="0"/>
+              <a:rPr lang="en-US"/>
               <a:t>Click to edit Master text styles</a:t>
             </a:r>
           </a:p>
           <a:p>
             <a:pPr lvl="1"/>
             <a:r>
-              <a:rPr lang="en-US" smtClean="0"/>
+              <a:rPr lang="en-US"/>
               <a:t>Second level</a:t>
             </a:r>
           </a:p>
           <a:p>
             <a:pPr lvl="2"/>
             <a:r>
-              <a:rPr lang="en-US" smtClean="0"/>
+              <a:rPr lang="en-US"/>
               <a:t>Third level</a:t>
             </a:r>
           </a:p>
           <a:p>
             <a:pPr lvl="3"/>
             <a:r>
-              <a:rPr lang="en-US" smtClean="0"/>
+              <a:rPr lang="en-US"/>
               <a:t>Fourth level</a:t>
             </a:r>
           </a:p>
           <a:p>
             <a:pPr lvl="4"/>
             <a:r>
-              <a:rPr lang="en-US" smtClean="0"/>
+              <a:rPr lang="en-US"/>
               <a:t>Fifth level</a:t>
             </a:r>
-            <a:endParaRPr lang="en-US"/>
           </a:p>
         </p:txBody>
       </p:sp>
@@ -1422,7 +3163,7 @@
             <a:fld id="{1D8BD707-D9CF-40AE-B4C6-C98DA3205C09}" type="datetimeFigureOut">
               <a:rPr lang="en-US" smtClean="0"/>
               <a:pPr/>
-              <a:t>8/1/2011</a:t>
+              <a:t>4/2/24</a:t>
             </a:fld>
             <a:endParaRPr lang="en-US"/>
           </a:p>
@@ -1516,10 +3257,9 @@
           </a:lstStyle>
           <a:p>
             <a:r>
-              <a:rPr lang="en-US" smtClean="0"/>
+              <a:rPr lang="en-US"/>
               <a:t>Click to edit Master title style</a:t>
             </a:r>
-            <a:endParaRPr lang="en-US"/>
           </a:p>
         </p:txBody>
       </p:sp>
@@ -1582,7 +3322,7 @@
           <a:p>
             <a:pPr lvl="0"/>
             <a:r>
-              <a:rPr lang="en-US" smtClean="0"/>
+              <a:rPr lang="en-US"/>
               <a:t>Click to edit Master text styles</a:t>
             </a:r>
           </a:p>
@@ -1638,38 +3378,37 @@
           <a:p>
             <a:pPr lvl="0"/>
             <a:r>
-              <a:rPr lang="en-US" smtClean="0"/>
+              <a:rPr lang="en-US"/>
               <a:t>Click to edit Master text styles</a:t>
             </a:r>
           </a:p>
           <a:p>
             <a:pPr lvl="1"/>
             <a:r>
-              <a:rPr lang="en-US" smtClean="0"/>
+              <a:rPr lang="en-US"/>
               <a:t>Second level</a:t>
             </a:r>
           </a:p>
           <a:p>
             <a:pPr lvl="2"/>
             <a:r>
-              <a:rPr lang="en-US" smtClean="0"/>
+              <a:rPr lang="en-US"/>
               <a:t>Third level</a:t>
             </a:r>
           </a:p>
           <a:p>
             <a:pPr lvl="3"/>
             <a:r>
-              <a:rPr lang="en-US" smtClean="0"/>
+              <a:rPr lang="en-US"/>
               <a:t>Fourth level</a:t>
             </a:r>
           </a:p>
           <a:p>
             <a:pPr lvl="4"/>
             <a:r>
-              <a:rPr lang="en-US" smtClean="0"/>
+              <a:rPr lang="en-US"/>
               <a:t>Fifth level</a:t>
             </a:r>
-            <a:endParaRPr lang="en-US"/>
           </a:p>
         </p:txBody>
       </p:sp>
@@ -1732,7 +3471,7 @@
           <a:p>
             <a:pPr lvl="0"/>
             <a:r>
-              <a:rPr lang="en-US" smtClean="0"/>
+              <a:rPr lang="en-US"/>
               <a:t>Click to edit Master text styles</a:t>
             </a:r>
           </a:p>
@@ -1788,38 +3527,37 @@
           <a:p>
             <a:pPr lvl="0"/>
             <a:r>
-              <a:rPr lang="en-US" smtClean="0"/>
+              <a:rPr lang="en-US"/>
               <a:t>Click to edit Master text styles</a:t>
             </a:r>
           </a:p>
           <a:p>
             <a:pPr lvl="1"/>
             <a:r>
-              <a:rPr lang="en-US" smtClean="0"/>
+              <a:rPr lang="en-US"/>
               <a:t>Second level</a:t>
             </a:r>
           </a:p>
           <a:p>
             <a:pPr lvl="2"/>
             <a:r>
-              <a:rPr lang="en-US" smtClean="0"/>
+              <a:rPr lang="en-US"/>
               <a:t>Third level</a:t>
             </a:r>
           </a:p>
           <a:p>
             <a:pPr lvl="3"/>
             <a:r>
-              <a:rPr lang="en-US" smtClean="0"/>
+              <a:rPr lang="en-US"/>
               <a:t>Fourth level</a:t>
             </a:r>
           </a:p>
           <a:p>
             <a:pPr lvl="4"/>
             <a:r>
-              <a:rPr lang="en-US" smtClean="0"/>
+              <a:rPr lang="en-US"/>
               <a:t>Fifth level</a:t>
             </a:r>
-            <a:endParaRPr lang="en-US"/>
           </a:p>
         </p:txBody>
       </p:sp>
@@ -1841,7 +3579,7 @@
             <a:fld id="{1D8BD707-D9CF-40AE-B4C6-C98DA3205C09}" type="datetimeFigureOut">
               <a:rPr lang="en-US" smtClean="0"/>
               <a:pPr/>
-              <a:t>8/1/2011</a:t>
+              <a:t>4/2/24</a:t>
             </a:fld>
             <a:endParaRPr lang="en-US"/>
           </a:p>
@@ -1931,10 +3669,9 @@
           <a:lstStyle/>
           <a:p>
             <a:r>
-              <a:rPr lang="en-US" smtClean="0"/>
+              <a:rPr lang="en-US"/>
               <a:t>Click to edit Master title style</a:t>
             </a:r>
-            <a:endParaRPr lang="en-US"/>
           </a:p>
         </p:txBody>
       </p:sp>
@@ -1956,7 +3693,7 @@
             <a:fld id="{1D8BD707-D9CF-40AE-B4C6-C98DA3205C09}" type="datetimeFigureOut">
               <a:rPr lang="en-US" smtClean="0"/>
               <a:pPr/>
-              <a:t>8/1/2011</a:t>
+              <a:t>4/2/24</a:t>
             </a:fld>
             <a:endParaRPr lang="en-US"/>
           </a:p>
@@ -2048,7 +3785,7 @@
             <a:fld id="{1D8BD707-D9CF-40AE-B4C6-C98DA3205C09}" type="datetimeFigureOut">
               <a:rPr lang="en-US" smtClean="0"/>
               <a:pPr/>
-              <a:t>8/1/2011</a:t>
+              <a:t>4/2/24</a:t>
             </a:fld>
             <a:endParaRPr lang="en-US"/>
           </a:p>
@@ -2147,10 +3884,9 @@
           </a:lstStyle>
           <a:p>
             <a:r>
-              <a:rPr lang="en-US" smtClean="0"/>
+              <a:rPr lang="en-US"/>
               <a:t>Click to edit Master title style</a:t>
             </a:r>
-            <a:endParaRPr lang="en-US"/>
           </a:p>
         </p:txBody>
       </p:sp>
@@ -2204,38 +3940,37 @@
           <a:p>
             <a:pPr lvl="0"/>
             <a:r>
-              <a:rPr lang="en-US" smtClean="0"/>
+              <a:rPr lang="en-US"/>
               <a:t>Click to edit Master text styles</a:t>
             </a:r>
           </a:p>
           <a:p>
             <a:pPr lvl="1"/>
             <a:r>
-              <a:rPr lang="en-US" smtClean="0"/>
+              <a:rPr lang="en-US"/>
               <a:t>Second level</a:t>
             </a:r>
           </a:p>
           <a:p>
             <a:pPr lvl="2"/>
             <a:r>
-              <a:rPr lang="en-US" smtClean="0"/>
+              <a:rPr lang="en-US"/>
               <a:t>Third level</a:t>
             </a:r>
           </a:p>
           <a:p>
             <a:pPr lvl="3"/>
             <a:r>
-              <a:rPr lang="en-US" smtClean="0"/>
+              <a:rPr lang="en-US"/>
               <a:t>Fourth level</a:t>
             </a:r>
           </a:p>
           <a:p>
             <a:pPr lvl="4"/>
             <a:r>
-              <a:rPr lang="en-US" smtClean="0"/>
+              <a:rPr lang="en-US"/>
               <a:t>Fifth level</a:t>
             </a:r>
-            <a:endParaRPr lang="en-US"/>
           </a:p>
         </p:txBody>
       </p:sp>
@@ -2298,7 +4033,7 @@
           <a:p>
             <a:pPr lvl="0"/>
             <a:r>
-              <a:rPr lang="en-US" smtClean="0"/>
+              <a:rPr lang="en-US"/>
               <a:t>Click to edit Master text styles</a:t>
             </a:r>
           </a:p>
@@ -2322,7 +4057,7 @@
             <a:fld id="{1D8BD707-D9CF-40AE-B4C6-C98DA3205C09}" type="datetimeFigureOut">
               <a:rPr lang="en-US" smtClean="0"/>
               <a:pPr/>
-              <a:t>8/1/2011</a:t>
+              <a:t>4/2/24</a:t>
             </a:fld>
             <a:endParaRPr lang="en-US"/>
           </a:p>
@@ -2421,10 +4156,9 @@
           </a:lstStyle>
           <a:p>
             <a:r>
-              <a:rPr lang="en-US" smtClean="0"/>
+              <a:rPr lang="en-US"/>
               <a:t>Click to edit Master title style</a:t>
             </a:r>
-            <a:endParaRPr lang="en-US"/>
           </a:p>
         </p:txBody>
       </p:sp>
@@ -2548,7 +4282,7 @@
           <a:p>
             <a:pPr lvl="0"/>
             <a:r>
-              <a:rPr lang="en-US" smtClean="0"/>
+              <a:rPr lang="en-US"/>
               <a:t>Click to edit Master text styles</a:t>
             </a:r>
           </a:p>
@@ -2572,7 +4306,7 @@
             <a:fld id="{1D8BD707-D9CF-40AE-B4C6-C98DA3205C09}" type="datetimeFigureOut">
               <a:rPr lang="en-US" smtClean="0"/>
               <a:pPr/>
-              <a:t>8/1/2011</a:t>
+              <a:t>4/2/24</a:t>
             </a:fld>
             <a:endParaRPr lang="en-US"/>
           </a:p>
@@ -2677,10 +4411,9 @@
           <a:lstStyle/>
           <a:p>
             <a:r>
-              <a:rPr lang="en-US" smtClean="0"/>
+              <a:rPr lang="en-US"/>
               <a:t>Click to edit Master title style</a:t>
             </a:r>
-            <a:endParaRPr lang="en-US"/>
           </a:p>
         </p:txBody>
       </p:sp>
@@ -2711,38 +4444,37 @@
           <a:p>
             <a:pPr lvl="0"/>
             <a:r>
-              <a:rPr lang="en-US" smtClean="0"/>
+              <a:rPr lang="en-US"/>
               <a:t>Click to edit Master text styles</a:t>
             </a:r>
           </a:p>
           <a:p>
             <a:pPr lvl="1"/>
             <a:r>
-              <a:rPr lang="en-US" smtClean="0"/>
+              <a:rPr lang="en-US"/>
               <a:t>Second level</a:t>
             </a:r>
           </a:p>
           <a:p>
             <a:pPr lvl="2"/>
             <a:r>
-              <a:rPr lang="en-US" smtClean="0"/>
+              <a:rPr lang="en-US"/>
               <a:t>Third level</a:t>
             </a:r>
           </a:p>
           <a:p>
             <a:pPr lvl="3"/>
             <a:r>
-              <a:rPr lang="en-US" smtClean="0"/>
+              <a:rPr lang="en-US"/>
               <a:t>Fourth level</a:t>
             </a:r>
           </a:p>
           <a:p>
             <a:pPr lvl="4"/>
             <a:r>
-              <a:rPr lang="en-US" smtClean="0"/>
+              <a:rPr lang="en-US"/>
               <a:t>Fifth level</a:t>
             </a:r>
-            <a:endParaRPr lang="en-US"/>
           </a:p>
         </p:txBody>
       </p:sp>
@@ -2782,7 +4514,7 @@
             <a:fld id="{1D8BD707-D9CF-40AE-B4C6-C98DA3205C09}" type="datetimeFigureOut">
               <a:rPr lang="en-US" smtClean="0"/>
               <a:pPr/>
-              <a:t>8/1/2011</a:t>
+              <a:t>4/2/24</a:t>
             </a:fld>
             <a:endParaRPr lang="en-US"/>
           </a:p>
@@ -3137,13 +4869,14 @@
 </file>
 
 <file path=ppt/slides/slide1.xml><?xml version="1.0" encoding="utf-8"?>
-<p:sld xmlns:p="http://schemas.openxmlformats.org/presentationml/2006/main" xmlns:a="http://schemas.openxmlformats.org/drawingml/2006/main" xmlns:r="http://schemas.openxmlformats.org/officeDocument/2006/relationships">
+<p:sld xmlns:a="http://schemas.openxmlformats.org/drawingml/2006/main" xmlns:r="http://schemas.openxmlformats.org/officeDocument/2006/relationships" xmlns:p="http://schemas.openxmlformats.org/presentationml/2006/main">
   <p:cSld>
     <p:bg>
       <p:bgPr>
         <a:solidFill>
           <a:srgbClr val="FAF3F3"/>
         </a:solidFill>
+        <a:effectLst/>
       </p:bgPr>
     </p:bg>
     <p:spTree>
@@ -3162,12 +4895,12 @@
       </p:grpSpPr>
       <p:sp>
         <p:nvSpPr>
-          <p:cNvPr name="Freeform 2" id="2"/>
+          <p:cNvPr id="2" name="Freeform 2"/>
           <p:cNvSpPr/>
           <p:nvPr/>
         </p:nvSpPr>
         <p:spPr>
-          <a:xfrm flipH="false" flipV="false" rot="0">
+          <a:xfrm>
             <a:off x="-287222" y="2618710"/>
             <a:ext cx="2746911" cy="4400135"/>
           </a:xfrm>
@@ -3176,9 +4909,9 @@
             <a:gdLst/>
             <a:ahLst/>
             <a:cxnLst/>
-            <a:rect r="r" b="b" t="t" l="l"/>
+            <a:rect l="l" t="t" r="r" b="b"/>
             <a:pathLst>
-              <a:path h="4400135" w="2746911">
+              <a:path w="2746911" h="4400135">
                 <a:moveTo>
                   <a:pt x="0" y="0"/>
                 </a:moveTo>
@@ -3207,19 +4940,19 @@
               </a:extLst>
             </a:blip>
             <a:stretch>
-              <a:fillRect l="-87829" t="0" r="0" b="-15017"/>
+              <a:fillRect l="-87829" b="-15017"/>
             </a:stretch>
           </a:blipFill>
         </p:spPr>
       </p:sp>
       <p:sp>
         <p:nvSpPr>
-          <p:cNvPr name="Freeform 3" id="3"/>
+          <p:cNvPr id="3" name="Freeform 3"/>
           <p:cNvSpPr/>
           <p:nvPr/>
         </p:nvSpPr>
         <p:spPr>
-          <a:xfrm flipH="false" flipV="false" rot="-1793077">
+          <a:xfrm rot="-1793077">
             <a:off x="1304803" y="7427423"/>
             <a:ext cx="1495284" cy="2082041"/>
           </a:xfrm>
@@ -3228,9 +4961,9 @@
             <a:gdLst/>
             <a:ahLst/>
             <a:cxnLst/>
-            <a:rect r="r" b="b" t="t" l="l"/>
+            <a:rect l="l" t="t" r="r" b="b"/>
             <a:pathLst>
-              <a:path h="2082041" w="1495284">
+              <a:path w="1495284" h="2082041">
                 <a:moveTo>
                   <a:pt x="0" y="0"/>
                 </a:moveTo>
@@ -3259,19 +4992,19 @@
               </a:extLst>
             </a:blip>
             <a:stretch>
-              <a:fillRect l="0" t="0" r="0" b="0"/>
+              <a:fillRect/>
             </a:stretch>
           </a:blipFill>
         </p:spPr>
       </p:sp>
       <p:sp>
         <p:nvSpPr>
-          <p:cNvPr name="Freeform 4" id="4"/>
+          <p:cNvPr id="4" name="Freeform 4"/>
           <p:cNvSpPr/>
           <p:nvPr/>
         </p:nvSpPr>
         <p:spPr>
-          <a:xfrm flipH="false" flipV="false" rot="0">
+          <a:xfrm>
             <a:off x="15106819" y="2265314"/>
             <a:ext cx="4304962" cy="5106929"/>
           </a:xfrm>
@@ -3280,9 +5013,9 @@
             <a:gdLst/>
             <a:ahLst/>
             <a:cxnLst/>
-            <a:rect r="r" b="b" t="t" l="l"/>
+            <a:rect l="l" t="t" r="r" b="b"/>
             <a:pathLst>
-              <a:path h="5106929" w="4304962">
+              <a:path w="4304962" h="5106929">
                 <a:moveTo>
                   <a:pt x="0" y="0"/>
                 </a:moveTo>
@@ -3311,19 +5044,19 @@
               </a:extLst>
             </a:blip>
             <a:stretch>
-              <a:fillRect l="0" t="0" r="-40001" b="-15761"/>
+              <a:fillRect r="-40001" b="-15761"/>
             </a:stretch>
           </a:blipFill>
         </p:spPr>
       </p:sp>
       <p:sp>
         <p:nvSpPr>
-          <p:cNvPr name="Freeform 5" id="5"/>
+          <p:cNvPr id="5" name="Freeform 5"/>
           <p:cNvSpPr/>
           <p:nvPr/>
         </p:nvSpPr>
         <p:spPr>
-          <a:xfrm flipH="false" flipV="false" rot="0">
+          <a:xfrm>
             <a:off x="6046413" y="-997717"/>
             <a:ext cx="6195174" cy="3263031"/>
           </a:xfrm>
@@ -3332,9 +5065,9 @@
             <a:gdLst/>
             <a:ahLst/>
             <a:cxnLst/>
-            <a:rect r="r" b="b" t="t" l="l"/>
+            <a:rect l="l" t="t" r="r" b="b"/>
             <a:pathLst>
-              <a:path h="3263031" w="6195174">
+              <a:path w="6195174" h="3263031">
                 <a:moveTo>
                   <a:pt x="0" y="0"/>
                 </a:moveTo>
@@ -3363,19 +5096,19 @@
               </a:extLst>
             </a:blip>
             <a:stretch>
-              <a:fillRect l="0" t="0" r="0" b="-86232"/>
+              <a:fillRect b="-86232"/>
             </a:stretch>
           </a:blipFill>
         </p:spPr>
       </p:sp>
       <p:sp>
         <p:nvSpPr>
-          <p:cNvPr name="Freeform 6" id="6"/>
+          <p:cNvPr id="6" name="Freeform 6"/>
           <p:cNvSpPr/>
           <p:nvPr/>
         </p:nvSpPr>
         <p:spPr>
-          <a:xfrm flipH="false" flipV="false" rot="0">
+          <a:xfrm>
             <a:off x="5958900" y="7497981"/>
             <a:ext cx="6370200" cy="3520639"/>
           </a:xfrm>
@@ -3384,9 +5117,9 @@
             <a:gdLst/>
             <a:ahLst/>
             <a:cxnLst/>
-            <a:rect r="r" b="b" t="t" l="l"/>
+            <a:rect l="l" t="t" r="r" b="b"/>
             <a:pathLst>
-              <a:path h="3520639" w="6370200">
+              <a:path w="6370200" h="3520639">
                 <a:moveTo>
                   <a:pt x="0" y="0"/>
                 </a:moveTo>
@@ -3415,19 +5148,19 @@
               </a:extLst>
             </a:blip>
             <a:stretch>
-              <a:fillRect l="0" t="-37800" r="0" b="-39682"/>
+              <a:fillRect t="-37800" b="-39682"/>
             </a:stretch>
           </a:blipFill>
         </p:spPr>
       </p:sp>
       <p:grpSp>
         <p:nvGrpSpPr>
-          <p:cNvPr name="Group 7" id="7"/>
+          <p:cNvPr id="7" name="Group 7"/>
           <p:cNvGrpSpPr/>
           <p:nvPr/>
         </p:nvGrpSpPr>
         <p:grpSpPr>
-          <a:xfrm rot="0">
+          <a:xfrm>
             <a:off x="3097864" y="2618710"/>
             <a:ext cx="12092272" cy="4190887"/>
             <a:chOff x="0" y="0"/>
@@ -3436,12 +5169,12 @@
         </p:grpSpPr>
         <p:sp>
           <p:nvSpPr>
-            <p:cNvPr name="Freeform 8" id="8"/>
+            <p:cNvPr id="8" name="Freeform 8"/>
             <p:cNvSpPr/>
             <p:nvPr/>
           </p:nvSpPr>
           <p:spPr>
-            <a:xfrm flipH="false" flipV="false" rot="0">
+            <a:xfrm>
               <a:off x="0" y="0"/>
               <a:ext cx="1100680" cy="381469"/>
             </a:xfrm>
@@ -3450,9 +5183,9 @@
               <a:gdLst/>
               <a:ahLst/>
               <a:cxnLst/>
-              <a:rect r="r" b="b" t="t" l="l"/>
+              <a:rect l="l" t="t" r="r" b="b"/>
               <a:pathLst>
-                <a:path h="381469" w="1100680">
+                <a:path w="1100680" h="381469">
                   <a:moveTo>
                     <a:pt x="897480" y="0"/>
                   </a:moveTo>
@@ -3490,8 +5223,8 @@
         </p:sp>
         <p:sp>
           <p:nvSpPr>
-            <p:cNvPr name="TextBox 9" id="9"/>
-            <p:cNvSpPr txBox="true"/>
+            <p:cNvPr id="9" name="TextBox 9"/>
+            <p:cNvSpPr txBox="1"/>
             <p:nvPr/>
           </p:nvSpPr>
           <p:spPr>
@@ -3504,7 +5237,7 @@
             </a:prstGeom>
           </p:spPr>
           <p:txBody>
-            <a:bodyPr anchor="ctr" rtlCol="false" tIns="50800" lIns="50800" bIns="50800" rIns="50800"/>
+            <a:bodyPr lIns="50800" tIns="50800" rIns="50800" bIns="50800" rtlCol="0" anchor="ctr"/>
             <a:lstStyle/>
             <a:p>
               <a:pPr algn="ctr">
@@ -3512,18 +5245,19 @@
                   <a:spcPts val="2659"/>
                 </a:lnSpc>
               </a:pPr>
+              <a:endParaRPr/>
             </a:p>
           </p:txBody>
         </p:sp>
       </p:grpSp>
       <p:sp>
         <p:nvSpPr>
-          <p:cNvPr name="Freeform 10" id="10"/>
+          <p:cNvPr id="10" name="Freeform 10"/>
           <p:cNvSpPr/>
           <p:nvPr/>
         </p:nvSpPr>
         <p:spPr>
-          <a:xfrm flipH="false" flipV="false" rot="-871201">
+          <a:xfrm rot="-871201">
             <a:off x="14638398" y="656083"/>
             <a:ext cx="2043542" cy="1980378"/>
           </a:xfrm>
@@ -3532,9 +5266,9 @@
             <a:gdLst/>
             <a:ahLst/>
             <a:cxnLst/>
-            <a:rect r="r" b="b" t="t" l="l"/>
+            <a:rect l="l" t="t" r="r" b="b"/>
             <a:pathLst>
-              <a:path h="1980378" w="2043542">
+              <a:path w="2043542" h="1980378">
                 <a:moveTo>
                   <a:pt x="0" y="0"/>
                 </a:moveTo>
@@ -3563,33 +5297,33 @@
               </a:extLst>
             </a:blip>
             <a:stretch>
-              <a:fillRect l="0" t="0" r="0" b="0"/>
+              <a:fillRect/>
             </a:stretch>
           </a:blipFill>
         </p:spPr>
       </p:sp>
       <p:grpSp>
         <p:nvGrpSpPr>
-          <p:cNvPr name="Group 11" id="11"/>
+          <p:cNvPr id="11" name="Group 11"/>
           <p:cNvGrpSpPr/>
           <p:nvPr/>
         </p:nvGrpSpPr>
         <p:grpSpPr>
-          <a:xfrm rot="0">
-            <a:off x="5623590" y="8132119"/>
-            <a:ext cx="7040819" cy="939006"/>
+          <a:xfrm>
+            <a:off x="4276577" y="8108699"/>
+            <a:ext cx="9730924" cy="939006"/>
             <a:chOff x="0" y="0"/>
             <a:chExt cx="2860316" cy="381469"/>
           </a:xfrm>
         </p:grpSpPr>
         <p:sp>
           <p:nvSpPr>
-            <p:cNvPr name="Freeform 12" id="12"/>
+            <p:cNvPr id="12" name="Freeform 12"/>
             <p:cNvSpPr/>
             <p:nvPr/>
           </p:nvSpPr>
           <p:spPr>
-            <a:xfrm flipH="false" flipV="false" rot="0">
+            <a:xfrm>
               <a:off x="0" y="0"/>
               <a:ext cx="2860316" cy="381469"/>
             </a:xfrm>
@@ -3598,9 +5332,9 @@
               <a:gdLst/>
               <a:ahLst/>
               <a:cxnLst/>
-              <a:rect r="r" b="b" t="t" l="l"/>
+              <a:rect l="l" t="t" r="r" b="b"/>
               <a:pathLst>
-                <a:path h="381469" w="2860316">
+                <a:path w="2860316" h="381469">
                   <a:moveTo>
                     <a:pt x="2657116" y="0"/>
                   </a:moveTo>
@@ -3638,8 +5372,8 @@
         </p:sp>
         <p:sp>
           <p:nvSpPr>
-            <p:cNvPr name="TextBox 13" id="13"/>
-            <p:cNvSpPr txBox="true"/>
+            <p:cNvPr id="13" name="TextBox 13"/>
+            <p:cNvSpPr txBox="1"/>
             <p:nvPr/>
           </p:nvSpPr>
           <p:spPr>
@@ -3652,7 +5386,7 @@
             </a:prstGeom>
           </p:spPr>
           <p:txBody>
-            <a:bodyPr anchor="ctr" rtlCol="false" tIns="50800" lIns="50800" bIns="50800" rIns="50800"/>
+            <a:bodyPr lIns="50800" tIns="50800" rIns="50800" bIns="50800" rtlCol="0" anchor="ctr"/>
             <a:lstStyle/>
             <a:p>
               <a:pPr algn="ctr">
@@ -3660,27 +5394,28 @@
                   <a:spcPts val="2659"/>
                 </a:lnSpc>
               </a:pPr>
+              <a:endParaRPr/>
             </a:p>
           </p:txBody>
         </p:sp>
       </p:grpSp>
       <p:sp>
         <p:nvSpPr>
-          <p:cNvPr name="TextBox 14" id="14"/>
-          <p:cNvSpPr txBox="true"/>
+          <p:cNvPr id="14" name="TextBox 14"/>
+          <p:cNvSpPr txBox="1"/>
           <p:nvPr/>
         </p:nvSpPr>
         <p:spPr>
-          <a:xfrm rot="0">
-            <a:off x="6026167" y="8296822"/>
-            <a:ext cx="6235667" cy="533400"/>
+          <a:xfrm>
+            <a:off x="4462389" y="8332012"/>
+            <a:ext cx="9359300" cy="492379"/>
           </a:xfrm>
           <a:prstGeom prst="rect">
             <a:avLst/>
           </a:prstGeom>
         </p:spPr>
         <p:txBody>
-          <a:bodyPr anchor="t" rtlCol="false" tIns="0" lIns="0" bIns="0" rIns="0">
+          <a:bodyPr wrap="square" lIns="0" tIns="0" rIns="0" bIns="0" rtlCol="0" anchor="t">
             <a:spAutoFit/>
           </a:bodyPr>
           <a:lstStyle/>
@@ -3691,25 +5426,34 @@
               </a:lnSpc>
             </a:pPr>
             <a:r>
-              <a:rPr lang="en-US" sz="3000">
+              <a:rPr lang="en-US" sz="3000" b="1" dirty="0">
                 <a:solidFill>
                   <a:srgbClr val="222366"/>
                 </a:solidFill>
                 <a:latin typeface="Public Sans Bold"/>
               </a:rPr>
-              <a:t>Godswill, Sum, Kehlani &amp; Aysha</a:t>
+              <a:t>DataDiagnostics: </a:t>
+            </a:r>
+            <a:r>
+              <a:rPr lang="en-US" sz="3000" dirty="0">
+                <a:solidFill>
+                  <a:srgbClr val="222366"/>
+                </a:solidFill>
+                <a:latin typeface="Public Sans Bold"/>
+              </a:rPr>
+              <a:t>Aysha, Godswill, Kehlani &amp; Sum</a:t>
             </a:r>
           </a:p>
         </p:txBody>
       </p:sp>
       <p:sp>
         <p:nvSpPr>
-          <p:cNvPr name="TextBox 15" id="15"/>
-          <p:cNvSpPr txBox="true"/>
+          <p:cNvPr id="15" name="TextBox 15"/>
+          <p:cNvSpPr txBox="1"/>
           <p:nvPr/>
         </p:nvSpPr>
         <p:spPr>
-          <a:xfrm rot="0">
+          <a:xfrm>
             <a:off x="3865225" y="3275878"/>
             <a:ext cx="10557551" cy="2667001"/>
           </a:xfrm>
@@ -3718,7 +5462,7 @@
           </a:prstGeom>
         </p:spPr>
         <p:txBody>
-          <a:bodyPr anchor="t" rtlCol="false" tIns="0" lIns="0" bIns="0" rIns="0">
+          <a:bodyPr lIns="0" tIns="0" rIns="0" bIns="0" rtlCol="0" anchor="t">
             <a:spAutoFit/>
           </a:bodyPr>
           <a:lstStyle/>
@@ -3729,7 +5473,7 @@
               </a:lnSpc>
             </a:pPr>
             <a:r>
-              <a:rPr lang="en-US" sz="7499">
+              <a:rPr lang="en-US" sz="7499" dirty="0">
                 <a:solidFill>
                   <a:srgbClr val="222366"/>
                 </a:solidFill>
@@ -3742,12 +5486,12 @@
       </p:sp>
       <p:sp>
         <p:nvSpPr>
-          <p:cNvPr name="Freeform 16" id="16"/>
+          <p:cNvPr id="16" name="Freeform 16"/>
           <p:cNvSpPr/>
           <p:nvPr/>
         </p:nvSpPr>
         <p:spPr>
-          <a:xfrm flipH="false" flipV="false" rot="905778">
+          <a:xfrm rot="905778">
             <a:off x="15338333" y="7093860"/>
             <a:ext cx="1460273" cy="2294715"/>
           </a:xfrm>
@@ -3756,9 +5500,9 @@
             <a:gdLst/>
             <a:ahLst/>
             <a:cxnLst/>
-            <a:rect r="r" b="b" t="t" l="l"/>
+            <a:rect l="l" t="t" r="r" b="b"/>
             <a:pathLst>
-              <a:path h="2294715" w="1460273">
+              <a:path w="1460273" h="2294715">
                 <a:moveTo>
                   <a:pt x="0" y="0"/>
                 </a:moveTo>
@@ -3787,19 +5531,19 @@
               </a:extLst>
             </a:blip>
             <a:stretch>
-              <a:fillRect l="0" t="0" r="0" b="0"/>
+              <a:fillRect/>
             </a:stretch>
           </a:blipFill>
         </p:spPr>
       </p:sp>
       <p:sp>
         <p:nvSpPr>
-          <p:cNvPr name="Freeform 17" id="17"/>
+          <p:cNvPr id="17" name="Freeform 17"/>
           <p:cNvSpPr/>
           <p:nvPr/>
         </p:nvSpPr>
         <p:spPr>
-          <a:xfrm flipH="false" flipV="false" rot="0">
+          <a:xfrm>
             <a:off x="1661951" y="431533"/>
             <a:ext cx="1088028" cy="2452522"/>
           </a:xfrm>
@@ -3808,9 +5552,9 @@
             <a:gdLst/>
             <a:ahLst/>
             <a:cxnLst/>
-            <a:rect r="r" b="b" t="t" l="l"/>
+            <a:rect l="l" t="t" r="r" b="b"/>
             <a:pathLst>
-              <a:path h="2452522" w="1088028">
+              <a:path w="1088028" h="2452522">
                 <a:moveTo>
                   <a:pt x="0" y="0"/>
                 </a:moveTo>
@@ -3839,7 +5583,7 @@
               </a:extLst>
             </a:blip>
             <a:stretch>
-              <a:fillRect l="0" t="0" r="0" b="0"/>
+              <a:fillRect/>
             </a:stretch>
           </a:blipFill>
         </p:spPr>
@@ -3853,13 +5597,14 @@
 </file>
 
 <file path=ppt/slides/slide2.xml><?xml version="1.0" encoding="utf-8"?>
-<p:sld xmlns:p="http://schemas.openxmlformats.org/presentationml/2006/main" xmlns:a="http://schemas.openxmlformats.org/drawingml/2006/main" xmlns:r="http://schemas.openxmlformats.org/officeDocument/2006/relationships">
+<p:sld xmlns:a="http://schemas.openxmlformats.org/drawingml/2006/main" xmlns:r="http://schemas.openxmlformats.org/officeDocument/2006/relationships" xmlns:p="http://schemas.openxmlformats.org/presentationml/2006/main">
   <p:cSld>
     <p:bg>
       <p:bgPr>
         <a:solidFill>
           <a:srgbClr val="FAF3F3"/>
         </a:solidFill>
+        <a:effectLst/>
       </p:bgPr>
     </p:bg>
     <p:spTree>
@@ -3878,12 +5623,12 @@
       </p:grpSpPr>
       <p:sp>
         <p:nvSpPr>
-          <p:cNvPr name="Freeform 2" id="2"/>
+          <p:cNvPr id="2" name="Freeform 2"/>
           <p:cNvSpPr/>
           <p:nvPr/>
         </p:nvSpPr>
         <p:spPr>
-          <a:xfrm flipH="false" flipV="false" rot="0">
+          <a:xfrm>
             <a:off x="-754714" y="9258300"/>
             <a:ext cx="4641382" cy="4552721"/>
           </a:xfrm>
@@ -3892,9 +5637,9 @@
             <a:gdLst/>
             <a:ahLst/>
             <a:cxnLst/>
-            <a:rect r="r" b="b" t="t" l="l"/>
+            <a:rect l="l" t="t" r="r" b="b"/>
             <a:pathLst>
-              <a:path h="4552721" w="4641382">
+              <a:path w="4641382" h="4552721">
                 <a:moveTo>
                   <a:pt x="0" y="0"/>
                 </a:moveTo>
@@ -3915,27 +5660,27 @@
             </a:pathLst>
           </a:custGeom>
           <a:blipFill>
-            <a:blip r:embed="rId2">
+            <a:blip r:embed="rId3">
               <a:extLst>
                 <a:ext uri="{96DAC541-7B7A-43D3-8B79-37D633B846F1}">
-                  <asvg:svgBlip xmlns:asvg="http://schemas.microsoft.com/office/drawing/2016/SVG/main" r:embed="rId3"/>
+                  <asvg:svgBlip xmlns:asvg="http://schemas.microsoft.com/office/drawing/2016/SVG/main" r:embed="rId4"/>
                 </a:ext>
               </a:extLst>
             </a:blip>
             <a:stretch>
-              <a:fillRect l="0" t="0" r="0" b="0"/>
+              <a:fillRect/>
             </a:stretch>
           </a:blipFill>
         </p:spPr>
       </p:sp>
       <p:sp>
         <p:nvSpPr>
-          <p:cNvPr name="Freeform 3" id="3"/>
+          <p:cNvPr id="3" name="Freeform 3"/>
           <p:cNvSpPr/>
           <p:nvPr/>
         </p:nvSpPr>
         <p:spPr>
-          <a:xfrm flipH="false" flipV="false" rot="0">
+          <a:xfrm>
             <a:off x="15327344" y="-352696"/>
             <a:ext cx="4657694" cy="4568722"/>
           </a:xfrm>
@@ -3944,9 +5689,9 @@
             <a:gdLst/>
             <a:ahLst/>
             <a:cxnLst/>
-            <a:rect r="r" b="b" t="t" l="l"/>
+            <a:rect l="l" t="t" r="r" b="b"/>
             <a:pathLst>
-              <a:path h="4568722" w="4657694">
+              <a:path w="4657694" h="4568722">
                 <a:moveTo>
                   <a:pt x="0" y="0"/>
                 </a:moveTo>
@@ -3967,27 +5712,27 @@
             </a:pathLst>
           </a:custGeom>
           <a:blipFill>
-            <a:blip r:embed="rId2">
+            <a:blip r:embed="rId3">
               <a:extLst>
                 <a:ext uri="{96DAC541-7B7A-43D3-8B79-37D633B846F1}">
-                  <asvg:svgBlip xmlns:asvg="http://schemas.microsoft.com/office/drawing/2016/SVG/main" r:embed="rId3"/>
+                  <asvg:svgBlip xmlns:asvg="http://schemas.microsoft.com/office/drawing/2016/SVG/main" r:embed="rId4"/>
                 </a:ext>
               </a:extLst>
             </a:blip>
             <a:stretch>
-              <a:fillRect l="0" t="0" r="0" b="0"/>
+              <a:fillRect/>
             </a:stretch>
           </a:blipFill>
         </p:spPr>
       </p:sp>
       <p:grpSp>
         <p:nvGrpSpPr>
-          <p:cNvPr name="Group 4" id="4"/>
+          <p:cNvPr id="4" name="Group 4"/>
           <p:cNvGrpSpPr/>
           <p:nvPr/>
         </p:nvGrpSpPr>
         <p:grpSpPr>
-          <a:xfrm rot="0">
+          <a:xfrm>
             <a:off x="488696" y="390535"/>
             <a:ext cx="17310608" cy="9505931"/>
             <a:chOff x="0" y="0"/>
@@ -3996,12 +5741,12 @@
         </p:grpSpPr>
         <p:sp>
           <p:nvSpPr>
-            <p:cNvPr name="Freeform 5" id="5"/>
+            <p:cNvPr id="5" name="Freeform 5"/>
             <p:cNvSpPr/>
             <p:nvPr/>
           </p:nvSpPr>
           <p:spPr>
-            <a:xfrm flipH="false" flipV="false" rot="0">
+            <a:xfrm>
               <a:off x="0" y="0"/>
               <a:ext cx="774713" cy="425425"/>
             </a:xfrm>
@@ -4010,9 +5755,9 @@
               <a:gdLst/>
               <a:ahLst/>
               <a:cxnLst/>
-              <a:rect r="r" b="b" t="t" l="l"/>
+              <a:rect l="l" t="t" r="r" b="b"/>
               <a:pathLst>
-                <a:path h="425425" w="774713">
+                <a:path w="774713" h="425425">
                   <a:moveTo>
                     <a:pt x="571513" y="0"/>
                   </a:moveTo>
@@ -4055,8 +5800,8 @@
         </p:sp>
         <p:sp>
           <p:nvSpPr>
-            <p:cNvPr name="TextBox 6" id="6"/>
-            <p:cNvSpPr txBox="true"/>
+            <p:cNvPr id="6" name="TextBox 6"/>
+            <p:cNvSpPr txBox="1"/>
             <p:nvPr/>
           </p:nvSpPr>
           <p:spPr>
@@ -4069,7 +5814,7 @@
             </a:prstGeom>
           </p:spPr>
           <p:txBody>
-            <a:bodyPr anchor="ctr" rtlCol="false" tIns="50800" lIns="50800" bIns="50800" rIns="50800"/>
+            <a:bodyPr lIns="50800" tIns="50800" rIns="50800" bIns="50800" rtlCol="0" anchor="ctr"/>
             <a:lstStyle/>
             <a:p>
               <a:pPr algn="ctr">
@@ -4077,18 +5822,19 @@
                   <a:spcPts val="2659"/>
                 </a:lnSpc>
               </a:pPr>
+              <a:endParaRPr/>
             </a:p>
           </p:txBody>
         </p:sp>
       </p:grpSp>
       <p:sp>
         <p:nvSpPr>
-          <p:cNvPr name="TextBox 7" id="7"/>
-          <p:cNvSpPr txBox="true"/>
+          <p:cNvPr id="7" name="TextBox 7"/>
+          <p:cNvSpPr txBox="1"/>
           <p:nvPr/>
         </p:nvSpPr>
         <p:spPr>
-          <a:xfrm rot="0">
+          <a:xfrm>
             <a:off x="2599887" y="3506130"/>
             <a:ext cx="9500068" cy="1893570"/>
           </a:xfrm>
@@ -4097,7 +5843,7 @@
           </a:prstGeom>
         </p:spPr>
         <p:txBody>
-          <a:bodyPr anchor="t" rtlCol="false" tIns="0" lIns="0" bIns="0" rIns="0">
+          <a:bodyPr lIns="0" tIns="0" rIns="0" bIns="0" rtlCol="0" anchor="t">
             <a:spAutoFit/>
           </a:bodyPr>
           <a:lstStyle/>
@@ -4108,7 +5854,7 @@
               </a:lnSpc>
             </a:pPr>
             <a:r>
-              <a:rPr lang="en-US" sz="2699">
+              <a:rPr lang="en-GB" sz="2699" dirty="0">
                 <a:solidFill>
                   <a:srgbClr val="222366"/>
                 </a:solidFill>
@@ -4121,12 +5867,12 @@
       </p:sp>
       <p:sp>
         <p:nvSpPr>
-          <p:cNvPr name="TextBox 8" id="8"/>
-          <p:cNvSpPr txBox="true"/>
+          <p:cNvPr id="8" name="TextBox 8"/>
+          <p:cNvSpPr txBox="1"/>
           <p:nvPr/>
         </p:nvSpPr>
         <p:spPr>
-          <a:xfrm rot="0">
+          <a:xfrm>
             <a:off x="7254671" y="6645079"/>
             <a:ext cx="8052644" cy="1417320"/>
           </a:xfrm>
@@ -4135,7 +5881,7 @@
           </a:prstGeom>
         </p:spPr>
         <p:txBody>
-          <a:bodyPr anchor="t" rtlCol="false" tIns="0" lIns="0" bIns="0" rIns="0">
+          <a:bodyPr lIns="0" tIns="0" rIns="0" bIns="0" rtlCol="0" anchor="t">
             <a:spAutoFit/>
           </a:bodyPr>
           <a:lstStyle/>
@@ -4146,7 +5892,7 @@
               </a:lnSpc>
             </a:pPr>
             <a:r>
-              <a:rPr lang="en-US" sz="2699">
+              <a:rPr lang="en-GB" sz="2699" dirty="0">
                 <a:solidFill>
                   <a:srgbClr val="222366"/>
                 </a:solidFill>
@@ -4159,12 +5905,12 @@
       </p:sp>
       <p:sp>
         <p:nvSpPr>
-          <p:cNvPr name="TextBox 9" id="9"/>
-          <p:cNvSpPr txBox="true"/>
+          <p:cNvPr id="9" name="TextBox 9"/>
+          <p:cNvSpPr txBox="1"/>
           <p:nvPr/>
         </p:nvSpPr>
         <p:spPr>
-          <a:xfrm rot="0">
+          <a:xfrm>
             <a:off x="2599887" y="2930251"/>
             <a:ext cx="7473554" cy="573405"/>
           </a:xfrm>
@@ -4173,7 +5919,7 @@
           </a:prstGeom>
         </p:spPr>
         <p:txBody>
-          <a:bodyPr anchor="t" rtlCol="false" tIns="0" lIns="0" bIns="0" rIns="0">
+          <a:bodyPr lIns="0" tIns="0" rIns="0" bIns="0" rtlCol="0" anchor="t">
             <a:spAutoFit/>
           </a:bodyPr>
           <a:lstStyle/>
@@ -4197,12 +5943,12 @@
       </p:sp>
       <p:sp>
         <p:nvSpPr>
-          <p:cNvPr name="TextBox 10" id="10"/>
-          <p:cNvSpPr txBox="true"/>
+          <p:cNvPr id="10" name="TextBox 10"/>
+          <p:cNvSpPr txBox="1"/>
           <p:nvPr/>
         </p:nvSpPr>
         <p:spPr>
-          <a:xfrm rot="0">
+          <a:xfrm>
             <a:off x="7264196" y="6088250"/>
             <a:ext cx="8052644" cy="573405"/>
           </a:xfrm>
@@ -4211,7 +5957,7 @@
           </a:prstGeom>
         </p:spPr>
         <p:txBody>
-          <a:bodyPr anchor="t" rtlCol="false" tIns="0" lIns="0" bIns="0" rIns="0">
+          <a:bodyPr lIns="0" tIns="0" rIns="0" bIns="0" rtlCol="0" anchor="t">
             <a:spAutoFit/>
           </a:bodyPr>
           <a:lstStyle/>
@@ -4235,12 +5981,12 @@
       </p:sp>
       <p:sp>
         <p:nvSpPr>
-          <p:cNvPr name="TextBox 11" id="11"/>
-          <p:cNvSpPr txBox="true"/>
+          <p:cNvPr id="11" name="TextBox 11"/>
+          <p:cNvSpPr txBox="1"/>
           <p:nvPr/>
         </p:nvSpPr>
         <p:spPr>
-          <a:xfrm rot="0">
+          <a:xfrm>
             <a:off x="2806273" y="838200"/>
             <a:ext cx="12637084" cy="1144905"/>
           </a:xfrm>
@@ -4249,7 +5995,7 @@
           </a:prstGeom>
         </p:spPr>
         <p:txBody>
-          <a:bodyPr anchor="t" rtlCol="false" tIns="0" lIns="0" bIns="0" rIns="0">
+          <a:bodyPr lIns="0" tIns="0" rIns="0" bIns="0" rtlCol="0" anchor="t">
             <a:spAutoFit/>
           </a:bodyPr>
           <a:lstStyle/>
@@ -4273,12 +6019,12 @@
       </p:sp>
       <p:sp>
         <p:nvSpPr>
-          <p:cNvPr name="Freeform 12" id="12"/>
+          <p:cNvPr id="12" name="Freeform 12"/>
           <p:cNvSpPr/>
           <p:nvPr/>
         </p:nvSpPr>
         <p:spPr>
-          <a:xfrm flipH="false" flipV="false" rot="249758">
+          <a:xfrm rot="249758">
             <a:off x="15217952" y="1091438"/>
             <a:ext cx="1463105" cy="1687018"/>
           </a:xfrm>
@@ -4287,9 +6033,9 @@
             <a:gdLst/>
             <a:ahLst/>
             <a:cxnLst/>
-            <a:rect r="r" b="b" t="t" l="l"/>
+            <a:rect l="l" t="t" r="r" b="b"/>
             <a:pathLst>
-              <a:path h="1687018" w="1463105">
+              <a:path w="1463105" h="1687018">
                 <a:moveTo>
                   <a:pt x="0" y="0"/>
                 </a:moveTo>
@@ -4310,27 +6056,27 @@
             </a:pathLst>
           </a:custGeom>
           <a:blipFill>
-            <a:blip r:embed="rId4">
+            <a:blip r:embed="rId5">
               <a:extLst>
                 <a:ext uri="{96DAC541-7B7A-43D3-8B79-37D633B846F1}">
-                  <asvg:svgBlip xmlns:asvg="http://schemas.microsoft.com/office/drawing/2016/SVG/main" r:embed="rId5"/>
+                  <asvg:svgBlip xmlns:asvg="http://schemas.microsoft.com/office/drawing/2016/SVG/main" r:embed="rId6"/>
                 </a:ext>
               </a:extLst>
             </a:blip>
             <a:stretch>
-              <a:fillRect l="0" t="0" r="0" b="0"/>
+              <a:fillRect/>
             </a:stretch>
           </a:blipFill>
         </p:spPr>
       </p:sp>
       <p:sp>
         <p:nvSpPr>
-          <p:cNvPr name="Freeform 13" id="13"/>
+          <p:cNvPr id="13" name="Freeform 13"/>
           <p:cNvSpPr/>
           <p:nvPr/>
         </p:nvSpPr>
         <p:spPr>
-          <a:xfrm flipH="false" flipV="false" rot="-938460">
+          <a:xfrm rot="-938460">
             <a:off x="1099143" y="6342733"/>
             <a:ext cx="2190216" cy="2536040"/>
           </a:xfrm>
@@ -4339,9 +6085,9 @@
             <a:gdLst/>
             <a:ahLst/>
             <a:cxnLst/>
-            <a:rect r="r" b="b" t="t" l="l"/>
+            <a:rect l="l" t="t" r="r" b="b"/>
             <a:pathLst>
-              <a:path h="2536040" w="2190216">
+              <a:path w="2190216" h="2536040">
                 <a:moveTo>
                   <a:pt x="0" y="0"/>
                 </a:moveTo>
@@ -4362,15 +6108,15 @@
             </a:pathLst>
           </a:custGeom>
           <a:blipFill>
-            <a:blip r:embed="rId6">
+            <a:blip r:embed="rId7">
               <a:extLst>
                 <a:ext uri="{96DAC541-7B7A-43D3-8B79-37D633B846F1}">
-                  <asvg:svgBlip xmlns:asvg="http://schemas.microsoft.com/office/drawing/2016/SVG/main" r:embed="rId7"/>
+                  <asvg:svgBlip xmlns:asvg="http://schemas.microsoft.com/office/drawing/2016/SVG/main" r:embed="rId8"/>
                 </a:ext>
               </a:extLst>
             </a:blip>
             <a:stretch>
-              <a:fillRect l="0" t="0" r="0" b="0"/>
+              <a:fillRect/>
             </a:stretch>
           </a:blipFill>
         </p:spPr>
@@ -4384,13 +6130,14 @@
 </file>
 
 <file path=ppt/slides/slide3.xml><?xml version="1.0" encoding="utf-8"?>
-<p:sld xmlns:p="http://schemas.openxmlformats.org/presentationml/2006/main" xmlns:a="http://schemas.openxmlformats.org/drawingml/2006/main" xmlns:r="http://schemas.openxmlformats.org/officeDocument/2006/relationships">
+<p:sld xmlns:a="http://schemas.openxmlformats.org/drawingml/2006/main" xmlns:r="http://schemas.openxmlformats.org/officeDocument/2006/relationships" xmlns:p="http://schemas.openxmlformats.org/presentationml/2006/main">
   <p:cSld>
     <p:bg>
       <p:bgPr>
         <a:solidFill>
           <a:srgbClr val="FAF3F3"/>
         </a:solidFill>
+        <a:effectLst/>
       </p:bgPr>
     </p:bg>
     <p:spTree>
@@ -4409,12 +6156,12 @@
       </p:grpSpPr>
       <p:grpSp>
         <p:nvGrpSpPr>
-          <p:cNvPr name="Group 2" id="2"/>
+          <p:cNvPr id="2" name="Group 2"/>
           <p:cNvGrpSpPr/>
           <p:nvPr/>
         </p:nvGrpSpPr>
         <p:grpSpPr>
-          <a:xfrm rot="0">
+          <a:xfrm>
             <a:off x="10010775" y="414431"/>
             <a:ext cx="7082961" cy="3058022"/>
             <a:chOff x="0" y="0"/>
@@ -4423,12 +6170,12 @@
         </p:grpSpPr>
         <p:sp>
           <p:nvSpPr>
-            <p:cNvPr name="Freeform 3" id="3"/>
+            <p:cNvPr id="3" name="Freeform 3"/>
             <p:cNvSpPr/>
             <p:nvPr/>
           </p:nvSpPr>
           <p:spPr>
-            <a:xfrm flipH="false" flipV="false" rot="0">
+            <a:xfrm>
               <a:off x="0" y="0"/>
               <a:ext cx="883555" cy="381469"/>
             </a:xfrm>
@@ -4437,9 +6184,9 @@
               <a:gdLst/>
               <a:ahLst/>
               <a:cxnLst/>
-              <a:rect r="r" b="b" t="t" l="l"/>
+              <a:rect l="l" t="t" r="r" b="b"/>
               <a:pathLst>
-                <a:path h="381469" w="883555">
+                <a:path w="883555" h="381469">
                   <a:moveTo>
                     <a:pt x="680355" y="0"/>
                   </a:moveTo>
@@ -4484,8 +6231,8 @@
         </p:sp>
         <p:sp>
           <p:nvSpPr>
-            <p:cNvPr name="TextBox 4" id="4"/>
-            <p:cNvSpPr txBox="true"/>
+            <p:cNvPr id="4" name="TextBox 4"/>
+            <p:cNvSpPr txBox="1"/>
             <p:nvPr/>
           </p:nvSpPr>
           <p:spPr>
@@ -4498,7 +6245,7 @@
             </a:prstGeom>
           </p:spPr>
           <p:txBody>
-            <a:bodyPr anchor="ctr" rtlCol="false" tIns="50800" lIns="50800" bIns="50800" rIns="50800"/>
+            <a:bodyPr lIns="50800" tIns="50800" rIns="50800" bIns="50800" rtlCol="0" anchor="ctr"/>
             <a:lstStyle/>
             <a:p>
               <a:pPr algn="ctr">
@@ -4506,18 +6253,19 @@
                   <a:spcPts val="2659"/>
                 </a:lnSpc>
               </a:pPr>
+              <a:endParaRPr/>
             </a:p>
           </p:txBody>
         </p:sp>
       </p:grpSp>
       <p:grpSp>
         <p:nvGrpSpPr>
-          <p:cNvPr name="Group 5" id="5"/>
+          <p:cNvPr id="5" name="Group 5"/>
           <p:cNvGrpSpPr/>
           <p:nvPr/>
         </p:nvGrpSpPr>
         <p:grpSpPr>
-          <a:xfrm rot="0">
+          <a:xfrm>
             <a:off x="10010775" y="3693909"/>
             <a:ext cx="7082961" cy="3058022"/>
             <a:chOff x="0" y="0"/>
@@ -4526,12 +6274,12 @@
         </p:grpSpPr>
         <p:sp>
           <p:nvSpPr>
-            <p:cNvPr name="Freeform 6" id="6"/>
+            <p:cNvPr id="6" name="Freeform 6"/>
             <p:cNvSpPr/>
             <p:nvPr/>
           </p:nvSpPr>
           <p:spPr>
-            <a:xfrm flipH="false" flipV="false" rot="0">
+            <a:xfrm>
               <a:off x="0" y="0"/>
               <a:ext cx="883555" cy="381469"/>
             </a:xfrm>
@@ -4540,9 +6288,9 @@
               <a:gdLst/>
               <a:ahLst/>
               <a:cxnLst/>
-              <a:rect r="r" b="b" t="t" l="l"/>
+              <a:rect l="l" t="t" r="r" b="b"/>
               <a:pathLst>
-                <a:path h="381469" w="883555">
+                <a:path w="883555" h="381469">
                   <a:moveTo>
                     <a:pt x="680355" y="0"/>
                   </a:moveTo>
@@ -4587,8 +6335,8 @@
         </p:sp>
         <p:sp>
           <p:nvSpPr>
-            <p:cNvPr name="TextBox 7" id="7"/>
-            <p:cNvSpPr txBox="true"/>
+            <p:cNvPr id="7" name="TextBox 7"/>
+            <p:cNvSpPr txBox="1"/>
             <p:nvPr/>
           </p:nvSpPr>
           <p:spPr>
@@ -4601,7 +6349,7 @@
             </a:prstGeom>
           </p:spPr>
           <p:txBody>
-            <a:bodyPr anchor="ctr" rtlCol="false" tIns="50800" lIns="50800" bIns="50800" rIns="50800"/>
+            <a:bodyPr lIns="50800" tIns="50800" rIns="50800" bIns="50800" rtlCol="0" anchor="ctr"/>
             <a:lstStyle/>
             <a:p>
               <a:pPr algn="ctr">
@@ -4609,18 +6357,19 @@
                   <a:spcPts val="2659"/>
                 </a:lnSpc>
               </a:pPr>
+              <a:endParaRPr/>
             </a:p>
           </p:txBody>
         </p:sp>
       </p:grpSp>
       <p:grpSp>
         <p:nvGrpSpPr>
-          <p:cNvPr name="Group 8" id="8"/>
+          <p:cNvPr id="8" name="Group 8"/>
           <p:cNvGrpSpPr/>
           <p:nvPr/>
         </p:nvGrpSpPr>
         <p:grpSpPr>
-          <a:xfrm rot="0">
+          <a:xfrm>
             <a:off x="10010775" y="6973387"/>
             <a:ext cx="7082961" cy="3058022"/>
             <a:chOff x="0" y="0"/>
@@ -4629,12 +6378,12 @@
         </p:grpSpPr>
         <p:sp>
           <p:nvSpPr>
-            <p:cNvPr name="Freeform 9" id="9"/>
+            <p:cNvPr id="9" name="Freeform 9"/>
             <p:cNvSpPr/>
             <p:nvPr/>
           </p:nvSpPr>
           <p:spPr>
-            <a:xfrm flipH="false" flipV="false" rot="0">
+            <a:xfrm>
               <a:off x="0" y="0"/>
               <a:ext cx="883555" cy="381469"/>
             </a:xfrm>
@@ -4643,9 +6392,9 @@
               <a:gdLst/>
               <a:ahLst/>
               <a:cxnLst/>
-              <a:rect r="r" b="b" t="t" l="l"/>
+              <a:rect l="l" t="t" r="r" b="b"/>
               <a:pathLst>
-                <a:path h="381469" w="883555">
+                <a:path w="883555" h="381469">
                   <a:moveTo>
                     <a:pt x="680355" y="0"/>
                   </a:moveTo>
@@ -4690,8 +6439,8 @@
         </p:sp>
         <p:sp>
           <p:nvSpPr>
-            <p:cNvPr name="TextBox 10" id="10"/>
-            <p:cNvSpPr txBox="true"/>
+            <p:cNvPr id="10" name="TextBox 10"/>
+            <p:cNvSpPr txBox="1"/>
             <p:nvPr/>
           </p:nvSpPr>
           <p:spPr>
@@ -4704,7 +6453,7 @@
             </a:prstGeom>
           </p:spPr>
           <p:txBody>
-            <a:bodyPr anchor="ctr" rtlCol="false" tIns="50800" lIns="50800" bIns="50800" rIns="50800"/>
+            <a:bodyPr lIns="50800" tIns="50800" rIns="50800" bIns="50800" rtlCol="0" anchor="ctr"/>
             <a:lstStyle/>
             <a:p>
               <a:pPr algn="ctr">
@@ -4712,27 +6461,28 @@
                   <a:spcPts val="2659"/>
                 </a:lnSpc>
               </a:pPr>
+              <a:endParaRPr/>
             </a:p>
           </p:txBody>
         </p:sp>
       </p:grpSp>
       <p:sp>
         <p:nvSpPr>
-          <p:cNvPr name="TextBox 11" id="11"/>
-          <p:cNvSpPr txBox="true"/>
+          <p:cNvPr id="11" name="TextBox 11"/>
+          <p:cNvSpPr txBox="1"/>
           <p:nvPr/>
         </p:nvSpPr>
         <p:spPr>
-          <a:xfrm rot="0">
+          <a:xfrm>
             <a:off x="10671725" y="1085850"/>
-            <a:ext cx="5761060" cy="2184400"/>
+            <a:ext cx="5761060" cy="1756828"/>
           </a:xfrm>
           <a:prstGeom prst="rect">
             <a:avLst/>
           </a:prstGeom>
         </p:spPr>
         <p:txBody>
-          <a:bodyPr anchor="t" rtlCol="false" tIns="0" lIns="0" bIns="0" rIns="0">
+          <a:bodyPr lIns="0" tIns="0" rIns="0" bIns="0" rtlCol="0" anchor="t">
             <a:spAutoFit/>
           </a:bodyPr>
           <a:lstStyle/>
@@ -4743,7 +6493,7 @@
               </a:lnSpc>
             </a:pPr>
             <a:r>
-              <a:rPr lang="en-US" sz="2499">
+              <a:rPr lang="en-GB" sz="2499" dirty="0">
                 <a:solidFill>
                   <a:srgbClr val="222366"/>
                 </a:solidFill>
@@ -4752,32 +6502,63 @@
               <a:t>A dataset comprising of relevant health parameters such as BMI, age, blood pressure, family history of diabetes, and lifestyle factors</a:t>
             </a:r>
           </a:p>
+        </p:txBody>
+      </p:sp>
+      <p:sp>
+        <p:nvSpPr>
+          <p:cNvPr id="12" name="TextBox 12"/>
+          <p:cNvSpPr txBox="1"/>
+          <p:nvPr/>
+        </p:nvSpPr>
+        <p:spPr>
+          <a:xfrm>
+            <a:off x="10671725" y="4330993"/>
+            <a:ext cx="5761060" cy="2205668"/>
+          </a:xfrm>
+          <a:prstGeom prst="rect">
+            <a:avLst/>
+          </a:prstGeom>
+        </p:spPr>
+        <p:txBody>
+          <a:bodyPr lIns="0" tIns="0" rIns="0" bIns="0" rtlCol="0" anchor="t">
+            <a:spAutoFit/>
+          </a:bodyPr>
+          <a:lstStyle/>
           <a:p>
             <a:pPr algn="ctr">
               <a:lnSpc>
                 <a:spcPts val="3499"/>
               </a:lnSpc>
             </a:pPr>
+            <a:r>
+              <a:rPr lang="en-GB" sz="2499" dirty="0">
+                <a:solidFill>
+                  <a:srgbClr val="222366"/>
+                </a:solidFill>
+                <a:latin typeface="Public Sans"/>
+              </a:rPr>
+              <a:t>Cleaned and pre-processed the collected data to handle missing values, converted categorical data to a numerical format and standardise features</a:t>
+            </a:r>
           </a:p>
         </p:txBody>
       </p:sp>
       <p:sp>
         <p:nvSpPr>
-          <p:cNvPr name="TextBox 12" id="12"/>
-          <p:cNvSpPr txBox="true"/>
+          <p:cNvPr id="13" name="TextBox 13"/>
+          <p:cNvSpPr txBox="1"/>
           <p:nvPr/>
         </p:nvSpPr>
         <p:spPr>
-          <a:xfrm rot="0">
-            <a:off x="10671725" y="4330993"/>
-            <a:ext cx="5761060" cy="2184400"/>
+          <a:xfrm>
+            <a:off x="10671725" y="7781837"/>
+            <a:ext cx="5761060" cy="1746250"/>
           </a:xfrm>
           <a:prstGeom prst="rect">
             <a:avLst/>
           </a:prstGeom>
         </p:spPr>
         <p:txBody>
-          <a:bodyPr anchor="t" rtlCol="false" tIns="0" lIns="0" bIns="0" rIns="0">
+          <a:bodyPr lIns="0" tIns="0" rIns="0" bIns="0" rtlCol="0" anchor="t">
             <a:spAutoFit/>
           </a:bodyPr>
           <a:lstStyle/>
@@ -4788,72 +6569,34 @@
               </a:lnSpc>
             </a:pPr>
             <a:r>
-              <a:rPr lang="en-US" sz="2499">
+              <a:rPr lang="en-GB" sz="2499" dirty="0">
                 <a:solidFill>
                   <a:srgbClr val="222366"/>
                 </a:solidFill>
                 <a:latin typeface="Public Sans"/>
               </a:rPr>
-              <a:t>Cleaned and preprocessed the collected data to handle missing values, convert categorical data to a binary format and standardise features</a:t>
+              <a:t>Defined the target and feature variables and split the data into subsets ready for the training and testing of models</a:t>
             </a:r>
           </a:p>
         </p:txBody>
       </p:sp>
       <p:sp>
         <p:nvSpPr>
-          <p:cNvPr name="TextBox 13" id="13"/>
-          <p:cNvSpPr txBox="true"/>
+          <p:cNvPr id="14" name="TextBox 14"/>
+          <p:cNvSpPr txBox="1"/>
           <p:nvPr/>
         </p:nvSpPr>
         <p:spPr>
-          <a:xfrm rot="0">
-            <a:off x="10671725" y="7781837"/>
-            <a:ext cx="5761060" cy="1746250"/>
+          <a:xfrm>
+            <a:off x="1028700" y="575659"/>
+            <a:ext cx="8452709" cy="3473450"/>
           </a:xfrm>
           <a:prstGeom prst="rect">
             <a:avLst/>
           </a:prstGeom>
         </p:spPr>
         <p:txBody>
-          <a:bodyPr anchor="t" rtlCol="false" tIns="0" lIns="0" bIns="0" rIns="0">
-            <a:spAutoFit/>
-          </a:bodyPr>
-          <a:lstStyle/>
-          <a:p>
-            <a:pPr algn="ctr">
-              <a:lnSpc>
-                <a:spcPts val="3499"/>
-              </a:lnSpc>
-            </a:pPr>
-            <a:r>
-              <a:rPr lang="en-US" sz="2499">
-                <a:solidFill>
-                  <a:srgbClr val="222366"/>
-                </a:solidFill>
-                <a:latin typeface="Public Sans"/>
-              </a:rPr>
-              <a:t>Defined the target and feature variables and split the data into subsets ready for the training and testing of models</a:t>
-            </a:r>
-          </a:p>
-        </p:txBody>
-      </p:sp>
-      <p:sp>
-        <p:nvSpPr>
-          <p:cNvPr name="TextBox 14" id="14"/>
-          <p:cNvSpPr txBox="true"/>
-          <p:nvPr/>
-        </p:nvSpPr>
-        <p:spPr>
-          <a:xfrm rot="0">
-            <a:off x="1028700" y="575659"/>
-            <a:ext cx="8452709" cy="3473450"/>
-          </a:xfrm>
-          <a:prstGeom prst="rect">
-            <a:avLst/>
-          </a:prstGeom>
-        </p:spPr>
-        <p:txBody>
-          <a:bodyPr anchor="t" rtlCol="false" tIns="0" lIns="0" bIns="0" rIns="0">
+          <a:bodyPr lIns="0" tIns="0" rIns="0" bIns="0" rtlCol="0" anchor="t">
             <a:spAutoFit/>
           </a:bodyPr>
           <a:lstStyle/>
@@ -4877,12 +6620,12 @@
       </p:sp>
       <p:sp>
         <p:nvSpPr>
-          <p:cNvPr name="Freeform 15" id="15"/>
+          <p:cNvPr id="15" name="Freeform 15"/>
           <p:cNvSpPr/>
           <p:nvPr/>
         </p:nvSpPr>
         <p:spPr>
-          <a:xfrm flipH="false" flipV="false" rot="0">
+          <a:xfrm>
             <a:off x="2479058" y="6035439"/>
             <a:ext cx="4246987" cy="4415582"/>
           </a:xfrm>
@@ -4891,9 +6634,9 @@
             <a:gdLst/>
             <a:ahLst/>
             <a:cxnLst/>
-            <a:rect r="r" b="b" t="t" l="l"/>
+            <a:rect l="l" t="t" r="r" b="b"/>
             <a:pathLst>
-              <a:path h="4415582" w="4246987">
+              <a:path w="4246987" h="4415582">
                 <a:moveTo>
                   <a:pt x="0" y="0"/>
                 </a:moveTo>
@@ -4914,27 +6657,27 @@
             </a:pathLst>
           </a:custGeom>
           <a:blipFill>
-            <a:blip r:embed="rId2">
+            <a:blip r:embed="rId3">
               <a:extLst>
                 <a:ext uri="{96DAC541-7B7A-43D3-8B79-37D633B846F1}">
-                  <asvg:svgBlip xmlns:asvg="http://schemas.microsoft.com/office/drawing/2016/SVG/main" r:embed="rId3"/>
+                  <asvg:svgBlip xmlns:asvg="http://schemas.microsoft.com/office/drawing/2016/SVG/main" r:embed="rId4"/>
                 </a:ext>
               </a:extLst>
             </a:blip>
             <a:stretch>
-              <a:fillRect l="0" t="0" r="0" b="0"/>
+              <a:fillRect/>
             </a:stretch>
           </a:blipFill>
         </p:spPr>
       </p:sp>
       <p:grpSp>
         <p:nvGrpSpPr>
-          <p:cNvPr name="Group 16" id="16"/>
+          <p:cNvPr id="16" name="Group 16"/>
           <p:cNvGrpSpPr/>
           <p:nvPr/>
         </p:nvGrpSpPr>
         <p:grpSpPr>
-          <a:xfrm rot="0">
+          <a:xfrm>
             <a:off x="11146567" y="255969"/>
             <a:ext cx="4794184" cy="639381"/>
             <a:chOff x="0" y="0"/>
@@ -4943,12 +6686,12 @@
         </p:grpSpPr>
         <p:sp>
           <p:nvSpPr>
-            <p:cNvPr name="Freeform 17" id="17"/>
+            <p:cNvPr id="17" name="Freeform 17"/>
             <p:cNvSpPr/>
             <p:nvPr/>
           </p:nvSpPr>
           <p:spPr>
-            <a:xfrm flipH="false" flipV="false" rot="0">
+            <a:xfrm>
               <a:off x="0" y="0"/>
               <a:ext cx="2860316" cy="381469"/>
             </a:xfrm>
@@ -4957,9 +6700,9 @@
               <a:gdLst/>
               <a:ahLst/>
               <a:cxnLst/>
-              <a:rect r="r" b="b" t="t" l="l"/>
+              <a:rect l="l" t="t" r="r" b="b"/>
               <a:pathLst>
-                <a:path h="381469" w="2860316">
+                <a:path w="2860316" h="381469">
                   <a:moveTo>
                     <a:pt x="2657116" y="0"/>
                   </a:moveTo>
@@ -4997,8 +6740,8 @@
         </p:sp>
         <p:sp>
           <p:nvSpPr>
-            <p:cNvPr name="TextBox 18" id="18"/>
-            <p:cNvSpPr txBox="true"/>
+            <p:cNvPr id="18" name="TextBox 18"/>
+            <p:cNvSpPr txBox="1"/>
             <p:nvPr/>
           </p:nvSpPr>
           <p:spPr>
@@ -5011,7 +6754,7 @@
             </a:prstGeom>
           </p:spPr>
           <p:txBody>
-            <a:bodyPr anchor="ctr" rtlCol="false" tIns="50800" lIns="50800" bIns="50800" rIns="50800"/>
+            <a:bodyPr lIns="50800" tIns="50800" rIns="50800" bIns="50800" rtlCol="0" anchor="ctr"/>
             <a:lstStyle/>
             <a:p>
               <a:pPr algn="ctr">
@@ -5019,18 +6762,19 @@
                   <a:spcPts val="2659"/>
                 </a:lnSpc>
               </a:pPr>
+              <a:endParaRPr/>
             </a:p>
           </p:txBody>
         </p:sp>
       </p:grpSp>
       <p:sp>
         <p:nvSpPr>
-          <p:cNvPr name="TextBox 19" id="19"/>
-          <p:cNvSpPr txBox="true"/>
+          <p:cNvPr id="19" name="TextBox 19"/>
+          <p:cNvSpPr txBox="1"/>
           <p:nvPr/>
         </p:nvSpPr>
         <p:spPr>
-          <a:xfrm rot="0">
+          <a:xfrm>
             <a:off x="11277878" y="280434"/>
             <a:ext cx="4514368" cy="490855"/>
           </a:xfrm>
@@ -5039,7 +6783,7 @@
           </a:prstGeom>
         </p:spPr>
         <p:txBody>
-          <a:bodyPr anchor="t" rtlCol="false" tIns="0" lIns="0" bIns="0" rIns="0">
+          <a:bodyPr lIns="0" tIns="0" rIns="0" bIns="0" rtlCol="0" anchor="t">
             <a:spAutoFit/>
           </a:bodyPr>
           <a:lstStyle/>
@@ -5063,12 +6807,12 @@
       </p:sp>
       <p:grpSp>
         <p:nvGrpSpPr>
-          <p:cNvPr name="Group 20" id="20"/>
+          <p:cNvPr id="20" name="Group 20"/>
           <p:cNvGrpSpPr/>
           <p:nvPr/>
         </p:nvGrpSpPr>
         <p:grpSpPr>
-          <a:xfrm rot="0">
+          <a:xfrm>
             <a:off x="11155163" y="3520162"/>
             <a:ext cx="4794184" cy="639381"/>
             <a:chOff x="0" y="0"/>
@@ -5077,12 +6821,12 @@
         </p:grpSpPr>
         <p:sp>
           <p:nvSpPr>
-            <p:cNvPr name="Freeform 21" id="21"/>
+            <p:cNvPr id="21" name="Freeform 21"/>
             <p:cNvSpPr/>
             <p:nvPr/>
           </p:nvSpPr>
           <p:spPr>
-            <a:xfrm flipH="false" flipV="false" rot="0">
+            <a:xfrm>
               <a:off x="0" y="0"/>
               <a:ext cx="2860316" cy="381469"/>
             </a:xfrm>
@@ -5091,9 +6835,9 @@
               <a:gdLst/>
               <a:ahLst/>
               <a:cxnLst/>
-              <a:rect r="r" b="b" t="t" l="l"/>
+              <a:rect l="l" t="t" r="r" b="b"/>
               <a:pathLst>
-                <a:path h="381469" w="2860316">
+                <a:path w="2860316" h="381469">
                   <a:moveTo>
                     <a:pt x="2657116" y="0"/>
                   </a:moveTo>
@@ -5131,8 +6875,8 @@
         </p:sp>
         <p:sp>
           <p:nvSpPr>
-            <p:cNvPr name="TextBox 22" id="22"/>
-            <p:cNvSpPr txBox="true"/>
+            <p:cNvPr id="22" name="TextBox 22"/>
+            <p:cNvSpPr txBox="1"/>
             <p:nvPr/>
           </p:nvSpPr>
           <p:spPr>
@@ -5145,7 +6889,7 @@
             </a:prstGeom>
           </p:spPr>
           <p:txBody>
-            <a:bodyPr anchor="ctr" rtlCol="false" tIns="50800" lIns="50800" bIns="50800" rIns="50800"/>
+            <a:bodyPr lIns="50800" tIns="50800" rIns="50800" bIns="50800" rtlCol="0" anchor="ctr"/>
             <a:lstStyle/>
             <a:p>
               <a:pPr algn="ctr">
@@ -5153,18 +6897,19 @@
                   <a:spcPts val="2659"/>
                 </a:lnSpc>
               </a:pPr>
+              <a:endParaRPr/>
             </a:p>
           </p:txBody>
         </p:sp>
       </p:grpSp>
       <p:sp>
         <p:nvSpPr>
-          <p:cNvPr name="TextBox 23" id="23"/>
-          <p:cNvSpPr txBox="true"/>
+          <p:cNvPr id="23" name="TextBox 23"/>
+          <p:cNvSpPr txBox="1"/>
           <p:nvPr/>
         </p:nvSpPr>
         <p:spPr>
-          <a:xfrm rot="0">
+          <a:xfrm>
             <a:off x="11286475" y="3544627"/>
             <a:ext cx="4514368" cy="490855"/>
           </a:xfrm>
@@ -5173,7 +6918,7 @@
           </a:prstGeom>
         </p:spPr>
         <p:txBody>
-          <a:bodyPr anchor="t" rtlCol="false" tIns="0" lIns="0" bIns="0" rIns="0">
+          <a:bodyPr lIns="0" tIns="0" rIns="0" bIns="0" rtlCol="0" anchor="t">
             <a:spAutoFit/>
           </a:bodyPr>
           <a:lstStyle/>
@@ -5197,12 +6942,12 @@
       </p:sp>
       <p:grpSp>
         <p:nvGrpSpPr>
-          <p:cNvPr name="Group 24" id="24"/>
+          <p:cNvPr id="24" name="Group 24"/>
           <p:cNvGrpSpPr/>
           <p:nvPr/>
         </p:nvGrpSpPr>
         <p:grpSpPr>
-          <a:xfrm rot="0">
+          <a:xfrm>
             <a:off x="11155163" y="6799556"/>
             <a:ext cx="4794184" cy="639381"/>
             <a:chOff x="0" y="0"/>
@@ -5211,12 +6956,12 @@
         </p:grpSpPr>
         <p:sp>
           <p:nvSpPr>
-            <p:cNvPr name="Freeform 25" id="25"/>
+            <p:cNvPr id="25" name="Freeform 25"/>
             <p:cNvSpPr/>
             <p:nvPr/>
           </p:nvSpPr>
           <p:spPr>
-            <a:xfrm flipH="false" flipV="false" rot="0">
+            <a:xfrm>
               <a:off x="0" y="0"/>
               <a:ext cx="2860316" cy="381469"/>
             </a:xfrm>
@@ -5225,9 +6970,9 @@
               <a:gdLst/>
               <a:ahLst/>
               <a:cxnLst/>
-              <a:rect r="r" b="b" t="t" l="l"/>
+              <a:rect l="l" t="t" r="r" b="b"/>
               <a:pathLst>
-                <a:path h="381469" w="2860316">
+                <a:path w="2860316" h="381469">
                   <a:moveTo>
                     <a:pt x="2657116" y="0"/>
                   </a:moveTo>
@@ -5265,8 +7010,8 @@
         </p:sp>
         <p:sp>
           <p:nvSpPr>
-            <p:cNvPr name="TextBox 26" id="26"/>
-            <p:cNvSpPr txBox="true"/>
+            <p:cNvPr id="26" name="TextBox 26"/>
+            <p:cNvSpPr txBox="1"/>
             <p:nvPr/>
           </p:nvSpPr>
           <p:spPr>
@@ -5279,7 +7024,7 @@
             </a:prstGeom>
           </p:spPr>
           <p:txBody>
-            <a:bodyPr anchor="ctr" rtlCol="false" tIns="50800" lIns="50800" bIns="50800" rIns="50800"/>
+            <a:bodyPr lIns="50800" tIns="50800" rIns="50800" bIns="50800" rtlCol="0" anchor="ctr"/>
             <a:lstStyle/>
             <a:p>
               <a:pPr algn="ctr">
@@ -5287,18 +7032,19 @@
                   <a:spcPts val="2659"/>
                 </a:lnSpc>
               </a:pPr>
+              <a:endParaRPr/>
             </a:p>
           </p:txBody>
         </p:sp>
       </p:grpSp>
       <p:sp>
         <p:nvSpPr>
-          <p:cNvPr name="TextBox 27" id="27"/>
-          <p:cNvSpPr txBox="true"/>
+          <p:cNvPr id="27" name="TextBox 27"/>
+          <p:cNvSpPr txBox="1"/>
           <p:nvPr/>
         </p:nvSpPr>
         <p:spPr>
-          <a:xfrm rot="0">
+          <a:xfrm>
             <a:off x="11286475" y="6824021"/>
             <a:ext cx="4514368" cy="490855"/>
           </a:xfrm>
@@ -5307,7 +7053,7 @@
           </a:prstGeom>
         </p:spPr>
         <p:txBody>
-          <a:bodyPr anchor="t" rtlCol="false" tIns="0" lIns="0" bIns="0" rIns="0">
+          <a:bodyPr lIns="0" tIns="0" rIns="0" bIns="0" rtlCol="0" anchor="t">
             <a:spAutoFit/>
           </a:bodyPr>
           <a:lstStyle/>
@@ -5338,13 +7084,14 @@
 </file>
 
 <file path=ppt/slides/slide4.xml><?xml version="1.0" encoding="utf-8"?>
-<p:sld xmlns:p="http://schemas.openxmlformats.org/presentationml/2006/main" xmlns:a="http://schemas.openxmlformats.org/drawingml/2006/main" xmlns:r="http://schemas.openxmlformats.org/officeDocument/2006/relationships">
+<p:sld xmlns:a="http://schemas.openxmlformats.org/drawingml/2006/main" xmlns:r="http://schemas.openxmlformats.org/officeDocument/2006/relationships" xmlns:p="http://schemas.openxmlformats.org/presentationml/2006/main">
   <p:cSld>
     <p:bg>
       <p:bgPr>
         <a:solidFill>
           <a:srgbClr val="FAF3F3"/>
         </a:solidFill>
+        <a:effectLst/>
       </p:bgPr>
     </p:bg>
     <p:spTree>
@@ -5363,12 +7110,12 @@
       </p:grpSpPr>
       <p:sp>
         <p:nvSpPr>
-          <p:cNvPr name="Freeform 2" id="2"/>
+          <p:cNvPr id="2" name="Freeform 2"/>
           <p:cNvSpPr/>
           <p:nvPr/>
         </p:nvSpPr>
         <p:spPr>
-          <a:xfrm flipH="false" flipV="false" rot="0">
+          <a:xfrm>
             <a:off x="-1305252" y="8670689"/>
             <a:ext cx="2226371" cy="2183842"/>
           </a:xfrm>
@@ -5377,9 +7124,9 @@
             <a:gdLst/>
             <a:ahLst/>
             <a:cxnLst/>
-            <a:rect r="r" b="b" t="t" l="l"/>
+            <a:rect l="l" t="t" r="r" b="b"/>
             <a:pathLst>
-              <a:path h="2183842" w="2226371">
+              <a:path w="2226371" h="2183842">
                 <a:moveTo>
                   <a:pt x="0" y="0"/>
                 </a:moveTo>
@@ -5400,27 +7147,27 @@
             </a:pathLst>
           </a:custGeom>
           <a:blipFill>
-            <a:blip r:embed="rId2">
+            <a:blip r:embed="rId3">
               <a:extLst>
                 <a:ext uri="{96DAC541-7B7A-43D3-8B79-37D633B846F1}">
-                  <asvg:svgBlip xmlns:asvg="http://schemas.microsoft.com/office/drawing/2016/SVG/main" r:embed="rId3"/>
+                  <asvg:svgBlip xmlns:asvg="http://schemas.microsoft.com/office/drawing/2016/SVG/main" r:embed="rId4"/>
                 </a:ext>
               </a:extLst>
             </a:blip>
             <a:stretch>
-              <a:fillRect l="0" t="0" r="0" b="0"/>
+              <a:fillRect/>
             </a:stretch>
           </a:blipFill>
         </p:spPr>
       </p:sp>
       <p:sp>
         <p:nvSpPr>
-          <p:cNvPr name="Freeform 3" id="3"/>
+          <p:cNvPr id="3" name="Freeform 3"/>
           <p:cNvSpPr/>
           <p:nvPr/>
         </p:nvSpPr>
         <p:spPr>
-          <a:xfrm flipH="false" flipV="false" rot="0">
+          <a:xfrm>
             <a:off x="17523018" y="4501856"/>
             <a:ext cx="2481315" cy="2433916"/>
           </a:xfrm>
@@ -5429,9 +7176,9 @@
             <a:gdLst/>
             <a:ahLst/>
             <a:cxnLst/>
-            <a:rect r="r" b="b" t="t" l="l"/>
+            <a:rect l="l" t="t" r="r" b="b"/>
             <a:pathLst>
-              <a:path h="2433916" w="2481315">
+              <a:path w="2481315" h="2433916">
                 <a:moveTo>
                   <a:pt x="0" y="0"/>
                 </a:moveTo>
@@ -5452,27 +7199,27 @@
             </a:pathLst>
           </a:custGeom>
           <a:blipFill>
-            <a:blip r:embed="rId2">
+            <a:blip r:embed="rId3">
               <a:extLst>
                 <a:ext uri="{96DAC541-7B7A-43D3-8B79-37D633B846F1}">
-                  <asvg:svgBlip xmlns:asvg="http://schemas.microsoft.com/office/drawing/2016/SVG/main" r:embed="rId3"/>
+                  <asvg:svgBlip xmlns:asvg="http://schemas.microsoft.com/office/drawing/2016/SVG/main" r:embed="rId4"/>
                 </a:ext>
               </a:extLst>
             </a:blip>
             <a:stretch>
-              <a:fillRect l="0" t="0" r="0" b="0"/>
+              <a:fillRect/>
             </a:stretch>
           </a:blipFill>
         </p:spPr>
       </p:sp>
       <p:grpSp>
         <p:nvGrpSpPr>
-          <p:cNvPr name="Group 4" id="4"/>
+          <p:cNvPr id="4" name="Group 4"/>
           <p:cNvGrpSpPr/>
           <p:nvPr/>
         </p:nvGrpSpPr>
         <p:grpSpPr>
-          <a:xfrm rot="0">
+          <a:xfrm>
             <a:off x="394261" y="2685006"/>
             <a:ext cx="5645977" cy="3287060"/>
             <a:chOff x="0" y="0"/>
@@ -5481,12 +7228,12 @@
         </p:grpSpPr>
         <p:sp>
           <p:nvSpPr>
-            <p:cNvPr name="Freeform 5" id="5"/>
+            <p:cNvPr id="5" name="Freeform 5"/>
             <p:cNvSpPr/>
             <p:nvPr/>
           </p:nvSpPr>
           <p:spPr>
-            <a:xfrm flipH="false" flipV="false" rot="0">
+            <a:xfrm>
               <a:off x="0" y="0"/>
               <a:ext cx="655225" cy="381469"/>
             </a:xfrm>
@@ -5495,9 +7242,9 @@
               <a:gdLst/>
               <a:ahLst/>
               <a:cxnLst/>
-              <a:rect r="r" b="b" t="t" l="l"/>
+              <a:rect l="l" t="t" r="r" b="b"/>
               <a:pathLst>
-                <a:path h="381469" w="655225">
+                <a:path w="655225" h="381469">
                   <a:moveTo>
                     <a:pt x="452025" y="0"/>
                   </a:moveTo>
@@ -5542,8 +7289,8 @@
         </p:sp>
         <p:sp>
           <p:nvSpPr>
-            <p:cNvPr name="TextBox 6" id="6"/>
-            <p:cNvSpPr txBox="true"/>
+            <p:cNvPr id="6" name="TextBox 6"/>
+            <p:cNvSpPr txBox="1"/>
             <p:nvPr/>
           </p:nvSpPr>
           <p:spPr>
@@ -5556,7 +7303,7 @@
             </a:prstGeom>
           </p:spPr>
           <p:txBody>
-            <a:bodyPr anchor="ctr" rtlCol="false" tIns="50800" lIns="50800" bIns="50800" rIns="50800"/>
+            <a:bodyPr lIns="50800" tIns="50800" rIns="50800" bIns="50800" rtlCol="0" anchor="ctr"/>
             <a:lstStyle/>
             <a:p>
               <a:pPr algn="ctr">
@@ -5564,18 +7311,19 @@
                   <a:spcPts val="2659"/>
                 </a:lnSpc>
               </a:pPr>
+              <a:endParaRPr/>
             </a:p>
           </p:txBody>
         </p:sp>
       </p:grpSp>
       <p:grpSp>
         <p:nvGrpSpPr>
-          <p:cNvPr name="Group 7" id="7"/>
+          <p:cNvPr id="7" name="Group 7"/>
           <p:cNvGrpSpPr/>
           <p:nvPr/>
         </p:nvGrpSpPr>
         <p:grpSpPr>
-          <a:xfrm rot="0">
+          <a:xfrm>
             <a:off x="394261" y="6475550"/>
             <a:ext cx="5645977" cy="3287060"/>
             <a:chOff x="0" y="0"/>
@@ -5584,12 +7332,12 @@
         </p:grpSpPr>
         <p:sp>
           <p:nvSpPr>
-            <p:cNvPr name="Freeform 8" id="8"/>
+            <p:cNvPr id="8" name="Freeform 8"/>
             <p:cNvSpPr/>
             <p:nvPr/>
           </p:nvSpPr>
           <p:spPr>
-            <a:xfrm flipH="false" flipV="false" rot="0">
+            <a:xfrm>
               <a:off x="0" y="0"/>
               <a:ext cx="655225" cy="381469"/>
             </a:xfrm>
@@ -5598,9 +7346,9 @@
               <a:gdLst/>
               <a:ahLst/>
               <a:cxnLst/>
-              <a:rect r="r" b="b" t="t" l="l"/>
+              <a:rect l="l" t="t" r="r" b="b"/>
               <a:pathLst>
-                <a:path h="381469" w="655225">
+                <a:path w="655225" h="381469">
                   <a:moveTo>
                     <a:pt x="452025" y="0"/>
                   </a:moveTo>
@@ -5645,8 +7393,8 @@
         </p:sp>
         <p:sp>
           <p:nvSpPr>
-            <p:cNvPr name="TextBox 9" id="9"/>
-            <p:cNvSpPr txBox="true"/>
+            <p:cNvPr id="9" name="TextBox 9"/>
+            <p:cNvSpPr txBox="1"/>
             <p:nvPr/>
           </p:nvSpPr>
           <p:spPr>
@@ -5659,7 +7407,7 @@
             </a:prstGeom>
           </p:spPr>
           <p:txBody>
-            <a:bodyPr anchor="ctr" rtlCol="false" tIns="50800" lIns="50800" bIns="50800" rIns="50800"/>
+            <a:bodyPr lIns="50800" tIns="50800" rIns="50800" bIns="50800" rtlCol="0" anchor="ctr"/>
             <a:lstStyle/>
             <a:p>
               <a:pPr algn="ctr">
@@ -5667,18 +7415,19 @@
                   <a:spcPts val="2659"/>
                 </a:lnSpc>
               </a:pPr>
+              <a:endParaRPr/>
             </a:p>
           </p:txBody>
         </p:sp>
       </p:grpSp>
       <p:grpSp>
         <p:nvGrpSpPr>
-          <p:cNvPr name="Group 10" id="10"/>
+          <p:cNvPr id="10" name="Group 10"/>
           <p:cNvGrpSpPr/>
           <p:nvPr/>
         </p:nvGrpSpPr>
         <p:grpSpPr>
-          <a:xfrm rot="0">
+          <a:xfrm>
             <a:off x="6263100" y="2685006"/>
             <a:ext cx="5645977" cy="3287060"/>
             <a:chOff x="0" y="0"/>
@@ -5687,12 +7436,12 @@
         </p:grpSpPr>
         <p:sp>
           <p:nvSpPr>
-            <p:cNvPr name="Freeform 11" id="11"/>
+            <p:cNvPr id="11" name="Freeform 11"/>
             <p:cNvSpPr/>
             <p:nvPr/>
           </p:nvSpPr>
           <p:spPr>
-            <a:xfrm flipH="false" flipV="false" rot="0">
+            <a:xfrm>
               <a:off x="0" y="0"/>
               <a:ext cx="655225" cy="381469"/>
             </a:xfrm>
@@ -5701,9 +7450,9 @@
               <a:gdLst/>
               <a:ahLst/>
               <a:cxnLst/>
-              <a:rect r="r" b="b" t="t" l="l"/>
+              <a:rect l="l" t="t" r="r" b="b"/>
               <a:pathLst>
-                <a:path h="381469" w="655225">
+                <a:path w="655225" h="381469">
                   <a:moveTo>
                     <a:pt x="452025" y="0"/>
                   </a:moveTo>
@@ -5748,8 +7497,8 @@
         </p:sp>
         <p:sp>
           <p:nvSpPr>
-            <p:cNvPr name="TextBox 12" id="12"/>
-            <p:cNvSpPr txBox="true"/>
+            <p:cNvPr id="12" name="TextBox 12"/>
+            <p:cNvSpPr txBox="1"/>
             <p:nvPr/>
           </p:nvSpPr>
           <p:spPr>
@@ -5762,7 +7511,7 @@
             </a:prstGeom>
           </p:spPr>
           <p:txBody>
-            <a:bodyPr anchor="ctr" rtlCol="false" tIns="50800" lIns="50800" bIns="50800" rIns="50800"/>
+            <a:bodyPr lIns="50800" tIns="50800" rIns="50800" bIns="50800" rtlCol="0" anchor="ctr"/>
             <a:lstStyle/>
             <a:p>
               <a:pPr algn="ctr">
@@ -5770,18 +7519,19 @@
                   <a:spcPts val="2659"/>
                 </a:lnSpc>
               </a:pPr>
+              <a:endParaRPr/>
             </a:p>
           </p:txBody>
         </p:sp>
       </p:grpSp>
       <p:grpSp>
         <p:nvGrpSpPr>
-          <p:cNvPr name="Group 13" id="13"/>
+          <p:cNvPr id="13" name="Group 13"/>
           <p:cNvGrpSpPr/>
           <p:nvPr/>
         </p:nvGrpSpPr>
         <p:grpSpPr>
-          <a:xfrm rot="0">
+          <a:xfrm>
             <a:off x="6263100" y="6475550"/>
             <a:ext cx="5645977" cy="3287060"/>
             <a:chOff x="0" y="0"/>
@@ -5790,12 +7540,12 @@
         </p:grpSpPr>
         <p:sp>
           <p:nvSpPr>
-            <p:cNvPr name="Freeform 14" id="14"/>
+            <p:cNvPr id="14" name="Freeform 14"/>
             <p:cNvSpPr/>
             <p:nvPr/>
           </p:nvSpPr>
           <p:spPr>
-            <a:xfrm flipH="false" flipV="false" rot="0">
+            <a:xfrm>
               <a:off x="0" y="0"/>
               <a:ext cx="655225" cy="381469"/>
             </a:xfrm>
@@ -5804,9 +7554,9 @@
               <a:gdLst/>
               <a:ahLst/>
               <a:cxnLst/>
-              <a:rect r="r" b="b" t="t" l="l"/>
+              <a:rect l="l" t="t" r="r" b="b"/>
               <a:pathLst>
-                <a:path h="381469" w="655225">
+                <a:path w="655225" h="381469">
                   <a:moveTo>
                     <a:pt x="452025" y="0"/>
                   </a:moveTo>
@@ -5851,8 +7601,8 @@
         </p:sp>
         <p:sp>
           <p:nvSpPr>
-            <p:cNvPr name="TextBox 15" id="15"/>
-            <p:cNvSpPr txBox="true"/>
+            <p:cNvPr id="15" name="TextBox 15"/>
+            <p:cNvSpPr txBox="1"/>
             <p:nvPr/>
           </p:nvSpPr>
           <p:spPr>
@@ -5865,7 +7615,7 @@
             </a:prstGeom>
           </p:spPr>
           <p:txBody>
-            <a:bodyPr anchor="ctr" rtlCol="false" tIns="50800" lIns="50800" bIns="50800" rIns="50800"/>
+            <a:bodyPr lIns="50800" tIns="50800" rIns="50800" bIns="50800" rtlCol="0" anchor="ctr"/>
             <a:lstStyle/>
             <a:p>
               <a:pPr algn="ctr">
@@ -5873,18 +7623,19 @@
                   <a:spcPts val="2659"/>
                 </a:lnSpc>
               </a:pPr>
+              <a:endParaRPr/>
             </a:p>
           </p:txBody>
         </p:sp>
       </p:grpSp>
       <p:grpSp>
         <p:nvGrpSpPr>
-          <p:cNvPr name="Group 16" id="16"/>
+          <p:cNvPr id="16" name="Group 16"/>
           <p:cNvGrpSpPr/>
           <p:nvPr/>
         </p:nvGrpSpPr>
         <p:grpSpPr>
-          <a:xfrm rot="0">
+          <a:xfrm>
             <a:off x="1306477" y="2341371"/>
             <a:ext cx="3821545" cy="687269"/>
             <a:chOff x="0" y="0"/>
@@ -5893,12 +7644,12 @@
         </p:grpSpPr>
         <p:sp>
           <p:nvSpPr>
-            <p:cNvPr name="Freeform 17" id="17"/>
+            <p:cNvPr id="17" name="Freeform 17"/>
             <p:cNvSpPr/>
             <p:nvPr/>
           </p:nvSpPr>
           <p:spPr>
-            <a:xfrm flipH="false" flipV="false" rot="0">
+            <a:xfrm>
               <a:off x="0" y="0"/>
               <a:ext cx="2121149" cy="381469"/>
             </a:xfrm>
@@ -5907,9 +7658,9 @@
               <a:gdLst/>
               <a:ahLst/>
               <a:cxnLst/>
-              <a:rect r="r" b="b" t="t" l="l"/>
+              <a:rect l="l" t="t" r="r" b="b"/>
               <a:pathLst>
-                <a:path h="381469" w="2121149">
+                <a:path w="2121149" h="381469">
                   <a:moveTo>
                     <a:pt x="1917949" y="0"/>
                   </a:moveTo>
@@ -5947,8 +7698,8 @@
         </p:sp>
         <p:sp>
           <p:nvSpPr>
-            <p:cNvPr name="TextBox 18" id="18"/>
-            <p:cNvSpPr txBox="true"/>
+            <p:cNvPr id="18" name="TextBox 18"/>
+            <p:cNvSpPr txBox="1"/>
             <p:nvPr/>
           </p:nvSpPr>
           <p:spPr>
@@ -5961,7 +7712,7 @@
             </a:prstGeom>
           </p:spPr>
           <p:txBody>
-            <a:bodyPr anchor="ctr" rtlCol="false" tIns="50800" lIns="50800" bIns="50800" rIns="50800"/>
+            <a:bodyPr lIns="50800" tIns="50800" rIns="50800" bIns="50800" rtlCol="0" anchor="ctr"/>
             <a:lstStyle/>
             <a:p>
               <a:pPr algn="ctr">
@@ -5969,18 +7720,19 @@
                   <a:spcPts val="2659"/>
                 </a:lnSpc>
               </a:pPr>
+              <a:endParaRPr/>
             </a:p>
           </p:txBody>
         </p:sp>
       </p:grpSp>
       <p:grpSp>
         <p:nvGrpSpPr>
-          <p:cNvPr name="Group 19" id="19"/>
+          <p:cNvPr id="19" name="Group 19"/>
           <p:cNvGrpSpPr/>
           <p:nvPr/>
         </p:nvGrpSpPr>
         <p:grpSpPr>
-          <a:xfrm rot="0">
+          <a:xfrm>
             <a:off x="7175316" y="2341371"/>
             <a:ext cx="3821545" cy="687269"/>
             <a:chOff x="0" y="0"/>
@@ -5989,12 +7741,12 @@
         </p:grpSpPr>
         <p:sp>
           <p:nvSpPr>
-            <p:cNvPr name="Freeform 20" id="20"/>
+            <p:cNvPr id="20" name="Freeform 20"/>
             <p:cNvSpPr/>
             <p:nvPr/>
           </p:nvSpPr>
           <p:spPr>
-            <a:xfrm flipH="false" flipV="false" rot="0">
+            <a:xfrm>
               <a:off x="0" y="0"/>
               <a:ext cx="2121149" cy="381469"/>
             </a:xfrm>
@@ -6003,9 +7755,9 @@
               <a:gdLst/>
               <a:ahLst/>
               <a:cxnLst/>
-              <a:rect r="r" b="b" t="t" l="l"/>
+              <a:rect l="l" t="t" r="r" b="b"/>
               <a:pathLst>
-                <a:path h="381469" w="2121149">
+                <a:path w="2121149" h="381469">
                   <a:moveTo>
                     <a:pt x="1917949" y="0"/>
                   </a:moveTo>
@@ -6043,8 +7795,8 @@
         </p:sp>
         <p:sp>
           <p:nvSpPr>
-            <p:cNvPr name="TextBox 21" id="21"/>
-            <p:cNvSpPr txBox="true"/>
+            <p:cNvPr id="21" name="TextBox 21"/>
+            <p:cNvSpPr txBox="1"/>
             <p:nvPr/>
           </p:nvSpPr>
           <p:spPr>
@@ -6057,7 +7809,7 @@
             </a:prstGeom>
           </p:spPr>
           <p:txBody>
-            <a:bodyPr anchor="ctr" rtlCol="false" tIns="50800" lIns="50800" bIns="50800" rIns="50800"/>
+            <a:bodyPr lIns="50800" tIns="50800" rIns="50800" bIns="50800" rtlCol="0" anchor="ctr"/>
             <a:lstStyle/>
             <a:p>
               <a:pPr algn="ctr">
@@ -6065,18 +7817,19 @@
                   <a:spcPts val="2659"/>
                 </a:lnSpc>
               </a:pPr>
+              <a:endParaRPr/>
             </a:p>
           </p:txBody>
         </p:sp>
       </p:grpSp>
       <p:grpSp>
         <p:nvGrpSpPr>
-          <p:cNvPr name="Group 22" id="22"/>
+          <p:cNvPr id="22" name="Group 22"/>
           <p:cNvGrpSpPr/>
           <p:nvPr/>
         </p:nvGrpSpPr>
         <p:grpSpPr>
-          <a:xfrm rot="0">
+          <a:xfrm>
             <a:off x="1306477" y="6248503"/>
             <a:ext cx="3821545" cy="687269"/>
             <a:chOff x="0" y="0"/>
@@ -6085,12 +7838,12 @@
         </p:grpSpPr>
         <p:sp>
           <p:nvSpPr>
-            <p:cNvPr name="Freeform 23" id="23"/>
+            <p:cNvPr id="23" name="Freeform 23"/>
             <p:cNvSpPr/>
             <p:nvPr/>
           </p:nvSpPr>
           <p:spPr>
-            <a:xfrm flipH="false" flipV="false" rot="0">
+            <a:xfrm>
               <a:off x="0" y="0"/>
               <a:ext cx="2121149" cy="381469"/>
             </a:xfrm>
@@ -6099,9 +7852,9 @@
               <a:gdLst/>
               <a:ahLst/>
               <a:cxnLst/>
-              <a:rect r="r" b="b" t="t" l="l"/>
+              <a:rect l="l" t="t" r="r" b="b"/>
               <a:pathLst>
-                <a:path h="381469" w="2121149">
+                <a:path w="2121149" h="381469">
                   <a:moveTo>
                     <a:pt x="1917949" y="0"/>
                   </a:moveTo>
@@ -6139,8 +7892,8 @@
         </p:sp>
         <p:sp>
           <p:nvSpPr>
-            <p:cNvPr name="TextBox 24" id="24"/>
-            <p:cNvSpPr txBox="true"/>
+            <p:cNvPr id="24" name="TextBox 24"/>
+            <p:cNvSpPr txBox="1"/>
             <p:nvPr/>
           </p:nvSpPr>
           <p:spPr>
@@ -6153,7 +7906,7 @@
             </a:prstGeom>
           </p:spPr>
           <p:txBody>
-            <a:bodyPr anchor="ctr" rtlCol="false" tIns="50800" lIns="50800" bIns="50800" rIns="50800"/>
+            <a:bodyPr lIns="50800" tIns="50800" rIns="50800" bIns="50800" rtlCol="0" anchor="ctr"/>
             <a:lstStyle/>
             <a:p>
               <a:pPr algn="ctr">
@@ -6161,18 +7914,19 @@
                   <a:spcPts val="2659"/>
                 </a:lnSpc>
               </a:pPr>
+              <a:endParaRPr/>
             </a:p>
           </p:txBody>
         </p:sp>
       </p:grpSp>
       <p:grpSp>
         <p:nvGrpSpPr>
-          <p:cNvPr name="Group 25" id="25"/>
+          <p:cNvPr id="25" name="Group 25"/>
           <p:cNvGrpSpPr/>
           <p:nvPr/>
         </p:nvGrpSpPr>
         <p:grpSpPr>
-          <a:xfrm rot="0">
+          <a:xfrm>
             <a:off x="7175316" y="6248503"/>
             <a:ext cx="3821545" cy="687269"/>
             <a:chOff x="0" y="0"/>
@@ -6181,12 +7935,12 @@
         </p:grpSpPr>
         <p:sp>
           <p:nvSpPr>
-            <p:cNvPr name="Freeform 26" id="26"/>
+            <p:cNvPr id="26" name="Freeform 26"/>
             <p:cNvSpPr/>
             <p:nvPr/>
           </p:nvSpPr>
           <p:spPr>
-            <a:xfrm flipH="false" flipV="false" rot="0">
+            <a:xfrm>
               <a:off x="0" y="0"/>
               <a:ext cx="2121149" cy="381469"/>
             </a:xfrm>
@@ -6195,9 +7949,9 @@
               <a:gdLst/>
               <a:ahLst/>
               <a:cxnLst/>
-              <a:rect r="r" b="b" t="t" l="l"/>
+              <a:rect l="l" t="t" r="r" b="b"/>
               <a:pathLst>
-                <a:path h="381469" w="2121149">
+                <a:path w="2121149" h="381469">
                   <a:moveTo>
                     <a:pt x="1917949" y="0"/>
                   </a:moveTo>
@@ -6235,8 +7989,8 @@
         </p:sp>
         <p:sp>
           <p:nvSpPr>
-            <p:cNvPr name="TextBox 27" id="27"/>
-            <p:cNvSpPr txBox="true"/>
+            <p:cNvPr id="27" name="TextBox 27"/>
+            <p:cNvSpPr txBox="1"/>
             <p:nvPr/>
           </p:nvSpPr>
           <p:spPr>
@@ -6249,7 +8003,7 @@
             </a:prstGeom>
           </p:spPr>
           <p:txBody>
-            <a:bodyPr anchor="ctr" rtlCol="false" tIns="50800" lIns="50800" bIns="50800" rIns="50800"/>
+            <a:bodyPr lIns="50800" tIns="50800" rIns="50800" bIns="50800" rtlCol="0" anchor="ctr"/>
             <a:lstStyle/>
             <a:p>
               <a:pPr algn="ctr">
@@ -6257,18 +8011,19 @@
                   <a:spcPts val="2659"/>
                 </a:lnSpc>
               </a:pPr>
+              <a:endParaRPr/>
             </a:p>
           </p:txBody>
         </p:sp>
       </p:grpSp>
       <p:grpSp>
         <p:nvGrpSpPr>
-          <p:cNvPr name="Group 28" id="28"/>
+          <p:cNvPr id="28" name="Group 28"/>
           <p:cNvGrpSpPr/>
           <p:nvPr/>
         </p:nvGrpSpPr>
         <p:grpSpPr>
-          <a:xfrm rot="0">
+          <a:xfrm>
             <a:off x="12184823" y="2685006"/>
             <a:ext cx="5645977" cy="3287060"/>
             <a:chOff x="0" y="0"/>
@@ -6277,12 +8032,12 @@
         </p:grpSpPr>
         <p:sp>
           <p:nvSpPr>
-            <p:cNvPr name="Freeform 29" id="29"/>
+            <p:cNvPr id="29" name="Freeform 29"/>
             <p:cNvSpPr/>
             <p:nvPr/>
           </p:nvSpPr>
           <p:spPr>
-            <a:xfrm flipH="false" flipV="false" rot="0">
+            <a:xfrm>
               <a:off x="0" y="0"/>
               <a:ext cx="655225" cy="381469"/>
             </a:xfrm>
@@ -6291,9 +8046,9 @@
               <a:gdLst/>
               <a:ahLst/>
               <a:cxnLst/>
-              <a:rect r="r" b="b" t="t" l="l"/>
+              <a:rect l="l" t="t" r="r" b="b"/>
               <a:pathLst>
-                <a:path h="381469" w="655225">
+                <a:path w="655225" h="381469">
                   <a:moveTo>
                     <a:pt x="452025" y="0"/>
                   </a:moveTo>
@@ -6338,8 +8093,8 @@
         </p:sp>
         <p:sp>
           <p:nvSpPr>
-            <p:cNvPr name="TextBox 30" id="30"/>
-            <p:cNvSpPr txBox="true"/>
+            <p:cNvPr id="30" name="TextBox 30"/>
+            <p:cNvSpPr txBox="1"/>
             <p:nvPr/>
           </p:nvSpPr>
           <p:spPr>
@@ -6352,7 +8107,7 @@
             </a:prstGeom>
           </p:spPr>
           <p:txBody>
-            <a:bodyPr anchor="ctr" rtlCol="false" tIns="50800" lIns="50800" bIns="50800" rIns="50800"/>
+            <a:bodyPr lIns="50800" tIns="50800" rIns="50800" bIns="50800" rtlCol="0" anchor="ctr"/>
             <a:lstStyle/>
             <a:p>
               <a:pPr algn="ctr">
@@ -6360,18 +8115,19 @@
                   <a:spcPts val="2659"/>
                 </a:lnSpc>
               </a:pPr>
+              <a:endParaRPr/>
             </a:p>
           </p:txBody>
         </p:sp>
       </p:grpSp>
       <p:grpSp>
         <p:nvGrpSpPr>
-          <p:cNvPr name="Group 31" id="31"/>
+          <p:cNvPr id="31" name="Group 31"/>
           <p:cNvGrpSpPr/>
           <p:nvPr/>
         </p:nvGrpSpPr>
         <p:grpSpPr>
-          <a:xfrm rot="0">
+          <a:xfrm>
             <a:off x="12184823" y="6475550"/>
             <a:ext cx="5645977" cy="3287060"/>
             <a:chOff x="0" y="0"/>
@@ -6380,12 +8136,12 @@
         </p:grpSpPr>
         <p:sp>
           <p:nvSpPr>
-            <p:cNvPr name="Freeform 32" id="32"/>
+            <p:cNvPr id="32" name="Freeform 32"/>
             <p:cNvSpPr/>
             <p:nvPr/>
           </p:nvSpPr>
           <p:spPr>
-            <a:xfrm flipH="false" flipV="false" rot="0">
+            <a:xfrm>
               <a:off x="0" y="0"/>
               <a:ext cx="655225" cy="381469"/>
             </a:xfrm>
@@ -6394,9 +8150,9 @@
               <a:gdLst/>
               <a:ahLst/>
               <a:cxnLst/>
-              <a:rect r="r" b="b" t="t" l="l"/>
+              <a:rect l="l" t="t" r="r" b="b"/>
               <a:pathLst>
-                <a:path h="381469" w="655225">
+                <a:path w="655225" h="381469">
                   <a:moveTo>
                     <a:pt x="452025" y="0"/>
                   </a:moveTo>
@@ -6441,8 +8197,8 @@
         </p:sp>
         <p:sp>
           <p:nvSpPr>
-            <p:cNvPr name="TextBox 33" id="33"/>
-            <p:cNvSpPr txBox="true"/>
+            <p:cNvPr id="33" name="TextBox 33"/>
+            <p:cNvSpPr txBox="1"/>
             <p:nvPr/>
           </p:nvSpPr>
           <p:spPr>
@@ -6455,7 +8211,7 @@
             </a:prstGeom>
           </p:spPr>
           <p:txBody>
-            <a:bodyPr anchor="ctr" rtlCol="false" tIns="50800" lIns="50800" bIns="50800" rIns="50800"/>
+            <a:bodyPr lIns="50800" tIns="50800" rIns="50800" bIns="50800" rtlCol="0" anchor="ctr"/>
             <a:lstStyle/>
             <a:p>
               <a:pPr algn="ctr">
@@ -6463,18 +8219,19 @@
                   <a:spcPts val="2659"/>
                 </a:lnSpc>
               </a:pPr>
+              <a:endParaRPr/>
             </a:p>
           </p:txBody>
         </p:sp>
       </p:grpSp>
       <p:grpSp>
         <p:nvGrpSpPr>
-          <p:cNvPr name="Group 34" id="34"/>
+          <p:cNvPr id="34" name="Group 34"/>
           <p:cNvGrpSpPr/>
           <p:nvPr/>
         </p:nvGrpSpPr>
         <p:grpSpPr>
-          <a:xfrm rot="0">
+          <a:xfrm>
             <a:off x="13097039" y="2341371"/>
             <a:ext cx="3821545" cy="687269"/>
             <a:chOff x="0" y="0"/>
@@ -6483,12 +8240,12 @@
         </p:grpSpPr>
         <p:sp>
           <p:nvSpPr>
-            <p:cNvPr name="Freeform 35" id="35"/>
+            <p:cNvPr id="35" name="Freeform 35"/>
             <p:cNvSpPr/>
             <p:nvPr/>
           </p:nvSpPr>
           <p:spPr>
-            <a:xfrm flipH="false" flipV="false" rot="0">
+            <a:xfrm>
               <a:off x="0" y="0"/>
               <a:ext cx="2121149" cy="381469"/>
             </a:xfrm>
@@ -6497,9 +8254,9 @@
               <a:gdLst/>
               <a:ahLst/>
               <a:cxnLst/>
-              <a:rect r="r" b="b" t="t" l="l"/>
+              <a:rect l="l" t="t" r="r" b="b"/>
               <a:pathLst>
-                <a:path h="381469" w="2121149">
+                <a:path w="2121149" h="381469">
                   <a:moveTo>
                     <a:pt x="1917949" y="0"/>
                   </a:moveTo>
@@ -6537,8 +8294,8 @@
         </p:sp>
         <p:sp>
           <p:nvSpPr>
-            <p:cNvPr name="TextBox 36" id="36"/>
-            <p:cNvSpPr txBox="true"/>
+            <p:cNvPr id="36" name="TextBox 36"/>
+            <p:cNvSpPr txBox="1"/>
             <p:nvPr/>
           </p:nvSpPr>
           <p:spPr>
@@ -6551,7 +8308,7 @@
             </a:prstGeom>
           </p:spPr>
           <p:txBody>
-            <a:bodyPr anchor="ctr" rtlCol="false" tIns="50800" lIns="50800" bIns="50800" rIns="50800"/>
+            <a:bodyPr lIns="50800" tIns="50800" rIns="50800" bIns="50800" rtlCol="0" anchor="ctr"/>
             <a:lstStyle/>
             <a:p>
               <a:pPr algn="ctr">
@@ -6559,18 +8316,19 @@
                   <a:spcPts val="2659"/>
                 </a:lnSpc>
               </a:pPr>
+              <a:endParaRPr/>
             </a:p>
           </p:txBody>
         </p:sp>
       </p:grpSp>
       <p:grpSp>
         <p:nvGrpSpPr>
-          <p:cNvPr name="Group 37" id="37"/>
+          <p:cNvPr id="37" name="Group 37"/>
           <p:cNvGrpSpPr/>
           <p:nvPr/>
         </p:nvGrpSpPr>
         <p:grpSpPr>
-          <a:xfrm rot="0">
+          <a:xfrm>
             <a:off x="13097039" y="6248503"/>
             <a:ext cx="3821545" cy="687269"/>
             <a:chOff x="0" y="0"/>
@@ -6579,12 +8337,12 @@
         </p:grpSpPr>
         <p:sp>
           <p:nvSpPr>
-            <p:cNvPr name="Freeform 38" id="38"/>
+            <p:cNvPr id="38" name="Freeform 38"/>
             <p:cNvSpPr/>
             <p:nvPr/>
           </p:nvSpPr>
           <p:spPr>
-            <a:xfrm flipH="false" flipV="false" rot="0">
+            <a:xfrm>
               <a:off x="0" y="0"/>
               <a:ext cx="2121149" cy="381469"/>
             </a:xfrm>
@@ -6593,9 +8351,9 @@
               <a:gdLst/>
               <a:ahLst/>
               <a:cxnLst/>
-              <a:rect r="r" b="b" t="t" l="l"/>
+              <a:rect l="l" t="t" r="r" b="b"/>
               <a:pathLst>
-                <a:path h="381469" w="2121149">
+                <a:path w="2121149" h="381469">
                   <a:moveTo>
                     <a:pt x="1917949" y="0"/>
                   </a:moveTo>
@@ -6633,8 +8391,8 @@
         </p:sp>
         <p:sp>
           <p:nvSpPr>
-            <p:cNvPr name="TextBox 39" id="39"/>
-            <p:cNvSpPr txBox="true"/>
+            <p:cNvPr id="39" name="TextBox 39"/>
+            <p:cNvSpPr txBox="1"/>
             <p:nvPr/>
           </p:nvSpPr>
           <p:spPr>
@@ -6647,7 +8405,7 @@
             </a:prstGeom>
           </p:spPr>
           <p:txBody>
-            <a:bodyPr anchor="ctr" rtlCol="false" tIns="50800" lIns="50800" bIns="50800" rIns="50800"/>
+            <a:bodyPr lIns="50800" tIns="50800" rIns="50800" bIns="50800" rtlCol="0" anchor="ctr"/>
             <a:lstStyle/>
             <a:p>
               <a:pPr algn="ctr">
@@ -6655,18 +8413,19 @@
                   <a:spcPts val="2659"/>
                 </a:lnSpc>
               </a:pPr>
+              <a:endParaRPr/>
             </a:p>
           </p:txBody>
         </p:sp>
       </p:grpSp>
       <p:sp>
         <p:nvSpPr>
-          <p:cNvPr name="Freeform 40" id="40"/>
+          <p:cNvPr id="40" name="Freeform 40"/>
           <p:cNvSpPr/>
           <p:nvPr/>
         </p:nvSpPr>
         <p:spPr>
-          <a:xfrm flipH="false" flipV="false" rot="-829265">
+          <a:xfrm rot="-829265">
             <a:off x="694452" y="647318"/>
             <a:ext cx="1224051" cy="1204021"/>
           </a:xfrm>
@@ -6675,9 +8434,9 @@
             <a:gdLst/>
             <a:ahLst/>
             <a:cxnLst/>
-            <a:rect r="r" b="b" t="t" l="l"/>
+            <a:rect l="l" t="t" r="r" b="b"/>
             <a:pathLst>
-              <a:path h="1204021" w="1224051">
+              <a:path w="1224051" h="1204021">
                 <a:moveTo>
                   <a:pt x="0" y="0"/>
                 </a:moveTo>
@@ -6698,27 +8457,27 @@
             </a:pathLst>
           </a:custGeom>
           <a:blipFill>
-            <a:blip r:embed="rId4">
+            <a:blip r:embed="rId5">
               <a:extLst>
                 <a:ext uri="{96DAC541-7B7A-43D3-8B79-37D633B846F1}">
-                  <asvg:svgBlip xmlns:asvg="http://schemas.microsoft.com/office/drawing/2016/SVG/main" r:embed="rId5"/>
+                  <asvg:svgBlip xmlns:asvg="http://schemas.microsoft.com/office/drawing/2016/SVG/main" r:embed="rId6"/>
                 </a:ext>
               </a:extLst>
             </a:blip>
             <a:stretch>
-              <a:fillRect l="0" t="0" r="0" b="0"/>
+              <a:fillRect/>
             </a:stretch>
           </a:blipFill>
         </p:spPr>
       </p:sp>
       <p:sp>
         <p:nvSpPr>
-          <p:cNvPr name="TextBox 41" id="41"/>
-          <p:cNvSpPr txBox="true"/>
+          <p:cNvPr id="41" name="TextBox 41"/>
+          <p:cNvSpPr txBox="1"/>
           <p:nvPr/>
         </p:nvSpPr>
         <p:spPr>
-          <a:xfrm rot="0">
+          <a:xfrm>
             <a:off x="921119" y="3741242"/>
             <a:ext cx="4592262" cy="930827"/>
           </a:xfrm>
@@ -6727,7 +8486,7 @@
           </a:prstGeom>
         </p:spPr>
         <p:txBody>
-          <a:bodyPr anchor="t" rtlCol="false" tIns="0" lIns="0" bIns="0" rIns="0">
+          <a:bodyPr lIns="0" tIns="0" rIns="0" bIns="0" rtlCol="0" anchor="t">
             <a:spAutoFit/>
           </a:bodyPr>
           <a:lstStyle/>
@@ -6738,7 +8497,7 @@
               </a:lnSpc>
             </a:pPr>
             <a:r>
-              <a:rPr lang="en-US" sz="2687">
+              <a:rPr lang="en-GB" sz="2687" dirty="0">
                 <a:solidFill>
                   <a:srgbClr val="222366"/>
                 </a:solidFill>
@@ -6751,21 +8510,21 @@
       </p:sp>
       <p:sp>
         <p:nvSpPr>
-          <p:cNvPr name="TextBox 42" id="42"/>
-          <p:cNvSpPr txBox="true"/>
+          <p:cNvPr id="42" name="TextBox 42"/>
+          <p:cNvSpPr txBox="1"/>
           <p:nvPr/>
         </p:nvSpPr>
         <p:spPr>
-          <a:xfrm rot="0">
+          <a:xfrm>
             <a:off x="6789957" y="3340663"/>
-            <a:ext cx="4592262" cy="1872760"/>
+            <a:ext cx="4592262" cy="1906612"/>
           </a:xfrm>
           <a:prstGeom prst="rect">
             <a:avLst/>
           </a:prstGeom>
         </p:spPr>
         <p:txBody>
-          <a:bodyPr anchor="t" rtlCol="false" tIns="0" lIns="0" bIns="0" rIns="0">
+          <a:bodyPr lIns="0" tIns="0" rIns="0" bIns="0" rtlCol="0" anchor="t">
             <a:spAutoFit/>
           </a:bodyPr>
           <a:lstStyle/>
@@ -6776,7 +8535,7 @@
               </a:lnSpc>
             </a:pPr>
             <a:r>
-              <a:rPr lang="en-US" sz="2687">
+              <a:rPr lang="en-GB" sz="2687" dirty="0">
                 <a:solidFill>
                   <a:srgbClr val="222366"/>
                 </a:solidFill>
@@ -6789,21 +8548,21 @@
       </p:sp>
       <p:sp>
         <p:nvSpPr>
-          <p:cNvPr name="TextBox 43" id="43"/>
-          <p:cNvSpPr txBox="true"/>
+          <p:cNvPr id="43" name="TextBox 43"/>
+          <p:cNvSpPr txBox="1"/>
           <p:nvPr/>
         </p:nvSpPr>
         <p:spPr>
-          <a:xfrm rot="0">
+          <a:xfrm>
             <a:off x="921119" y="7307247"/>
-            <a:ext cx="4592262" cy="1401793"/>
+            <a:ext cx="4592262" cy="1906612"/>
           </a:xfrm>
           <a:prstGeom prst="rect">
             <a:avLst/>
           </a:prstGeom>
         </p:spPr>
         <p:txBody>
-          <a:bodyPr anchor="t" rtlCol="false" tIns="0" lIns="0" bIns="0" rIns="0">
+          <a:bodyPr lIns="0" tIns="0" rIns="0" bIns="0" rtlCol="0" anchor="t">
             <a:spAutoFit/>
           </a:bodyPr>
           <a:lstStyle/>
@@ -6814,34 +8573,34 @@
               </a:lnSpc>
             </a:pPr>
             <a:r>
-              <a:rPr lang="en-US" sz="2687">
+              <a:rPr lang="en-GB" sz="2687" dirty="0">
                 <a:solidFill>
                   <a:srgbClr val="222366"/>
                 </a:solidFill>
                 <a:latin typeface="Public Sans"/>
               </a:rPr>
-              <a:t>Employed SVM with different kernels to find the best separating hyperplane</a:t>
+              <a:t>Employed SVM with different kernels to find the best separating hyperplane. (Linear kernel )</a:t>
             </a:r>
           </a:p>
         </p:txBody>
       </p:sp>
       <p:sp>
         <p:nvSpPr>
-          <p:cNvPr name="TextBox 44" id="44"/>
-          <p:cNvSpPr txBox="true"/>
+          <p:cNvPr id="44" name="TextBox 44"/>
+          <p:cNvSpPr txBox="1"/>
           <p:nvPr/>
         </p:nvSpPr>
         <p:spPr>
-          <a:xfrm rot="0">
+          <a:xfrm>
             <a:off x="6789957" y="7173897"/>
-            <a:ext cx="4592262" cy="1872760"/>
+            <a:ext cx="4592262" cy="1906612"/>
           </a:xfrm>
           <a:prstGeom prst="rect">
             <a:avLst/>
           </a:prstGeom>
         </p:spPr>
         <p:txBody>
-          <a:bodyPr anchor="t" rtlCol="false" tIns="0" lIns="0" bIns="0" rIns="0">
+          <a:bodyPr lIns="0" tIns="0" rIns="0" bIns="0" rtlCol="0" anchor="t">
             <a:spAutoFit/>
           </a:bodyPr>
           <a:lstStyle/>
@@ -6852,25 +8611,25 @@
               </a:lnSpc>
             </a:pPr>
             <a:r>
-              <a:rPr lang="en-US" sz="2687">
+              <a:rPr lang="en-GB" sz="2687" dirty="0">
                 <a:solidFill>
                   <a:srgbClr val="222366"/>
                 </a:solidFill>
                 <a:latin typeface="Public Sans"/>
               </a:rPr>
-              <a:t>Implemented KNN to classify data points based on the majority class of their nearest neighbors</a:t>
+              <a:t>Implemented KNN to classify data points based on the majority class of their nearest neighbours</a:t>
             </a:r>
           </a:p>
         </p:txBody>
       </p:sp>
       <p:sp>
         <p:nvSpPr>
-          <p:cNvPr name="TextBox 45" id="45"/>
-          <p:cNvSpPr txBox="true"/>
+          <p:cNvPr id="45" name="TextBox 45"/>
+          <p:cNvSpPr txBox="1"/>
           <p:nvPr/>
         </p:nvSpPr>
         <p:spPr>
-          <a:xfrm rot="0">
+          <a:xfrm>
             <a:off x="1411149" y="2363137"/>
             <a:ext cx="3598497" cy="532150"/>
           </a:xfrm>
@@ -6879,7 +8638,7 @@
           </a:prstGeom>
         </p:spPr>
         <p:txBody>
-          <a:bodyPr anchor="t" rtlCol="false" tIns="0" lIns="0" bIns="0" rIns="0">
+          <a:bodyPr lIns="0" tIns="0" rIns="0" bIns="0" rtlCol="0" anchor="t">
             <a:spAutoFit/>
           </a:bodyPr>
           <a:lstStyle/>
@@ -6903,12 +8662,12 @@
       </p:sp>
       <p:sp>
         <p:nvSpPr>
-          <p:cNvPr name="TextBox 46" id="46"/>
-          <p:cNvSpPr txBox="true"/>
+          <p:cNvPr id="46" name="TextBox 46"/>
+          <p:cNvSpPr txBox="1"/>
           <p:nvPr/>
         </p:nvSpPr>
         <p:spPr>
-          <a:xfrm rot="0">
+          <a:xfrm>
             <a:off x="7279987" y="2363137"/>
             <a:ext cx="3598497" cy="532150"/>
           </a:xfrm>
@@ -6917,7 +8676,7 @@
           </a:prstGeom>
         </p:spPr>
         <p:txBody>
-          <a:bodyPr anchor="t" rtlCol="false" tIns="0" lIns="0" bIns="0" rIns="0">
+          <a:bodyPr lIns="0" tIns="0" rIns="0" bIns="0" rtlCol="0" anchor="t">
             <a:spAutoFit/>
           </a:bodyPr>
           <a:lstStyle/>
@@ -6941,12 +8700,12 @@
       </p:sp>
       <p:sp>
         <p:nvSpPr>
-          <p:cNvPr name="TextBox 47" id="47"/>
-          <p:cNvSpPr txBox="true"/>
+          <p:cNvPr id="47" name="TextBox 47"/>
+          <p:cNvSpPr txBox="1"/>
           <p:nvPr/>
         </p:nvSpPr>
         <p:spPr>
-          <a:xfrm rot="0">
+          <a:xfrm>
             <a:off x="1411149" y="6324491"/>
             <a:ext cx="3598497" cy="415043"/>
           </a:xfrm>
@@ -6955,7 +8714,7 @@
           </a:prstGeom>
         </p:spPr>
         <p:txBody>
-          <a:bodyPr anchor="t" rtlCol="false" tIns="0" lIns="0" bIns="0" rIns="0">
+          <a:bodyPr lIns="0" tIns="0" rIns="0" bIns="0" rtlCol="0" anchor="t">
             <a:spAutoFit/>
           </a:bodyPr>
           <a:lstStyle/>
@@ -6979,12 +8738,12 @@
       </p:sp>
       <p:sp>
         <p:nvSpPr>
-          <p:cNvPr name="TextBox 48" id="48"/>
-          <p:cNvSpPr txBox="true"/>
+          <p:cNvPr id="48" name="TextBox 48"/>
+          <p:cNvSpPr txBox="1"/>
           <p:nvPr/>
         </p:nvSpPr>
         <p:spPr>
-          <a:xfrm rot="0">
+          <a:xfrm>
             <a:off x="7279987" y="6324491"/>
             <a:ext cx="3598497" cy="464573"/>
           </a:xfrm>
@@ -6993,7 +8752,7 @@
           </a:prstGeom>
         </p:spPr>
         <p:txBody>
-          <a:bodyPr anchor="t" rtlCol="false" tIns="0" lIns="0" bIns="0" rIns="0">
+          <a:bodyPr lIns="0" tIns="0" rIns="0" bIns="0" rtlCol="0" anchor="t">
             <a:spAutoFit/>
           </a:bodyPr>
           <a:lstStyle/>
@@ -7017,12 +8776,12 @@
       </p:sp>
       <p:sp>
         <p:nvSpPr>
-          <p:cNvPr name="TextBox 49" id="49"/>
-          <p:cNvSpPr txBox="true"/>
+          <p:cNvPr id="49" name="TextBox 49"/>
+          <p:cNvSpPr txBox="1"/>
           <p:nvPr/>
         </p:nvSpPr>
         <p:spPr>
-          <a:xfrm rot="0">
+          <a:xfrm>
             <a:off x="1762406" y="557490"/>
             <a:ext cx="14763189" cy="1144905"/>
           </a:xfrm>
@@ -7031,7 +8790,7 @@
           </a:prstGeom>
         </p:spPr>
         <p:txBody>
-          <a:bodyPr anchor="t" rtlCol="false" tIns="0" lIns="0" bIns="0" rIns="0">
+          <a:bodyPr lIns="0" tIns="0" rIns="0" bIns="0" rtlCol="0" anchor="t">
             <a:spAutoFit/>
           </a:bodyPr>
           <a:lstStyle/>
@@ -7055,21 +8814,21 @@
       </p:sp>
       <p:sp>
         <p:nvSpPr>
-          <p:cNvPr name="TextBox 50" id="50"/>
-          <p:cNvSpPr txBox="true"/>
+          <p:cNvPr id="50" name="TextBox 50"/>
+          <p:cNvSpPr txBox="1"/>
           <p:nvPr/>
         </p:nvSpPr>
         <p:spPr>
-          <a:xfrm rot="0">
+          <a:xfrm>
             <a:off x="12711681" y="3435913"/>
-            <a:ext cx="4592262" cy="1401793"/>
+            <a:ext cx="4592262" cy="1419299"/>
           </a:xfrm>
           <a:prstGeom prst="rect">
             <a:avLst/>
           </a:prstGeom>
         </p:spPr>
         <p:txBody>
-          <a:bodyPr anchor="t" rtlCol="false" tIns="0" lIns="0" bIns="0" rIns="0">
+          <a:bodyPr lIns="0" tIns="0" rIns="0" bIns="0" rtlCol="0" anchor="t">
             <a:spAutoFit/>
           </a:bodyPr>
           <a:lstStyle/>
@@ -7080,7 +8839,7 @@
               </a:lnSpc>
             </a:pPr>
             <a:r>
-              <a:rPr lang="en-US" sz="2687">
+              <a:rPr lang="en-GB" sz="2687" dirty="0">
                 <a:solidFill>
                   <a:srgbClr val="222366"/>
                 </a:solidFill>
@@ -7093,21 +8852,21 @@
       </p:sp>
       <p:sp>
         <p:nvSpPr>
-          <p:cNvPr name="TextBox 51" id="51"/>
-          <p:cNvSpPr txBox="true"/>
+          <p:cNvPr id="51" name="TextBox 51"/>
+          <p:cNvSpPr txBox="1"/>
           <p:nvPr/>
         </p:nvSpPr>
         <p:spPr>
-          <a:xfrm rot="0">
+          <a:xfrm>
             <a:off x="12711681" y="7042190"/>
-            <a:ext cx="4592262" cy="2343726"/>
+            <a:ext cx="4592262" cy="2393925"/>
           </a:xfrm>
           <a:prstGeom prst="rect">
             <a:avLst/>
           </a:prstGeom>
         </p:spPr>
         <p:txBody>
-          <a:bodyPr anchor="t" rtlCol="false" tIns="0" lIns="0" bIns="0" rIns="0">
+          <a:bodyPr lIns="0" tIns="0" rIns="0" bIns="0" rtlCol="0" anchor="t">
             <a:spAutoFit/>
           </a:bodyPr>
           <a:lstStyle/>
@@ -7118,25 +8877,43 @@
               </a:lnSpc>
             </a:pPr>
             <a:r>
-              <a:rPr lang="en-US" sz="2687">
+              <a:rPr lang="en-GB" sz="2687" dirty="0">
                 <a:solidFill>
                   <a:srgbClr val="222366"/>
                 </a:solidFill>
                 <a:latin typeface="Public Sans"/>
               </a:rPr>
-              <a:t>Constructed a  neural network with multiple hidden layers using TensorFlow &amp; optimised it using Keras-Tuner</a:t>
+              <a:t>Constructed a  Neural Network with multiple hidden layers using TensorFlow &amp; optimised it using </a:t>
+            </a:r>
+            <a:r>
+              <a:rPr lang="en-GB" sz="2687" dirty="0" err="1">
+                <a:solidFill>
+                  <a:srgbClr val="222366"/>
+                </a:solidFill>
+                <a:latin typeface="Public Sans"/>
+              </a:rPr>
+              <a:t>Keras</a:t>
+            </a:r>
+            <a:r>
+              <a:rPr lang="en-GB" sz="2687" dirty="0">
+                <a:solidFill>
+                  <a:srgbClr val="222366"/>
+                </a:solidFill>
+                <a:latin typeface="Public Sans"/>
+              </a:rPr>
+              <a:t>-Tuner</a:t>
             </a:r>
           </a:p>
         </p:txBody>
       </p:sp>
       <p:sp>
         <p:nvSpPr>
-          <p:cNvPr name="TextBox 52" id="52"/>
-          <p:cNvSpPr txBox="true"/>
+          <p:cNvPr id="52" name="TextBox 52"/>
+          <p:cNvSpPr txBox="1"/>
           <p:nvPr/>
         </p:nvSpPr>
         <p:spPr>
-          <a:xfrm rot="0">
+          <a:xfrm>
             <a:off x="13201710" y="2363137"/>
             <a:ext cx="3598497" cy="532150"/>
           </a:xfrm>
@@ -7145,7 +8922,7 @@
           </a:prstGeom>
         </p:spPr>
         <p:txBody>
-          <a:bodyPr anchor="t" rtlCol="false" tIns="0" lIns="0" bIns="0" rIns="0">
+          <a:bodyPr lIns="0" tIns="0" rIns="0" bIns="0" rtlCol="0" anchor="t">
             <a:spAutoFit/>
           </a:bodyPr>
           <a:lstStyle/>
@@ -7169,12 +8946,12 @@
       </p:sp>
       <p:sp>
         <p:nvSpPr>
-          <p:cNvPr name="TextBox 53" id="53"/>
-          <p:cNvSpPr txBox="true"/>
+          <p:cNvPr id="53" name="TextBox 53"/>
+          <p:cNvSpPr txBox="1"/>
           <p:nvPr/>
         </p:nvSpPr>
         <p:spPr>
-          <a:xfrm rot="0">
+          <a:xfrm>
             <a:off x="13201710" y="6270269"/>
             <a:ext cx="3598497" cy="532150"/>
           </a:xfrm>
@@ -7183,7 +8960,7 @@
           </a:prstGeom>
         </p:spPr>
         <p:txBody>
-          <a:bodyPr anchor="t" rtlCol="false" tIns="0" lIns="0" bIns="0" rIns="0">
+          <a:bodyPr lIns="0" tIns="0" rIns="0" bIns="0" rtlCol="0" anchor="t">
             <a:spAutoFit/>
           </a:bodyPr>
           <a:lstStyle/>
@@ -7207,12 +8984,12 @@
       </p:sp>
       <p:sp>
         <p:nvSpPr>
-          <p:cNvPr name="Freeform 54" id="54"/>
+          <p:cNvPr id="54" name="Freeform 54"/>
           <p:cNvSpPr/>
           <p:nvPr/>
         </p:nvSpPr>
         <p:spPr>
-          <a:xfrm flipH="false" flipV="false" rot="814863">
+          <a:xfrm rot="814863">
             <a:off x="16482498" y="684374"/>
             <a:ext cx="1224051" cy="1204021"/>
           </a:xfrm>
@@ -7221,9 +8998,9 @@
             <a:gdLst/>
             <a:ahLst/>
             <a:cxnLst/>
-            <a:rect r="r" b="b" t="t" l="l"/>
+            <a:rect l="l" t="t" r="r" b="b"/>
             <a:pathLst>
-              <a:path h="1204021" w="1224051">
+              <a:path w="1224051" h="1204021">
                 <a:moveTo>
                   <a:pt x="0" y="0"/>
                 </a:moveTo>
@@ -7244,15 +9021,15 @@
             </a:pathLst>
           </a:custGeom>
           <a:blipFill>
-            <a:blip r:embed="rId4">
+            <a:blip r:embed="rId5">
               <a:extLst>
                 <a:ext uri="{96DAC541-7B7A-43D3-8B79-37D633B846F1}">
-                  <asvg:svgBlip xmlns:asvg="http://schemas.microsoft.com/office/drawing/2016/SVG/main" r:embed="rId5"/>
+                  <asvg:svgBlip xmlns:asvg="http://schemas.microsoft.com/office/drawing/2016/SVG/main" r:embed="rId6"/>
                 </a:ext>
               </a:extLst>
             </a:blip>
             <a:stretch>
-              <a:fillRect l="0" t="0" r="0" b="0"/>
+              <a:fillRect/>
             </a:stretch>
           </a:blipFill>
         </p:spPr>
@@ -7266,13 +9043,14 @@
 </file>
 
 <file path=ppt/slides/slide5.xml><?xml version="1.0" encoding="utf-8"?>
-<p:sld xmlns:p="http://schemas.openxmlformats.org/presentationml/2006/main" xmlns:a="http://schemas.openxmlformats.org/drawingml/2006/main" xmlns:r="http://schemas.openxmlformats.org/officeDocument/2006/relationships">
+<p:sld xmlns:a="http://schemas.openxmlformats.org/drawingml/2006/main" xmlns:r="http://schemas.openxmlformats.org/officeDocument/2006/relationships" xmlns:p="http://schemas.openxmlformats.org/presentationml/2006/main">
   <p:cSld>
     <p:bg>
       <p:bgPr>
         <a:solidFill>
           <a:srgbClr val="FAF3F3"/>
         </a:solidFill>
+        <a:effectLst/>
       </p:bgPr>
     </p:bg>
     <p:spTree>
@@ -7291,12 +9069,12 @@
       </p:grpSpPr>
       <p:grpSp>
         <p:nvGrpSpPr>
-          <p:cNvPr name="Group 2" id="2"/>
+          <p:cNvPr id="2" name="Group 2"/>
           <p:cNvGrpSpPr/>
           <p:nvPr/>
         </p:nvGrpSpPr>
         <p:grpSpPr>
-          <a:xfrm rot="0">
+          <a:xfrm>
             <a:off x="3857906" y="1657322"/>
             <a:ext cx="3821545" cy="687269"/>
             <a:chOff x="0" y="0"/>
@@ -7305,12 +9083,12 @@
         </p:grpSpPr>
         <p:sp>
           <p:nvSpPr>
-            <p:cNvPr name="Freeform 3" id="3"/>
+            <p:cNvPr id="3" name="Freeform 3"/>
             <p:cNvSpPr/>
             <p:nvPr/>
           </p:nvSpPr>
           <p:spPr>
-            <a:xfrm flipH="false" flipV="false" rot="0">
+            <a:xfrm>
               <a:off x="0" y="0"/>
               <a:ext cx="2121149" cy="381469"/>
             </a:xfrm>
@@ -7319,9 +9097,9 @@
               <a:gdLst/>
               <a:ahLst/>
               <a:cxnLst/>
-              <a:rect r="r" b="b" t="t" l="l"/>
+              <a:rect l="l" t="t" r="r" b="b"/>
               <a:pathLst>
-                <a:path h="381469" w="2121149">
+                <a:path w="2121149" h="381469">
                   <a:moveTo>
                     <a:pt x="1917949" y="0"/>
                   </a:moveTo>
@@ -7359,8 +9137,8 @@
         </p:sp>
         <p:sp>
           <p:nvSpPr>
-            <p:cNvPr name="TextBox 4" id="4"/>
-            <p:cNvSpPr txBox="true"/>
+            <p:cNvPr id="4" name="TextBox 4"/>
+            <p:cNvSpPr txBox="1"/>
             <p:nvPr/>
           </p:nvSpPr>
           <p:spPr>
@@ -7373,7 +9151,7 @@
             </a:prstGeom>
           </p:spPr>
           <p:txBody>
-            <a:bodyPr anchor="ctr" rtlCol="false" tIns="50800" lIns="50800" bIns="50800" rIns="50800"/>
+            <a:bodyPr lIns="50800" tIns="50800" rIns="50800" bIns="50800" rtlCol="0" anchor="ctr"/>
             <a:lstStyle/>
             <a:p>
               <a:pPr algn="ctr">
@@ -7381,18 +9159,19 @@
                   <a:spcPts val="2659"/>
                 </a:lnSpc>
               </a:pPr>
+              <a:endParaRPr/>
             </a:p>
           </p:txBody>
         </p:sp>
       </p:grpSp>
       <p:grpSp>
         <p:nvGrpSpPr>
-          <p:cNvPr name="Group 5" id="5"/>
+          <p:cNvPr id="5" name="Group 5"/>
           <p:cNvGrpSpPr/>
           <p:nvPr/>
         </p:nvGrpSpPr>
         <p:grpSpPr>
-          <a:xfrm rot="0">
+          <a:xfrm>
             <a:off x="3857906" y="6005437"/>
             <a:ext cx="3821545" cy="687269"/>
             <a:chOff x="0" y="0"/>
@@ -7401,12 +9180,12 @@
         </p:grpSpPr>
         <p:sp>
           <p:nvSpPr>
-            <p:cNvPr name="Freeform 6" id="6"/>
+            <p:cNvPr id="6" name="Freeform 6"/>
             <p:cNvSpPr/>
             <p:nvPr/>
           </p:nvSpPr>
           <p:spPr>
-            <a:xfrm flipH="false" flipV="false" rot="0">
+            <a:xfrm>
               <a:off x="0" y="0"/>
               <a:ext cx="2121149" cy="381469"/>
             </a:xfrm>
@@ -7415,9 +9194,9 @@
               <a:gdLst/>
               <a:ahLst/>
               <a:cxnLst/>
-              <a:rect r="r" b="b" t="t" l="l"/>
+              <a:rect l="l" t="t" r="r" b="b"/>
               <a:pathLst>
-                <a:path h="381469" w="2121149">
+                <a:path w="2121149" h="381469">
                   <a:moveTo>
                     <a:pt x="1917949" y="0"/>
                   </a:moveTo>
@@ -7455,8 +9234,8 @@
         </p:sp>
         <p:sp>
           <p:nvSpPr>
-            <p:cNvPr name="TextBox 7" id="7"/>
-            <p:cNvSpPr txBox="true"/>
+            <p:cNvPr id="7" name="TextBox 7"/>
+            <p:cNvSpPr txBox="1"/>
             <p:nvPr/>
           </p:nvSpPr>
           <p:spPr>
@@ -7469,7 +9248,7 @@
             </a:prstGeom>
           </p:spPr>
           <p:txBody>
-            <a:bodyPr anchor="ctr" rtlCol="false" tIns="50800" lIns="50800" bIns="50800" rIns="50800"/>
+            <a:bodyPr lIns="50800" tIns="50800" rIns="50800" bIns="50800" rtlCol="0" anchor="ctr"/>
             <a:lstStyle/>
             <a:p>
               <a:pPr algn="ctr">
@@ -7477,18 +9256,19 @@
                   <a:spcPts val="2659"/>
                 </a:lnSpc>
               </a:pPr>
+              <a:endParaRPr/>
             </a:p>
           </p:txBody>
         </p:sp>
       </p:grpSp>
       <p:sp>
         <p:nvSpPr>
-          <p:cNvPr name="Freeform 8" id="8"/>
+          <p:cNvPr id="8" name="Freeform 8"/>
           <p:cNvSpPr/>
           <p:nvPr/>
         </p:nvSpPr>
         <p:spPr>
-          <a:xfrm flipH="false" flipV="false" rot="0">
+          <a:xfrm>
             <a:off x="3962577" y="2436397"/>
             <a:ext cx="10436048" cy="3343884"/>
           </a:xfrm>
@@ -7497,9 +9277,9 @@
             <a:gdLst/>
             <a:ahLst/>
             <a:cxnLst/>
-            <a:rect r="r" b="b" t="t" l="l"/>
+            <a:rect l="l" t="t" r="r" b="b"/>
             <a:pathLst>
-              <a:path h="3343884" w="10436048">
+              <a:path w="10436048" h="3343884">
                 <a:moveTo>
                   <a:pt x="0" y="0"/>
                 </a:moveTo>
@@ -7522,19 +9302,19 @@
           <a:blipFill>
             <a:blip r:embed="rId2"/>
             <a:stretch>
-              <a:fillRect l="0" t="0" r="0" b="0"/>
+              <a:fillRect/>
             </a:stretch>
           </a:blipFill>
         </p:spPr>
       </p:sp>
       <p:sp>
         <p:nvSpPr>
-          <p:cNvPr name="Freeform 9" id="9"/>
+          <p:cNvPr id="9" name="Freeform 9"/>
           <p:cNvSpPr/>
           <p:nvPr/>
         </p:nvSpPr>
         <p:spPr>
-          <a:xfrm flipH="false" flipV="false" rot="0">
+          <a:xfrm>
             <a:off x="4004012" y="6822163"/>
             <a:ext cx="10394613" cy="3369587"/>
           </a:xfrm>
@@ -7543,9 +9323,9 @@
             <a:gdLst/>
             <a:ahLst/>
             <a:cxnLst/>
-            <a:rect r="r" b="b" t="t" l="l"/>
+            <a:rect l="l" t="t" r="r" b="b"/>
             <a:pathLst>
-              <a:path h="3369587" w="10394613">
+              <a:path w="10394613" h="3369587">
                 <a:moveTo>
                   <a:pt x="0" y="0"/>
                 </a:moveTo>
@@ -7568,19 +9348,19 @@
           <a:blipFill>
             <a:blip r:embed="rId3"/>
             <a:stretch>
-              <a:fillRect l="0" t="0" r="0" b="0"/>
+              <a:fillRect/>
             </a:stretch>
           </a:blipFill>
         </p:spPr>
       </p:sp>
       <p:sp>
         <p:nvSpPr>
-          <p:cNvPr name="TextBox 10" id="10"/>
-          <p:cNvSpPr txBox="true"/>
+          <p:cNvPr id="10" name="TextBox 10"/>
+          <p:cNvSpPr txBox="1"/>
           <p:nvPr/>
         </p:nvSpPr>
         <p:spPr>
-          <a:xfrm rot="0">
+          <a:xfrm>
             <a:off x="1762406" y="271740"/>
             <a:ext cx="14763189" cy="1144905"/>
           </a:xfrm>
@@ -7589,7 +9369,7 @@
           </a:prstGeom>
         </p:spPr>
         <p:txBody>
-          <a:bodyPr anchor="t" rtlCol="false" tIns="0" lIns="0" bIns="0" rIns="0">
+          <a:bodyPr lIns="0" tIns="0" rIns="0" bIns="0" rtlCol="0" anchor="t">
             <a:spAutoFit/>
           </a:bodyPr>
           <a:lstStyle/>
@@ -7613,12 +9393,12 @@
       </p:sp>
       <p:sp>
         <p:nvSpPr>
-          <p:cNvPr name="TextBox 11" id="11"/>
-          <p:cNvSpPr txBox="true"/>
+          <p:cNvPr id="11" name="TextBox 11"/>
+          <p:cNvSpPr txBox="1"/>
           <p:nvPr/>
         </p:nvSpPr>
         <p:spPr>
-          <a:xfrm rot="0">
+          <a:xfrm>
             <a:off x="3962577" y="1679088"/>
             <a:ext cx="3598497" cy="532150"/>
           </a:xfrm>
@@ -7627,7 +9407,7 @@
           </a:prstGeom>
         </p:spPr>
         <p:txBody>
-          <a:bodyPr anchor="t" rtlCol="false" tIns="0" lIns="0" bIns="0" rIns="0">
+          <a:bodyPr lIns="0" tIns="0" rIns="0" bIns="0" rtlCol="0" anchor="t">
             <a:spAutoFit/>
           </a:bodyPr>
           <a:lstStyle/>
@@ -7651,12 +9431,12 @@
       </p:sp>
       <p:sp>
         <p:nvSpPr>
-          <p:cNvPr name="TextBox 12" id="12"/>
-          <p:cNvSpPr txBox="true"/>
+          <p:cNvPr id="12" name="TextBox 12"/>
+          <p:cNvSpPr txBox="1"/>
           <p:nvPr/>
         </p:nvSpPr>
         <p:spPr>
-          <a:xfrm rot="0">
+          <a:xfrm>
             <a:off x="3962577" y="6027204"/>
             <a:ext cx="3598497" cy="532150"/>
           </a:xfrm>
@@ -7665,7 +9445,7 @@
           </a:prstGeom>
         </p:spPr>
         <p:txBody>
-          <a:bodyPr anchor="t" rtlCol="false" tIns="0" lIns="0" bIns="0" rIns="0">
+          <a:bodyPr lIns="0" tIns="0" rIns="0" bIns="0" rtlCol="0" anchor="t">
             <a:spAutoFit/>
           </a:bodyPr>
           <a:lstStyle/>
@@ -7689,12 +9469,12 @@
       </p:sp>
       <p:sp>
         <p:nvSpPr>
-          <p:cNvPr name="Freeform 13" id="13"/>
+          <p:cNvPr id="13" name="Freeform 13"/>
           <p:cNvSpPr/>
           <p:nvPr/>
         </p:nvSpPr>
         <p:spPr>
-          <a:xfrm flipH="false" flipV="false" rot="0">
+          <a:xfrm>
             <a:off x="1028700" y="8189346"/>
             <a:ext cx="2168627" cy="2097654"/>
           </a:xfrm>
@@ -7703,9 +9483,9 @@
             <a:gdLst/>
             <a:ahLst/>
             <a:cxnLst/>
-            <a:rect r="r" b="b" t="t" l="l"/>
+            <a:rect l="l" t="t" r="r" b="b"/>
             <a:pathLst>
-              <a:path h="2097654" w="2168627">
+              <a:path w="2168627" h="2097654">
                 <a:moveTo>
                   <a:pt x="0" y="0"/>
                 </a:moveTo>
@@ -7734,7 +9514,7 @@
               </a:extLst>
             </a:blip>
             <a:stretch>
-              <a:fillRect l="0" t="0" r="0" b="0"/>
+              <a:fillRect/>
             </a:stretch>
           </a:blipFill>
         </p:spPr>
@@ -7748,13 +9528,14 @@
 </file>
 
 <file path=ppt/slides/slide6.xml><?xml version="1.0" encoding="utf-8"?>
-<p:sld xmlns:p="http://schemas.openxmlformats.org/presentationml/2006/main" xmlns:a="http://schemas.openxmlformats.org/drawingml/2006/main" xmlns:r="http://schemas.openxmlformats.org/officeDocument/2006/relationships">
+<p:sld xmlns:a="http://schemas.openxmlformats.org/drawingml/2006/main" xmlns:r="http://schemas.openxmlformats.org/officeDocument/2006/relationships" xmlns:p="http://schemas.openxmlformats.org/presentationml/2006/main">
   <p:cSld>
     <p:bg>
       <p:bgPr>
         <a:solidFill>
           <a:srgbClr val="FAF3F3"/>
         </a:solidFill>
+        <a:effectLst/>
       </p:bgPr>
     </p:bg>
     <p:spTree>
@@ -7773,12 +9554,12 @@
       </p:grpSpPr>
       <p:sp>
         <p:nvSpPr>
-          <p:cNvPr name="TextBox 2" id="2"/>
-          <p:cNvSpPr txBox="true"/>
+          <p:cNvPr id="2" name="TextBox 2"/>
+          <p:cNvSpPr txBox="1"/>
           <p:nvPr/>
         </p:nvSpPr>
         <p:spPr>
-          <a:xfrm rot="0">
+          <a:xfrm>
             <a:off x="1762406" y="271740"/>
             <a:ext cx="14763189" cy="1144905"/>
           </a:xfrm>
@@ -7787,7 +9568,7 @@
           </a:prstGeom>
         </p:spPr>
         <p:txBody>
-          <a:bodyPr anchor="t" rtlCol="false" tIns="0" lIns="0" bIns="0" rIns="0">
+          <a:bodyPr lIns="0" tIns="0" rIns="0" bIns="0" rtlCol="0" anchor="t">
             <a:spAutoFit/>
           </a:bodyPr>
           <a:lstStyle/>
@@ -7811,12 +9592,12 @@
       </p:sp>
       <p:grpSp>
         <p:nvGrpSpPr>
-          <p:cNvPr name="Group 3" id="3"/>
+          <p:cNvPr id="3" name="Group 3"/>
           <p:cNvGrpSpPr/>
           <p:nvPr/>
         </p:nvGrpSpPr>
         <p:grpSpPr>
-          <a:xfrm rot="0">
+          <a:xfrm>
             <a:off x="3857906" y="1657322"/>
             <a:ext cx="3821545" cy="687269"/>
             <a:chOff x="0" y="0"/>
@@ -7825,12 +9606,12 @@
         </p:grpSpPr>
         <p:sp>
           <p:nvSpPr>
-            <p:cNvPr name="Freeform 4" id="4"/>
+            <p:cNvPr id="4" name="Freeform 4"/>
             <p:cNvSpPr/>
             <p:nvPr/>
           </p:nvSpPr>
           <p:spPr>
-            <a:xfrm flipH="false" flipV="false" rot="0">
+            <a:xfrm>
               <a:off x="0" y="0"/>
               <a:ext cx="2121149" cy="381469"/>
             </a:xfrm>
@@ -7839,9 +9620,9 @@
               <a:gdLst/>
               <a:ahLst/>
               <a:cxnLst/>
-              <a:rect r="r" b="b" t="t" l="l"/>
+              <a:rect l="l" t="t" r="r" b="b"/>
               <a:pathLst>
-                <a:path h="381469" w="2121149">
+                <a:path w="2121149" h="381469">
                   <a:moveTo>
                     <a:pt x="1917949" y="0"/>
                   </a:moveTo>
@@ -7879,8 +9660,8 @@
         </p:sp>
         <p:sp>
           <p:nvSpPr>
-            <p:cNvPr name="TextBox 5" id="5"/>
-            <p:cNvSpPr txBox="true"/>
+            <p:cNvPr id="5" name="TextBox 5"/>
+            <p:cNvSpPr txBox="1"/>
             <p:nvPr/>
           </p:nvSpPr>
           <p:spPr>
@@ -7893,7 +9674,7 @@
             </a:prstGeom>
           </p:spPr>
           <p:txBody>
-            <a:bodyPr anchor="ctr" rtlCol="false" tIns="50800" lIns="50800" bIns="50800" rIns="50800"/>
+            <a:bodyPr lIns="50800" tIns="50800" rIns="50800" bIns="50800" rtlCol="0" anchor="ctr"/>
             <a:lstStyle/>
             <a:p>
               <a:pPr algn="ctr">
@@ -7901,18 +9682,19 @@
                   <a:spcPts val="2659"/>
                 </a:lnSpc>
               </a:pPr>
+              <a:endParaRPr/>
             </a:p>
           </p:txBody>
         </p:sp>
       </p:grpSp>
       <p:sp>
         <p:nvSpPr>
-          <p:cNvPr name="TextBox 6" id="6"/>
-          <p:cNvSpPr txBox="true"/>
+          <p:cNvPr id="6" name="TextBox 6"/>
+          <p:cNvSpPr txBox="1"/>
           <p:nvPr/>
         </p:nvSpPr>
         <p:spPr>
-          <a:xfrm rot="0">
+          <a:xfrm>
             <a:off x="3962577" y="1679088"/>
             <a:ext cx="3598497" cy="532150"/>
           </a:xfrm>
@@ -7921,7 +9703,7 @@
           </a:prstGeom>
         </p:spPr>
         <p:txBody>
-          <a:bodyPr anchor="t" rtlCol="false" tIns="0" lIns="0" bIns="0" rIns="0">
+          <a:bodyPr lIns="0" tIns="0" rIns="0" bIns="0" rtlCol="0" anchor="t">
             <a:spAutoFit/>
           </a:bodyPr>
           <a:lstStyle/>
@@ -7945,12 +9727,12 @@
       </p:sp>
       <p:grpSp>
         <p:nvGrpSpPr>
-          <p:cNvPr name="Group 7" id="7"/>
+          <p:cNvPr id="7" name="Group 7"/>
           <p:cNvGrpSpPr/>
           <p:nvPr/>
         </p:nvGrpSpPr>
         <p:grpSpPr>
-          <a:xfrm rot="0">
+          <a:xfrm>
             <a:off x="3857906" y="6005437"/>
             <a:ext cx="3821545" cy="687269"/>
             <a:chOff x="0" y="0"/>
@@ -7959,12 +9741,12 @@
         </p:grpSpPr>
         <p:sp>
           <p:nvSpPr>
-            <p:cNvPr name="Freeform 8" id="8"/>
+            <p:cNvPr id="8" name="Freeform 8"/>
             <p:cNvSpPr/>
             <p:nvPr/>
           </p:nvSpPr>
           <p:spPr>
-            <a:xfrm flipH="false" flipV="false" rot="0">
+            <a:xfrm>
               <a:off x="0" y="0"/>
               <a:ext cx="2121149" cy="381469"/>
             </a:xfrm>
@@ -7973,9 +9755,9 @@
               <a:gdLst/>
               <a:ahLst/>
               <a:cxnLst/>
-              <a:rect r="r" b="b" t="t" l="l"/>
+              <a:rect l="l" t="t" r="r" b="b"/>
               <a:pathLst>
-                <a:path h="381469" w="2121149">
+                <a:path w="2121149" h="381469">
                   <a:moveTo>
                     <a:pt x="1917949" y="0"/>
                   </a:moveTo>
@@ -8013,8 +9795,8 @@
         </p:sp>
         <p:sp>
           <p:nvSpPr>
-            <p:cNvPr name="TextBox 9" id="9"/>
-            <p:cNvSpPr txBox="true"/>
+            <p:cNvPr id="9" name="TextBox 9"/>
+            <p:cNvSpPr txBox="1"/>
             <p:nvPr/>
           </p:nvSpPr>
           <p:spPr>
@@ -8027,7 +9809,7 @@
             </a:prstGeom>
           </p:spPr>
           <p:txBody>
-            <a:bodyPr anchor="ctr" rtlCol="false" tIns="50800" lIns="50800" bIns="50800" rIns="50800"/>
+            <a:bodyPr lIns="50800" tIns="50800" rIns="50800" bIns="50800" rtlCol="0" anchor="ctr"/>
             <a:lstStyle/>
             <a:p>
               <a:pPr algn="ctr">
@@ -8035,18 +9817,19 @@
                   <a:spcPts val="2659"/>
                 </a:lnSpc>
               </a:pPr>
+              <a:endParaRPr/>
             </a:p>
           </p:txBody>
         </p:sp>
       </p:grpSp>
       <p:sp>
         <p:nvSpPr>
-          <p:cNvPr name="TextBox 10" id="10"/>
-          <p:cNvSpPr txBox="true"/>
+          <p:cNvPr id="10" name="TextBox 10"/>
+          <p:cNvSpPr txBox="1"/>
           <p:nvPr/>
         </p:nvSpPr>
         <p:spPr>
-          <a:xfrm rot="0">
+          <a:xfrm>
             <a:off x="3962577" y="6093879"/>
             <a:ext cx="3598497" cy="415043"/>
           </a:xfrm>
@@ -8055,7 +9838,7 @@
           </a:prstGeom>
         </p:spPr>
         <p:txBody>
-          <a:bodyPr anchor="t" rtlCol="false" tIns="0" lIns="0" bIns="0" rIns="0">
+          <a:bodyPr lIns="0" tIns="0" rIns="0" bIns="0" rtlCol="0" anchor="t">
             <a:spAutoFit/>
           </a:bodyPr>
           <a:lstStyle/>
@@ -8079,12 +9862,12 @@
       </p:sp>
       <p:sp>
         <p:nvSpPr>
-          <p:cNvPr name="Freeform 11" id="11"/>
+          <p:cNvPr id="11" name="Freeform 11"/>
           <p:cNvSpPr/>
           <p:nvPr/>
         </p:nvSpPr>
         <p:spPr>
-          <a:xfrm flipH="false" flipV="false" rot="0">
+          <a:xfrm>
             <a:off x="3975437" y="2426872"/>
             <a:ext cx="10394613" cy="3412898"/>
           </a:xfrm>
@@ -8093,9 +9876,9 @@
             <a:gdLst/>
             <a:ahLst/>
             <a:cxnLst/>
-            <a:rect r="r" b="b" t="t" l="l"/>
+            <a:rect l="l" t="t" r="r" b="b"/>
             <a:pathLst>
-              <a:path h="3412898" w="10394613">
+              <a:path w="10394613" h="3412898">
                 <a:moveTo>
                   <a:pt x="0" y="0"/>
                 </a:moveTo>
@@ -8118,19 +9901,19 @@
           <a:blipFill>
             <a:blip r:embed="rId2"/>
             <a:stretch>
-              <a:fillRect l="0" t="0" r="0" b="0"/>
+              <a:fillRect/>
             </a:stretch>
           </a:blipFill>
         </p:spPr>
       </p:sp>
       <p:sp>
         <p:nvSpPr>
-          <p:cNvPr name="Freeform 12" id="12"/>
+          <p:cNvPr id="12" name="Freeform 12"/>
           <p:cNvSpPr/>
           <p:nvPr/>
         </p:nvSpPr>
         <p:spPr>
-          <a:xfrm flipH="false" flipV="false" rot="0">
+          <a:xfrm>
             <a:off x="4004012" y="6835582"/>
             <a:ext cx="10394613" cy="3356594"/>
           </a:xfrm>
@@ -8139,9 +9922,9 @@
             <a:gdLst/>
             <a:ahLst/>
             <a:cxnLst/>
-            <a:rect r="r" b="b" t="t" l="l"/>
+            <a:rect l="l" t="t" r="r" b="b"/>
             <a:pathLst>
-              <a:path h="3356594" w="10394613">
+              <a:path w="10394613" h="3356594">
                 <a:moveTo>
                   <a:pt x="0" y="0"/>
                 </a:moveTo>
@@ -8164,19 +9947,19 @@
           <a:blipFill>
             <a:blip r:embed="rId3"/>
             <a:stretch>
-              <a:fillRect l="0" t="0" r="0" b="0"/>
+              <a:fillRect/>
             </a:stretch>
           </a:blipFill>
         </p:spPr>
       </p:sp>
       <p:sp>
         <p:nvSpPr>
-          <p:cNvPr name="Freeform 13" id="13"/>
+          <p:cNvPr id="13" name="Freeform 13"/>
           <p:cNvSpPr/>
           <p:nvPr/>
         </p:nvSpPr>
         <p:spPr>
-          <a:xfrm flipH="false" flipV="false" rot="0">
+          <a:xfrm>
             <a:off x="1028700" y="8189346"/>
             <a:ext cx="2168627" cy="2097654"/>
           </a:xfrm>
@@ -8185,9 +9968,9 @@
             <a:gdLst/>
             <a:ahLst/>
             <a:cxnLst/>
-            <a:rect r="r" b="b" t="t" l="l"/>
+            <a:rect l="l" t="t" r="r" b="b"/>
             <a:pathLst>
-              <a:path h="2097654" w="2168627">
+              <a:path w="2168627" h="2097654">
                 <a:moveTo>
                   <a:pt x="0" y="0"/>
                 </a:moveTo>
@@ -8216,7 +9999,7 @@
               </a:extLst>
             </a:blip>
             <a:stretch>
-              <a:fillRect l="0" t="0" r="0" b="0"/>
+              <a:fillRect/>
             </a:stretch>
           </a:blipFill>
         </p:spPr>
@@ -8230,13 +10013,14 @@
 </file>
 
 <file path=ppt/slides/slide7.xml><?xml version="1.0" encoding="utf-8"?>
-<p:sld xmlns:p="http://schemas.openxmlformats.org/presentationml/2006/main" xmlns:a="http://schemas.openxmlformats.org/drawingml/2006/main" xmlns:r="http://schemas.openxmlformats.org/officeDocument/2006/relationships">
+<p:sld xmlns:a="http://schemas.openxmlformats.org/drawingml/2006/main" xmlns:r="http://schemas.openxmlformats.org/officeDocument/2006/relationships" xmlns:p="http://schemas.openxmlformats.org/presentationml/2006/main">
   <p:cSld>
     <p:bg>
       <p:bgPr>
         <a:solidFill>
           <a:srgbClr val="FAF3F3"/>
         </a:solidFill>
+        <a:effectLst/>
       </p:bgPr>
     </p:bg>
     <p:spTree>
@@ -8255,12 +10039,12 @@
       </p:grpSpPr>
       <p:grpSp>
         <p:nvGrpSpPr>
-          <p:cNvPr name="Group 2" id="2"/>
+          <p:cNvPr id="2" name="Group 2"/>
           <p:cNvGrpSpPr/>
           <p:nvPr/>
         </p:nvGrpSpPr>
         <p:grpSpPr>
-          <a:xfrm rot="0">
+          <a:xfrm>
             <a:off x="3857906" y="1657322"/>
             <a:ext cx="3821545" cy="687269"/>
             <a:chOff x="0" y="0"/>
@@ -8269,12 +10053,12 @@
         </p:grpSpPr>
         <p:sp>
           <p:nvSpPr>
-            <p:cNvPr name="Freeform 3" id="3"/>
+            <p:cNvPr id="3" name="Freeform 3"/>
             <p:cNvSpPr/>
             <p:nvPr/>
           </p:nvSpPr>
           <p:spPr>
-            <a:xfrm flipH="false" flipV="false" rot="0">
+            <a:xfrm>
               <a:off x="0" y="0"/>
               <a:ext cx="2121149" cy="381469"/>
             </a:xfrm>
@@ -8283,9 +10067,9 @@
               <a:gdLst/>
               <a:ahLst/>
               <a:cxnLst/>
-              <a:rect r="r" b="b" t="t" l="l"/>
+              <a:rect l="l" t="t" r="r" b="b"/>
               <a:pathLst>
-                <a:path h="381469" w="2121149">
+                <a:path w="2121149" h="381469">
                   <a:moveTo>
                     <a:pt x="1917949" y="0"/>
                   </a:moveTo>
@@ -8323,8 +10107,8 @@
         </p:sp>
         <p:sp>
           <p:nvSpPr>
-            <p:cNvPr name="TextBox 4" id="4"/>
-            <p:cNvSpPr txBox="true"/>
+            <p:cNvPr id="4" name="TextBox 4"/>
+            <p:cNvSpPr txBox="1"/>
             <p:nvPr/>
           </p:nvSpPr>
           <p:spPr>
@@ -8337,7 +10121,7 @@
             </a:prstGeom>
           </p:spPr>
           <p:txBody>
-            <a:bodyPr anchor="ctr" rtlCol="false" tIns="50800" lIns="50800" bIns="50800" rIns="50800"/>
+            <a:bodyPr lIns="50800" tIns="50800" rIns="50800" bIns="50800" rtlCol="0" anchor="ctr"/>
             <a:lstStyle/>
             <a:p>
               <a:pPr algn="ctr">
@@ -8345,18 +10129,19 @@
                   <a:spcPts val="2659"/>
                 </a:lnSpc>
               </a:pPr>
+              <a:endParaRPr/>
             </a:p>
           </p:txBody>
         </p:sp>
       </p:grpSp>
       <p:grpSp>
         <p:nvGrpSpPr>
-          <p:cNvPr name="Group 5" id="5"/>
+          <p:cNvPr id="5" name="Group 5"/>
           <p:cNvGrpSpPr/>
           <p:nvPr/>
         </p:nvGrpSpPr>
         <p:grpSpPr>
-          <a:xfrm rot="0">
+          <a:xfrm>
             <a:off x="3857906" y="6005437"/>
             <a:ext cx="3821545" cy="687269"/>
             <a:chOff x="0" y="0"/>
@@ -8365,12 +10150,12 @@
         </p:grpSpPr>
         <p:sp>
           <p:nvSpPr>
-            <p:cNvPr name="Freeform 6" id="6"/>
+            <p:cNvPr id="6" name="Freeform 6"/>
             <p:cNvSpPr/>
             <p:nvPr/>
           </p:nvSpPr>
           <p:spPr>
-            <a:xfrm flipH="false" flipV="false" rot="0">
+            <a:xfrm>
               <a:off x="0" y="0"/>
               <a:ext cx="2121149" cy="381469"/>
             </a:xfrm>
@@ -8379,9 +10164,9 @@
               <a:gdLst/>
               <a:ahLst/>
               <a:cxnLst/>
-              <a:rect r="r" b="b" t="t" l="l"/>
+              <a:rect l="l" t="t" r="r" b="b"/>
               <a:pathLst>
-                <a:path h="381469" w="2121149">
+                <a:path w="2121149" h="381469">
                   <a:moveTo>
                     <a:pt x="1917949" y="0"/>
                   </a:moveTo>
@@ -8419,8 +10204,8 @@
         </p:sp>
         <p:sp>
           <p:nvSpPr>
-            <p:cNvPr name="TextBox 7" id="7"/>
-            <p:cNvSpPr txBox="true"/>
+            <p:cNvPr id="7" name="TextBox 7"/>
+            <p:cNvSpPr txBox="1"/>
             <p:nvPr/>
           </p:nvSpPr>
           <p:spPr>
@@ -8433,7 +10218,7 @@
             </a:prstGeom>
           </p:spPr>
           <p:txBody>
-            <a:bodyPr anchor="ctr" rtlCol="false" tIns="50800" lIns="50800" bIns="50800" rIns="50800"/>
+            <a:bodyPr lIns="50800" tIns="50800" rIns="50800" bIns="50800" rtlCol="0" anchor="ctr"/>
             <a:lstStyle/>
             <a:p>
               <a:pPr algn="ctr">
@@ -8441,18 +10226,19 @@
                   <a:spcPts val="2659"/>
                 </a:lnSpc>
               </a:pPr>
+              <a:endParaRPr/>
             </a:p>
           </p:txBody>
         </p:sp>
       </p:grpSp>
       <p:sp>
         <p:nvSpPr>
-          <p:cNvPr name="Freeform 8" id="8"/>
+          <p:cNvPr id="8" name="Freeform 8"/>
           <p:cNvSpPr/>
           <p:nvPr/>
         </p:nvSpPr>
         <p:spPr>
-          <a:xfrm flipH="false" flipV="false" rot="0">
+          <a:xfrm>
             <a:off x="3962577" y="2436397"/>
             <a:ext cx="10436048" cy="3387367"/>
           </a:xfrm>
@@ -8461,9 +10247,9 @@
             <a:gdLst/>
             <a:ahLst/>
             <a:cxnLst/>
-            <a:rect r="r" b="b" t="t" l="l"/>
+            <a:rect l="l" t="t" r="r" b="b"/>
             <a:pathLst>
-              <a:path h="3387367" w="10436048">
+              <a:path w="10436048" h="3387367">
                 <a:moveTo>
                   <a:pt x="0" y="0"/>
                 </a:moveTo>
@@ -8486,30 +10272,30 @@
           <a:blipFill>
             <a:blip r:embed="rId2"/>
             <a:stretch>
-              <a:fillRect l="0" t="0" r="0" b="0"/>
+              <a:fillRect/>
             </a:stretch>
           </a:blipFill>
         </p:spPr>
       </p:sp>
       <p:sp>
         <p:nvSpPr>
-          <p:cNvPr name="Freeform 9" id="9"/>
+          <p:cNvPr id="9" name="Freeform 9"/>
           <p:cNvSpPr/>
           <p:nvPr/>
         </p:nvSpPr>
         <p:spPr>
-          <a:xfrm flipH="false" flipV="false" rot="0">
+          <a:xfrm>
             <a:off x="7842467" y="6787957"/>
-            <a:ext cx="3370131" cy="2112019"/>
+            <a:ext cx="3370131" cy="3340440"/>
           </a:xfrm>
           <a:custGeom>
             <a:avLst/>
             <a:gdLst/>
             <a:ahLst/>
             <a:cxnLst/>
-            <a:rect r="r" b="b" t="t" l="l"/>
+            <a:rect l="l" t="t" r="r" b="b"/>
             <a:pathLst>
-              <a:path h="2112019" w="3370131">
+              <a:path w="3370131" h="2112019">
                 <a:moveTo>
                   <a:pt x="0" y="0"/>
                 </a:moveTo>
@@ -8532,30 +10318,30 @@
           <a:blipFill>
             <a:blip r:embed="rId3"/>
             <a:stretch>
-              <a:fillRect l="0" t="0" r="0" b="0"/>
+              <a:fillRect/>
             </a:stretch>
           </a:blipFill>
         </p:spPr>
       </p:sp>
       <p:sp>
         <p:nvSpPr>
-          <p:cNvPr name="Freeform 10" id="10"/>
+          <p:cNvPr id="10" name="Freeform 10"/>
           <p:cNvSpPr/>
           <p:nvPr/>
         </p:nvSpPr>
         <p:spPr>
-          <a:xfrm flipH="false" flipV="false" rot="0">
+          <a:xfrm>
             <a:off x="11212598" y="6787957"/>
-            <a:ext cx="3338918" cy="2112019"/>
+            <a:ext cx="3338918" cy="3340440"/>
           </a:xfrm>
           <a:custGeom>
             <a:avLst/>
             <a:gdLst/>
             <a:ahLst/>
             <a:cxnLst/>
-            <a:rect r="r" b="b" t="t" l="l"/>
+            <a:rect l="l" t="t" r="r" b="b"/>
             <a:pathLst>
-              <a:path h="2112019" w="3338918">
+              <a:path w="3338918" h="2112019">
                 <a:moveTo>
                   <a:pt x="0" y="0"/>
                 </a:moveTo>
@@ -8578,19 +10364,19 @@
           <a:blipFill>
             <a:blip r:embed="rId4"/>
             <a:stretch>
-              <a:fillRect l="0" t="0" r="0" b="0"/>
+              <a:fillRect/>
             </a:stretch>
           </a:blipFill>
         </p:spPr>
       </p:sp>
       <p:sp>
         <p:nvSpPr>
-          <p:cNvPr name="Freeform 11" id="11"/>
+          <p:cNvPr id="11" name="Freeform 11"/>
           <p:cNvSpPr/>
           <p:nvPr/>
         </p:nvSpPr>
         <p:spPr>
-          <a:xfrm flipH="false" flipV="false" rot="0">
+          <a:xfrm>
             <a:off x="1028700" y="8189346"/>
             <a:ext cx="2168627" cy="2097654"/>
           </a:xfrm>
@@ -8599,9 +10385,9 @@
             <a:gdLst/>
             <a:ahLst/>
             <a:cxnLst/>
-            <a:rect r="r" b="b" t="t" l="l"/>
+            <a:rect l="l" t="t" r="r" b="b"/>
             <a:pathLst>
-              <a:path h="2097654" w="2168627">
+              <a:path w="2168627" h="2097654">
                 <a:moveTo>
                   <a:pt x="0" y="0"/>
                 </a:moveTo>
@@ -8630,19 +10416,19 @@
               </a:extLst>
             </a:blip>
             <a:stretch>
-              <a:fillRect l="0" t="0" r="0" b="0"/>
+              <a:fillRect/>
             </a:stretch>
           </a:blipFill>
         </p:spPr>
       </p:sp>
       <p:sp>
         <p:nvSpPr>
-          <p:cNvPr name="Freeform 12" id="12"/>
+          <p:cNvPr id="12" name="Freeform 12"/>
           <p:cNvSpPr/>
           <p:nvPr/>
         </p:nvSpPr>
         <p:spPr>
-          <a:xfrm flipH="false" flipV="false" rot="0">
+          <a:xfrm>
             <a:off x="3962577" y="6787957"/>
             <a:ext cx="3879890" cy="3340440"/>
           </a:xfrm>
@@ -8651,9 +10437,9 @@
             <a:gdLst/>
             <a:ahLst/>
             <a:cxnLst/>
-            <a:rect r="r" b="b" t="t" l="l"/>
+            <a:rect l="l" t="t" r="r" b="b"/>
             <a:pathLst>
-              <a:path h="3340440" w="3879890">
+              <a:path w="3879890" h="3340440">
                 <a:moveTo>
                   <a:pt x="0" y="0"/>
                 </a:moveTo>
@@ -8683,12 +10469,12 @@
       </p:sp>
       <p:sp>
         <p:nvSpPr>
-          <p:cNvPr name="TextBox 13" id="13"/>
-          <p:cNvSpPr txBox="true"/>
+          <p:cNvPr id="13" name="TextBox 13"/>
+          <p:cNvSpPr txBox="1"/>
           <p:nvPr/>
         </p:nvSpPr>
         <p:spPr>
-          <a:xfrm rot="0">
+          <a:xfrm>
             <a:off x="1771931" y="271740"/>
             <a:ext cx="14763189" cy="1144905"/>
           </a:xfrm>
@@ -8697,7 +10483,7 @@
           </a:prstGeom>
         </p:spPr>
         <p:txBody>
-          <a:bodyPr anchor="t" rtlCol="false" tIns="0" lIns="0" bIns="0" rIns="0">
+          <a:bodyPr lIns="0" tIns="0" rIns="0" bIns="0" rtlCol="0" anchor="t">
             <a:spAutoFit/>
           </a:bodyPr>
           <a:lstStyle/>
@@ -8721,12 +10507,12 @@
       </p:sp>
       <p:sp>
         <p:nvSpPr>
-          <p:cNvPr name="TextBox 14" id="14"/>
-          <p:cNvSpPr txBox="true"/>
+          <p:cNvPr id="14" name="TextBox 14"/>
+          <p:cNvSpPr txBox="1"/>
           <p:nvPr/>
         </p:nvSpPr>
         <p:spPr>
-          <a:xfrm rot="0">
+          <a:xfrm>
             <a:off x="3962577" y="1707663"/>
             <a:ext cx="3598497" cy="457588"/>
           </a:xfrm>
@@ -8735,7 +10521,7 @@
           </a:prstGeom>
         </p:spPr>
         <p:txBody>
-          <a:bodyPr anchor="t" rtlCol="false" tIns="0" lIns="0" bIns="0" rIns="0">
+          <a:bodyPr lIns="0" tIns="0" rIns="0" bIns="0" rtlCol="0" anchor="t">
             <a:spAutoFit/>
           </a:bodyPr>
           <a:lstStyle/>
@@ -8759,21 +10545,21 @@
       </p:sp>
       <p:sp>
         <p:nvSpPr>
-          <p:cNvPr name="TextBox 15" id="15"/>
-          <p:cNvSpPr txBox="true"/>
+          <p:cNvPr id="15" name="TextBox 15"/>
+          <p:cNvSpPr txBox="1"/>
           <p:nvPr/>
         </p:nvSpPr>
         <p:spPr>
-          <a:xfrm rot="0">
+          <a:xfrm>
             <a:off x="3962577" y="6027204"/>
-            <a:ext cx="3598497" cy="532150"/>
+            <a:ext cx="3598497" cy="492635"/>
           </a:xfrm>
           <a:prstGeom prst="rect">
             <a:avLst/>
           </a:prstGeom>
         </p:spPr>
         <p:txBody>
-          <a:bodyPr anchor="t" rtlCol="false" tIns="0" lIns="0" bIns="0" rIns="0">
+          <a:bodyPr lIns="0" tIns="0" rIns="0" bIns="0" rtlCol="0" anchor="t">
             <a:spAutoFit/>
           </a:bodyPr>
           <a:lstStyle/>
@@ -8784,13 +10570,13 @@
               </a:lnSpc>
             </a:pPr>
             <a:r>
-              <a:rPr lang="en-US" sz="3009">
+              <a:rPr lang="en-US" sz="3009" dirty="0">
                 <a:solidFill>
                   <a:srgbClr val="222366"/>
                 </a:solidFill>
                 <a:latin typeface="Public Sans Bold"/>
               </a:rPr>
-              <a:t>Neural Networks</a:t>
+              <a:t>Neural Network</a:t>
             </a:r>
           </a:p>
         </p:txBody>
@@ -8804,13 +10590,14 @@
 </file>
 
 <file path=ppt/slides/slide8.xml><?xml version="1.0" encoding="utf-8"?>
-<p:sld xmlns:p="http://schemas.openxmlformats.org/presentationml/2006/main" xmlns:a="http://schemas.openxmlformats.org/drawingml/2006/main" xmlns:r="http://schemas.openxmlformats.org/officeDocument/2006/relationships">
+<p:sld xmlns:a="http://schemas.openxmlformats.org/drawingml/2006/main" xmlns:r="http://schemas.openxmlformats.org/officeDocument/2006/relationships" xmlns:p="http://schemas.openxmlformats.org/presentationml/2006/main">
   <p:cSld>
     <p:bg>
       <p:bgPr>
         <a:solidFill>
           <a:srgbClr val="FAF3F3"/>
         </a:solidFill>
+        <a:effectLst/>
       </p:bgPr>
     </p:bg>
     <p:spTree>
@@ -8829,23 +10616,23 @@
       </p:grpSpPr>
       <p:sp>
         <p:nvSpPr>
-          <p:cNvPr name="Freeform 2" id="2"/>
+          <p:cNvPr id="2" name="Freeform 2"/>
           <p:cNvSpPr/>
           <p:nvPr/>
         </p:nvSpPr>
         <p:spPr>
-          <a:xfrm flipH="false" flipV="false" rot="0">
-            <a:off x="9859897" y="-671355"/>
-            <a:ext cx="7399403" cy="11629710"/>
+          <a:xfrm>
+            <a:off x="8839200" y="-671355"/>
+            <a:ext cx="8610599" cy="11629710"/>
           </a:xfrm>
           <a:custGeom>
             <a:avLst/>
             <a:gdLst/>
             <a:ahLst/>
             <a:cxnLst/>
-            <a:rect r="r" b="b" t="t" l="l"/>
+            <a:rect l="l" t="t" r="r" b="b"/>
             <a:pathLst>
-              <a:path h="11629710" w="7399403">
+              <a:path w="7399403" h="11629710">
                 <a:moveTo>
                   <a:pt x="0" y="0"/>
                 </a:moveTo>
@@ -8866,41 +10653,41 @@
             </a:pathLst>
           </a:custGeom>
           <a:blipFill>
-            <a:blip r:embed="rId2">
+            <a:blip r:embed="rId3">
               <a:extLst>
                 <a:ext uri="{96DAC541-7B7A-43D3-8B79-37D633B846F1}">
-                  <asvg:svgBlip xmlns:asvg="http://schemas.microsoft.com/office/drawing/2016/SVG/main" r:embed="rId3"/>
+                  <asvg:svgBlip xmlns:asvg="http://schemas.microsoft.com/office/drawing/2016/SVG/main" r:embed="rId4"/>
                 </a:ext>
               </a:extLst>
             </a:blip>
             <a:stretch>
-              <a:fillRect l="0" t="0" r="0" b="0"/>
+              <a:fillRect/>
             </a:stretch>
           </a:blipFill>
         </p:spPr>
       </p:sp>
       <p:grpSp>
         <p:nvGrpSpPr>
-          <p:cNvPr name="Group 3" id="3"/>
+          <p:cNvPr id="3" name="Group 3"/>
           <p:cNvGrpSpPr/>
           <p:nvPr/>
         </p:nvGrpSpPr>
         <p:grpSpPr>
-          <a:xfrm rot="0">
-            <a:off x="10700522" y="1153874"/>
-            <a:ext cx="5694209" cy="8280195"/>
+          <a:xfrm>
+            <a:off x="9806160" y="1153875"/>
+            <a:ext cx="6528878" cy="8280195"/>
             <a:chOff x="0" y="0"/>
             <a:chExt cx="812800" cy="1181928"/>
           </a:xfrm>
         </p:grpSpPr>
         <p:sp>
           <p:nvSpPr>
-            <p:cNvPr name="Freeform 4" id="4"/>
+            <p:cNvPr id="4" name="Freeform 4"/>
             <p:cNvSpPr/>
             <p:nvPr/>
           </p:nvSpPr>
           <p:spPr>
-            <a:xfrm flipH="false" flipV="false" rot="0">
+            <a:xfrm>
               <a:off x="0" y="0"/>
               <a:ext cx="812800" cy="1181927"/>
             </a:xfrm>
@@ -8909,9 +10696,9 @@
               <a:gdLst/>
               <a:ahLst/>
               <a:cxnLst/>
-              <a:rect r="r" b="b" t="t" l="l"/>
+              <a:rect l="l" t="t" r="r" b="b"/>
               <a:pathLst>
-                <a:path h="1181927" w="812800">
+                <a:path w="812800" h="1181927">
                   <a:moveTo>
                     <a:pt x="0" y="0"/>
                   </a:moveTo>
@@ -8935,8 +10722,8 @@
         </p:sp>
         <p:sp>
           <p:nvSpPr>
-            <p:cNvPr name="TextBox 5" id="5"/>
-            <p:cNvSpPr txBox="true"/>
+            <p:cNvPr id="5" name="TextBox 5"/>
+            <p:cNvSpPr txBox="1"/>
             <p:nvPr/>
           </p:nvSpPr>
           <p:spPr>
@@ -8949,7 +10736,7 @@
             </a:prstGeom>
           </p:spPr>
           <p:txBody>
-            <a:bodyPr anchor="ctr" rtlCol="false" tIns="50800" lIns="50800" bIns="50800" rIns="50800"/>
+            <a:bodyPr lIns="50800" tIns="50800" rIns="50800" bIns="50800" rtlCol="0" anchor="ctr"/>
             <a:lstStyle/>
             <a:p>
               <a:pPr algn="ctr">
@@ -8960,33 +10747,46 @@
                   <a:spcPct val="0"/>
                 </a:spcBef>
               </a:pPr>
+              <a:endParaRPr/>
             </a:p>
           </p:txBody>
         </p:sp>
       </p:grpSp>
       <p:graphicFrame>
         <p:nvGraphicFramePr>
-          <p:cNvPr name="Table 6" id="6"/>
+          <p:cNvPr id="6" name="Table 6"/>
           <p:cNvGraphicFramePr>
-            <a:graphicFrameLocks noGrp="true"/>
+            <a:graphicFrameLocks noGrp="1"/>
           </p:cNvGraphicFramePr>
-          <p:nvPr/>
+          <p:nvPr>
+            <p:extLst>
+              <p:ext uri="{D42A27DB-BD31-4B8C-83A1-F6EECF244321}">
+                <p14:modId xmlns:p14="http://schemas.microsoft.com/office/powerpoint/2010/main" val="4165619433"/>
+              </p:ext>
+            </p:extLst>
+          </p:nvPr>
         </p:nvGraphicFramePr>
         <p:xfrm>
           <a:off x="2026069" y="2746202"/>
-          <a:ext cx="5895577" cy="6687867"/>
+          <a:ext cx="5895577" cy="6687868"/>
         </p:xfrm>
         <a:graphic>
           <a:graphicData uri="http://schemas.openxmlformats.org/drawingml/2006/table">
             <a:tbl>
               <a:tblPr/>
               <a:tblGrid>
-                <a:gridCol w="5895577"/>
+                <a:gridCol w="5895577">
+                  <a:extLst>
+                    <a:ext uri="{9D8B030D-6E8A-4147-A177-3AD203B41FA5}">
+                      <a16:colId xmlns:a16="http://schemas.microsoft.com/office/drawing/2014/main" val="20000"/>
+                    </a:ext>
+                  </a:extLst>
+                </a:gridCol>
               </a:tblGrid>
               <a:tr h="1671967">
                 <a:tc>
                   <a:txBody>
-                    <a:bodyPr anchor="t" rtlCol="false"/>
+                    <a:bodyPr/>
                     <a:lstStyle/>
                     <a:p>
                       <a:pPr algn="ctr">
@@ -8996,7 +10796,7 @@
                         <a:defRPr/>
                       </a:pPr>
                       <a:r>
-                        <a:rPr lang="en-US" sz="2999">
+                        <a:rPr lang="en-US" sz="2999" dirty="0">
                           <a:solidFill>
                             <a:srgbClr val="000000"/>
                           </a:solidFill>
@@ -9004,11 +10804,11 @@
                         </a:rPr>
                         <a:t>Neural Network</a:t>
                       </a:r>
-                      <a:endParaRPr lang="en-US" sz="1100"/>
+                      <a:endParaRPr lang="en-US" sz="1100" dirty="0"/>
                     </a:p>
                   </a:txBody>
                   <a:tcPr marL="190500" marR="190500" marT="190500" marB="190500" anchor="ctr">
-                    <a:lnL cmpd="sng" algn="ctr" cap="flat" w="0">
+                    <a:lnL w="0" cap="flat" cmpd="sng" algn="ctr">
                       <a:solidFill>
                         <a:srgbClr val="FF9999"/>
                       </a:solidFill>
@@ -9017,7 +10817,7 @@
                       <a:headEnd type="none" w="med" len="med"/>
                       <a:tailEnd type="none" w="med" len="med"/>
                     </a:lnL>
-                    <a:lnR cmpd="sng" algn="ctr" cap="flat" w="0">
+                    <a:lnR w="0" cap="flat" cmpd="sng" algn="ctr">
                       <a:solidFill>
                         <a:srgbClr val="FF9999"/>
                       </a:solidFill>
@@ -9026,7 +10826,7 @@
                       <a:headEnd type="none" w="med" len="med"/>
                       <a:tailEnd type="none" w="med" len="med"/>
                     </a:lnR>
-                    <a:lnT cmpd="sng" algn="ctr" cap="flat" w="0">
+                    <a:lnT w="0" cap="flat" cmpd="sng" algn="ctr">
                       <a:solidFill>
                         <a:srgbClr val="FF9999"/>
                       </a:solidFill>
@@ -9035,7 +10835,7 @@
                       <a:headEnd type="none" w="med" len="med"/>
                       <a:tailEnd type="none" w="med" len="med"/>
                     </a:lnT>
-                    <a:lnB cmpd="sng" algn="ctr" cap="flat" w="0">
+                    <a:lnB w="0" cap="flat" cmpd="sng" algn="ctr">
                       <a:solidFill>
                         <a:srgbClr val="FF9999"/>
                       </a:solidFill>
@@ -9049,11 +10849,16 @@
                     </a:solidFill>
                   </a:tcPr>
                 </a:tc>
+                <a:extLst>
+                  <a:ext uri="{0D108BD9-81ED-4DB2-BD59-A6C34878D82A}">
+                    <a16:rowId xmlns:a16="http://schemas.microsoft.com/office/drawing/2014/main" val="10000"/>
+                  </a:ext>
+                </a:extLst>
               </a:tr>
               <a:tr h="1671967">
                 <a:tc>
                   <a:txBody>
-                    <a:bodyPr anchor="t" rtlCol="false"/>
+                    <a:bodyPr/>
                     <a:lstStyle/>
                     <a:p>
                       <a:pPr algn="ctr">
@@ -9063,19 +10868,19 @@
                         <a:defRPr/>
                       </a:pPr>
                       <a:r>
-                        <a:rPr lang="en-US" sz="2999">
+                        <a:rPr lang="en-US" sz="2999" dirty="0">
                           <a:solidFill>
                             <a:srgbClr val="000000"/>
                           </a:solidFill>
                           <a:latin typeface="Canva Sans"/>
                         </a:rPr>
-                        <a:t>Decision Tree, Random Forest, and KNN</a:t>
+                        <a:t>Random Forest, Decision Tree, KNN</a:t>
                       </a:r>
-                      <a:endParaRPr lang="en-US" sz="1100"/>
+                      <a:endParaRPr lang="en-US" sz="1100" dirty="0"/>
                     </a:p>
                   </a:txBody>
                   <a:tcPr marL="190500" marR="190500" marT="190500" marB="190500" anchor="ctr">
-                    <a:lnL cmpd="sng" algn="ctr" cap="flat" w="0">
+                    <a:lnL w="0" cap="flat" cmpd="sng" algn="ctr">
                       <a:solidFill>
                         <a:srgbClr val="FF9999"/>
                       </a:solidFill>
@@ -9084,7 +10889,7 @@
                       <a:headEnd type="none" w="med" len="med"/>
                       <a:tailEnd type="none" w="med" len="med"/>
                     </a:lnL>
-                    <a:lnR cmpd="sng" algn="ctr" cap="flat" w="0">
+                    <a:lnR w="0" cap="flat" cmpd="sng" algn="ctr">
                       <a:solidFill>
                         <a:srgbClr val="FF9999"/>
                       </a:solidFill>
@@ -9093,7 +10898,7 @@
                       <a:headEnd type="none" w="med" len="med"/>
                       <a:tailEnd type="none" w="med" len="med"/>
                     </a:lnR>
-                    <a:lnT cmpd="sng" algn="ctr" cap="flat" w="0">
+                    <a:lnT w="0" cap="flat" cmpd="sng" algn="ctr">
                       <a:solidFill>
                         <a:srgbClr val="FF9999"/>
                       </a:solidFill>
@@ -9102,7 +10907,7 @@
                       <a:headEnd type="none" w="med" len="med"/>
                       <a:tailEnd type="none" w="med" len="med"/>
                     </a:lnT>
-                    <a:lnB cmpd="sng" algn="ctr" cap="flat" w="0">
+                    <a:lnB w="0" cap="flat" cmpd="sng" algn="ctr">
                       <a:solidFill>
                         <a:srgbClr val="FF9999"/>
                       </a:solidFill>
@@ -9116,11 +10921,16 @@
                     </a:solidFill>
                   </a:tcPr>
                 </a:tc>
+                <a:extLst>
+                  <a:ext uri="{0D108BD9-81ED-4DB2-BD59-A6C34878D82A}">
+                    <a16:rowId xmlns:a16="http://schemas.microsoft.com/office/drawing/2014/main" val="10001"/>
+                  </a:ext>
+                </a:extLst>
               </a:tr>
               <a:tr h="1671967">
                 <a:tc>
                   <a:txBody>
-                    <a:bodyPr anchor="t" rtlCol="false"/>
+                    <a:bodyPr/>
                     <a:lstStyle/>
                     <a:p>
                       <a:pPr algn="ctr">
@@ -9130,7 +10940,7 @@
                         <a:defRPr/>
                       </a:pPr>
                       <a:r>
-                        <a:rPr lang="en-US" sz="2999">
+                        <a:rPr lang="en-US" sz="2999" dirty="0">
                           <a:solidFill>
                             <a:srgbClr val="000000"/>
                           </a:solidFill>
@@ -9138,11 +10948,11 @@
                         </a:rPr>
                         <a:t>Support Vector Machine</a:t>
                       </a:r>
-                      <a:endParaRPr lang="en-US" sz="1100"/>
+                      <a:endParaRPr lang="en-US" sz="1100" dirty="0"/>
                     </a:p>
                   </a:txBody>
                   <a:tcPr marL="190500" marR="190500" marT="190500" marB="190500" anchor="ctr">
-                    <a:lnL cmpd="sng" algn="ctr" cap="flat" w="0">
+                    <a:lnL w="0" cap="flat" cmpd="sng" algn="ctr">
                       <a:solidFill>
                         <a:srgbClr val="FF9999"/>
                       </a:solidFill>
@@ -9151,7 +10961,7 @@
                       <a:headEnd type="none" w="med" len="med"/>
                       <a:tailEnd type="none" w="med" len="med"/>
                     </a:lnL>
-                    <a:lnR cmpd="sng" algn="ctr" cap="flat" w="0">
+                    <a:lnR w="0" cap="flat" cmpd="sng" algn="ctr">
                       <a:solidFill>
                         <a:srgbClr val="FF9999"/>
                       </a:solidFill>
@@ -9160,7 +10970,7 @@
                       <a:headEnd type="none" w="med" len="med"/>
                       <a:tailEnd type="none" w="med" len="med"/>
                     </a:lnR>
-                    <a:lnT cmpd="sng" algn="ctr" cap="flat" w="0">
+                    <a:lnT w="0" cap="flat" cmpd="sng" algn="ctr">
                       <a:solidFill>
                         <a:srgbClr val="FF9999"/>
                       </a:solidFill>
@@ -9169,7 +10979,7 @@
                       <a:headEnd type="none" w="med" len="med"/>
                       <a:tailEnd type="none" w="med" len="med"/>
                     </a:lnT>
-                    <a:lnB cmpd="sng" algn="ctr" cap="flat" w="0">
+                    <a:lnB w="0" cap="flat" cmpd="sng" algn="ctr">
                       <a:solidFill>
                         <a:srgbClr val="FF9999"/>
                       </a:solidFill>
@@ -9183,11 +10993,16 @@
                     </a:solidFill>
                   </a:tcPr>
                 </a:tc>
+                <a:extLst>
+                  <a:ext uri="{0D108BD9-81ED-4DB2-BD59-A6C34878D82A}">
+                    <a16:rowId xmlns:a16="http://schemas.microsoft.com/office/drawing/2014/main" val="10002"/>
+                  </a:ext>
+                </a:extLst>
               </a:tr>
               <a:tr h="1671967">
                 <a:tc>
                   <a:txBody>
-                    <a:bodyPr anchor="t" rtlCol="false"/>
+                    <a:bodyPr/>
                     <a:lstStyle/>
                     <a:p>
                       <a:pPr algn="ctr">
@@ -9197,7 +11012,7 @@
                         <a:defRPr/>
                       </a:pPr>
                       <a:r>
-                        <a:rPr lang="en-US" sz="2999">
+                        <a:rPr lang="en-US" sz="2999" dirty="0">
                           <a:solidFill>
                             <a:srgbClr val="000000"/>
                           </a:solidFill>
@@ -9205,11 +11020,11 @@
                         </a:rPr>
                         <a:t>Logistic Regression</a:t>
                       </a:r>
-                      <a:endParaRPr lang="en-US" sz="1100"/>
+                      <a:endParaRPr lang="en-US" sz="1100" dirty="0"/>
                     </a:p>
                   </a:txBody>
                   <a:tcPr marL="190500" marR="190500" marT="190500" marB="190500" anchor="ctr">
-                    <a:lnL cmpd="sng" algn="ctr" cap="flat" w="0">
+                    <a:lnL w="0" cap="flat" cmpd="sng" algn="ctr">
                       <a:solidFill>
                         <a:srgbClr val="FF9999"/>
                       </a:solidFill>
@@ -9218,7 +11033,7 @@
                       <a:headEnd type="none" w="med" len="med"/>
                       <a:tailEnd type="none" w="med" len="med"/>
                     </a:lnL>
-                    <a:lnR cmpd="sng" algn="ctr" cap="flat" w="0">
+                    <a:lnR w="0" cap="flat" cmpd="sng" algn="ctr">
                       <a:solidFill>
                         <a:srgbClr val="FF9999"/>
                       </a:solidFill>
@@ -9227,7 +11042,7 @@
                       <a:headEnd type="none" w="med" len="med"/>
                       <a:tailEnd type="none" w="med" len="med"/>
                     </a:lnR>
-                    <a:lnT cmpd="sng" algn="ctr" cap="flat" w="0">
+                    <a:lnT w="0" cap="flat" cmpd="sng" algn="ctr">
                       <a:solidFill>
                         <a:srgbClr val="FF9999"/>
                       </a:solidFill>
@@ -9236,7 +11051,7 @@
                       <a:headEnd type="none" w="med" len="med"/>
                       <a:tailEnd type="none" w="med" len="med"/>
                     </a:lnT>
-                    <a:lnB cmpd="sng" algn="ctr" cap="flat" w="0">
+                    <a:lnB w="0" cap="flat" cmpd="sng" algn="ctr">
                       <a:solidFill>
                         <a:srgbClr val="FF9999"/>
                       </a:solidFill>
@@ -9250,6 +11065,11 @@
                     </a:solidFill>
                   </a:tcPr>
                 </a:tc>
+                <a:extLst>
+                  <a:ext uri="{0D108BD9-81ED-4DB2-BD59-A6C34878D82A}">
+                    <a16:rowId xmlns:a16="http://schemas.microsoft.com/office/drawing/2014/main" val="10003"/>
+                  </a:ext>
+                </a:extLst>
               </a:tr>
             </a:tbl>
           </a:graphicData>
@@ -9257,98 +11077,274 @@
       </p:graphicFrame>
       <p:sp>
         <p:nvSpPr>
-          <p:cNvPr name="TextBox 7" id="7"/>
-          <p:cNvSpPr txBox="true"/>
+          <p:cNvPr id="7" name="TextBox 7"/>
+          <p:cNvSpPr txBox="1"/>
           <p:nvPr/>
         </p:nvSpPr>
         <p:spPr>
-          <a:xfrm rot="0">
-            <a:off x="10783407" y="1610869"/>
-            <a:ext cx="5528439" cy="7442200"/>
+          <a:xfrm>
+            <a:off x="9982200" y="1073660"/>
+            <a:ext cx="6352838" cy="8489440"/>
           </a:xfrm>
           <a:prstGeom prst="rect">
             <a:avLst/>
           </a:prstGeom>
         </p:spPr>
         <p:txBody>
-          <a:bodyPr anchor="t" rtlCol="false" tIns="0" lIns="0" bIns="0" rIns="0">
+          <a:bodyPr wrap="square" lIns="0" tIns="0" rIns="0" bIns="0" rtlCol="0" anchor="t">
             <a:spAutoFit/>
           </a:bodyPr>
           <a:lstStyle/>
           <a:p>
-            <a:pPr algn="ctr">
+            <a:pPr>
               <a:lnSpc>
                 <a:spcPts val="3499"/>
               </a:lnSpc>
             </a:pPr>
             <a:r>
-              <a:rPr lang="en-US" sz="2499">
+              <a:rPr lang="en-US" sz="2499" dirty="0">
                 <a:solidFill>
                   <a:srgbClr val="222366"/>
                 </a:solidFill>
                 <a:latin typeface="Public Sans"/>
               </a:rPr>
-              <a:t>The Neural Network model demonstrates the highest accuracy and balanced performance in predicting both classes. </a:t>
-            </a:r>
-          </a:p>
-          <a:p>
-            <a:pPr algn="ctr">
+              <a:t>Neural Network model shows the highest accuracy in predicting Type 2 Diabetes</a:t>
+            </a:r>
+          </a:p>
+          <a:p>
+            <a:pPr>
               <a:lnSpc>
                 <a:spcPts val="3499"/>
               </a:lnSpc>
             </a:pPr>
-            <a:r>
-              <a:rPr lang="en-US" sz="2499">
-                <a:solidFill>
-                  <a:srgbClr val="222366"/>
-                </a:solidFill>
-                <a:latin typeface="Public Sans"/>
-              </a:rPr>
-              <a:t>Decision Tree, Random Forest, and KNN also show promising results, closely following the Neural Network in terms of accuracy and performance metrics. </a:t>
-            </a:r>
-          </a:p>
-          <a:p>
-            <a:pPr algn="ctr">
+            <a:endParaRPr lang="en-US" sz="2499" dirty="0">
+              <a:solidFill>
+                <a:srgbClr val="222366"/>
+              </a:solidFill>
+              <a:latin typeface="Public Sans"/>
+            </a:endParaRPr>
+          </a:p>
+          <a:p>
+            <a:pPr>
               <a:lnSpc>
                 <a:spcPts val="3499"/>
               </a:lnSpc>
             </a:pPr>
             <a:r>
-              <a:rPr lang="en-US" sz="2499">
+              <a:rPr lang="en-US" sz="2499" dirty="0">
                 <a:solidFill>
                   <a:srgbClr val="222366"/>
                 </a:solidFill>
                 <a:latin typeface="Public Sans"/>
               </a:rPr>
-              <a:t>SVM, and Logistic Regression exhibit lower accuracy and performance metrics compared to the other models. </a:t>
-            </a:r>
-          </a:p>
-          <a:p>
-            <a:pPr algn="ctr">
+              <a:t>Random Forest, Decision Tree, and KNN also exhibit promising results</a:t>
+            </a:r>
+          </a:p>
+          <a:p>
+            <a:pPr>
               <a:lnSpc>
                 <a:spcPts val="3499"/>
               </a:lnSpc>
             </a:pPr>
-            <a:r>
-              <a:rPr lang="en-US" sz="2499">
+            <a:endParaRPr lang="en-US" sz="2499" dirty="0">
+              <a:solidFill>
+                <a:srgbClr val="222366"/>
+              </a:solidFill>
+              <a:latin typeface="Public Sans"/>
+            </a:endParaRPr>
+          </a:p>
+          <a:p>
+            <a:pPr>
+              <a:lnSpc>
+                <a:spcPts val="3499"/>
+              </a:lnSpc>
+            </a:pPr>
+            <a:r>
+              <a:rPr lang="en-US" sz="2499" dirty="0">
                 <a:solidFill>
                   <a:srgbClr val="222366"/>
                 </a:solidFill>
                 <a:latin typeface="Public Sans"/>
               </a:rPr>
-              <a:t>Based on the results, the Neural Network model is recommended for accurate and reliable diabetes prediction.</a:t>
+              <a:t>SVM and Logistic Regression show comparatively lower accuracy and performance metrics</a:t>
+            </a:r>
+          </a:p>
+          <a:p>
+            <a:pPr>
+              <a:lnSpc>
+                <a:spcPts val="3499"/>
+              </a:lnSpc>
+            </a:pPr>
+            <a:endParaRPr lang="en-US" sz="2499" dirty="0">
+              <a:solidFill>
+                <a:srgbClr val="222366"/>
+              </a:solidFill>
+              <a:latin typeface="Public Sans"/>
+            </a:endParaRPr>
+          </a:p>
+          <a:p>
+            <a:pPr>
+              <a:lnSpc>
+                <a:spcPts val="3499"/>
+              </a:lnSpc>
+            </a:pPr>
+            <a:r>
+              <a:rPr lang="en-US" sz="2499" dirty="0">
+                <a:solidFill>
+                  <a:srgbClr val="222366"/>
+                </a:solidFill>
+                <a:latin typeface="Public Sans"/>
+              </a:rPr>
+              <a:t>Top 3 features influencing the predictions:</a:t>
+            </a:r>
+          </a:p>
+          <a:p>
+            <a:pPr marL="342900" indent="-342900">
+              <a:lnSpc>
+                <a:spcPts val="3499"/>
+              </a:lnSpc>
+              <a:buFont typeface="Arial" panose="020B0604020202020204" pitchFamily="34" charset="0"/>
+              <a:buChar char="•"/>
+            </a:pPr>
+            <a:r>
+              <a:rPr lang="en-US" sz="2499" dirty="0">
+                <a:solidFill>
+                  <a:srgbClr val="222366"/>
+                </a:solidFill>
+                <a:latin typeface="Public Sans"/>
+              </a:rPr>
+              <a:t>RegularMedicine</a:t>
+            </a:r>
+          </a:p>
+          <a:p>
+            <a:pPr marL="342900" indent="-342900">
+              <a:lnSpc>
+                <a:spcPts val="3499"/>
+              </a:lnSpc>
+              <a:buFont typeface="Arial" panose="020B0604020202020204" pitchFamily="34" charset="0"/>
+              <a:buChar char="•"/>
+            </a:pPr>
+            <a:r>
+              <a:rPr lang="en-US" sz="2499" dirty="0">
+                <a:solidFill>
+                  <a:srgbClr val="222366"/>
+                </a:solidFill>
+                <a:latin typeface="Public Sans"/>
+              </a:rPr>
+              <a:t>Age</a:t>
+            </a:r>
+          </a:p>
+          <a:p>
+            <a:pPr marL="342900" indent="-342900">
+              <a:lnSpc>
+                <a:spcPts val="3499"/>
+              </a:lnSpc>
+              <a:buFont typeface="Arial" panose="020B0604020202020204" pitchFamily="34" charset="0"/>
+              <a:buChar char="•"/>
+            </a:pPr>
+            <a:r>
+              <a:rPr lang="en-US" sz="2499" dirty="0">
+                <a:solidFill>
+                  <a:srgbClr val="222366"/>
+                </a:solidFill>
+                <a:latin typeface="Public Sans"/>
+              </a:rPr>
+              <a:t>BMI</a:t>
+            </a:r>
+          </a:p>
+          <a:p>
+            <a:pPr>
+              <a:lnSpc>
+                <a:spcPts val="3499"/>
+              </a:lnSpc>
+            </a:pPr>
+            <a:endParaRPr lang="en-US" sz="2499" dirty="0">
+              <a:solidFill>
+                <a:srgbClr val="222366"/>
+              </a:solidFill>
+              <a:latin typeface="Public Sans"/>
+            </a:endParaRPr>
+          </a:p>
+          <a:p>
+            <a:pPr>
+              <a:lnSpc>
+                <a:spcPts val="3499"/>
+              </a:lnSpc>
+            </a:pPr>
+            <a:r>
+              <a:rPr lang="en-US" sz="2499" b="1" dirty="0">
+                <a:solidFill>
+                  <a:srgbClr val="222366"/>
+                </a:solidFill>
+                <a:latin typeface="Public Sans"/>
+              </a:rPr>
+              <a:t>Recommendation:</a:t>
+            </a:r>
+          </a:p>
+          <a:p>
+            <a:pPr marL="342900" indent="-342900">
+              <a:lnSpc>
+                <a:spcPts val="3499"/>
+              </a:lnSpc>
+              <a:buFont typeface="Arial" panose="020B0604020202020204" pitchFamily="34" charset="0"/>
+              <a:buChar char="•"/>
+            </a:pPr>
+            <a:r>
+              <a:rPr lang="en-US" sz="2499" b="1" dirty="0">
+                <a:solidFill>
+                  <a:srgbClr val="222366"/>
+                </a:solidFill>
+                <a:latin typeface="Public Sans"/>
+              </a:rPr>
+              <a:t>Accuracy:</a:t>
+            </a:r>
+            <a:r>
+              <a:rPr lang="en-US" sz="2499" dirty="0">
+                <a:solidFill>
+                  <a:srgbClr val="222366"/>
+                </a:solidFill>
+                <a:latin typeface="Public Sans"/>
+              </a:rPr>
+              <a:t> Neural Network</a:t>
+            </a:r>
+          </a:p>
+          <a:p>
+            <a:pPr marL="342900" indent="-342900">
+              <a:lnSpc>
+                <a:spcPts val="3499"/>
+              </a:lnSpc>
+              <a:buFont typeface="Arial" panose="020B0604020202020204" pitchFamily="34" charset="0"/>
+              <a:buChar char="•"/>
+            </a:pPr>
+            <a:r>
+              <a:rPr lang="en-US" sz="2499" b="1" dirty="0">
+                <a:solidFill>
+                  <a:srgbClr val="222366"/>
+                </a:solidFill>
+                <a:latin typeface="Public Sans"/>
+              </a:rPr>
+              <a:t>Balanced approach:</a:t>
+            </a:r>
+            <a:r>
+              <a:rPr lang="en-US" sz="2499" dirty="0">
+                <a:solidFill>
+                  <a:srgbClr val="222366"/>
+                </a:solidFill>
+                <a:latin typeface="Public Sans"/>
+              </a:rPr>
+              <a:t> Random Forest, Decision Tree, KNN</a:t>
             </a:r>
           </a:p>
         </p:txBody>
       </p:sp>
       <p:sp>
         <p:nvSpPr>
-          <p:cNvPr name="TextBox 8" id="8"/>
-          <p:cNvSpPr txBox="true"/>
+          <p:cNvPr id="8" name="TextBox 8"/>
+          <p:cNvSpPr txBox="1"/>
           <p:nvPr/>
         </p:nvSpPr>
         <p:spPr>
-          <a:xfrm rot="0">
+          <a:xfrm>
             <a:off x="1555840" y="809625"/>
             <a:ext cx="6836034" cy="1362075"/>
           </a:xfrm>
@@ -9357,7 +11353,7 @@
           </a:prstGeom>
         </p:spPr>
         <p:txBody>
-          <a:bodyPr anchor="t" rtlCol="false" tIns="0" lIns="0" bIns="0" rIns="0">
+          <a:bodyPr lIns="0" tIns="0" rIns="0" bIns="0" rtlCol="0" anchor="t">
             <a:spAutoFit/>
           </a:bodyPr>
           <a:lstStyle/>
@@ -9388,13 +11384,14 @@
 </file>
 
 <file path=ppt/slides/slide9.xml><?xml version="1.0" encoding="utf-8"?>
-<p:sld xmlns:p="http://schemas.openxmlformats.org/presentationml/2006/main" xmlns:a="http://schemas.openxmlformats.org/drawingml/2006/main" xmlns:r="http://schemas.openxmlformats.org/officeDocument/2006/relationships">
+<p:sld xmlns:a="http://schemas.openxmlformats.org/drawingml/2006/main" xmlns:r="http://schemas.openxmlformats.org/officeDocument/2006/relationships" xmlns:p="http://schemas.openxmlformats.org/presentationml/2006/main">
   <p:cSld>
     <p:bg>
       <p:bgPr>
         <a:solidFill>
           <a:srgbClr val="FAF3F3"/>
         </a:solidFill>
+        <a:effectLst/>
       </p:bgPr>
     </p:bg>
     <p:spTree>
@@ -9413,12 +11410,12 @@
       </p:grpSpPr>
       <p:sp>
         <p:nvSpPr>
-          <p:cNvPr name="Freeform 2" id="2"/>
+          <p:cNvPr id="2" name="Freeform 2"/>
           <p:cNvSpPr/>
           <p:nvPr/>
         </p:nvSpPr>
         <p:spPr>
-          <a:xfrm flipH="false" flipV="false" rot="0">
+          <a:xfrm>
             <a:off x="-1422894" y="1815519"/>
             <a:ext cx="7876905" cy="7726439"/>
           </a:xfrm>
@@ -9427,9 +11424,9 @@
             <a:gdLst/>
             <a:ahLst/>
             <a:cxnLst/>
-            <a:rect r="r" b="b" t="t" l="l"/>
+            <a:rect l="l" t="t" r="r" b="b"/>
             <a:pathLst>
-              <a:path h="7726439" w="7876905">
+              <a:path w="7876905" h="7726439">
                 <a:moveTo>
                   <a:pt x="0" y="0"/>
                 </a:moveTo>
@@ -9450,27 +11447,27 @@
             </a:pathLst>
           </a:custGeom>
           <a:blipFill>
-            <a:blip r:embed="rId2">
+            <a:blip r:embed="rId3">
               <a:extLst>
                 <a:ext uri="{96DAC541-7B7A-43D3-8B79-37D633B846F1}">
-                  <asvg:svgBlip xmlns:asvg="http://schemas.microsoft.com/office/drawing/2016/SVG/main" r:embed="rId3"/>
+                  <asvg:svgBlip xmlns:asvg="http://schemas.microsoft.com/office/drawing/2016/SVG/main" r:embed="rId4"/>
                 </a:ext>
               </a:extLst>
             </a:blip>
             <a:stretch>
-              <a:fillRect l="0" t="0" r="0" b="0"/>
+              <a:fillRect/>
             </a:stretch>
           </a:blipFill>
         </p:spPr>
       </p:sp>
       <p:sp>
         <p:nvSpPr>
-          <p:cNvPr name="Freeform 3" id="3"/>
+          <p:cNvPr id="3" name="Freeform 3"/>
           <p:cNvSpPr/>
           <p:nvPr/>
         </p:nvSpPr>
         <p:spPr>
-          <a:xfrm flipH="false" flipV="false" rot="-1793077">
+          <a:xfrm rot="-1793077">
             <a:off x="1979827" y="562757"/>
             <a:ext cx="1769402" cy="2463725"/>
           </a:xfrm>
@@ -9479,9 +11476,9 @@
             <a:gdLst/>
             <a:ahLst/>
             <a:cxnLst/>
-            <a:rect r="r" b="b" t="t" l="l"/>
+            <a:rect l="l" t="t" r="r" b="b"/>
             <a:pathLst>
-              <a:path h="2463725" w="1769402">
+              <a:path w="1769402" h="2463725">
                 <a:moveTo>
                   <a:pt x="0" y="0"/>
                 </a:moveTo>
@@ -9502,27 +11499,27 @@
             </a:pathLst>
           </a:custGeom>
           <a:blipFill>
-            <a:blip r:embed="rId4">
+            <a:blip r:embed="rId5">
               <a:extLst>
                 <a:ext uri="{96DAC541-7B7A-43D3-8B79-37D633B846F1}">
-                  <asvg:svgBlip xmlns:asvg="http://schemas.microsoft.com/office/drawing/2016/SVG/main" r:embed="rId5"/>
+                  <asvg:svgBlip xmlns:asvg="http://schemas.microsoft.com/office/drawing/2016/SVG/main" r:embed="rId6"/>
                 </a:ext>
               </a:extLst>
             </a:blip>
             <a:stretch>
-              <a:fillRect l="0" t="0" r="0" b="0"/>
+              <a:fillRect/>
             </a:stretch>
           </a:blipFill>
         </p:spPr>
       </p:sp>
       <p:sp>
         <p:nvSpPr>
-          <p:cNvPr name="Freeform 4" id="4"/>
+          <p:cNvPr id="4" name="Freeform 4"/>
           <p:cNvSpPr/>
           <p:nvPr/>
         </p:nvSpPr>
         <p:spPr>
-          <a:xfrm flipH="false" flipV="false" rot="783927">
+          <a:xfrm rot="783927">
             <a:off x="14247388" y="477007"/>
             <a:ext cx="1949462" cy="2247807"/>
           </a:xfrm>
@@ -9531,9 +11528,9 @@
             <a:gdLst/>
             <a:ahLst/>
             <a:cxnLst/>
-            <a:rect r="r" b="b" t="t" l="l"/>
+            <a:rect l="l" t="t" r="r" b="b"/>
             <a:pathLst>
-              <a:path h="2247807" w="1949462">
+              <a:path w="1949462" h="2247807">
                 <a:moveTo>
                   <a:pt x="0" y="0"/>
                 </a:moveTo>
@@ -9554,27 +11551,27 @@
             </a:pathLst>
           </a:custGeom>
           <a:blipFill>
-            <a:blip r:embed="rId6">
+            <a:blip r:embed="rId7">
               <a:extLst>
                 <a:ext uri="{96DAC541-7B7A-43D3-8B79-37D633B846F1}">
-                  <asvg:svgBlip xmlns:asvg="http://schemas.microsoft.com/office/drawing/2016/SVG/main" r:embed="rId7"/>
+                  <asvg:svgBlip xmlns:asvg="http://schemas.microsoft.com/office/drawing/2016/SVG/main" r:embed="rId8"/>
                 </a:ext>
               </a:extLst>
             </a:blip>
             <a:stretch>
-              <a:fillRect l="0" t="0" r="0" b="0"/>
+              <a:fillRect/>
             </a:stretch>
           </a:blipFill>
         </p:spPr>
       </p:sp>
       <p:sp>
         <p:nvSpPr>
-          <p:cNvPr name="Freeform 5" id="5"/>
+          <p:cNvPr id="5" name="Freeform 5"/>
           <p:cNvSpPr/>
           <p:nvPr/>
         </p:nvSpPr>
         <p:spPr>
-          <a:xfrm flipH="false" flipV="false" rot="0">
+          <a:xfrm>
             <a:off x="11942242" y="1015255"/>
             <a:ext cx="7876905" cy="7726439"/>
           </a:xfrm>
@@ -9583,9 +11580,9 @@
             <a:gdLst/>
             <a:ahLst/>
             <a:cxnLst/>
-            <a:rect r="r" b="b" t="t" l="l"/>
+            <a:rect l="l" t="t" r="r" b="b"/>
             <a:pathLst>
-              <a:path h="7726439" w="7876905">
+              <a:path w="7876905" h="7726439">
                 <a:moveTo>
                   <a:pt x="0" y="0"/>
                 </a:moveTo>
@@ -9606,27 +11603,27 @@
             </a:pathLst>
           </a:custGeom>
           <a:blipFill>
-            <a:blip r:embed="rId2">
+            <a:blip r:embed="rId3">
               <a:extLst>
                 <a:ext uri="{96DAC541-7B7A-43D3-8B79-37D633B846F1}">
-                  <asvg:svgBlip xmlns:asvg="http://schemas.microsoft.com/office/drawing/2016/SVG/main" r:embed="rId3"/>
+                  <asvg:svgBlip xmlns:asvg="http://schemas.microsoft.com/office/drawing/2016/SVG/main" r:embed="rId4"/>
                 </a:ext>
               </a:extLst>
             </a:blip>
             <a:stretch>
-              <a:fillRect l="0" t="0" r="0" b="0"/>
+              <a:fillRect/>
             </a:stretch>
           </a:blipFill>
         </p:spPr>
       </p:sp>
       <p:grpSp>
         <p:nvGrpSpPr>
-          <p:cNvPr name="Group 6" id="6"/>
+          <p:cNvPr id="6" name="Group 6"/>
           <p:cNvGrpSpPr/>
           <p:nvPr/>
         </p:nvGrpSpPr>
         <p:grpSpPr>
-          <a:xfrm rot="0">
+          <a:xfrm>
             <a:off x="3129847" y="1369422"/>
             <a:ext cx="12092272" cy="4190887"/>
             <a:chOff x="0" y="0"/>
@@ -9635,12 +11632,12 @@
         </p:grpSpPr>
         <p:sp>
           <p:nvSpPr>
-            <p:cNvPr name="Freeform 7" id="7"/>
+            <p:cNvPr id="7" name="Freeform 7"/>
             <p:cNvSpPr/>
             <p:nvPr/>
           </p:nvSpPr>
           <p:spPr>
-            <a:xfrm flipH="false" flipV="false" rot="0">
+            <a:xfrm>
               <a:off x="0" y="0"/>
               <a:ext cx="1100680" cy="381469"/>
             </a:xfrm>
@@ -9649,9 +11646,9 @@
               <a:gdLst/>
               <a:ahLst/>
               <a:cxnLst/>
-              <a:rect r="r" b="b" t="t" l="l"/>
+              <a:rect l="l" t="t" r="r" b="b"/>
               <a:pathLst>
-                <a:path h="381469" w="1100680">
+                <a:path w="1100680" h="381469">
                   <a:moveTo>
                     <a:pt x="897480" y="0"/>
                   </a:moveTo>
@@ -9689,8 +11686,8 @@
         </p:sp>
         <p:sp>
           <p:nvSpPr>
-            <p:cNvPr name="TextBox 8" id="8"/>
-            <p:cNvSpPr txBox="true"/>
+            <p:cNvPr id="8" name="TextBox 8"/>
+            <p:cNvSpPr txBox="1"/>
             <p:nvPr/>
           </p:nvSpPr>
           <p:spPr>
@@ -9703,7 +11700,7 @@
             </a:prstGeom>
           </p:spPr>
           <p:txBody>
-            <a:bodyPr anchor="ctr" rtlCol="false" tIns="50800" lIns="50800" bIns="50800" rIns="50800"/>
+            <a:bodyPr lIns="50800" tIns="50800" rIns="50800" bIns="50800" rtlCol="0" anchor="ctr"/>
             <a:lstStyle/>
             <a:p>
               <a:pPr algn="ctr">
@@ -9711,18 +11708,19 @@
                   <a:spcPts val="2659"/>
                 </a:lnSpc>
               </a:pPr>
+              <a:endParaRPr/>
             </a:p>
           </p:txBody>
         </p:sp>
       </p:grpSp>
       <p:sp>
         <p:nvSpPr>
-          <p:cNvPr name="Freeform 9" id="9"/>
+          <p:cNvPr id="9" name="Freeform 9"/>
           <p:cNvSpPr/>
           <p:nvPr/>
         </p:nvSpPr>
         <p:spPr>
-          <a:xfrm flipH="false" flipV="false" rot="-1257881">
+          <a:xfrm rot="-1257881">
             <a:off x="197695" y="4780476"/>
             <a:ext cx="3549762" cy="3440042"/>
           </a:xfrm>
@@ -9731,9 +11729,9 @@
             <a:gdLst/>
             <a:ahLst/>
             <a:cxnLst/>
-            <a:rect r="r" b="b" t="t" l="l"/>
+            <a:rect l="l" t="t" r="r" b="b"/>
             <a:pathLst>
-              <a:path h="3440042" w="3549762">
+              <a:path w="3549762" h="3440042">
                 <a:moveTo>
                   <a:pt x="0" y="0"/>
                 </a:moveTo>
@@ -9754,27 +11752,27 @@
             </a:pathLst>
           </a:custGeom>
           <a:blipFill>
-            <a:blip r:embed="rId8">
+            <a:blip r:embed="rId9">
               <a:extLst>
                 <a:ext uri="{96DAC541-7B7A-43D3-8B79-37D633B846F1}">
-                  <asvg:svgBlip xmlns:asvg="http://schemas.microsoft.com/office/drawing/2016/SVG/main" r:embed="rId9"/>
+                  <asvg:svgBlip xmlns:asvg="http://schemas.microsoft.com/office/drawing/2016/SVG/main" r:embed="rId10"/>
                 </a:ext>
               </a:extLst>
             </a:blip>
             <a:stretch>
-              <a:fillRect l="0" t="0" r="0" b="0"/>
+              <a:fillRect/>
             </a:stretch>
           </a:blipFill>
         </p:spPr>
       </p:sp>
       <p:sp>
         <p:nvSpPr>
-          <p:cNvPr name="Freeform 10" id="10"/>
+          <p:cNvPr id="10" name="Freeform 10"/>
           <p:cNvSpPr/>
           <p:nvPr/>
         </p:nvSpPr>
         <p:spPr>
-          <a:xfrm flipH="false" flipV="false" rot="-1248570">
+          <a:xfrm rot="-1248570">
             <a:off x="15858283" y="4516210"/>
             <a:ext cx="2885297" cy="4111175"/>
           </a:xfrm>
@@ -9783,9 +11781,9 @@
             <a:gdLst/>
             <a:ahLst/>
             <a:cxnLst/>
-            <a:rect r="r" b="b" t="t" l="l"/>
+            <a:rect l="l" t="t" r="r" b="b"/>
             <a:pathLst>
-              <a:path h="4111175" w="2885297">
+              <a:path w="2885297" h="4111175">
                 <a:moveTo>
                   <a:pt x="0" y="0"/>
                 </a:moveTo>
@@ -9806,27 +11804,27 @@
             </a:pathLst>
           </a:custGeom>
           <a:blipFill>
-            <a:blip r:embed="rId10">
+            <a:blip r:embed="rId11">
               <a:extLst>
                 <a:ext uri="{96DAC541-7B7A-43D3-8B79-37D633B846F1}">
-                  <asvg:svgBlip xmlns:asvg="http://schemas.microsoft.com/office/drawing/2016/SVG/main" r:embed="rId11"/>
+                  <asvg:svgBlip xmlns:asvg="http://schemas.microsoft.com/office/drawing/2016/SVG/main" r:embed="rId12"/>
                 </a:ext>
               </a:extLst>
             </a:blip>
             <a:stretch>
-              <a:fillRect l="0" t="0" r="0" b="0"/>
+              <a:fillRect/>
             </a:stretch>
           </a:blipFill>
         </p:spPr>
       </p:sp>
       <p:sp>
         <p:nvSpPr>
-          <p:cNvPr name="Freeform 11" id="11"/>
+          <p:cNvPr id="11" name="Freeform 11"/>
           <p:cNvSpPr/>
           <p:nvPr/>
         </p:nvSpPr>
         <p:spPr>
-          <a:xfrm flipH="false" flipV="false" rot="0">
+          <a:xfrm>
             <a:off x="7053678" y="5143500"/>
             <a:ext cx="4180644" cy="4180644"/>
           </a:xfrm>
@@ -9835,9 +11833,9 @@
             <a:gdLst/>
             <a:ahLst/>
             <a:cxnLst/>
-            <a:rect r="r" b="b" t="t" l="l"/>
+            <a:rect l="l" t="t" r="r" b="b"/>
             <a:pathLst>
-              <a:path h="4180644" w="4180644">
+              <a:path w="4180644" h="4180644">
                 <a:moveTo>
                   <a:pt x="0" y="0"/>
                 </a:moveTo>
@@ -9858,9 +11856,9 @@
             </a:pathLst>
           </a:custGeom>
           <a:blipFill>
-            <a:blip r:embed="rId12"/>
+            <a:blip r:embed="rId13"/>
             <a:stretch>
-              <a:fillRect l="0" t="0" r="0" b="0"/>
+              <a:fillRect/>
             </a:stretch>
           </a:blipFill>
           <a:ln w="38100" cap="rnd">
@@ -9874,12 +11872,12 @@
       </p:sp>
       <p:sp>
         <p:nvSpPr>
-          <p:cNvPr name="TextBox 12" id="12"/>
-          <p:cNvSpPr txBox="true"/>
+          <p:cNvPr id="12" name="TextBox 12"/>
+          <p:cNvSpPr txBox="1"/>
           <p:nvPr/>
         </p:nvSpPr>
         <p:spPr>
-          <a:xfrm rot="0">
+          <a:xfrm>
             <a:off x="3988051" y="2036116"/>
             <a:ext cx="10311897" cy="2489200"/>
           </a:xfrm>
@@ -9888,7 +11886,7 @@
           </a:prstGeom>
         </p:spPr>
         <p:txBody>
-          <a:bodyPr anchor="t" rtlCol="false" tIns="0" lIns="0" bIns="0" rIns="0">
+          <a:bodyPr lIns="0" tIns="0" rIns="0" bIns="0" rtlCol="0" anchor="t">
             <a:spAutoFit/>
           </a:bodyPr>
           <a:lstStyle/>
@@ -9899,7 +11897,7 @@
               </a:lnSpc>
             </a:pPr>
             <a:r>
-              <a:rPr lang="en-US" sz="6999">
+              <a:rPr lang="en-US" sz="6999" dirty="0">
                 <a:solidFill>
                   <a:srgbClr val="222366"/>
                 </a:solidFill>
@@ -10199,4 +12197,299 @@
   <a:objectDefaults/>
   <a:extraClrSchemeLst/>
 </a:theme>
+</file>
+
+<file path=ppt/theme/theme2.xml><?xml version="1.0" encoding="utf-8"?>
+<a:theme xmlns:a="http://schemas.openxmlformats.org/drawingml/2006/main" name="Office Theme">
+  <a:themeElements>
+    <a:clrScheme name="Office">
+      <a:dk1>
+        <a:sysClr val="windowText" lastClr="000000"/>
+      </a:dk1>
+      <a:lt1>
+        <a:sysClr val="window" lastClr="FFFFFF"/>
+      </a:lt1>
+      <a:dk2>
+        <a:srgbClr val="44546A"/>
+      </a:dk2>
+      <a:lt2>
+        <a:srgbClr val="E7E6E6"/>
+      </a:lt2>
+      <a:accent1>
+        <a:srgbClr val="4472C4"/>
+      </a:accent1>
+      <a:accent2>
+        <a:srgbClr val="ED7D31"/>
+      </a:accent2>
+      <a:accent3>
+        <a:srgbClr val="A5A5A5"/>
+      </a:accent3>
+      <a:accent4>
+        <a:srgbClr val="FFC000"/>
+      </a:accent4>
+      <a:accent5>
+        <a:srgbClr val="5B9BD5"/>
+      </a:accent5>
+      <a:accent6>
+        <a:srgbClr val="70AD47"/>
+      </a:accent6>
+      <a:hlink>
+        <a:srgbClr val="0563C1"/>
+      </a:hlink>
+      <a:folHlink>
+        <a:srgbClr val="954F72"/>
+      </a:folHlink>
+    </a:clrScheme>
+    <a:fontScheme name="Office">
+      <a:majorFont>
+        <a:latin typeface="Calibri Light" panose="020F0302020204030204"/>
+        <a:ea typeface=""/>
+        <a:cs typeface=""/>
+        <a:font script="Jpan" typeface="游ゴシック Light"/>
+        <a:font script="Hang" typeface="맑은 고딕"/>
+        <a:font script="Hans" typeface="等线 Light"/>
+        <a:font script="Hant" typeface="新細明體"/>
+        <a:font script="Arab" typeface="Times New Roman"/>
+        <a:font script="Hebr" typeface="Times New Roman"/>
+        <a:font script="Thai" typeface="Angsana New"/>
+        <a:font script="Ethi" typeface="Nyala"/>
+        <a:font script="Beng" typeface="Vrinda"/>
+        <a:font script="Gujr" typeface="Shruti"/>
+        <a:font script="Khmr" typeface="MoolBoran"/>
+        <a:font script="Knda" typeface="Tunga"/>
+        <a:font script="Guru" typeface="Raavi"/>
+        <a:font script="Cans" typeface="Euphemia"/>
+        <a:font script="Cher" typeface="Plantagenet Cherokee"/>
+        <a:font script="Yiii" typeface="Microsoft Yi Baiti"/>
+        <a:font script="Tibt" typeface="Microsoft Himalaya"/>
+        <a:font script="Thaa" typeface="MV Boli"/>
+        <a:font script="Deva" typeface="Mangal"/>
+        <a:font script="Telu" typeface="Gautami"/>
+        <a:font script="Taml" typeface="Latha"/>
+        <a:font script="Syrc" typeface="Estrangelo Edessa"/>
+        <a:font script="Orya" typeface="Kalinga"/>
+        <a:font script="Mlym" typeface="Kartika"/>
+        <a:font script="Laoo" typeface="DokChampa"/>
+        <a:font script="Sinh" typeface="Iskoola Pota"/>
+        <a:font script="Mong" typeface="Mongolian Baiti"/>
+        <a:font script="Viet" typeface="Times New Roman"/>
+        <a:font script="Uigh" typeface="Microsoft Uighur"/>
+        <a:font script="Geor" typeface="Sylfaen"/>
+        <a:font script="Armn" typeface="Arial"/>
+        <a:font script="Bugi" typeface="Leelawadee UI"/>
+        <a:font script="Bopo" typeface="Microsoft JhengHei"/>
+        <a:font script="Java" typeface="Javanese Text"/>
+        <a:font script="Lisu" typeface="Segoe UI"/>
+        <a:font script="Mymr" typeface="Myanmar Text"/>
+        <a:font script="Nkoo" typeface="Ebrima"/>
+        <a:font script="Olck" typeface="Nirmala UI"/>
+        <a:font script="Osma" typeface="Ebrima"/>
+        <a:font script="Phag" typeface="Phagspa"/>
+        <a:font script="Syrn" typeface="Estrangelo Edessa"/>
+        <a:font script="Syrj" typeface="Estrangelo Edessa"/>
+        <a:font script="Syre" typeface="Estrangelo Edessa"/>
+        <a:font script="Sora" typeface="Nirmala UI"/>
+        <a:font script="Tale" typeface="Microsoft Tai Le"/>
+        <a:font script="Talu" typeface="Microsoft New Tai Lue"/>
+        <a:font script="Tfng" typeface="Ebrima"/>
+      </a:majorFont>
+      <a:minorFont>
+        <a:latin typeface="Calibri" panose="020F0502020204030204"/>
+        <a:ea typeface=""/>
+        <a:cs typeface=""/>
+        <a:font script="Jpan" typeface="游ゴシック"/>
+        <a:font script="Hang" typeface="맑은 고딕"/>
+        <a:font script="Hans" typeface="等线"/>
+        <a:font script="Hant" typeface="新細明體"/>
+        <a:font script="Arab" typeface="Arial"/>
+        <a:font script="Hebr" typeface="Arial"/>
+        <a:font script="Thai" typeface="Cordia New"/>
+        <a:font script="Ethi" typeface="Nyala"/>
+        <a:font script="Beng" typeface="Vrinda"/>
+        <a:font script="Gujr" typeface="Shruti"/>
+        <a:font script="Khmr" typeface="DaunPenh"/>
+        <a:font script="Knda" typeface="Tunga"/>
+        <a:font script="Guru" typeface="Raavi"/>
+        <a:font script="Cans" typeface="Euphemia"/>
+        <a:font script="Cher" typeface="Plantagenet Cherokee"/>
+        <a:font script="Yiii" typeface="Microsoft Yi Baiti"/>
+        <a:font script="Tibt" typeface="Microsoft Himalaya"/>
+        <a:font script="Thaa" typeface="MV Boli"/>
+        <a:font script="Deva" typeface="Mangal"/>
+        <a:font script="Telu" typeface="Gautami"/>
+        <a:font script="Taml" typeface="Latha"/>
+        <a:font script="Syrc" typeface="Estrangelo Edessa"/>
+        <a:font script="Orya" typeface="Kalinga"/>
+        <a:font script="Mlym" typeface="Kartika"/>
+        <a:font script="Laoo" typeface="DokChampa"/>
+        <a:font script="Sinh" typeface="Iskoola Pota"/>
+        <a:font script="Mong" typeface="Mongolian Baiti"/>
+        <a:font script="Viet" typeface="Arial"/>
+        <a:font script="Uigh" typeface="Microsoft Uighur"/>
+        <a:font script="Geor" typeface="Sylfaen"/>
+        <a:font script="Armn" typeface="Arial"/>
+        <a:font script="Bugi" typeface="Leelawadee UI"/>
+        <a:font script="Bopo" typeface="Microsoft JhengHei"/>
+        <a:font script="Java" typeface="Javanese Text"/>
+        <a:font script="Lisu" typeface="Segoe UI"/>
+        <a:font script="Mymr" typeface="Myanmar Text"/>
+        <a:font script="Nkoo" typeface="Ebrima"/>
+        <a:font script="Olck" typeface="Nirmala UI"/>
+        <a:font script="Osma" typeface="Ebrima"/>
+        <a:font script="Phag" typeface="Phagspa"/>
+        <a:font script="Syrn" typeface="Estrangelo Edessa"/>
+        <a:font script="Syrj" typeface="Estrangelo Edessa"/>
+        <a:font script="Syre" typeface="Estrangelo Edessa"/>
+        <a:font script="Sora" typeface="Nirmala UI"/>
+        <a:font script="Tale" typeface="Microsoft Tai Le"/>
+        <a:font script="Talu" typeface="Microsoft New Tai Lue"/>
+        <a:font script="Tfng" typeface="Ebrima"/>
+      </a:minorFont>
+    </a:fontScheme>
+    <a:fmtScheme name="Office">
+      <a:fillStyleLst>
+        <a:solidFill>
+          <a:schemeClr val="phClr"/>
+        </a:solidFill>
+        <a:gradFill rotWithShape="1">
+          <a:gsLst>
+            <a:gs pos="0">
+              <a:schemeClr val="phClr">
+                <a:lumMod val="110000"/>
+                <a:satMod val="105000"/>
+                <a:tint val="67000"/>
+              </a:schemeClr>
+            </a:gs>
+            <a:gs pos="50000">
+              <a:schemeClr val="phClr">
+                <a:lumMod val="105000"/>
+                <a:satMod val="103000"/>
+                <a:tint val="73000"/>
+              </a:schemeClr>
+            </a:gs>
+            <a:gs pos="100000">
+              <a:schemeClr val="phClr">
+                <a:lumMod val="105000"/>
+                <a:satMod val="109000"/>
+                <a:tint val="81000"/>
+              </a:schemeClr>
+            </a:gs>
+          </a:gsLst>
+          <a:lin ang="5400000" scaled="0"/>
+        </a:gradFill>
+        <a:gradFill rotWithShape="1">
+          <a:gsLst>
+            <a:gs pos="0">
+              <a:schemeClr val="phClr">
+                <a:satMod val="103000"/>
+                <a:lumMod val="102000"/>
+                <a:tint val="94000"/>
+              </a:schemeClr>
+            </a:gs>
+            <a:gs pos="50000">
+              <a:schemeClr val="phClr">
+                <a:satMod val="110000"/>
+                <a:lumMod val="100000"/>
+                <a:shade val="100000"/>
+              </a:schemeClr>
+            </a:gs>
+            <a:gs pos="100000">
+              <a:schemeClr val="phClr">
+                <a:lumMod val="99000"/>
+                <a:satMod val="120000"/>
+                <a:shade val="78000"/>
+              </a:schemeClr>
+            </a:gs>
+          </a:gsLst>
+          <a:lin ang="5400000" scaled="0"/>
+        </a:gradFill>
+      </a:fillStyleLst>
+      <a:lnStyleLst>
+        <a:ln w="6350" cap="flat" cmpd="sng" algn="ctr">
+          <a:solidFill>
+            <a:schemeClr val="phClr"/>
+          </a:solidFill>
+          <a:prstDash val="solid"/>
+          <a:miter lim="800000"/>
+        </a:ln>
+        <a:ln w="12700" cap="flat" cmpd="sng" algn="ctr">
+          <a:solidFill>
+            <a:schemeClr val="phClr"/>
+          </a:solidFill>
+          <a:prstDash val="solid"/>
+          <a:miter lim="800000"/>
+        </a:ln>
+        <a:ln w="19050" cap="flat" cmpd="sng" algn="ctr">
+          <a:solidFill>
+            <a:schemeClr val="phClr"/>
+          </a:solidFill>
+          <a:prstDash val="solid"/>
+          <a:miter lim="800000"/>
+        </a:ln>
+      </a:lnStyleLst>
+      <a:effectStyleLst>
+        <a:effectStyle>
+          <a:effectLst/>
+        </a:effectStyle>
+        <a:effectStyle>
+          <a:effectLst/>
+        </a:effectStyle>
+        <a:effectStyle>
+          <a:effectLst>
+            <a:outerShdw blurRad="57150" dist="19050" dir="5400000" algn="ctr" rotWithShape="0">
+              <a:srgbClr val="000000">
+                <a:alpha val="63000"/>
+              </a:srgbClr>
+            </a:outerShdw>
+          </a:effectLst>
+        </a:effectStyle>
+      </a:effectStyleLst>
+      <a:bgFillStyleLst>
+        <a:solidFill>
+          <a:schemeClr val="phClr"/>
+        </a:solidFill>
+        <a:solidFill>
+          <a:schemeClr val="phClr">
+            <a:tint val="95000"/>
+            <a:satMod val="170000"/>
+          </a:schemeClr>
+        </a:solidFill>
+        <a:gradFill rotWithShape="1">
+          <a:gsLst>
+            <a:gs pos="0">
+              <a:schemeClr val="phClr">
+                <a:tint val="93000"/>
+                <a:satMod val="150000"/>
+                <a:shade val="98000"/>
+                <a:lumMod val="102000"/>
+              </a:schemeClr>
+            </a:gs>
+            <a:gs pos="50000">
+              <a:schemeClr val="phClr">
+                <a:tint val="98000"/>
+                <a:satMod val="130000"/>
+                <a:shade val="90000"/>
+                <a:lumMod val="103000"/>
+              </a:schemeClr>
+            </a:gs>
+            <a:gs pos="100000">
+              <a:schemeClr val="phClr">
+                <a:shade val="63000"/>
+                <a:satMod val="120000"/>
+              </a:schemeClr>
+            </a:gs>
+          </a:gsLst>
+          <a:lin ang="5400000" scaled="0"/>
+        </a:gradFill>
+      </a:bgFillStyleLst>
+    </a:fmtScheme>
+  </a:themeElements>
+  <a:objectDefaults/>
+  <a:extraClrSchemeLst/>
+  <a:extLst>
+    <a:ext uri="{05A4C25C-085E-4340-85A3-A5531E510DB2}">
+      <thm15:themeFamily xmlns:thm15="http://schemas.microsoft.com/office/thememl/2012/main" name="Office Theme" id="{62F939B6-93AF-4DB8-9C6B-D6C7DFDC589F}" vid="{4A3C46E8-61CC-4603-A589-7422A47A8E4A}"/>
+    </a:ext>
+  </a:extLst>
+</a:theme>
 </file>
--- a/presentation/presentation.pptx
+++ b/presentation/presentation.pptx
@@ -557,109 +557,7 @@
           <a:bodyPr/>
           <a:lstStyle/>
           <a:p>
-            <a:r>
-              <a:rPr lang="en-GB" b="0" dirty="0">
-                <a:solidFill>
-                  <a:srgbClr val="CCCCCC"/>
-                </a:solidFill>
-                <a:effectLst/>
-                <a:latin typeface="+mn-lt"/>
-              </a:rPr>
-              <a:t>Diabetes is a prevalent chronic disease that affects millions of people worldwide. According to the International Diabetes Federation, approximately 537 million adults (20-79 years) are living with diabetes. Around 90% of diabetes cases are Type 2, influenced by factors like economy, age, environment, and lifestyles. </a:t>
-            </a:r>
-          </a:p>
-          <a:p>
-            <a:endParaRPr lang="en-GB" b="0" dirty="0">
-              <a:solidFill>
-                <a:srgbClr val="CCCCCC"/>
-              </a:solidFill>
-              <a:effectLst/>
-              <a:latin typeface="+mn-lt"/>
-            </a:endParaRPr>
-          </a:p>
-          <a:p>
-            <a:r>
-              <a:rPr lang="en-GB" b="0" dirty="0">
-                <a:solidFill>
-                  <a:srgbClr val="CCCCCC"/>
-                </a:solidFill>
-                <a:effectLst/>
-                <a:latin typeface="+mn-lt"/>
-              </a:rPr>
-              <a:t>Early detection and prediction of diabetes are crucial for effective management and prevention of complications. This project aims to develop a predictive model to identify individuals at risk of developing diabetes based on various health indicators.</a:t>
-            </a:r>
-          </a:p>
-          <a:p>
-            <a:endParaRPr lang="en-GB" b="0" dirty="0">
-              <a:solidFill>
-                <a:srgbClr val="CCCCCC"/>
-              </a:solidFill>
-              <a:effectLst/>
-              <a:latin typeface="+mn-lt"/>
-            </a:endParaRPr>
-          </a:p>
-          <a:p>
-            <a:r>
-              <a:rPr lang="en-GB" b="0" dirty="0">
-                <a:solidFill>
-                  <a:srgbClr val="CCCCCC"/>
-                </a:solidFill>
-                <a:effectLst/>
-                <a:latin typeface="+mn-lt"/>
-              </a:rPr>
-              <a:t>The project aims to predict Type 2 diabetes risk using machine learning algorithms based on lifestyle and family background. By leveraging machine learning algorithms and techniques, we will analyse anonymous health records encompassing parameters such as BMI, age, blood pressure, dietary habits, etc. The project will employ feature selection methods and experiment with various algorithms, including Logistic Regression, Random Forest, Decision Tree, Support Vector Machines (SVM), K-Nearest </a:t>
-            </a:r>
-            <a:r>
-              <a:rPr lang="en-GB" b="0" dirty="0" err="1">
-                <a:solidFill>
-                  <a:srgbClr val="CCCCCC"/>
-                </a:solidFill>
-                <a:effectLst/>
-                <a:latin typeface="+mn-lt"/>
-              </a:rPr>
-              <a:t>Neighbors</a:t>
-            </a:r>
-            <a:r>
-              <a:rPr lang="en-GB" b="0" dirty="0">
-                <a:solidFill>
-                  <a:srgbClr val="CCCCCC"/>
-                </a:solidFill>
-                <a:effectLst/>
-                <a:latin typeface="+mn-lt"/>
-              </a:rPr>
-              <a:t> (KNN) and Neural Network, to build a robust and accurate predictive tool.</a:t>
-            </a:r>
-          </a:p>
-          <a:p>
-            <a:br>
-              <a:rPr lang="en-GB" b="0" dirty="0">
-                <a:solidFill>
-                  <a:srgbClr val="CCCCCC"/>
-                </a:solidFill>
-                <a:effectLst/>
-                <a:latin typeface="+mn-lt"/>
-              </a:rPr>
-            </a:br>
-            <a:r>
-              <a:rPr lang="en-GB" b="0" dirty="0">
-                <a:solidFill>
-                  <a:srgbClr val="CCCCCC"/>
-                </a:solidFill>
-                <a:effectLst/>
-                <a:latin typeface="+mn-lt"/>
-              </a:rPr>
-              <a:t>The ultimate goal is to gain insights into the significant factors contributing to the prediction of diabetes occurrence. Through early detection and intervention, the project aims to contribute to better management and prevention of diabetes, thus improving public health outcomes.</a:t>
-            </a:r>
-          </a:p>
-          <a:p>
-            <a:endParaRPr lang="en-US" dirty="0">
-              <a:latin typeface="+mn-lt"/>
-            </a:endParaRPr>
-          </a:p>
-          <a:p>
-            <a:endParaRPr lang="en-US" dirty="0">
-              <a:latin typeface="+mn-lt"/>
-            </a:endParaRPr>
+            <a:endParaRPr lang="en-US" dirty="0"/>
           </a:p>
         </p:txBody>
       </p:sp>
@@ -680,7 +578,7 @@
           <a:p>
             <a:fld id="{4D7E02E5-87D3-E448-947F-831956D1A2E7}" type="slidenum">
               <a:rPr lang="en-US" smtClean="0"/>
-              <a:t>2</a:t>
+              <a:t>1</a:t>
             </a:fld>
             <a:endParaRPr lang="en-US"/>
           </a:p>
@@ -689,7 +587,7 @@
     </p:spTree>
     <p:extLst>
       <p:ext uri="{BB962C8B-B14F-4D97-AF65-F5344CB8AC3E}">
-        <p14:creationId xmlns:p14="http://schemas.microsoft.com/office/powerpoint/2010/main" val="915690324"/>
+        <p14:creationId xmlns:p14="http://schemas.microsoft.com/office/powerpoint/2010/main" val="3344955821"/>
       </p:ext>
     </p:extLst>
   </p:cSld>
@@ -751,67 +649,7 @@
                 <a:effectLst/>
                 <a:latin typeface="+mn-lt"/>
               </a:rPr>
-              <a:t>The Kaggle </a:t>
-            </a:r>
-            <a:r>
-              <a:rPr lang="en-GB" b="0" dirty="0">
-                <a:solidFill>
-                  <a:srgbClr val="CE9178"/>
-                </a:solidFill>
-                <a:effectLst/>
-                <a:latin typeface="+mn-lt"/>
-              </a:rPr>
-              <a:t>dataset</a:t>
-            </a:r>
-            <a:r>
-              <a:rPr lang="en-GB" b="0" dirty="0">
-                <a:solidFill>
-                  <a:srgbClr val="CCCCCC"/>
-                </a:solidFill>
-                <a:effectLst/>
-                <a:latin typeface="+mn-lt"/>
-              </a:rPr>
-              <a:t> utilised in this project was curated by researchers from the Department of Computer Science and Engineering at Birla Institute of Technology in India, for research purposes only and is not intended for commercial use. An </a:t>
-            </a:r>
-            <a:r>
-              <a:rPr lang="en-GB" b="0" dirty="0">
-                <a:solidFill>
-                  <a:srgbClr val="CE9178"/>
-                </a:solidFill>
-                <a:effectLst/>
-                <a:latin typeface="+mn-lt"/>
-              </a:rPr>
-              <a:t>article</a:t>
-            </a:r>
-            <a:r>
-              <a:rPr lang="en-GB" b="0" dirty="0">
-                <a:solidFill>
-                  <a:srgbClr val="CCCCCC"/>
-                </a:solidFill>
-                <a:effectLst/>
-                <a:latin typeface="+mn-lt"/>
-              </a:rPr>
-              <a:t> detailing the implementation of this dataset was published on </a:t>
-            </a:r>
-            <a:r>
-              <a:rPr lang="en-GB" b="0" dirty="0">
-                <a:solidFill>
-                  <a:srgbClr val="CE9178"/>
-                </a:solidFill>
-                <a:effectLst/>
-                <a:latin typeface="+mn-lt"/>
-              </a:rPr>
-              <a:t>ScienceDirect,</a:t>
-            </a:r>
-            <a:r>
-              <a:rPr lang="en-GB" b="0" dirty="0">
-                <a:solidFill>
-                  <a:srgbClr val="CCCCCC"/>
-                </a:solidFill>
-                <a:effectLst/>
-                <a:latin typeface="+mn-lt"/>
-              </a:rPr>
-              <a:t> providing further information.</a:t>
+              <a:t>Diabetes is a prevalent chronic disease that affects millions of people worldwide. According to the International Diabetes Federation, approximately 537 million adults (20-79 years) are living with diabetes. Around 90% of diabetes cases are Type 2, influenced by factors like economy, age, environment, and lifestyles. </a:t>
             </a:r>
           </a:p>
           <a:p>
@@ -824,230 +662,18 @@
             </a:endParaRPr>
           </a:p>
           <a:p>
-            <a:pPr algn="l"/>
-            <a:r>
-              <a:rPr lang="en-GB" b="1" i="0" dirty="0">
+            <a:r>
+              <a:rPr lang="en-GB" b="0" dirty="0">
                 <a:solidFill>
                   <a:srgbClr val="CCCCCC"/>
                 </a:solidFill>
                 <a:effectLst/>
                 <a:latin typeface="+mn-lt"/>
               </a:rPr>
-              <a:t>Data Cleaning and Pre-Processing:</a:t>
-            </a:r>
-            <a:br>
-              <a:rPr lang="en-GB" b="1" i="0" dirty="0">
-                <a:solidFill>
-                  <a:srgbClr val="CCCCCC"/>
-                </a:solidFill>
-                <a:effectLst/>
-                <a:latin typeface="+mn-lt"/>
-              </a:rPr>
-            </a:br>
-            <a:r>
-              <a:rPr lang="en-GB" b="1" i="0" dirty="0">
-                <a:solidFill>
-                  <a:srgbClr val="CCCCCC"/>
-                </a:solidFill>
-                <a:effectLst/>
-                <a:latin typeface="+mn-lt"/>
-              </a:rPr>
-              <a:t>- Parameter were renamed for consistency and accuracy.</a:t>
-            </a:r>
-          </a:p>
-          <a:p>
-            <a:pPr algn="l"/>
-            <a:r>
-              <a:rPr lang="en-GB" b="0" i="0" dirty="0">
-                <a:solidFill>
-                  <a:srgbClr val="CCCCCC"/>
-                </a:solidFill>
-                <a:effectLst/>
-                <a:latin typeface="+mn-lt"/>
-              </a:rPr>
-              <a:t>- </a:t>
-            </a:r>
-            <a:r>
-              <a:rPr lang="en-GB" b="1" i="0" dirty="0">
-                <a:solidFill>
-                  <a:srgbClr val="CCCCCC"/>
-                </a:solidFill>
-                <a:effectLst/>
-                <a:latin typeface="+mn-lt"/>
-              </a:rPr>
-              <a:t>Redundant Columns like </a:t>
-            </a:r>
-            <a:r>
-              <a:rPr lang="en-GB" b="0" i="0" dirty="0" err="1">
-                <a:solidFill>
-                  <a:srgbClr val="CCCCCC"/>
-                </a:solidFill>
-                <a:effectLst/>
-                <a:latin typeface="+mn-lt"/>
-              </a:rPr>
-              <a:t>highBP</a:t>
-            </a:r>
-            <a:r>
-              <a:rPr lang="en-GB" b="0" i="0" dirty="0">
-                <a:solidFill>
-                  <a:srgbClr val="CCCCCC"/>
-                </a:solidFill>
-                <a:effectLst/>
-                <a:latin typeface="+mn-lt"/>
-              </a:rPr>
-              <a:t> was dropped. This reduces the possibility of conflicting information.</a:t>
-            </a:r>
-          </a:p>
-          <a:p>
-            <a:pPr algn="l"/>
-            <a:r>
-              <a:rPr lang="en-GB" b="0" i="0" dirty="0">
-                <a:solidFill>
-                  <a:srgbClr val="CCCCCC"/>
-                </a:solidFill>
-                <a:effectLst/>
-                <a:latin typeface="+mn-lt"/>
-              </a:rPr>
-              <a:t>- </a:t>
-            </a:r>
-            <a:r>
-              <a:rPr lang="en-GB" b="1" i="0" dirty="0">
-                <a:solidFill>
-                  <a:srgbClr val="CCCCCC"/>
-                </a:solidFill>
-                <a:effectLst/>
-                <a:latin typeface="+mn-lt"/>
-              </a:rPr>
-              <a:t>Missing Value: </a:t>
-            </a:r>
-            <a:r>
-              <a:rPr lang="en-GB" b="0" i="0" dirty="0">
-                <a:solidFill>
-                  <a:srgbClr val="CCCCCC"/>
-                </a:solidFill>
-                <a:effectLst/>
-                <a:latin typeface="+mn-lt"/>
-              </a:rPr>
-              <a:t>Rows containing missing values were removed entirely to avoid corruption by incomplete data.</a:t>
-            </a:r>
-          </a:p>
-          <a:p>
-            <a:pPr algn="l"/>
-            <a:r>
-              <a:rPr lang="en-GB" b="1" i="0" dirty="0">
-                <a:solidFill>
-                  <a:srgbClr val="CCCCCC"/>
-                </a:solidFill>
-                <a:effectLst/>
-                <a:latin typeface="+mn-lt"/>
-              </a:rPr>
-              <a:t>- Categorical Parameters were converted to numerical values. </a:t>
-            </a:r>
-            <a:r>
-              <a:rPr lang="en-GB" b="0" i="0" dirty="0">
-                <a:solidFill>
-                  <a:srgbClr val="CCCCCC"/>
-                </a:solidFill>
-                <a:effectLst/>
-                <a:latin typeface="+mn-lt"/>
-              </a:rPr>
-              <a:t>This conversion allows parameters to be used in machine learning algorithms that require numerical features.</a:t>
-            </a:r>
-          </a:p>
-          <a:p>
-            <a:pPr algn="l"/>
-            <a:endParaRPr lang="en-GB" b="0" i="0" dirty="0">
-              <a:solidFill>
-                <a:srgbClr val="CCCCCC"/>
-              </a:solidFill>
-              <a:effectLst/>
-              <a:latin typeface="+mn-lt"/>
-            </a:endParaRPr>
-          </a:p>
-          <a:p>
-            <a:pPr algn="l"/>
-            <a:r>
-              <a:rPr lang="en-GB" b="1" i="0" dirty="0">
-                <a:solidFill>
-                  <a:srgbClr val="CCCCCC"/>
-                </a:solidFill>
-                <a:effectLst/>
-                <a:latin typeface="+mn-lt"/>
-              </a:rPr>
-              <a:t>Data Splitting:</a:t>
-            </a:r>
-            <a:endParaRPr lang="en-GB" b="0" i="0" dirty="0">
-              <a:solidFill>
-                <a:srgbClr val="CCCCCC"/>
-              </a:solidFill>
-              <a:effectLst/>
-              <a:latin typeface="+mn-lt"/>
-            </a:endParaRPr>
-          </a:p>
-          <a:p>
-            <a:pPr algn="l">
-              <a:buFont typeface="Arial" panose="020B0604020202020204" pitchFamily="34" charset="0"/>
-              <a:buChar char="•"/>
-            </a:pPr>
-            <a:r>
-              <a:rPr lang="en-GB" b="0" i="0" dirty="0">
-                <a:solidFill>
-                  <a:srgbClr val="CCCCCC"/>
-                </a:solidFill>
-                <a:effectLst/>
-                <a:latin typeface="+mn-lt"/>
-              </a:rPr>
-              <a:t>Defined the target Diabetic and feature parameters and split the data into subsets ready for the training and testing of models.</a:t>
-            </a:r>
-          </a:p>
-          <a:p>
-            <a:pPr algn="l">
-              <a:buFont typeface="Arial" panose="020B0604020202020204" pitchFamily="34" charset="0"/>
-              <a:buChar char="•"/>
-            </a:pPr>
-            <a:endParaRPr lang="en-GB" b="0" i="0" dirty="0">
-              <a:solidFill>
-                <a:srgbClr val="CCCCCC"/>
-              </a:solidFill>
-              <a:effectLst/>
-              <a:latin typeface="+mn-lt"/>
-            </a:endParaRPr>
-          </a:p>
-          <a:p>
-            <a:pPr algn="l"/>
-            <a:r>
-              <a:rPr lang="en-GB" b="1" i="0" dirty="0">
-                <a:solidFill>
-                  <a:srgbClr val="CCCCCC"/>
-                </a:solidFill>
-                <a:effectLst/>
-                <a:latin typeface="+mn-lt"/>
-              </a:rPr>
-              <a:t>Feature scaling:</a:t>
-            </a:r>
-            <a:endParaRPr lang="en-GB" b="0" i="0" dirty="0">
-              <a:solidFill>
-                <a:srgbClr val="CCCCCC"/>
-              </a:solidFill>
-              <a:effectLst/>
-              <a:latin typeface="+mn-lt"/>
-            </a:endParaRPr>
-          </a:p>
-          <a:p>
-            <a:pPr algn="l">
-              <a:buFont typeface="Arial" panose="020B0604020202020204" pitchFamily="34" charset="0"/>
-              <a:buChar char="•"/>
-            </a:pPr>
-            <a:r>
-              <a:rPr lang="en-GB" b="0" i="0" dirty="0">
-                <a:solidFill>
-                  <a:srgbClr val="CCCCCC"/>
-                </a:solidFill>
-                <a:effectLst/>
-                <a:latin typeface="+mn-lt"/>
-              </a:rPr>
-              <a:t>Standardised numerical features using Z-score normalisation.</a:t>
-            </a:r>
+              <a:t>Early detection and prediction of diabetes are crucial for effective management and prevention of complications. This project aims to develop a predictive model to identify individuals at risk of developing diabetes based on various health indicators.</a:t>
+            </a:r>
+          </a:p>
+          <a:p>
             <a:endParaRPr lang="en-GB" b="0" dirty="0">
               <a:solidFill>
                 <a:srgbClr val="CCCCCC"/>
@@ -1057,6 +683,64 @@
             </a:endParaRPr>
           </a:p>
           <a:p>
+            <a:r>
+              <a:rPr lang="en-GB" b="0" dirty="0">
+                <a:solidFill>
+                  <a:srgbClr val="CCCCCC"/>
+                </a:solidFill>
+                <a:effectLst/>
+                <a:latin typeface="+mn-lt"/>
+              </a:rPr>
+              <a:t>The project aims to predict Type 2 diabetes risk using machine learning algorithms based on lifestyle and family background. By leveraging machine learning algorithms and techniques, we will analyse anonymous health records encompassing parameters such as BMI, age, blood pressure, dietary habits, etc. The project will employ feature selection methods and experiment with various algorithms, including Logistic Regression, Random Forest, Decision Tree, Support Vector Machines (SVM), K-Nearest </a:t>
+            </a:r>
+            <a:r>
+              <a:rPr lang="en-GB" b="0" dirty="0" err="1">
+                <a:solidFill>
+                  <a:srgbClr val="CCCCCC"/>
+                </a:solidFill>
+                <a:effectLst/>
+                <a:latin typeface="+mn-lt"/>
+              </a:rPr>
+              <a:t>Neighbors</a:t>
+            </a:r>
+            <a:r>
+              <a:rPr lang="en-GB" b="0" dirty="0">
+                <a:solidFill>
+                  <a:srgbClr val="CCCCCC"/>
+                </a:solidFill>
+                <a:effectLst/>
+                <a:latin typeface="+mn-lt"/>
+              </a:rPr>
+              <a:t> (KNN) and Neural Network, to build a robust and accurate predictive tool.</a:t>
+            </a:r>
+          </a:p>
+          <a:p>
+            <a:br>
+              <a:rPr lang="en-GB" b="0" dirty="0">
+                <a:solidFill>
+                  <a:srgbClr val="CCCCCC"/>
+                </a:solidFill>
+                <a:effectLst/>
+                <a:latin typeface="+mn-lt"/>
+              </a:rPr>
+            </a:br>
+            <a:r>
+              <a:rPr lang="en-GB" b="0" dirty="0">
+                <a:solidFill>
+                  <a:srgbClr val="CCCCCC"/>
+                </a:solidFill>
+                <a:effectLst/>
+                <a:latin typeface="+mn-lt"/>
+              </a:rPr>
+              <a:t>The ultimate goal is to gain insights into the significant factors contributing to the prediction of diabetes occurrence. Through early detection and intervention, the project aims to contribute to better management and prevention of diabetes, thus improving public health outcomes.</a:t>
+            </a:r>
+          </a:p>
+          <a:p>
+            <a:endParaRPr lang="en-US" dirty="0">
+              <a:latin typeface="+mn-lt"/>
+            </a:endParaRPr>
+          </a:p>
+          <a:p>
             <a:endParaRPr lang="en-US" dirty="0">
               <a:latin typeface="+mn-lt"/>
             </a:endParaRPr>
@@ -1080,7 +764,7 @@
           <a:p>
             <a:fld id="{4D7E02E5-87D3-E448-947F-831956D1A2E7}" type="slidenum">
               <a:rPr lang="en-US" smtClean="0"/>
-              <a:t>3</a:t>
+              <a:t>2</a:t>
             </a:fld>
             <a:endParaRPr lang="en-US"/>
           </a:p>
@@ -1089,7 +773,7 @@
     </p:spTree>
     <p:extLst>
       <p:ext uri="{BB962C8B-B14F-4D97-AF65-F5344CB8AC3E}">
-        <p14:creationId xmlns:p14="http://schemas.microsoft.com/office/powerpoint/2010/main" val="1873853049"/>
+        <p14:creationId xmlns:p14="http://schemas.microsoft.com/office/powerpoint/2010/main" val="915690324"/>
       </p:ext>
     </p:extLst>
   </p:cSld>
@@ -1144,15 +828,77 @@
           <a:lstStyle/>
           <a:p>
             <a:r>
-              <a:rPr lang="en-GB" b="1" dirty="0">
-                <a:solidFill>
-                  <a:srgbClr val="569CD6"/>
+              <a:rPr lang="en-GB" b="0" dirty="0">
+                <a:solidFill>
+                  <a:srgbClr val="CCCCCC"/>
                 </a:solidFill>
                 <a:effectLst/>
                 <a:latin typeface="+mn-lt"/>
               </a:rPr>
-              <a:t>Model Building:</a:t>
-            </a:r>
+              <a:t>The Kaggle </a:t>
+            </a:r>
+            <a:r>
+              <a:rPr lang="en-GB" b="0" dirty="0">
+                <a:solidFill>
+                  <a:srgbClr val="CE9178"/>
+                </a:solidFill>
+                <a:effectLst/>
+                <a:latin typeface="+mn-lt"/>
+              </a:rPr>
+              <a:t>dataset</a:t>
+            </a:r>
+            <a:r>
+              <a:rPr lang="en-GB" b="0" dirty="0">
+                <a:solidFill>
+                  <a:srgbClr val="CCCCCC"/>
+                </a:solidFill>
+                <a:effectLst/>
+                <a:latin typeface="+mn-lt"/>
+              </a:rPr>
+              <a:t> utilised in this project was curated by researchers from the Department of Computer Science and Engineering at Birla Institute of Technology in India, for research purposes only and is not intended for commercial use. An </a:t>
+            </a:r>
+            <a:r>
+              <a:rPr lang="en-GB" b="0" dirty="0">
+                <a:solidFill>
+                  <a:srgbClr val="CE9178"/>
+                </a:solidFill>
+                <a:effectLst/>
+                <a:latin typeface="+mn-lt"/>
+              </a:rPr>
+              <a:t>article</a:t>
+            </a:r>
+            <a:r>
+              <a:rPr lang="en-GB" b="0" dirty="0">
+                <a:solidFill>
+                  <a:srgbClr val="CCCCCC"/>
+                </a:solidFill>
+                <a:effectLst/>
+                <a:latin typeface="+mn-lt"/>
+              </a:rPr>
+              <a:t> detailing the implementation of this dataset was published on </a:t>
+            </a:r>
+            <a:r>
+              <a:rPr lang="en-GB" b="0" dirty="0">
+                <a:solidFill>
+                  <a:srgbClr val="CE9178"/>
+                </a:solidFill>
+                <a:effectLst/>
+                <a:latin typeface="+mn-lt"/>
+              </a:rPr>
+              <a:t>ScienceDirect,</a:t>
+            </a:r>
+            <a:r>
+              <a:rPr lang="en-GB" b="0" dirty="0">
+                <a:solidFill>
+                  <a:srgbClr val="CCCCCC"/>
+                </a:solidFill>
+                <a:effectLst/>
+                <a:latin typeface="+mn-lt"/>
+              </a:rPr>
+              <a:t> providing further information.</a:t>
+            </a:r>
+          </a:p>
+          <a:p>
             <a:endParaRPr lang="en-GB" b="0" dirty="0">
               <a:solidFill>
                 <a:srgbClr val="CCCCCC"/>
@@ -1162,308 +908,229 @@
             </a:endParaRPr>
           </a:p>
           <a:p>
-            <a:r>
-              <a:rPr lang="en-GB" b="0" dirty="0">
-                <a:solidFill>
-                  <a:srgbClr val="6796E6"/>
+            <a:pPr algn="l"/>
+            <a:r>
+              <a:rPr lang="en-GB" b="1" i="0" dirty="0">
+                <a:solidFill>
+                  <a:srgbClr val="CCCCCC"/>
                 </a:solidFill>
                 <a:effectLst/>
                 <a:latin typeface="+mn-lt"/>
               </a:rPr>
-              <a:t>-</a:t>
-            </a:r>
-            <a:r>
-              <a:rPr lang="en-GB" b="0" dirty="0">
+              <a:t>Data Cleaning and Pre-Processing:</a:t>
+            </a:r>
+            <a:br>
+              <a:rPr lang="en-GB" b="1" i="0" dirty="0">
                 <a:solidFill>
                   <a:srgbClr val="CCCCCC"/>
                 </a:solidFill>
                 <a:effectLst/>
                 <a:latin typeface="+mn-lt"/>
               </a:rPr>
-              <a:t> </a:t>
-            </a:r>
-            <a:r>
-              <a:rPr lang="en-GB" b="1" dirty="0">
-                <a:solidFill>
-                  <a:srgbClr val="569CD6"/>
+            </a:br>
+            <a:r>
+              <a:rPr lang="en-GB" b="1" i="0" dirty="0">
+                <a:solidFill>
+                  <a:srgbClr val="CCCCCC"/>
                 </a:solidFill>
                 <a:effectLst/>
                 <a:latin typeface="+mn-lt"/>
               </a:rPr>
-              <a:t>Logistic Regression: </a:t>
-            </a:r>
-            <a:r>
-              <a:rPr lang="en-GB" b="0" dirty="0">
+              <a:t>- Parameter were renamed for consistency and accuracy.</a:t>
+            </a:r>
+          </a:p>
+          <a:p>
+            <a:pPr algn="l"/>
+            <a:r>
+              <a:rPr lang="en-GB" b="0" i="0" dirty="0">
                 <a:solidFill>
                   <a:srgbClr val="CCCCCC"/>
                 </a:solidFill>
                 <a:effectLst/>
                 <a:latin typeface="+mn-lt"/>
               </a:rPr>
-              <a:t>Trained a logistic regression model as a baseline model.</a:t>
-            </a:r>
-          </a:p>
-          <a:p>
-            <a:r>
-              <a:rPr lang="en-GB" b="0" dirty="0">
-                <a:solidFill>
-                  <a:srgbClr val="6796E6"/>
+              <a:t>- </a:t>
+            </a:r>
+            <a:r>
+              <a:rPr lang="en-GB" b="1" i="0" dirty="0">
+                <a:solidFill>
+                  <a:srgbClr val="CCCCCC"/>
                 </a:solidFill>
                 <a:effectLst/>
                 <a:latin typeface="+mn-lt"/>
               </a:rPr>
-              <a:t>-</a:t>
-            </a:r>
-            <a:r>
-              <a:rPr lang="en-GB" b="0" dirty="0">
+              <a:t>Redundant Columns like </a:t>
+            </a:r>
+            <a:r>
+              <a:rPr lang="en-GB" b="0" i="0" dirty="0" err="1">
                 <a:solidFill>
                   <a:srgbClr val="CCCCCC"/>
                 </a:solidFill>
                 <a:effectLst/>
                 <a:latin typeface="+mn-lt"/>
               </a:rPr>
-              <a:t> </a:t>
-            </a:r>
-            <a:r>
-              <a:rPr lang="en-GB" b="1" dirty="0">
-                <a:solidFill>
-                  <a:srgbClr val="569CD6"/>
+              <a:t>highBP</a:t>
+            </a:r>
+            <a:r>
+              <a:rPr lang="en-GB" b="0" i="0" dirty="0">
+                <a:solidFill>
+                  <a:srgbClr val="CCCCCC"/>
                 </a:solidFill>
                 <a:effectLst/>
                 <a:latin typeface="+mn-lt"/>
               </a:rPr>
-              <a:t>Random Forest:</a:t>
-            </a:r>
-            <a:r>
-              <a:rPr lang="en-GB" b="0" dirty="0">
+              <a:t> was dropped. This reduces the possibility of conflicting information.</a:t>
+            </a:r>
+          </a:p>
+          <a:p>
+            <a:pPr algn="l"/>
+            <a:r>
+              <a:rPr lang="en-GB" b="0" i="0" dirty="0">
                 <a:solidFill>
                   <a:srgbClr val="CCCCCC"/>
                 </a:solidFill>
                 <a:effectLst/>
                 <a:latin typeface="+mn-lt"/>
               </a:rPr>
-              <a:t> Implemented a random forest classifier to capture non-linear relationships between features.</a:t>
-            </a:r>
-          </a:p>
-          <a:p>
-            <a:r>
-              <a:rPr lang="en-GB" b="0" dirty="0">
-                <a:solidFill>
-                  <a:srgbClr val="6796E6"/>
+              <a:t>- </a:t>
+            </a:r>
+            <a:r>
+              <a:rPr lang="en-GB" b="1" i="0" dirty="0">
+                <a:solidFill>
+                  <a:srgbClr val="CCCCCC"/>
                 </a:solidFill>
                 <a:effectLst/>
                 <a:latin typeface="+mn-lt"/>
               </a:rPr>
-              <a:t>-</a:t>
-            </a:r>
-            <a:r>
-              <a:rPr lang="en-GB" b="0" dirty="0">
+              <a:t>Missing Value: </a:t>
+            </a:r>
+            <a:r>
+              <a:rPr lang="en-GB" b="0" i="0" dirty="0">
                 <a:solidFill>
                   <a:srgbClr val="CCCCCC"/>
                 </a:solidFill>
                 <a:effectLst/>
                 <a:latin typeface="+mn-lt"/>
               </a:rPr>
-              <a:t> </a:t>
-            </a:r>
-            <a:r>
-              <a:rPr lang="en-GB" b="1" dirty="0">
-                <a:solidFill>
-                  <a:srgbClr val="569CD6"/>
+              <a:t>Rows containing missing values were removed entirely to avoid corruption by incomplete data.</a:t>
+            </a:r>
+          </a:p>
+          <a:p>
+            <a:pPr algn="l"/>
+            <a:r>
+              <a:rPr lang="en-GB" b="1" i="0" dirty="0">
+                <a:solidFill>
+                  <a:srgbClr val="CCCCCC"/>
                 </a:solidFill>
                 <a:effectLst/>
                 <a:latin typeface="+mn-lt"/>
               </a:rPr>
-              <a:t>Decision Tree:</a:t>
-            </a:r>
-            <a:r>
-              <a:rPr lang="en-GB" b="0" dirty="0">
+              <a:t>- Categorical Parameters were converted to numerical values. </a:t>
+            </a:r>
+            <a:r>
+              <a:rPr lang="en-GB" b="0" i="0" dirty="0">
                 <a:solidFill>
                   <a:srgbClr val="CCCCCC"/>
                 </a:solidFill>
                 <a:effectLst/>
                 <a:latin typeface="+mn-lt"/>
               </a:rPr>
-              <a:t> Built a decision tree classifier to understand the decision-making process.</a:t>
-            </a:r>
-          </a:p>
-          <a:p>
-            <a:r>
-              <a:rPr lang="en-GB" b="0" dirty="0">
-                <a:solidFill>
-                  <a:srgbClr val="6796E6"/>
-                </a:solidFill>
-                <a:effectLst/>
-                <a:latin typeface="+mn-lt"/>
-              </a:rPr>
-              <a:t>-</a:t>
-            </a:r>
-            <a:r>
-              <a:rPr lang="en-GB" b="0" dirty="0">
-                <a:solidFill>
-                  <a:srgbClr val="CCCCCC"/>
-                </a:solidFill>
-                <a:effectLst/>
-                <a:latin typeface="+mn-lt"/>
-              </a:rPr>
-              <a:t> </a:t>
-            </a:r>
-            <a:r>
-              <a:rPr lang="en-GB" b="1" dirty="0">
-                <a:solidFill>
-                  <a:srgbClr val="569CD6"/>
-                </a:solidFill>
-                <a:effectLst/>
-                <a:latin typeface="+mn-lt"/>
-              </a:rPr>
-              <a:t>Support Vector Machine (SVM):</a:t>
-            </a:r>
-            <a:r>
-              <a:rPr lang="en-GB" b="0" dirty="0">
-                <a:solidFill>
-                  <a:srgbClr val="CCCCCC"/>
-                </a:solidFill>
-                <a:effectLst/>
-                <a:latin typeface="+mn-lt"/>
-              </a:rPr>
-              <a:t> Employed SVM with different kernels (linear, polynomial, and radial basis function) to find the best separating hyperplane. In this project, a linear kernel was selected due to its computational efficiency, which is advantageous for large datasets.</a:t>
-            </a:r>
-          </a:p>
-          <a:p>
-            <a:r>
-              <a:rPr lang="en-GB" b="0" dirty="0">
-                <a:solidFill>
-                  <a:srgbClr val="6796E6"/>
-                </a:solidFill>
-                <a:effectLst/>
-                <a:latin typeface="+mn-lt"/>
-              </a:rPr>
-              <a:t>-</a:t>
-            </a:r>
-            <a:r>
-              <a:rPr lang="en-GB" b="0" dirty="0">
-                <a:solidFill>
-                  <a:srgbClr val="CCCCCC"/>
-                </a:solidFill>
-                <a:effectLst/>
-                <a:latin typeface="+mn-lt"/>
-              </a:rPr>
-              <a:t> </a:t>
-            </a:r>
-            <a:r>
-              <a:rPr lang="en-GB" b="1" dirty="0">
-                <a:solidFill>
-                  <a:srgbClr val="569CD6"/>
-                </a:solidFill>
-                <a:effectLst/>
-                <a:latin typeface="+mn-lt"/>
-              </a:rPr>
-              <a:t>K-Nearest </a:t>
-            </a:r>
-            <a:r>
-              <a:rPr lang="en-GB" b="1" dirty="0" err="1">
-                <a:solidFill>
-                  <a:srgbClr val="569CD6"/>
-                </a:solidFill>
-                <a:effectLst/>
-                <a:latin typeface="+mn-lt"/>
-              </a:rPr>
-              <a:t>Neighbors</a:t>
-            </a:r>
-            <a:r>
-              <a:rPr lang="en-GB" b="1" dirty="0">
-                <a:solidFill>
-                  <a:srgbClr val="569CD6"/>
-                </a:solidFill>
-                <a:effectLst/>
-                <a:latin typeface="+mn-lt"/>
-              </a:rPr>
-              <a:t> (KNN):</a:t>
-            </a:r>
-            <a:r>
-              <a:rPr lang="en-GB" b="0" dirty="0">
-                <a:solidFill>
-                  <a:srgbClr val="CCCCCC"/>
-                </a:solidFill>
-                <a:effectLst/>
-                <a:latin typeface="+mn-lt"/>
-              </a:rPr>
-              <a:t> Implemented KNN to classify data points based on the majority class of their nearest neighbours.</a:t>
-            </a:r>
-          </a:p>
-          <a:p>
-            <a:r>
-              <a:rPr lang="en-GB" b="0" dirty="0">
-                <a:solidFill>
-                  <a:srgbClr val="6796E6"/>
-                </a:solidFill>
-                <a:effectLst/>
-                <a:latin typeface="+mn-lt"/>
-              </a:rPr>
-              <a:t>-</a:t>
-            </a:r>
-            <a:r>
-              <a:rPr lang="en-GB" b="0" dirty="0">
-                <a:solidFill>
-                  <a:srgbClr val="CCCCCC"/>
-                </a:solidFill>
-                <a:effectLst/>
-                <a:latin typeface="+mn-lt"/>
-              </a:rPr>
-              <a:t> </a:t>
-            </a:r>
-            <a:r>
-              <a:rPr lang="en-GB" b="1" dirty="0">
-                <a:solidFill>
-                  <a:srgbClr val="569CD6"/>
-                </a:solidFill>
-                <a:effectLst/>
-                <a:latin typeface="+mn-lt"/>
-              </a:rPr>
-              <a:t>Neural Network:</a:t>
-            </a:r>
-            <a:r>
-              <a:rPr lang="en-GB" b="0" dirty="0">
-                <a:solidFill>
-                  <a:srgbClr val="CCCCCC"/>
-                </a:solidFill>
-                <a:effectLst/>
-                <a:latin typeface="+mn-lt"/>
-              </a:rPr>
-              <a:t> Constructed a Neural Network with multiple hidden layers using TensorFlow.</a:t>
-            </a:r>
-          </a:p>
-          <a:p>
-            <a:endParaRPr lang="en-GB" b="1" dirty="0">
+              <a:t>This conversion allows parameters to be used in machine learning algorithms that require numerical features.</a:t>
+            </a:r>
+          </a:p>
+          <a:p>
+            <a:pPr algn="l"/>
+            <a:endParaRPr lang="en-GB" b="0" i="0" dirty="0">
               <a:solidFill>
-                <a:srgbClr val="569CD6"/>
+                <a:srgbClr val="CCCCCC"/>
               </a:solidFill>
               <a:effectLst/>
               <a:latin typeface="+mn-lt"/>
             </a:endParaRPr>
           </a:p>
           <a:p>
-            <a:r>
-              <a:rPr lang="en-GB" b="1" dirty="0">
-                <a:solidFill>
-                  <a:srgbClr val="569CD6"/>
+            <a:pPr algn="l"/>
+            <a:r>
+              <a:rPr lang="en-GB" b="1" i="0" dirty="0">
+                <a:solidFill>
+                  <a:srgbClr val="CCCCCC"/>
                 </a:solidFill>
                 <a:effectLst/>
                 <a:latin typeface="+mn-lt"/>
               </a:rPr>
-              <a:t>Tuning and Optimisation:</a:t>
-            </a:r>
-          </a:p>
-          <a:p>
-            <a:r>
-              <a:rPr lang="en-GB" b="1" dirty="0">
-                <a:solidFill>
-                  <a:srgbClr val="569CD6"/>
+              <a:t>Data Splitting:</a:t>
+            </a:r>
+            <a:endParaRPr lang="en-GB" b="0" i="0" dirty="0">
+              <a:solidFill>
+                <a:srgbClr val="CCCCCC"/>
+              </a:solidFill>
+              <a:effectLst/>
+              <a:latin typeface="+mn-lt"/>
+            </a:endParaRPr>
+          </a:p>
+          <a:p>
+            <a:pPr algn="l">
+              <a:buFont typeface="Arial" panose="020B0604020202020204" pitchFamily="34" charset="0"/>
+              <a:buChar char="•"/>
+            </a:pPr>
+            <a:r>
+              <a:rPr lang="en-GB" b="0" i="0" dirty="0">
+                <a:solidFill>
+                  <a:srgbClr val="CCCCCC"/>
                 </a:solidFill>
                 <a:effectLst/>
                 <a:latin typeface="+mn-lt"/>
               </a:rPr>
-              <a:t>Hyperparameter Tuning:</a:t>
+              <a:t>Defined the target Diabetic and feature parameters and split the data into subsets ready for the training and testing of models.</a:t>
+            </a:r>
+          </a:p>
+          <a:p>
+            <a:pPr algn="l">
+              <a:buFont typeface="Arial" panose="020B0604020202020204" pitchFamily="34" charset="0"/>
+              <a:buChar char="•"/>
+            </a:pPr>
+            <a:endParaRPr lang="en-GB" b="0" i="0" dirty="0">
+              <a:solidFill>
+                <a:srgbClr val="CCCCCC"/>
+              </a:solidFill>
+              <a:effectLst/>
+              <a:latin typeface="+mn-lt"/>
+            </a:endParaRPr>
+          </a:p>
+          <a:p>
+            <a:pPr algn="l"/>
+            <a:r>
+              <a:rPr lang="en-GB" b="1" i="0" dirty="0">
+                <a:solidFill>
+                  <a:srgbClr val="CCCCCC"/>
+                </a:solidFill>
+                <a:effectLst/>
+                <a:latin typeface="+mn-lt"/>
+              </a:rPr>
+              <a:t>Feature scaling:</a:t>
+            </a:r>
+            <a:endParaRPr lang="en-GB" b="0" i="0" dirty="0">
+              <a:solidFill>
+                <a:srgbClr val="CCCCCC"/>
+              </a:solidFill>
+              <a:effectLst/>
+              <a:latin typeface="+mn-lt"/>
+            </a:endParaRPr>
+          </a:p>
+          <a:p>
+            <a:pPr algn="l">
+              <a:buFont typeface="Arial" panose="020B0604020202020204" pitchFamily="34" charset="0"/>
+              <a:buChar char="•"/>
+            </a:pPr>
+            <a:r>
+              <a:rPr lang="en-GB" b="0" i="0" dirty="0">
+                <a:solidFill>
+                  <a:srgbClr val="CCCCCC"/>
+                </a:solidFill>
+                <a:effectLst/>
+                <a:latin typeface="+mn-lt"/>
+              </a:rPr>
+              <a:t>Standardised numerical features using Z-score normalisation.</a:t>
             </a:r>
             <a:endParaRPr lang="en-GB" b="0" dirty="0">
               <a:solidFill>
@@ -1474,119 +1141,6 @@
             </a:endParaRPr>
           </a:p>
           <a:p>
-            <a:r>
-              <a:rPr lang="en-GB" b="0" dirty="0">
-                <a:solidFill>
-                  <a:srgbClr val="6796E6"/>
-                </a:solidFill>
-                <a:effectLst/>
-                <a:latin typeface="+mn-lt"/>
-              </a:rPr>
-              <a:t>-</a:t>
-            </a:r>
-            <a:r>
-              <a:rPr lang="en-GB" b="0" dirty="0">
-                <a:solidFill>
-                  <a:srgbClr val="CCCCCC"/>
-                </a:solidFill>
-                <a:effectLst/>
-                <a:latin typeface="+mn-lt"/>
-              </a:rPr>
-              <a:t> Utilised </a:t>
-            </a:r>
-            <a:r>
-              <a:rPr lang="en-GB" b="1" dirty="0" err="1">
-                <a:solidFill>
-                  <a:srgbClr val="569CD6"/>
-                </a:solidFill>
-                <a:effectLst/>
-                <a:latin typeface="+mn-lt"/>
-              </a:rPr>
-              <a:t>GridSearchCV</a:t>
-            </a:r>
-            <a:r>
-              <a:rPr lang="en-GB" b="0" dirty="0">
-                <a:solidFill>
-                  <a:srgbClr val="CCCCCC"/>
-                </a:solidFill>
-                <a:effectLst/>
-                <a:latin typeface="+mn-lt"/>
-              </a:rPr>
-              <a:t> to tune hyperparameters for Logistic Regression, Random Forest, Decision Tree, SVM and KNN.</a:t>
-            </a:r>
-          </a:p>
-          <a:p>
-            <a:r>
-              <a:rPr lang="en-GB" b="1" dirty="0">
-                <a:solidFill>
-                  <a:srgbClr val="569CD6"/>
-                </a:solidFill>
-                <a:effectLst/>
-                <a:latin typeface="+mn-lt"/>
-              </a:rPr>
-              <a:t>Neural Network Optimisation:</a:t>
-            </a:r>
-            <a:endParaRPr lang="en-GB" b="0" dirty="0">
-              <a:solidFill>
-                <a:srgbClr val="CCCCCC"/>
-              </a:solidFill>
-              <a:effectLst/>
-              <a:latin typeface="+mn-lt"/>
-            </a:endParaRPr>
-          </a:p>
-          <a:p>
-            <a:r>
-              <a:rPr lang="en-GB" b="0" dirty="0">
-                <a:solidFill>
-                  <a:srgbClr val="6796E6"/>
-                </a:solidFill>
-                <a:effectLst/>
-                <a:latin typeface="+mn-lt"/>
-              </a:rPr>
-              <a:t>-</a:t>
-            </a:r>
-            <a:r>
-              <a:rPr lang="en-GB" b="0" dirty="0">
-                <a:solidFill>
-                  <a:srgbClr val="CCCCCC"/>
-                </a:solidFill>
-                <a:effectLst/>
-                <a:latin typeface="+mn-lt"/>
-              </a:rPr>
-              <a:t> Used </a:t>
-            </a:r>
-            <a:r>
-              <a:rPr lang="en-GB" b="1" dirty="0" err="1">
-                <a:solidFill>
-                  <a:srgbClr val="569CD6"/>
-                </a:solidFill>
-                <a:effectLst/>
-                <a:latin typeface="+mn-lt"/>
-              </a:rPr>
-              <a:t>Keras</a:t>
-            </a:r>
-            <a:r>
-              <a:rPr lang="en-GB" b="1" dirty="0">
-                <a:solidFill>
-                  <a:srgbClr val="569CD6"/>
-                </a:solidFill>
-                <a:effectLst/>
-                <a:latin typeface="+mn-lt"/>
-              </a:rPr>
-              <a:t> Tuner</a:t>
-            </a:r>
-            <a:r>
-              <a:rPr lang="en-GB" b="0" dirty="0">
-                <a:solidFill>
-                  <a:srgbClr val="CCCCCC"/>
-                </a:solidFill>
-                <a:effectLst/>
-                <a:latin typeface="+mn-lt"/>
-              </a:rPr>
-              <a:t> to perform hyperparameter optimisation for the Neural Network model, including the number of hidden layers, neurons per layer, activation functions, and learning rate.</a:t>
-            </a:r>
-          </a:p>
-          <a:p>
             <a:endParaRPr lang="en-US" dirty="0">
               <a:latin typeface="+mn-lt"/>
             </a:endParaRPr>
@@ -1610,7 +1164,7 @@
           <a:p>
             <a:fld id="{4D7E02E5-87D3-E448-947F-831956D1A2E7}" type="slidenum">
               <a:rPr lang="en-US" smtClean="0"/>
-              <a:t>4</a:t>
+              <a:t>3</a:t>
             </a:fld>
             <a:endParaRPr lang="en-US"/>
           </a:p>
@@ -1619,7 +1173,7 @@
     </p:spTree>
     <p:extLst>
       <p:ext uri="{BB962C8B-B14F-4D97-AF65-F5344CB8AC3E}">
-        <p14:creationId xmlns:p14="http://schemas.microsoft.com/office/powerpoint/2010/main" val="1425259791"/>
+        <p14:creationId xmlns:p14="http://schemas.microsoft.com/office/powerpoint/2010/main" val="1873853049"/>
       </p:ext>
     </p:extLst>
   </p:cSld>
@@ -1674,6 +1228,536 @@
           <a:lstStyle/>
           <a:p>
             <a:r>
+              <a:rPr lang="en-GB" b="1" dirty="0">
+                <a:solidFill>
+                  <a:srgbClr val="569CD6"/>
+                </a:solidFill>
+                <a:effectLst/>
+                <a:latin typeface="+mn-lt"/>
+              </a:rPr>
+              <a:t>Model Building:</a:t>
+            </a:r>
+            <a:endParaRPr lang="en-GB" b="0" dirty="0">
+              <a:solidFill>
+                <a:srgbClr val="CCCCCC"/>
+              </a:solidFill>
+              <a:effectLst/>
+              <a:latin typeface="+mn-lt"/>
+            </a:endParaRPr>
+          </a:p>
+          <a:p>
+            <a:r>
+              <a:rPr lang="en-GB" b="0" dirty="0">
+                <a:solidFill>
+                  <a:srgbClr val="6796E6"/>
+                </a:solidFill>
+                <a:effectLst/>
+                <a:latin typeface="+mn-lt"/>
+              </a:rPr>
+              <a:t>-</a:t>
+            </a:r>
+            <a:r>
+              <a:rPr lang="en-GB" b="0" dirty="0">
+                <a:solidFill>
+                  <a:srgbClr val="CCCCCC"/>
+                </a:solidFill>
+                <a:effectLst/>
+                <a:latin typeface="+mn-lt"/>
+              </a:rPr>
+              <a:t> </a:t>
+            </a:r>
+            <a:r>
+              <a:rPr lang="en-GB" b="1" dirty="0">
+                <a:solidFill>
+                  <a:srgbClr val="569CD6"/>
+                </a:solidFill>
+                <a:effectLst/>
+                <a:latin typeface="+mn-lt"/>
+              </a:rPr>
+              <a:t>Logistic Regression: </a:t>
+            </a:r>
+            <a:r>
+              <a:rPr lang="en-GB" b="0" dirty="0">
+                <a:solidFill>
+                  <a:srgbClr val="CCCCCC"/>
+                </a:solidFill>
+                <a:effectLst/>
+                <a:latin typeface="+mn-lt"/>
+              </a:rPr>
+              <a:t>Trained a logistic regression model as a baseline model.</a:t>
+            </a:r>
+          </a:p>
+          <a:p>
+            <a:r>
+              <a:rPr lang="en-GB" b="0" dirty="0">
+                <a:solidFill>
+                  <a:srgbClr val="6796E6"/>
+                </a:solidFill>
+                <a:effectLst/>
+                <a:latin typeface="+mn-lt"/>
+              </a:rPr>
+              <a:t>-</a:t>
+            </a:r>
+            <a:r>
+              <a:rPr lang="en-GB" b="0" dirty="0">
+                <a:solidFill>
+                  <a:srgbClr val="CCCCCC"/>
+                </a:solidFill>
+                <a:effectLst/>
+                <a:latin typeface="+mn-lt"/>
+              </a:rPr>
+              <a:t> </a:t>
+            </a:r>
+            <a:r>
+              <a:rPr lang="en-GB" b="1" dirty="0">
+                <a:solidFill>
+                  <a:srgbClr val="569CD6"/>
+                </a:solidFill>
+                <a:effectLst/>
+                <a:latin typeface="+mn-lt"/>
+              </a:rPr>
+              <a:t>Random Forest:</a:t>
+            </a:r>
+            <a:r>
+              <a:rPr lang="en-GB" b="0" dirty="0">
+                <a:solidFill>
+                  <a:srgbClr val="CCCCCC"/>
+                </a:solidFill>
+                <a:effectLst/>
+                <a:latin typeface="+mn-lt"/>
+              </a:rPr>
+              <a:t> Implemented a random forest classifier to capture non-linear relationships between features. We will also determine which features are the most important and can influence diabetes predictions.</a:t>
+            </a:r>
+          </a:p>
+          <a:p>
+            <a:r>
+              <a:rPr lang="en-GB" b="0" dirty="0">
+                <a:solidFill>
+                  <a:srgbClr val="6796E6"/>
+                </a:solidFill>
+                <a:effectLst/>
+                <a:latin typeface="+mn-lt"/>
+              </a:rPr>
+              <a:t>-</a:t>
+            </a:r>
+            <a:r>
+              <a:rPr lang="en-GB" b="0" dirty="0">
+                <a:solidFill>
+                  <a:srgbClr val="CCCCCC"/>
+                </a:solidFill>
+                <a:effectLst/>
+                <a:latin typeface="+mn-lt"/>
+              </a:rPr>
+              <a:t> </a:t>
+            </a:r>
+            <a:r>
+              <a:rPr lang="en-GB" b="1" dirty="0">
+                <a:solidFill>
+                  <a:srgbClr val="569CD6"/>
+                </a:solidFill>
+                <a:effectLst/>
+                <a:latin typeface="+mn-lt"/>
+              </a:rPr>
+              <a:t>Decision Tree:</a:t>
+            </a:r>
+            <a:r>
+              <a:rPr lang="en-GB" b="0" dirty="0">
+                <a:solidFill>
+                  <a:srgbClr val="CCCCCC"/>
+                </a:solidFill>
+                <a:effectLst/>
+                <a:latin typeface="+mn-lt"/>
+              </a:rPr>
+              <a:t> Built a decision tree classifier to understand the decision-making process.</a:t>
+            </a:r>
+          </a:p>
+          <a:p>
+            <a:r>
+              <a:rPr lang="en-GB" b="0" dirty="0">
+                <a:solidFill>
+                  <a:srgbClr val="6796E6"/>
+                </a:solidFill>
+                <a:effectLst/>
+                <a:latin typeface="+mn-lt"/>
+              </a:rPr>
+              <a:t>-</a:t>
+            </a:r>
+            <a:r>
+              <a:rPr lang="en-GB" b="0" dirty="0">
+                <a:solidFill>
+                  <a:srgbClr val="CCCCCC"/>
+                </a:solidFill>
+                <a:effectLst/>
+                <a:latin typeface="+mn-lt"/>
+              </a:rPr>
+              <a:t> </a:t>
+            </a:r>
+            <a:r>
+              <a:rPr lang="en-GB" b="1" dirty="0">
+                <a:solidFill>
+                  <a:srgbClr val="569CD6"/>
+                </a:solidFill>
+                <a:effectLst/>
+                <a:latin typeface="+mn-lt"/>
+              </a:rPr>
+              <a:t>Support Vector Machine (SVM):</a:t>
+            </a:r>
+            <a:r>
+              <a:rPr lang="en-GB" b="0" dirty="0">
+                <a:solidFill>
+                  <a:srgbClr val="CCCCCC"/>
+                </a:solidFill>
+                <a:effectLst/>
+                <a:latin typeface="+mn-lt"/>
+              </a:rPr>
+              <a:t> Employed SVM with different kernels (linear, polynomial, and radial basis function) to find the best separating hyperplane. In this project, a linear kernel was selected due to its computational efficiency, which is advantageous for large datasets.</a:t>
+            </a:r>
+          </a:p>
+          <a:p>
+            <a:r>
+              <a:rPr lang="en-GB" b="0" dirty="0">
+                <a:solidFill>
+                  <a:srgbClr val="6796E6"/>
+                </a:solidFill>
+                <a:effectLst/>
+                <a:latin typeface="+mn-lt"/>
+              </a:rPr>
+              <a:t>-</a:t>
+            </a:r>
+            <a:r>
+              <a:rPr lang="en-GB" b="0" dirty="0">
+                <a:solidFill>
+                  <a:srgbClr val="CCCCCC"/>
+                </a:solidFill>
+                <a:effectLst/>
+                <a:latin typeface="+mn-lt"/>
+              </a:rPr>
+              <a:t> </a:t>
+            </a:r>
+            <a:r>
+              <a:rPr lang="en-GB" b="1" dirty="0">
+                <a:solidFill>
+                  <a:srgbClr val="569CD6"/>
+                </a:solidFill>
+                <a:effectLst/>
+                <a:latin typeface="+mn-lt"/>
+              </a:rPr>
+              <a:t>K-Nearest </a:t>
+            </a:r>
+            <a:r>
+              <a:rPr lang="en-GB" b="1" dirty="0" err="1">
+                <a:solidFill>
+                  <a:srgbClr val="569CD6"/>
+                </a:solidFill>
+                <a:effectLst/>
+                <a:latin typeface="+mn-lt"/>
+              </a:rPr>
+              <a:t>Neighbors</a:t>
+            </a:r>
+            <a:r>
+              <a:rPr lang="en-GB" b="1" dirty="0">
+                <a:solidFill>
+                  <a:srgbClr val="569CD6"/>
+                </a:solidFill>
+                <a:effectLst/>
+                <a:latin typeface="+mn-lt"/>
+              </a:rPr>
+              <a:t> (KNN):</a:t>
+            </a:r>
+            <a:r>
+              <a:rPr lang="en-GB" b="0" dirty="0">
+                <a:solidFill>
+                  <a:srgbClr val="CCCCCC"/>
+                </a:solidFill>
+                <a:effectLst/>
+                <a:latin typeface="+mn-lt"/>
+              </a:rPr>
+              <a:t> Implemented KNN to classify data points based on the majority class of their nearest neighbours.</a:t>
+            </a:r>
+          </a:p>
+          <a:p>
+            <a:r>
+              <a:rPr lang="en-GB" b="0" dirty="0">
+                <a:solidFill>
+                  <a:srgbClr val="6796E6"/>
+                </a:solidFill>
+                <a:effectLst/>
+                <a:latin typeface="+mn-lt"/>
+              </a:rPr>
+              <a:t>-</a:t>
+            </a:r>
+            <a:r>
+              <a:rPr lang="en-GB" b="0" dirty="0">
+                <a:solidFill>
+                  <a:srgbClr val="CCCCCC"/>
+                </a:solidFill>
+                <a:effectLst/>
+                <a:latin typeface="+mn-lt"/>
+              </a:rPr>
+              <a:t> </a:t>
+            </a:r>
+            <a:r>
+              <a:rPr lang="en-GB" b="1" dirty="0">
+                <a:solidFill>
+                  <a:srgbClr val="569CD6"/>
+                </a:solidFill>
+                <a:effectLst/>
+                <a:latin typeface="+mn-lt"/>
+              </a:rPr>
+              <a:t>Neural Network:</a:t>
+            </a:r>
+            <a:r>
+              <a:rPr lang="en-GB" b="0" dirty="0">
+                <a:solidFill>
+                  <a:srgbClr val="CCCCCC"/>
+                </a:solidFill>
+                <a:effectLst/>
+                <a:latin typeface="+mn-lt"/>
+              </a:rPr>
+              <a:t> Constructed a Neural Network with multiple hidden layers using TensorFlow.</a:t>
+            </a:r>
+          </a:p>
+          <a:p>
+            <a:endParaRPr lang="en-GB" b="1" dirty="0">
+              <a:solidFill>
+                <a:srgbClr val="569CD6"/>
+              </a:solidFill>
+              <a:effectLst/>
+              <a:latin typeface="+mn-lt"/>
+            </a:endParaRPr>
+          </a:p>
+          <a:p>
+            <a:r>
+              <a:rPr lang="en-GB" b="1" dirty="0">
+                <a:solidFill>
+                  <a:srgbClr val="569CD6"/>
+                </a:solidFill>
+                <a:effectLst/>
+                <a:latin typeface="+mn-lt"/>
+              </a:rPr>
+              <a:t>Tuning and Optimisation:</a:t>
+            </a:r>
+          </a:p>
+          <a:p>
+            <a:r>
+              <a:rPr lang="en-GB" b="1" dirty="0">
+                <a:solidFill>
+                  <a:srgbClr val="569CD6"/>
+                </a:solidFill>
+                <a:effectLst/>
+                <a:latin typeface="+mn-lt"/>
+              </a:rPr>
+              <a:t>Hyperparameter Tuning:</a:t>
+            </a:r>
+            <a:endParaRPr lang="en-GB" b="0" dirty="0">
+              <a:solidFill>
+                <a:srgbClr val="CCCCCC"/>
+              </a:solidFill>
+              <a:effectLst/>
+              <a:latin typeface="+mn-lt"/>
+            </a:endParaRPr>
+          </a:p>
+          <a:p>
+            <a:r>
+              <a:rPr lang="en-GB" b="0" dirty="0">
+                <a:solidFill>
+                  <a:srgbClr val="6796E6"/>
+                </a:solidFill>
+                <a:effectLst/>
+                <a:latin typeface="+mn-lt"/>
+              </a:rPr>
+              <a:t>-</a:t>
+            </a:r>
+            <a:r>
+              <a:rPr lang="en-GB" b="0" dirty="0">
+                <a:solidFill>
+                  <a:srgbClr val="CCCCCC"/>
+                </a:solidFill>
+                <a:effectLst/>
+                <a:latin typeface="+mn-lt"/>
+              </a:rPr>
+              <a:t> Utilised </a:t>
+            </a:r>
+            <a:r>
+              <a:rPr lang="en-GB" b="1" dirty="0" err="1">
+                <a:solidFill>
+                  <a:srgbClr val="569CD6"/>
+                </a:solidFill>
+                <a:effectLst/>
+                <a:latin typeface="+mn-lt"/>
+              </a:rPr>
+              <a:t>GridSearchCV</a:t>
+            </a:r>
+            <a:r>
+              <a:rPr lang="en-GB" b="0" dirty="0">
+                <a:solidFill>
+                  <a:srgbClr val="CCCCCC"/>
+                </a:solidFill>
+                <a:effectLst/>
+                <a:latin typeface="+mn-lt"/>
+              </a:rPr>
+              <a:t> to tune hyperparameters for Logistic Regression, Random Forest, Decision Tree, SVM and KNN.</a:t>
+            </a:r>
+          </a:p>
+          <a:p>
+            <a:r>
+              <a:rPr lang="en-GB" b="1" dirty="0">
+                <a:solidFill>
+                  <a:srgbClr val="569CD6"/>
+                </a:solidFill>
+                <a:effectLst/>
+                <a:latin typeface="+mn-lt"/>
+              </a:rPr>
+              <a:t>Neural Network Optimisation:</a:t>
+            </a:r>
+            <a:endParaRPr lang="en-GB" b="0" dirty="0">
+              <a:solidFill>
+                <a:srgbClr val="CCCCCC"/>
+              </a:solidFill>
+              <a:effectLst/>
+              <a:latin typeface="+mn-lt"/>
+            </a:endParaRPr>
+          </a:p>
+          <a:p>
+            <a:r>
+              <a:rPr lang="en-GB" b="0" dirty="0">
+                <a:solidFill>
+                  <a:srgbClr val="6796E6"/>
+                </a:solidFill>
+                <a:effectLst/>
+                <a:latin typeface="+mn-lt"/>
+              </a:rPr>
+              <a:t>-</a:t>
+            </a:r>
+            <a:r>
+              <a:rPr lang="en-GB" b="0" dirty="0">
+                <a:solidFill>
+                  <a:srgbClr val="CCCCCC"/>
+                </a:solidFill>
+                <a:effectLst/>
+                <a:latin typeface="+mn-lt"/>
+              </a:rPr>
+              <a:t> Used </a:t>
+            </a:r>
+            <a:r>
+              <a:rPr lang="en-GB" b="1" dirty="0" err="1">
+                <a:solidFill>
+                  <a:srgbClr val="569CD6"/>
+                </a:solidFill>
+                <a:effectLst/>
+                <a:latin typeface="+mn-lt"/>
+              </a:rPr>
+              <a:t>Keras</a:t>
+            </a:r>
+            <a:r>
+              <a:rPr lang="en-GB" b="1" dirty="0">
+                <a:solidFill>
+                  <a:srgbClr val="569CD6"/>
+                </a:solidFill>
+                <a:effectLst/>
+                <a:latin typeface="+mn-lt"/>
+              </a:rPr>
+              <a:t> Tuner</a:t>
+            </a:r>
+            <a:r>
+              <a:rPr lang="en-GB" b="0" dirty="0">
+                <a:solidFill>
+                  <a:srgbClr val="CCCCCC"/>
+                </a:solidFill>
+                <a:effectLst/>
+                <a:latin typeface="+mn-lt"/>
+              </a:rPr>
+              <a:t> to perform hyperparameter optimisation for the Neural Network model, including the number of hidden layers, neurons per layer, activation functions, and learning rate.</a:t>
+            </a:r>
+          </a:p>
+          <a:p>
+            <a:endParaRPr lang="en-US" dirty="0">
+              <a:latin typeface="+mn-lt"/>
+            </a:endParaRPr>
+          </a:p>
+        </p:txBody>
+      </p:sp>
+      <p:sp>
+        <p:nvSpPr>
+          <p:cNvPr id="4" name="Slide Number Placeholder 3"/>
+          <p:cNvSpPr>
+            <a:spLocks noGrp="1"/>
+          </p:cNvSpPr>
+          <p:nvPr>
+            <p:ph type="sldNum" sz="quarter" idx="5"/>
+          </p:nvPr>
+        </p:nvSpPr>
+        <p:spPr/>
+        <p:txBody>
+          <a:bodyPr/>
+          <a:lstStyle/>
+          <a:p>
+            <a:fld id="{4D7E02E5-87D3-E448-947F-831956D1A2E7}" type="slidenum">
+              <a:rPr lang="en-US" smtClean="0"/>
+              <a:t>4</a:t>
+            </a:fld>
+            <a:endParaRPr lang="en-US"/>
+          </a:p>
+        </p:txBody>
+      </p:sp>
+    </p:spTree>
+    <p:extLst>
+      <p:ext uri="{BB962C8B-B14F-4D97-AF65-F5344CB8AC3E}">
+        <p14:creationId xmlns:p14="http://schemas.microsoft.com/office/powerpoint/2010/main" val="1425259791"/>
+      </p:ext>
+    </p:extLst>
+  </p:cSld>
+  <p:clrMapOvr>
+    <a:masterClrMapping/>
+  </p:clrMapOvr>
+</p:notes>
+</file>
+
+<file path=ppt/notesSlides/notesSlide5.xml><?xml version="1.0" encoding="utf-8"?>
+<p:notes xmlns:a="http://schemas.openxmlformats.org/drawingml/2006/main" xmlns:r="http://schemas.openxmlformats.org/officeDocument/2006/relationships" xmlns:p="http://schemas.openxmlformats.org/presentationml/2006/main">
+  <p:cSld>
+    <p:spTree>
+      <p:nvGrpSpPr>
+        <p:cNvPr id="1" name=""/>
+        <p:cNvGrpSpPr/>
+        <p:nvPr/>
+      </p:nvGrpSpPr>
+      <p:grpSpPr>
+        <a:xfrm>
+          <a:off x="0" y="0"/>
+          <a:ext cx="0" cy="0"/>
+          <a:chOff x="0" y="0"/>
+          <a:chExt cx="0" cy="0"/>
+        </a:xfrm>
+      </p:grpSpPr>
+      <p:sp>
+        <p:nvSpPr>
+          <p:cNvPr id="2" name="Slide Image Placeholder 1"/>
+          <p:cNvSpPr>
+            <a:spLocks noGrp="1" noRot="1" noChangeAspect="1"/>
+          </p:cNvSpPr>
+          <p:nvPr>
+            <p:ph type="sldImg"/>
+          </p:nvPr>
+        </p:nvSpPr>
+        <p:spPr/>
+      </p:sp>
+      <p:sp>
+        <p:nvSpPr>
+          <p:cNvPr id="3" name="Notes Placeholder 2"/>
+          <p:cNvSpPr>
+            <a:spLocks noGrp="1"/>
+          </p:cNvSpPr>
+          <p:nvPr>
+            <p:ph type="body" idx="1"/>
+          </p:nvPr>
+        </p:nvSpPr>
+        <p:spPr/>
+        <p:txBody>
+          <a:bodyPr/>
+          <a:lstStyle/>
+          <a:p>
+            <a:r>
               <a:rPr lang="en-GB" b="0" dirty="0">
                 <a:solidFill>
                   <a:srgbClr val="CCCCCC"/>
@@ -1870,7 +1954,7 @@
 </p:notes>
 </file>
 
-<file path=ppt/notesSlides/notesSlide5.xml><?xml version="1.0" encoding="utf-8"?>
+<file path=ppt/notesSlides/notesSlide6.xml><?xml version="1.0" encoding="utf-8"?>
 <p:notes xmlns:a="http://schemas.openxmlformats.org/drawingml/2006/main" xmlns:r="http://schemas.openxmlformats.org/officeDocument/2006/relationships" xmlns:p="http://schemas.openxmlformats.org/presentationml/2006/main">
   <p:cSld>
     <p:spTree>
@@ -4932,10 +5016,10 @@
             </a:pathLst>
           </a:custGeom>
           <a:blipFill>
-            <a:blip r:embed="rId2">
+            <a:blip r:embed="rId3">
               <a:extLst>
                 <a:ext uri="{96DAC541-7B7A-43D3-8B79-37D633B846F1}">
-                  <asvg:svgBlip xmlns:asvg="http://schemas.microsoft.com/office/drawing/2016/SVG/main" r:embed="rId3"/>
+                  <asvg:svgBlip xmlns:asvg="http://schemas.microsoft.com/office/drawing/2016/SVG/main" r:embed="rId4"/>
                 </a:ext>
               </a:extLst>
             </a:blip>
@@ -4984,10 +5068,10 @@
             </a:pathLst>
           </a:custGeom>
           <a:blipFill>
-            <a:blip r:embed="rId4">
+            <a:blip r:embed="rId5">
               <a:extLst>
                 <a:ext uri="{96DAC541-7B7A-43D3-8B79-37D633B846F1}">
-                  <asvg:svgBlip xmlns:asvg="http://schemas.microsoft.com/office/drawing/2016/SVG/main" r:embed="rId5"/>
+                  <asvg:svgBlip xmlns:asvg="http://schemas.microsoft.com/office/drawing/2016/SVG/main" r:embed="rId6"/>
                 </a:ext>
               </a:extLst>
             </a:blip>
@@ -5036,10 +5120,10 @@
             </a:pathLst>
           </a:custGeom>
           <a:blipFill>
-            <a:blip r:embed="rId2">
+            <a:blip r:embed="rId3">
               <a:extLst>
                 <a:ext uri="{96DAC541-7B7A-43D3-8B79-37D633B846F1}">
-                  <asvg:svgBlip xmlns:asvg="http://schemas.microsoft.com/office/drawing/2016/SVG/main" r:embed="rId3"/>
+                  <asvg:svgBlip xmlns:asvg="http://schemas.microsoft.com/office/drawing/2016/SVG/main" r:embed="rId4"/>
                 </a:ext>
               </a:extLst>
             </a:blip>
@@ -5088,10 +5172,10 @@
             </a:pathLst>
           </a:custGeom>
           <a:blipFill>
-            <a:blip r:embed="rId2">
+            <a:blip r:embed="rId3">
               <a:extLst>
                 <a:ext uri="{96DAC541-7B7A-43D3-8B79-37D633B846F1}">
-                  <asvg:svgBlip xmlns:asvg="http://schemas.microsoft.com/office/drawing/2016/SVG/main" r:embed="rId3"/>
+                  <asvg:svgBlip xmlns:asvg="http://schemas.microsoft.com/office/drawing/2016/SVG/main" r:embed="rId4"/>
                 </a:ext>
               </a:extLst>
             </a:blip>
@@ -5140,10 +5224,10 @@
             </a:pathLst>
           </a:custGeom>
           <a:blipFill>
-            <a:blip r:embed="rId2">
+            <a:blip r:embed="rId3">
               <a:extLst>
                 <a:ext uri="{96DAC541-7B7A-43D3-8B79-37D633B846F1}">
-                  <asvg:svgBlip xmlns:asvg="http://schemas.microsoft.com/office/drawing/2016/SVG/main" r:embed="rId3"/>
+                  <asvg:svgBlip xmlns:asvg="http://schemas.microsoft.com/office/drawing/2016/SVG/main" r:embed="rId4"/>
                 </a:ext>
               </a:extLst>
             </a:blip>
@@ -5289,10 +5373,10 @@
             </a:pathLst>
           </a:custGeom>
           <a:blipFill>
-            <a:blip r:embed="rId6">
+            <a:blip r:embed="rId7">
               <a:extLst>
                 <a:ext uri="{96DAC541-7B7A-43D3-8B79-37D633B846F1}">
-                  <asvg:svgBlip xmlns:asvg="http://schemas.microsoft.com/office/drawing/2016/SVG/main" r:embed="rId7"/>
+                  <asvg:svgBlip xmlns:asvg="http://schemas.microsoft.com/office/drawing/2016/SVG/main" r:embed="rId8"/>
                 </a:ext>
               </a:extLst>
             </a:blip>
@@ -5523,10 +5607,10 @@
             </a:pathLst>
           </a:custGeom>
           <a:blipFill>
-            <a:blip r:embed="rId8">
+            <a:blip r:embed="rId9">
               <a:extLst>
                 <a:ext uri="{96DAC541-7B7A-43D3-8B79-37D633B846F1}">
-                  <asvg:svgBlip xmlns:asvg="http://schemas.microsoft.com/office/drawing/2016/SVG/main" r:embed="rId9"/>
+                  <asvg:svgBlip xmlns:asvg="http://schemas.microsoft.com/office/drawing/2016/SVG/main" r:embed="rId10"/>
                 </a:ext>
               </a:extLst>
             </a:blip>
@@ -5575,10 +5659,10 @@
             </a:pathLst>
           </a:custGeom>
           <a:blipFill>
-            <a:blip r:embed="rId10">
+            <a:blip r:embed="rId11">
               <a:extLst>
                 <a:ext uri="{96DAC541-7B7A-43D3-8B79-37D633B846F1}">
-                  <asvg:svgBlip xmlns:asvg="http://schemas.microsoft.com/office/drawing/2016/SVG/main" r:embed="rId11"/>
+                  <asvg:svgBlip xmlns:asvg="http://schemas.microsoft.com/office/drawing/2016/SVG/main" r:embed="rId12"/>
                 </a:ext>
               </a:extLst>
             </a:blip>
@@ -6607,7 +6691,7 @@
               </a:lnSpc>
             </a:pPr>
             <a:r>
-              <a:rPr lang="en-US" sz="6500">
+              <a:rPr lang="en-US" sz="6500" dirty="0">
                 <a:solidFill>
                   <a:srgbClr val="222366"/>
                 </a:solidFill>
@@ -8555,7 +8639,7 @@
         <p:spPr>
           <a:xfrm>
             <a:off x="921119" y="7307247"/>
-            <a:ext cx="4592262" cy="1906612"/>
+            <a:ext cx="4592262" cy="2393925"/>
           </a:xfrm>
           <a:prstGeom prst="rect">
             <a:avLst/>
@@ -8579,7 +8663,23 @@
                 </a:solidFill>
                 <a:latin typeface="Public Sans"/>
               </a:rPr>
-              <a:t>Employed SVM with different kernels to find the best separating hyperplane. (Linear kernel )</a:t>
+              <a:t>Employed SVM with different kernels to find the best separating hyperplane. (Chosen Kernel:</a:t>
+            </a:r>
+          </a:p>
+          <a:p>
+            <a:pPr algn="ctr">
+              <a:lnSpc>
+                <a:spcPts val="3762"/>
+              </a:lnSpc>
+            </a:pPr>
+            <a:r>
+              <a:rPr lang="en-GB" sz="2687" dirty="0">
+                <a:solidFill>
+                  <a:srgbClr val="222366"/>
+                </a:solidFill>
+                <a:latin typeface="Public Sans"/>
+              </a:rPr>
+              <a:t>Linear )</a:t>
             </a:r>
           </a:p>
         </p:txBody>

--- a/presentation/presentation.pptx
+++ b/presentation/presentation.pptx
@@ -1760,6 +1760,192 @@
             <a:r>
               <a:rPr lang="en-GB" b="0" dirty="0">
                 <a:solidFill>
+                  <a:srgbClr val="6796E6"/>
+                </a:solidFill>
+                <a:effectLst/>
+                <a:latin typeface="+mn-lt"/>
+              </a:rPr>
+              <a:t>-</a:t>
+            </a:r>
+            <a:r>
+              <a:rPr lang="en-GB" b="0" dirty="0">
+                <a:solidFill>
+                  <a:srgbClr val="CCCCCC"/>
+                </a:solidFill>
+                <a:effectLst/>
+                <a:latin typeface="+mn-lt"/>
+              </a:rPr>
+              <a:t> Confusion matrix: Analysed true positive, false positive, true negative, and false negative predictions.</a:t>
+            </a:r>
+          </a:p>
+          <a:p>
+            <a:r>
+              <a:rPr lang="en-GB" b="0" dirty="0">
+                <a:solidFill>
+                  <a:srgbClr val="6796E6"/>
+                </a:solidFill>
+                <a:effectLst/>
+                <a:latin typeface="+mn-lt"/>
+              </a:rPr>
+              <a:t>-</a:t>
+            </a:r>
+            <a:r>
+              <a:rPr lang="en-GB" b="0" dirty="0">
+                <a:solidFill>
+                  <a:srgbClr val="CCCCCC"/>
+                </a:solidFill>
+                <a:effectLst/>
+                <a:latin typeface="+mn-lt"/>
+              </a:rPr>
+              <a:t> Metrics: Calculated accuracy, precision, recall, F1-score to assess model performance.</a:t>
+            </a:r>
+          </a:p>
+          <a:p>
+            <a:r>
+              <a:rPr lang="en-GB" b="0" dirty="0">
+                <a:solidFill>
+                  <a:srgbClr val="6796E6"/>
+                </a:solidFill>
+                <a:effectLst/>
+                <a:latin typeface="+mn-lt"/>
+              </a:rPr>
+              <a:t>-</a:t>
+            </a:r>
+            <a:r>
+              <a:rPr lang="en-GB" b="0" dirty="0">
+                <a:solidFill>
+                  <a:srgbClr val="CCCCCC"/>
+                </a:solidFill>
+                <a:effectLst/>
+                <a:latin typeface="+mn-lt"/>
+              </a:rPr>
+              <a:t> ROC curve and AUC-ROC: Plotted the Receiver Operating Characteristic (ROC) curve and calculated the Area Under the Curve (AUC) to evaluate model discrimination.</a:t>
+            </a:r>
+          </a:p>
+          <a:p>
+            <a:r>
+              <a:rPr lang="en-GB" b="0" dirty="0">
+                <a:solidFill>
+                  <a:srgbClr val="6796E6"/>
+                </a:solidFill>
+                <a:effectLst/>
+                <a:latin typeface="+mn-lt"/>
+              </a:rPr>
+              <a:t>-</a:t>
+            </a:r>
+            <a:r>
+              <a:rPr lang="en-GB" b="0" dirty="0">
+                <a:solidFill>
+                  <a:srgbClr val="CCCCCC"/>
+                </a:solidFill>
+                <a:effectLst/>
+                <a:latin typeface="+mn-lt"/>
+              </a:rPr>
+              <a:t> Precision-recall curve: Visualised the trade-off between precision and recall for different threshold </a:t>
+            </a:r>
+            <a:r>
+              <a:rPr lang="en-GB" b="0">
+                <a:solidFill>
+                  <a:srgbClr val="CCCCCC"/>
+                </a:solidFill>
+                <a:effectLst/>
+                <a:latin typeface="+mn-lt"/>
+              </a:rPr>
+              <a:t>values.</a:t>
+            </a:r>
+            <a:endParaRPr lang="en-GB" b="0" dirty="0">
+              <a:solidFill>
+                <a:srgbClr val="CCCCCC"/>
+              </a:solidFill>
+              <a:effectLst/>
+              <a:latin typeface="+mn-lt"/>
+            </a:endParaRPr>
+          </a:p>
+        </p:txBody>
+      </p:sp>
+      <p:sp>
+        <p:nvSpPr>
+          <p:cNvPr id="4" name="Slide Number Placeholder 3"/>
+          <p:cNvSpPr>
+            <a:spLocks noGrp="1"/>
+          </p:cNvSpPr>
+          <p:nvPr>
+            <p:ph type="sldNum" sz="quarter" idx="5"/>
+          </p:nvPr>
+        </p:nvSpPr>
+        <p:spPr/>
+        <p:txBody>
+          <a:bodyPr/>
+          <a:lstStyle/>
+          <a:p>
+            <a:fld id="{4D7E02E5-87D3-E448-947F-831956D1A2E7}" type="slidenum">
+              <a:rPr lang="en-US" smtClean="0"/>
+              <a:t>5</a:t>
+            </a:fld>
+            <a:endParaRPr lang="en-US"/>
+          </a:p>
+        </p:txBody>
+      </p:sp>
+    </p:spTree>
+    <p:extLst>
+      <p:ext uri="{BB962C8B-B14F-4D97-AF65-F5344CB8AC3E}">
+        <p14:creationId xmlns:p14="http://schemas.microsoft.com/office/powerpoint/2010/main" val="3079719596"/>
+      </p:ext>
+    </p:extLst>
+  </p:cSld>
+  <p:clrMapOvr>
+    <a:masterClrMapping/>
+  </p:clrMapOvr>
+</p:notes>
+</file>
+
+<file path=ppt/notesSlides/notesSlide6.xml><?xml version="1.0" encoding="utf-8"?>
+<p:notes xmlns:a="http://schemas.openxmlformats.org/drawingml/2006/main" xmlns:r="http://schemas.openxmlformats.org/officeDocument/2006/relationships" xmlns:p="http://schemas.openxmlformats.org/presentationml/2006/main">
+  <p:cSld>
+    <p:spTree>
+      <p:nvGrpSpPr>
+        <p:cNvPr id="1" name=""/>
+        <p:cNvGrpSpPr/>
+        <p:nvPr/>
+      </p:nvGrpSpPr>
+      <p:grpSpPr>
+        <a:xfrm>
+          <a:off x="0" y="0"/>
+          <a:ext cx="0" cy="0"/>
+          <a:chOff x="0" y="0"/>
+          <a:chExt cx="0" cy="0"/>
+        </a:xfrm>
+      </p:grpSpPr>
+      <p:sp>
+        <p:nvSpPr>
+          <p:cNvPr id="2" name="Slide Image Placeholder 1"/>
+          <p:cNvSpPr>
+            <a:spLocks noGrp="1" noRot="1" noChangeAspect="1"/>
+          </p:cNvSpPr>
+          <p:nvPr>
+            <p:ph type="sldImg"/>
+          </p:nvPr>
+        </p:nvSpPr>
+        <p:spPr/>
+      </p:sp>
+      <p:sp>
+        <p:nvSpPr>
+          <p:cNvPr id="3" name="Notes Placeholder 2"/>
+          <p:cNvSpPr>
+            <a:spLocks noGrp="1"/>
+          </p:cNvSpPr>
+          <p:nvPr>
+            <p:ph type="body" idx="1"/>
+          </p:nvPr>
+        </p:nvSpPr>
+        <p:spPr/>
+        <p:txBody>
+          <a:bodyPr/>
+          <a:lstStyle/>
+          <a:p>
+            <a:r>
+              <a:rPr lang="en-GB" b="0" dirty="0">
+                <a:solidFill>
                   <a:srgbClr val="CCCCCC"/>
                 </a:solidFill>
                 <a:effectLst/>
@@ -1954,7 +2140,7 @@
 </p:notes>
 </file>
 
-<file path=ppt/notesSlides/notesSlide6.xml><?xml version="1.0" encoding="utf-8"?>
+<file path=ppt/notesSlides/notesSlide7.xml><?xml version="1.0" encoding="utf-8"?>
 <p:notes xmlns:a="http://schemas.openxmlformats.org/drawingml/2006/main" xmlns:r="http://schemas.openxmlformats.org/officeDocument/2006/relationships" xmlns:p="http://schemas.openxmlformats.org/presentationml/2006/main">
   <p:cSld>
     <p:spTree>
@@ -9400,7 +9586,7 @@
             </a:pathLst>
           </a:custGeom>
           <a:blipFill>
-            <a:blip r:embed="rId2"/>
+            <a:blip r:embed="rId3"/>
             <a:stretch>
               <a:fillRect/>
             </a:stretch>
@@ -9446,7 +9632,7 @@
             </a:pathLst>
           </a:custGeom>
           <a:blipFill>
-            <a:blip r:embed="rId3"/>
+            <a:blip r:embed="rId4"/>
             <a:stretch>
               <a:fillRect/>
             </a:stretch>
@@ -9606,10 +9792,10 @@
             </a:pathLst>
           </a:custGeom>
           <a:blipFill>
-            <a:blip r:embed="rId4">
+            <a:blip r:embed="rId5">
               <a:extLst>
                 <a:ext uri="{96DAC541-7B7A-43D3-8B79-37D633B846F1}">
-                  <asvg:svgBlip xmlns:asvg="http://schemas.microsoft.com/office/drawing/2016/SVG/main" r:embed="rId5"/>
+                  <asvg:svgBlip xmlns:asvg="http://schemas.microsoft.com/office/drawing/2016/SVG/main" r:embed="rId6"/>
                 </a:ext>
               </a:extLst>
             </a:blip>

--- a/presentation/presentation.pptx
+++ b/presentation/presentation.pptx
@@ -25,29 +25,24 @@
   <p:notesSz cx="6858000" cy="9144000"/>
   <p:embeddedFontLst>
     <p:embeddedFont>
-      <p:font typeface="Aptos SemiBold" panose="020B0004020202020204" pitchFamily="34" charset="0"/>
-      <p:bold r:id="rId15"/>
-      <p:boldItalic r:id="rId16"/>
+      <p:font typeface="Brick Sans" panose="020B0604020202020204" charset="0"/>
+      <p:regular r:id="rId15"/>
     </p:embeddedFont>
     <p:embeddedFont>
-      <p:font typeface="Brick Sans" panose="020B0604020202020204" charset="0"/>
+      <p:font typeface="Canva Sans" panose="020B0604020202020204" charset="0"/>
+      <p:regular r:id="rId16"/>
+    </p:embeddedFont>
+    <p:embeddedFont>
+      <p:font typeface="Public Sans" panose="020B0604020202020204" charset="0"/>
       <p:regular r:id="rId17"/>
     </p:embeddedFont>
     <p:embeddedFont>
-      <p:font typeface="Canva Sans" panose="020B0604020202020204" charset="0"/>
+      <p:font typeface="Public Sans Bold" panose="020B0604020202020204" charset="0"/>
       <p:regular r:id="rId18"/>
     </p:embeddedFont>
     <p:embeddedFont>
-      <p:font typeface="Public Sans" panose="020B0604020202020204" charset="0"/>
+      <p:font typeface="Public Sans Heavy" panose="020B0604020202020204" charset="0"/>
       <p:regular r:id="rId19"/>
-    </p:embeddedFont>
-    <p:embeddedFont>
-      <p:font typeface="Public Sans Bold" panose="020B0604020202020204" charset="0"/>
-      <p:regular r:id="rId20"/>
-    </p:embeddedFont>
-    <p:embeddedFont>
-      <p:font typeface="Public Sans Heavy" panose="020B0604020202020204" charset="0"/>
-      <p:regular r:id="rId21"/>
     </p:embeddedFont>
   </p:embeddedFontLst>
   <p:defaultTextStyle>
@@ -164,6 +159,358 @@
 </p:presentation>
 </file>
 
+<file path=ppt/revisionInfo.xml><?xml version="1.0" encoding="utf-8"?>
+<p1510:revInfo xmlns:a="http://schemas.openxmlformats.org/drawingml/2006/main" xmlns:r="http://schemas.openxmlformats.org/officeDocument/2006/relationships" xmlns:p1510="http://schemas.microsoft.com/office/powerpoint/2015/10/main">
+  <p1510:revLst>
+    <p1510:client id="{650812C4-EEA9-4F2B-9F39-40FEADFCFB65}" v="13" dt="2024-04-03T13:53:16.051"/>
+  </p1510:revLst>
+</p1510:revInfo>
+</file>
+
+<file path=ppt/changesInfos/changesInfo1.xml><?xml version="1.0" encoding="utf-8"?>
+<pc:chgInfo xmlns:a="http://schemas.openxmlformats.org/drawingml/2006/main" xmlns:r="http://schemas.openxmlformats.org/officeDocument/2006/relationships" xmlns:ac="http://schemas.microsoft.com/office/drawing/2013/main/command" xmlns:pc="http://schemas.microsoft.com/office/powerpoint/2013/main/command">
+  <pc:docChgLst>
+    <pc:chgData name="Aysha Gheewala" userId="819ba6fb6ea0380f" providerId="LiveId" clId="{650812C4-EEA9-4F2B-9F39-40FEADFCFB65}"/>
+    <pc:docChg chg="undo redo custSel modSld">
+      <pc:chgData name="Aysha Gheewala" userId="819ba6fb6ea0380f" providerId="LiveId" clId="{650812C4-EEA9-4F2B-9F39-40FEADFCFB65}" dt="2024-04-03T14:01:04.041" v="209" actId="1038"/>
+      <pc:docMkLst>
+        <pc:docMk/>
+      </pc:docMkLst>
+      <pc:sldChg chg="modSp mod">
+        <pc:chgData name="Aysha Gheewala" userId="819ba6fb6ea0380f" providerId="LiveId" clId="{650812C4-EEA9-4F2B-9F39-40FEADFCFB65}" dt="2024-04-03T13:34:04.579" v="0" actId="20577"/>
+        <pc:sldMkLst>
+          <pc:docMk/>
+          <pc:sldMk cId="0" sldId="258"/>
+        </pc:sldMkLst>
+        <pc:spChg chg="mod">
+          <ac:chgData name="Aysha Gheewala" userId="819ba6fb6ea0380f" providerId="LiveId" clId="{650812C4-EEA9-4F2B-9F39-40FEADFCFB65}" dt="2024-04-03T13:34:04.579" v="0" actId="20577"/>
+          <ac:spMkLst>
+            <pc:docMk/>
+            <pc:sldMk cId="0" sldId="258"/>
+            <ac:spMk id="12" creationId="{00000000-0000-0000-0000-000000000000}"/>
+          </ac:spMkLst>
+        </pc:spChg>
+      </pc:sldChg>
+      <pc:sldChg chg="modSp mod">
+        <pc:chgData name="Aysha Gheewala" userId="819ba6fb6ea0380f" providerId="LiveId" clId="{650812C4-EEA9-4F2B-9F39-40FEADFCFB65}" dt="2024-04-03T13:38:51.195" v="25" actId="255"/>
+        <pc:sldMkLst>
+          <pc:docMk/>
+          <pc:sldMk cId="0" sldId="259"/>
+        </pc:sldMkLst>
+        <pc:spChg chg="mod">
+          <ac:chgData name="Aysha Gheewala" userId="819ba6fb6ea0380f" providerId="LiveId" clId="{650812C4-EEA9-4F2B-9F39-40FEADFCFB65}" dt="2024-04-03T13:38:51.195" v="25" actId="255"/>
+          <ac:spMkLst>
+            <pc:docMk/>
+            <pc:sldMk cId="0" sldId="259"/>
+            <ac:spMk id="49" creationId="{00000000-0000-0000-0000-000000000000}"/>
+          </ac:spMkLst>
+        </pc:spChg>
+        <pc:spChg chg="mod">
+          <ac:chgData name="Aysha Gheewala" userId="819ba6fb6ea0380f" providerId="LiveId" clId="{650812C4-EEA9-4F2B-9F39-40FEADFCFB65}" dt="2024-04-03T13:35:24.317" v="6" actId="1035"/>
+          <ac:spMkLst>
+            <pc:docMk/>
+            <pc:sldMk cId="0" sldId="259"/>
+            <ac:spMk id="54" creationId="{00000000-0000-0000-0000-000000000000}"/>
+          </ac:spMkLst>
+        </pc:spChg>
+      </pc:sldChg>
+      <pc:sldChg chg="modSp mod">
+        <pc:chgData name="Aysha Gheewala" userId="819ba6fb6ea0380f" providerId="LiveId" clId="{650812C4-EEA9-4F2B-9F39-40FEADFCFB65}" dt="2024-04-03T14:01:04.041" v="209" actId="1038"/>
+        <pc:sldMkLst>
+          <pc:docMk/>
+          <pc:sldMk cId="0" sldId="263"/>
+        </pc:sldMkLst>
+        <pc:spChg chg="mod">
+          <ac:chgData name="Aysha Gheewala" userId="819ba6fb6ea0380f" providerId="LiveId" clId="{650812C4-EEA9-4F2B-9F39-40FEADFCFB65}" dt="2024-04-03T14:01:04.041" v="209" actId="1038"/>
+          <ac:spMkLst>
+            <pc:docMk/>
+            <pc:sldMk cId="0" sldId="263"/>
+            <ac:spMk id="8" creationId="{00000000-0000-0000-0000-000000000000}"/>
+          </ac:spMkLst>
+        </pc:spChg>
+        <pc:graphicFrameChg chg="mod">
+          <ac:chgData name="Aysha Gheewala" userId="819ba6fb6ea0380f" providerId="LiveId" clId="{650812C4-EEA9-4F2B-9F39-40FEADFCFB65}" dt="2024-04-03T14:00:57.739" v="208" actId="1037"/>
+          <ac:graphicFrameMkLst>
+            <pc:docMk/>
+            <pc:sldMk cId="0" sldId="263"/>
+            <ac:graphicFrameMk id="6" creationId="{00000000-0000-0000-0000-000000000000}"/>
+          </ac:graphicFrameMkLst>
+        </pc:graphicFrameChg>
+      </pc:sldChg>
+      <pc:sldChg chg="addSp delSp modSp mod">
+        <pc:chgData name="Aysha Gheewala" userId="819ba6fb6ea0380f" providerId="LiveId" clId="{650812C4-EEA9-4F2B-9F39-40FEADFCFB65}" dt="2024-04-03T13:38:10.113" v="23" actId="1038"/>
+        <pc:sldMkLst>
+          <pc:docMk/>
+          <pc:sldMk cId="3462539987" sldId="265"/>
+        </pc:sldMkLst>
+        <pc:spChg chg="del">
+          <ac:chgData name="Aysha Gheewala" userId="819ba6fb6ea0380f" providerId="LiveId" clId="{650812C4-EEA9-4F2B-9F39-40FEADFCFB65}" dt="2024-04-03T13:37:49.510" v="15" actId="478"/>
+          <ac:spMkLst>
+            <pc:docMk/>
+            <pc:sldMk cId="3462539987" sldId="265"/>
+            <ac:spMk id="40" creationId="{00000000-0000-0000-0000-000000000000}"/>
+          </ac:spMkLst>
+        </pc:spChg>
+        <pc:spChg chg="mod">
+          <ac:chgData name="Aysha Gheewala" userId="819ba6fb6ea0380f" providerId="LiveId" clId="{650812C4-EEA9-4F2B-9F39-40FEADFCFB65}" dt="2024-04-03T13:37:04.080" v="13" actId="1035"/>
+          <ac:spMkLst>
+            <pc:docMk/>
+            <pc:sldMk cId="3462539987" sldId="265"/>
+            <ac:spMk id="43" creationId="{00000000-0000-0000-0000-000000000000}"/>
+          </ac:spMkLst>
+        </pc:spChg>
+        <pc:spChg chg="mod">
+          <ac:chgData name="Aysha Gheewala" userId="819ba6fb6ea0380f" providerId="LiveId" clId="{650812C4-EEA9-4F2B-9F39-40FEADFCFB65}" dt="2024-04-03T13:38:10.113" v="23" actId="1038"/>
+          <ac:spMkLst>
+            <pc:docMk/>
+            <pc:sldMk cId="3462539987" sldId="265"/>
+            <ac:spMk id="49" creationId="{00000000-0000-0000-0000-000000000000}"/>
+          </ac:spMkLst>
+        </pc:spChg>
+        <pc:spChg chg="mod">
+          <ac:chgData name="Aysha Gheewala" userId="819ba6fb6ea0380f" providerId="LiveId" clId="{650812C4-EEA9-4F2B-9F39-40FEADFCFB65}" dt="2024-04-03T13:35:35.110" v="9" actId="1035"/>
+          <ac:spMkLst>
+            <pc:docMk/>
+            <pc:sldMk cId="3462539987" sldId="265"/>
+            <ac:spMk id="54" creationId="{00000000-0000-0000-0000-000000000000}"/>
+          </ac:spMkLst>
+        </pc:spChg>
+        <pc:spChg chg="add mod">
+          <ac:chgData name="Aysha Gheewala" userId="819ba6fb6ea0380f" providerId="LiveId" clId="{650812C4-EEA9-4F2B-9F39-40FEADFCFB65}" dt="2024-04-03T13:37:46.061" v="14"/>
+          <ac:spMkLst>
+            <pc:docMk/>
+            <pc:sldMk cId="3462539987" sldId="265"/>
+            <ac:spMk id="55" creationId="{19CC46C9-4870-08A5-6D05-5252DDA12176}"/>
+          </ac:spMkLst>
+        </pc:spChg>
+      </pc:sldChg>
+      <pc:sldChg chg="addSp delSp modSp mod">
+        <pc:chgData name="Aysha Gheewala" userId="819ba6fb6ea0380f" providerId="LiveId" clId="{650812C4-EEA9-4F2B-9F39-40FEADFCFB65}" dt="2024-04-03T13:58:23.792" v="173" actId="1036"/>
+        <pc:sldMkLst>
+          <pc:docMk/>
+          <pc:sldMk cId="2676376378" sldId="266"/>
+        </pc:sldMkLst>
+        <pc:spChg chg="add mod">
+          <ac:chgData name="Aysha Gheewala" userId="819ba6fb6ea0380f" providerId="LiveId" clId="{650812C4-EEA9-4F2B-9F39-40FEADFCFB65}" dt="2024-04-03T13:39:56.817" v="26"/>
+          <ac:spMkLst>
+            <pc:docMk/>
+            <pc:sldMk cId="2676376378" sldId="266"/>
+            <ac:spMk id="2" creationId="{992CC301-3AD0-3305-9424-2A78F98731C9}"/>
+          </ac:spMkLst>
+        </pc:spChg>
+        <pc:spChg chg="del">
+          <ac:chgData name="Aysha Gheewala" userId="819ba6fb6ea0380f" providerId="LiveId" clId="{650812C4-EEA9-4F2B-9F39-40FEADFCFB65}" dt="2024-04-03T13:40:00.840" v="27" actId="478"/>
+          <ac:spMkLst>
+            <pc:docMk/>
+            <pc:sldMk cId="2676376378" sldId="266"/>
+            <ac:spMk id="11" creationId="{00000000-0000-0000-0000-000000000000}"/>
+          </ac:spMkLst>
+        </pc:spChg>
+        <pc:spChg chg="mod">
+          <ac:chgData name="Aysha Gheewala" userId="819ba6fb6ea0380f" providerId="LiveId" clId="{650812C4-EEA9-4F2B-9F39-40FEADFCFB65}" dt="2024-04-03T13:40:42.196" v="35" actId="1035"/>
+          <ac:spMkLst>
+            <pc:docMk/>
+            <pc:sldMk cId="2676376378" sldId="266"/>
+            <ac:spMk id="13" creationId="{00000000-0000-0000-0000-000000000000}"/>
+          </ac:spMkLst>
+        </pc:spChg>
+        <pc:picChg chg="mod">
+          <ac:chgData name="Aysha Gheewala" userId="819ba6fb6ea0380f" providerId="LiveId" clId="{650812C4-EEA9-4F2B-9F39-40FEADFCFB65}" dt="2024-04-03T13:58:23.792" v="173" actId="1036"/>
+          <ac:picMkLst>
+            <pc:docMk/>
+            <pc:sldMk cId="2676376378" sldId="266"/>
+            <ac:picMk id="17" creationId="{15C64702-1FC0-9A06-11F9-26F4817C6414}"/>
+          </ac:picMkLst>
+        </pc:picChg>
+      </pc:sldChg>
+      <pc:sldChg chg="addSp delSp modSp mod">
+        <pc:chgData name="Aysha Gheewala" userId="819ba6fb6ea0380f" providerId="LiveId" clId="{650812C4-EEA9-4F2B-9F39-40FEADFCFB65}" dt="2024-04-03T13:59:54.632" v="185" actId="1076"/>
+        <pc:sldMkLst>
+          <pc:docMk/>
+          <pc:sldMk cId="4153134350" sldId="267"/>
+        </pc:sldMkLst>
+        <pc:spChg chg="del mod">
+          <ac:chgData name="Aysha Gheewala" userId="819ba6fb6ea0380f" providerId="LiveId" clId="{650812C4-EEA9-4F2B-9F39-40FEADFCFB65}" dt="2024-04-03T13:56:52.100" v="155" actId="478"/>
+          <ac:spMkLst>
+            <pc:docMk/>
+            <pc:sldMk cId="4153134350" sldId="267"/>
+            <ac:spMk id="2" creationId="{54B5C03A-E20C-212C-F6B9-B44059BB7FFF}"/>
+          </ac:spMkLst>
+        </pc:spChg>
+        <pc:spChg chg="del mod">
+          <ac:chgData name="Aysha Gheewala" userId="819ba6fb6ea0380f" providerId="LiveId" clId="{650812C4-EEA9-4F2B-9F39-40FEADFCFB65}" dt="2024-04-03T13:54:40.985" v="138" actId="478"/>
+          <ac:spMkLst>
+            <pc:docMk/>
+            <pc:sldMk cId="4153134350" sldId="267"/>
+            <ac:spMk id="4" creationId="{B84200C3-3E38-0FA4-9267-4DFA15EE31C7}"/>
+          </ac:spMkLst>
+        </pc:spChg>
+        <pc:spChg chg="mod">
+          <ac:chgData name="Aysha Gheewala" userId="819ba6fb6ea0380f" providerId="LiveId" clId="{650812C4-EEA9-4F2B-9F39-40FEADFCFB65}" dt="2024-04-03T13:42:24.007" v="41"/>
+          <ac:spMkLst>
+            <pc:docMk/>
+            <pc:sldMk cId="4153134350" sldId="267"/>
+            <ac:spMk id="5" creationId="{F20D7554-6094-D205-6FA1-B66D1218FDF1}"/>
+          </ac:spMkLst>
+        </pc:spChg>
+        <pc:spChg chg="mod">
+          <ac:chgData name="Aysha Gheewala" userId="819ba6fb6ea0380f" providerId="LiveId" clId="{650812C4-EEA9-4F2B-9F39-40FEADFCFB65}" dt="2024-04-03T13:42:24.007" v="41"/>
+          <ac:spMkLst>
+            <pc:docMk/>
+            <pc:sldMk cId="4153134350" sldId="267"/>
+            <ac:spMk id="7" creationId="{8D98DFC0-A770-5173-CEF2-129AF80CEF45}"/>
+          </ac:spMkLst>
+        </pc:spChg>
+        <pc:spChg chg="mod">
+          <ac:chgData name="Aysha Gheewala" userId="819ba6fb6ea0380f" providerId="LiveId" clId="{650812C4-EEA9-4F2B-9F39-40FEADFCFB65}" dt="2024-04-03T13:42:24.007" v="41"/>
+          <ac:spMkLst>
+            <pc:docMk/>
+            <pc:sldMk cId="4153134350" sldId="267"/>
+            <ac:spMk id="9" creationId="{D8DFC8E0-DC03-CEB8-C120-1DE967E22407}"/>
+          </ac:spMkLst>
+        </pc:spChg>
+        <pc:spChg chg="mod">
+          <ac:chgData name="Aysha Gheewala" userId="819ba6fb6ea0380f" providerId="LiveId" clId="{650812C4-EEA9-4F2B-9F39-40FEADFCFB65}" dt="2024-04-03T13:42:24.007" v="41"/>
+          <ac:spMkLst>
+            <pc:docMk/>
+            <pc:sldMk cId="4153134350" sldId="267"/>
+            <ac:spMk id="10" creationId="{35959466-85B0-C22F-9AF8-75DBCA921B18}"/>
+          </ac:spMkLst>
+        </pc:spChg>
+        <pc:spChg chg="del">
+          <ac:chgData name="Aysha Gheewala" userId="819ba6fb6ea0380f" providerId="LiveId" clId="{650812C4-EEA9-4F2B-9F39-40FEADFCFB65}" dt="2024-04-03T13:44:50.864" v="58" actId="478"/>
+          <ac:spMkLst>
+            <pc:docMk/>
+            <pc:sldMk cId="4153134350" sldId="267"/>
+            <ac:spMk id="11" creationId="{00000000-0000-0000-0000-000000000000}"/>
+          </ac:spMkLst>
+        </pc:spChg>
+        <pc:spChg chg="add mod">
+          <ac:chgData name="Aysha Gheewala" userId="819ba6fb6ea0380f" providerId="LiveId" clId="{650812C4-EEA9-4F2B-9F39-40FEADFCFB65}" dt="2024-04-03T13:59:34.712" v="181" actId="1076"/>
+          <ac:spMkLst>
+            <pc:docMk/>
+            <pc:sldMk cId="4153134350" sldId="267"/>
+            <ac:spMk id="12" creationId="{3C0D405B-1250-F766-59A2-CB39BB042DA0}"/>
+          </ac:spMkLst>
+        </pc:spChg>
+        <pc:spChg chg="mod">
+          <ac:chgData name="Aysha Gheewala" userId="819ba6fb6ea0380f" providerId="LiveId" clId="{650812C4-EEA9-4F2B-9F39-40FEADFCFB65}" dt="2024-04-03T13:41:29.770" v="40"/>
+          <ac:spMkLst>
+            <pc:docMk/>
+            <pc:sldMk cId="4153134350" sldId="267"/>
+            <ac:spMk id="13" creationId="{00000000-0000-0000-0000-000000000000}"/>
+          </ac:spMkLst>
+        </pc:spChg>
+        <pc:spChg chg="add mod">
+          <ac:chgData name="Aysha Gheewala" userId="819ba6fb6ea0380f" providerId="LiveId" clId="{650812C4-EEA9-4F2B-9F39-40FEADFCFB65}" dt="2024-04-03T13:59:34.712" v="181" actId="1076"/>
+          <ac:spMkLst>
+            <pc:docMk/>
+            <pc:sldMk cId="4153134350" sldId="267"/>
+            <ac:spMk id="14" creationId="{5606A40F-2815-F82D-4EF0-8665637675E5}"/>
+          </ac:spMkLst>
+        </pc:spChg>
+        <pc:spChg chg="add mod">
+          <ac:chgData name="Aysha Gheewala" userId="819ba6fb6ea0380f" providerId="LiveId" clId="{650812C4-EEA9-4F2B-9F39-40FEADFCFB65}" dt="2024-04-03T13:44:49.074" v="57"/>
+          <ac:spMkLst>
+            <pc:docMk/>
+            <pc:sldMk cId="4153134350" sldId="267"/>
+            <ac:spMk id="15" creationId="{2ECB01DE-7BE8-2C9C-E4CF-676BC0EE9227}"/>
+          </ac:spMkLst>
+        </pc:spChg>
+        <pc:spChg chg="mod ord">
+          <ac:chgData name="Aysha Gheewala" userId="819ba6fb6ea0380f" providerId="LiveId" clId="{650812C4-EEA9-4F2B-9F39-40FEADFCFB65}" dt="2024-04-03T13:51:09.573" v="120" actId="1076"/>
+          <ac:spMkLst>
+            <pc:docMk/>
+            <pc:sldMk cId="4153134350" sldId="267"/>
+            <ac:spMk id="17" creationId="{5159BE0F-1948-0096-00A5-634B9866DB6C}"/>
+          </ac:spMkLst>
+        </pc:spChg>
+        <pc:spChg chg="mod">
+          <ac:chgData name="Aysha Gheewala" userId="819ba6fb6ea0380f" providerId="LiveId" clId="{650812C4-EEA9-4F2B-9F39-40FEADFCFB65}" dt="2024-04-03T13:49:04.465" v="96"/>
+          <ac:spMkLst>
+            <pc:docMk/>
+            <pc:sldMk cId="4153134350" sldId="267"/>
+            <ac:spMk id="18" creationId="{2E0E25F1-4EE7-014B-15D7-754DC6908EFC}"/>
+          </ac:spMkLst>
+        </pc:spChg>
+        <pc:spChg chg="add del">
+          <ac:chgData name="Aysha Gheewala" userId="819ba6fb6ea0380f" providerId="LiveId" clId="{650812C4-EEA9-4F2B-9F39-40FEADFCFB65}" dt="2024-04-03T13:52:15.381" v="122" actId="478"/>
+          <ac:spMkLst>
+            <pc:docMk/>
+            <pc:sldMk cId="4153134350" sldId="267"/>
+            <ac:spMk id="19" creationId="{16D7035A-A18E-83D6-BCB4-AF7384F48BE4}"/>
+          </ac:spMkLst>
+        </pc:spChg>
+        <pc:spChg chg="add del">
+          <ac:chgData name="Aysha Gheewala" userId="819ba6fb6ea0380f" providerId="LiveId" clId="{650812C4-EEA9-4F2B-9F39-40FEADFCFB65}" dt="2024-04-03T13:52:25.590" v="124" actId="478"/>
+          <ac:spMkLst>
+            <pc:docMk/>
+            <pc:sldMk cId="4153134350" sldId="267"/>
+            <ac:spMk id="20" creationId="{486C4902-6F8E-B76E-677E-2E65D5D1FACA}"/>
+          </ac:spMkLst>
+        </pc:spChg>
+        <pc:spChg chg="mod ord">
+          <ac:chgData name="Aysha Gheewala" userId="819ba6fb6ea0380f" providerId="LiveId" clId="{650812C4-EEA9-4F2B-9F39-40FEADFCFB65}" dt="2024-04-03T13:53:40.472" v="131" actId="167"/>
+          <ac:spMkLst>
+            <pc:docMk/>
+            <pc:sldMk cId="4153134350" sldId="267"/>
+            <ac:spMk id="22" creationId="{24FB697E-0B04-5F8B-8307-D3632635E123}"/>
+          </ac:spMkLst>
+        </pc:spChg>
+        <pc:spChg chg="mod">
+          <ac:chgData name="Aysha Gheewala" userId="819ba6fb6ea0380f" providerId="LiveId" clId="{650812C4-EEA9-4F2B-9F39-40FEADFCFB65}" dt="2024-04-03T13:53:16.051" v="125"/>
+          <ac:spMkLst>
+            <pc:docMk/>
+            <pc:sldMk cId="4153134350" sldId="267"/>
+            <ac:spMk id="23" creationId="{C58BC2D9-4771-02C5-ACE0-138FB971802D}"/>
+          </ac:spMkLst>
+        </pc:spChg>
+        <pc:grpChg chg="add del mod">
+          <ac:chgData name="Aysha Gheewala" userId="819ba6fb6ea0380f" providerId="LiveId" clId="{650812C4-EEA9-4F2B-9F39-40FEADFCFB65}" dt="2024-04-03T13:53:23.094" v="128" actId="478"/>
+          <ac:grpSpMkLst>
+            <pc:docMk/>
+            <pc:sldMk cId="4153134350" sldId="267"/>
+            <ac:grpSpMk id="3" creationId="{50721756-5485-B10E-0A1C-5B66B1630742}"/>
+          </ac:grpSpMkLst>
+        </pc:grpChg>
+        <pc:grpChg chg="add mod">
+          <ac:chgData name="Aysha Gheewala" userId="819ba6fb6ea0380f" providerId="LiveId" clId="{650812C4-EEA9-4F2B-9F39-40FEADFCFB65}" dt="2024-04-03T13:59:34.712" v="181" actId="1076"/>
+          <ac:grpSpMkLst>
+            <pc:docMk/>
+            <pc:sldMk cId="4153134350" sldId="267"/>
+            <ac:grpSpMk id="8" creationId="{77EBB6D0-1DE0-02D7-7802-AF5C6BFFC42A}"/>
+          </ac:grpSpMkLst>
+        </pc:grpChg>
+        <pc:grpChg chg="add del mod ord">
+          <ac:chgData name="Aysha Gheewala" userId="819ba6fb6ea0380f" providerId="LiveId" clId="{650812C4-EEA9-4F2B-9F39-40FEADFCFB65}" dt="2024-04-03T13:54:23.525" v="137" actId="478"/>
+          <ac:grpSpMkLst>
+            <pc:docMk/>
+            <pc:sldMk cId="4153134350" sldId="267"/>
+            <ac:grpSpMk id="16" creationId="{C245FBB3-E258-0998-D668-425207221A33}"/>
+          </ac:grpSpMkLst>
+        </pc:grpChg>
+        <pc:grpChg chg="add mod ord">
+          <ac:chgData name="Aysha Gheewala" userId="819ba6fb6ea0380f" providerId="LiveId" clId="{650812C4-EEA9-4F2B-9F39-40FEADFCFB65}" dt="2024-04-03T13:59:34.712" v="181" actId="1076"/>
+          <ac:grpSpMkLst>
+            <pc:docMk/>
+            <pc:sldMk cId="4153134350" sldId="267"/>
+            <ac:grpSpMk id="21" creationId="{B997F880-0723-9C30-02C2-F650998FEF54}"/>
+          </ac:grpSpMkLst>
+        </pc:grpChg>
+        <pc:picChg chg="mod">
+          <ac:chgData name="Aysha Gheewala" userId="819ba6fb6ea0380f" providerId="LiveId" clId="{650812C4-EEA9-4F2B-9F39-40FEADFCFB65}" dt="2024-04-03T13:59:54.632" v="185" actId="1076"/>
+          <ac:picMkLst>
+            <pc:docMk/>
+            <pc:sldMk cId="4153134350" sldId="267"/>
+            <ac:picMk id="6" creationId="{77BBF90E-89F3-6948-AE3E-34E96D9DE52D}"/>
+          </ac:picMkLst>
+        </pc:picChg>
+      </pc:sldChg>
+    </pc:docChg>
+  </pc:docChgLst>
+</pc:chgInfo>
+</file>
+
 <file path=ppt/notesMasters/notesMaster1.xml><?xml version="1.0" encoding="utf-8"?>
 <p:notesMaster xmlns:a="http://schemas.openxmlformats.org/drawingml/2006/main" xmlns:r="http://schemas.openxmlformats.org/officeDocument/2006/relationships" xmlns:p="http://schemas.openxmlformats.org/presentationml/2006/main">
   <p:cSld>
@@ -246,7 +593,7 @@
           <a:p>
             <a:fld id="{85BA90B5-C4B4-C647-BC3D-46BF24662E26}" type="datetimeFigureOut">
               <a:rPr lang="en-US" smtClean="0"/>
-              <a:t>4/2/2024</a:t>
+              <a:t>4/3/2024</a:t>
             </a:fld>
             <a:endParaRPr lang="en-US"/>
           </a:p>
@@ -2581,7 +2928,7 @@
             <a:fld id="{1D8BD707-D9CF-40AE-B4C6-C98DA3205C09}" type="datetimeFigureOut">
               <a:rPr lang="en-US" smtClean="0"/>
               <a:pPr/>
-              <a:t>4/2/2024</a:t>
+              <a:t>4/3/2024</a:t>
             </a:fld>
             <a:endParaRPr lang="en-US"/>
           </a:p>
@@ -2746,7 +3093,7 @@
             <a:fld id="{1D8BD707-D9CF-40AE-B4C6-C98DA3205C09}" type="datetimeFigureOut">
               <a:rPr lang="en-US" smtClean="0"/>
               <a:pPr/>
-              <a:t>4/2/2024</a:t>
+              <a:t>4/3/2024</a:t>
             </a:fld>
             <a:endParaRPr lang="en-US"/>
           </a:p>
@@ -2921,7 +3268,7 @@
             <a:fld id="{1D8BD707-D9CF-40AE-B4C6-C98DA3205C09}" type="datetimeFigureOut">
               <a:rPr lang="en-US" smtClean="0"/>
               <a:pPr/>
-              <a:t>4/2/2024</a:t>
+              <a:t>4/3/2024</a:t>
             </a:fld>
             <a:endParaRPr lang="en-US"/>
           </a:p>
@@ -3086,7 +3433,7 @@
             <a:fld id="{1D8BD707-D9CF-40AE-B4C6-C98DA3205C09}" type="datetimeFigureOut">
               <a:rPr lang="en-US" smtClean="0"/>
               <a:pPr/>
-              <a:t>4/2/2024</a:t>
+              <a:t>4/3/2024</a:t>
             </a:fld>
             <a:endParaRPr lang="en-US"/>
           </a:p>
@@ -3328,7 +3675,7 @@
             <a:fld id="{1D8BD707-D9CF-40AE-B4C6-C98DA3205C09}" type="datetimeFigureOut">
               <a:rPr lang="en-US" smtClean="0"/>
               <a:pPr/>
-              <a:t>4/2/2024</a:t>
+              <a:t>4/3/2024</a:t>
             </a:fld>
             <a:endParaRPr lang="en-US"/>
           </a:p>
@@ -3610,7 +3957,7 @@
             <a:fld id="{1D8BD707-D9CF-40AE-B4C6-C98DA3205C09}" type="datetimeFigureOut">
               <a:rPr lang="en-US" smtClean="0"/>
               <a:pPr/>
-              <a:t>4/2/2024</a:t>
+              <a:t>4/3/2024</a:t>
             </a:fld>
             <a:endParaRPr lang="en-US"/>
           </a:p>
@@ -4026,7 +4373,7 @@
             <a:fld id="{1D8BD707-D9CF-40AE-B4C6-C98DA3205C09}" type="datetimeFigureOut">
               <a:rPr lang="en-US" smtClean="0"/>
               <a:pPr/>
-              <a:t>4/2/2024</a:t>
+              <a:t>4/3/2024</a:t>
             </a:fld>
             <a:endParaRPr lang="en-US"/>
           </a:p>
@@ -4140,7 +4487,7 @@
             <a:fld id="{1D8BD707-D9CF-40AE-B4C6-C98DA3205C09}" type="datetimeFigureOut">
               <a:rPr lang="en-US" smtClean="0"/>
               <a:pPr/>
-              <a:t>4/2/2024</a:t>
+              <a:t>4/3/2024</a:t>
             </a:fld>
             <a:endParaRPr lang="en-US"/>
           </a:p>
@@ -4232,7 +4579,7 @@
             <a:fld id="{1D8BD707-D9CF-40AE-B4C6-C98DA3205C09}" type="datetimeFigureOut">
               <a:rPr lang="en-US" smtClean="0"/>
               <a:pPr/>
-              <a:t>4/2/2024</a:t>
+              <a:t>4/3/2024</a:t>
             </a:fld>
             <a:endParaRPr lang="en-US"/>
           </a:p>
@@ -4504,7 +4851,7 @@
             <a:fld id="{1D8BD707-D9CF-40AE-B4C6-C98DA3205C09}" type="datetimeFigureOut">
               <a:rPr lang="en-US" smtClean="0"/>
               <a:pPr/>
-              <a:t>4/2/2024</a:t>
+              <a:t>4/3/2024</a:t>
             </a:fld>
             <a:endParaRPr lang="en-US"/>
           </a:p>
@@ -4753,7 +5100,7 @@
             <a:fld id="{1D8BD707-D9CF-40AE-B4C6-C98DA3205C09}" type="datetimeFigureOut">
               <a:rPr lang="en-US" smtClean="0"/>
               <a:pPr/>
-              <a:t>4/2/2024</a:t>
+              <a:t>4/3/2024</a:t>
             </a:fld>
             <a:endParaRPr lang="en-US"/>
           </a:p>
@@ -4961,7 +5308,7 @@
             <a:fld id="{1D8BD707-D9CF-40AE-B4C6-C98DA3205C09}" type="datetimeFigureOut">
               <a:rPr lang="en-US" smtClean="0"/>
               <a:pPr/>
-              <a:t>4/2/2024</a:t>
+              <a:t>4/3/2024</a:t>
             </a:fld>
             <a:endParaRPr lang="en-US"/>
           </a:p>
@@ -6138,65 +6485,135 @@
           <a:chExt cx="0" cy="0"/>
         </a:xfrm>
       </p:grpSpPr>
-      <p:sp>
-        <p:nvSpPr>
-          <p:cNvPr id="11" name="Freeform 11"/>
-          <p:cNvSpPr/>
+      <p:grpSp>
+        <p:nvGrpSpPr>
+          <p:cNvPr id="21" name="Group 7">
+            <a:extLst>
+              <a:ext uri="{FF2B5EF4-FFF2-40B4-BE49-F238E27FC236}">
+                <a16:creationId xmlns:a16="http://schemas.microsoft.com/office/drawing/2014/main" id="{B997F880-0723-9C30-02C2-F650998FEF54}"/>
+              </a:ext>
+            </a:extLst>
+          </p:cNvPr>
+          <p:cNvGrpSpPr/>
           <p:nvPr/>
-        </p:nvSpPr>
-        <p:spPr>
+        </p:nvGrpSpPr>
+        <p:grpSpPr>
           <a:xfrm>
-            <a:off x="152400" y="8189346"/>
-            <a:ext cx="2168627" cy="2097654"/>
+            <a:off x="1368011" y="3499970"/>
+            <a:ext cx="5645977" cy="3287060"/>
+            <a:chOff x="0" y="0"/>
+            <a:chExt cx="655225" cy="381469"/>
           </a:xfrm>
-          <a:custGeom>
-            <a:avLst/>
-            <a:gdLst/>
-            <a:ahLst/>
-            <a:cxnLst/>
-            <a:rect l="l" t="t" r="r" b="b"/>
-            <a:pathLst>
-              <a:path w="2168627" h="2097654">
-                <a:moveTo>
-                  <a:pt x="0" y="0"/>
-                </a:moveTo>
-                <a:lnTo>
-                  <a:pt x="2168627" y="0"/>
-                </a:lnTo>
-                <a:lnTo>
-                  <a:pt x="2168627" y="2097654"/>
-                </a:lnTo>
-                <a:lnTo>
-                  <a:pt x="0" y="2097654"/>
-                </a:lnTo>
-                <a:lnTo>
-                  <a:pt x="0" y="0"/>
-                </a:lnTo>
-                <a:close/>
-              </a:path>
-            </a:pathLst>
-          </a:custGeom>
-          <a:blipFill>
-            <a:blip r:embed="rId3">
+        </p:grpSpPr>
+        <p:sp>
+          <p:nvSpPr>
+            <p:cNvPr id="22" name="Freeform 8">
               <a:extLst>
-                <a:ext uri="{96DAC541-7B7A-43D3-8B79-37D633B846F1}">
-                  <asvg:svgBlip xmlns:asvg="http://schemas.microsoft.com/office/drawing/2016/SVG/main" r:embed="rId4"/>
+                <a:ext uri="{FF2B5EF4-FFF2-40B4-BE49-F238E27FC236}">
+                  <a16:creationId xmlns:a16="http://schemas.microsoft.com/office/drawing/2014/main" id="{24FB697E-0B04-5F8B-8307-D3632635E123}"/>
                 </a:ext>
               </a:extLst>
-            </a:blip>
-            <a:stretch>
-              <a:fillRect/>
-            </a:stretch>
-          </a:blipFill>
-        </p:spPr>
-        <p:txBody>
-          <a:bodyPr/>
-          <a:lstStyle/>
-          <a:p>
-            <a:endParaRPr lang="en-US"/>
-          </a:p>
-        </p:txBody>
-      </p:sp>
+            </p:cNvPr>
+            <p:cNvSpPr/>
+            <p:nvPr/>
+          </p:nvSpPr>
+          <p:spPr>
+            <a:xfrm>
+              <a:off x="0" y="0"/>
+              <a:ext cx="655225" cy="381469"/>
+            </a:xfrm>
+            <a:custGeom>
+              <a:avLst/>
+              <a:gdLst/>
+              <a:ahLst/>
+              <a:cxnLst/>
+              <a:rect l="l" t="t" r="r" b="b"/>
+              <a:pathLst>
+                <a:path w="655225" h="381469">
+                  <a:moveTo>
+                    <a:pt x="452025" y="0"/>
+                  </a:moveTo>
+                  <a:cubicBezTo>
+                    <a:pt x="564250" y="0"/>
+                    <a:pt x="655225" y="85395"/>
+                    <a:pt x="655225" y="190734"/>
+                  </a:cubicBezTo>
+                  <a:cubicBezTo>
+                    <a:pt x="655225" y="296074"/>
+                    <a:pt x="564250" y="381469"/>
+                    <a:pt x="452025" y="381469"/>
+                  </a:cubicBezTo>
+                  <a:lnTo>
+                    <a:pt x="203200" y="381469"/>
+                  </a:lnTo>
+                  <a:cubicBezTo>
+                    <a:pt x="90976" y="381469"/>
+                    <a:pt x="0" y="296074"/>
+                    <a:pt x="0" y="190734"/>
+                  </a:cubicBezTo>
+                  <a:cubicBezTo>
+                    <a:pt x="0" y="85395"/>
+                    <a:pt x="90976" y="0"/>
+                    <a:pt x="203200" y="0"/>
+                  </a:cubicBezTo>
+                  <a:close/>
+                </a:path>
+              </a:pathLst>
+            </a:custGeom>
+            <a:solidFill>
+              <a:srgbClr val="E9EAF6"/>
+            </a:solidFill>
+            <a:ln w="19050" cap="sq">
+              <a:solidFill>
+                <a:srgbClr val="414370"/>
+              </a:solidFill>
+              <a:prstDash val="lgDash"/>
+              <a:miter/>
+            </a:ln>
+          </p:spPr>
+          <p:txBody>
+            <a:bodyPr/>
+            <a:lstStyle/>
+            <a:p>
+              <a:endParaRPr lang="en-US" dirty="0"/>
+            </a:p>
+          </p:txBody>
+        </p:sp>
+        <p:sp>
+          <p:nvSpPr>
+            <p:cNvPr id="23" name="TextBox 9">
+              <a:extLst>
+                <a:ext uri="{FF2B5EF4-FFF2-40B4-BE49-F238E27FC236}">
+                  <a16:creationId xmlns:a16="http://schemas.microsoft.com/office/drawing/2014/main" id="{C58BC2D9-4771-02C5-ACE0-138FB971802D}"/>
+                </a:ext>
+              </a:extLst>
+            </p:cNvPr>
+            <p:cNvSpPr txBox="1"/>
+            <p:nvPr/>
+          </p:nvSpPr>
+          <p:spPr>
+            <a:xfrm>
+              <a:off x="0" y="-38100"/>
+              <a:ext cx="655225" cy="419569"/>
+            </a:xfrm>
+            <a:prstGeom prst="rect">
+              <a:avLst/>
+            </a:prstGeom>
+          </p:spPr>
+          <p:txBody>
+            <a:bodyPr lIns="50800" tIns="50800" rIns="50800" bIns="50800" rtlCol="0" anchor="ctr"/>
+            <a:lstStyle/>
+            <a:p>
+              <a:pPr algn="ctr">
+                <a:lnSpc>
+                  <a:spcPts val="2659"/>
+                </a:lnSpc>
+              </a:pPr>
+              <a:endParaRPr/>
+            </a:p>
+          </p:txBody>
+        </p:sp>
+      </p:grpSp>
       <p:sp>
         <p:nvSpPr>
           <p:cNvPr id="13" name="TextBox 13"/>
@@ -6230,209 +6647,8 @@
                 </a:solidFill>
                 <a:latin typeface="Brick Sans"/>
               </a:rPr>
-              <a:t>FRONT-END VISUALISATION OF MODEL PERFORMACE</a:t>
-            </a:r>
-          </a:p>
-        </p:txBody>
-      </p:sp>
-      <p:sp>
-        <p:nvSpPr>
-          <p:cNvPr id="2" name="TextBox 1">
-            <a:extLst>
-              <a:ext uri="{FF2B5EF4-FFF2-40B4-BE49-F238E27FC236}">
-                <a16:creationId xmlns:a16="http://schemas.microsoft.com/office/drawing/2014/main" id="{54B5C03A-E20C-212C-F6B9-B44059BB7FFF}"/>
-              </a:ext>
-            </a:extLst>
-          </p:cNvPr>
-          <p:cNvSpPr txBox="1"/>
-          <p:nvPr/>
-        </p:nvSpPr>
-        <p:spPr>
-          <a:xfrm>
-            <a:off x="381000" y="3290047"/>
-            <a:ext cx="4876800" cy="2677656"/>
-          </a:xfrm>
-          <a:prstGeom prst="rect">
-            <a:avLst/>
-          </a:prstGeom>
-        </p:spPr>
-        <p:style>
-          <a:lnRef idx="1">
-            <a:schemeClr val="accent1"/>
-          </a:lnRef>
-          <a:fillRef idx="2">
-            <a:schemeClr val="accent1"/>
-          </a:fillRef>
-          <a:effectRef idx="1">
-            <a:schemeClr val="accent1"/>
-          </a:effectRef>
-          <a:fontRef idx="minor">
-            <a:schemeClr val="dk1"/>
-          </a:fontRef>
-        </p:style>
-        <p:txBody>
-          <a:bodyPr wrap="square" rtlCol="0">
-            <a:spAutoFit/>
-          </a:bodyPr>
-          <a:lstStyle/>
-          <a:p>
-            <a:pPr algn="ctr"/>
-            <a:r>
-              <a:rPr lang="en-GB" sz="2400" b="0" i="0" dirty="0" err="1">
-                <a:solidFill>
-                  <a:srgbClr val="0070C0"/>
-                </a:solidFill>
-                <a:effectLst/>
-                <a:latin typeface="Aptos SemiBold" panose="020F0502020204030204" pitchFamily="34" charset="0"/>
-              </a:rPr>
-              <a:t>DiabPredict</a:t>
-            </a:r>
-            <a:r>
-              <a:rPr lang="en-GB" sz="2400" b="0" i="0" dirty="0">
-                <a:solidFill>
-                  <a:srgbClr val="0070C0"/>
-                </a:solidFill>
-                <a:effectLst/>
-                <a:latin typeface="Aptos SemiBold" panose="020F0502020204030204" pitchFamily="34" charset="0"/>
-              </a:rPr>
-              <a:t>+ </a:t>
-            </a:r>
-          </a:p>
-          <a:p>
-            <a:pPr marL="285750" indent="-285750" algn="just">
-              <a:buFont typeface="Wingdings" panose="05000000000000000000" pitchFamily="2" charset="2"/>
-              <a:buChar char="§"/>
-            </a:pPr>
-            <a:r>
-              <a:rPr lang="en-GB" b="0" i="0" dirty="0">
-                <a:solidFill>
-                  <a:srgbClr val="0D0D0D"/>
-                </a:solidFill>
-                <a:effectLst/>
-                <a:latin typeface="Aptos SemiBold" panose="020F0502020204030204" pitchFamily="34" charset="0"/>
-              </a:rPr>
-              <a:t>Web app predicts diabetes risk using machine learning. </a:t>
-            </a:r>
-          </a:p>
-          <a:p>
-            <a:pPr marL="285750" indent="-285750" algn="just">
-              <a:buFont typeface="Wingdings" panose="05000000000000000000" pitchFamily="2" charset="2"/>
-              <a:buChar char="§"/>
-            </a:pPr>
-            <a:r>
-              <a:rPr lang="en-GB" b="0" i="0" dirty="0">
-                <a:solidFill>
-                  <a:srgbClr val="0D0D0D"/>
-                </a:solidFill>
-                <a:effectLst/>
-                <a:latin typeface="Aptos SemiBold" panose="020F0502020204030204" pitchFamily="34" charset="0"/>
-              </a:rPr>
-              <a:t>With input on age, gender, lifestyle, and medical history, it instantly assesses diabetes status and probability. </a:t>
-            </a:r>
-          </a:p>
-          <a:p>
-            <a:pPr marL="285750" indent="-285750" algn="just">
-              <a:buFont typeface="Wingdings" panose="05000000000000000000" pitchFamily="2" charset="2"/>
-              <a:buChar char="§"/>
-            </a:pPr>
-            <a:r>
-              <a:rPr lang="en-GB" b="0" i="0" dirty="0">
-                <a:solidFill>
-                  <a:srgbClr val="0D0D0D"/>
-                </a:solidFill>
-                <a:effectLst/>
-                <a:latin typeface="Aptos SemiBold" panose="020F0502020204030204" pitchFamily="34" charset="0"/>
-              </a:rPr>
-              <a:t>Built on Flask and </a:t>
-            </a:r>
-            <a:r>
-              <a:rPr lang="en-GB" b="0" i="0" dirty="0" err="1">
-                <a:solidFill>
-                  <a:srgbClr val="0D0D0D"/>
-                </a:solidFill>
-                <a:effectLst/>
-                <a:latin typeface="Aptos SemiBold" panose="020F0502020204030204" pitchFamily="34" charset="0"/>
-              </a:rPr>
-              <a:t>Keras</a:t>
-            </a:r>
-            <a:r>
-              <a:rPr lang="en-GB" b="0" i="0" dirty="0">
-                <a:solidFill>
-                  <a:srgbClr val="0D0D0D"/>
-                </a:solidFill>
-                <a:effectLst/>
-                <a:latin typeface="Aptos SemiBold" panose="020F0502020204030204" pitchFamily="34" charset="0"/>
-              </a:rPr>
-              <a:t>, it offers accurate predictions and promotes health awareness.“</a:t>
-            </a:r>
-            <a:endParaRPr lang="en-US" dirty="0">
-              <a:latin typeface="Aptos SemiBold" panose="020F0502020204030204" pitchFamily="34" charset="0"/>
-            </a:endParaRPr>
-          </a:p>
-        </p:txBody>
-      </p:sp>
-      <p:sp>
-        <p:nvSpPr>
-          <p:cNvPr id="4" name="Freeform 16">
-            <a:extLst>
-              <a:ext uri="{FF2B5EF4-FFF2-40B4-BE49-F238E27FC236}">
-                <a16:creationId xmlns:a16="http://schemas.microsoft.com/office/drawing/2014/main" id="{B84200C3-3E38-0FA4-9267-4DFA15EE31C7}"/>
-              </a:ext>
-            </a:extLst>
-          </p:cNvPr>
-          <p:cNvSpPr/>
-          <p:nvPr/>
-        </p:nvSpPr>
-        <p:spPr>
-          <a:xfrm rot="905778">
-            <a:off x="14904023" y="3465264"/>
-            <a:ext cx="1460273" cy="2294715"/>
-          </a:xfrm>
-          <a:custGeom>
-            <a:avLst/>
-            <a:gdLst/>
-            <a:ahLst/>
-            <a:cxnLst/>
-            <a:rect l="l" t="t" r="r" b="b"/>
-            <a:pathLst>
-              <a:path w="1460273" h="2294715">
-                <a:moveTo>
-                  <a:pt x="0" y="0"/>
-                </a:moveTo>
-                <a:lnTo>
-                  <a:pt x="1460273" y="0"/>
-                </a:lnTo>
-                <a:lnTo>
-                  <a:pt x="1460273" y="2294715"/>
-                </a:lnTo>
-                <a:lnTo>
-                  <a:pt x="0" y="2294715"/>
-                </a:lnTo>
-                <a:lnTo>
-                  <a:pt x="0" y="0"/>
-                </a:lnTo>
-                <a:close/>
-              </a:path>
-            </a:pathLst>
-          </a:custGeom>
-          <a:blipFill>
-            <a:blip r:embed="rId5">
-              <a:extLst>
-                <a:ext uri="{96DAC541-7B7A-43D3-8B79-37D633B846F1}">
-                  <asvg:svgBlip xmlns:asvg="http://schemas.microsoft.com/office/drawing/2016/SVG/main" r:embed="rId6"/>
-                </a:ext>
-              </a:extLst>
-            </a:blip>
-            <a:stretch>
-              <a:fillRect/>
-            </a:stretch>
-          </a:blipFill>
-        </p:spPr>
-        <p:txBody>
-          <a:bodyPr/>
-          <a:lstStyle/>
-          <a:p>
-            <a:endParaRPr lang="en-US"/>
+              <a:t>Front-end Visualisation Of Model Performance</a:t>
+            </a:r>
           </a:p>
         </p:txBody>
       </p:sp>
@@ -6451,15 +6667,15 @@
           <p:nvPr/>
         </p:nvPicPr>
         <p:blipFill>
-          <a:blip r:embed="rId7"/>
+          <a:blip r:embed="rId3"/>
           <a:stretch>
             <a:fillRect/>
           </a:stretch>
         </p:blipFill>
         <p:spPr>
           <a:xfrm>
-            <a:off x="6096000" y="1333500"/>
-            <a:ext cx="7414451" cy="8686800"/>
+            <a:off x="7663189" y="1409700"/>
+            <a:ext cx="6629400" cy="8468856"/>
           </a:xfrm>
           <a:prstGeom prst="round2DiagRect">
             <a:avLst>
@@ -6482,6 +6698,337 @@
           </a:effectLst>
         </p:spPr>
       </p:pic>
+      <p:grpSp>
+        <p:nvGrpSpPr>
+          <p:cNvPr id="8" name="Group 16">
+            <a:extLst>
+              <a:ext uri="{FF2B5EF4-FFF2-40B4-BE49-F238E27FC236}">
+                <a16:creationId xmlns:a16="http://schemas.microsoft.com/office/drawing/2014/main" id="{77EBB6D0-1DE0-02D7-7802-AF5C6BFFC42A}"/>
+              </a:ext>
+            </a:extLst>
+          </p:cNvPr>
+          <p:cNvGrpSpPr/>
+          <p:nvPr/>
+        </p:nvGrpSpPr>
+        <p:grpSpPr>
+          <a:xfrm>
+            <a:off x="2580680" y="3195170"/>
+            <a:ext cx="3202584" cy="592330"/>
+            <a:chOff x="0" y="0"/>
+            <a:chExt cx="2121149" cy="381469"/>
+          </a:xfrm>
+        </p:grpSpPr>
+        <p:sp>
+          <p:nvSpPr>
+            <p:cNvPr id="9" name="Freeform 17">
+              <a:extLst>
+                <a:ext uri="{FF2B5EF4-FFF2-40B4-BE49-F238E27FC236}">
+                  <a16:creationId xmlns:a16="http://schemas.microsoft.com/office/drawing/2014/main" id="{D8DFC8E0-DC03-CEB8-C120-1DE967E22407}"/>
+                </a:ext>
+              </a:extLst>
+            </p:cNvPr>
+            <p:cNvSpPr/>
+            <p:nvPr/>
+          </p:nvSpPr>
+          <p:spPr>
+            <a:xfrm>
+              <a:off x="0" y="0"/>
+              <a:ext cx="2121149" cy="381469"/>
+            </a:xfrm>
+            <a:custGeom>
+              <a:avLst/>
+              <a:gdLst/>
+              <a:ahLst/>
+              <a:cxnLst/>
+              <a:rect l="l" t="t" r="r" b="b"/>
+              <a:pathLst>
+                <a:path w="2121149" h="381469">
+                  <a:moveTo>
+                    <a:pt x="1917949" y="0"/>
+                  </a:moveTo>
+                  <a:cubicBezTo>
+                    <a:pt x="2030174" y="0"/>
+                    <a:pt x="2121149" y="85395"/>
+                    <a:pt x="2121149" y="190734"/>
+                  </a:cubicBezTo>
+                  <a:cubicBezTo>
+                    <a:pt x="2121149" y="296074"/>
+                    <a:pt x="2030174" y="381469"/>
+                    <a:pt x="1917949" y="381469"/>
+                  </a:cubicBezTo>
+                  <a:lnTo>
+                    <a:pt x="203200" y="381469"/>
+                  </a:lnTo>
+                  <a:cubicBezTo>
+                    <a:pt x="90976" y="381469"/>
+                    <a:pt x="0" y="296074"/>
+                    <a:pt x="0" y="190734"/>
+                  </a:cubicBezTo>
+                  <a:cubicBezTo>
+                    <a:pt x="0" y="85395"/>
+                    <a:pt x="90976" y="0"/>
+                    <a:pt x="203200" y="0"/>
+                  </a:cubicBezTo>
+                  <a:close/>
+                </a:path>
+              </a:pathLst>
+            </a:custGeom>
+            <a:solidFill>
+              <a:srgbClr val="BDD2EA"/>
+            </a:solidFill>
+          </p:spPr>
+          <p:txBody>
+            <a:bodyPr/>
+            <a:lstStyle/>
+            <a:p>
+              <a:endParaRPr lang="en-US"/>
+            </a:p>
+          </p:txBody>
+        </p:sp>
+        <p:sp>
+          <p:nvSpPr>
+            <p:cNvPr id="10" name="TextBox 18">
+              <a:extLst>
+                <a:ext uri="{FF2B5EF4-FFF2-40B4-BE49-F238E27FC236}">
+                  <a16:creationId xmlns:a16="http://schemas.microsoft.com/office/drawing/2014/main" id="{35959466-85B0-C22F-9AF8-75DBCA921B18}"/>
+                </a:ext>
+              </a:extLst>
+            </p:cNvPr>
+            <p:cNvSpPr txBox="1"/>
+            <p:nvPr/>
+          </p:nvSpPr>
+          <p:spPr>
+            <a:xfrm>
+              <a:off x="0" y="-38100"/>
+              <a:ext cx="2121149" cy="419569"/>
+            </a:xfrm>
+            <a:prstGeom prst="rect">
+              <a:avLst/>
+            </a:prstGeom>
+          </p:spPr>
+          <p:txBody>
+            <a:bodyPr lIns="50800" tIns="50800" rIns="50800" bIns="50800" rtlCol="0" anchor="ctr"/>
+            <a:lstStyle/>
+            <a:p>
+              <a:pPr algn="ctr">
+                <a:lnSpc>
+                  <a:spcPts val="2659"/>
+                </a:lnSpc>
+              </a:pPr>
+              <a:endParaRPr/>
+            </a:p>
+          </p:txBody>
+        </p:sp>
+      </p:grpSp>
+      <p:sp>
+        <p:nvSpPr>
+          <p:cNvPr id="12" name="TextBox 41">
+            <a:extLst>
+              <a:ext uri="{FF2B5EF4-FFF2-40B4-BE49-F238E27FC236}">
+                <a16:creationId xmlns:a16="http://schemas.microsoft.com/office/drawing/2014/main" id="{3C0D405B-1250-F766-59A2-CB39BB042DA0}"/>
+              </a:ext>
+            </a:extLst>
+          </p:cNvPr>
+          <p:cNvSpPr txBox="1"/>
+          <p:nvPr/>
+        </p:nvSpPr>
+        <p:spPr>
+          <a:xfrm>
+            <a:off x="2123480" y="3957170"/>
+            <a:ext cx="4327040" cy="2631490"/>
+          </a:xfrm>
+          <a:prstGeom prst="rect">
+            <a:avLst/>
+          </a:prstGeom>
+        </p:spPr>
+        <p:txBody>
+          <a:bodyPr wrap="square" lIns="0" tIns="0" rIns="0" bIns="0" rtlCol="0" anchor="t">
+            <a:spAutoFit/>
+          </a:bodyPr>
+          <a:lstStyle/>
+          <a:p>
+            <a:pPr marL="285750" indent="-285750" algn="just">
+              <a:buFont typeface="Wingdings" panose="05000000000000000000" pitchFamily="2" charset="2"/>
+              <a:buChar char="§"/>
+            </a:pPr>
+            <a:r>
+              <a:rPr lang="en-GB" sz="1900" b="0" i="0" dirty="0">
+                <a:solidFill>
+                  <a:srgbClr val="0D0D0D"/>
+                </a:solidFill>
+                <a:effectLst/>
+                <a:latin typeface="Public Sans" panose="020B0604020202020204" charset="0"/>
+              </a:rPr>
+              <a:t>Web app predicts diabetes risk using machine learning. </a:t>
+            </a:r>
+          </a:p>
+          <a:p>
+            <a:pPr marL="285750" indent="-285750" algn="just">
+              <a:buFont typeface="Wingdings" panose="05000000000000000000" pitchFamily="2" charset="2"/>
+              <a:buChar char="§"/>
+            </a:pPr>
+            <a:r>
+              <a:rPr lang="en-GB" sz="1900" b="0" i="0" dirty="0">
+                <a:solidFill>
+                  <a:srgbClr val="0D0D0D"/>
+                </a:solidFill>
+                <a:effectLst/>
+                <a:latin typeface="Public Sans" panose="020B0604020202020204" charset="0"/>
+              </a:rPr>
+              <a:t>With input on age, gender, lifestyle, and medical history, it instantly assesses diabetes status and probability. </a:t>
+            </a:r>
+          </a:p>
+          <a:p>
+            <a:pPr marL="285750" indent="-285750" algn="just">
+              <a:buFont typeface="Wingdings" panose="05000000000000000000" pitchFamily="2" charset="2"/>
+              <a:buChar char="§"/>
+            </a:pPr>
+            <a:r>
+              <a:rPr lang="en-GB" sz="1900" b="0" i="0" dirty="0">
+                <a:solidFill>
+                  <a:srgbClr val="0D0D0D"/>
+                </a:solidFill>
+                <a:effectLst/>
+                <a:latin typeface="Public Sans" panose="020B0604020202020204" charset="0"/>
+              </a:rPr>
+              <a:t>Built on Flask and </a:t>
+            </a:r>
+            <a:r>
+              <a:rPr lang="en-GB" sz="1900" b="0" i="0" dirty="0" err="1">
+                <a:solidFill>
+                  <a:srgbClr val="0D0D0D"/>
+                </a:solidFill>
+                <a:effectLst/>
+                <a:latin typeface="Public Sans" panose="020B0604020202020204" charset="0"/>
+              </a:rPr>
+              <a:t>Keras</a:t>
+            </a:r>
+            <a:r>
+              <a:rPr lang="en-GB" sz="1900" b="0" i="0" dirty="0">
+                <a:solidFill>
+                  <a:srgbClr val="0D0D0D"/>
+                </a:solidFill>
+                <a:effectLst/>
+                <a:latin typeface="Public Sans" panose="020B0604020202020204" charset="0"/>
+              </a:rPr>
+              <a:t>, it offers accurate predictions and promotes health awareness.</a:t>
+            </a:r>
+            <a:endParaRPr lang="en-US" sz="1900" dirty="0">
+              <a:latin typeface="Public Sans" panose="020B0604020202020204" charset="0"/>
+            </a:endParaRPr>
+          </a:p>
+        </p:txBody>
+      </p:sp>
+      <p:sp>
+        <p:nvSpPr>
+          <p:cNvPr id="14" name="TextBox 45">
+            <a:extLst>
+              <a:ext uri="{FF2B5EF4-FFF2-40B4-BE49-F238E27FC236}">
+                <a16:creationId xmlns:a16="http://schemas.microsoft.com/office/drawing/2014/main" id="{5606A40F-2815-F82D-4EF0-8665637675E5}"/>
+              </a:ext>
+            </a:extLst>
+          </p:cNvPr>
+          <p:cNvSpPr txBox="1"/>
+          <p:nvPr/>
+        </p:nvSpPr>
+        <p:spPr>
+          <a:xfrm>
+            <a:off x="2685352" y="3202307"/>
+            <a:ext cx="3015663" cy="492444"/>
+          </a:xfrm>
+          <a:prstGeom prst="rect">
+            <a:avLst/>
+          </a:prstGeom>
+        </p:spPr>
+        <p:txBody>
+          <a:bodyPr wrap="square" lIns="0" tIns="0" rIns="0" bIns="0" rtlCol="0" anchor="t">
+            <a:spAutoFit/>
+          </a:bodyPr>
+          <a:lstStyle/>
+          <a:p>
+            <a:pPr algn="ctr"/>
+            <a:r>
+              <a:rPr lang="en-GB" sz="2800" i="0" dirty="0">
+                <a:effectLst/>
+                <a:latin typeface="Public Sans Bold" panose="020B0604020202020204" charset="0"/>
+              </a:rPr>
+              <a:t>DiabPredict</a:t>
+            </a:r>
+            <a:r>
+              <a:rPr lang="en-GB" sz="3200" i="0" dirty="0">
+                <a:effectLst/>
+                <a:latin typeface="Public Sans Bold" panose="020B0604020202020204" charset="0"/>
+              </a:rPr>
+              <a:t>+ </a:t>
+            </a:r>
+          </a:p>
+        </p:txBody>
+      </p:sp>
+      <p:sp>
+        <p:nvSpPr>
+          <p:cNvPr id="15" name="Freeform 11">
+            <a:extLst>
+              <a:ext uri="{FF2B5EF4-FFF2-40B4-BE49-F238E27FC236}">
+                <a16:creationId xmlns:a16="http://schemas.microsoft.com/office/drawing/2014/main" id="{2ECB01DE-7BE8-2C9C-E4CF-676BC0EE9227}"/>
+              </a:ext>
+            </a:extLst>
+          </p:cNvPr>
+          <p:cNvSpPr/>
+          <p:nvPr/>
+        </p:nvSpPr>
+        <p:spPr>
+          <a:xfrm>
+            <a:off x="1028700" y="8189346"/>
+            <a:ext cx="2168627" cy="2097654"/>
+          </a:xfrm>
+          <a:custGeom>
+            <a:avLst/>
+            <a:gdLst/>
+            <a:ahLst/>
+            <a:cxnLst/>
+            <a:rect l="l" t="t" r="r" b="b"/>
+            <a:pathLst>
+              <a:path w="2168627" h="2097654">
+                <a:moveTo>
+                  <a:pt x="0" y="0"/>
+                </a:moveTo>
+                <a:lnTo>
+                  <a:pt x="2168627" y="0"/>
+                </a:lnTo>
+                <a:lnTo>
+                  <a:pt x="2168627" y="2097654"/>
+                </a:lnTo>
+                <a:lnTo>
+                  <a:pt x="0" y="2097654"/>
+                </a:lnTo>
+                <a:lnTo>
+                  <a:pt x="0" y="0"/>
+                </a:lnTo>
+                <a:close/>
+              </a:path>
+            </a:pathLst>
+          </a:custGeom>
+          <a:blipFill>
+            <a:blip r:embed="rId4">
+              <a:extLst>
+                <a:ext uri="{96DAC541-7B7A-43D3-8B79-37D633B846F1}">
+                  <asvg:svgBlip xmlns:asvg="http://schemas.microsoft.com/office/drawing/2016/SVG/main" r:embed="rId5"/>
+                </a:ext>
+              </a:extLst>
+            </a:blip>
+            <a:stretch>
+              <a:fillRect/>
+            </a:stretch>
+          </a:blipFill>
+        </p:spPr>
+        <p:txBody>
+          <a:bodyPr/>
+          <a:lstStyle/>
+          <a:p>
+            <a:endParaRPr lang="en-US"/>
+          </a:p>
+        </p:txBody>
+      </p:sp>
     </p:spTree>
     <p:extLst>
       <p:ext uri="{BB962C8B-B14F-4D97-AF65-F5344CB8AC3E}">
@@ -6681,13 +7228,13 @@
           <p:nvPr>
             <p:extLst>
               <p:ext uri="{D42A27DB-BD31-4B8C-83A1-F6EECF244321}">
-                <p14:modId xmlns:p14="http://schemas.microsoft.com/office/powerpoint/2010/main" val="4165619433"/>
+                <p14:modId xmlns:p14="http://schemas.microsoft.com/office/powerpoint/2010/main" val="2319005890"/>
               </p:ext>
             </p:extLst>
           </p:nvPr>
         </p:nvGraphicFramePr>
         <p:xfrm>
-          <a:off x="2026069" y="2746202"/>
+          <a:off x="1524000" y="2746202"/>
           <a:ext cx="5895577" cy="6687868"/>
         </p:xfrm>
         <a:graphic>
@@ -7265,7 +7812,7 @@
         </p:nvSpPr>
         <p:spPr>
           <a:xfrm>
-            <a:off x="1555840" y="809625"/>
+            <a:off x="1012566" y="809625"/>
             <a:ext cx="6836034" cy="1362075"/>
           </a:xfrm>
           <a:prstGeom prst="rect">
@@ -7284,7 +7831,7 @@
               </a:lnSpc>
             </a:pPr>
             <a:r>
-              <a:rPr lang="en-US" sz="7500">
+              <a:rPr lang="en-US" sz="7500" dirty="0">
                 <a:solidFill>
                   <a:srgbClr val="222366"/>
                 </a:solidFill>
@@ -8889,7 +9436,7 @@
                 </a:solidFill>
                 <a:latin typeface="Public Sans"/>
               </a:rPr>
-              <a:t>Cleaned and pre-processed the collected data to handle missing values, converted categorical data to a numerical format and standardise features</a:t>
+              <a:t>Cleaned and pre-processed the collected data to handle missing values, converted categorical data to a numerical format and standardised features</a:t>
             </a:r>
           </a:p>
         </p:txBody>
@@ -9633,13 +10180,13 @@
               </a:lnSpc>
             </a:pPr>
             <a:r>
-              <a:rPr lang="en-US" sz="6300" dirty="0">
+              <a:rPr lang="en-US" sz="6200" dirty="0">
                 <a:solidFill>
                   <a:srgbClr val="222366"/>
                 </a:solidFill>
                 <a:latin typeface="Brick Sans"/>
               </a:rPr>
-              <a:t>MODEL FEATURE IMPORTANCES</a:t>
+              <a:t>Model Feature Importances</a:t>
             </a:r>
           </a:p>
         </p:txBody>
@@ -9652,7 +10199,7 @@
         </p:nvSpPr>
         <p:spPr>
           <a:xfrm rot="814863">
-            <a:off x="16482498" y="684374"/>
+            <a:off x="16558697" y="545984"/>
             <a:ext cx="1224051" cy="1204021"/>
           </a:xfrm>
           <a:custGeom>
@@ -11176,13 +11723,541 @@
       </p:grpSp>
       <p:sp>
         <p:nvSpPr>
-          <p:cNvPr id="40" name="Freeform 40"/>
+          <p:cNvPr id="41" name="TextBox 41"/>
+          <p:cNvSpPr txBox="1"/>
+          <p:nvPr/>
+        </p:nvSpPr>
+        <p:spPr>
+          <a:xfrm>
+            <a:off x="921119" y="3741242"/>
+            <a:ext cx="4592262" cy="930827"/>
+          </a:xfrm>
+          <a:prstGeom prst="rect">
+            <a:avLst/>
+          </a:prstGeom>
+        </p:spPr>
+        <p:txBody>
+          <a:bodyPr lIns="0" tIns="0" rIns="0" bIns="0" rtlCol="0" anchor="t">
+            <a:spAutoFit/>
+          </a:bodyPr>
+          <a:lstStyle/>
+          <a:p>
+            <a:pPr algn="ctr">
+              <a:lnSpc>
+                <a:spcPts val="3762"/>
+              </a:lnSpc>
+            </a:pPr>
+            <a:r>
+              <a:rPr lang="en-GB" sz="2687" dirty="0">
+                <a:solidFill>
+                  <a:srgbClr val="222366"/>
+                </a:solidFill>
+                <a:latin typeface="Public Sans"/>
+              </a:rPr>
+              <a:t>Trained a logistic regression model as a baseline model</a:t>
+            </a:r>
+          </a:p>
+        </p:txBody>
+      </p:sp>
+      <p:sp>
+        <p:nvSpPr>
+          <p:cNvPr id="42" name="TextBox 42"/>
+          <p:cNvSpPr txBox="1"/>
+          <p:nvPr/>
+        </p:nvSpPr>
+        <p:spPr>
+          <a:xfrm>
+            <a:off x="6789957" y="3340663"/>
+            <a:ext cx="4592262" cy="1906612"/>
+          </a:xfrm>
+          <a:prstGeom prst="rect">
+            <a:avLst/>
+          </a:prstGeom>
+        </p:spPr>
+        <p:txBody>
+          <a:bodyPr lIns="0" tIns="0" rIns="0" bIns="0" rtlCol="0" anchor="t">
+            <a:spAutoFit/>
+          </a:bodyPr>
+          <a:lstStyle/>
+          <a:p>
+            <a:pPr algn="ctr">
+              <a:lnSpc>
+                <a:spcPts val="3762"/>
+              </a:lnSpc>
+            </a:pPr>
+            <a:r>
+              <a:rPr lang="en-GB" sz="2687" dirty="0">
+                <a:solidFill>
+                  <a:srgbClr val="222366"/>
+                </a:solidFill>
+                <a:latin typeface="Public Sans"/>
+              </a:rPr>
+              <a:t>Implemented a random forest classifier to capture non-linear relationships between features</a:t>
+            </a:r>
+          </a:p>
+        </p:txBody>
+      </p:sp>
+      <p:sp>
+        <p:nvSpPr>
+          <p:cNvPr id="43" name="TextBox 43"/>
+          <p:cNvSpPr txBox="1"/>
+          <p:nvPr/>
+        </p:nvSpPr>
+        <p:spPr>
+          <a:xfrm>
+            <a:off x="921119" y="7124700"/>
+            <a:ext cx="4592262" cy="2393925"/>
+          </a:xfrm>
+          <a:prstGeom prst="rect">
+            <a:avLst/>
+          </a:prstGeom>
+        </p:spPr>
+        <p:txBody>
+          <a:bodyPr lIns="0" tIns="0" rIns="0" bIns="0" rtlCol="0" anchor="t">
+            <a:spAutoFit/>
+          </a:bodyPr>
+          <a:lstStyle/>
+          <a:p>
+            <a:pPr algn="ctr">
+              <a:lnSpc>
+                <a:spcPts val="3762"/>
+              </a:lnSpc>
+            </a:pPr>
+            <a:r>
+              <a:rPr lang="en-GB" sz="2687" dirty="0">
+                <a:solidFill>
+                  <a:srgbClr val="222366"/>
+                </a:solidFill>
+                <a:latin typeface="Public Sans"/>
+              </a:rPr>
+              <a:t>Employed SVM with different kernels to find the best separating hyperplane. (Chosen Kernel:</a:t>
+            </a:r>
+          </a:p>
+          <a:p>
+            <a:pPr algn="ctr">
+              <a:lnSpc>
+                <a:spcPts val="3762"/>
+              </a:lnSpc>
+            </a:pPr>
+            <a:r>
+              <a:rPr lang="en-GB" sz="2687" dirty="0">
+                <a:solidFill>
+                  <a:srgbClr val="222366"/>
+                </a:solidFill>
+                <a:latin typeface="Public Sans"/>
+              </a:rPr>
+              <a:t>Linear )</a:t>
+            </a:r>
+          </a:p>
+        </p:txBody>
+      </p:sp>
+      <p:sp>
+        <p:nvSpPr>
+          <p:cNvPr id="44" name="TextBox 44"/>
+          <p:cNvSpPr txBox="1"/>
+          <p:nvPr/>
+        </p:nvSpPr>
+        <p:spPr>
+          <a:xfrm>
+            <a:off x="6789957" y="7173897"/>
+            <a:ext cx="4592262" cy="1906612"/>
+          </a:xfrm>
+          <a:prstGeom prst="rect">
+            <a:avLst/>
+          </a:prstGeom>
+        </p:spPr>
+        <p:txBody>
+          <a:bodyPr lIns="0" tIns="0" rIns="0" bIns="0" rtlCol="0" anchor="t">
+            <a:spAutoFit/>
+          </a:bodyPr>
+          <a:lstStyle/>
+          <a:p>
+            <a:pPr algn="ctr">
+              <a:lnSpc>
+                <a:spcPts val="3762"/>
+              </a:lnSpc>
+            </a:pPr>
+            <a:r>
+              <a:rPr lang="en-GB" sz="2687" dirty="0">
+                <a:solidFill>
+                  <a:srgbClr val="222366"/>
+                </a:solidFill>
+                <a:latin typeface="Public Sans"/>
+              </a:rPr>
+              <a:t>Implemented KNN to classify data points based on the majority class of their nearest neighbours</a:t>
+            </a:r>
+          </a:p>
+        </p:txBody>
+      </p:sp>
+      <p:sp>
+        <p:nvSpPr>
+          <p:cNvPr id="45" name="TextBox 45"/>
+          <p:cNvSpPr txBox="1"/>
+          <p:nvPr/>
+        </p:nvSpPr>
+        <p:spPr>
+          <a:xfrm>
+            <a:off x="1411149" y="2363137"/>
+            <a:ext cx="3598497" cy="532150"/>
+          </a:xfrm>
+          <a:prstGeom prst="rect">
+            <a:avLst/>
+          </a:prstGeom>
+        </p:spPr>
+        <p:txBody>
+          <a:bodyPr lIns="0" tIns="0" rIns="0" bIns="0" rtlCol="0" anchor="t">
+            <a:spAutoFit/>
+          </a:bodyPr>
+          <a:lstStyle/>
+          <a:p>
+            <a:pPr algn="ctr">
+              <a:lnSpc>
+                <a:spcPts val="4213"/>
+              </a:lnSpc>
+            </a:pPr>
+            <a:r>
+              <a:rPr lang="en-US" sz="3009" dirty="0">
+                <a:solidFill>
+                  <a:srgbClr val="222366"/>
+                </a:solidFill>
+                <a:latin typeface="Public Sans Bold"/>
+              </a:rPr>
+              <a:t>Logistic Regression</a:t>
+            </a:r>
+          </a:p>
+        </p:txBody>
+      </p:sp>
+      <p:sp>
+        <p:nvSpPr>
+          <p:cNvPr id="46" name="TextBox 46"/>
+          <p:cNvSpPr txBox="1"/>
+          <p:nvPr/>
+        </p:nvSpPr>
+        <p:spPr>
+          <a:xfrm>
+            <a:off x="7279987" y="2363137"/>
+            <a:ext cx="3598497" cy="532150"/>
+          </a:xfrm>
+          <a:prstGeom prst="rect">
+            <a:avLst/>
+          </a:prstGeom>
+        </p:spPr>
+        <p:txBody>
+          <a:bodyPr lIns="0" tIns="0" rIns="0" bIns="0" rtlCol="0" anchor="t">
+            <a:spAutoFit/>
+          </a:bodyPr>
+          <a:lstStyle/>
+          <a:p>
+            <a:pPr algn="ctr">
+              <a:lnSpc>
+                <a:spcPts val="4213"/>
+              </a:lnSpc>
+            </a:pPr>
+            <a:r>
+              <a:rPr lang="en-US" sz="3009">
+                <a:solidFill>
+                  <a:srgbClr val="222366"/>
+                </a:solidFill>
+                <a:latin typeface="Public Sans Bold"/>
+              </a:rPr>
+              <a:t>Random Forest</a:t>
+            </a:r>
+          </a:p>
+        </p:txBody>
+      </p:sp>
+      <p:sp>
+        <p:nvSpPr>
+          <p:cNvPr id="47" name="TextBox 47"/>
+          <p:cNvSpPr txBox="1"/>
+          <p:nvPr/>
+        </p:nvSpPr>
+        <p:spPr>
+          <a:xfrm>
+            <a:off x="1411149" y="6324491"/>
+            <a:ext cx="3598497" cy="415043"/>
+          </a:xfrm>
+          <a:prstGeom prst="rect">
+            <a:avLst/>
+          </a:prstGeom>
+        </p:spPr>
+        <p:txBody>
+          <a:bodyPr lIns="0" tIns="0" rIns="0" bIns="0" rtlCol="0" anchor="t">
+            <a:spAutoFit/>
+          </a:bodyPr>
+          <a:lstStyle/>
+          <a:p>
+            <a:pPr algn="ctr">
+              <a:lnSpc>
+                <a:spcPts val="3373"/>
+              </a:lnSpc>
+            </a:pPr>
+            <a:r>
+              <a:rPr lang="en-US" sz="2409">
+                <a:solidFill>
+                  <a:srgbClr val="222366"/>
+                </a:solidFill>
+                <a:latin typeface="Public Sans Bold"/>
+              </a:rPr>
+              <a:t>Support Vector Machine</a:t>
+            </a:r>
+          </a:p>
+        </p:txBody>
+      </p:sp>
+      <p:sp>
+        <p:nvSpPr>
+          <p:cNvPr id="48" name="TextBox 48"/>
+          <p:cNvSpPr txBox="1"/>
+          <p:nvPr/>
+        </p:nvSpPr>
+        <p:spPr>
+          <a:xfrm>
+            <a:off x="7279987" y="6324491"/>
+            <a:ext cx="3598497" cy="464573"/>
+          </a:xfrm>
+          <a:prstGeom prst="rect">
+            <a:avLst/>
+          </a:prstGeom>
+        </p:spPr>
+        <p:txBody>
+          <a:bodyPr lIns="0" tIns="0" rIns="0" bIns="0" rtlCol="0" anchor="t">
+            <a:spAutoFit/>
+          </a:bodyPr>
+          <a:lstStyle/>
+          <a:p>
+            <a:pPr algn="ctr">
+              <a:lnSpc>
+                <a:spcPts val="3793"/>
+              </a:lnSpc>
+            </a:pPr>
+            <a:r>
+              <a:rPr lang="en-US" sz="2709">
+                <a:solidFill>
+                  <a:srgbClr val="222366"/>
+                </a:solidFill>
+                <a:latin typeface="Public Sans Bold"/>
+              </a:rPr>
+              <a:t>K-Nearest Neighbors</a:t>
+            </a:r>
+          </a:p>
+        </p:txBody>
+      </p:sp>
+      <p:sp>
+        <p:nvSpPr>
+          <p:cNvPr id="49" name="TextBox 49"/>
+          <p:cNvSpPr txBox="1"/>
+          <p:nvPr/>
+        </p:nvSpPr>
+        <p:spPr>
+          <a:xfrm>
+            <a:off x="1696011" y="557490"/>
+            <a:ext cx="14763189" cy="1144905"/>
+          </a:xfrm>
+          <a:prstGeom prst="rect">
+            <a:avLst/>
+          </a:prstGeom>
+        </p:spPr>
+        <p:txBody>
+          <a:bodyPr lIns="0" tIns="0" rIns="0" bIns="0" rtlCol="0" anchor="t">
+            <a:spAutoFit/>
+          </a:bodyPr>
+          <a:lstStyle/>
+          <a:p>
+            <a:pPr algn="ctr">
+              <a:lnSpc>
+                <a:spcPts val="8819"/>
+              </a:lnSpc>
+            </a:pPr>
+            <a:r>
+              <a:rPr lang="en-US" sz="6300" dirty="0">
+                <a:solidFill>
+                  <a:srgbClr val="222366"/>
+                </a:solidFill>
+                <a:latin typeface="Brick Sans"/>
+              </a:rPr>
+              <a:t>Machine Learning Models</a:t>
+            </a:r>
+          </a:p>
+        </p:txBody>
+      </p:sp>
+      <p:sp>
+        <p:nvSpPr>
+          <p:cNvPr id="50" name="TextBox 50"/>
+          <p:cNvSpPr txBox="1"/>
+          <p:nvPr/>
+        </p:nvSpPr>
+        <p:spPr>
+          <a:xfrm>
+            <a:off x="12711681" y="3435913"/>
+            <a:ext cx="4592262" cy="1419299"/>
+          </a:xfrm>
+          <a:prstGeom prst="rect">
+            <a:avLst/>
+          </a:prstGeom>
+        </p:spPr>
+        <p:txBody>
+          <a:bodyPr lIns="0" tIns="0" rIns="0" bIns="0" rtlCol="0" anchor="t">
+            <a:spAutoFit/>
+          </a:bodyPr>
+          <a:lstStyle/>
+          <a:p>
+            <a:pPr algn="ctr">
+              <a:lnSpc>
+                <a:spcPts val="3762"/>
+              </a:lnSpc>
+            </a:pPr>
+            <a:r>
+              <a:rPr lang="en-GB" sz="2687" dirty="0">
+                <a:solidFill>
+                  <a:srgbClr val="222366"/>
+                </a:solidFill>
+                <a:latin typeface="Public Sans"/>
+              </a:rPr>
+              <a:t>Built a decision tree classifier to understand the decision-making process</a:t>
+            </a:r>
+          </a:p>
+        </p:txBody>
+      </p:sp>
+      <p:sp>
+        <p:nvSpPr>
+          <p:cNvPr id="51" name="TextBox 51"/>
+          <p:cNvSpPr txBox="1"/>
+          <p:nvPr/>
+        </p:nvSpPr>
+        <p:spPr>
+          <a:xfrm>
+            <a:off x="12711681" y="7042190"/>
+            <a:ext cx="4592262" cy="2393925"/>
+          </a:xfrm>
+          <a:prstGeom prst="rect">
+            <a:avLst/>
+          </a:prstGeom>
+        </p:spPr>
+        <p:txBody>
+          <a:bodyPr lIns="0" tIns="0" rIns="0" bIns="0" rtlCol="0" anchor="t">
+            <a:spAutoFit/>
+          </a:bodyPr>
+          <a:lstStyle/>
+          <a:p>
+            <a:pPr algn="ctr">
+              <a:lnSpc>
+                <a:spcPts val="3762"/>
+              </a:lnSpc>
+            </a:pPr>
+            <a:r>
+              <a:rPr lang="en-GB" sz="2687" dirty="0">
+                <a:solidFill>
+                  <a:srgbClr val="222366"/>
+                </a:solidFill>
+                <a:latin typeface="Public Sans"/>
+              </a:rPr>
+              <a:t>Constructed a  Neural Network with multiple hidden layers using TensorFlow &amp; optimised it using </a:t>
+            </a:r>
+            <a:r>
+              <a:rPr lang="en-GB" sz="2687" dirty="0" err="1">
+                <a:solidFill>
+                  <a:srgbClr val="222366"/>
+                </a:solidFill>
+                <a:latin typeface="Public Sans"/>
+              </a:rPr>
+              <a:t>Keras</a:t>
+            </a:r>
+            <a:r>
+              <a:rPr lang="en-GB" sz="2687" dirty="0">
+                <a:solidFill>
+                  <a:srgbClr val="222366"/>
+                </a:solidFill>
+                <a:latin typeface="Public Sans"/>
+              </a:rPr>
+              <a:t>-Tuner</a:t>
+            </a:r>
+          </a:p>
+        </p:txBody>
+      </p:sp>
+      <p:sp>
+        <p:nvSpPr>
+          <p:cNvPr id="52" name="TextBox 52"/>
+          <p:cNvSpPr txBox="1"/>
+          <p:nvPr/>
+        </p:nvSpPr>
+        <p:spPr>
+          <a:xfrm>
+            <a:off x="13201710" y="2363137"/>
+            <a:ext cx="3598497" cy="532150"/>
+          </a:xfrm>
+          <a:prstGeom prst="rect">
+            <a:avLst/>
+          </a:prstGeom>
+        </p:spPr>
+        <p:txBody>
+          <a:bodyPr lIns="0" tIns="0" rIns="0" bIns="0" rtlCol="0" anchor="t">
+            <a:spAutoFit/>
+          </a:bodyPr>
+          <a:lstStyle/>
+          <a:p>
+            <a:pPr algn="ctr">
+              <a:lnSpc>
+                <a:spcPts val="4213"/>
+              </a:lnSpc>
+            </a:pPr>
+            <a:r>
+              <a:rPr lang="en-US" sz="3009">
+                <a:solidFill>
+                  <a:srgbClr val="222366"/>
+                </a:solidFill>
+                <a:latin typeface="Public Sans Bold"/>
+              </a:rPr>
+              <a:t>Decision Tree</a:t>
+            </a:r>
+          </a:p>
+        </p:txBody>
+      </p:sp>
+      <p:sp>
+        <p:nvSpPr>
+          <p:cNvPr id="53" name="TextBox 53"/>
+          <p:cNvSpPr txBox="1"/>
+          <p:nvPr/>
+        </p:nvSpPr>
+        <p:spPr>
+          <a:xfrm>
+            <a:off x="13201710" y="6270269"/>
+            <a:ext cx="3598497" cy="532150"/>
+          </a:xfrm>
+          <a:prstGeom prst="rect">
+            <a:avLst/>
+          </a:prstGeom>
+        </p:spPr>
+        <p:txBody>
+          <a:bodyPr lIns="0" tIns="0" rIns="0" bIns="0" rtlCol="0" anchor="t">
+            <a:spAutoFit/>
+          </a:bodyPr>
+          <a:lstStyle/>
+          <a:p>
+            <a:pPr algn="ctr">
+              <a:lnSpc>
+                <a:spcPts val="4213"/>
+              </a:lnSpc>
+            </a:pPr>
+            <a:r>
+              <a:rPr lang="en-US" sz="3009">
+                <a:solidFill>
+                  <a:srgbClr val="222366"/>
+                </a:solidFill>
+                <a:latin typeface="Public Sans Bold"/>
+              </a:rPr>
+              <a:t>Neural Networks</a:t>
+            </a:r>
+          </a:p>
+        </p:txBody>
+      </p:sp>
+      <p:sp>
+        <p:nvSpPr>
+          <p:cNvPr id="54" name="Freeform 54"/>
           <p:cNvSpPr/>
           <p:nvPr/>
         </p:nvSpPr>
         <p:spPr>
-          <a:xfrm rot="-829265">
-            <a:off x="694452" y="647318"/>
+          <a:xfrm rot="814863">
+            <a:off x="16558697" y="545984"/>
             <a:ext cx="1224051" cy="1204021"/>
           </a:xfrm>
           <a:custGeom>
@@ -11200,10 +12275,10 @@
                   <a:pt x="1224051" y="0"/>
                 </a:lnTo>
                 <a:lnTo>
-                  <a:pt x="1224051" y="1204021"/>
-                </a:lnTo>
-                <a:lnTo>
-                  <a:pt x="0" y="1204021"/>
+                  <a:pt x="1224051" y="1204020"/>
+                </a:lnTo>
+                <a:lnTo>
+                  <a:pt x="0" y="1204020"/>
                 </a:lnTo>
                 <a:lnTo>
                   <a:pt x="0" y="0"/>
@@ -11235,541 +12310,19 @@
       </p:sp>
       <p:sp>
         <p:nvSpPr>
-          <p:cNvPr id="41" name="TextBox 41"/>
-          <p:cNvSpPr txBox="1"/>
-          <p:nvPr/>
-        </p:nvSpPr>
-        <p:spPr>
-          <a:xfrm>
-            <a:off x="921119" y="3741242"/>
-            <a:ext cx="4592262" cy="930827"/>
-          </a:xfrm>
-          <a:prstGeom prst="rect">
-            <a:avLst/>
-          </a:prstGeom>
-        </p:spPr>
-        <p:txBody>
-          <a:bodyPr lIns="0" tIns="0" rIns="0" bIns="0" rtlCol="0" anchor="t">
-            <a:spAutoFit/>
-          </a:bodyPr>
-          <a:lstStyle/>
-          <a:p>
-            <a:pPr algn="ctr">
-              <a:lnSpc>
-                <a:spcPts val="3762"/>
-              </a:lnSpc>
-            </a:pPr>
-            <a:r>
-              <a:rPr lang="en-GB" sz="2687" dirty="0">
-                <a:solidFill>
-                  <a:srgbClr val="222366"/>
-                </a:solidFill>
-                <a:latin typeface="Public Sans"/>
-              </a:rPr>
-              <a:t>Trained a logistic regression model as a baseline model</a:t>
-            </a:r>
-          </a:p>
-        </p:txBody>
-      </p:sp>
-      <p:sp>
-        <p:nvSpPr>
-          <p:cNvPr id="42" name="TextBox 42"/>
-          <p:cNvSpPr txBox="1"/>
-          <p:nvPr/>
-        </p:nvSpPr>
-        <p:spPr>
-          <a:xfrm>
-            <a:off x="6789957" y="3340663"/>
-            <a:ext cx="4592262" cy="1906612"/>
-          </a:xfrm>
-          <a:prstGeom prst="rect">
-            <a:avLst/>
-          </a:prstGeom>
-        </p:spPr>
-        <p:txBody>
-          <a:bodyPr lIns="0" tIns="0" rIns="0" bIns="0" rtlCol="0" anchor="t">
-            <a:spAutoFit/>
-          </a:bodyPr>
-          <a:lstStyle/>
-          <a:p>
-            <a:pPr algn="ctr">
-              <a:lnSpc>
-                <a:spcPts val="3762"/>
-              </a:lnSpc>
-            </a:pPr>
-            <a:r>
-              <a:rPr lang="en-GB" sz="2687" dirty="0">
-                <a:solidFill>
-                  <a:srgbClr val="222366"/>
-                </a:solidFill>
-                <a:latin typeface="Public Sans"/>
-              </a:rPr>
-              <a:t>Implemented a random forest classifier to capture non-linear relationships between features</a:t>
-            </a:r>
-          </a:p>
-        </p:txBody>
-      </p:sp>
-      <p:sp>
-        <p:nvSpPr>
-          <p:cNvPr id="43" name="TextBox 43"/>
-          <p:cNvSpPr txBox="1"/>
-          <p:nvPr/>
-        </p:nvSpPr>
-        <p:spPr>
-          <a:xfrm>
-            <a:off x="921119" y="7307247"/>
-            <a:ext cx="4592262" cy="2393925"/>
-          </a:xfrm>
-          <a:prstGeom prst="rect">
-            <a:avLst/>
-          </a:prstGeom>
-        </p:spPr>
-        <p:txBody>
-          <a:bodyPr lIns="0" tIns="0" rIns="0" bIns="0" rtlCol="0" anchor="t">
-            <a:spAutoFit/>
-          </a:bodyPr>
-          <a:lstStyle/>
-          <a:p>
-            <a:pPr algn="ctr">
-              <a:lnSpc>
-                <a:spcPts val="3762"/>
-              </a:lnSpc>
-            </a:pPr>
-            <a:r>
-              <a:rPr lang="en-GB" sz="2687" dirty="0">
-                <a:solidFill>
-                  <a:srgbClr val="222366"/>
-                </a:solidFill>
-                <a:latin typeface="Public Sans"/>
-              </a:rPr>
-              <a:t>Employed SVM with different kernels to find the best separating hyperplane. (Chosen Kernel:</a:t>
-            </a:r>
-          </a:p>
-          <a:p>
-            <a:pPr algn="ctr">
-              <a:lnSpc>
-                <a:spcPts val="3762"/>
-              </a:lnSpc>
-            </a:pPr>
-            <a:r>
-              <a:rPr lang="en-GB" sz="2687" dirty="0">
-                <a:solidFill>
-                  <a:srgbClr val="222366"/>
-                </a:solidFill>
-                <a:latin typeface="Public Sans"/>
-              </a:rPr>
-              <a:t>Linear )</a:t>
-            </a:r>
-          </a:p>
-        </p:txBody>
-      </p:sp>
-      <p:sp>
-        <p:nvSpPr>
-          <p:cNvPr id="44" name="TextBox 44"/>
-          <p:cNvSpPr txBox="1"/>
-          <p:nvPr/>
-        </p:nvSpPr>
-        <p:spPr>
-          <a:xfrm>
-            <a:off x="6789957" y="7173897"/>
-            <a:ext cx="4592262" cy="1906612"/>
-          </a:xfrm>
-          <a:prstGeom prst="rect">
-            <a:avLst/>
-          </a:prstGeom>
-        </p:spPr>
-        <p:txBody>
-          <a:bodyPr lIns="0" tIns="0" rIns="0" bIns="0" rtlCol="0" anchor="t">
-            <a:spAutoFit/>
-          </a:bodyPr>
-          <a:lstStyle/>
-          <a:p>
-            <a:pPr algn="ctr">
-              <a:lnSpc>
-                <a:spcPts val="3762"/>
-              </a:lnSpc>
-            </a:pPr>
-            <a:r>
-              <a:rPr lang="en-GB" sz="2687" dirty="0">
-                <a:solidFill>
-                  <a:srgbClr val="222366"/>
-                </a:solidFill>
-                <a:latin typeface="Public Sans"/>
-              </a:rPr>
-              <a:t>Implemented KNN to classify data points based on the majority class of their nearest neighbours</a:t>
-            </a:r>
-          </a:p>
-        </p:txBody>
-      </p:sp>
-      <p:sp>
-        <p:nvSpPr>
-          <p:cNvPr id="45" name="TextBox 45"/>
-          <p:cNvSpPr txBox="1"/>
-          <p:nvPr/>
-        </p:nvSpPr>
-        <p:spPr>
-          <a:xfrm>
-            <a:off x="1411149" y="2363137"/>
-            <a:ext cx="3598497" cy="532150"/>
-          </a:xfrm>
-          <a:prstGeom prst="rect">
-            <a:avLst/>
-          </a:prstGeom>
-        </p:spPr>
-        <p:txBody>
-          <a:bodyPr lIns="0" tIns="0" rIns="0" bIns="0" rtlCol="0" anchor="t">
-            <a:spAutoFit/>
-          </a:bodyPr>
-          <a:lstStyle/>
-          <a:p>
-            <a:pPr algn="ctr">
-              <a:lnSpc>
-                <a:spcPts val="4213"/>
-              </a:lnSpc>
-            </a:pPr>
-            <a:r>
-              <a:rPr lang="en-US" sz="3009">
-                <a:solidFill>
-                  <a:srgbClr val="222366"/>
-                </a:solidFill>
-                <a:latin typeface="Public Sans Bold"/>
-              </a:rPr>
-              <a:t>Logistic Regression</a:t>
-            </a:r>
-          </a:p>
-        </p:txBody>
-      </p:sp>
-      <p:sp>
-        <p:nvSpPr>
-          <p:cNvPr id="46" name="TextBox 46"/>
-          <p:cNvSpPr txBox="1"/>
-          <p:nvPr/>
-        </p:nvSpPr>
-        <p:spPr>
-          <a:xfrm>
-            <a:off x="7279987" y="2363137"/>
-            <a:ext cx="3598497" cy="532150"/>
-          </a:xfrm>
-          <a:prstGeom prst="rect">
-            <a:avLst/>
-          </a:prstGeom>
-        </p:spPr>
-        <p:txBody>
-          <a:bodyPr lIns="0" tIns="0" rIns="0" bIns="0" rtlCol="0" anchor="t">
-            <a:spAutoFit/>
-          </a:bodyPr>
-          <a:lstStyle/>
-          <a:p>
-            <a:pPr algn="ctr">
-              <a:lnSpc>
-                <a:spcPts val="4213"/>
-              </a:lnSpc>
-            </a:pPr>
-            <a:r>
-              <a:rPr lang="en-US" sz="3009">
-                <a:solidFill>
-                  <a:srgbClr val="222366"/>
-                </a:solidFill>
-                <a:latin typeface="Public Sans Bold"/>
-              </a:rPr>
-              <a:t>Random Forest</a:t>
-            </a:r>
-          </a:p>
-        </p:txBody>
-      </p:sp>
-      <p:sp>
-        <p:nvSpPr>
-          <p:cNvPr id="47" name="TextBox 47"/>
-          <p:cNvSpPr txBox="1"/>
-          <p:nvPr/>
-        </p:nvSpPr>
-        <p:spPr>
-          <a:xfrm>
-            <a:off x="1411149" y="6324491"/>
-            <a:ext cx="3598497" cy="415043"/>
-          </a:xfrm>
-          <a:prstGeom prst="rect">
-            <a:avLst/>
-          </a:prstGeom>
-        </p:spPr>
-        <p:txBody>
-          <a:bodyPr lIns="0" tIns="0" rIns="0" bIns="0" rtlCol="0" anchor="t">
-            <a:spAutoFit/>
-          </a:bodyPr>
-          <a:lstStyle/>
-          <a:p>
-            <a:pPr algn="ctr">
-              <a:lnSpc>
-                <a:spcPts val="3373"/>
-              </a:lnSpc>
-            </a:pPr>
-            <a:r>
-              <a:rPr lang="en-US" sz="2409">
-                <a:solidFill>
-                  <a:srgbClr val="222366"/>
-                </a:solidFill>
-                <a:latin typeface="Public Sans Bold"/>
-              </a:rPr>
-              <a:t>Support Vector Machine</a:t>
-            </a:r>
-          </a:p>
-        </p:txBody>
-      </p:sp>
-      <p:sp>
-        <p:nvSpPr>
-          <p:cNvPr id="48" name="TextBox 48"/>
-          <p:cNvSpPr txBox="1"/>
-          <p:nvPr/>
-        </p:nvSpPr>
-        <p:spPr>
-          <a:xfrm>
-            <a:off x="7279987" y="6324491"/>
-            <a:ext cx="3598497" cy="464573"/>
-          </a:xfrm>
-          <a:prstGeom prst="rect">
-            <a:avLst/>
-          </a:prstGeom>
-        </p:spPr>
-        <p:txBody>
-          <a:bodyPr lIns="0" tIns="0" rIns="0" bIns="0" rtlCol="0" anchor="t">
-            <a:spAutoFit/>
-          </a:bodyPr>
-          <a:lstStyle/>
-          <a:p>
-            <a:pPr algn="ctr">
-              <a:lnSpc>
-                <a:spcPts val="3793"/>
-              </a:lnSpc>
-            </a:pPr>
-            <a:r>
-              <a:rPr lang="en-US" sz="2709">
-                <a:solidFill>
-                  <a:srgbClr val="222366"/>
-                </a:solidFill>
-                <a:latin typeface="Public Sans Bold"/>
-              </a:rPr>
-              <a:t>K-Nearest Neighbors</a:t>
-            </a:r>
-          </a:p>
-        </p:txBody>
-      </p:sp>
-      <p:sp>
-        <p:nvSpPr>
-          <p:cNvPr id="49" name="TextBox 49"/>
-          <p:cNvSpPr txBox="1"/>
-          <p:nvPr/>
-        </p:nvSpPr>
-        <p:spPr>
-          <a:xfrm>
-            <a:off x="1762406" y="557490"/>
-            <a:ext cx="14763189" cy="1144905"/>
-          </a:xfrm>
-          <a:prstGeom prst="rect">
-            <a:avLst/>
-          </a:prstGeom>
-        </p:spPr>
-        <p:txBody>
-          <a:bodyPr lIns="0" tIns="0" rIns="0" bIns="0" rtlCol="0" anchor="t">
-            <a:spAutoFit/>
-          </a:bodyPr>
-          <a:lstStyle/>
-          <a:p>
-            <a:pPr algn="ctr">
-              <a:lnSpc>
-                <a:spcPts val="8819"/>
-              </a:lnSpc>
-            </a:pPr>
-            <a:r>
-              <a:rPr lang="en-US" sz="6300">
-                <a:solidFill>
-                  <a:srgbClr val="222366"/>
-                </a:solidFill>
-                <a:latin typeface="Brick Sans"/>
-              </a:rPr>
-              <a:t>Machine Learning Models</a:t>
-            </a:r>
-          </a:p>
-        </p:txBody>
-      </p:sp>
-      <p:sp>
-        <p:nvSpPr>
-          <p:cNvPr id="50" name="TextBox 50"/>
-          <p:cNvSpPr txBox="1"/>
-          <p:nvPr/>
-        </p:nvSpPr>
-        <p:spPr>
-          <a:xfrm>
-            <a:off x="12711681" y="3435913"/>
-            <a:ext cx="4592262" cy="1419299"/>
-          </a:xfrm>
-          <a:prstGeom prst="rect">
-            <a:avLst/>
-          </a:prstGeom>
-        </p:spPr>
-        <p:txBody>
-          <a:bodyPr lIns="0" tIns="0" rIns="0" bIns="0" rtlCol="0" anchor="t">
-            <a:spAutoFit/>
-          </a:bodyPr>
-          <a:lstStyle/>
-          <a:p>
-            <a:pPr algn="ctr">
-              <a:lnSpc>
-                <a:spcPts val="3762"/>
-              </a:lnSpc>
-            </a:pPr>
-            <a:r>
-              <a:rPr lang="en-GB" sz="2687" dirty="0">
-                <a:solidFill>
-                  <a:srgbClr val="222366"/>
-                </a:solidFill>
-                <a:latin typeface="Public Sans"/>
-              </a:rPr>
-              <a:t>Built a decision tree classifier to understand the decision-making process</a:t>
-            </a:r>
-          </a:p>
-        </p:txBody>
-      </p:sp>
-      <p:sp>
-        <p:nvSpPr>
-          <p:cNvPr id="51" name="TextBox 51"/>
-          <p:cNvSpPr txBox="1"/>
-          <p:nvPr/>
-        </p:nvSpPr>
-        <p:spPr>
-          <a:xfrm>
-            <a:off x="12711681" y="7042190"/>
-            <a:ext cx="4592262" cy="2393925"/>
-          </a:xfrm>
-          <a:prstGeom prst="rect">
-            <a:avLst/>
-          </a:prstGeom>
-        </p:spPr>
-        <p:txBody>
-          <a:bodyPr lIns="0" tIns="0" rIns="0" bIns="0" rtlCol="0" anchor="t">
-            <a:spAutoFit/>
-          </a:bodyPr>
-          <a:lstStyle/>
-          <a:p>
-            <a:pPr algn="ctr">
-              <a:lnSpc>
-                <a:spcPts val="3762"/>
-              </a:lnSpc>
-            </a:pPr>
-            <a:r>
-              <a:rPr lang="en-GB" sz="2687" dirty="0">
-                <a:solidFill>
-                  <a:srgbClr val="222366"/>
-                </a:solidFill>
-                <a:latin typeface="Public Sans"/>
-              </a:rPr>
-              <a:t>Constructed a  Neural Network with multiple hidden layers using TensorFlow &amp; optimised it using </a:t>
-            </a:r>
-            <a:r>
-              <a:rPr lang="en-GB" sz="2687" dirty="0" err="1">
-                <a:solidFill>
-                  <a:srgbClr val="222366"/>
-                </a:solidFill>
-                <a:latin typeface="Public Sans"/>
-              </a:rPr>
-              <a:t>Keras</a:t>
-            </a:r>
-            <a:r>
-              <a:rPr lang="en-GB" sz="2687" dirty="0">
-                <a:solidFill>
-                  <a:srgbClr val="222366"/>
-                </a:solidFill>
-                <a:latin typeface="Public Sans"/>
-              </a:rPr>
-              <a:t>-Tuner</a:t>
-            </a:r>
-          </a:p>
-        </p:txBody>
-      </p:sp>
-      <p:sp>
-        <p:nvSpPr>
-          <p:cNvPr id="52" name="TextBox 52"/>
-          <p:cNvSpPr txBox="1"/>
-          <p:nvPr/>
-        </p:nvSpPr>
-        <p:spPr>
-          <a:xfrm>
-            <a:off x="13201710" y="2363137"/>
-            <a:ext cx="3598497" cy="532150"/>
-          </a:xfrm>
-          <a:prstGeom prst="rect">
-            <a:avLst/>
-          </a:prstGeom>
-        </p:spPr>
-        <p:txBody>
-          <a:bodyPr lIns="0" tIns="0" rIns="0" bIns="0" rtlCol="0" anchor="t">
-            <a:spAutoFit/>
-          </a:bodyPr>
-          <a:lstStyle/>
-          <a:p>
-            <a:pPr algn="ctr">
-              <a:lnSpc>
-                <a:spcPts val="4213"/>
-              </a:lnSpc>
-            </a:pPr>
-            <a:r>
-              <a:rPr lang="en-US" sz="3009">
-                <a:solidFill>
-                  <a:srgbClr val="222366"/>
-                </a:solidFill>
-                <a:latin typeface="Public Sans Bold"/>
-              </a:rPr>
-              <a:t>Decision Tree</a:t>
-            </a:r>
-          </a:p>
-        </p:txBody>
-      </p:sp>
-      <p:sp>
-        <p:nvSpPr>
-          <p:cNvPr id="53" name="TextBox 53"/>
-          <p:cNvSpPr txBox="1"/>
-          <p:nvPr/>
-        </p:nvSpPr>
-        <p:spPr>
-          <a:xfrm>
-            <a:off x="13201710" y="6270269"/>
-            <a:ext cx="3598497" cy="532150"/>
-          </a:xfrm>
-          <a:prstGeom prst="rect">
-            <a:avLst/>
-          </a:prstGeom>
-        </p:spPr>
-        <p:txBody>
-          <a:bodyPr lIns="0" tIns="0" rIns="0" bIns="0" rtlCol="0" anchor="t">
-            <a:spAutoFit/>
-          </a:bodyPr>
-          <a:lstStyle/>
-          <a:p>
-            <a:pPr algn="ctr">
-              <a:lnSpc>
-                <a:spcPts val="4213"/>
-              </a:lnSpc>
-            </a:pPr>
-            <a:r>
-              <a:rPr lang="en-US" sz="3009">
-                <a:solidFill>
-                  <a:srgbClr val="222366"/>
-                </a:solidFill>
-                <a:latin typeface="Public Sans Bold"/>
-              </a:rPr>
-              <a:t>Neural Networks</a:t>
-            </a:r>
-          </a:p>
-        </p:txBody>
-      </p:sp>
-      <p:sp>
-        <p:nvSpPr>
-          <p:cNvPr id="54" name="Freeform 54"/>
+          <p:cNvPr id="55" name="Freeform 40">
+            <a:extLst>
+              <a:ext uri="{FF2B5EF4-FFF2-40B4-BE49-F238E27FC236}">
+                <a16:creationId xmlns:a16="http://schemas.microsoft.com/office/drawing/2014/main" id="{19CC46C9-4870-08A5-6D05-5252DDA12176}"/>
+              </a:ext>
+            </a:extLst>
+          </p:cNvPr>
           <p:cNvSpPr/>
           <p:nvPr/>
         </p:nvSpPr>
         <p:spPr>
-          <a:xfrm rot="814863">
-            <a:off x="16482498" y="684374"/>
+          <a:xfrm rot="-829265">
+            <a:off x="444917" y="453986"/>
             <a:ext cx="1224051" cy="1204021"/>
           </a:xfrm>
           <a:custGeom>
@@ -11787,10 +12340,10 @@
                   <a:pt x="1224051" y="0"/>
                 </a:lnTo>
                 <a:lnTo>
-                  <a:pt x="1224051" y="1204020"/>
-                </a:lnTo>
-                <a:lnTo>
-                  <a:pt x="0" y="1204020"/>
+                  <a:pt x="1224051" y="1204021"/>
+                </a:lnTo>
+                <a:lnTo>
+                  <a:pt x="0" y="1204021"/>
                 </a:lnTo>
                 <a:lnTo>
                   <a:pt x="0" y="0"/>
@@ -13526,72 +14079,13 @@
       </p:grpSpPr>
       <p:sp>
         <p:nvSpPr>
-          <p:cNvPr id="11" name="Freeform 11"/>
-          <p:cNvSpPr/>
-          <p:nvPr/>
-        </p:nvSpPr>
-        <p:spPr>
-          <a:xfrm>
-            <a:off x="152400" y="8189346"/>
-            <a:ext cx="2168627" cy="2097654"/>
-          </a:xfrm>
-          <a:custGeom>
-            <a:avLst/>
-            <a:gdLst/>
-            <a:ahLst/>
-            <a:cxnLst/>
-            <a:rect l="l" t="t" r="r" b="b"/>
-            <a:pathLst>
-              <a:path w="2168627" h="2097654">
-                <a:moveTo>
-                  <a:pt x="0" y="0"/>
-                </a:moveTo>
-                <a:lnTo>
-                  <a:pt x="2168627" y="0"/>
-                </a:lnTo>
-                <a:lnTo>
-                  <a:pt x="2168627" y="2097654"/>
-                </a:lnTo>
-                <a:lnTo>
-                  <a:pt x="0" y="2097654"/>
-                </a:lnTo>
-                <a:lnTo>
-                  <a:pt x="0" y="0"/>
-                </a:lnTo>
-                <a:close/>
-              </a:path>
-            </a:pathLst>
-          </a:custGeom>
-          <a:blipFill>
-            <a:blip r:embed="rId2">
-              <a:extLst>
-                <a:ext uri="{96DAC541-7B7A-43D3-8B79-37D633B846F1}">
-                  <asvg:svgBlip xmlns:asvg="http://schemas.microsoft.com/office/drawing/2016/SVG/main" r:embed="rId3"/>
-                </a:ext>
-              </a:extLst>
-            </a:blip>
-            <a:stretch>
-              <a:fillRect/>
-            </a:stretch>
-          </a:blipFill>
-        </p:spPr>
-        <p:txBody>
-          <a:bodyPr/>
-          <a:lstStyle/>
-          <a:p>
-            <a:endParaRPr lang="en-US"/>
-          </a:p>
-        </p:txBody>
-      </p:sp>
-      <p:sp>
-        <p:nvSpPr>
           <p:cNvPr id="13" name="TextBox 13"/>
           <p:cNvSpPr txBox="1"/>
           <p:nvPr/>
         </p:nvSpPr>
         <p:spPr>
           <a:xfrm>
-            <a:off x="1771931" y="271740"/>
+            <a:off x="1771931" y="190500"/>
             <a:ext cx="14763189" cy="993477"/>
           </a:xfrm>
           <a:prstGeom prst="rect">
@@ -13636,15 +14130,15 @@
           <p:nvPr/>
         </p:nvPicPr>
         <p:blipFill>
-          <a:blip r:embed="rId4"/>
+          <a:blip r:embed="rId2"/>
           <a:stretch>
             <a:fillRect/>
           </a:stretch>
         </p:blipFill>
         <p:spPr>
           <a:xfrm>
-            <a:off x="609600" y="1454769"/>
-            <a:ext cx="17363788" cy="6490596"/>
+            <a:off x="1143000" y="1500198"/>
+            <a:ext cx="16002000" cy="6310302"/>
           </a:xfrm>
           <a:prstGeom prst="rect">
             <a:avLst/>
@@ -13680,6 +14174,71 @@
           </a:sp3d>
         </p:spPr>
       </p:pic>
+      <p:sp>
+        <p:nvSpPr>
+          <p:cNvPr id="2" name="Freeform 11">
+            <a:extLst>
+              <a:ext uri="{FF2B5EF4-FFF2-40B4-BE49-F238E27FC236}">
+                <a16:creationId xmlns:a16="http://schemas.microsoft.com/office/drawing/2014/main" id="{992CC301-3AD0-3305-9424-2A78F98731C9}"/>
+              </a:ext>
+            </a:extLst>
+          </p:cNvPr>
+          <p:cNvSpPr/>
+          <p:nvPr/>
+        </p:nvSpPr>
+        <p:spPr>
+          <a:xfrm>
+            <a:off x="1028700" y="8189346"/>
+            <a:ext cx="2168627" cy="2097654"/>
+          </a:xfrm>
+          <a:custGeom>
+            <a:avLst/>
+            <a:gdLst/>
+            <a:ahLst/>
+            <a:cxnLst/>
+            <a:rect l="l" t="t" r="r" b="b"/>
+            <a:pathLst>
+              <a:path w="2168627" h="2097654">
+                <a:moveTo>
+                  <a:pt x="0" y="0"/>
+                </a:moveTo>
+                <a:lnTo>
+                  <a:pt x="2168627" y="0"/>
+                </a:lnTo>
+                <a:lnTo>
+                  <a:pt x="2168627" y="2097654"/>
+                </a:lnTo>
+                <a:lnTo>
+                  <a:pt x="0" y="2097654"/>
+                </a:lnTo>
+                <a:lnTo>
+                  <a:pt x="0" y="0"/>
+                </a:lnTo>
+                <a:close/>
+              </a:path>
+            </a:pathLst>
+          </a:custGeom>
+          <a:blipFill>
+            <a:blip r:embed="rId3">
+              <a:extLst>
+                <a:ext uri="{96DAC541-7B7A-43D3-8B79-37D633B846F1}">
+                  <asvg:svgBlip xmlns:asvg="http://schemas.microsoft.com/office/drawing/2016/SVG/main" r:embed="rId4"/>
+                </a:ext>
+              </a:extLst>
+            </a:blip>
+            <a:stretch>
+              <a:fillRect/>
+            </a:stretch>
+          </a:blipFill>
+        </p:spPr>
+        <p:txBody>
+          <a:bodyPr/>
+          <a:lstStyle/>
+          <a:p>
+            <a:endParaRPr lang="en-US"/>
+          </a:p>
+        </p:txBody>
+      </p:sp>
     </p:spTree>
     <p:extLst>
       <p:ext uri="{BB962C8B-B14F-4D97-AF65-F5344CB8AC3E}">

--- a/presentation/presentation.pptx
+++ b/presentation/presentation.pptx
@@ -5,49 +5,47 @@
     <p:sldMasterId id="2147483648" r:id="rId1"/>
   </p:sldMasterIdLst>
   <p:notesMasterIdLst>
-    <p:notesMasterId r:id="rId14"/>
+    <p:notesMasterId r:id="rId17"/>
   </p:notesMasterIdLst>
   <p:sldIdLst>
     <p:sldId id="256" r:id="rId2"/>
     <p:sldId id="257" r:id="rId3"/>
-    <p:sldId id="258" r:id="rId4"/>
-    <p:sldId id="259" r:id="rId5"/>
-    <p:sldId id="265" r:id="rId6"/>
-    <p:sldId id="260" r:id="rId7"/>
-    <p:sldId id="261" r:id="rId8"/>
-    <p:sldId id="262" r:id="rId9"/>
-    <p:sldId id="266" r:id="rId10"/>
-    <p:sldId id="267" r:id="rId11"/>
-    <p:sldId id="263" r:id="rId12"/>
-    <p:sldId id="264" r:id="rId13"/>
+    <p:sldId id="268" r:id="rId4"/>
+    <p:sldId id="269" r:id="rId5"/>
+    <p:sldId id="258" r:id="rId6"/>
+    <p:sldId id="270" r:id="rId7"/>
+    <p:sldId id="265" r:id="rId8"/>
+    <p:sldId id="260" r:id="rId9"/>
+    <p:sldId id="259" r:id="rId10"/>
+    <p:sldId id="261" r:id="rId11"/>
+    <p:sldId id="262" r:id="rId12"/>
+    <p:sldId id="266" r:id="rId13"/>
+    <p:sldId id="267" r:id="rId14"/>
+    <p:sldId id="263" r:id="rId15"/>
+    <p:sldId id="264" r:id="rId16"/>
   </p:sldIdLst>
   <p:sldSz cx="18288000" cy="10287000"/>
   <p:notesSz cx="6858000" cy="9144000"/>
   <p:embeddedFontLst>
     <p:embeddedFont>
-      <p:font typeface="Aptos SemiBold" panose="020B0004020202020204" pitchFamily="34" charset="0"/>
-      <p:bold r:id="rId15"/>
-      <p:boldItalic r:id="rId16"/>
-    </p:embeddedFont>
-    <p:embeddedFont>
       <p:font typeface="Brick Sans" panose="020B0604020202020204" charset="0"/>
-      <p:regular r:id="rId17"/>
+      <p:regular r:id="rId18"/>
     </p:embeddedFont>
     <p:embeddedFont>
       <p:font typeface="Canva Sans" panose="020B0604020202020204" charset="0"/>
-      <p:regular r:id="rId18"/>
+      <p:regular r:id="rId19"/>
     </p:embeddedFont>
     <p:embeddedFont>
       <p:font typeface="Public Sans" panose="020B0604020202020204" charset="0"/>
-      <p:regular r:id="rId19"/>
+      <p:regular r:id="rId20"/>
     </p:embeddedFont>
     <p:embeddedFont>
       <p:font typeface="Public Sans Bold" panose="020B0604020202020204" charset="0"/>
-      <p:regular r:id="rId20"/>
+      <p:regular r:id="rId21"/>
     </p:embeddedFont>
     <p:embeddedFont>
       <p:font typeface="Public Sans Heavy" panose="020B0604020202020204" charset="0"/>
-      <p:regular r:id="rId21"/>
+      <p:regular r:id="rId22"/>
     </p:embeddedFont>
   </p:embeddedFontLst>
   <p:defaultTextStyle>
@@ -160,8 +158,267 @@
         </p15:guide>
       </p15:sldGuideLst>
     </p:ext>
+    <p:ext uri="{2D200454-40CA-4A62-9FC3-DE9A4176ACB9}">
+      <p15:notesGuideLst xmlns:p15="http://schemas.microsoft.com/office/powerpoint/2012/main"/>
+    </p:ext>
   </p:extLst>
 </p:presentation>
+</file>
+
+<file path=ppt/revisionInfo.xml><?xml version="1.0" encoding="utf-8"?>
+<p1510:revInfo xmlns:a="http://schemas.openxmlformats.org/drawingml/2006/main" xmlns:r="http://schemas.openxmlformats.org/officeDocument/2006/relationships" xmlns:p1510="http://schemas.microsoft.com/office/powerpoint/2015/10/main">
+  <p1510:revLst>
+    <p1510:client id="{650812C4-EEA9-4F2B-9F39-40FEADFCFB65}" v="14" dt="2024-04-03T18:33:17.618"/>
+  </p1510:revLst>
+</p1510:revInfo>
+</file>
+
+<file path=ppt/changesInfos/changesInfo1.xml><?xml version="1.0" encoding="utf-8"?>
+<pc:chgInfo xmlns:a="http://schemas.openxmlformats.org/drawingml/2006/main" xmlns:r="http://schemas.openxmlformats.org/officeDocument/2006/relationships" xmlns:ac="http://schemas.microsoft.com/office/drawing/2013/main/command" xmlns:pc="http://schemas.microsoft.com/office/powerpoint/2013/main/command">
+  <pc:docChgLst>
+    <pc:chgData name="Aysha Gheewala" userId="819ba6fb6ea0380f" providerId="LiveId" clId="{650812C4-EEA9-4F2B-9F39-40FEADFCFB65}"/>
+    <pc:docChg chg="undo redo custSel addSld modSld">
+      <pc:chgData name="Aysha Gheewala" userId="819ba6fb6ea0380f" providerId="LiveId" clId="{650812C4-EEA9-4F2B-9F39-40FEADFCFB65}" dt="2024-04-03T18:37:25.113" v="278" actId="1037"/>
+      <pc:docMkLst>
+        <pc:docMk/>
+      </pc:docMkLst>
+      <pc:sldChg chg="modSp mod">
+        <pc:chgData name="Aysha Gheewala" userId="819ba6fb6ea0380f" providerId="LiveId" clId="{650812C4-EEA9-4F2B-9F39-40FEADFCFB65}" dt="2024-04-03T14:35:43.149" v="9" actId="1035"/>
+        <pc:sldMkLst>
+          <pc:docMk/>
+          <pc:sldMk cId="0" sldId="259"/>
+        </pc:sldMkLst>
+        <pc:spChg chg="mod">
+          <ac:chgData name="Aysha Gheewala" userId="819ba6fb6ea0380f" providerId="LiveId" clId="{650812C4-EEA9-4F2B-9F39-40FEADFCFB65}" dt="2024-04-03T14:35:25.214" v="4"/>
+          <ac:spMkLst>
+            <pc:docMk/>
+            <pc:sldMk cId="0" sldId="259"/>
+            <ac:spMk id="49" creationId="{00000000-0000-0000-0000-000000000000}"/>
+          </ac:spMkLst>
+        </pc:spChg>
+        <pc:spChg chg="mod">
+          <ac:chgData name="Aysha Gheewala" userId="819ba6fb6ea0380f" providerId="LiveId" clId="{650812C4-EEA9-4F2B-9F39-40FEADFCFB65}" dt="2024-04-03T14:35:43.149" v="9" actId="1035"/>
+          <ac:spMkLst>
+            <pc:docMk/>
+            <pc:sldMk cId="0" sldId="259"/>
+            <ac:spMk id="54" creationId="{00000000-0000-0000-0000-000000000000}"/>
+          </ac:spMkLst>
+        </pc:spChg>
+      </pc:sldChg>
+      <pc:sldChg chg="modSp mod">
+        <pc:chgData name="Aysha Gheewala" userId="819ba6fb6ea0380f" providerId="LiveId" clId="{650812C4-EEA9-4F2B-9F39-40FEADFCFB65}" dt="2024-04-03T14:39:51.945" v="57" actId="1037"/>
+        <pc:sldMkLst>
+          <pc:docMk/>
+          <pc:sldMk cId="0" sldId="263"/>
+        </pc:sldMkLst>
+        <pc:spChg chg="mod">
+          <ac:chgData name="Aysha Gheewala" userId="819ba6fb6ea0380f" providerId="LiveId" clId="{650812C4-EEA9-4F2B-9F39-40FEADFCFB65}" dt="2024-04-03T14:39:51.945" v="57" actId="1037"/>
+          <ac:spMkLst>
+            <pc:docMk/>
+            <pc:sldMk cId="0" sldId="263"/>
+            <ac:spMk id="8" creationId="{00000000-0000-0000-0000-000000000000}"/>
+          </ac:spMkLst>
+        </pc:spChg>
+        <pc:graphicFrameChg chg="mod">
+          <ac:chgData name="Aysha Gheewala" userId="819ba6fb6ea0380f" providerId="LiveId" clId="{650812C4-EEA9-4F2B-9F39-40FEADFCFB65}" dt="2024-04-03T14:39:45.492" v="50" actId="1076"/>
+          <ac:graphicFrameMkLst>
+            <pc:docMk/>
+            <pc:sldMk cId="0" sldId="263"/>
+            <ac:graphicFrameMk id="6" creationId="{00000000-0000-0000-0000-000000000000}"/>
+          </ac:graphicFrameMkLst>
+        </pc:graphicFrameChg>
+      </pc:sldChg>
+      <pc:sldChg chg="modSp mod">
+        <pc:chgData name="Aysha Gheewala" userId="819ba6fb6ea0380f" providerId="LiveId" clId="{650812C4-EEA9-4F2B-9F39-40FEADFCFB65}" dt="2024-04-03T14:34:57.550" v="3" actId="1036"/>
+        <pc:sldMkLst>
+          <pc:docMk/>
+          <pc:sldMk cId="3462539987" sldId="265"/>
+        </pc:sldMkLst>
+        <pc:spChg chg="mod">
+          <ac:chgData name="Aysha Gheewala" userId="819ba6fb6ea0380f" providerId="LiveId" clId="{650812C4-EEA9-4F2B-9F39-40FEADFCFB65}" dt="2024-04-03T14:34:57.550" v="3" actId="1036"/>
+          <ac:spMkLst>
+            <pc:docMk/>
+            <pc:sldMk cId="3462539987" sldId="265"/>
+            <ac:spMk id="43" creationId="{00000000-0000-0000-0000-000000000000}"/>
+          </ac:spMkLst>
+        </pc:spChg>
+      </pc:sldChg>
+      <pc:sldChg chg="addSp delSp modSp mod">
+        <pc:chgData name="Aysha Gheewala" userId="819ba6fb6ea0380f" providerId="LiveId" clId="{650812C4-EEA9-4F2B-9F39-40FEADFCFB65}" dt="2024-04-03T14:36:36.195" v="13" actId="1037"/>
+        <pc:sldMkLst>
+          <pc:docMk/>
+          <pc:sldMk cId="2676376378" sldId="266"/>
+        </pc:sldMkLst>
+        <pc:spChg chg="add mod">
+          <ac:chgData name="Aysha Gheewala" userId="819ba6fb6ea0380f" providerId="LiveId" clId="{650812C4-EEA9-4F2B-9F39-40FEADFCFB65}" dt="2024-04-03T14:36:23.580" v="10"/>
+          <ac:spMkLst>
+            <pc:docMk/>
+            <pc:sldMk cId="2676376378" sldId="266"/>
+            <ac:spMk id="2" creationId="{72166373-CC97-8BF1-B1D7-4DF1F2470D1D}"/>
+          </ac:spMkLst>
+        </pc:spChg>
+        <pc:spChg chg="del">
+          <ac:chgData name="Aysha Gheewala" userId="819ba6fb6ea0380f" providerId="LiveId" clId="{650812C4-EEA9-4F2B-9F39-40FEADFCFB65}" dt="2024-04-03T14:36:25.712" v="11" actId="478"/>
+          <ac:spMkLst>
+            <pc:docMk/>
+            <pc:sldMk cId="2676376378" sldId="266"/>
+            <ac:spMk id="11" creationId="{00000000-0000-0000-0000-000000000000}"/>
+          </ac:spMkLst>
+        </pc:spChg>
+        <pc:picChg chg="mod">
+          <ac:chgData name="Aysha Gheewala" userId="819ba6fb6ea0380f" providerId="LiveId" clId="{650812C4-EEA9-4F2B-9F39-40FEADFCFB65}" dt="2024-04-03T14:36:36.195" v="13" actId="1037"/>
+          <ac:picMkLst>
+            <pc:docMk/>
+            <pc:sldMk cId="2676376378" sldId="266"/>
+            <ac:picMk id="17" creationId="{15C64702-1FC0-9A06-11F9-26F4817C6414}"/>
+          </ac:picMkLst>
+        </pc:picChg>
+      </pc:sldChg>
+      <pc:sldChg chg="addSp delSp modSp mod">
+        <pc:chgData name="Aysha Gheewala" userId="819ba6fb6ea0380f" providerId="LiveId" clId="{650812C4-EEA9-4F2B-9F39-40FEADFCFB65}" dt="2024-04-03T14:39:29.593" v="49" actId="1076"/>
+        <pc:sldMkLst>
+          <pc:docMk/>
+          <pc:sldMk cId="4153134350" sldId="267"/>
+        </pc:sldMkLst>
+        <pc:spChg chg="add mod">
+          <ac:chgData name="Aysha Gheewala" userId="819ba6fb6ea0380f" providerId="LiveId" clId="{650812C4-EEA9-4F2B-9F39-40FEADFCFB65}" dt="2024-04-03T14:36:49.161" v="14"/>
+          <ac:spMkLst>
+            <pc:docMk/>
+            <pc:sldMk cId="4153134350" sldId="267"/>
+            <ac:spMk id="2" creationId="{6977EB7D-9CD5-CB8D-C092-C29BA8D61203}"/>
+          </ac:spMkLst>
+        </pc:spChg>
+        <pc:spChg chg="mod">
+          <ac:chgData name="Aysha Gheewala" userId="819ba6fb6ea0380f" providerId="LiveId" clId="{650812C4-EEA9-4F2B-9F39-40FEADFCFB65}" dt="2024-04-03T14:39:25.335" v="48" actId="1076"/>
+          <ac:spMkLst>
+            <pc:docMk/>
+            <pc:sldMk cId="4153134350" sldId="267"/>
+            <ac:spMk id="4" creationId="{B84200C3-3E38-0FA4-9267-4DFA15EE31C7}"/>
+          </ac:spMkLst>
+        </pc:spChg>
+        <pc:spChg chg="mod">
+          <ac:chgData name="Aysha Gheewala" userId="819ba6fb6ea0380f" providerId="LiveId" clId="{650812C4-EEA9-4F2B-9F39-40FEADFCFB65}" dt="2024-04-03T14:39:12.840" v="45" actId="14100"/>
+          <ac:spMkLst>
+            <pc:docMk/>
+            <pc:sldMk cId="4153134350" sldId="267"/>
+            <ac:spMk id="7" creationId="{3F680E63-CA81-558F-68B6-97D82991B826}"/>
+          </ac:spMkLst>
+        </pc:spChg>
+        <pc:spChg chg="del">
+          <ac:chgData name="Aysha Gheewala" userId="819ba6fb6ea0380f" providerId="LiveId" clId="{650812C4-EEA9-4F2B-9F39-40FEADFCFB65}" dt="2024-04-03T14:36:50.983" v="15" actId="478"/>
+          <ac:spMkLst>
+            <pc:docMk/>
+            <pc:sldMk cId="4153134350" sldId="267"/>
+            <ac:spMk id="11" creationId="{00000000-0000-0000-0000-000000000000}"/>
+          </ac:spMkLst>
+        </pc:spChg>
+        <pc:spChg chg="mod">
+          <ac:chgData name="Aysha Gheewala" userId="819ba6fb6ea0380f" providerId="LiveId" clId="{650812C4-EEA9-4F2B-9F39-40FEADFCFB65}" dt="2024-04-03T14:39:17.946" v="47" actId="20577"/>
+          <ac:spMkLst>
+            <pc:docMk/>
+            <pc:sldMk cId="4153134350" sldId="267"/>
+            <ac:spMk id="13" creationId="{00000000-0000-0000-0000-000000000000}"/>
+          </ac:spMkLst>
+        </pc:spChg>
+        <pc:picChg chg="mod">
+          <ac:chgData name="Aysha Gheewala" userId="819ba6fb6ea0380f" providerId="LiveId" clId="{650812C4-EEA9-4F2B-9F39-40FEADFCFB65}" dt="2024-04-03T14:39:29.593" v="49" actId="1076"/>
+          <ac:picMkLst>
+            <pc:docMk/>
+            <pc:sldMk cId="4153134350" sldId="267"/>
+            <ac:picMk id="6" creationId="{77BBF90E-89F3-6948-AE3E-34E96D9DE52D}"/>
+          </ac:picMkLst>
+        </pc:picChg>
+      </pc:sldChg>
+      <pc:sldChg chg="addSp delSp modSp new mod setBg">
+        <pc:chgData name="Aysha Gheewala" userId="819ba6fb6ea0380f" providerId="LiveId" clId="{650812C4-EEA9-4F2B-9F39-40FEADFCFB65}" dt="2024-04-03T18:37:25.113" v="278" actId="1037"/>
+        <pc:sldMkLst>
+          <pc:docMk/>
+          <pc:sldMk cId="3327471935" sldId="270"/>
+        </pc:sldMkLst>
+        <pc:spChg chg="add mod">
+          <ac:chgData name="Aysha Gheewala" userId="819ba6fb6ea0380f" providerId="LiveId" clId="{650812C4-EEA9-4F2B-9F39-40FEADFCFB65}" dt="2024-04-03T18:22:24.368" v="96" actId="26606"/>
+          <ac:spMkLst>
+            <pc:docMk/>
+            <pc:sldMk cId="3327471935" sldId="270"/>
+            <ac:spMk id="2" creationId="{D2809DF7-D9AB-07FF-1E44-0D56487289A4}"/>
+          </ac:spMkLst>
+        </pc:spChg>
+        <pc:spChg chg="mod">
+          <ac:chgData name="Aysha Gheewala" userId="819ba6fb6ea0380f" providerId="LiveId" clId="{650812C4-EEA9-4F2B-9F39-40FEADFCFB65}" dt="2024-04-03T18:29:05.469" v="106"/>
+          <ac:spMkLst>
+            <pc:docMk/>
+            <pc:sldMk cId="3327471935" sldId="270"/>
+            <ac:spMk id="6" creationId="{19705EAA-FF17-D75A-F697-4FF903E5524D}"/>
+          </ac:spMkLst>
+        </pc:spChg>
+        <pc:spChg chg="mod">
+          <ac:chgData name="Aysha Gheewala" userId="819ba6fb6ea0380f" providerId="LiveId" clId="{650812C4-EEA9-4F2B-9F39-40FEADFCFB65}" dt="2024-04-03T18:29:05.469" v="106"/>
+          <ac:spMkLst>
+            <pc:docMk/>
+            <pc:sldMk cId="3327471935" sldId="270"/>
+            <ac:spMk id="7" creationId="{FA3892E4-849F-75B9-816C-5AFF481AFA9C}"/>
+          </ac:spMkLst>
+        </pc:spChg>
+        <pc:spChg chg="add mod">
+          <ac:chgData name="Aysha Gheewala" userId="819ba6fb6ea0380f" providerId="LiveId" clId="{650812C4-EEA9-4F2B-9F39-40FEADFCFB65}" dt="2024-04-03T18:29:42.869" v="128" actId="1036"/>
+          <ac:spMkLst>
+            <pc:docMk/>
+            <pc:sldMk cId="3327471935" sldId="270"/>
+            <ac:spMk id="8" creationId="{00C52A4F-E674-51DB-00CC-FEB44737848E}"/>
+          </ac:spMkLst>
+        </pc:spChg>
+        <pc:spChg chg="add del">
+          <ac:chgData name="Aysha Gheewala" userId="819ba6fb6ea0380f" providerId="LiveId" clId="{650812C4-EEA9-4F2B-9F39-40FEADFCFB65}" dt="2024-04-03T18:22:24.368" v="96" actId="26606"/>
+          <ac:spMkLst>
+            <pc:docMk/>
+            <pc:sldMk cId="3327471935" sldId="270"/>
+            <ac:spMk id="9" creationId="{C6FC42E6-6C25-4922-95D2-B97B1E123559}"/>
+          </ac:spMkLst>
+        </pc:spChg>
+        <pc:spChg chg="add mod">
+          <ac:chgData name="Aysha Gheewala" userId="819ba6fb6ea0380f" providerId="LiveId" clId="{650812C4-EEA9-4F2B-9F39-40FEADFCFB65}" dt="2024-04-03T18:37:25.113" v="278" actId="1037"/>
+          <ac:spMkLst>
+            <pc:docMk/>
+            <pc:sldMk cId="3327471935" sldId="270"/>
+            <ac:spMk id="10" creationId="{B6D88411-24F2-D8CB-35D8-20D7235E22B5}"/>
+          </ac:spMkLst>
+        </pc:spChg>
+        <pc:spChg chg="add del">
+          <ac:chgData name="Aysha Gheewala" userId="819ba6fb6ea0380f" providerId="LiveId" clId="{650812C4-EEA9-4F2B-9F39-40FEADFCFB65}" dt="2024-04-03T18:22:24.368" v="96" actId="26606"/>
+          <ac:spMkLst>
+            <pc:docMk/>
+            <pc:sldMk cId="3327471935" sldId="270"/>
+            <ac:spMk id="11" creationId="{0295F874-A8A5-4A14-8CFC-828968DE64C4}"/>
+          </ac:spMkLst>
+        </pc:spChg>
+        <pc:spChg chg="add mod">
+          <ac:chgData name="Aysha Gheewala" userId="819ba6fb6ea0380f" providerId="LiveId" clId="{650812C4-EEA9-4F2B-9F39-40FEADFCFB65}" dt="2024-04-03T18:33:56.806" v="267" actId="1076"/>
+          <ac:spMkLst>
+            <pc:docMk/>
+            <pc:sldMk cId="3327471935" sldId="270"/>
+            <ac:spMk id="12" creationId="{C62A4496-7570-195B-9992-9A66B79D3445}"/>
+          </ac:spMkLst>
+        </pc:spChg>
+        <pc:grpChg chg="add mod">
+          <ac:chgData name="Aysha Gheewala" userId="819ba6fb6ea0380f" providerId="LiveId" clId="{650812C4-EEA9-4F2B-9F39-40FEADFCFB65}" dt="2024-04-03T18:29:31.040" v="127" actId="1035"/>
+          <ac:grpSpMkLst>
+            <pc:docMk/>
+            <pc:sldMk cId="3327471935" sldId="270"/>
+            <ac:grpSpMk id="5" creationId="{6BEC1080-5F5C-83CE-BAB6-6CF35B099C7D}"/>
+          </ac:grpSpMkLst>
+        </pc:grpChg>
+        <pc:picChg chg="add mod modCrop">
+          <ac:chgData name="Aysha Gheewala" userId="819ba6fb6ea0380f" providerId="LiveId" clId="{650812C4-EEA9-4F2B-9F39-40FEADFCFB65}" dt="2024-04-03T18:37:11.593" v="269" actId="1076"/>
+          <ac:picMkLst>
+            <pc:docMk/>
+            <pc:sldMk cId="3327471935" sldId="270"/>
+            <ac:picMk id="4" creationId="{24708E8B-DC8C-0644-B695-9FBC42E1CEFE}"/>
+          </ac:picMkLst>
+        </pc:picChg>
+      </pc:sldChg>
+    </pc:docChg>
+  </pc:docChgLst>
+</pc:chgInfo>
 </file>
 
 <file path=ppt/notesMasters/notesMaster1.xml><?xml version="1.0" encoding="utf-8"?>
@@ -246,7 +503,7 @@
           <a:p>
             <a:fld id="{85BA90B5-C4B4-C647-BC3D-46BF24662E26}" type="datetimeFigureOut">
               <a:rPr lang="en-US" smtClean="0"/>
-              <a:t>4/2/2024</a:t>
+              <a:t>4/3/2024</a:t>
             </a:fld>
             <a:endParaRPr lang="en-US"/>
           </a:p>
@@ -598,6 +855,331 @@
 </p:notes>
 </file>
 
+<file path=ppt/notesSlides/notesSlide10.xml><?xml version="1.0" encoding="utf-8"?>
+<p:notes xmlns:a="http://schemas.openxmlformats.org/drawingml/2006/main" xmlns:r="http://schemas.openxmlformats.org/officeDocument/2006/relationships" xmlns:p="http://schemas.openxmlformats.org/presentationml/2006/main">
+  <p:cSld>
+    <p:spTree>
+      <p:nvGrpSpPr>
+        <p:cNvPr id="1" name=""/>
+        <p:cNvGrpSpPr/>
+        <p:nvPr/>
+      </p:nvGrpSpPr>
+      <p:grpSpPr>
+        <a:xfrm>
+          <a:off x="0" y="0"/>
+          <a:ext cx="0" cy="0"/>
+          <a:chOff x="0" y="0"/>
+          <a:chExt cx="0" cy="0"/>
+        </a:xfrm>
+      </p:grpSpPr>
+      <p:sp>
+        <p:nvSpPr>
+          <p:cNvPr id="2" name="Slide Image Placeholder 1"/>
+          <p:cNvSpPr>
+            <a:spLocks noGrp="1" noRot="1" noChangeAspect="1"/>
+          </p:cNvSpPr>
+          <p:nvPr>
+            <p:ph type="sldImg"/>
+          </p:nvPr>
+        </p:nvSpPr>
+        <p:spPr/>
+      </p:sp>
+      <p:sp>
+        <p:nvSpPr>
+          <p:cNvPr id="3" name="Notes Placeholder 2"/>
+          <p:cNvSpPr>
+            <a:spLocks noGrp="1"/>
+          </p:cNvSpPr>
+          <p:nvPr>
+            <p:ph type="body" idx="1"/>
+          </p:nvPr>
+        </p:nvSpPr>
+        <p:spPr/>
+        <p:txBody>
+          <a:bodyPr/>
+          <a:lstStyle/>
+          <a:p>
+            <a:r>
+              <a:rPr lang="en-GB" b="0" dirty="0">
+                <a:solidFill>
+                  <a:srgbClr val="CCCCCC"/>
+                </a:solidFill>
+                <a:effectLst/>
+                <a:latin typeface="+mn-lt"/>
+              </a:rPr>
+              <a:t>The Neural Network model demonstrates the highest accuracy and balanced performance in predicting Type 2 diabetes. Random Forest, Decision Tree, and KNN also exhibit promising results, closely following the Neural Network in terms of accuracy and performance metrics. SVM and Logistic Regression show comparatively lower accuracy and performance metrics.</a:t>
+            </a:r>
+          </a:p>
+          <a:p>
+            <a:br>
+              <a:rPr lang="en-GB" b="0" dirty="0">
+                <a:solidFill>
+                  <a:srgbClr val="CCCCCC"/>
+                </a:solidFill>
+                <a:effectLst/>
+                <a:latin typeface="+mn-lt"/>
+              </a:rPr>
+            </a:br>
+            <a:r>
+              <a:rPr lang="en-GB" b="0" dirty="0">
+                <a:solidFill>
+                  <a:srgbClr val="CCCCCC"/>
+                </a:solidFill>
+                <a:effectLst/>
+                <a:latin typeface="+mn-lt"/>
+              </a:rPr>
+              <a:t>Using Random Forest, it was found that the top 3 features influencing the predictions are </a:t>
+            </a:r>
+            <a:r>
+              <a:rPr lang="en-GB" b="0" dirty="0" err="1">
+                <a:solidFill>
+                  <a:srgbClr val="CE9178"/>
+                </a:solidFill>
+                <a:effectLst/>
+                <a:latin typeface="+mn-lt"/>
+              </a:rPr>
+              <a:t>RegularMedicine</a:t>
+            </a:r>
+            <a:r>
+              <a:rPr lang="en-GB" b="0" dirty="0">
+                <a:solidFill>
+                  <a:srgbClr val="CCCCCC"/>
+                </a:solidFill>
+                <a:effectLst/>
+                <a:latin typeface="+mn-lt"/>
+              </a:rPr>
+              <a:t>, </a:t>
+            </a:r>
+            <a:r>
+              <a:rPr lang="en-GB" b="0" dirty="0">
+                <a:solidFill>
+                  <a:srgbClr val="CE9178"/>
+                </a:solidFill>
+                <a:effectLst/>
+                <a:latin typeface="+mn-lt"/>
+              </a:rPr>
+              <a:t>Age</a:t>
+            </a:r>
+            <a:r>
+              <a:rPr lang="en-GB" b="0" dirty="0">
+                <a:solidFill>
+                  <a:srgbClr val="CCCCCC"/>
+                </a:solidFill>
+                <a:effectLst/>
+                <a:latin typeface="+mn-lt"/>
+              </a:rPr>
+              <a:t>, and </a:t>
+            </a:r>
+            <a:r>
+              <a:rPr lang="en-GB" b="0" dirty="0">
+                <a:solidFill>
+                  <a:srgbClr val="CE9178"/>
+                </a:solidFill>
+                <a:effectLst/>
+                <a:latin typeface="+mn-lt"/>
+              </a:rPr>
+              <a:t>BMI</a:t>
+            </a:r>
+            <a:r>
+              <a:rPr lang="en-GB" b="0" dirty="0">
+                <a:solidFill>
+                  <a:srgbClr val="CCCCCC"/>
+                </a:solidFill>
+                <a:effectLst/>
+                <a:latin typeface="+mn-lt"/>
+              </a:rPr>
+              <a:t>.</a:t>
+            </a:r>
+          </a:p>
+          <a:p>
+            <a:br>
+              <a:rPr lang="en-GB" b="0" dirty="0">
+                <a:solidFill>
+                  <a:srgbClr val="CCCCCC"/>
+                </a:solidFill>
+                <a:effectLst/>
+                <a:latin typeface="+mn-lt"/>
+              </a:rPr>
+            </a:br>
+            <a:r>
+              <a:rPr lang="en-GB" b="0" dirty="0">
+                <a:solidFill>
+                  <a:srgbClr val="CCCCCC"/>
+                </a:solidFill>
+                <a:effectLst/>
+                <a:latin typeface="+mn-lt"/>
+              </a:rPr>
+              <a:t>Hyperparameter tuning by </a:t>
+            </a:r>
+            <a:r>
+              <a:rPr lang="en-GB" b="0" dirty="0" err="1">
+                <a:solidFill>
+                  <a:srgbClr val="CCCCCC"/>
+                </a:solidFill>
+                <a:effectLst/>
+                <a:latin typeface="+mn-lt"/>
+              </a:rPr>
+              <a:t>GridSearchCV</a:t>
+            </a:r>
+            <a:r>
+              <a:rPr lang="en-GB" b="0" dirty="0">
+                <a:solidFill>
+                  <a:srgbClr val="CCCCCC"/>
+                </a:solidFill>
+                <a:effectLst/>
+                <a:latin typeface="+mn-lt"/>
+              </a:rPr>
+              <a:t> resulted in significant improvement for SVM and minor improvement for Logistic Regression. However, due to diminishing returns, no visible improvements were observed in Decision Tree, Random Forest, and KNN after tuning.</a:t>
+            </a:r>
+          </a:p>
+          <a:p>
+            <a:br>
+              <a:rPr lang="en-GB" b="0" dirty="0">
+                <a:solidFill>
+                  <a:srgbClr val="CCCCCC"/>
+                </a:solidFill>
+                <a:effectLst/>
+                <a:latin typeface="+mn-lt"/>
+              </a:rPr>
+            </a:br>
+            <a:r>
+              <a:rPr lang="en-GB" b="0" dirty="0">
+                <a:solidFill>
+                  <a:srgbClr val="CCCCCC"/>
+                </a:solidFill>
+                <a:effectLst/>
+                <a:latin typeface="+mn-lt"/>
+              </a:rPr>
+              <a:t>Based on the results, the Neural Network model is recommended for accurate and reliable diabetes prediction. However, considering computational resources, Random Forest, Decision Tree, and KNN are also viable options as they strike a balance between accuracy and efficiency.</a:t>
+            </a:r>
+          </a:p>
+          <a:p>
+            <a:endParaRPr lang="en-US" dirty="0">
+              <a:latin typeface="+mn-lt"/>
+            </a:endParaRPr>
+          </a:p>
+        </p:txBody>
+      </p:sp>
+      <p:sp>
+        <p:nvSpPr>
+          <p:cNvPr id="4" name="Slide Number Placeholder 3"/>
+          <p:cNvSpPr>
+            <a:spLocks noGrp="1"/>
+          </p:cNvSpPr>
+          <p:nvPr>
+            <p:ph type="sldNum" sz="quarter" idx="5"/>
+          </p:nvPr>
+        </p:nvSpPr>
+        <p:spPr/>
+        <p:txBody>
+          <a:bodyPr/>
+          <a:lstStyle/>
+          <a:p>
+            <a:fld id="{4D7E02E5-87D3-E448-947F-831956D1A2E7}" type="slidenum">
+              <a:rPr lang="en-US" smtClean="0"/>
+              <a:t>14</a:t>
+            </a:fld>
+            <a:endParaRPr lang="en-US"/>
+          </a:p>
+        </p:txBody>
+      </p:sp>
+    </p:spTree>
+    <p:extLst>
+      <p:ext uri="{BB962C8B-B14F-4D97-AF65-F5344CB8AC3E}">
+        <p14:creationId xmlns:p14="http://schemas.microsoft.com/office/powerpoint/2010/main" val="391178529"/>
+      </p:ext>
+    </p:extLst>
+  </p:cSld>
+  <p:clrMapOvr>
+    <a:masterClrMapping/>
+  </p:clrMapOvr>
+</p:notes>
+</file>
+
+<file path=ppt/notesSlides/notesSlide11.xml><?xml version="1.0" encoding="utf-8"?>
+<p:notes xmlns:a="http://schemas.openxmlformats.org/drawingml/2006/main" xmlns:r="http://schemas.openxmlformats.org/officeDocument/2006/relationships" xmlns:p="http://schemas.openxmlformats.org/presentationml/2006/main">
+  <p:cSld>
+    <p:spTree>
+      <p:nvGrpSpPr>
+        <p:cNvPr id="1" name=""/>
+        <p:cNvGrpSpPr/>
+        <p:nvPr/>
+      </p:nvGrpSpPr>
+      <p:grpSpPr>
+        <a:xfrm>
+          <a:off x="0" y="0"/>
+          <a:ext cx="0" cy="0"/>
+          <a:chOff x="0" y="0"/>
+          <a:chExt cx="0" cy="0"/>
+        </a:xfrm>
+      </p:grpSpPr>
+      <p:sp>
+        <p:nvSpPr>
+          <p:cNvPr id="2" name="Slide Image Placeholder 1"/>
+          <p:cNvSpPr>
+            <a:spLocks noGrp="1" noRot="1" noChangeAspect="1"/>
+          </p:cNvSpPr>
+          <p:nvPr>
+            <p:ph type="sldImg"/>
+          </p:nvPr>
+        </p:nvSpPr>
+        <p:spPr/>
+      </p:sp>
+      <p:sp>
+        <p:nvSpPr>
+          <p:cNvPr id="3" name="Notes Placeholder 2"/>
+          <p:cNvSpPr>
+            <a:spLocks noGrp="1"/>
+          </p:cNvSpPr>
+          <p:nvPr>
+            <p:ph type="body" idx="1"/>
+          </p:nvPr>
+        </p:nvSpPr>
+        <p:spPr/>
+        <p:txBody>
+          <a:bodyPr/>
+          <a:lstStyle/>
+          <a:p>
+            <a:endParaRPr lang="en-US" dirty="0"/>
+          </a:p>
+        </p:txBody>
+      </p:sp>
+      <p:sp>
+        <p:nvSpPr>
+          <p:cNvPr id="4" name="Slide Number Placeholder 3"/>
+          <p:cNvSpPr>
+            <a:spLocks noGrp="1"/>
+          </p:cNvSpPr>
+          <p:nvPr>
+            <p:ph type="sldNum" sz="quarter" idx="5"/>
+          </p:nvPr>
+        </p:nvSpPr>
+        <p:spPr/>
+        <p:txBody>
+          <a:bodyPr/>
+          <a:lstStyle/>
+          <a:p>
+            <a:fld id="{4D7E02E5-87D3-E448-947F-831956D1A2E7}" type="slidenum">
+              <a:rPr lang="en-US" smtClean="0"/>
+              <a:t>15</a:t>
+            </a:fld>
+            <a:endParaRPr lang="en-US"/>
+          </a:p>
+        </p:txBody>
+      </p:sp>
+    </p:spTree>
+    <p:extLst>
+      <p:ext uri="{BB962C8B-B14F-4D97-AF65-F5344CB8AC3E}">
+        <p14:creationId xmlns:p14="http://schemas.microsoft.com/office/powerpoint/2010/main" val="2037400189"/>
+      </p:ext>
+    </p:extLst>
+  </p:cSld>
+  <p:clrMapOvr>
+    <a:masterClrMapping/>
+  </p:clrMapOvr>
+</p:notes>
+</file>
+
 <file path=ppt/notesSlides/notesSlide2.xml><?xml version="1.0" encoding="utf-8"?>
 <p:notes xmlns:a="http://schemas.openxmlformats.org/drawingml/2006/main" xmlns:r="http://schemas.openxmlformats.org/officeDocument/2006/relationships" xmlns:p="http://schemas.openxmlformats.org/presentationml/2006/main">
   <p:cSld>
@@ -828,320 +1410,6 @@
           <a:bodyPr/>
           <a:lstStyle/>
           <a:p>
-            <a:r>
-              <a:rPr lang="en-GB" b="0" dirty="0">
-                <a:solidFill>
-                  <a:srgbClr val="CCCCCC"/>
-                </a:solidFill>
-                <a:effectLst/>
-                <a:latin typeface="+mn-lt"/>
-              </a:rPr>
-              <a:t>The Kaggle </a:t>
-            </a:r>
-            <a:r>
-              <a:rPr lang="en-GB" b="0" dirty="0">
-                <a:solidFill>
-                  <a:srgbClr val="CE9178"/>
-                </a:solidFill>
-                <a:effectLst/>
-                <a:latin typeface="+mn-lt"/>
-              </a:rPr>
-              <a:t>dataset</a:t>
-            </a:r>
-            <a:r>
-              <a:rPr lang="en-GB" b="0" dirty="0">
-                <a:solidFill>
-                  <a:srgbClr val="CCCCCC"/>
-                </a:solidFill>
-                <a:effectLst/>
-                <a:latin typeface="+mn-lt"/>
-              </a:rPr>
-              <a:t> utilised in this project was curated by researchers from the Department of Computer Science and Engineering at Birla Institute of Technology in India, for research purposes only and is not intended for commercial use. An </a:t>
-            </a:r>
-            <a:r>
-              <a:rPr lang="en-GB" b="0" dirty="0">
-                <a:solidFill>
-                  <a:srgbClr val="CE9178"/>
-                </a:solidFill>
-                <a:effectLst/>
-                <a:latin typeface="+mn-lt"/>
-              </a:rPr>
-              <a:t>article</a:t>
-            </a:r>
-            <a:r>
-              <a:rPr lang="en-GB" b="0" dirty="0">
-                <a:solidFill>
-                  <a:srgbClr val="CCCCCC"/>
-                </a:solidFill>
-                <a:effectLst/>
-                <a:latin typeface="+mn-lt"/>
-              </a:rPr>
-              <a:t> detailing the implementation of this dataset was published on </a:t>
-            </a:r>
-            <a:r>
-              <a:rPr lang="en-GB" b="0" dirty="0">
-                <a:solidFill>
-                  <a:srgbClr val="CE9178"/>
-                </a:solidFill>
-                <a:effectLst/>
-                <a:latin typeface="+mn-lt"/>
-              </a:rPr>
-              <a:t>ScienceDirect,</a:t>
-            </a:r>
-            <a:r>
-              <a:rPr lang="en-GB" b="0" dirty="0">
-                <a:solidFill>
-                  <a:srgbClr val="CCCCCC"/>
-                </a:solidFill>
-                <a:effectLst/>
-                <a:latin typeface="+mn-lt"/>
-              </a:rPr>
-              <a:t> providing further information.</a:t>
-            </a:r>
-          </a:p>
-          <a:p>
-            <a:endParaRPr lang="en-GB" b="0" dirty="0">
-              <a:solidFill>
-                <a:srgbClr val="CCCCCC"/>
-              </a:solidFill>
-              <a:effectLst/>
-              <a:latin typeface="+mn-lt"/>
-            </a:endParaRPr>
-          </a:p>
-          <a:p>
-            <a:pPr algn="l"/>
-            <a:r>
-              <a:rPr lang="en-GB" b="1" i="0" dirty="0">
-                <a:solidFill>
-                  <a:srgbClr val="CCCCCC"/>
-                </a:solidFill>
-                <a:effectLst/>
-                <a:latin typeface="+mn-lt"/>
-              </a:rPr>
-              <a:t>Data Cleaning and Pre-Processing:</a:t>
-            </a:r>
-            <a:br>
-              <a:rPr lang="en-GB" b="1" i="0" dirty="0">
-                <a:solidFill>
-                  <a:srgbClr val="CCCCCC"/>
-                </a:solidFill>
-                <a:effectLst/>
-                <a:latin typeface="+mn-lt"/>
-              </a:rPr>
-            </a:br>
-            <a:r>
-              <a:rPr lang="en-GB" b="1" i="0" dirty="0">
-                <a:solidFill>
-                  <a:srgbClr val="CCCCCC"/>
-                </a:solidFill>
-                <a:effectLst/>
-                <a:latin typeface="+mn-lt"/>
-              </a:rPr>
-              <a:t>- Parameter were renamed for consistency and accuracy.</a:t>
-            </a:r>
-          </a:p>
-          <a:p>
-            <a:pPr algn="l"/>
-            <a:r>
-              <a:rPr lang="en-GB" b="0" i="0" dirty="0">
-                <a:solidFill>
-                  <a:srgbClr val="CCCCCC"/>
-                </a:solidFill>
-                <a:effectLst/>
-                <a:latin typeface="+mn-lt"/>
-              </a:rPr>
-              <a:t>- </a:t>
-            </a:r>
-            <a:r>
-              <a:rPr lang="en-GB" b="1" i="0" dirty="0">
-                <a:solidFill>
-                  <a:srgbClr val="CCCCCC"/>
-                </a:solidFill>
-                <a:effectLst/>
-                <a:latin typeface="+mn-lt"/>
-              </a:rPr>
-              <a:t>Redundant Columns like </a:t>
-            </a:r>
-            <a:r>
-              <a:rPr lang="en-GB" b="0" i="0" dirty="0" err="1">
-                <a:solidFill>
-                  <a:srgbClr val="CCCCCC"/>
-                </a:solidFill>
-                <a:effectLst/>
-                <a:latin typeface="+mn-lt"/>
-              </a:rPr>
-              <a:t>highBP</a:t>
-            </a:r>
-            <a:r>
-              <a:rPr lang="en-GB" b="0" i="0" dirty="0">
-                <a:solidFill>
-                  <a:srgbClr val="CCCCCC"/>
-                </a:solidFill>
-                <a:effectLst/>
-                <a:latin typeface="+mn-lt"/>
-              </a:rPr>
-              <a:t> was dropped. This reduces the possibility of conflicting information.</a:t>
-            </a:r>
-          </a:p>
-          <a:p>
-            <a:pPr algn="l"/>
-            <a:r>
-              <a:rPr lang="en-GB" b="0" i="0" dirty="0">
-                <a:solidFill>
-                  <a:srgbClr val="CCCCCC"/>
-                </a:solidFill>
-                <a:effectLst/>
-                <a:latin typeface="+mn-lt"/>
-              </a:rPr>
-              <a:t>- </a:t>
-            </a:r>
-            <a:r>
-              <a:rPr lang="en-GB" b="1" i="0" dirty="0">
-                <a:solidFill>
-                  <a:srgbClr val="CCCCCC"/>
-                </a:solidFill>
-                <a:effectLst/>
-                <a:latin typeface="+mn-lt"/>
-              </a:rPr>
-              <a:t>Missing Value: </a:t>
-            </a:r>
-            <a:r>
-              <a:rPr lang="en-GB" b="0" i="0" dirty="0">
-                <a:solidFill>
-                  <a:srgbClr val="CCCCCC"/>
-                </a:solidFill>
-                <a:effectLst/>
-                <a:latin typeface="+mn-lt"/>
-              </a:rPr>
-              <a:t>Rows containing missing values were removed entirely to avoid corruption by incomplete data.</a:t>
-            </a:r>
-          </a:p>
-          <a:p>
-            <a:pPr algn="l"/>
-            <a:r>
-              <a:rPr lang="en-GB" b="1" i="0" dirty="0">
-                <a:solidFill>
-                  <a:srgbClr val="CCCCCC"/>
-                </a:solidFill>
-                <a:effectLst/>
-                <a:latin typeface="+mn-lt"/>
-              </a:rPr>
-              <a:t>- Categorical Parameters were converted to numerical values. </a:t>
-            </a:r>
-            <a:r>
-              <a:rPr lang="en-GB" b="0" i="0" dirty="0">
-                <a:solidFill>
-                  <a:srgbClr val="CCCCCC"/>
-                </a:solidFill>
-                <a:effectLst/>
-                <a:latin typeface="+mn-lt"/>
-              </a:rPr>
-              <a:t>This conversion allows parameters to be used in machine learning algorithms that require numerical features.</a:t>
-            </a:r>
-          </a:p>
-          <a:p>
-            <a:pPr algn="l"/>
-            <a:endParaRPr lang="en-GB" b="0" i="0" dirty="0">
-              <a:solidFill>
-                <a:srgbClr val="CCCCCC"/>
-              </a:solidFill>
-              <a:effectLst/>
-              <a:latin typeface="+mn-lt"/>
-            </a:endParaRPr>
-          </a:p>
-          <a:p>
-            <a:pPr algn="l"/>
-            <a:r>
-              <a:rPr lang="en-GB" b="1" i="0" dirty="0">
-                <a:solidFill>
-                  <a:srgbClr val="CCCCCC"/>
-                </a:solidFill>
-                <a:effectLst/>
-                <a:latin typeface="+mn-lt"/>
-              </a:rPr>
-              <a:t>Data Splitting:</a:t>
-            </a:r>
-            <a:endParaRPr lang="en-GB" b="0" i="0" dirty="0">
-              <a:solidFill>
-                <a:srgbClr val="CCCCCC"/>
-              </a:solidFill>
-              <a:effectLst/>
-              <a:latin typeface="+mn-lt"/>
-            </a:endParaRPr>
-          </a:p>
-          <a:p>
-            <a:pPr algn="l">
-              <a:buFont typeface="Arial" panose="020B0604020202020204" pitchFamily="34" charset="0"/>
-              <a:buChar char="•"/>
-            </a:pPr>
-            <a:r>
-              <a:rPr lang="en-GB" b="0" i="0" dirty="0">
-                <a:solidFill>
-                  <a:srgbClr val="CCCCCC"/>
-                </a:solidFill>
-                <a:effectLst/>
-                <a:latin typeface="+mn-lt"/>
-              </a:rPr>
-              <a:t>Defined the target Diabetic and feature parameters and split the data into subsets ready for the training and testing of models.</a:t>
-            </a:r>
-          </a:p>
-          <a:p>
-            <a:pPr algn="l">
-              <a:buFont typeface="Arial" panose="020B0604020202020204" pitchFamily="34" charset="0"/>
-              <a:buChar char="•"/>
-            </a:pPr>
-            <a:endParaRPr lang="en-GB" b="0" i="0" dirty="0">
-              <a:solidFill>
-                <a:srgbClr val="CCCCCC"/>
-              </a:solidFill>
-              <a:effectLst/>
-              <a:latin typeface="+mn-lt"/>
-            </a:endParaRPr>
-          </a:p>
-          <a:p>
-            <a:pPr algn="l"/>
-            <a:r>
-              <a:rPr lang="en-GB" b="1" i="0" dirty="0">
-                <a:solidFill>
-                  <a:srgbClr val="CCCCCC"/>
-                </a:solidFill>
-                <a:effectLst/>
-                <a:latin typeface="+mn-lt"/>
-              </a:rPr>
-              <a:t>Feature scaling:</a:t>
-            </a:r>
-            <a:endParaRPr lang="en-GB" b="0" i="0" dirty="0">
-              <a:solidFill>
-                <a:srgbClr val="CCCCCC"/>
-              </a:solidFill>
-              <a:effectLst/>
-              <a:latin typeface="+mn-lt"/>
-            </a:endParaRPr>
-          </a:p>
-          <a:p>
-            <a:pPr algn="l">
-              <a:buFont typeface="Arial" panose="020B0604020202020204" pitchFamily="34" charset="0"/>
-              <a:buChar char="•"/>
-            </a:pPr>
-            <a:r>
-              <a:rPr lang="en-GB" b="0" i="0" dirty="0">
-                <a:solidFill>
-                  <a:srgbClr val="CCCCCC"/>
-                </a:solidFill>
-                <a:effectLst/>
-                <a:latin typeface="+mn-lt"/>
-              </a:rPr>
-              <a:t>Standardised numerical features using Z-score normalisation.</a:t>
-            </a:r>
-            <a:endParaRPr lang="en-GB" b="0" dirty="0">
-              <a:solidFill>
-                <a:srgbClr val="CCCCCC"/>
-              </a:solidFill>
-              <a:effectLst/>
-              <a:latin typeface="+mn-lt"/>
-            </a:endParaRPr>
-          </a:p>
-          <a:p>
             <a:endParaRPr lang="en-US" dirty="0">
               <a:latin typeface="+mn-lt"/>
             </a:endParaRPr>
@@ -1174,7 +1442,7 @@
     </p:spTree>
     <p:extLst>
       <p:ext uri="{BB962C8B-B14F-4D97-AF65-F5344CB8AC3E}">
-        <p14:creationId xmlns:p14="http://schemas.microsoft.com/office/powerpoint/2010/main" val="1873853049"/>
+        <p14:creationId xmlns:p14="http://schemas.microsoft.com/office/powerpoint/2010/main" val="915690324"/>
       </p:ext>
     </p:extLst>
   </p:cSld>
@@ -1228,12 +1496,9 @@
           <a:bodyPr/>
           <a:lstStyle/>
           <a:p>
-            <a:r>
-              <a:rPr lang="en-US" dirty="0">
-                <a:latin typeface="+mn-lt"/>
-              </a:rPr>
-              <a:t>Model features showing the features significance in predicting diabetes among all variables</a:t>
-            </a:r>
+            <a:endParaRPr lang="en-US" dirty="0">
+              <a:latin typeface="+mn-lt"/>
+            </a:endParaRPr>
           </a:p>
         </p:txBody>
       </p:sp>
@@ -1263,7 +1528,7 @@
     </p:spTree>
     <p:extLst>
       <p:ext uri="{BB962C8B-B14F-4D97-AF65-F5344CB8AC3E}">
-        <p14:creationId xmlns:p14="http://schemas.microsoft.com/office/powerpoint/2010/main" val="1425259791"/>
+        <p14:creationId xmlns:p14="http://schemas.microsoft.com/office/powerpoint/2010/main" val="1600193628"/>
       </p:ext>
     </p:extLst>
   </p:cSld>
@@ -1318,15 +1583,77 @@
           <a:lstStyle/>
           <a:p>
             <a:r>
-              <a:rPr lang="en-GB" b="1" dirty="0">
-                <a:solidFill>
-                  <a:srgbClr val="569CD6"/>
+              <a:rPr lang="en-GB" b="0" dirty="0">
+                <a:solidFill>
+                  <a:srgbClr val="CCCCCC"/>
                 </a:solidFill>
                 <a:effectLst/>
                 <a:latin typeface="+mn-lt"/>
               </a:rPr>
-              <a:t>Model Building:</a:t>
-            </a:r>
+              <a:t>The Kaggle </a:t>
+            </a:r>
+            <a:r>
+              <a:rPr lang="en-GB" b="0" dirty="0">
+                <a:solidFill>
+                  <a:srgbClr val="CE9178"/>
+                </a:solidFill>
+                <a:effectLst/>
+                <a:latin typeface="+mn-lt"/>
+              </a:rPr>
+              <a:t>dataset</a:t>
+            </a:r>
+            <a:r>
+              <a:rPr lang="en-GB" b="0" dirty="0">
+                <a:solidFill>
+                  <a:srgbClr val="CCCCCC"/>
+                </a:solidFill>
+                <a:effectLst/>
+                <a:latin typeface="+mn-lt"/>
+              </a:rPr>
+              <a:t> utilised in this project was curated by researchers from the Department of Computer Science and Engineering at Birla Institute of Technology in India, for research purposes only and is not intended for commercial use. An </a:t>
+            </a:r>
+            <a:r>
+              <a:rPr lang="en-GB" b="0" dirty="0">
+                <a:solidFill>
+                  <a:srgbClr val="CE9178"/>
+                </a:solidFill>
+                <a:effectLst/>
+                <a:latin typeface="+mn-lt"/>
+              </a:rPr>
+              <a:t>article</a:t>
+            </a:r>
+            <a:r>
+              <a:rPr lang="en-GB" b="0" dirty="0">
+                <a:solidFill>
+                  <a:srgbClr val="CCCCCC"/>
+                </a:solidFill>
+                <a:effectLst/>
+                <a:latin typeface="+mn-lt"/>
+              </a:rPr>
+              <a:t> detailing the implementation of this dataset was published on </a:t>
+            </a:r>
+            <a:r>
+              <a:rPr lang="en-GB" b="0" dirty="0">
+                <a:solidFill>
+                  <a:srgbClr val="CE9178"/>
+                </a:solidFill>
+                <a:effectLst/>
+                <a:latin typeface="+mn-lt"/>
+              </a:rPr>
+              <a:t>ScienceDirect,</a:t>
+            </a:r>
+            <a:r>
+              <a:rPr lang="en-GB" b="0" dirty="0">
+                <a:solidFill>
+                  <a:srgbClr val="CCCCCC"/>
+                </a:solidFill>
+                <a:effectLst/>
+                <a:latin typeface="+mn-lt"/>
+              </a:rPr>
+              <a:t> providing further information.</a:t>
+            </a:r>
+          </a:p>
+          <a:p>
             <a:endParaRPr lang="en-GB" b="0" dirty="0">
               <a:solidFill>
                 <a:srgbClr val="CCCCCC"/>
@@ -1336,308 +1663,229 @@
             </a:endParaRPr>
           </a:p>
           <a:p>
-            <a:r>
-              <a:rPr lang="en-GB" b="0" dirty="0">
-                <a:solidFill>
-                  <a:srgbClr val="6796E6"/>
+            <a:pPr algn="l"/>
+            <a:r>
+              <a:rPr lang="en-GB" b="1" i="0" dirty="0">
+                <a:solidFill>
+                  <a:srgbClr val="CCCCCC"/>
                 </a:solidFill>
                 <a:effectLst/>
                 <a:latin typeface="+mn-lt"/>
               </a:rPr>
-              <a:t>-</a:t>
-            </a:r>
-            <a:r>
-              <a:rPr lang="en-GB" b="0" dirty="0">
+              <a:t>Data Cleaning and Pre-Processing:</a:t>
+            </a:r>
+            <a:br>
+              <a:rPr lang="en-GB" b="1" i="0" dirty="0">
                 <a:solidFill>
                   <a:srgbClr val="CCCCCC"/>
                 </a:solidFill>
                 <a:effectLst/>
                 <a:latin typeface="+mn-lt"/>
               </a:rPr>
-              <a:t> </a:t>
-            </a:r>
-            <a:r>
-              <a:rPr lang="en-GB" b="1" dirty="0">
-                <a:solidFill>
-                  <a:srgbClr val="569CD6"/>
+            </a:br>
+            <a:r>
+              <a:rPr lang="en-GB" b="1" i="0" dirty="0">
+                <a:solidFill>
+                  <a:srgbClr val="CCCCCC"/>
                 </a:solidFill>
                 <a:effectLst/>
                 <a:latin typeface="+mn-lt"/>
               </a:rPr>
-              <a:t>Logistic Regression: </a:t>
-            </a:r>
-            <a:r>
-              <a:rPr lang="en-GB" b="0" dirty="0">
+              <a:t>- Parameter were renamed for consistency and accuracy.</a:t>
+            </a:r>
+          </a:p>
+          <a:p>
+            <a:pPr algn="l"/>
+            <a:r>
+              <a:rPr lang="en-GB" b="0" i="0" dirty="0">
                 <a:solidFill>
                   <a:srgbClr val="CCCCCC"/>
                 </a:solidFill>
                 <a:effectLst/>
                 <a:latin typeface="+mn-lt"/>
               </a:rPr>
-              <a:t>Trained a logistic regression model as a baseline model.</a:t>
-            </a:r>
-          </a:p>
-          <a:p>
-            <a:r>
-              <a:rPr lang="en-GB" b="0" dirty="0">
-                <a:solidFill>
-                  <a:srgbClr val="6796E6"/>
+              <a:t>- </a:t>
+            </a:r>
+            <a:r>
+              <a:rPr lang="en-GB" b="1" i="0" dirty="0">
+                <a:solidFill>
+                  <a:srgbClr val="CCCCCC"/>
                 </a:solidFill>
                 <a:effectLst/>
                 <a:latin typeface="+mn-lt"/>
               </a:rPr>
-              <a:t>-</a:t>
-            </a:r>
-            <a:r>
-              <a:rPr lang="en-GB" b="0" dirty="0">
+              <a:t>Redundant Columns like </a:t>
+            </a:r>
+            <a:r>
+              <a:rPr lang="en-GB" b="0" i="0" dirty="0" err="1">
                 <a:solidFill>
                   <a:srgbClr val="CCCCCC"/>
                 </a:solidFill>
                 <a:effectLst/>
                 <a:latin typeface="+mn-lt"/>
               </a:rPr>
-              <a:t> </a:t>
-            </a:r>
-            <a:r>
-              <a:rPr lang="en-GB" b="1" dirty="0">
-                <a:solidFill>
-                  <a:srgbClr val="569CD6"/>
+              <a:t>highBP</a:t>
+            </a:r>
+            <a:r>
+              <a:rPr lang="en-GB" b="0" i="0" dirty="0">
+                <a:solidFill>
+                  <a:srgbClr val="CCCCCC"/>
                 </a:solidFill>
                 <a:effectLst/>
                 <a:latin typeface="+mn-lt"/>
               </a:rPr>
-              <a:t>Random Forest:</a:t>
-            </a:r>
-            <a:r>
-              <a:rPr lang="en-GB" b="0" dirty="0">
+              <a:t> was dropped. This reduces the possibility of conflicting information.</a:t>
+            </a:r>
+          </a:p>
+          <a:p>
+            <a:pPr algn="l"/>
+            <a:r>
+              <a:rPr lang="en-GB" b="0" i="0" dirty="0">
                 <a:solidFill>
                   <a:srgbClr val="CCCCCC"/>
                 </a:solidFill>
                 <a:effectLst/>
                 <a:latin typeface="+mn-lt"/>
               </a:rPr>
-              <a:t> Implemented a random forest classifier to capture non-linear relationships between features. We will also determine which features are the most important and can influence diabetes predictions.</a:t>
-            </a:r>
-          </a:p>
-          <a:p>
-            <a:r>
-              <a:rPr lang="en-GB" b="0" dirty="0">
-                <a:solidFill>
-                  <a:srgbClr val="6796E6"/>
+              <a:t>- </a:t>
+            </a:r>
+            <a:r>
+              <a:rPr lang="en-GB" b="1" i="0" dirty="0">
+                <a:solidFill>
+                  <a:srgbClr val="CCCCCC"/>
                 </a:solidFill>
                 <a:effectLst/>
                 <a:latin typeface="+mn-lt"/>
               </a:rPr>
-              <a:t>-</a:t>
-            </a:r>
-            <a:r>
-              <a:rPr lang="en-GB" b="0" dirty="0">
+              <a:t>Missing Value: </a:t>
+            </a:r>
+            <a:r>
+              <a:rPr lang="en-GB" b="0" i="0" dirty="0">
                 <a:solidFill>
                   <a:srgbClr val="CCCCCC"/>
                 </a:solidFill>
                 <a:effectLst/>
                 <a:latin typeface="+mn-lt"/>
               </a:rPr>
-              <a:t> </a:t>
-            </a:r>
-            <a:r>
-              <a:rPr lang="en-GB" b="1" dirty="0">
-                <a:solidFill>
-                  <a:srgbClr val="569CD6"/>
+              <a:t>Rows containing missing values were removed entirely to avoid corruption by incomplete data.</a:t>
+            </a:r>
+          </a:p>
+          <a:p>
+            <a:pPr algn="l"/>
+            <a:r>
+              <a:rPr lang="en-GB" b="1" i="0" dirty="0">
+                <a:solidFill>
+                  <a:srgbClr val="CCCCCC"/>
                 </a:solidFill>
                 <a:effectLst/>
                 <a:latin typeface="+mn-lt"/>
               </a:rPr>
-              <a:t>Decision Tree:</a:t>
-            </a:r>
-            <a:r>
-              <a:rPr lang="en-GB" b="0" dirty="0">
+              <a:t>- Categorical Parameters were converted to numerical values. </a:t>
+            </a:r>
+            <a:r>
+              <a:rPr lang="en-GB" b="0" i="0" dirty="0">
                 <a:solidFill>
                   <a:srgbClr val="CCCCCC"/>
                 </a:solidFill>
                 <a:effectLst/>
                 <a:latin typeface="+mn-lt"/>
               </a:rPr>
-              <a:t> Built a decision tree classifier to understand the decision-making process.</a:t>
-            </a:r>
-          </a:p>
-          <a:p>
-            <a:r>
-              <a:rPr lang="en-GB" b="0" dirty="0">
-                <a:solidFill>
-                  <a:srgbClr val="6796E6"/>
-                </a:solidFill>
-                <a:effectLst/>
-                <a:latin typeface="+mn-lt"/>
-              </a:rPr>
-              <a:t>-</a:t>
-            </a:r>
-            <a:r>
-              <a:rPr lang="en-GB" b="0" dirty="0">
-                <a:solidFill>
-                  <a:srgbClr val="CCCCCC"/>
-                </a:solidFill>
-                <a:effectLst/>
-                <a:latin typeface="+mn-lt"/>
-              </a:rPr>
-              <a:t> </a:t>
-            </a:r>
-            <a:r>
-              <a:rPr lang="en-GB" b="1" dirty="0">
-                <a:solidFill>
-                  <a:srgbClr val="569CD6"/>
-                </a:solidFill>
-                <a:effectLst/>
-                <a:latin typeface="+mn-lt"/>
-              </a:rPr>
-              <a:t>Support Vector Machine (SVM):</a:t>
-            </a:r>
-            <a:r>
-              <a:rPr lang="en-GB" b="0" dirty="0">
-                <a:solidFill>
-                  <a:srgbClr val="CCCCCC"/>
-                </a:solidFill>
-                <a:effectLst/>
-                <a:latin typeface="+mn-lt"/>
-              </a:rPr>
-              <a:t> Employed SVM with different kernels (linear, polynomial, and radial basis function) to find the best separating hyperplane. In this project, a linear kernel was selected due to its computational efficiency, which is advantageous for large datasets.</a:t>
-            </a:r>
-          </a:p>
-          <a:p>
-            <a:r>
-              <a:rPr lang="en-GB" b="0" dirty="0">
-                <a:solidFill>
-                  <a:srgbClr val="6796E6"/>
-                </a:solidFill>
-                <a:effectLst/>
-                <a:latin typeface="+mn-lt"/>
-              </a:rPr>
-              <a:t>-</a:t>
-            </a:r>
-            <a:r>
-              <a:rPr lang="en-GB" b="0" dirty="0">
-                <a:solidFill>
-                  <a:srgbClr val="CCCCCC"/>
-                </a:solidFill>
-                <a:effectLst/>
-                <a:latin typeface="+mn-lt"/>
-              </a:rPr>
-              <a:t> </a:t>
-            </a:r>
-            <a:r>
-              <a:rPr lang="en-GB" b="1" dirty="0">
-                <a:solidFill>
-                  <a:srgbClr val="569CD6"/>
-                </a:solidFill>
-                <a:effectLst/>
-                <a:latin typeface="+mn-lt"/>
-              </a:rPr>
-              <a:t>K-Nearest </a:t>
-            </a:r>
-            <a:r>
-              <a:rPr lang="en-GB" b="1" dirty="0" err="1">
-                <a:solidFill>
-                  <a:srgbClr val="569CD6"/>
-                </a:solidFill>
-                <a:effectLst/>
-                <a:latin typeface="+mn-lt"/>
-              </a:rPr>
-              <a:t>Neighbors</a:t>
-            </a:r>
-            <a:r>
-              <a:rPr lang="en-GB" b="1" dirty="0">
-                <a:solidFill>
-                  <a:srgbClr val="569CD6"/>
-                </a:solidFill>
-                <a:effectLst/>
-                <a:latin typeface="+mn-lt"/>
-              </a:rPr>
-              <a:t> (KNN):</a:t>
-            </a:r>
-            <a:r>
-              <a:rPr lang="en-GB" b="0" dirty="0">
-                <a:solidFill>
-                  <a:srgbClr val="CCCCCC"/>
-                </a:solidFill>
-                <a:effectLst/>
-                <a:latin typeface="+mn-lt"/>
-              </a:rPr>
-              <a:t> Implemented KNN to classify data points based on the majority class of their nearest neighbours.</a:t>
-            </a:r>
-          </a:p>
-          <a:p>
-            <a:r>
-              <a:rPr lang="en-GB" b="0" dirty="0">
-                <a:solidFill>
-                  <a:srgbClr val="6796E6"/>
-                </a:solidFill>
-                <a:effectLst/>
-                <a:latin typeface="+mn-lt"/>
-              </a:rPr>
-              <a:t>-</a:t>
-            </a:r>
-            <a:r>
-              <a:rPr lang="en-GB" b="0" dirty="0">
-                <a:solidFill>
-                  <a:srgbClr val="CCCCCC"/>
-                </a:solidFill>
-                <a:effectLst/>
-                <a:latin typeface="+mn-lt"/>
-              </a:rPr>
-              <a:t> </a:t>
-            </a:r>
-            <a:r>
-              <a:rPr lang="en-GB" b="1" dirty="0">
-                <a:solidFill>
-                  <a:srgbClr val="569CD6"/>
-                </a:solidFill>
-                <a:effectLst/>
-                <a:latin typeface="+mn-lt"/>
-              </a:rPr>
-              <a:t>Neural Network:</a:t>
-            </a:r>
-            <a:r>
-              <a:rPr lang="en-GB" b="0" dirty="0">
-                <a:solidFill>
-                  <a:srgbClr val="CCCCCC"/>
-                </a:solidFill>
-                <a:effectLst/>
-                <a:latin typeface="+mn-lt"/>
-              </a:rPr>
-              <a:t> Constructed a Neural Network with multiple hidden layers using TensorFlow.</a:t>
-            </a:r>
-          </a:p>
-          <a:p>
-            <a:endParaRPr lang="en-GB" b="1" dirty="0">
+              <a:t>This conversion allows parameters to be used in machine learning algorithms that require numerical features.</a:t>
+            </a:r>
+          </a:p>
+          <a:p>
+            <a:pPr algn="l"/>
+            <a:endParaRPr lang="en-GB" b="0" i="0" dirty="0">
               <a:solidFill>
-                <a:srgbClr val="569CD6"/>
+                <a:srgbClr val="CCCCCC"/>
               </a:solidFill>
               <a:effectLst/>
               <a:latin typeface="+mn-lt"/>
             </a:endParaRPr>
           </a:p>
           <a:p>
-            <a:r>
-              <a:rPr lang="en-GB" b="1" dirty="0">
-                <a:solidFill>
-                  <a:srgbClr val="569CD6"/>
+            <a:pPr algn="l"/>
+            <a:r>
+              <a:rPr lang="en-GB" b="1" i="0" dirty="0">
+                <a:solidFill>
+                  <a:srgbClr val="CCCCCC"/>
                 </a:solidFill>
                 <a:effectLst/>
                 <a:latin typeface="+mn-lt"/>
               </a:rPr>
-              <a:t>Tuning and Optimisation:</a:t>
-            </a:r>
-          </a:p>
-          <a:p>
-            <a:r>
-              <a:rPr lang="en-GB" b="1" dirty="0">
-                <a:solidFill>
-                  <a:srgbClr val="569CD6"/>
+              <a:t>Data Splitting:</a:t>
+            </a:r>
+            <a:endParaRPr lang="en-GB" b="0" i="0" dirty="0">
+              <a:solidFill>
+                <a:srgbClr val="CCCCCC"/>
+              </a:solidFill>
+              <a:effectLst/>
+              <a:latin typeface="+mn-lt"/>
+            </a:endParaRPr>
+          </a:p>
+          <a:p>
+            <a:pPr algn="l">
+              <a:buFont typeface="Arial" panose="020B0604020202020204" pitchFamily="34" charset="0"/>
+              <a:buChar char="•"/>
+            </a:pPr>
+            <a:r>
+              <a:rPr lang="en-GB" b="0" i="0" dirty="0">
+                <a:solidFill>
+                  <a:srgbClr val="CCCCCC"/>
                 </a:solidFill>
                 <a:effectLst/>
                 <a:latin typeface="+mn-lt"/>
               </a:rPr>
-              <a:t>Hyperparameter Tuning:</a:t>
+              <a:t>Defined the target Diabetic and feature parameters and split the data into subsets ready for the training and testing of models.</a:t>
+            </a:r>
+          </a:p>
+          <a:p>
+            <a:pPr algn="l">
+              <a:buFont typeface="Arial" panose="020B0604020202020204" pitchFamily="34" charset="0"/>
+              <a:buChar char="•"/>
+            </a:pPr>
+            <a:endParaRPr lang="en-GB" b="0" i="0" dirty="0">
+              <a:solidFill>
+                <a:srgbClr val="CCCCCC"/>
+              </a:solidFill>
+              <a:effectLst/>
+              <a:latin typeface="+mn-lt"/>
+            </a:endParaRPr>
+          </a:p>
+          <a:p>
+            <a:pPr algn="l"/>
+            <a:r>
+              <a:rPr lang="en-GB" b="1" i="0" dirty="0">
+                <a:solidFill>
+                  <a:srgbClr val="CCCCCC"/>
+                </a:solidFill>
+                <a:effectLst/>
+                <a:latin typeface="+mn-lt"/>
+              </a:rPr>
+              <a:t>Feature scaling:</a:t>
+            </a:r>
+            <a:endParaRPr lang="en-GB" b="0" i="0" dirty="0">
+              <a:solidFill>
+                <a:srgbClr val="CCCCCC"/>
+              </a:solidFill>
+              <a:effectLst/>
+              <a:latin typeface="+mn-lt"/>
+            </a:endParaRPr>
+          </a:p>
+          <a:p>
+            <a:pPr algn="l">
+              <a:buFont typeface="Arial" panose="020B0604020202020204" pitchFamily="34" charset="0"/>
+              <a:buChar char="•"/>
+            </a:pPr>
+            <a:r>
+              <a:rPr lang="en-GB" b="0" i="0" dirty="0">
+                <a:solidFill>
+                  <a:srgbClr val="CCCCCC"/>
+                </a:solidFill>
+                <a:effectLst/>
+                <a:latin typeface="+mn-lt"/>
+              </a:rPr>
+              <a:t>Standardised numerical features using Z-score normalisation.</a:t>
             </a:r>
             <a:endParaRPr lang="en-GB" b="0" dirty="0">
               <a:solidFill>
@@ -1648,119 +1896,6 @@
             </a:endParaRPr>
           </a:p>
           <a:p>
-            <a:r>
-              <a:rPr lang="en-GB" b="0" dirty="0">
-                <a:solidFill>
-                  <a:srgbClr val="6796E6"/>
-                </a:solidFill>
-                <a:effectLst/>
-                <a:latin typeface="+mn-lt"/>
-              </a:rPr>
-              <a:t>-</a:t>
-            </a:r>
-            <a:r>
-              <a:rPr lang="en-GB" b="0" dirty="0">
-                <a:solidFill>
-                  <a:srgbClr val="CCCCCC"/>
-                </a:solidFill>
-                <a:effectLst/>
-                <a:latin typeface="+mn-lt"/>
-              </a:rPr>
-              <a:t> Utilised </a:t>
-            </a:r>
-            <a:r>
-              <a:rPr lang="en-GB" b="1" dirty="0" err="1">
-                <a:solidFill>
-                  <a:srgbClr val="569CD6"/>
-                </a:solidFill>
-                <a:effectLst/>
-                <a:latin typeface="+mn-lt"/>
-              </a:rPr>
-              <a:t>GridSearchCV</a:t>
-            </a:r>
-            <a:r>
-              <a:rPr lang="en-GB" b="0" dirty="0">
-                <a:solidFill>
-                  <a:srgbClr val="CCCCCC"/>
-                </a:solidFill>
-                <a:effectLst/>
-                <a:latin typeface="+mn-lt"/>
-              </a:rPr>
-              <a:t> to tune hyperparameters for Logistic Regression, Random Forest, Decision Tree, SVM and KNN.</a:t>
-            </a:r>
-          </a:p>
-          <a:p>
-            <a:r>
-              <a:rPr lang="en-GB" b="1" dirty="0">
-                <a:solidFill>
-                  <a:srgbClr val="569CD6"/>
-                </a:solidFill>
-                <a:effectLst/>
-                <a:latin typeface="+mn-lt"/>
-              </a:rPr>
-              <a:t>Neural Network Optimisation:</a:t>
-            </a:r>
-            <a:endParaRPr lang="en-GB" b="0" dirty="0">
-              <a:solidFill>
-                <a:srgbClr val="CCCCCC"/>
-              </a:solidFill>
-              <a:effectLst/>
-              <a:latin typeface="+mn-lt"/>
-            </a:endParaRPr>
-          </a:p>
-          <a:p>
-            <a:r>
-              <a:rPr lang="en-GB" b="0" dirty="0">
-                <a:solidFill>
-                  <a:srgbClr val="6796E6"/>
-                </a:solidFill>
-                <a:effectLst/>
-                <a:latin typeface="+mn-lt"/>
-              </a:rPr>
-              <a:t>-</a:t>
-            </a:r>
-            <a:r>
-              <a:rPr lang="en-GB" b="0" dirty="0">
-                <a:solidFill>
-                  <a:srgbClr val="CCCCCC"/>
-                </a:solidFill>
-                <a:effectLst/>
-                <a:latin typeface="+mn-lt"/>
-              </a:rPr>
-              <a:t> Used </a:t>
-            </a:r>
-            <a:r>
-              <a:rPr lang="en-GB" b="1" dirty="0" err="1">
-                <a:solidFill>
-                  <a:srgbClr val="569CD6"/>
-                </a:solidFill>
-                <a:effectLst/>
-                <a:latin typeface="+mn-lt"/>
-              </a:rPr>
-              <a:t>Keras</a:t>
-            </a:r>
-            <a:r>
-              <a:rPr lang="en-GB" b="1" dirty="0">
-                <a:solidFill>
-                  <a:srgbClr val="569CD6"/>
-                </a:solidFill>
-                <a:effectLst/>
-                <a:latin typeface="+mn-lt"/>
-              </a:rPr>
-              <a:t> Tuner</a:t>
-            </a:r>
-            <a:r>
-              <a:rPr lang="en-GB" b="0" dirty="0">
-                <a:solidFill>
-                  <a:srgbClr val="CCCCCC"/>
-                </a:solidFill>
-                <a:effectLst/>
-                <a:latin typeface="+mn-lt"/>
-              </a:rPr>
-              <a:t> to perform hyperparameter optimisation for the Neural Network model, including the number of hidden layers, neurons per layer, activation functions, and learning rate.</a:t>
-            </a:r>
-          </a:p>
-          <a:p>
             <a:endParaRPr lang="en-US" dirty="0">
               <a:latin typeface="+mn-lt"/>
             </a:endParaRPr>
@@ -1793,7 +1928,7 @@
     </p:spTree>
     <p:extLst>
       <p:ext uri="{BB962C8B-B14F-4D97-AF65-F5344CB8AC3E}">
-        <p14:creationId xmlns:p14="http://schemas.microsoft.com/office/powerpoint/2010/main" val="1530997379"/>
+        <p14:creationId xmlns:p14="http://schemas.microsoft.com/office/powerpoint/2010/main" val="1873853049"/>
       </p:ext>
     </p:extLst>
   </p:cSld>
@@ -1848,100 +1983,14 @@
           <a:lstStyle/>
           <a:p>
             <a:r>
-              <a:rPr lang="en-GB" b="0" dirty="0">
-                <a:solidFill>
-                  <a:srgbClr val="6796E6"/>
+              <a:rPr lang="en-GB" b="1" dirty="0">
+                <a:solidFill>
+                  <a:srgbClr val="569CD6"/>
                 </a:solidFill>
                 <a:effectLst/>
                 <a:latin typeface="+mn-lt"/>
               </a:rPr>
-              <a:t>-</a:t>
-            </a:r>
-            <a:r>
-              <a:rPr lang="en-GB" b="0" dirty="0">
-                <a:solidFill>
-                  <a:srgbClr val="CCCCCC"/>
-                </a:solidFill>
-                <a:effectLst/>
-                <a:latin typeface="+mn-lt"/>
-              </a:rPr>
-              <a:t> Confusion matrix: Analysed true positive, false positive, true negative, and false negative predictions.</a:t>
-            </a:r>
-          </a:p>
-          <a:p>
-            <a:r>
-              <a:rPr lang="en-GB" b="0" dirty="0">
-                <a:solidFill>
-                  <a:srgbClr val="6796E6"/>
-                </a:solidFill>
-                <a:effectLst/>
-                <a:latin typeface="+mn-lt"/>
-              </a:rPr>
-              <a:t>-</a:t>
-            </a:r>
-            <a:r>
-              <a:rPr lang="en-GB" b="0" dirty="0">
-                <a:solidFill>
-                  <a:srgbClr val="CCCCCC"/>
-                </a:solidFill>
-                <a:effectLst/>
-                <a:latin typeface="+mn-lt"/>
-              </a:rPr>
-              <a:t> Metrics: Calculated accuracy, precision, recall, F1-score to assess model performance.</a:t>
-            </a:r>
-          </a:p>
-          <a:p>
-            <a:r>
-              <a:rPr lang="en-GB" b="0" dirty="0">
-                <a:solidFill>
-                  <a:srgbClr val="6796E6"/>
-                </a:solidFill>
-                <a:effectLst/>
-                <a:latin typeface="+mn-lt"/>
-              </a:rPr>
-              <a:t>-</a:t>
-            </a:r>
-            <a:r>
-              <a:rPr lang="en-GB" b="0" dirty="0">
-                <a:solidFill>
-                  <a:srgbClr val="CCCCCC"/>
-                </a:solidFill>
-                <a:effectLst/>
-                <a:latin typeface="+mn-lt"/>
-              </a:rPr>
-              <a:t> ROC curve and AUC-ROC: Plotted the Receiver Operating Characteristic (ROC) curve and calculated the Area Under the Curve (AUC) to evaluate model discrimination.</a:t>
-            </a:r>
-          </a:p>
-          <a:p>
-            <a:r>
-              <a:rPr lang="en-GB" b="0" dirty="0">
-                <a:solidFill>
-                  <a:srgbClr val="6796E6"/>
-                </a:solidFill>
-                <a:effectLst/>
-                <a:latin typeface="+mn-lt"/>
-              </a:rPr>
-              <a:t>-</a:t>
-            </a:r>
-            <a:r>
-              <a:rPr lang="en-GB" b="0" dirty="0">
-                <a:solidFill>
-                  <a:srgbClr val="CCCCCC"/>
-                </a:solidFill>
-                <a:effectLst/>
-                <a:latin typeface="+mn-lt"/>
-              </a:rPr>
-              <a:t> Precision-recall curve: Visualised the trade-off between precision and recall for different threshold </a:t>
-            </a:r>
-            <a:r>
-              <a:rPr lang="en-GB" b="0">
-                <a:solidFill>
-                  <a:srgbClr val="CCCCCC"/>
-                </a:solidFill>
-                <a:effectLst/>
-                <a:latin typeface="+mn-lt"/>
-              </a:rPr>
-              <a:t>values.</a:t>
+              <a:t>Model Building:</a:t>
             </a:r>
             <a:endParaRPr lang="en-GB" b="0" dirty="0">
               <a:solidFill>
@@ -1951,6 +2000,453 @@
               <a:latin typeface="+mn-lt"/>
             </a:endParaRPr>
           </a:p>
+          <a:p>
+            <a:r>
+              <a:rPr lang="en-GB" b="0" dirty="0">
+                <a:solidFill>
+                  <a:srgbClr val="6796E6"/>
+                </a:solidFill>
+                <a:effectLst/>
+                <a:latin typeface="+mn-lt"/>
+              </a:rPr>
+              <a:t>-</a:t>
+            </a:r>
+            <a:r>
+              <a:rPr lang="en-GB" b="0" dirty="0">
+                <a:solidFill>
+                  <a:srgbClr val="CCCCCC"/>
+                </a:solidFill>
+                <a:effectLst/>
+                <a:latin typeface="+mn-lt"/>
+              </a:rPr>
+              <a:t> </a:t>
+            </a:r>
+            <a:r>
+              <a:rPr lang="en-GB" b="1" dirty="0">
+                <a:solidFill>
+                  <a:srgbClr val="569CD6"/>
+                </a:solidFill>
+                <a:effectLst/>
+                <a:latin typeface="+mn-lt"/>
+              </a:rPr>
+              <a:t>Logistic Regression: </a:t>
+            </a:r>
+            <a:r>
+              <a:rPr lang="en-GB" b="0" dirty="0">
+                <a:solidFill>
+                  <a:srgbClr val="CCCCCC"/>
+                </a:solidFill>
+                <a:effectLst/>
+                <a:latin typeface="+mn-lt"/>
+              </a:rPr>
+              <a:t>Trained a logistic regression model as a baseline model.</a:t>
+            </a:r>
+          </a:p>
+          <a:p>
+            <a:r>
+              <a:rPr lang="en-GB" b="0" dirty="0">
+                <a:solidFill>
+                  <a:srgbClr val="6796E6"/>
+                </a:solidFill>
+                <a:effectLst/>
+                <a:latin typeface="+mn-lt"/>
+              </a:rPr>
+              <a:t>-</a:t>
+            </a:r>
+            <a:r>
+              <a:rPr lang="en-GB" b="0" dirty="0">
+                <a:solidFill>
+                  <a:srgbClr val="CCCCCC"/>
+                </a:solidFill>
+                <a:effectLst/>
+                <a:latin typeface="+mn-lt"/>
+              </a:rPr>
+              <a:t> </a:t>
+            </a:r>
+            <a:r>
+              <a:rPr lang="en-GB" b="1" dirty="0">
+                <a:solidFill>
+                  <a:srgbClr val="569CD6"/>
+                </a:solidFill>
+                <a:effectLst/>
+                <a:latin typeface="+mn-lt"/>
+              </a:rPr>
+              <a:t>Random Forest:</a:t>
+            </a:r>
+            <a:r>
+              <a:rPr lang="en-GB" b="0" dirty="0">
+                <a:solidFill>
+                  <a:srgbClr val="CCCCCC"/>
+                </a:solidFill>
+                <a:effectLst/>
+                <a:latin typeface="+mn-lt"/>
+              </a:rPr>
+              <a:t> Implemented a random forest classifier to capture non-linear relationships between features. We will also determine which features are the most important and can influence diabetes predictions.</a:t>
+            </a:r>
+          </a:p>
+          <a:p>
+            <a:r>
+              <a:rPr lang="en-GB" b="0" dirty="0">
+                <a:solidFill>
+                  <a:srgbClr val="6796E6"/>
+                </a:solidFill>
+                <a:effectLst/>
+                <a:latin typeface="+mn-lt"/>
+              </a:rPr>
+              <a:t>-</a:t>
+            </a:r>
+            <a:r>
+              <a:rPr lang="en-GB" b="0" dirty="0">
+                <a:solidFill>
+                  <a:srgbClr val="CCCCCC"/>
+                </a:solidFill>
+                <a:effectLst/>
+                <a:latin typeface="+mn-lt"/>
+              </a:rPr>
+              <a:t> </a:t>
+            </a:r>
+            <a:r>
+              <a:rPr lang="en-GB" b="1" dirty="0">
+                <a:solidFill>
+                  <a:srgbClr val="569CD6"/>
+                </a:solidFill>
+                <a:effectLst/>
+                <a:latin typeface="+mn-lt"/>
+              </a:rPr>
+              <a:t>Decision Tree:</a:t>
+            </a:r>
+            <a:r>
+              <a:rPr lang="en-GB" b="0" dirty="0">
+                <a:solidFill>
+                  <a:srgbClr val="CCCCCC"/>
+                </a:solidFill>
+                <a:effectLst/>
+                <a:latin typeface="+mn-lt"/>
+              </a:rPr>
+              <a:t> Built a decision tree classifier to understand the decision-making process.</a:t>
+            </a:r>
+          </a:p>
+          <a:p>
+            <a:r>
+              <a:rPr lang="en-GB" b="0" dirty="0">
+                <a:solidFill>
+                  <a:srgbClr val="6796E6"/>
+                </a:solidFill>
+                <a:effectLst/>
+                <a:latin typeface="+mn-lt"/>
+              </a:rPr>
+              <a:t>-</a:t>
+            </a:r>
+            <a:r>
+              <a:rPr lang="en-GB" b="0" dirty="0">
+                <a:solidFill>
+                  <a:srgbClr val="CCCCCC"/>
+                </a:solidFill>
+                <a:effectLst/>
+                <a:latin typeface="+mn-lt"/>
+              </a:rPr>
+              <a:t> </a:t>
+            </a:r>
+            <a:r>
+              <a:rPr lang="en-GB" b="1" dirty="0">
+                <a:solidFill>
+                  <a:srgbClr val="569CD6"/>
+                </a:solidFill>
+                <a:effectLst/>
+                <a:latin typeface="+mn-lt"/>
+              </a:rPr>
+              <a:t>Support Vector Machine (SVM):</a:t>
+            </a:r>
+            <a:r>
+              <a:rPr lang="en-GB" b="0" dirty="0">
+                <a:solidFill>
+                  <a:srgbClr val="CCCCCC"/>
+                </a:solidFill>
+                <a:effectLst/>
+                <a:latin typeface="+mn-lt"/>
+              </a:rPr>
+              <a:t> Employed SVM with different kernels (linear, polynomial, and radial basis function) to find the best separating hyperplane. In this project, a linear kernel was selected due to its computational efficiency. </a:t>
+            </a:r>
+            <a:r>
+              <a:rPr lang="en-GB" b="0" i="0" dirty="0">
+                <a:solidFill>
+                  <a:srgbClr val="E6EDF3"/>
+                </a:solidFill>
+                <a:effectLst/>
+                <a:latin typeface="+mn-lt"/>
+              </a:rPr>
+              <a:t>It is important, however, to note that other kernels may help yield better accuracy.</a:t>
+            </a:r>
+            <a:endParaRPr lang="en-GB" b="0" dirty="0">
+              <a:solidFill>
+                <a:srgbClr val="CCCCCC"/>
+              </a:solidFill>
+              <a:effectLst/>
+              <a:latin typeface="+mn-lt"/>
+            </a:endParaRPr>
+          </a:p>
+          <a:p>
+            <a:r>
+              <a:rPr lang="en-GB" b="0" dirty="0">
+                <a:solidFill>
+                  <a:srgbClr val="6796E6"/>
+                </a:solidFill>
+                <a:effectLst/>
+                <a:latin typeface="+mn-lt"/>
+              </a:rPr>
+              <a:t>-</a:t>
+            </a:r>
+            <a:r>
+              <a:rPr lang="en-GB" b="0" dirty="0">
+                <a:solidFill>
+                  <a:srgbClr val="CCCCCC"/>
+                </a:solidFill>
+                <a:effectLst/>
+                <a:latin typeface="+mn-lt"/>
+              </a:rPr>
+              <a:t> </a:t>
+            </a:r>
+            <a:r>
+              <a:rPr lang="en-GB" b="1" dirty="0">
+                <a:solidFill>
+                  <a:srgbClr val="569CD6"/>
+                </a:solidFill>
+                <a:effectLst/>
+                <a:latin typeface="+mn-lt"/>
+              </a:rPr>
+              <a:t>K-Nearest </a:t>
+            </a:r>
+            <a:r>
+              <a:rPr lang="en-GB" b="1" dirty="0" err="1">
+                <a:solidFill>
+                  <a:srgbClr val="569CD6"/>
+                </a:solidFill>
+                <a:effectLst/>
+                <a:latin typeface="+mn-lt"/>
+              </a:rPr>
+              <a:t>Neighbors</a:t>
+            </a:r>
+            <a:r>
+              <a:rPr lang="en-GB" b="1" dirty="0">
+                <a:solidFill>
+                  <a:srgbClr val="569CD6"/>
+                </a:solidFill>
+                <a:effectLst/>
+                <a:latin typeface="+mn-lt"/>
+              </a:rPr>
+              <a:t> (KNN):</a:t>
+            </a:r>
+            <a:r>
+              <a:rPr lang="en-GB" b="0" dirty="0">
+                <a:solidFill>
+                  <a:srgbClr val="CCCCCC"/>
+                </a:solidFill>
+                <a:effectLst/>
+                <a:latin typeface="+mn-lt"/>
+              </a:rPr>
+              <a:t> Implemented KNN to classify data points based on the majority class of their nearest neighbours.</a:t>
+            </a:r>
+          </a:p>
+          <a:p>
+            <a:r>
+              <a:rPr lang="en-GB" b="0" dirty="0">
+                <a:solidFill>
+                  <a:srgbClr val="6796E6"/>
+                </a:solidFill>
+                <a:effectLst/>
+                <a:latin typeface="+mn-lt"/>
+              </a:rPr>
+              <a:t>-</a:t>
+            </a:r>
+            <a:r>
+              <a:rPr lang="en-GB" b="0" dirty="0">
+                <a:solidFill>
+                  <a:srgbClr val="CCCCCC"/>
+                </a:solidFill>
+                <a:effectLst/>
+                <a:latin typeface="+mn-lt"/>
+              </a:rPr>
+              <a:t> </a:t>
+            </a:r>
+            <a:r>
+              <a:rPr lang="en-GB" b="1" dirty="0">
+                <a:solidFill>
+                  <a:srgbClr val="569CD6"/>
+                </a:solidFill>
+                <a:effectLst/>
+                <a:latin typeface="+mn-lt"/>
+              </a:rPr>
+              <a:t>Neural Network:</a:t>
+            </a:r>
+            <a:r>
+              <a:rPr lang="en-GB" b="0" dirty="0">
+                <a:solidFill>
+                  <a:srgbClr val="CCCCCC"/>
+                </a:solidFill>
+                <a:effectLst/>
+                <a:latin typeface="+mn-lt"/>
+              </a:rPr>
+              <a:t> Constructed a Neural Network with multiple hidden layers using TensorFlow.</a:t>
+            </a:r>
+          </a:p>
+          <a:p>
+            <a:endParaRPr lang="en-GB" b="1" dirty="0">
+              <a:solidFill>
+                <a:srgbClr val="569CD6"/>
+              </a:solidFill>
+              <a:effectLst/>
+              <a:latin typeface="+mn-lt"/>
+            </a:endParaRPr>
+          </a:p>
+          <a:p>
+            <a:r>
+              <a:rPr lang="en-GB" b="1" dirty="0">
+                <a:solidFill>
+                  <a:srgbClr val="569CD6"/>
+                </a:solidFill>
+                <a:effectLst/>
+                <a:latin typeface="+mn-lt"/>
+              </a:rPr>
+              <a:t>Tuning and Optimisation:</a:t>
+            </a:r>
+          </a:p>
+          <a:p>
+            <a:r>
+              <a:rPr lang="en-GB" b="1" dirty="0">
+                <a:solidFill>
+                  <a:srgbClr val="569CD6"/>
+                </a:solidFill>
+                <a:effectLst/>
+                <a:latin typeface="+mn-lt"/>
+              </a:rPr>
+              <a:t>Hyperparameter Tuning:</a:t>
+            </a:r>
+            <a:endParaRPr lang="en-GB" b="0" dirty="0">
+              <a:solidFill>
+                <a:srgbClr val="CCCCCC"/>
+              </a:solidFill>
+              <a:effectLst/>
+              <a:latin typeface="+mn-lt"/>
+            </a:endParaRPr>
+          </a:p>
+          <a:p>
+            <a:r>
+              <a:rPr lang="en-GB" b="0" dirty="0">
+                <a:solidFill>
+                  <a:srgbClr val="6796E6"/>
+                </a:solidFill>
+                <a:effectLst/>
+                <a:latin typeface="+mn-lt"/>
+              </a:rPr>
+              <a:t>-</a:t>
+            </a:r>
+            <a:r>
+              <a:rPr lang="en-GB" b="0" dirty="0">
+                <a:solidFill>
+                  <a:srgbClr val="CCCCCC"/>
+                </a:solidFill>
+                <a:effectLst/>
+                <a:latin typeface="+mn-lt"/>
+              </a:rPr>
+              <a:t> Utilised </a:t>
+            </a:r>
+            <a:r>
+              <a:rPr lang="en-GB" b="1" dirty="0" err="1">
+                <a:solidFill>
+                  <a:srgbClr val="569CD6"/>
+                </a:solidFill>
+                <a:effectLst/>
+                <a:latin typeface="+mn-lt"/>
+              </a:rPr>
+              <a:t>GridSearchCV</a:t>
+            </a:r>
+            <a:r>
+              <a:rPr lang="en-GB" b="0" dirty="0">
+                <a:solidFill>
+                  <a:srgbClr val="CCCCCC"/>
+                </a:solidFill>
+                <a:effectLst/>
+                <a:latin typeface="+mn-lt"/>
+              </a:rPr>
+              <a:t> to tune hyperparameters for Logistic Regression, Random Forest, Decision Tree, SVM and KNN.</a:t>
+            </a:r>
+          </a:p>
+          <a:p>
+            <a:r>
+              <a:rPr lang="en-GB" b="1" dirty="0">
+                <a:solidFill>
+                  <a:srgbClr val="569CD6"/>
+                </a:solidFill>
+                <a:effectLst/>
+                <a:latin typeface="+mn-lt"/>
+              </a:rPr>
+              <a:t>Neural Network Optimisation:</a:t>
+            </a:r>
+            <a:endParaRPr lang="en-GB" b="0" dirty="0">
+              <a:solidFill>
+                <a:srgbClr val="CCCCCC"/>
+              </a:solidFill>
+              <a:effectLst/>
+              <a:latin typeface="+mn-lt"/>
+            </a:endParaRPr>
+          </a:p>
+          <a:p>
+            <a:r>
+              <a:rPr lang="en-GB" b="0" dirty="0">
+                <a:solidFill>
+                  <a:srgbClr val="6796E6"/>
+                </a:solidFill>
+                <a:effectLst/>
+                <a:latin typeface="+mn-lt"/>
+              </a:rPr>
+              <a:t>-</a:t>
+            </a:r>
+            <a:r>
+              <a:rPr lang="en-GB" b="0" dirty="0">
+                <a:solidFill>
+                  <a:srgbClr val="CCCCCC"/>
+                </a:solidFill>
+                <a:effectLst/>
+                <a:latin typeface="+mn-lt"/>
+              </a:rPr>
+              <a:t> Used </a:t>
+            </a:r>
+            <a:r>
+              <a:rPr lang="en-GB" b="1" dirty="0" err="1">
+                <a:solidFill>
+                  <a:srgbClr val="569CD6"/>
+                </a:solidFill>
+                <a:effectLst/>
+                <a:latin typeface="+mn-lt"/>
+              </a:rPr>
+              <a:t>Keras</a:t>
+            </a:r>
+            <a:r>
+              <a:rPr lang="en-GB" b="1" dirty="0">
+                <a:solidFill>
+                  <a:srgbClr val="569CD6"/>
+                </a:solidFill>
+                <a:effectLst/>
+                <a:latin typeface="+mn-lt"/>
+              </a:rPr>
+              <a:t> Tuner</a:t>
+            </a:r>
+            <a:r>
+              <a:rPr lang="en-GB" b="0" dirty="0">
+                <a:solidFill>
+                  <a:srgbClr val="CCCCCC"/>
+                </a:solidFill>
+                <a:effectLst/>
+                <a:latin typeface="+mn-lt"/>
+              </a:rPr>
+              <a:t> to perform hyperparameter optimisation for the Neural Network model, including the number of hidden layers, neurons per layer, activation functions, and learning rate.</a:t>
+            </a:r>
+          </a:p>
+          <a:p>
+            <a:endParaRPr lang="en-US" dirty="0">
+              <a:latin typeface="+mn-lt"/>
+            </a:endParaRPr>
+          </a:p>
         </p:txBody>
       </p:sp>
       <p:sp>
@@ -1970,7 +2466,7 @@
           <a:p>
             <a:fld id="{4D7E02E5-87D3-E448-947F-831956D1A2E7}" type="slidenum">
               <a:rPr lang="en-US" smtClean="0"/>
-              <a:t>6</a:t>
+              <a:t>7</a:t>
             </a:fld>
             <a:endParaRPr lang="en-US"/>
           </a:p>
@@ -1979,7 +2475,7 @@
     </p:spTree>
     <p:extLst>
       <p:ext uri="{BB962C8B-B14F-4D97-AF65-F5344CB8AC3E}">
-        <p14:creationId xmlns:p14="http://schemas.microsoft.com/office/powerpoint/2010/main" val="3079719596"/>
+        <p14:creationId xmlns:p14="http://schemas.microsoft.com/office/powerpoint/2010/main" val="1530997379"/>
       </p:ext>
     </p:extLst>
   </p:cSld>
@@ -2034,9 +2530,108 @@
           <a:lstStyle/>
           <a:p>
             <a:r>
-              <a:rPr lang="en-US" dirty="0"/>
-              <a:t>Developed using Python-Flask, HTML, CSS and JavaScript</a:t>
-            </a:r>
+              <a:rPr lang="en-GB" b="0" dirty="0">
+                <a:solidFill>
+                  <a:srgbClr val="6796E6"/>
+                </a:solidFill>
+                <a:effectLst/>
+                <a:latin typeface="+mn-lt"/>
+              </a:rPr>
+              <a:t>-</a:t>
+            </a:r>
+            <a:r>
+              <a:rPr lang="en-GB" b="0" dirty="0">
+                <a:solidFill>
+                  <a:srgbClr val="CCCCCC"/>
+                </a:solidFill>
+                <a:effectLst/>
+                <a:latin typeface="+mn-lt"/>
+              </a:rPr>
+              <a:t> Confusion matrix: Analysed true positive, false positive, true negative, and false negative predictions.</a:t>
+            </a:r>
+          </a:p>
+          <a:p>
+            <a:r>
+              <a:rPr lang="en-GB" b="0" dirty="0">
+                <a:solidFill>
+                  <a:srgbClr val="6796E6"/>
+                </a:solidFill>
+                <a:effectLst/>
+                <a:latin typeface="+mn-lt"/>
+              </a:rPr>
+              <a:t>-</a:t>
+            </a:r>
+            <a:r>
+              <a:rPr lang="en-GB" b="0" dirty="0">
+                <a:solidFill>
+                  <a:srgbClr val="CCCCCC"/>
+                </a:solidFill>
+                <a:effectLst/>
+                <a:latin typeface="+mn-lt"/>
+              </a:rPr>
+              <a:t> Metrics: Calculated accuracy, precision, recall, F1-score to assess model performance.</a:t>
+            </a:r>
+          </a:p>
+          <a:p>
+            <a:r>
+              <a:rPr lang="en-GB" b="0" dirty="0">
+                <a:solidFill>
+                  <a:srgbClr val="6796E6"/>
+                </a:solidFill>
+                <a:effectLst/>
+                <a:latin typeface="+mn-lt"/>
+              </a:rPr>
+              <a:t>-</a:t>
+            </a:r>
+            <a:r>
+              <a:rPr lang="en-GB" b="0" dirty="0">
+                <a:solidFill>
+                  <a:srgbClr val="CCCCCC"/>
+                </a:solidFill>
+                <a:effectLst/>
+                <a:latin typeface="+mn-lt"/>
+              </a:rPr>
+              <a:t> ROC curve and AUC-ROC: Plotted the Receiver Operating Characteristic (ROC) curve and calculated the Area Under the Curve (AUC) to evaluate model discrimination.</a:t>
+            </a:r>
+          </a:p>
+          <a:p>
+            <a:r>
+              <a:rPr lang="en-GB" b="0" dirty="0">
+                <a:solidFill>
+                  <a:srgbClr val="6796E6"/>
+                </a:solidFill>
+                <a:effectLst/>
+                <a:latin typeface="+mn-lt"/>
+              </a:rPr>
+              <a:t>-</a:t>
+            </a:r>
+            <a:r>
+              <a:rPr lang="en-GB" b="0" dirty="0">
+                <a:solidFill>
+                  <a:srgbClr val="CCCCCC"/>
+                </a:solidFill>
+                <a:effectLst/>
+                <a:latin typeface="+mn-lt"/>
+              </a:rPr>
+              <a:t> Precision-recall curve: Visualised the trade-off between precision and recall for different threshold </a:t>
+            </a:r>
+            <a:r>
+              <a:rPr lang="en-GB" b="0">
+                <a:solidFill>
+                  <a:srgbClr val="CCCCCC"/>
+                </a:solidFill>
+                <a:effectLst/>
+                <a:latin typeface="+mn-lt"/>
+              </a:rPr>
+              <a:t>values.</a:t>
+            </a:r>
+            <a:endParaRPr lang="en-GB" b="0" dirty="0">
+              <a:solidFill>
+                <a:srgbClr val="CCCCCC"/>
+              </a:solidFill>
+              <a:effectLst/>
+              <a:latin typeface="+mn-lt"/>
+            </a:endParaRPr>
           </a:p>
         </p:txBody>
       </p:sp>
@@ -2057,7 +2652,7 @@
           <a:p>
             <a:fld id="{4D7E02E5-87D3-E448-947F-831956D1A2E7}" type="slidenum">
               <a:rPr lang="en-US" smtClean="0"/>
-              <a:t>10</a:t>
+              <a:t>8</a:t>
             </a:fld>
             <a:endParaRPr lang="en-US"/>
           </a:p>
@@ -2066,7 +2661,7 @@
     </p:spTree>
     <p:extLst>
       <p:ext uri="{BB962C8B-B14F-4D97-AF65-F5344CB8AC3E}">
-        <p14:creationId xmlns:p14="http://schemas.microsoft.com/office/powerpoint/2010/main" val="3909717284"/>
+        <p14:creationId xmlns:p14="http://schemas.microsoft.com/office/powerpoint/2010/main" val="3079719596"/>
       </p:ext>
     </p:extLst>
   </p:cSld>
@@ -2121,163 +2716,11 @@
           <a:lstStyle/>
           <a:p>
             <a:r>
-              <a:rPr lang="en-GB" b="0" dirty="0">
-                <a:solidFill>
-                  <a:srgbClr val="CCCCCC"/>
-                </a:solidFill>
-                <a:effectLst/>
+              <a:rPr lang="en-US" dirty="0">
                 <a:latin typeface="+mn-lt"/>
               </a:rPr>
-              <a:t>The Neural Network model demonstrates the highest accuracy and balanced performance in predicting Type 2 diabetes. Random Forest, Decision Tree, and KNN also exhibit promising results, closely following the Neural Network in terms of accuracy and performance metrics. SVM and Logistic Regression show comparatively lower accuracy and performance metrics.</a:t>
-            </a:r>
-          </a:p>
-          <a:p>
-            <a:br>
-              <a:rPr lang="en-GB" b="0" dirty="0">
-                <a:solidFill>
-                  <a:srgbClr val="CCCCCC"/>
-                </a:solidFill>
-                <a:effectLst/>
-                <a:latin typeface="+mn-lt"/>
-              </a:rPr>
-            </a:br>
-            <a:r>
-              <a:rPr lang="en-GB" b="0" dirty="0">
-                <a:solidFill>
-                  <a:srgbClr val="CCCCCC"/>
-                </a:solidFill>
-                <a:effectLst/>
-                <a:latin typeface="+mn-lt"/>
-              </a:rPr>
-              <a:t>Using Random Forest, it was found that the top 3 features influencing the predictions are </a:t>
-            </a:r>
-            <a:r>
-              <a:rPr lang="en-GB" b="0" dirty="0" err="1">
-                <a:solidFill>
-                  <a:srgbClr val="CE9178"/>
-                </a:solidFill>
-                <a:effectLst/>
-                <a:latin typeface="+mn-lt"/>
-              </a:rPr>
-              <a:t>RegularMedicine</a:t>
-            </a:r>
-            <a:r>
-              <a:rPr lang="en-GB" b="0" dirty="0">
-                <a:solidFill>
-                  <a:srgbClr val="CCCCCC"/>
-                </a:solidFill>
-                <a:effectLst/>
-                <a:latin typeface="+mn-lt"/>
-              </a:rPr>
-              <a:t>, </a:t>
-            </a:r>
-            <a:r>
-              <a:rPr lang="en-GB" b="0" dirty="0">
-                <a:solidFill>
-                  <a:srgbClr val="CE9178"/>
-                </a:solidFill>
-                <a:effectLst/>
-                <a:latin typeface="+mn-lt"/>
-              </a:rPr>
-              <a:t>Age</a:t>
-            </a:r>
-            <a:r>
-              <a:rPr lang="en-GB" b="0" dirty="0">
-                <a:solidFill>
-                  <a:srgbClr val="CCCCCC"/>
-                </a:solidFill>
-                <a:effectLst/>
-                <a:latin typeface="+mn-lt"/>
-              </a:rPr>
-              <a:t>, and </a:t>
-            </a:r>
-            <a:r>
-              <a:rPr lang="en-GB" b="0" dirty="0">
-                <a:solidFill>
-                  <a:srgbClr val="CE9178"/>
-                </a:solidFill>
-                <a:effectLst/>
-                <a:latin typeface="+mn-lt"/>
-              </a:rPr>
-              <a:t>BMI</a:t>
-            </a:r>
-            <a:r>
-              <a:rPr lang="en-GB" b="0" dirty="0">
-                <a:solidFill>
-                  <a:srgbClr val="CCCCCC"/>
-                </a:solidFill>
-                <a:effectLst/>
-                <a:latin typeface="+mn-lt"/>
-              </a:rPr>
-              <a:t>.</a:t>
-            </a:r>
-          </a:p>
-          <a:p>
-            <a:br>
-              <a:rPr lang="en-GB" b="0" dirty="0">
-                <a:solidFill>
-                  <a:srgbClr val="CCCCCC"/>
-                </a:solidFill>
-                <a:effectLst/>
-                <a:latin typeface="+mn-lt"/>
-              </a:rPr>
-            </a:br>
-            <a:r>
-              <a:rPr lang="en-GB" b="0" dirty="0">
-                <a:solidFill>
-                  <a:srgbClr val="CCCCCC"/>
-                </a:solidFill>
-                <a:effectLst/>
-                <a:latin typeface="+mn-lt"/>
-              </a:rPr>
-              <a:t>Hyperparameter tuning by </a:t>
-            </a:r>
-            <a:r>
-              <a:rPr lang="en-GB" b="0" dirty="0" err="1">
-                <a:solidFill>
-                  <a:srgbClr val="CCCCCC"/>
-                </a:solidFill>
-                <a:effectLst/>
-                <a:latin typeface="+mn-lt"/>
-              </a:rPr>
-              <a:t>GridSearchCV</a:t>
-            </a:r>
-            <a:r>
-              <a:rPr lang="en-GB" b="0" dirty="0">
-                <a:solidFill>
-                  <a:srgbClr val="CCCCCC"/>
-                </a:solidFill>
-                <a:effectLst/>
-                <a:latin typeface="+mn-lt"/>
-              </a:rPr>
-              <a:t> resulted in significant improvement for SVM and minor improvement for Logistic Regression. However, due to diminishing returns, no visible improvements were observed in Decision Tree, Random Forest, and KNN after tuning.</a:t>
-            </a:r>
-          </a:p>
-          <a:p>
-            <a:br>
-              <a:rPr lang="en-GB" b="0" dirty="0">
-                <a:solidFill>
-                  <a:srgbClr val="CCCCCC"/>
-                </a:solidFill>
-                <a:effectLst/>
-                <a:latin typeface="+mn-lt"/>
-              </a:rPr>
-            </a:br>
-            <a:r>
-              <a:rPr lang="en-GB" b="0" dirty="0">
-                <a:solidFill>
-                  <a:srgbClr val="CCCCCC"/>
-                </a:solidFill>
-                <a:effectLst/>
-                <a:latin typeface="+mn-lt"/>
-              </a:rPr>
-              <a:t>Based on the results, the Neural Network model is recommended for accurate and reliable diabetes prediction. However, considering computational resources, Random Forest, Decision Tree, and KNN are also viable options as they strike a balance between accuracy and efficiency.</a:t>
-            </a:r>
-          </a:p>
-          <a:p>
-            <a:endParaRPr lang="en-US" dirty="0">
-              <a:latin typeface="+mn-lt"/>
-            </a:endParaRPr>
+              <a:t>Model features showing the features significance in predicting diabetes among all variables</a:t>
+            </a:r>
           </a:p>
         </p:txBody>
       </p:sp>
@@ -2298,7 +2741,7 @@
           <a:p>
             <a:fld id="{4D7E02E5-87D3-E448-947F-831956D1A2E7}" type="slidenum">
               <a:rPr lang="en-US" smtClean="0"/>
-              <a:t>11</a:t>
+              <a:t>9</a:t>
             </a:fld>
             <a:endParaRPr lang="en-US"/>
           </a:p>
@@ -2307,7 +2750,7 @@
     </p:spTree>
     <p:extLst>
       <p:ext uri="{BB962C8B-B14F-4D97-AF65-F5344CB8AC3E}">
-        <p14:creationId xmlns:p14="http://schemas.microsoft.com/office/powerpoint/2010/main" val="391178529"/>
+        <p14:creationId xmlns:p14="http://schemas.microsoft.com/office/powerpoint/2010/main" val="1425259791"/>
       </p:ext>
     </p:extLst>
   </p:cSld>
@@ -2361,7 +2804,10 @@
           <a:bodyPr/>
           <a:lstStyle/>
           <a:p>
-            <a:endParaRPr lang="en-US" dirty="0"/>
+            <a:r>
+              <a:rPr lang="en-US" dirty="0"/>
+              <a:t>Developed using Python-Flask, HTML, CSS and JavaScript</a:t>
+            </a:r>
           </a:p>
         </p:txBody>
       </p:sp>
@@ -2382,7 +2828,7 @@
           <a:p>
             <a:fld id="{4D7E02E5-87D3-E448-947F-831956D1A2E7}" type="slidenum">
               <a:rPr lang="en-US" smtClean="0"/>
-              <a:t>12</a:t>
+              <a:t>13</a:t>
             </a:fld>
             <a:endParaRPr lang="en-US"/>
           </a:p>
@@ -2391,7 +2837,7 @@
     </p:spTree>
     <p:extLst>
       <p:ext uri="{BB962C8B-B14F-4D97-AF65-F5344CB8AC3E}">
-        <p14:creationId xmlns:p14="http://schemas.microsoft.com/office/powerpoint/2010/main" val="2037400189"/>
+        <p14:creationId xmlns:p14="http://schemas.microsoft.com/office/powerpoint/2010/main" val="3909717284"/>
       </p:ext>
     </p:extLst>
   </p:cSld>
@@ -2581,7 +3027,7 @@
             <a:fld id="{1D8BD707-D9CF-40AE-B4C6-C98DA3205C09}" type="datetimeFigureOut">
               <a:rPr lang="en-US" smtClean="0"/>
               <a:pPr/>
-              <a:t>4/2/2024</a:t>
+              <a:t>4/3/2024</a:t>
             </a:fld>
             <a:endParaRPr lang="en-US"/>
           </a:p>
@@ -2746,7 +3192,7 @@
             <a:fld id="{1D8BD707-D9CF-40AE-B4C6-C98DA3205C09}" type="datetimeFigureOut">
               <a:rPr lang="en-US" smtClean="0"/>
               <a:pPr/>
-              <a:t>4/2/2024</a:t>
+              <a:t>4/3/2024</a:t>
             </a:fld>
             <a:endParaRPr lang="en-US"/>
           </a:p>
@@ -2921,7 +3367,7 @@
             <a:fld id="{1D8BD707-D9CF-40AE-B4C6-C98DA3205C09}" type="datetimeFigureOut">
               <a:rPr lang="en-US" smtClean="0"/>
               <a:pPr/>
-              <a:t>4/2/2024</a:t>
+              <a:t>4/3/2024</a:t>
             </a:fld>
             <a:endParaRPr lang="en-US"/>
           </a:p>
@@ -3086,7 +3532,7 @@
             <a:fld id="{1D8BD707-D9CF-40AE-B4C6-C98DA3205C09}" type="datetimeFigureOut">
               <a:rPr lang="en-US" smtClean="0"/>
               <a:pPr/>
-              <a:t>4/2/2024</a:t>
+              <a:t>4/3/2024</a:t>
             </a:fld>
             <a:endParaRPr lang="en-US"/>
           </a:p>
@@ -3328,7 +3774,7 @@
             <a:fld id="{1D8BD707-D9CF-40AE-B4C6-C98DA3205C09}" type="datetimeFigureOut">
               <a:rPr lang="en-US" smtClean="0"/>
               <a:pPr/>
-              <a:t>4/2/2024</a:t>
+              <a:t>4/3/2024</a:t>
             </a:fld>
             <a:endParaRPr lang="en-US"/>
           </a:p>
@@ -3610,7 +4056,7 @@
             <a:fld id="{1D8BD707-D9CF-40AE-B4C6-C98DA3205C09}" type="datetimeFigureOut">
               <a:rPr lang="en-US" smtClean="0"/>
               <a:pPr/>
-              <a:t>4/2/2024</a:t>
+              <a:t>4/3/2024</a:t>
             </a:fld>
             <a:endParaRPr lang="en-US"/>
           </a:p>
@@ -4026,7 +4472,7 @@
             <a:fld id="{1D8BD707-D9CF-40AE-B4C6-C98DA3205C09}" type="datetimeFigureOut">
               <a:rPr lang="en-US" smtClean="0"/>
               <a:pPr/>
-              <a:t>4/2/2024</a:t>
+              <a:t>4/3/2024</a:t>
             </a:fld>
             <a:endParaRPr lang="en-US"/>
           </a:p>
@@ -4140,7 +4586,7 @@
             <a:fld id="{1D8BD707-D9CF-40AE-B4C6-C98DA3205C09}" type="datetimeFigureOut">
               <a:rPr lang="en-US" smtClean="0"/>
               <a:pPr/>
-              <a:t>4/2/2024</a:t>
+              <a:t>4/3/2024</a:t>
             </a:fld>
             <a:endParaRPr lang="en-US"/>
           </a:p>
@@ -4232,7 +4678,7 @@
             <a:fld id="{1D8BD707-D9CF-40AE-B4C6-C98DA3205C09}" type="datetimeFigureOut">
               <a:rPr lang="en-US" smtClean="0"/>
               <a:pPr/>
-              <a:t>4/2/2024</a:t>
+              <a:t>4/3/2024</a:t>
             </a:fld>
             <a:endParaRPr lang="en-US"/>
           </a:p>
@@ -4504,7 +4950,7 @@
             <a:fld id="{1D8BD707-D9CF-40AE-B4C6-C98DA3205C09}" type="datetimeFigureOut">
               <a:rPr lang="en-US" smtClean="0"/>
               <a:pPr/>
-              <a:t>4/2/2024</a:t>
+              <a:t>4/3/2024</a:t>
             </a:fld>
             <a:endParaRPr lang="en-US"/>
           </a:p>
@@ -4753,7 +5199,7 @@
             <a:fld id="{1D8BD707-D9CF-40AE-B4C6-C98DA3205C09}" type="datetimeFigureOut">
               <a:rPr lang="en-US" smtClean="0"/>
               <a:pPr/>
-              <a:t>4/2/2024</a:t>
+              <a:t>4/3/2024</a:t>
             </a:fld>
             <a:endParaRPr lang="en-US"/>
           </a:p>
@@ -4814,9 +5260,12 @@
 <p:sldMaster xmlns:a="http://schemas.openxmlformats.org/drawingml/2006/main" xmlns:r="http://schemas.openxmlformats.org/officeDocument/2006/relationships" xmlns:p="http://schemas.openxmlformats.org/presentationml/2006/main">
   <p:cSld>
     <p:bg>
-      <p:bgRef idx="1001">
-        <a:schemeClr val="bg1"/>
-      </p:bgRef>
+      <p:bgPr>
+        <a:solidFill>
+          <a:srgbClr val="FAF3F3"/>
+        </a:solidFill>
+        <a:effectLst/>
+      </p:bgPr>
     </p:bg>
     <p:spTree>
       <p:nvGrpSpPr>
@@ -4961,7 +5410,7 @@
             <a:fld id="{1D8BD707-D9CF-40AE-B4C6-C98DA3205C09}" type="datetimeFigureOut">
               <a:rPr lang="en-US" smtClean="0"/>
               <a:pPr/>
-              <a:t>4/2/2024</a:t>
+              <a:t>4/3/2024</a:t>
             </a:fld>
             <a:endParaRPr lang="en-US"/>
           </a:p>
@@ -5318,14 +5767,6 @@
 <file path=ppt/slides/slide1.xml><?xml version="1.0" encoding="utf-8"?>
 <p:sld xmlns:a="http://schemas.openxmlformats.org/drawingml/2006/main" xmlns:r="http://schemas.openxmlformats.org/officeDocument/2006/relationships" xmlns:p="http://schemas.openxmlformats.org/presentationml/2006/main">
   <p:cSld>
-    <p:bg>
-      <p:bgPr>
-        <a:solidFill>
-          <a:srgbClr val="FAF3F3"/>
-        </a:solidFill>
-        <a:effectLst/>
-      </p:bgPr>
-    </p:bg>
     <p:spTree>
       <p:nvGrpSpPr>
         <p:cNvPr id="1" name=""/>
@@ -6116,14 +6557,6 @@
 <file path=ppt/slides/slide10.xml><?xml version="1.0" encoding="utf-8"?>
 <p:sld xmlns:a="http://schemas.openxmlformats.org/drawingml/2006/main" xmlns:r="http://schemas.openxmlformats.org/officeDocument/2006/relationships" xmlns:p="http://schemas.openxmlformats.org/presentationml/2006/main">
   <p:cSld>
-    <p:bg>
-      <p:bgPr>
-        <a:solidFill>
-          <a:srgbClr val="FAF3F3"/>
-        </a:solidFill>
-        <a:effectLst/>
-      </p:bgPr>
-    </p:bg>
     <p:spTree>
       <p:nvGrpSpPr>
         <p:cNvPr id="1" name=""/>
@@ -6140,13 +6573,1246 @@
       </p:grpSpPr>
       <p:sp>
         <p:nvSpPr>
+          <p:cNvPr id="2" name="TextBox 2"/>
+          <p:cNvSpPr txBox="1"/>
+          <p:nvPr/>
+        </p:nvSpPr>
+        <p:spPr>
+          <a:xfrm>
+            <a:off x="1762406" y="271740"/>
+            <a:ext cx="14763189" cy="1144905"/>
+          </a:xfrm>
+          <a:prstGeom prst="rect">
+            <a:avLst/>
+          </a:prstGeom>
+        </p:spPr>
+        <p:txBody>
+          <a:bodyPr lIns="0" tIns="0" rIns="0" bIns="0" rtlCol="0" anchor="t">
+            <a:spAutoFit/>
+          </a:bodyPr>
+          <a:lstStyle/>
+          <a:p>
+            <a:pPr algn="ctr">
+              <a:lnSpc>
+                <a:spcPts val="8819"/>
+              </a:lnSpc>
+            </a:pPr>
+            <a:r>
+              <a:rPr lang="en-US" sz="6300">
+                <a:solidFill>
+                  <a:srgbClr val="222366"/>
+                </a:solidFill>
+                <a:latin typeface="Brick Sans"/>
+              </a:rPr>
+              <a:t>Model Results &amp; Evaluation</a:t>
+            </a:r>
+          </a:p>
+        </p:txBody>
+      </p:sp>
+      <p:grpSp>
+        <p:nvGrpSpPr>
+          <p:cNvPr id="3" name="Group 3"/>
+          <p:cNvGrpSpPr/>
+          <p:nvPr/>
+        </p:nvGrpSpPr>
+        <p:grpSpPr>
+          <a:xfrm>
+            <a:off x="3857906" y="1657322"/>
+            <a:ext cx="3821545" cy="687269"/>
+            <a:chOff x="0" y="0"/>
+            <a:chExt cx="2121149" cy="381469"/>
+          </a:xfrm>
+        </p:grpSpPr>
+        <p:sp>
+          <p:nvSpPr>
+            <p:cNvPr id="4" name="Freeform 4"/>
+            <p:cNvSpPr/>
+            <p:nvPr/>
+          </p:nvSpPr>
+          <p:spPr>
+            <a:xfrm>
+              <a:off x="0" y="0"/>
+              <a:ext cx="2121149" cy="381469"/>
+            </a:xfrm>
+            <a:custGeom>
+              <a:avLst/>
+              <a:gdLst/>
+              <a:ahLst/>
+              <a:cxnLst/>
+              <a:rect l="l" t="t" r="r" b="b"/>
+              <a:pathLst>
+                <a:path w="2121149" h="381469">
+                  <a:moveTo>
+                    <a:pt x="1917949" y="0"/>
+                  </a:moveTo>
+                  <a:cubicBezTo>
+                    <a:pt x="2030174" y="0"/>
+                    <a:pt x="2121149" y="85395"/>
+                    <a:pt x="2121149" y="190734"/>
+                  </a:cubicBezTo>
+                  <a:cubicBezTo>
+                    <a:pt x="2121149" y="296074"/>
+                    <a:pt x="2030174" y="381469"/>
+                    <a:pt x="1917949" y="381469"/>
+                  </a:cubicBezTo>
+                  <a:lnTo>
+                    <a:pt x="203200" y="381469"/>
+                  </a:lnTo>
+                  <a:cubicBezTo>
+                    <a:pt x="90976" y="381469"/>
+                    <a:pt x="0" y="296074"/>
+                    <a:pt x="0" y="190734"/>
+                  </a:cubicBezTo>
+                  <a:cubicBezTo>
+                    <a:pt x="0" y="85395"/>
+                    <a:pt x="90976" y="0"/>
+                    <a:pt x="203200" y="0"/>
+                  </a:cubicBezTo>
+                  <a:close/>
+                </a:path>
+              </a:pathLst>
+            </a:custGeom>
+            <a:solidFill>
+              <a:srgbClr val="BDD2EA"/>
+            </a:solidFill>
+          </p:spPr>
+          <p:txBody>
+            <a:bodyPr/>
+            <a:lstStyle/>
+            <a:p>
+              <a:endParaRPr lang="en-US"/>
+            </a:p>
+          </p:txBody>
+        </p:sp>
+        <p:sp>
+          <p:nvSpPr>
+            <p:cNvPr id="5" name="TextBox 5"/>
+            <p:cNvSpPr txBox="1"/>
+            <p:nvPr/>
+          </p:nvSpPr>
+          <p:spPr>
+            <a:xfrm>
+              <a:off x="0" y="-38100"/>
+              <a:ext cx="2121149" cy="419569"/>
+            </a:xfrm>
+            <a:prstGeom prst="rect">
+              <a:avLst/>
+            </a:prstGeom>
+          </p:spPr>
+          <p:txBody>
+            <a:bodyPr lIns="50800" tIns="50800" rIns="50800" bIns="50800" rtlCol="0" anchor="ctr"/>
+            <a:lstStyle/>
+            <a:p>
+              <a:pPr algn="ctr">
+                <a:lnSpc>
+                  <a:spcPts val="2659"/>
+                </a:lnSpc>
+              </a:pPr>
+              <a:endParaRPr/>
+            </a:p>
+          </p:txBody>
+        </p:sp>
+      </p:grpSp>
+      <p:sp>
+        <p:nvSpPr>
+          <p:cNvPr id="6" name="TextBox 6"/>
+          <p:cNvSpPr txBox="1"/>
+          <p:nvPr/>
+        </p:nvSpPr>
+        <p:spPr>
+          <a:xfrm>
+            <a:off x="3962577" y="1679088"/>
+            <a:ext cx="3598497" cy="532150"/>
+          </a:xfrm>
+          <a:prstGeom prst="rect">
+            <a:avLst/>
+          </a:prstGeom>
+        </p:spPr>
+        <p:txBody>
+          <a:bodyPr lIns="0" tIns="0" rIns="0" bIns="0" rtlCol="0" anchor="t">
+            <a:spAutoFit/>
+          </a:bodyPr>
+          <a:lstStyle/>
+          <a:p>
+            <a:pPr algn="ctr">
+              <a:lnSpc>
+                <a:spcPts val="4213"/>
+              </a:lnSpc>
+            </a:pPr>
+            <a:r>
+              <a:rPr lang="en-US" sz="3009" dirty="0">
+                <a:solidFill>
+                  <a:srgbClr val="222366"/>
+                </a:solidFill>
+                <a:latin typeface="Public Sans Bold"/>
+              </a:rPr>
+              <a:t>Decision Tree</a:t>
+            </a:r>
+          </a:p>
+        </p:txBody>
+      </p:sp>
+      <p:grpSp>
+        <p:nvGrpSpPr>
+          <p:cNvPr id="7" name="Group 7"/>
+          <p:cNvGrpSpPr/>
+          <p:nvPr/>
+        </p:nvGrpSpPr>
+        <p:grpSpPr>
+          <a:xfrm>
+            <a:off x="3857906" y="5981700"/>
+            <a:ext cx="3821545" cy="687269"/>
+            <a:chOff x="0" y="0"/>
+            <a:chExt cx="2121149" cy="381469"/>
+          </a:xfrm>
+        </p:grpSpPr>
+        <p:sp>
+          <p:nvSpPr>
+            <p:cNvPr id="8" name="Freeform 8"/>
+            <p:cNvSpPr/>
+            <p:nvPr/>
+          </p:nvSpPr>
+          <p:spPr>
+            <a:xfrm>
+              <a:off x="0" y="0"/>
+              <a:ext cx="2121149" cy="381469"/>
+            </a:xfrm>
+            <a:custGeom>
+              <a:avLst/>
+              <a:gdLst/>
+              <a:ahLst/>
+              <a:cxnLst/>
+              <a:rect l="l" t="t" r="r" b="b"/>
+              <a:pathLst>
+                <a:path w="2121149" h="381469">
+                  <a:moveTo>
+                    <a:pt x="1917949" y="0"/>
+                  </a:moveTo>
+                  <a:cubicBezTo>
+                    <a:pt x="2030174" y="0"/>
+                    <a:pt x="2121149" y="85395"/>
+                    <a:pt x="2121149" y="190734"/>
+                  </a:cubicBezTo>
+                  <a:cubicBezTo>
+                    <a:pt x="2121149" y="296074"/>
+                    <a:pt x="2030174" y="381469"/>
+                    <a:pt x="1917949" y="381469"/>
+                  </a:cubicBezTo>
+                  <a:lnTo>
+                    <a:pt x="203200" y="381469"/>
+                  </a:lnTo>
+                  <a:cubicBezTo>
+                    <a:pt x="90976" y="381469"/>
+                    <a:pt x="0" y="296074"/>
+                    <a:pt x="0" y="190734"/>
+                  </a:cubicBezTo>
+                  <a:cubicBezTo>
+                    <a:pt x="0" y="85395"/>
+                    <a:pt x="90976" y="0"/>
+                    <a:pt x="203200" y="0"/>
+                  </a:cubicBezTo>
+                  <a:close/>
+                </a:path>
+              </a:pathLst>
+            </a:custGeom>
+            <a:solidFill>
+              <a:srgbClr val="BDD2EA"/>
+            </a:solidFill>
+          </p:spPr>
+          <p:txBody>
+            <a:bodyPr/>
+            <a:lstStyle/>
+            <a:p>
+              <a:endParaRPr lang="en-US"/>
+            </a:p>
+          </p:txBody>
+        </p:sp>
+        <p:sp>
+          <p:nvSpPr>
+            <p:cNvPr id="9" name="TextBox 9"/>
+            <p:cNvSpPr txBox="1"/>
+            <p:nvPr/>
+          </p:nvSpPr>
+          <p:spPr>
+            <a:xfrm>
+              <a:off x="0" y="-38100"/>
+              <a:ext cx="2121149" cy="419569"/>
+            </a:xfrm>
+            <a:prstGeom prst="rect">
+              <a:avLst/>
+            </a:prstGeom>
+          </p:spPr>
+          <p:txBody>
+            <a:bodyPr lIns="50800" tIns="50800" rIns="50800" bIns="50800" rtlCol="0" anchor="ctr"/>
+            <a:lstStyle/>
+            <a:p>
+              <a:pPr algn="ctr">
+                <a:lnSpc>
+                  <a:spcPts val="2659"/>
+                </a:lnSpc>
+              </a:pPr>
+              <a:endParaRPr/>
+            </a:p>
+          </p:txBody>
+        </p:sp>
+      </p:grpSp>
+      <p:sp>
+        <p:nvSpPr>
+          <p:cNvPr id="10" name="TextBox 10"/>
+          <p:cNvSpPr txBox="1"/>
+          <p:nvPr/>
+        </p:nvSpPr>
+        <p:spPr>
+          <a:xfrm>
+            <a:off x="3962577" y="6155283"/>
+            <a:ext cx="3598497" cy="436017"/>
+          </a:xfrm>
+          <a:prstGeom prst="rect">
+            <a:avLst/>
+          </a:prstGeom>
+        </p:spPr>
+        <p:txBody>
+          <a:bodyPr lIns="0" tIns="0" rIns="0" bIns="0" rtlCol="0" anchor="t">
+            <a:spAutoFit/>
+          </a:bodyPr>
+          <a:lstStyle/>
+          <a:p>
+            <a:pPr algn="ctr">
+              <a:lnSpc>
+                <a:spcPts val="3373"/>
+              </a:lnSpc>
+            </a:pPr>
+            <a:r>
+              <a:rPr lang="en-US" sz="3200" dirty="0">
+                <a:solidFill>
+                  <a:srgbClr val="222366"/>
+                </a:solidFill>
+                <a:latin typeface="Public Sans Bold"/>
+              </a:rPr>
+              <a:t>SVM</a:t>
+            </a:r>
+          </a:p>
+        </p:txBody>
+      </p:sp>
+      <p:sp>
+        <p:nvSpPr>
           <p:cNvPr id="11" name="Freeform 11"/>
           <p:cNvSpPr/>
           <p:nvPr/>
         </p:nvSpPr>
         <p:spPr>
           <a:xfrm>
-            <a:off x="152400" y="8189346"/>
+            <a:off x="3975437" y="2426872"/>
+            <a:ext cx="10578763" cy="3412898"/>
+          </a:xfrm>
+          <a:custGeom>
+            <a:avLst/>
+            <a:gdLst/>
+            <a:ahLst/>
+            <a:cxnLst/>
+            <a:rect l="l" t="t" r="r" b="b"/>
+            <a:pathLst>
+              <a:path w="10394613" h="3412898">
+                <a:moveTo>
+                  <a:pt x="0" y="0"/>
+                </a:moveTo>
+                <a:lnTo>
+                  <a:pt x="10394613" y="0"/>
+                </a:lnTo>
+                <a:lnTo>
+                  <a:pt x="10394613" y="3412898"/>
+                </a:lnTo>
+                <a:lnTo>
+                  <a:pt x="0" y="3412898"/>
+                </a:lnTo>
+                <a:lnTo>
+                  <a:pt x="0" y="0"/>
+                </a:lnTo>
+                <a:close/>
+              </a:path>
+            </a:pathLst>
+          </a:custGeom>
+          <a:blipFill>
+            <a:blip r:embed="rId2"/>
+            <a:stretch>
+              <a:fillRect/>
+            </a:stretch>
+          </a:blipFill>
+        </p:spPr>
+        <p:txBody>
+          <a:bodyPr/>
+          <a:lstStyle/>
+          <a:p>
+            <a:endParaRPr lang="en-US"/>
+          </a:p>
+        </p:txBody>
+      </p:sp>
+      <p:sp>
+        <p:nvSpPr>
+          <p:cNvPr id="12" name="Freeform 12"/>
+          <p:cNvSpPr/>
+          <p:nvPr/>
+        </p:nvSpPr>
+        <p:spPr>
+          <a:xfrm>
+            <a:off x="4004012" y="6835582"/>
+            <a:ext cx="10394613" cy="3356594"/>
+          </a:xfrm>
+          <a:custGeom>
+            <a:avLst/>
+            <a:gdLst/>
+            <a:ahLst/>
+            <a:cxnLst/>
+            <a:rect l="l" t="t" r="r" b="b"/>
+            <a:pathLst>
+              <a:path w="10394613" h="3356594">
+                <a:moveTo>
+                  <a:pt x="0" y="0"/>
+                </a:moveTo>
+                <a:lnTo>
+                  <a:pt x="10394613" y="0"/>
+                </a:lnTo>
+                <a:lnTo>
+                  <a:pt x="10394613" y="3356593"/>
+                </a:lnTo>
+                <a:lnTo>
+                  <a:pt x="0" y="3356593"/>
+                </a:lnTo>
+                <a:lnTo>
+                  <a:pt x="0" y="0"/>
+                </a:lnTo>
+                <a:close/>
+              </a:path>
+            </a:pathLst>
+          </a:custGeom>
+          <a:blipFill>
+            <a:blip r:embed="rId3"/>
+            <a:stretch>
+              <a:fillRect/>
+            </a:stretch>
+          </a:blipFill>
+        </p:spPr>
+        <p:txBody>
+          <a:bodyPr/>
+          <a:lstStyle/>
+          <a:p>
+            <a:endParaRPr lang="en-US"/>
+          </a:p>
+        </p:txBody>
+      </p:sp>
+      <p:sp>
+        <p:nvSpPr>
+          <p:cNvPr id="13" name="Freeform 13"/>
+          <p:cNvSpPr/>
+          <p:nvPr/>
+        </p:nvSpPr>
+        <p:spPr>
+          <a:xfrm>
+            <a:off x="1028700" y="8189346"/>
+            <a:ext cx="2168627" cy="2097654"/>
+          </a:xfrm>
+          <a:custGeom>
+            <a:avLst/>
+            <a:gdLst/>
+            <a:ahLst/>
+            <a:cxnLst/>
+            <a:rect l="l" t="t" r="r" b="b"/>
+            <a:pathLst>
+              <a:path w="2168627" h="2097654">
+                <a:moveTo>
+                  <a:pt x="0" y="0"/>
+                </a:moveTo>
+                <a:lnTo>
+                  <a:pt x="2168627" y="0"/>
+                </a:lnTo>
+                <a:lnTo>
+                  <a:pt x="2168627" y="2097654"/>
+                </a:lnTo>
+                <a:lnTo>
+                  <a:pt x="0" y="2097654"/>
+                </a:lnTo>
+                <a:lnTo>
+                  <a:pt x="0" y="0"/>
+                </a:lnTo>
+                <a:close/>
+              </a:path>
+            </a:pathLst>
+          </a:custGeom>
+          <a:blipFill>
+            <a:blip r:embed="rId4">
+              <a:extLst>
+                <a:ext uri="{96DAC541-7B7A-43D3-8B79-37D633B846F1}">
+                  <asvg:svgBlip xmlns:asvg="http://schemas.microsoft.com/office/drawing/2016/SVG/main" r:embed="rId5"/>
+                </a:ext>
+              </a:extLst>
+            </a:blip>
+            <a:stretch>
+              <a:fillRect/>
+            </a:stretch>
+          </a:blipFill>
+        </p:spPr>
+        <p:txBody>
+          <a:bodyPr/>
+          <a:lstStyle/>
+          <a:p>
+            <a:endParaRPr lang="en-US"/>
+          </a:p>
+        </p:txBody>
+      </p:sp>
+    </p:spTree>
+  </p:cSld>
+  <p:clrMapOvr>
+    <a:masterClrMapping/>
+  </p:clrMapOvr>
+</p:sld>
+</file>
+
+<file path=ppt/slides/slide11.xml><?xml version="1.0" encoding="utf-8"?>
+<p:sld xmlns:a="http://schemas.openxmlformats.org/drawingml/2006/main" xmlns:r="http://schemas.openxmlformats.org/officeDocument/2006/relationships" xmlns:p="http://schemas.openxmlformats.org/presentationml/2006/main">
+  <p:cSld>
+    <p:spTree>
+      <p:nvGrpSpPr>
+        <p:cNvPr id="1" name=""/>
+        <p:cNvGrpSpPr/>
+        <p:nvPr/>
+      </p:nvGrpSpPr>
+      <p:grpSpPr>
+        <a:xfrm>
+          <a:off x="0" y="0"/>
+          <a:ext cx="0" cy="0"/>
+          <a:chOff x="0" y="0"/>
+          <a:chExt cx="0" cy="0"/>
+        </a:xfrm>
+      </p:grpSpPr>
+      <p:grpSp>
+        <p:nvGrpSpPr>
+          <p:cNvPr id="2" name="Group 2"/>
+          <p:cNvGrpSpPr/>
+          <p:nvPr/>
+        </p:nvGrpSpPr>
+        <p:grpSpPr>
+          <a:xfrm>
+            <a:off x="3857906" y="1657322"/>
+            <a:ext cx="3821545" cy="687269"/>
+            <a:chOff x="0" y="0"/>
+            <a:chExt cx="2121149" cy="381469"/>
+          </a:xfrm>
+        </p:grpSpPr>
+        <p:sp>
+          <p:nvSpPr>
+            <p:cNvPr id="3" name="Freeform 3"/>
+            <p:cNvSpPr/>
+            <p:nvPr/>
+          </p:nvSpPr>
+          <p:spPr>
+            <a:xfrm>
+              <a:off x="0" y="0"/>
+              <a:ext cx="2121149" cy="381469"/>
+            </a:xfrm>
+            <a:custGeom>
+              <a:avLst/>
+              <a:gdLst/>
+              <a:ahLst/>
+              <a:cxnLst/>
+              <a:rect l="l" t="t" r="r" b="b"/>
+              <a:pathLst>
+                <a:path w="2121149" h="381469">
+                  <a:moveTo>
+                    <a:pt x="1917949" y="0"/>
+                  </a:moveTo>
+                  <a:cubicBezTo>
+                    <a:pt x="2030174" y="0"/>
+                    <a:pt x="2121149" y="85395"/>
+                    <a:pt x="2121149" y="190734"/>
+                  </a:cubicBezTo>
+                  <a:cubicBezTo>
+                    <a:pt x="2121149" y="296074"/>
+                    <a:pt x="2030174" y="381469"/>
+                    <a:pt x="1917949" y="381469"/>
+                  </a:cubicBezTo>
+                  <a:lnTo>
+                    <a:pt x="203200" y="381469"/>
+                  </a:lnTo>
+                  <a:cubicBezTo>
+                    <a:pt x="90976" y="381469"/>
+                    <a:pt x="0" y="296074"/>
+                    <a:pt x="0" y="190734"/>
+                  </a:cubicBezTo>
+                  <a:cubicBezTo>
+                    <a:pt x="0" y="85395"/>
+                    <a:pt x="90976" y="0"/>
+                    <a:pt x="203200" y="0"/>
+                  </a:cubicBezTo>
+                  <a:close/>
+                </a:path>
+              </a:pathLst>
+            </a:custGeom>
+            <a:solidFill>
+              <a:srgbClr val="BDD2EA"/>
+            </a:solidFill>
+          </p:spPr>
+          <p:txBody>
+            <a:bodyPr/>
+            <a:lstStyle/>
+            <a:p>
+              <a:endParaRPr lang="en-US"/>
+            </a:p>
+          </p:txBody>
+        </p:sp>
+        <p:sp>
+          <p:nvSpPr>
+            <p:cNvPr id="4" name="TextBox 4"/>
+            <p:cNvSpPr txBox="1"/>
+            <p:nvPr/>
+          </p:nvSpPr>
+          <p:spPr>
+            <a:xfrm>
+              <a:off x="0" y="-38100"/>
+              <a:ext cx="2121149" cy="419569"/>
+            </a:xfrm>
+            <a:prstGeom prst="rect">
+              <a:avLst/>
+            </a:prstGeom>
+          </p:spPr>
+          <p:txBody>
+            <a:bodyPr lIns="50800" tIns="50800" rIns="50800" bIns="50800" rtlCol="0" anchor="ctr"/>
+            <a:lstStyle/>
+            <a:p>
+              <a:pPr algn="ctr">
+                <a:lnSpc>
+                  <a:spcPts val="2659"/>
+                </a:lnSpc>
+              </a:pPr>
+              <a:endParaRPr/>
+            </a:p>
+          </p:txBody>
+        </p:sp>
+      </p:grpSp>
+      <p:grpSp>
+        <p:nvGrpSpPr>
+          <p:cNvPr id="5" name="Group 5"/>
+          <p:cNvGrpSpPr/>
+          <p:nvPr/>
+        </p:nvGrpSpPr>
+        <p:grpSpPr>
+          <a:xfrm>
+            <a:off x="3857906" y="6005437"/>
+            <a:ext cx="3821545" cy="687269"/>
+            <a:chOff x="0" y="0"/>
+            <a:chExt cx="2121149" cy="381469"/>
+          </a:xfrm>
+        </p:grpSpPr>
+        <p:sp>
+          <p:nvSpPr>
+            <p:cNvPr id="6" name="Freeform 6"/>
+            <p:cNvSpPr/>
+            <p:nvPr/>
+          </p:nvSpPr>
+          <p:spPr>
+            <a:xfrm>
+              <a:off x="0" y="0"/>
+              <a:ext cx="2121149" cy="381469"/>
+            </a:xfrm>
+            <a:custGeom>
+              <a:avLst/>
+              <a:gdLst/>
+              <a:ahLst/>
+              <a:cxnLst/>
+              <a:rect l="l" t="t" r="r" b="b"/>
+              <a:pathLst>
+                <a:path w="2121149" h="381469">
+                  <a:moveTo>
+                    <a:pt x="1917949" y="0"/>
+                  </a:moveTo>
+                  <a:cubicBezTo>
+                    <a:pt x="2030174" y="0"/>
+                    <a:pt x="2121149" y="85395"/>
+                    <a:pt x="2121149" y="190734"/>
+                  </a:cubicBezTo>
+                  <a:cubicBezTo>
+                    <a:pt x="2121149" y="296074"/>
+                    <a:pt x="2030174" y="381469"/>
+                    <a:pt x="1917949" y="381469"/>
+                  </a:cubicBezTo>
+                  <a:lnTo>
+                    <a:pt x="203200" y="381469"/>
+                  </a:lnTo>
+                  <a:cubicBezTo>
+                    <a:pt x="90976" y="381469"/>
+                    <a:pt x="0" y="296074"/>
+                    <a:pt x="0" y="190734"/>
+                  </a:cubicBezTo>
+                  <a:cubicBezTo>
+                    <a:pt x="0" y="85395"/>
+                    <a:pt x="90976" y="0"/>
+                    <a:pt x="203200" y="0"/>
+                  </a:cubicBezTo>
+                  <a:close/>
+                </a:path>
+              </a:pathLst>
+            </a:custGeom>
+            <a:solidFill>
+              <a:srgbClr val="BDD2EA"/>
+            </a:solidFill>
+          </p:spPr>
+          <p:txBody>
+            <a:bodyPr/>
+            <a:lstStyle/>
+            <a:p>
+              <a:endParaRPr lang="en-US"/>
+            </a:p>
+          </p:txBody>
+        </p:sp>
+        <p:sp>
+          <p:nvSpPr>
+            <p:cNvPr id="7" name="TextBox 7"/>
+            <p:cNvSpPr txBox="1"/>
+            <p:nvPr/>
+          </p:nvSpPr>
+          <p:spPr>
+            <a:xfrm>
+              <a:off x="0" y="-38100"/>
+              <a:ext cx="2121149" cy="419569"/>
+            </a:xfrm>
+            <a:prstGeom prst="rect">
+              <a:avLst/>
+            </a:prstGeom>
+          </p:spPr>
+          <p:txBody>
+            <a:bodyPr lIns="50800" tIns="50800" rIns="50800" bIns="50800" rtlCol="0" anchor="ctr"/>
+            <a:lstStyle/>
+            <a:p>
+              <a:pPr algn="ctr">
+                <a:lnSpc>
+                  <a:spcPts val="2659"/>
+                </a:lnSpc>
+              </a:pPr>
+              <a:endParaRPr/>
+            </a:p>
+          </p:txBody>
+        </p:sp>
+      </p:grpSp>
+      <p:sp>
+        <p:nvSpPr>
+          <p:cNvPr id="8" name="Freeform 8"/>
+          <p:cNvSpPr/>
+          <p:nvPr/>
+        </p:nvSpPr>
+        <p:spPr>
+          <a:xfrm>
+            <a:off x="3962577" y="2436397"/>
+            <a:ext cx="10436048" cy="3387367"/>
+          </a:xfrm>
+          <a:custGeom>
+            <a:avLst/>
+            <a:gdLst/>
+            <a:ahLst/>
+            <a:cxnLst/>
+            <a:rect l="l" t="t" r="r" b="b"/>
+            <a:pathLst>
+              <a:path w="10436048" h="3387367">
+                <a:moveTo>
+                  <a:pt x="0" y="0"/>
+                </a:moveTo>
+                <a:lnTo>
+                  <a:pt x="10436048" y="0"/>
+                </a:lnTo>
+                <a:lnTo>
+                  <a:pt x="10436048" y="3387368"/>
+                </a:lnTo>
+                <a:lnTo>
+                  <a:pt x="0" y="3387368"/>
+                </a:lnTo>
+                <a:lnTo>
+                  <a:pt x="0" y="0"/>
+                </a:lnTo>
+                <a:close/>
+              </a:path>
+            </a:pathLst>
+          </a:custGeom>
+          <a:blipFill>
+            <a:blip r:embed="rId2"/>
+            <a:stretch>
+              <a:fillRect/>
+            </a:stretch>
+          </a:blipFill>
+        </p:spPr>
+        <p:txBody>
+          <a:bodyPr/>
+          <a:lstStyle/>
+          <a:p>
+            <a:endParaRPr lang="en-US"/>
+          </a:p>
+        </p:txBody>
+      </p:sp>
+      <p:sp>
+        <p:nvSpPr>
+          <p:cNvPr id="9" name="Freeform 9"/>
+          <p:cNvSpPr/>
+          <p:nvPr/>
+        </p:nvSpPr>
+        <p:spPr>
+          <a:xfrm>
+            <a:off x="7543800" y="6787957"/>
+            <a:ext cx="3370131" cy="3340440"/>
+          </a:xfrm>
+          <a:custGeom>
+            <a:avLst/>
+            <a:gdLst/>
+            <a:ahLst/>
+            <a:cxnLst/>
+            <a:rect l="l" t="t" r="r" b="b"/>
+            <a:pathLst>
+              <a:path w="3370131" h="2112019">
+                <a:moveTo>
+                  <a:pt x="0" y="0"/>
+                </a:moveTo>
+                <a:lnTo>
+                  <a:pt x="3370131" y="0"/>
+                </a:lnTo>
+                <a:lnTo>
+                  <a:pt x="3370131" y="2112018"/>
+                </a:lnTo>
+                <a:lnTo>
+                  <a:pt x="0" y="2112018"/>
+                </a:lnTo>
+                <a:lnTo>
+                  <a:pt x="0" y="0"/>
+                </a:lnTo>
+                <a:close/>
+              </a:path>
+            </a:pathLst>
+          </a:custGeom>
+          <a:blipFill>
+            <a:blip r:embed="rId3"/>
+            <a:stretch>
+              <a:fillRect/>
+            </a:stretch>
+          </a:blipFill>
+        </p:spPr>
+        <p:txBody>
+          <a:bodyPr/>
+          <a:lstStyle/>
+          <a:p>
+            <a:endParaRPr lang="en-US"/>
+          </a:p>
+        </p:txBody>
+      </p:sp>
+      <p:sp>
+        <p:nvSpPr>
+          <p:cNvPr id="10" name="Freeform 10"/>
+          <p:cNvSpPr/>
+          <p:nvPr/>
+        </p:nvSpPr>
+        <p:spPr>
+          <a:xfrm>
+            <a:off x="10896600" y="6787957"/>
+            <a:ext cx="3338918" cy="3340440"/>
+          </a:xfrm>
+          <a:custGeom>
+            <a:avLst/>
+            <a:gdLst/>
+            <a:ahLst/>
+            <a:cxnLst/>
+            <a:rect l="l" t="t" r="r" b="b"/>
+            <a:pathLst>
+              <a:path w="3338918" h="2112019">
+                <a:moveTo>
+                  <a:pt x="0" y="0"/>
+                </a:moveTo>
+                <a:lnTo>
+                  <a:pt x="3338917" y="0"/>
+                </a:lnTo>
+                <a:lnTo>
+                  <a:pt x="3338917" y="2112018"/>
+                </a:lnTo>
+                <a:lnTo>
+                  <a:pt x="0" y="2112018"/>
+                </a:lnTo>
+                <a:lnTo>
+                  <a:pt x="0" y="0"/>
+                </a:lnTo>
+                <a:close/>
+              </a:path>
+            </a:pathLst>
+          </a:custGeom>
+          <a:blipFill>
+            <a:blip r:embed="rId4"/>
+            <a:stretch>
+              <a:fillRect/>
+            </a:stretch>
+          </a:blipFill>
+        </p:spPr>
+        <p:txBody>
+          <a:bodyPr/>
+          <a:lstStyle/>
+          <a:p>
+            <a:endParaRPr lang="en-US"/>
+          </a:p>
+        </p:txBody>
+      </p:sp>
+      <p:sp>
+        <p:nvSpPr>
+          <p:cNvPr id="11" name="Freeform 11"/>
+          <p:cNvSpPr/>
+          <p:nvPr/>
+        </p:nvSpPr>
+        <p:spPr>
+          <a:xfrm>
+            <a:off x="1028700" y="8189346"/>
+            <a:ext cx="2168627" cy="2097654"/>
+          </a:xfrm>
+          <a:custGeom>
+            <a:avLst/>
+            <a:gdLst/>
+            <a:ahLst/>
+            <a:cxnLst/>
+            <a:rect l="l" t="t" r="r" b="b"/>
+            <a:pathLst>
+              <a:path w="2168627" h="2097654">
+                <a:moveTo>
+                  <a:pt x="0" y="0"/>
+                </a:moveTo>
+                <a:lnTo>
+                  <a:pt x="2168627" y="0"/>
+                </a:lnTo>
+                <a:lnTo>
+                  <a:pt x="2168627" y="2097654"/>
+                </a:lnTo>
+                <a:lnTo>
+                  <a:pt x="0" y="2097654"/>
+                </a:lnTo>
+                <a:lnTo>
+                  <a:pt x="0" y="0"/>
+                </a:lnTo>
+                <a:close/>
+              </a:path>
+            </a:pathLst>
+          </a:custGeom>
+          <a:blipFill>
+            <a:blip r:embed="rId5">
+              <a:extLst>
+                <a:ext uri="{96DAC541-7B7A-43D3-8B79-37D633B846F1}">
+                  <asvg:svgBlip xmlns:asvg="http://schemas.microsoft.com/office/drawing/2016/SVG/main" r:embed="rId6"/>
+                </a:ext>
+              </a:extLst>
+            </a:blip>
+            <a:stretch>
+              <a:fillRect/>
+            </a:stretch>
+          </a:blipFill>
+        </p:spPr>
+        <p:txBody>
+          <a:bodyPr/>
+          <a:lstStyle/>
+          <a:p>
+            <a:endParaRPr lang="en-US"/>
+          </a:p>
+        </p:txBody>
+      </p:sp>
+      <p:sp>
+        <p:nvSpPr>
+          <p:cNvPr id="12" name="Freeform 12"/>
+          <p:cNvSpPr/>
+          <p:nvPr/>
+        </p:nvSpPr>
+        <p:spPr>
+          <a:xfrm>
+            <a:off x="3962577" y="6787957"/>
+            <a:ext cx="3598497" cy="3340440"/>
+          </a:xfrm>
+          <a:custGeom>
+            <a:avLst/>
+            <a:gdLst/>
+            <a:ahLst/>
+            <a:cxnLst/>
+            <a:rect l="l" t="t" r="r" b="b"/>
+            <a:pathLst>
+              <a:path w="3879890" h="3340440">
+                <a:moveTo>
+                  <a:pt x="0" y="0"/>
+                </a:moveTo>
+                <a:lnTo>
+                  <a:pt x="3879890" y="0"/>
+                </a:lnTo>
+                <a:lnTo>
+                  <a:pt x="3879890" y="3340440"/>
+                </a:lnTo>
+                <a:lnTo>
+                  <a:pt x="0" y="3340440"/>
+                </a:lnTo>
+                <a:lnTo>
+                  <a:pt x="0" y="0"/>
+                </a:lnTo>
+                <a:close/>
+              </a:path>
+            </a:pathLst>
+          </a:custGeom>
+          <a:blipFill>
+            <a:blip r:embed="rId7"/>
+            <a:stretch>
+              <a:fillRect l="-82837" t="-38684" r="-60484" b="-11602"/>
+            </a:stretch>
+          </a:blipFill>
+        </p:spPr>
+        <p:txBody>
+          <a:bodyPr/>
+          <a:lstStyle/>
+          <a:p>
+            <a:endParaRPr lang="en-US"/>
+          </a:p>
+        </p:txBody>
+      </p:sp>
+      <p:sp>
+        <p:nvSpPr>
+          <p:cNvPr id="13" name="TextBox 13"/>
+          <p:cNvSpPr txBox="1"/>
+          <p:nvPr/>
+        </p:nvSpPr>
+        <p:spPr>
+          <a:xfrm>
+            <a:off x="1771931" y="271740"/>
+            <a:ext cx="14763189" cy="1144905"/>
+          </a:xfrm>
+          <a:prstGeom prst="rect">
+            <a:avLst/>
+          </a:prstGeom>
+        </p:spPr>
+        <p:txBody>
+          <a:bodyPr lIns="0" tIns="0" rIns="0" bIns="0" rtlCol="0" anchor="t">
+            <a:spAutoFit/>
+          </a:bodyPr>
+          <a:lstStyle/>
+          <a:p>
+            <a:pPr algn="ctr">
+              <a:lnSpc>
+                <a:spcPts val="8819"/>
+              </a:lnSpc>
+            </a:pPr>
+            <a:r>
+              <a:rPr lang="en-US" sz="6300">
+                <a:solidFill>
+                  <a:srgbClr val="222366"/>
+                </a:solidFill>
+                <a:latin typeface="Brick Sans"/>
+              </a:rPr>
+              <a:t>Model Results &amp; Evaluation</a:t>
+            </a:r>
+          </a:p>
+        </p:txBody>
+      </p:sp>
+      <p:sp>
+        <p:nvSpPr>
+          <p:cNvPr id="14" name="TextBox 14"/>
+          <p:cNvSpPr txBox="1"/>
+          <p:nvPr/>
+        </p:nvSpPr>
+        <p:spPr>
+          <a:xfrm>
+            <a:off x="3962577" y="1773411"/>
+            <a:ext cx="3598497" cy="474489"/>
+          </a:xfrm>
+          <a:prstGeom prst="rect">
+            <a:avLst/>
+          </a:prstGeom>
+        </p:spPr>
+        <p:txBody>
+          <a:bodyPr lIns="0" tIns="0" rIns="0" bIns="0" rtlCol="0" anchor="t">
+            <a:spAutoFit/>
+          </a:bodyPr>
+          <a:lstStyle/>
+          <a:p>
+            <a:pPr algn="ctr">
+              <a:lnSpc>
+                <a:spcPts val="3653"/>
+              </a:lnSpc>
+            </a:pPr>
+            <a:r>
+              <a:rPr lang="en-US" sz="3200" dirty="0">
+                <a:solidFill>
+                  <a:srgbClr val="222366"/>
+                </a:solidFill>
+                <a:latin typeface="Public Sans Bold"/>
+              </a:rPr>
+              <a:t>KNN</a:t>
+            </a:r>
+          </a:p>
+        </p:txBody>
+      </p:sp>
+      <p:sp>
+        <p:nvSpPr>
+          <p:cNvPr id="15" name="TextBox 15"/>
+          <p:cNvSpPr txBox="1"/>
+          <p:nvPr/>
+        </p:nvSpPr>
+        <p:spPr>
+          <a:xfrm>
+            <a:off x="3962577" y="6027204"/>
+            <a:ext cx="3598497" cy="492635"/>
+          </a:xfrm>
+          <a:prstGeom prst="rect">
+            <a:avLst/>
+          </a:prstGeom>
+        </p:spPr>
+        <p:txBody>
+          <a:bodyPr lIns="0" tIns="0" rIns="0" bIns="0" rtlCol="0" anchor="t">
+            <a:spAutoFit/>
+          </a:bodyPr>
+          <a:lstStyle/>
+          <a:p>
+            <a:pPr algn="ctr">
+              <a:lnSpc>
+                <a:spcPts val="4213"/>
+              </a:lnSpc>
+            </a:pPr>
+            <a:r>
+              <a:rPr lang="en-US" sz="3009" dirty="0">
+                <a:solidFill>
+                  <a:srgbClr val="222366"/>
+                </a:solidFill>
+                <a:latin typeface="Public Sans Bold"/>
+              </a:rPr>
+              <a:t>Neural Network</a:t>
+            </a:r>
+          </a:p>
+        </p:txBody>
+      </p:sp>
+    </p:spTree>
+  </p:cSld>
+  <p:clrMapOvr>
+    <a:masterClrMapping/>
+  </p:clrMapOvr>
+</p:sld>
+</file>
+
+<file path=ppt/slides/slide12.xml><?xml version="1.0" encoding="utf-8"?>
+<p:sld xmlns:a="http://schemas.openxmlformats.org/drawingml/2006/main" xmlns:r="http://schemas.openxmlformats.org/officeDocument/2006/relationships" xmlns:p="http://schemas.openxmlformats.org/presentationml/2006/main">
+  <p:cSld>
+    <p:spTree>
+      <p:nvGrpSpPr>
+        <p:cNvPr id="1" name=""/>
+        <p:cNvGrpSpPr/>
+        <p:nvPr/>
+      </p:nvGrpSpPr>
+      <p:grpSpPr>
+        <a:xfrm>
+          <a:off x="0" y="0"/>
+          <a:ext cx="0" cy="0"/>
+          <a:chOff x="0" y="0"/>
+          <a:chExt cx="0" cy="0"/>
+        </a:xfrm>
+      </p:grpSpPr>
+      <p:sp>
+        <p:nvSpPr>
+          <p:cNvPr id="13" name="TextBox 13"/>
+          <p:cNvSpPr txBox="1"/>
+          <p:nvPr/>
+        </p:nvSpPr>
+        <p:spPr>
+          <a:xfrm>
+            <a:off x="1771931" y="271740"/>
+            <a:ext cx="14763189" cy="993477"/>
+          </a:xfrm>
+          <a:prstGeom prst="rect">
+            <a:avLst/>
+          </a:prstGeom>
+        </p:spPr>
+        <p:txBody>
+          <a:bodyPr lIns="0" tIns="0" rIns="0" bIns="0" rtlCol="0" anchor="t">
+            <a:spAutoFit/>
+          </a:bodyPr>
+          <a:lstStyle/>
+          <a:p>
+            <a:pPr algn="ctr">
+              <a:lnSpc>
+                <a:spcPts val="8819"/>
+              </a:lnSpc>
+            </a:pPr>
+            <a:r>
+              <a:rPr lang="en-US" sz="5400" dirty="0">
+                <a:solidFill>
+                  <a:srgbClr val="222366"/>
+                </a:solidFill>
+                <a:latin typeface="Brick Sans"/>
+              </a:rPr>
+              <a:t>Model Results &amp; Evaluation</a:t>
+            </a:r>
+          </a:p>
+        </p:txBody>
+      </p:sp>
+      <p:pic>
+        <p:nvPicPr>
+          <p:cNvPr id="17" name="Picture 16">
+            <a:extLst>
+              <a:ext uri="{FF2B5EF4-FFF2-40B4-BE49-F238E27FC236}">
+                <a16:creationId xmlns:a16="http://schemas.microsoft.com/office/drawing/2014/main" id="{15C64702-1FC0-9A06-11F9-26F4817C6414}"/>
+              </a:ext>
+            </a:extLst>
+          </p:cNvPr>
+          <p:cNvPicPr>
+            <a:picLocks noChangeAspect="1"/>
+          </p:cNvPicPr>
+          <p:nvPr/>
+        </p:nvPicPr>
+        <p:blipFill>
+          <a:blip r:embed="rId2"/>
+          <a:stretch>
+            <a:fillRect/>
+          </a:stretch>
+        </p:blipFill>
+        <p:spPr>
+          <a:xfrm>
+            <a:off x="990600" y="1714500"/>
+            <a:ext cx="16306800" cy="5953232"/>
+          </a:xfrm>
+          <a:prstGeom prst="rect">
+            <a:avLst/>
+          </a:prstGeom>
+          <a:solidFill>
+            <a:srgbClr val="FFFFFF">
+              <a:shade val="85000"/>
+            </a:srgbClr>
+          </a:solidFill>
+          <a:ln w="190500" cap="rnd">
+            <a:solidFill>
+              <a:srgbClr val="FFFFFF"/>
+            </a:solidFill>
+          </a:ln>
+          <a:effectLst>
+            <a:outerShdw blurRad="50000" algn="tl" rotWithShape="0">
+              <a:srgbClr val="000000">
+                <a:alpha val="41000"/>
+              </a:srgbClr>
+            </a:outerShdw>
+          </a:effectLst>
+          <a:scene3d>
+            <a:camera prst="orthographicFront"/>
+            <a:lightRig rig="twoPt" dir="t">
+              <a:rot lat="0" lon="0" rev="7800000"/>
+            </a:lightRig>
+          </a:scene3d>
+          <a:sp3d contourW="6350">
+            <a:bevelT w="50800" h="16510"/>
+            <a:contourClr>
+              <a:srgbClr val="C0C0C0"/>
+            </a:contourClr>
+          </a:sp3d>
+        </p:spPr>
+      </p:pic>
+      <p:sp>
+        <p:nvSpPr>
+          <p:cNvPr id="2" name="Freeform 11">
+            <a:extLst>
+              <a:ext uri="{FF2B5EF4-FFF2-40B4-BE49-F238E27FC236}">
+                <a16:creationId xmlns:a16="http://schemas.microsoft.com/office/drawing/2014/main" id="{72166373-CC97-8BF1-B1D7-4DF1F2470D1D}"/>
+              </a:ext>
+            </a:extLst>
+          </p:cNvPr>
+          <p:cNvSpPr/>
+          <p:nvPr/>
+        </p:nvSpPr>
+        <p:spPr>
+          <a:xfrm>
+            <a:off x="1028700" y="8189346"/>
             <a:ext cx="2168627" cy="2097654"/>
           </a:xfrm>
           <a:custGeom>
@@ -6197,6 +7863,36 @@
           </a:p>
         </p:txBody>
       </p:sp>
+    </p:spTree>
+    <p:extLst>
+      <p:ext uri="{BB962C8B-B14F-4D97-AF65-F5344CB8AC3E}">
+        <p14:creationId xmlns:p14="http://schemas.microsoft.com/office/powerpoint/2010/main" val="2676376378"/>
+      </p:ext>
+    </p:extLst>
+  </p:cSld>
+  <p:clrMapOvr>
+    <a:masterClrMapping/>
+  </p:clrMapOvr>
+</p:sld>
+</file>
+
+<file path=ppt/slides/slide13.xml><?xml version="1.0" encoding="utf-8"?>
+<p:sld xmlns:a="http://schemas.openxmlformats.org/drawingml/2006/main" xmlns:r="http://schemas.openxmlformats.org/officeDocument/2006/relationships" xmlns:p="http://schemas.openxmlformats.org/presentationml/2006/main">
+  <p:cSld>
+    <p:spTree>
+      <p:nvGrpSpPr>
+        <p:cNvPr id="1" name=""/>
+        <p:cNvGrpSpPr/>
+        <p:nvPr/>
+      </p:nvGrpSpPr>
+      <p:grpSpPr>
+        <a:xfrm>
+          <a:off x="0" y="0"/>
+          <a:ext cx="0" cy="0"/>
+          <a:chOff x="0" y="0"/>
+          <a:chExt cx="0" cy="0"/>
+        </a:xfrm>
+      </p:grpSpPr>
       <p:sp>
         <p:nvSpPr>
           <p:cNvPr id="13" name="TextBox 13"/>
@@ -6230,144 +7926,8 @@
                 </a:solidFill>
                 <a:latin typeface="Brick Sans"/>
               </a:rPr>
-              <a:t>FRONT-END VISUALISATION OF MODEL PERFORMACE</a:t>
-            </a:r>
-          </a:p>
-        </p:txBody>
-      </p:sp>
-      <p:sp>
-        <p:nvSpPr>
-          <p:cNvPr id="2" name="TextBox 1">
-            <a:extLst>
-              <a:ext uri="{FF2B5EF4-FFF2-40B4-BE49-F238E27FC236}">
-                <a16:creationId xmlns:a16="http://schemas.microsoft.com/office/drawing/2014/main" id="{54B5C03A-E20C-212C-F6B9-B44059BB7FFF}"/>
-              </a:ext>
-            </a:extLst>
-          </p:cNvPr>
-          <p:cNvSpPr txBox="1"/>
-          <p:nvPr/>
-        </p:nvSpPr>
-        <p:spPr>
-          <a:xfrm>
-            <a:off x="381000" y="3290047"/>
-            <a:ext cx="4876800" cy="2677656"/>
-          </a:xfrm>
-          <a:prstGeom prst="rect">
-            <a:avLst/>
-          </a:prstGeom>
-        </p:spPr>
-        <p:style>
-          <a:lnRef idx="1">
-            <a:schemeClr val="accent1"/>
-          </a:lnRef>
-          <a:fillRef idx="2">
-            <a:schemeClr val="accent1"/>
-          </a:fillRef>
-          <a:effectRef idx="1">
-            <a:schemeClr val="accent1"/>
-          </a:effectRef>
-          <a:fontRef idx="minor">
-            <a:schemeClr val="dk1"/>
-          </a:fontRef>
-        </p:style>
-        <p:txBody>
-          <a:bodyPr wrap="square" rtlCol="0">
-            <a:spAutoFit/>
-          </a:bodyPr>
-          <a:lstStyle/>
-          <a:p>
-            <a:pPr algn="ctr"/>
-            <a:r>
-              <a:rPr lang="en-GB" sz="2400" b="0" i="0" dirty="0" err="1">
-                <a:solidFill>
-                  <a:srgbClr val="0070C0"/>
-                </a:solidFill>
-                <a:effectLst/>
-                <a:latin typeface="Aptos SemiBold" panose="020F0502020204030204" pitchFamily="34" charset="0"/>
-              </a:rPr>
-              <a:t>DiabPredict</a:t>
-            </a:r>
-            <a:r>
-              <a:rPr lang="en-GB" sz="2400" b="0" i="0" dirty="0">
-                <a:solidFill>
-                  <a:srgbClr val="0070C0"/>
-                </a:solidFill>
-                <a:effectLst/>
-                <a:latin typeface="Aptos SemiBold" panose="020F0502020204030204" pitchFamily="34" charset="0"/>
-              </a:rPr>
-              <a:t>+ </a:t>
-            </a:r>
-          </a:p>
-          <a:p>
-            <a:pPr marL="285750" indent="-285750" algn="just">
-              <a:buFont typeface="Wingdings" panose="05000000000000000000" pitchFamily="2" charset="2"/>
-              <a:buChar char="§"/>
-            </a:pPr>
-            <a:r>
-              <a:rPr lang="en-GB" b="0" i="0" dirty="0">
-                <a:solidFill>
-                  <a:srgbClr val="0D0D0D"/>
-                </a:solidFill>
-                <a:effectLst/>
-                <a:latin typeface="Aptos SemiBold" panose="020F0502020204030204" pitchFamily="34" charset="0"/>
-              </a:rPr>
-              <a:t>Web app predicts diabetes risk using machine learning. </a:t>
-            </a:r>
-          </a:p>
-          <a:p>
-            <a:pPr marL="285750" indent="-285750" algn="just">
-              <a:buFont typeface="Wingdings" panose="05000000000000000000" pitchFamily="2" charset="2"/>
-              <a:buChar char="§"/>
-            </a:pPr>
-            <a:r>
-              <a:rPr lang="en-GB" b="0" i="0" dirty="0">
-                <a:solidFill>
-                  <a:srgbClr val="0D0D0D"/>
-                </a:solidFill>
-                <a:effectLst/>
-                <a:latin typeface="Aptos SemiBold" panose="020F0502020204030204" pitchFamily="34" charset="0"/>
-              </a:rPr>
-              <a:t>With input on age, gender, lifestyle, and medical history, it instantly assesses diabetes status and probability. </a:t>
-            </a:r>
-          </a:p>
-          <a:p>
-            <a:pPr marL="285750" indent="-285750" algn="just">
-              <a:buFont typeface="Wingdings" panose="05000000000000000000" pitchFamily="2" charset="2"/>
-              <a:buChar char="§"/>
-            </a:pPr>
-            <a:r>
-              <a:rPr lang="en-GB" b="0" i="0" dirty="0">
-                <a:solidFill>
-                  <a:srgbClr val="0D0D0D"/>
-                </a:solidFill>
-                <a:effectLst/>
-                <a:latin typeface="Aptos SemiBold" panose="020F0502020204030204" pitchFamily="34" charset="0"/>
-              </a:rPr>
-              <a:t>Built on Flask and </a:t>
-            </a:r>
-            <a:r>
-              <a:rPr lang="en-GB" b="0" i="0" dirty="0" err="1">
-                <a:solidFill>
-                  <a:srgbClr val="0D0D0D"/>
-                </a:solidFill>
-                <a:effectLst/>
-                <a:latin typeface="Aptos SemiBold" panose="020F0502020204030204" pitchFamily="34" charset="0"/>
-              </a:rPr>
-              <a:t>Keras</a:t>
-            </a:r>
-            <a:r>
-              <a:rPr lang="en-GB" b="0" i="0" dirty="0">
-                <a:solidFill>
-                  <a:srgbClr val="0D0D0D"/>
-                </a:solidFill>
-                <a:effectLst/>
-                <a:latin typeface="Aptos SemiBold" panose="020F0502020204030204" pitchFamily="34" charset="0"/>
-              </a:rPr>
-              <a:t>, it offers accurate predictions and promotes health awareness.“</a:t>
-            </a:r>
-            <a:endParaRPr lang="en-US" dirty="0">
-              <a:latin typeface="Aptos SemiBold" panose="020F0502020204030204" pitchFamily="34" charset="0"/>
-            </a:endParaRPr>
+              <a:t>Front-end Visualisation Of Model Performance</a:t>
+            </a:r>
           </a:p>
         </p:txBody>
       </p:sp>
@@ -6384,9 +7944,9 @@
           <p:nvPr/>
         </p:nvSpPr>
         <p:spPr>
-          <a:xfrm rot="905778">
-            <a:off x="14904023" y="3465264"/>
-            <a:ext cx="1460273" cy="2294715"/>
+          <a:xfrm rot="1523868">
+            <a:off x="7663474" y="7687409"/>
+            <a:ext cx="1069675" cy="1690446"/>
           </a:xfrm>
           <a:custGeom>
             <a:avLst/>
@@ -6416,10 +7976,10 @@
             </a:pathLst>
           </a:custGeom>
           <a:blipFill>
-            <a:blip r:embed="rId5">
+            <a:blip r:embed="rId3">
               <a:extLst>
                 <a:ext uri="{96DAC541-7B7A-43D3-8B79-37D633B846F1}">
-                  <asvg:svgBlip xmlns:asvg="http://schemas.microsoft.com/office/drawing/2016/SVG/main" r:embed="rId6"/>
+                  <asvg:svgBlip xmlns:asvg="http://schemas.microsoft.com/office/drawing/2016/SVG/main" r:embed="rId4"/>
                 </a:ext>
               </a:extLst>
             </a:blip>
@@ -6451,15 +8011,15 @@
           <p:nvPr/>
         </p:nvPicPr>
         <p:blipFill>
-          <a:blip r:embed="rId7"/>
+          <a:blip r:embed="rId5"/>
           <a:stretch>
             <a:fillRect/>
           </a:stretch>
         </p:blipFill>
         <p:spPr>
           <a:xfrm>
-            <a:off x="6096000" y="1333500"/>
-            <a:ext cx="7414451" cy="8686800"/>
+            <a:off x="10120382" y="1409700"/>
+            <a:ext cx="6804851" cy="8686800"/>
           </a:xfrm>
           <a:prstGeom prst="round2DiagRect">
             <a:avLst>
@@ -6482,6 +8042,222 @@
           </a:effectLst>
         </p:spPr>
       </p:pic>
+      <p:sp>
+        <p:nvSpPr>
+          <p:cNvPr id="7" name="TextBox 6">
+            <a:extLst>
+              <a:ext uri="{FF2B5EF4-FFF2-40B4-BE49-F238E27FC236}">
+                <a16:creationId xmlns:a16="http://schemas.microsoft.com/office/drawing/2014/main" id="{3F680E63-CA81-558F-68B6-97D82991B826}"/>
+              </a:ext>
+            </a:extLst>
+          </p:cNvPr>
+          <p:cNvSpPr txBox="1"/>
+          <p:nvPr/>
+        </p:nvSpPr>
+        <p:spPr>
+          <a:xfrm>
+            <a:off x="1038705" y="1691974"/>
+            <a:ext cx="8328782" cy="6124754"/>
+          </a:xfrm>
+          <a:prstGeom prst="rect">
+            <a:avLst/>
+          </a:prstGeom>
+          <a:noFill/>
+        </p:spPr>
+        <p:txBody>
+          <a:bodyPr wrap="square" rtlCol="0">
+            <a:spAutoFit/>
+          </a:bodyPr>
+          <a:lstStyle/>
+          <a:p>
+            <a:r>
+              <a:rPr lang="en-GB" sz="4000" b="1" dirty="0" err="1">
+                <a:solidFill>
+                  <a:srgbClr val="0070C0"/>
+                </a:solidFill>
+                <a:latin typeface="Public Sans"/>
+              </a:rPr>
+              <a:t>DiabPredict</a:t>
+            </a:r>
+            <a:r>
+              <a:rPr lang="en-GB" sz="4000" b="1" dirty="0">
+                <a:solidFill>
+                  <a:srgbClr val="FF0000"/>
+                </a:solidFill>
+                <a:latin typeface="Public Sans"/>
+              </a:rPr>
+              <a:t>+</a:t>
+            </a:r>
+            <a:r>
+              <a:rPr lang="en-GB" sz="4000" b="1" dirty="0">
+                <a:solidFill>
+                  <a:srgbClr val="0070C0"/>
+                </a:solidFill>
+                <a:latin typeface="Public Sans"/>
+              </a:rPr>
+              <a:t> </a:t>
+            </a:r>
+          </a:p>
+          <a:p>
+            <a:pPr marL="285750" indent="-285750">
+              <a:buFont typeface="Wingdings" panose="05000000000000000000" pitchFamily="2" charset="2"/>
+              <a:buChar char="§"/>
+            </a:pPr>
+            <a:endParaRPr lang="en-GB" sz="3200" dirty="0">
+              <a:solidFill>
+                <a:srgbClr val="222366"/>
+              </a:solidFill>
+              <a:latin typeface="Public Sans"/>
+            </a:endParaRPr>
+          </a:p>
+          <a:p>
+            <a:r>
+              <a:rPr lang="en-GB" sz="3200" dirty="0">
+                <a:solidFill>
+                  <a:srgbClr val="222366"/>
+                </a:solidFill>
+                <a:latin typeface="Public Sans"/>
+              </a:rPr>
+              <a:t>Web app predicts diabetes risk using machine learning.</a:t>
+            </a:r>
+          </a:p>
+          <a:p>
+            <a:pPr marL="285750" indent="-285750">
+              <a:buFont typeface="Wingdings" panose="05000000000000000000" pitchFamily="2" charset="2"/>
+              <a:buChar char="§"/>
+            </a:pPr>
+            <a:endParaRPr lang="en-GB" sz="3200" dirty="0">
+              <a:solidFill>
+                <a:srgbClr val="222366"/>
+              </a:solidFill>
+              <a:latin typeface="Public Sans"/>
+            </a:endParaRPr>
+          </a:p>
+          <a:p>
+            <a:r>
+              <a:rPr lang="en-GB" sz="3200" dirty="0">
+                <a:solidFill>
+                  <a:srgbClr val="222366"/>
+                </a:solidFill>
+                <a:latin typeface="Public Sans"/>
+              </a:rPr>
+              <a:t>With input on age, gender, lifestyle, and medical history, it instantly assesses diabetes status and probability.</a:t>
+            </a:r>
+          </a:p>
+          <a:p>
+            <a:pPr marL="285750" indent="-285750">
+              <a:buFont typeface="Wingdings" panose="05000000000000000000" pitchFamily="2" charset="2"/>
+              <a:buChar char="§"/>
+            </a:pPr>
+            <a:endParaRPr lang="en-GB" sz="3200" dirty="0">
+              <a:solidFill>
+                <a:srgbClr val="222366"/>
+              </a:solidFill>
+              <a:latin typeface="Public Sans"/>
+            </a:endParaRPr>
+          </a:p>
+          <a:p>
+            <a:r>
+              <a:rPr lang="en-GB" sz="3200" dirty="0">
+                <a:solidFill>
+                  <a:srgbClr val="222366"/>
+                </a:solidFill>
+                <a:latin typeface="Public Sans"/>
+              </a:rPr>
+              <a:t>Built on Flask and </a:t>
+            </a:r>
+            <a:r>
+              <a:rPr lang="en-GB" sz="3200" dirty="0" err="1">
+                <a:solidFill>
+                  <a:srgbClr val="222366"/>
+                </a:solidFill>
+                <a:latin typeface="Public Sans"/>
+              </a:rPr>
+              <a:t>Keras</a:t>
+            </a:r>
+            <a:r>
+              <a:rPr lang="en-GB" sz="3200" dirty="0">
+                <a:solidFill>
+                  <a:srgbClr val="222366"/>
+                </a:solidFill>
+                <a:latin typeface="Public Sans"/>
+              </a:rPr>
+              <a:t>, it offers accurate predictions and promotes health awareness.</a:t>
+            </a:r>
+            <a:endParaRPr lang="en-US" sz="3200" dirty="0">
+              <a:solidFill>
+                <a:srgbClr val="222366"/>
+              </a:solidFill>
+              <a:latin typeface="Public Sans"/>
+            </a:endParaRPr>
+          </a:p>
+        </p:txBody>
+      </p:sp>
+      <p:sp>
+        <p:nvSpPr>
+          <p:cNvPr id="2" name="Freeform 11">
+            <a:extLst>
+              <a:ext uri="{FF2B5EF4-FFF2-40B4-BE49-F238E27FC236}">
+                <a16:creationId xmlns:a16="http://schemas.microsoft.com/office/drawing/2014/main" id="{6977EB7D-9CD5-CB8D-C092-C29BA8D61203}"/>
+              </a:ext>
+            </a:extLst>
+          </p:cNvPr>
+          <p:cNvSpPr/>
+          <p:nvPr/>
+        </p:nvSpPr>
+        <p:spPr>
+          <a:xfrm>
+            <a:off x="1028700" y="8189346"/>
+            <a:ext cx="2168627" cy="2097654"/>
+          </a:xfrm>
+          <a:custGeom>
+            <a:avLst/>
+            <a:gdLst/>
+            <a:ahLst/>
+            <a:cxnLst/>
+            <a:rect l="l" t="t" r="r" b="b"/>
+            <a:pathLst>
+              <a:path w="2168627" h="2097654">
+                <a:moveTo>
+                  <a:pt x="0" y="0"/>
+                </a:moveTo>
+                <a:lnTo>
+                  <a:pt x="2168627" y="0"/>
+                </a:lnTo>
+                <a:lnTo>
+                  <a:pt x="2168627" y="2097654"/>
+                </a:lnTo>
+                <a:lnTo>
+                  <a:pt x="0" y="2097654"/>
+                </a:lnTo>
+                <a:lnTo>
+                  <a:pt x="0" y="0"/>
+                </a:lnTo>
+                <a:close/>
+              </a:path>
+            </a:pathLst>
+          </a:custGeom>
+          <a:blipFill>
+            <a:blip r:embed="rId6">
+              <a:extLst>
+                <a:ext uri="{96DAC541-7B7A-43D3-8B79-37D633B846F1}">
+                  <asvg:svgBlip xmlns:asvg="http://schemas.microsoft.com/office/drawing/2016/SVG/main" r:embed="rId7"/>
+                </a:ext>
+              </a:extLst>
+            </a:blip>
+            <a:stretch>
+              <a:fillRect/>
+            </a:stretch>
+          </a:blipFill>
+        </p:spPr>
+        <p:txBody>
+          <a:bodyPr/>
+          <a:lstStyle/>
+          <a:p>
+            <a:endParaRPr lang="en-US"/>
+          </a:p>
+        </p:txBody>
+      </p:sp>
     </p:spTree>
     <p:extLst>
       <p:ext uri="{BB962C8B-B14F-4D97-AF65-F5344CB8AC3E}">
@@ -6495,17 +8271,9 @@
 </p:sld>
 </file>
 
-<file path=ppt/slides/slide11.xml><?xml version="1.0" encoding="utf-8"?>
+<file path=ppt/slides/slide14.xml><?xml version="1.0" encoding="utf-8"?>
 <p:sld xmlns:a="http://schemas.openxmlformats.org/drawingml/2006/main" xmlns:r="http://schemas.openxmlformats.org/officeDocument/2006/relationships" xmlns:p="http://schemas.openxmlformats.org/presentationml/2006/main">
   <p:cSld>
-    <p:bg>
-      <p:bgPr>
-        <a:solidFill>
-          <a:srgbClr val="FAF3F3"/>
-        </a:solidFill>
-        <a:effectLst/>
-      </p:bgPr>
-    </p:bg>
     <p:spTree>
       <p:nvGrpSpPr>
         <p:cNvPr id="1" name=""/>
@@ -6681,13 +8449,13 @@
           <p:nvPr>
             <p:extLst>
               <p:ext uri="{D42A27DB-BD31-4B8C-83A1-F6EECF244321}">
-                <p14:modId xmlns:p14="http://schemas.microsoft.com/office/powerpoint/2010/main" val="4165619433"/>
+                <p14:modId xmlns:p14="http://schemas.microsoft.com/office/powerpoint/2010/main" val="2669608516"/>
               </p:ext>
             </p:extLst>
           </p:nvPr>
         </p:nvGraphicFramePr>
         <p:xfrm>
-          <a:off x="2026069" y="2746202"/>
+          <a:off x="1555840" y="2713538"/>
           <a:ext cx="5895577" cy="6687868"/>
         </p:xfrm>
         <a:graphic>
@@ -7265,7 +9033,7 @@
         </p:nvSpPr>
         <p:spPr>
           <a:xfrm>
-            <a:off x="1555840" y="809625"/>
+            <a:off x="1066800" y="809625"/>
             <a:ext cx="6836034" cy="1362075"/>
           </a:xfrm>
           <a:prstGeom prst="rect">
@@ -7284,7 +9052,7 @@
               </a:lnSpc>
             </a:pPr>
             <a:r>
-              <a:rPr lang="en-US" sz="7500">
+              <a:rPr lang="en-US" sz="7500" dirty="0">
                 <a:solidFill>
                   <a:srgbClr val="222366"/>
                 </a:solidFill>
@@ -7303,17 +9071,9 @@
 </p:sld>
 </file>
 
-<file path=ppt/slides/slide12.xml><?xml version="1.0" encoding="utf-8"?>
+<file path=ppt/slides/slide15.xml><?xml version="1.0" encoding="utf-8"?>
 <p:sld xmlns:a="http://schemas.openxmlformats.org/drawingml/2006/main" xmlns:r="http://schemas.openxmlformats.org/officeDocument/2006/relationships" xmlns:p="http://schemas.openxmlformats.org/presentationml/2006/main">
   <p:cSld>
-    <p:bg>
-      <p:bgPr>
-        <a:solidFill>
-          <a:srgbClr val="FAF3F3"/>
-        </a:solidFill>
-        <a:effectLst/>
-      </p:bgPr>
-    </p:bg>
     <p:spTree>
       <p:nvGrpSpPr>
         <p:cNvPr id="1" name=""/>
@@ -7895,14 +9655,6 @@
 <file path=ppt/slides/slide2.xml><?xml version="1.0" encoding="utf-8"?>
 <p:sld xmlns:a="http://schemas.openxmlformats.org/drawingml/2006/main" xmlns:r="http://schemas.openxmlformats.org/officeDocument/2006/relationships" xmlns:p="http://schemas.openxmlformats.org/presentationml/2006/main">
   <p:cSld>
-    <p:bg>
-      <p:bgPr>
-        <a:solidFill>
-          <a:srgbClr val="FAF3F3"/>
-        </a:solidFill>
-        <a:effectLst/>
-      </p:bgPr>
-    </p:bg>
     <p:spTree>
       <p:nvGrpSpPr>
         <p:cNvPr id="1" name=""/>
@@ -8341,8 +10093,8 @@
           <p:nvPr/>
         </p:nvSpPr>
         <p:spPr>
-          <a:xfrm rot="249758">
-            <a:off x="15217952" y="1091438"/>
+          <a:xfrm>
+            <a:off x="14173200" y="2465882"/>
             <a:ext cx="1463105" cy="1687018"/>
           </a:xfrm>
           <a:custGeom>
@@ -8401,7 +10153,7 @@
         </p:nvSpPr>
         <p:spPr>
           <a:xfrm rot="-938460">
-            <a:off x="1099143" y="6342733"/>
+            <a:off x="2461466" y="6380064"/>
             <a:ext cx="2190216" cy="2536040"/>
           </a:xfrm>
           <a:custGeom>
@@ -8463,14 +10215,1479 @@
 <file path=ppt/slides/slide3.xml><?xml version="1.0" encoding="utf-8"?>
 <p:sld xmlns:a="http://schemas.openxmlformats.org/drawingml/2006/main" xmlns:r="http://schemas.openxmlformats.org/officeDocument/2006/relationships" xmlns:p="http://schemas.openxmlformats.org/presentationml/2006/main">
   <p:cSld>
-    <p:bg>
-      <p:bgPr>
-        <a:solidFill>
-          <a:srgbClr val="FAF3F3"/>
-        </a:solidFill>
-        <a:effectLst/>
-      </p:bgPr>
-    </p:bg>
+    <p:spTree>
+      <p:nvGrpSpPr>
+        <p:cNvPr id="1" name=""/>
+        <p:cNvGrpSpPr/>
+        <p:nvPr/>
+      </p:nvGrpSpPr>
+      <p:grpSpPr>
+        <a:xfrm>
+          <a:off x="0" y="0"/>
+          <a:ext cx="0" cy="0"/>
+          <a:chOff x="0" y="0"/>
+          <a:chExt cx="0" cy="0"/>
+        </a:xfrm>
+      </p:grpSpPr>
+      <p:sp>
+        <p:nvSpPr>
+          <p:cNvPr id="2" name="Freeform 2"/>
+          <p:cNvSpPr/>
+          <p:nvPr/>
+        </p:nvSpPr>
+        <p:spPr>
+          <a:xfrm>
+            <a:off x="-754714" y="9258300"/>
+            <a:ext cx="4641382" cy="4552721"/>
+          </a:xfrm>
+          <a:custGeom>
+            <a:avLst/>
+            <a:gdLst/>
+            <a:ahLst/>
+            <a:cxnLst/>
+            <a:rect l="l" t="t" r="r" b="b"/>
+            <a:pathLst>
+              <a:path w="4641382" h="4552721">
+                <a:moveTo>
+                  <a:pt x="0" y="0"/>
+                </a:moveTo>
+                <a:lnTo>
+                  <a:pt x="4641381" y="0"/>
+                </a:lnTo>
+                <a:lnTo>
+                  <a:pt x="4641381" y="4552721"/>
+                </a:lnTo>
+                <a:lnTo>
+                  <a:pt x="0" y="4552721"/>
+                </a:lnTo>
+                <a:lnTo>
+                  <a:pt x="0" y="0"/>
+                </a:lnTo>
+                <a:close/>
+              </a:path>
+            </a:pathLst>
+          </a:custGeom>
+          <a:blipFill>
+            <a:blip r:embed="rId3">
+              <a:extLst>
+                <a:ext uri="{96DAC541-7B7A-43D3-8B79-37D633B846F1}">
+                  <asvg:svgBlip xmlns:asvg="http://schemas.microsoft.com/office/drawing/2016/SVG/main" r:embed="rId4"/>
+                </a:ext>
+              </a:extLst>
+            </a:blip>
+            <a:stretch>
+              <a:fillRect/>
+            </a:stretch>
+          </a:blipFill>
+        </p:spPr>
+        <p:txBody>
+          <a:bodyPr/>
+          <a:lstStyle/>
+          <a:p>
+            <a:endParaRPr lang="en-US"/>
+          </a:p>
+        </p:txBody>
+      </p:sp>
+      <p:sp>
+        <p:nvSpPr>
+          <p:cNvPr id="3" name="Freeform 3"/>
+          <p:cNvSpPr/>
+          <p:nvPr/>
+        </p:nvSpPr>
+        <p:spPr>
+          <a:xfrm>
+            <a:off x="15327344" y="-352696"/>
+            <a:ext cx="4657694" cy="4568722"/>
+          </a:xfrm>
+          <a:custGeom>
+            <a:avLst/>
+            <a:gdLst/>
+            <a:ahLst/>
+            <a:cxnLst/>
+            <a:rect l="l" t="t" r="r" b="b"/>
+            <a:pathLst>
+              <a:path w="4657694" h="4568722">
+                <a:moveTo>
+                  <a:pt x="0" y="0"/>
+                </a:moveTo>
+                <a:lnTo>
+                  <a:pt x="4657694" y="0"/>
+                </a:lnTo>
+                <a:lnTo>
+                  <a:pt x="4657694" y="4568722"/>
+                </a:lnTo>
+                <a:lnTo>
+                  <a:pt x="0" y="4568722"/>
+                </a:lnTo>
+                <a:lnTo>
+                  <a:pt x="0" y="0"/>
+                </a:lnTo>
+                <a:close/>
+              </a:path>
+            </a:pathLst>
+          </a:custGeom>
+          <a:blipFill>
+            <a:blip r:embed="rId3">
+              <a:extLst>
+                <a:ext uri="{96DAC541-7B7A-43D3-8B79-37D633B846F1}">
+                  <asvg:svgBlip xmlns:asvg="http://schemas.microsoft.com/office/drawing/2016/SVG/main" r:embed="rId4"/>
+                </a:ext>
+              </a:extLst>
+            </a:blip>
+            <a:stretch>
+              <a:fillRect/>
+            </a:stretch>
+          </a:blipFill>
+        </p:spPr>
+        <p:txBody>
+          <a:bodyPr/>
+          <a:lstStyle/>
+          <a:p>
+            <a:endParaRPr lang="en-US"/>
+          </a:p>
+        </p:txBody>
+      </p:sp>
+      <p:grpSp>
+        <p:nvGrpSpPr>
+          <p:cNvPr id="4" name="Group 4"/>
+          <p:cNvGrpSpPr/>
+          <p:nvPr/>
+        </p:nvGrpSpPr>
+        <p:grpSpPr>
+          <a:xfrm>
+            <a:off x="488696" y="361969"/>
+            <a:ext cx="17310608" cy="9505931"/>
+            <a:chOff x="0" y="0"/>
+            <a:chExt cx="774713" cy="425425"/>
+          </a:xfrm>
+        </p:grpSpPr>
+        <p:sp>
+          <p:nvSpPr>
+            <p:cNvPr id="5" name="Freeform 5"/>
+            <p:cNvSpPr/>
+            <p:nvPr/>
+          </p:nvSpPr>
+          <p:spPr>
+            <a:xfrm>
+              <a:off x="0" y="0"/>
+              <a:ext cx="774713" cy="425425"/>
+            </a:xfrm>
+            <a:custGeom>
+              <a:avLst/>
+              <a:gdLst/>
+              <a:ahLst/>
+              <a:cxnLst/>
+              <a:rect l="l" t="t" r="r" b="b"/>
+              <a:pathLst>
+                <a:path w="774713" h="425425">
+                  <a:moveTo>
+                    <a:pt x="571513" y="0"/>
+                  </a:moveTo>
+                  <a:cubicBezTo>
+                    <a:pt x="683737" y="0"/>
+                    <a:pt x="774713" y="95235"/>
+                    <a:pt x="774713" y="212713"/>
+                  </a:cubicBezTo>
+                  <a:cubicBezTo>
+                    <a:pt x="774713" y="330191"/>
+                    <a:pt x="683737" y="425425"/>
+                    <a:pt x="571513" y="425425"/>
+                  </a:cubicBezTo>
+                  <a:lnTo>
+                    <a:pt x="203200" y="425425"/>
+                  </a:lnTo>
+                  <a:cubicBezTo>
+                    <a:pt x="90976" y="425425"/>
+                    <a:pt x="0" y="330191"/>
+                    <a:pt x="0" y="212713"/>
+                  </a:cubicBezTo>
+                  <a:cubicBezTo>
+                    <a:pt x="0" y="95235"/>
+                    <a:pt x="90976" y="0"/>
+                    <a:pt x="203200" y="0"/>
+                  </a:cubicBezTo>
+                  <a:close/>
+                </a:path>
+              </a:pathLst>
+            </a:custGeom>
+            <a:solidFill>
+              <a:srgbClr val="E9EAF6"/>
+            </a:solidFill>
+            <a:ln cap="sq">
+              <a:noFill/>
+              <a:prstDash val="solid"/>
+              <a:miter/>
+            </a:ln>
+          </p:spPr>
+          <p:txBody>
+            <a:bodyPr/>
+            <a:lstStyle/>
+            <a:p>
+              <a:endParaRPr lang="en-US" dirty="0"/>
+            </a:p>
+          </p:txBody>
+        </p:sp>
+        <p:sp>
+          <p:nvSpPr>
+            <p:cNvPr id="6" name="TextBox 6"/>
+            <p:cNvSpPr txBox="1"/>
+            <p:nvPr/>
+          </p:nvSpPr>
+          <p:spPr>
+            <a:xfrm>
+              <a:off x="0" y="-38100"/>
+              <a:ext cx="774713" cy="463525"/>
+            </a:xfrm>
+            <a:prstGeom prst="rect">
+              <a:avLst/>
+            </a:prstGeom>
+          </p:spPr>
+          <p:txBody>
+            <a:bodyPr lIns="50800" tIns="50800" rIns="50800" bIns="50800" rtlCol="0" anchor="ctr"/>
+            <a:lstStyle/>
+            <a:p>
+              <a:pPr algn="ctr">
+                <a:lnSpc>
+                  <a:spcPts val="2659"/>
+                </a:lnSpc>
+              </a:pPr>
+              <a:endParaRPr/>
+            </a:p>
+          </p:txBody>
+        </p:sp>
+      </p:grpSp>
+      <p:sp>
+        <p:nvSpPr>
+          <p:cNvPr id="8" name="TextBox 8"/>
+          <p:cNvSpPr txBox="1"/>
+          <p:nvPr/>
+        </p:nvSpPr>
+        <p:spPr>
+          <a:xfrm>
+            <a:off x="9906000" y="6453881"/>
+            <a:ext cx="5706114" cy="932371"/>
+          </a:xfrm>
+          <a:prstGeom prst="rect">
+            <a:avLst/>
+          </a:prstGeom>
+        </p:spPr>
+        <p:txBody>
+          <a:bodyPr wrap="square" lIns="0" tIns="0" rIns="0" bIns="0" rtlCol="0" anchor="t">
+            <a:spAutoFit/>
+          </a:bodyPr>
+          <a:lstStyle/>
+          <a:p>
+            <a:pPr>
+              <a:lnSpc>
+                <a:spcPts val="3779"/>
+              </a:lnSpc>
+            </a:pPr>
+            <a:r>
+              <a:rPr lang="en-GB" sz="2699" dirty="0">
+                <a:solidFill>
+                  <a:srgbClr val="222366"/>
+                </a:solidFill>
+                <a:latin typeface="Public Sans"/>
+              </a:rPr>
+              <a:t>People invited:		2,925,325</a:t>
+            </a:r>
+          </a:p>
+          <a:p>
+            <a:pPr>
+              <a:lnSpc>
+                <a:spcPts val="3779"/>
+              </a:lnSpc>
+            </a:pPr>
+            <a:r>
+              <a:rPr lang="en-GB" sz="2699" dirty="0">
+                <a:solidFill>
+                  <a:srgbClr val="FF0000"/>
+                </a:solidFill>
+                <a:latin typeface="Public Sans"/>
+              </a:rPr>
+              <a:t>People taking up:	1,136,770</a:t>
+            </a:r>
+          </a:p>
+        </p:txBody>
+      </p:sp>
+      <p:sp>
+        <p:nvSpPr>
+          <p:cNvPr id="9" name="TextBox 9"/>
+          <p:cNvSpPr txBox="1"/>
+          <p:nvPr/>
+        </p:nvSpPr>
+        <p:spPr>
+          <a:xfrm>
+            <a:off x="1508908" y="2539934"/>
+            <a:ext cx="12890428" cy="1179810"/>
+          </a:xfrm>
+          <a:prstGeom prst="rect">
+            <a:avLst/>
+          </a:prstGeom>
+        </p:spPr>
+        <p:txBody>
+          <a:bodyPr wrap="square" lIns="0" tIns="0" rIns="0" bIns="0" rtlCol="0" anchor="t">
+            <a:spAutoFit/>
+          </a:bodyPr>
+          <a:lstStyle/>
+          <a:p>
+            <a:pPr>
+              <a:lnSpc>
+                <a:spcPts val="4620"/>
+              </a:lnSpc>
+            </a:pPr>
+            <a:r>
+              <a:rPr lang="en-US" sz="4400" dirty="0">
+                <a:solidFill>
+                  <a:srgbClr val="222366"/>
+                </a:solidFill>
+                <a:latin typeface="Public Sans Heavy"/>
+              </a:rPr>
+              <a:t>Do you have diabetes?</a:t>
+            </a:r>
+          </a:p>
+          <a:p>
+            <a:pPr>
+              <a:lnSpc>
+                <a:spcPts val="4620"/>
+              </a:lnSpc>
+            </a:pPr>
+            <a:r>
+              <a:rPr lang="en-US" sz="4400" dirty="0">
+                <a:solidFill>
+                  <a:srgbClr val="222366"/>
+                </a:solidFill>
+                <a:latin typeface="Public Sans Heavy"/>
+              </a:rPr>
+              <a:t>How does a person know they have diabetes?</a:t>
+            </a:r>
+          </a:p>
+        </p:txBody>
+      </p:sp>
+      <p:sp>
+        <p:nvSpPr>
+          <p:cNvPr id="10" name="TextBox 10"/>
+          <p:cNvSpPr txBox="1"/>
+          <p:nvPr/>
+        </p:nvSpPr>
+        <p:spPr>
+          <a:xfrm>
+            <a:off x="6400800" y="5721876"/>
+            <a:ext cx="9155144" cy="548483"/>
+          </a:xfrm>
+          <a:prstGeom prst="rect">
+            <a:avLst/>
+          </a:prstGeom>
+        </p:spPr>
+        <p:txBody>
+          <a:bodyPr wrap="square" lIns="0" tIns="0" rIns="0" bIns="0" rtlCol="0" anchor="t">
+            <a:spAutoFit/>
+          </a:bodyPr>
+          <a:lstStyle/>
+          <a:p>
+            <a:pPr algn="r">
+              <a:lnSpc>
+                <a:spcPts val="4620"/>
+              </a:lnSpc>
+            </a:pPr>
+            <a:r>
+              <a:rPr lang="en-GB" sz="3600" b="1" dirty="0">
+                <a:solidFill>
+                  <a:srgbClr val="222366"/>
+                </a:solidFill>
+                <a:latin typeface="Public Sans"/>
+              </a:rPr>
+              <a:t>NHS Health Check 2022/2023 (England)</a:t>
+            </a:r>
+          </a:p>
+        </p:txBody>
+      </p:sp>
+      <p:sp>
+        <p:nvSpPr>
+          <p:cNvPr id="11" name="TextBox 11"/>
+          <p:cNvSpPr txBox="1"/>
+          <p:nvPr/>
+        </p:nvSpPr>
+        <p:spPr>
+          <a:xfrm>
+            <a:off x="2806273" y="838200"/>
+            <a:ext cx="12637084" cy="1144905"/>
+          </a:xfrm>
+          <a:prstGeom prst="rect">
+            <a:avLst/>
+          </a:prstGeom>
+        </p:spPr>
+        <p:txBody>
+          <a:bodyPr lIns="0" tIns="0" rIns="0" bIns="0" rtlCol="0" anchor="t">
+            <a:spAutoFit/>
+          </a:bodyPr>
+          <a:lstStyle/>
+          <a:p>
+            <a:pPr algn="ctr">
+              <a:lnSpc>
+                <a:spcPts val="8819"/>
+              </a:lnSpc>
+            </a:pPr>
+            <a:r>
+              <a:rPr lang="en-US" sz="6300">
+                <a:solidFill>
+                  <a:srgbClr val="222366"/>
+                </a:solidFill>
+                <a:latin typeface="Brick Sans"/>
+              </a:rPr>
+              <a:t>Project Overview</a:t>
+            </a:r>
+          </a:p>
+        </p:txBody>
+      </p:sp>
+      <p:sp>
+        <p:nvSpPr>
+          <p:cNvPr id="13" name="Freeform 13"/>
+          <p:cNvSpPr/>
+          <p:nvPr/>
+        </p:nvSpPr>
+        <p:spPr>
+          <a:xfrm rot="-938460">
+            <a:off x="14547637" y="2299307"/>
+            <a:ext cx="2190216" cy="2536040"/>
+          </a:xfrm>
+          <a:custGeom>
+            <a:avLst/>
+            <a:gdLst/>
+            <a:ahLst/>
+            <a:cxnLst/>
+            <a:rect l="l" t="t" r="r" b="b"/>
+            <a:pathLst>
+              <a:path w="2190216" h="2536040">
+                <a:moveTo>
+                  <a:pt x="0" y="0"/>
+                </a:moveTo>
+                <a:lnTo>
+                  <a:pt x="2190216" y="0"/>
+                </a:lnTo>
+                <a:lnTo>
+                  <a:pt x="2190216" y="2536040"/>
+                </a:lnTo>
+                <a:lnTo>
+                  <a:pt x="0" y="2536040"/>
+                </a:lnTo>
+                <a:lnTo>
+                  <a:pt x="0" y="0"/>
+                </a:lnTo>
+                <a:close/>
+              </a:path>
+            </a:pathLst>
+          </a:custGeom>
+          <a:blipFill>
+            <a:blip r:embed="rId5">
+              <a:extLst>
+                <a:ext uri="{96DAC541-7B7A-43D3-8B79-37D633B846F1}">
+                  <asvg:svgBlip xmlns:asvg="http://schemas.microsoft.com/office/drawing/2016/SVG/main" r:embed="rId6"/>
+                </a:ext>
+              </a:extLst>
+            </a:blip>
+            <a:stretch>
+              <a:fillRect/>
+            </a:stretch>
+          </a:blipFill>
+        </p:spPr>
+        <p:txBody>
+          <a:bodyPr/>
+          <a:lstStyle/>
+          <a:p>
+            <a:endParaRPr lang="en-US"/>
+          </a:p>
+        </p:txBody>
+      </p:sp>
+      <p:pic>
+        <p:nvPicPr>
+          <p:cNvPr id="17" name="Picture 16">
+            <a:extLst>
+              <a:ext uri="{FF2B5EF4-FFF2-40B4-BE49-F238E27FC236}">
+                <a16:creationId xmlns:a16="http://schemas.microsoft.com/office/drawing/2014/main" id="{018C269E-4E09-4C6A-8B77-1C6251BABAC7}"/>
+              </a:ext>
+            </a:extLst>
+          </p:cNvPr>
+          <p:cNvPicPr>
+            <a:picLocks noChangeAspect="1"/>
+          </p:cNvPicPr>
+          <p:nvPr/>
+        </p:nvPicPr>
+        <p:blipFill>
+          <a:blip r:embed="rId7">
+            <a:extLst>
+              <a:ext uri="{28A0092B-C50C-407E-A947-70E740481C1C}">
+                <a14:useLocalDpi xmlns:a14="http://schemas.microsoft.com/office/drawing/2010/main" val="0"/>
+              </a:ext>
+            </a:extLst>
+          </a:blip>
+          <a:stretch>
+            <a:fillRect/>
+          </a:stretch>
+        </p:blipFill>
+        <p:spPr>
+          <a:xfrm>
+            <a:off x="712180" y="2552700"/>
+            <a:ext cx="7898420" cy="7898420"/>
+          </a:xfrm>
+          <a:prstGeom prst="rect">
+            <a:avLst/>
+          </a:prstGeom>
+        </p:spPr>
+      </p:pic>
+      <p:sp>
+        <p:nvSpPr>
+          <p:cNvPr id="24" name="TextBox 23">
+            <a:extLst>
+              <a:ext uri="{FF2B5EF4-FFF2-40B4-BE49-F238E27FC236}">
+                <a16:creationId xmlns:a16="http://schemas.microsoft.com/office/drawing/2014/main" id="{FC89FA5D-C7E5-53FA-8564-4C38FE1C0511}"/>
+              </a:ext>
+            </a:extLst>
+          </p:cNvPr>
+          <p:cNvSpPr txBox="1"/>
+          <p:nvPr/>
+        </p:nvSpPr>
+        <p:spPr>
+          <a:xfrm rot="21034408">
+            <a:off x="12620525" y="7655671"/>
+            <a:ext cx="4157066" cy="923073"/>
+          </a:xfrm>
+          <a:prstGeom prst="rect">
+            <a:avLst/>
+          </a:prstGeom>
+          <a:noFill/>
+        </p:spPr>
+        <p:txBody>
+          <a:bodyPr wrap="square" rtlCol="0">
+            <a:spAutoFit/>
+          </a:bodyPr>
+          <a:lstStyle/>
+          <a:p>
+            <a:r>
+              <a:rPr lang="en-US" sz="2699" dirty="0">
+                <a:solidFill>
+                  <a:srgbClr val="222366"/>
+                </a:solidFill>
+                <a:latin typeface="Public Sans"/>
+              </a:rPr>
+              <a:t>Population in England: approx. 56M</a:t>
+            </a:r>
+          </a:p>
+        </p:txBody>
+      </p:sp>
+    </p:spTree>
+  </p:cSld>
+  <p:clrMapOvr>
+    <a:masterClrMapping/>
+  </p:clrMapOvr>
+</p:sld>
+</file>
+
+<file path=ppt/slides/slide4.xml><?xml version="1.0" encoding="utf-8"?>
+<p:sld xmlns:a="http://schemas.openxmlformats.org/drawingml/2006/main" xmlns:r="http://schemas.openxmlformats.org/officeDocument/2006/relationships" xmlns:p="http://schemas.openxmlformats.org/presentationml/2006/main">
+  <p:cSld>
+    <p:spTree>
+      <p:nvGrpSpPr>
+        <p:cNvPr id="1" name=""/>
+        <p:cNvGrpSpPr/>
+        <p:nvPr/>
+      </p:nvGrpSpPr>
+      <p:grpSpPr>
+        <a:xfrm>
+          <a:off x="0" y="0"/>
+          <a:ext cx="0" cy="0"/>
+          <a:chOff x="0" y="0"/>
+          <a:chExt cx="0" cy="0"/>
+        </a:xfrm>
+      </p:grpSpPr>
+      <p:sp>
+        <p:nvSpPr>
+          <p:cNvPr id="2" name="Freeform 2"/>
+          <p:cNvSpPr/>
+          <p:nvPr/>
+        </p:nvSpPr>
+        <p:spPr>
+          <a:xfrm>
+            <a:off x="-754714" y="9258300"/>
+            <a:ext cx="4641382" cy="4552721"/>
+          </a:xfrm>
+          <a:custGeom>
+            <a:avLst/>
+            <a:gdLst/>
+            <a:ahLst/>
+            <a:cxnLst/>
+            <a:rect l="l" t="t" r="r" b="b"/>
+            <a:pathLst>
+              <a:path w="4641382" h="4552721">
+                <a:moveTo>
+                  <a:pt x="0" y="0"/>
+                </a:moveTo>
+                <a:lnTo>
+                  <a:pt x="4641381" y="0"/>
+                </a:lnTo>
+                <a:lnTo>
+                  <a:pt x="4641381" y="4552721"/>
+                </a:lnTo>
+                <a:lnTo>
+                  <a:pt x="0" y="4552721"/>
+                </a:lnTo>
+                <a:lnTo>
+                  <a:pt x="0" y="0"/>
+                </a:lnTo>
+                <a:close/>
+              </a:path>
+            </a:pathLst>
+          </a:custGeom>
+          <a:blipFill>
+            <a:blip r:embed="rId3">
+              <a:extLst>
+                <a:ext uri="{96DAC541-7B7A-43D3-8B79-37D633B846F1}">
+                  <asvg:svgBlip xmlns:asvg="http://schemas.microsoft.com/office/drawing/2016/SVG/main" r:embed="rId4"/>
+                </a:ext>
+              </a:extLst>
+            </a:blip>
+            <a:stretch>
+              <a:fillRect/>
+            </a:stretch>
+          </a:blipFill>
+        </p:spPr>
+        <p:txBody>
+          <a:bodyPr/>
+          <a:lstStyle/>
+          <a:p>
+            <a:endParaRPr lang="en-US"/>
+          </a:p>
+        </p:txBody>
+      </p:sp>
+      <p:sp>
+        <p:nvSpPr>
+          <p:cNvPr id="3" name="Freeform 3"/>
+          <p:cNvSpPr/>
+          <p:nvPr/>
+        </p:nvSpPr>
+        <p:spPr>
+          <a:xfrm>
+            <a:off x="15327344" y="-352696"/>
+            <a:ext cx="4657694" cy="4568722"/>
+          </a:xfrm>
+          <a:custGeom>
+            <a:avLst/>
+            <a:gdLst/>
+            <a:ahLst/>
+            <a:cxnLst/>
+            <a:rect l="l" t="t" r="r" b="b"/>
+            <a:pathLst>
+              <a:path w="4657694" h="4568722">
+                <a:moveTo>
+                  <a:pt x="0" y="0"/>
+                </a:moveTo>
+                <a:lnTo>
+                  <a:pt x="4657694" y="0"/>
+                </a:lnTo>
+                <a:lnTo>
+                  <a:pt x="4657694" y="4568722"/>
+                </a:lnTo>
+                <a:lnTo>
+                  <a:pt x="0" y="4568722"/>
+                </a:lnTo>
+                <a:lnTo>
+                  <a:pt x="0" y="0"/>
+                </a:lnTo>
+                <a:close/>
+              </a:path>
+            </a:pathLst>
+          </a:custGeom>
+          <a:blipFill>
+            <a:blip r:embed="rId3">
+              <a:extLst>
+                <a:ext uri="{96DAC541-7B7A-43D3-8B79-37D633B846F1}">
+                  <asvg:svgBlip xmlns:asvg="http://schemas.microsoft.com/office/drawing/2016/SVG/main" r:embed="rId4"/>
+                </a:ext>
+              </a:extLst>
+            </a:blip>
+            <a:stretch>
+              <a:fillRect/>
+            </a:stretch>
+          </a:blipFill>
+        </p:spPr>
+        <p:txBody>
+          <a:bodyPr/>
+          <a:lstStyle/>
+          <a:p>
+            <a:endParaRPr lang="en-US"/>
+          </a:p>
+        </p:txBody>
+      </p:sp>
+      <p:sp>
+        <p:nvSpPr>
+          <p:cNvPr id="6" name="TextBox 6"/>
+          <p:cNvSpPr txBox="1"/>
+          <p:nvPr/>
+        </p:nvSpPr>
+        <p:spPr>
+          <a:xfrm>
+            <a:off x="488697" y="-1524359"/>
+            <a:ext cx="18256503" cy="11592508"/>
+          </a:xfrm>
+          <a:prstGeom prst="rect">
+            <a:avLst/>
+          </a:prstGeom>
+        </p:spPr>
+        <p:txBody>
+          <a:bodyPr lIns="50800" tIns="50800" rIns="50800" bIns="50800" rtlCol="0" anchor="ctr"/>
+          <a:lstStyle/>
+          <a:p>
+            <a:pPr algn="ctr">
+              <a:lnSpc>
+                <a:spcPts val="2659"/>
+              </a:lnSpc>
+            </a:pPr>
+            <a:endParaRPr/>
+          </a:p>
+        </p:txBody>
+      </p:sp>
+      <p:sp>
+        <p:nvSpPr>
+          <p:cNvPr id="9" name="TextBox 9"/>
+          <p:cNvSpPr txBox="1"/>
+          <p:nvPr/>
+        </p:nvSpPr>
+        <p:spPr>
+          <a:xfrm>
+            <a:off x="1230791" y="2655386"/>
+            <a:ext cx="11292692" cy="1769715"/>
+          </a:xfrm>
+          <a:prstGeom prst="rect">
+            <a:avLst/>
+          </a:prstGeom>
+        </p:spPr>
+        <p:txBody>
+          <a:bodyPr wrap="square" lIns="0" tIns="0" rIns="0" bIns="0" rtlCol="0" anchor="t">
+            <a:spAutoFit/>
+          </a:bodyPr>
+          <a:lstStyle/>
+          <a:p>
+            <a:pPr>
+              <a:lnSpc>
+                <a:spcPts val="4620"/>
+              </a:lnSpc>
+            </a:pPr>
+            <a:r>
+              <a:rPr lang="en-US" sz="4400" dirty="0">
+                <a:solidFill>
+                  <a:srgbClr val="002060"/>
+                </a:solidFill>
+                <a:latin typeface="Public Sans Heavy"/>
+              </a:rPr>
+              <a:t>Our Focus: Type 2 Diabetes</a:t>
+            </a:r>
+          </a:p>
+          <a:p>
+            <a:pPr>
+              <a:lnSpc>
+                <a:spcPts val="4620"/>
+              </a:lnSpc>
+            </a:pPr>
+            <a:endParaRPr lang="en-US" sz="4400" dirty="0">
+              <a:solidFill>
+                <a:srgbClr val="002060"/>
+              </a:solidFill>
+              <a:latin typeface="Public Sans Heavy"/>
+            </a:endParaRPr>
+          </a:p>
+          <a:p>
+            <a:pPr>
+              <a:lnSpc>
+                <a:spcPts val="4620"/>
+              </a:lnSpc>
+            </a:pPr>
+            <a:endParaRPr lang="en-US" sz="4400" dirty="0">
+              <a:solidFill>
+                <a:srgbClr val="002060"/>
+              </a:solidFill>
+              <a:latin typeface="Public Sans Heavy"/>
+            </a:endParaRPr>
+          </a:p>
+        </p:txBody>
+      </p:sp>
+      <p:sp>
+        <p:nvSpPr>
+          <p:cNvPr id="11" name="TextBox 11"/>
+          <p:cNvSpPr txBox="1"/>
+          <p:nvPr/>
+        </p:nvSpPr>
+        <p:spPr>
+          <a:xfrm>
+            <a:off x="2806273" y="838200"/>
+            <a:ext cx="12637084" cy="1144905"/>
+          </a:xfrm>
+          <a:prstGeom prst="rect">
+            <a:avLst/>
+          </a:prstGeom>
+        </p:spPr>
+        <p:txBody>
+          <a:bodyPr lIns="0" tIns="0" rIns="0" bIns="0" rtlCol="0" anchor="t">
+            <a:spAutoFit/>
+          </a:bodyPr>
+          <a:lstStyle/>
+          <a:p>
+            <a:pPr algn="ctr">
+              <a:lnSpc>
+                <a:spcPts val="8819"/>
+              </a:lnSpc>
+            </a:pPr>
+            <a:r>
+              <a:rPr lang="en-US" sz="6300" dirty="0">
+                <a:solidFill>
+                  <a:srgbClr val="222366"/>
+                </a:solidFill>
+                <a:latin typeface="Brick Sans"/>
+              </a:rPr>
+              <a:t>Project Overview</a:t>
+            </a:r>
+          </a:p>
+        </p:txBody>
+      </p:sp>
+      <p:sp>
+        <p:nvSpPr>
+          <p:cNvPr id="12" name="Freeform 12"/>
+          <p:cNvSpPr/>
+          <p:nvPr/>
+        </p:nvSpPr>
+        <p:spPr>
+          <a:xfrm rot="249758">
+            <a:off x="662165" y="523624"/>
+            <a:ext cx="1463105" cy="1687018"/>
+          </a:xfrm>
+          <a:custGeom>
+            <a:avLst/>
+            <a:gdLst/>
+            <a:ahLst/>
+            <a:cxnLst/>
+            <a:rect l="l" t="t" r="r" b="b"/>
+            <a:pathLst>
+              <a:path w="1463105" h="1687018">
+                <a:moveTo>
+                  <a:pt x="0" y="0"/>
+                </a:moveTo>
+                <a:lnTo>
+                  <a:pt x="1463104" y="0"/>
+                </a:lnTo>
+                <a:lnTo>
+                  <a:pt x="1463104" y="1687018"/>
+                </a:lnTo>
+                <a:lnTo>
+                  <a:pt x="0" y="1687018"/>
+                </a:lnTo>
+                <a:lnTo>
+                  <a:pt x="0" y="0"/>
+                </a:lnTo>
+                <a:close/>
+              </a:path>
+            </a:pathLst>
+          </a:custGeom>
+          <a:blipFill>
+            <a:blip r:embed="rId5">
+              <a:extLst>
+                <a:ext uri="{96DAC541-7B7A-43D3-8B79-37D633B846F1}">
+                  <asvg:svgBlip xmlns:asvg="http://schemas.microsoft.com/office/drawing/2016/SVG/main" r:embed="rId6"/>
+                </a:ext>
+              </a:extLst>
+            </a:blip>
+            <a:stretch>
+              <a:fillRect/>
+            </a:stretch>
+          </a:blipFill>
+        </p:spPr>
+        <p:txBody>
+          <a:bodyPr/>
+          <a:lstStyle/>
+          <a:p>
+            <a:endParaRPr lang="en-US"/>
+          </a:p>
+        </p:txBody>
+      </p:sp>
+      <p:sp>
+        <p:nvSpPr>
+          <p:cNvPr id="7" name="TextBox 10">
+            <a:extLst>
+              <a:ext uri="{FF2B5EF4-FFF2-40B4-BE49-F238E27FC236}">
+                <a16:creationId xmlns:a16="http://schemas.microsoft.com/office/drawing/2014/main" id="{CE317CBE-B96E-4FB2-1846-0BE7530831BC}"/>
+              </a:ext>
+            </a:extLst>
+          </p:cNvPr>
+          <p:cNvSpPr txBox="1"/>
+          <p:nvPr/>
+        </p:nvSpPr>
+        <p:spPr>
+          <a:xfrm>
+            <a:off x="1239258" y="3771900"/>
+            <a:ext cx="6990342" cy="5845896"/>
+          </a:xfrm>
+          <a:prstGeom prst="rect">
+            <a:avLst/>
+          </a:prstGeom>
+        </p:spPr>
+        <p:txBody>
+          <a:bodyPr wrap="square" lIns="0" tIns="0" rIns="0" bIns="0" rtlCol="0" anchor="t">
+            <a:spAutoFit/>
+          </a:bodyPr>
+          <a:lstStyle/>
+          <a:p>
+            <a:pPr>
+              <a:lnSpc>
+                <a:spcPts val="4620"/>
+              </a:lnSpc>
+            </a:pPr>
+            <a:r>
+              <a:rPr lang="en-GB" sz="3200" dirty="0">
+                <a:solidFill>
+                  <a:srgbClr val="222366"/>
+                </a:solidFill>
+                <a:latin typeface="Public Sans"/>
+              </a:rPr>
+              <a:t>In the UK, over 90% of all adults with diabetes have Type 2.</a:t>
+            </a:r>
+          </a:p>
+          <a:p>
+            <a:pPr marL="571500" indent="-571500">
+              <a:lnSpc>
+                <a:spcPts val="4620"/>
+              </a:lnSpc>
+              <a:buFont typeface="Arial" panose="020B0604020202020204" pitchFamily="34" charset="0"/>
+              <a:buChar char="•"/>
+            </a:pPr>
+            <a:endParaRPr lang="en-GB" sz="3200" dirty="0">
+              <a:solidFill>
+                <a:srgbClr val="222366"/>
+              </a:solidFill>
+              <a:latin typeface="Public Sans"/>
+            </a:endParaRPr>
+          </a:p>
+          <a:p>
+            <a:pPr>
+              <a:lnSpc>
+                <a:spcPts val="4620"/>
+              </a:lnSpc>
+            </a:pPr>
+            <a:r>
+              <a:rPr lang="en-GB" sz="3200" dirty="0">
+                <a:solidFill>
+                  <a:srgbClr val="222366"/>
+                </a:solidFill>
+                <a:latin typeface="Public Sans"/>
+              </a:rPr>
+              <a:t>It’s strongly associated with personal </a:t>
+            </a:r>
+            <a:r>
+              <a:rPr lang="en-GB" sz="3200" u="sng" dirty="0">
+                <a:solidFill>
+                  <a:srgbClr val="222366"/>
+                </a:solidFill>
+                <a:latin typeface="Public Sans"/>
+              </a:rPr>
+              <a:t>lifestyle factors</a:t>
+            </a:r>
+            <a:r>
+              <a:rPr lang="en-GB" sz="3200" dirty="0">
+                <a:solidFill>
+                  <a:srgbClr val="222366"/>
+                </a:solidFill>
+                <a:latin typeface="Public Sans"/>
+              </a:rPr>
+              <a:t> like diet, exercise and family history.</a:t>
+            </a:r>
+          </a:p>
+          <a:p>
+            <a:pPr>
+              <a:lnSpc>
+                <a:spcPts val="4620"/>
+              </a:lnSpc>
+            </a:pPr>
+            <a:endParaRPr lang="en-GB" sz="3200" dirty="0">
+              <a:solidFill>
+                <a:srgbClr val="222366"/>
+              </a:solidFill>
+              <a:latin typeface="Public Sans"/>
+            </a:endParaRPr>
+          </a:p>
+          <a:p>
+            <a:pPr>
+              <a:lnSpc>
+                <a:spcPts val="4620"/>
+              </a:lnSpc>
+            </a:pPr>
+            <a:r>
+              <a:rPr lang="en-GB" sz="3200" dirty="0">
+                <a:solidFill>
+                  <a:srgbClr val="222366"/>
+                </a:solidFill>
+                <a:latin typeface="Public Sans"/>
+              </a:rPr>
+              <a:t>Unlike Type 1 diabetes, Type 2 diabetes is largely preventable through </a:t>
+            </a:r>
+            <a:r>
+              <a:rPr lang="en-GB" sz="3200" u="sng" dirty="0">
+                <a:solidFill>
+                  <a:srgbClr val="222366"/>
+                </a:solidFill>
+                <a:latin typeface="Public Sans"/>
+              </a:rPr>
+              <a:t>lifestyle changes</a:t>
+            </a:r>
+            <a:r>
+              <a:rPr lang="en-GB" sz="3200" dirty="0">
+                <a:solidFill>
+                  <a:srgbClr val="222366"/>
+                </a:solidFill>
+                <a:latin typeface="Public Sans"/>
+              </a:rPr>
+              <a:t>.</a:t>
+            </a:r>
+          </a:p>
+        </p:txBody>
+      </p:sp>
+      <p:graphicFrame>
+        <p:nvGraphicFramePr>
+          <p:cNvPr id="14" name="Table 13">
+            <a:extLst>
+              <a:ext uri="{FF2B5EF4-FFF2-40B4-BE49-F238E27FC236}">
+                <a16:creationId xmlns:a16="http://schemas.microsoft.com/office/drawing/2014/main" id="{61CAFC4D-90DF-57C4-DAA0-CF21440BA9C8}"/>
+              </a:ext>
+            </a:extLst>
+          </p:cNvPr>
+          <p:cNvGraphicFramePr>
+            <a:graphicFrameLocks noGrp="1"/>
+          </p:cNvGraphicFramePr>
+          <p:nvPr>
+            <p:extLst>
+              <p:ext uri="{D42A27DB-BD31-4B8C-83A1-F6EECF244321}">
+                <p14:modId xmlns:p14="http://schemas.microsoft.com/office/powerpoint/2010/main" val="637716857"/>
+              </p:ext>
+            </p:extLst>
+          </p:nvPr>
+        </p:nvGraphicFramePr>
+        <p:xfrm>
+          <a:off x="9144000" y="3776368"/>
+          <a:ext cx="8655306" cy="4539078"/>
+        </p:xfrm>
+        <a:graphic>
+          <a:graphicData uri="http://schemas.openxmlformats.org/drawingml/2006/table">
+            <a:tbl>
+              <a:tblPr firstRow="1" bandRow="1">
+                <a:tableStyleId>{5C22544A-7EE6-4342-B048-85BDC9FD1C3A}</a:tableStyleId>
+              </a:tblPr>
+              <a:tblGrid>
+                <a:gridCol w="1752600">
+                  <a:extLst>
+                    <a:ext uri="{9D8B030D-6E8A-4147-A177-3AD203B41FA5}">
+                      <a16:colId xmlns:a16="http://schemas.microsoft.com/office/drawing/2014/main" val="3214240152"/>
+                    </a:ext>
+                  </a:extLst>
+                </a:gridCol>
+                <a:gridCol w="3429000">
+                  <a:extLst>
+                    <a:ext uri="{9D8B030D-6E8A-4147-A177-3AD203B41FA5}">
+                      <a16:colId xmlns:a16="http://schemas.microsoft.com/office/drawing/2014/main" val="3728786233"/>
+                    </a:ext>
+                  </a:extLst>
+                </a:gridCol>
+                <a:gridCol w="3473706">
+                  <a:extLst>
+                    <a:ext uri="{9D8B030D-6E8A-4147-A177-3AD203B41FA5}">
+                      <a16:colId xmlns:a16="http://schemas.microsoft.com/office/drawing/2014/main" val="676176022"/>
+                    </a:ext>
+                  </a:extLst>
+                </a:gridCol>
+              </a:tblGrid>
+              <a:tr h="555016">
+                <a:tc>
+                  <a:txBody>
+                    <a:bodyPr/>
+                    <a:lstStyle/>
+                    <a:p>
+                      <a:pPr algn="ctr"/>
+                      <a:endParaRPr lang="en-US" sz="3200" kern="1200" dirty="0">
+                        <a:solidFill>
+                          <a:srgbClr val="222366"/>
+                        </a:solidFill>
+                        <a:latin typeface="Public Sans"/>
+                        <a:ea typeface="+mn-ea"/>
+                        <a:cs typeface="+mn-cs"/>
+                      </a:endParaRPr>
+                    </a:p>
+                  </a:txBody>
+                  <a:tcPr anchor="ctr"/>
+                </a:tc>
+                <a:tc>
+                  <a:txBody>
+                    <a:bodyPr/>
+                    <a:lstStyle/>
+                    <a:p>
+                      <a:pPr algn="ctr"/>
+                      <a:r>
+                        <a:rPr lang="en-US" sz="3200" b="1" kern="1200" dirty="0">
+                          <a:solidFill>
+                            <a:schemeClr val="bg1"/>
+                          </a:solidFill>
+                          <a:latin typeface="Public Sans"/>
+                          <a:ea typeface="+mn-ea"/>
+                          <a:cs typeface="+mn-cs"/>
+                        </a:rPr>
+                        <a:t>Health Check</a:t>
+                      </a:r>
+                    </a:p>
+                  </a:txBody>
+                  <a:tcPr anchor="ctr"/>
+                </a:tc>
+                <a:tc>
+                  <a:txBody>
+                    <a:bodyPr/>
+                    <a:lstStyle/>
+                    <a:p>
+                      <a:pPr algn="ctr"/>
+                      <a:r>
+                        <a:rPr lang="en-US" sz="3200" b="1" kern="1200" dirty="0">
+                          <a:solidFill>
+                            <a:schemeClr val="bg1"/>
+                          </a:solidFill>
+                          <a:latin typeface="Public Sans"/>
+                          <a:ea typeface="+mn-ea"/>
+                          <a:cs typeface="+mn-cs"/>
+                        </a:rPr>
+                        <a:t>Questionnaire</a:t>
+                      </a:r>
+                    </a:p>
+                  </a:txBody>
+                  <a:tcPr anchor="ctr"/>
+                </a:tc>
+                <a:extLst>
+                  <a:ext uri="{0D108BD9-81ED-4DB2-BD59-A6C34878D82A}">
+                    <a16:rowId xmlns:a16="http://schemas.microsoft.com/office/drawing/2014/main" val="774226519"/>
+                  </a:ext>
+                </a:extLst>
+              </a:tr>
+              <a:tr h="1624194">
+                <a:tc>
+                  <a:txBody>
+                    <a:bodyPr/>
+                    <a:lstStyle/>
+                    <a:p>
+                      <a:pPr algn="ctr"/>
+                      <a:r>
+                        <a:rPr lang="en-US" sz="3200" b="1" kern="1200" dirty="0">
+                          <a:solidFill>
+                            <a:srgbClr val="222366"/>
+                          </a:solidFill>
+                          <a:latin typeface="Public Sans"/>
+                          <a:ea typeface="+mn-ea"/>
+                          <a:cs typeface="+mn-cs"/>
+                        </a:rPr>
+                        <a:t>How</a:t>
+                      </a:r>
+                    </a:p>
+                  </a:txBody>
+                  <a:tcPr anchor="ctr"/>
+                </a:tc>
+                <a:tc>
+                  <a:txBody>
+                    <a:bodyPr/>
+                    <a:lstStyle/>
+                    <a:p>
+                      <a:pPr marL="0" marR="0" lvl="0" indent="0" algn="ctr" defTabSz="914400" rtl="0" eaLnBrk="1" fontAlgn="auto" latinLnBrk="0" hangingPunct="1">
+                        <a:lnSpc>
+                          <a:spcPct val="100000"/>
+                        </a:lnSpc>
+                        <a:spcBef>
+                          <a:spcPts val="0"/>
+                        </a:spcBef>
+                        <a:spcAft>
+                          <a:spcPts val="0"/>
+                        </a:spcAft>
+                        <a:buClrTx/>
+                        <a:buSzTx/>
+                        <a:buFontTx/>
+                        <a:buNone/>
+                        <a:tabLst/>
+                        <a:defRPr/>
+                      </a:pPr>
+                      <a:r>
+                        <a:rPr lang="en-GB" sz="3200" kern="1200" dirty="0">
+                          <a:solidFill>
+                            <a:srgbClr val="222366"/>
+                          </a:solidFill>
+                          <a:latin typeface="Public Sans"/>
+                          <a:ea typeface="+mn-ea"/>
+                          <a:cs typeface="+mn-cs"/>
+                        </a:rPr>
+                        <a:t>measure blood glucose (sugar) levels</a:t>
+                      </a:r>
+                    </a:p>
+                  </a:txBody>
+                  <a:tcPr anchor="ctr"/>
+                </a:tc>
+                <a:tc>
+                  <a:txBody>
+                    <a:bodyPr/>
+                    <a:lstStyle/>
+                    <a:p>
+                      <a:pPr algn="ctr"/>
+                      <a:r>
+                        <a:rPr lang="en-US" sz="3200" kern="1200" dirty="0">
+                          <a:solidFill>
+                            <a:srgbClr val="222366"/>
+                          </a:solidFill>
+                          <a:latin typeface="Public Sans"/>
+                          <a:ea typeface="+mn-ea"/>
+                          <a:cs typeface="+mn-cs"/>
+                        </a:rPr>
+                        <a:t>ask health and lifestyle related questions</a:t>
+                      </a:r>
+                    </a:p>
+                  </a:txBody>
+                  <a:tcPr anchor="ctr"/>
+                </a:tc>
+                <a:extLst>
+                  <a:ext uri="{0D108BD9-81ED-4DB2-BD59-A6C34878D82A}">
+                    <a16:rowId xmlns:a16="http://schemas.microsoft.com/office/drawing/2014/main" val="4281379613"/>
+                  </a:ext>
+                </a:extLst>
+              </a:tr>
+              <a:tr h="1167882">
+                <a:tc>
+                  <a:txBody>
+                    <a:bodyPr/>
+                    <a:lstStyle/>
+                    <a:p>
+                      <a:pPr algn="ctr"/>
+                      <a:r>
+                        <a:rPr lang="en-US" sz="3200" b="1" kern="1200" dirty="0">
+                          <a:solidFill>
+                            <a:srgbClr val="222366"/>
+                          </a:solidFill>
+                          <a:latin typeface="Public Sans"/>
+                          <a:ea typeface="+mn-ea"/>
+                          <a:cs typeface="+mn-cs"/>
+                        </a:rPr>
+                        <a:t>+</a:t>
+                      </a:r>
+                    </a:p>
+                  </a:txBody>
+                  <a:tcPr anchor="ctr"/>
+                </a:tc>
+                <a:tc>
+                  <a:txBody>
+                    <a:bodyPr/>
+                    <a:lstStyle/>
+                    <a:p>
+                      <a:pPr marL="0" marR="0" lvl="0" indent="0" algn="ctr" defTabSz="914400" rtl="0" eaLnBrk="1" fontAlgn="auto" latinLnBrk="0" hangingPunct="1">
+                        <a:lnSpc>
+                          <a:spcPct val="100000"/>
+                        </a:lnSpc>
+                        <a:spcBef>
+                          <a:spcPts val="0"/>
+                        </a:spcBef>
+                        <a:spcAft>
+                          <a:spcPts val="0"/>
+                        </a:spcAft>
+                        <a:buClrTx/>
+                        <a:buSzTx/>
+                        <a:buFontTx/>
+                        <a:buNone/>
+                        <a:tabLst/>
+                        <a:defRPr/>
+                      </a:pPr>
+                      <a:r>
+                        <a:rPr lang="en-US" sz="3200" kern="1200" dirty="0">
+                          <a:solidFill>
+                            <a:srgbClr val="222366"/>
+                          </a:solidFill>
+                          <a:latin typeface="Public Sans"/>
+                          <a:ea typeface="+mn-ea"/>
+                          <a:cs typeface="+mn-cs"/>
+                        </a:rPr>
+                        <a:t>highly accurate</a:t>
+                      </a:r>
+                    </a:p>
+                  </a:txBody>
+                  <a:tcPr anchor="ctr"/>
+                </a:tc>
+                <a:tc>
+                  <a:txBody>
+                    <a:bodyPr/>
+                    <a:lstStyle/>
+                    <a:p>
+                      <a:pPr algn="ctr"/>
+                      <a:r>
+                        <a:rPr lang="en-US" sz="3200" kern="1200" dirty="0">
+                          <a:solidFill>
+                            <a:srgbClr val="222366"/>
+                          </a:solidFill>
+                          <a:latin typeface="Public Sans"/>
+                          <a:ea typeface="+mn-ea"/>
+                          <a:cs typeface="+mn-cs"/>
+                        </a:rPr>
+                        <a:t>extensive and cheap</a:t>
+                      </a:r>
+                    </a:p>
+                  </a:txBody>
+                  <a:tcPr anchor="ctr"/>
+                </a:tc>
+                <a:extLst>
+                  <a:ext uri="{0D108BD9-81ED-4DB2-BD59-A6C34878D82A}">
+                    <a16:rowId xmlns:a16="http://schemas.microsoft.com/office/drawing/2014/main" val="2047946489"/>
+                  </a:ext>
+                </a:extLst>
+              </a:tr>
+              <a:tr h="1167882">
+                <a:tc>
+                  <a:txBody>
+                    <a:bodyPr/>
+                    <a:lstStyle/>
+                    <a:p>
+                      <a:pPr algn="ctr"/>
+                      <a:r>
+                        <a:rPr lang="en-US" sz="3200" b="1" kern="1200" dirty="0">
+                          <a:solidFill>
+                            <a:srgbClr val="222366"/>
+                          </a:solidFill>
+                          <a:latin typeface="Public Sans"/>
+                          <a:ea typeface="+mn-ea"/>
+                          <a:cs typeface="+mn-cs"/>
+                        </a:rPr>
+                        <a:t>-</a:t>
+                      </a:r>
+                    </a:p>
+                  </a:txBody>
+                  <a:tcPr anchor="ctr"/>
+                </a:tc>
+                <a:tc>
+                  <a:txBody>
+                    <a:bodyPr/>
+                    <a:lstStyle/>
+                    <a:p>
+                      <a:pPr algn="ctr"/>
+                      <a:r>
+                        <a:rPr lang="en-US" sz="3200" kern="1200" dirty="0">
+                          <a:solidFill>
+                            <a:srgbClr val="222366"/>
+                          </a:solidFill>
+                          <a:latin typeface="Public Sans"/>
+                          <a:ea typeface="+mn-ea"/>
+                          <a:cs typeface="+mn-cs"/>
+                        </a:rPr>
+                        <a:t>expensive and limited in scope</a:t>
+                      </a:r>
+                    </a:p>
+                  </a:txBody>
+                  <a:tcPr anchor="ctr"/>
+                </a:tc>
+                <a:tc>
+                  <a:txBody>
+                    <a:bodyPr/>
+                    <a:lstStyle/>
+                    <a:p>
+                      <a:pPr algn="ctr"/>
+                      <a:r>
+                        <a:rPr lang="en-US" sz="3200" kern="1200" dirty="0">
+                          <a:solidFill>
+                            <a:srgbClr val="222366"/>
+                          </a:solidFill>
+                          <a:latin typeface="Public Sans"/>
+                          <a:ea typeface="+mn-ea"/>
+                          <a:cs typeface="+mn-cs"/>
+                        </a:rPr>
+                        <a:t>less accurate</a:t>
+                      </a:r>
+                    </a:p>
+                  </a:txBody>
+                  <a:tcPr anchor="ctr"/>
+                </a:tc>
+                <a:extLst>
+                  <a:ext uri="{0D108BD9-81ED-4DB2-BD59-A6C34878D82A}">
+                    <a16:rowId xmlns:a16="http://schemas.microsoft.com/office/drawing/2014/main" val="2114292190"/>
+                  </a:ext>
+                </a:extLst>
+              </a:tr>
+            </a:tbl>
+          </a:graphicData>
+        </a:graphic>
+      </p:graphicFrame>
+      <p:sp>
+        <p:nvSpPr>
+          <p:cNvPr id="15" name="Rounded Rectangular Callout 14">
+            <a:extLst>
+              <a:ext uri="{FF2B5EF4-FFF2-40B4-BE49-F238E27FC236}">
+                <a16:creationId xmlns:a16="http://schemas.microsoft.com/office/drawing/2014/main" id="{7CC2668E-754B-3781-F261-9025D00465A4}"/>
+              </a:ext>
+            </a:extLst>
+          </p:cNvPr>
+          <p:cNvSpPr/>
+          <p:nvPr/>
+        </p:nvSpPr>
+        <p:spPr>
+          <a:xfrm>
+            <a:off x="11460163" y="8762296"/>
+            <a:ext cx="5588579" cy="992007"/>
+          </a:xfrm>
+          <a:prstGeom prst="wedgeRoundRectCallout">
+            <a:avLst>
+              <a:gd name="adj1" fmla="val 28525"/>
+              <a:gd name="adj2" fmla="val -87770"/>
+              <a:gd name="adj3" fmla="val 16667"/>
+            </a:avLst>
+          </a:prstGeom>
+          <a:noFill/>
+        </p:spPr>
+        <p:style>
+          <a:lnRef idx="2">
+            <a:schemeClr val="accent1"/>
+          </a:lnRef>
+          <a:fillRef idx="1">
+            <a:schemeClr val="lt1"/>
+          </a:fillRef>
+          <a:effectRef idx="0">
+            <a:schemeClr val="accent1"/>
+          </a:effectRef>
+          <a:fontRef idx="minor">
+            <a:schemeClr val="dk1"/>
+          </a:fontRef>
+        </p:style>
+        <p:txBody>
+          <a:bodyPr rtlCol="0" anchor="ctr"/>
+          <a:lstStyle/>
+          <a:p>
+            <a:pPr algn="ctr"/>
+            <a:r>
+              <a:rPr lang="en-GB" sz="3200" kern="1200" dirty="0">
+                <a:solidFill>
+                  <a:srgbClr val="222366"/>
+                </a:solidFill>
+                <a:latin typeface="Public Sans"/>
+                <a:ea typeface="+mn-ea"/>
+                <a:cs typeface="+mn-cs"/>
+              </a:rPr>
+              <a:t>Can ML improve accuracy?</a:t>
+            </a:r>
+          </a:p>
+        </p:txBody>
+      </p:sp>
+    </p:spTree>
+    <p:extLst>
+      <p:ext uri="{BB962C8B-B14F-4D97-AF65-F5344CB8AC3E}">
+        <p14:creationId xmlns:p14="http://schemas.microsoft.com/office/powerpoint/2010/main" val="929031580"/>
+      </p:ext>
+    </p:extLst>
+  </p:cSld>
+  <p:clrMapOvr>
+    <a:masterClrMapping/>
+  </p:clrMapOvr>
+</p:sld>
+</file>
+
+<file path=ppt/slides/slide5.xml><?xml version="1.0" encoding="utf-8"?>
+<p:sld xmlns:a="http://schemas.openxmlformats.org/drawingml/2006/main" xmlns:r="http://schemas.openxmlformats.org/officeDocument/2006/relationships" xmlns:p="http://schemas.openxmlformats.org/presentationml/2006/main">
+  <p:cSld>
     <p:spTree>
       <p:nvGrpSpPr>
         <p:cNvPr id="1" name=""/>
@@ -9444,7 +12661,7 @@
               </a:lnSpc>
             </a:pPr>
             <a:r>
-              <a:rPr lang="en-US" sz="2799">
+              <a:rPr lang="en-US" sz="2799" dirty="0">
                 <a:solidFill>
                   <a:srgbClr val="222366"/>
                 </a:solidFill>
@@ -9463,17 +12680,9 @@
 </p:sld>
 </file>
 
-<file path=ppt/slides/slide4.xml><?xml version="1.0" encoding="utf-8"?>
+<file path=ppt/slides/slide6.xml><?xml version="1.0" encoding="utf-8"?>
 <p:sld xmlns:a="http://schemas.openxmlformats.org/drawingml/2006/main" xmlns:r="http://schemas.openxmlformats.org/officeDocument/2006/relationships" xmlns:p="http://schemas.openxmlformats.org/presentationml/2006/main">
   <p:cSld>
-    <p:bg>
-      <p:bgPr>
-        <a:solidFill>
-          <a:srgbClr val="FAF3F3"/>
-        </a:solidFill>
-        <a:effectLst/>
-      </p:bgPr>
-    </p:bg>
     <p:spTree>
       <p:nvGrpSpPr>
         <p:cNvPr id="1" name=""/>
@@ -9490,14 +12699,275 @@
       </p:grpSpPr>
       <p:sp>
         <p:nvSpPr>
-          <p:cNvPr id="2" name="Freeform 2"/>
+          <p:cNvPr id="2" name="TextBox 14">
+            <a:extLst>
+              <a:ext uri="{FF2B5EF4-FFF2-40B4-BE49-F238E27FC236}">
+                <a16:creationId xmlns:a16="http://schemas.microsoft.com/office/drawing/2014/main" id="{D2809DF7-D9AB-07FF-1E44-0D56487289A4}"/>
+              </a:ext>
+            </a:extLst>
+          </p:cNvPr>
+          <p:cNvSpPr txBox="1"/>
+          <p:nvPr/>
+        </p:nvSpPr>
+        <p:spPr>
+          <a:xfrm>
+            <a:off x="1028700" y="575659"/>
+            <a:ext cx="16725900" cy="1034642"/>
+          </a:xfrm>
+          <a:prstGeom prst="rect">
+            <a:avLst/>
+          </a:prstGeom>
+        </p:spPr>
+        <p:txBody>
+          <a:bodyPr wrap="square" lIns="0" tIns="0" rIns="0" bIns="0" rtlCol="0" anchor="t">
+            <a:spAutoFit/>
+          </a:bodyPr>
+          <a:lstStyle/>
+          <a:p>
+            <a:pPr>
+              <a:lnSpc>
+                <a:spcPts val="9100"/>
+              </a:lnSpc>
+            </a:pPr>
+            <a:r>
+              <a:rPr lang="en-US" sz="6500" dirty="0">
+                <a:solidFill>
+                  <a:srgbClr val="222366"/>
+                </a:solidFill>
+                <a:latin typeface="Brick Sans"/>
+              </a:rPr>
+              <a:t>Target and Feature Variables</a:t>
+            </a:r>
+          </a:p>
+        </p:txBody>
+      </p:sp>
+      <p:pic>
+        <p:nvPicPr>
+          <p:cNvPr id="4" name="Picture 3" descr="A screenshot of a computer">
+            <a:extLst>
+              <a:ext uri="{FF2B5EF4-FFF2-40B4-BE49-F238E27FC236}">
+                <a16:creationId xmlns:a16="http://schemas.microsoft.com/office/drawing/2014/main" id="{24708E8B-DC8C-0644-B695-9FBC42E1CEFE}"/>
+              </a:ext>
+            </a:extLst>
+          </p:cNvPr>
+          <p:cNvPicPr>
+            <a:picLocks noChangeAspect="1"/>
+          </p:cNvPicPr>
+          <p:nvPr/>
+        </p:nvPicPr>
+        <p:blipFill rotWithShape="1">
+          <a:blip r:embed="rId2">
+            <a:clrChange>
+              <a:clrFrom>
+                <a:srgbClr val="F5F5F5"/>
+              </a:clrFrom>
+              <a:clrTo>
+                <a:srgbClr val="F5F5F5">
+                  <a:alpha val="0"/>
+                </a:srgbClr>
+              </a:clrTo>
+            </a:clrChange>
+            <a:extLst>
+              <a:ext uri="{28A0092B-C50C-407E-A947-70E740481C1C}">
+                <a14:useLocalDpi xmlns:a14="http://schemas.microsoft.com/office/drawing/2010/main" val="0"/>
+              </a:ext>
+            </a:extLst>
+          </a:blip>
+          <a:srcRect l="7646" r="2922"/>
+          <a:stretch/>
+        </p:blipFill>
+        <p:spPr>
+          <a:xfrm>
+            <a:off x="304800" y="2857500"/>
+            <a:ext cx="12344400" cy="7155256"/>
+          </a:xfrm>
+          <a:prstGeom prst="rect">
+            <a:avLst/>
+          </a:prstGeom>
+        </p:spPr>
+      </p:pic>
+      <p:grpSp>
+        <p:nvGrpSpPr>
+          <p:cNvPr id="5" name="Group 24">
+            <a:extLst>
+              <a:ext uri="{FF2B5EF4-FFF2-40B4-BE49-F238E27FC236}">
+                <a16:creationId xmlns:a16="http://schemas.microsoft.com/office/drawing/2014/main" id="{6BEC1080-5F5C-83CE-BAB6-6CF35B099C7D}"/>
+              </a:ext>
+            </a:extLst>
+          </p:cNvPr>
+          <p:cNvGrpSpPr/>
+          <p:nvPr/>
+        </p:nvGrpSpPr>
+        <p:grpSpPr>
+          <a:xfrm>
+            <a:off x="1063336" y="1924416"/>
+            <a:ext cx="4794184" cy="639381"/>
+            <a:chOff x="0" y="0"/>
+            <a:chExt cx="2860316" cy="381469"/>
+          </a:xfrm>
+        </p:grpSpPr>
+        <p:sp>
+          <p:nvSpPr>
+            <p:cNvPr id="6" name="Freeform 25">
+              <a:extLst>
+                <a:ext uri="{FF2B5EF4-FFF2-40B4-BE49-F238E27FC236}">
+                  <a16:creationId xmlns:a16="http://schemas.microsoft.com/office/drawing/2014/main" id="{19705EAA-FF17-D75A-F697-4FF903E5524D}"/>
+                </a:ext>
+              </a:extLst>
+            </p:cNvPr>
+            <p:cNvSpPr/>
+            <p:nvPr/>
+          </p:nvSpPr>
+          <p:spPr>
+            <a:xfrm>
+              <a:off x="0" y="0"/>
+              <a:ext cx="2860316" cy="381469"/>
+            </a:xfrm>
+            <a:custGeom>
+              <a:avLst/>
+              <a:gdLst/>
+              <a:ahLst/>
+              <a:cxnLst/>
+              <a:rect l="l" t="t" r="r" b="b"/>
+              <a:pathLst>
+                <a:path w="2860316" h="381469">
+                  <a:moveTo>
+                    <a:pt x="2657116" y="0"/>
+                  </a:moveTo>
+                  <a:cubicBezTo>
+                    <a:pt x="2769341" y="0"/>
+                    <a:pt x="2860316" y="85395"/>
+                    <a:pt x="2860316" y="190734"/>
+                  </a:cubicBezTo>
+                  <a:cubicBezTo>
+                    <a:pt x="2860316" y="296074"/>
+                    <a:pt x="2769341" y="381469"/>
+                    <a:pt x="2657116" y="381469"/>
+                  </a:cubicBezTo>
+                  <a:lnTo>
+                    <a:pt x="203200" y="381469"/>
+                  </a:lnTo>
+                  <a:cubicBezTo>
+                    <a:pt x="90976" y="381469"/>
+                    <a:pt x="0" y="296074"/>
+                    <a:pt x="0" y="190734"/>
+                  </a:cubicBezTo>
+                  <a:cubicBezTo>
+                    <a:pt x="0" y="85395"/>
+                    <a:pt x="90976" y="0"/>
+                    <a:pt x="203200" y="0"/>
+                  </a:cubicBezTo>
+                  <a:close/>
+                </a:path>
+              </a:pathLst>
+            </a:custGeom>
+            <a:solidFill>
+              <a:srgbClr val="BDD2EA"/>
+            </a:solidFill>
+          </p:spPr>
+          <p:txBody>
+            <a:bodyPr/>
+            <a:lstStyle/>
+            <a:p>
+              <a:endParaRPr lang="en-US"/>
+            </a:p>
+          </p:txBody>
+        </p:sp>
+        <p:sp>
+          <p:nvSpPr>
+            <p:cNvPr id="7" name="TextBox 26">
+              <a:extLst>
+                <a:ext uri="{FF2B5EF4-FFF2-40B4-BE49-F238E27FC236}">
+                  <a16:creationId xmlns:a16="http://schemas.microsoft.com/office/drawing/2014/main" id="{FA3892E4-849F-75B9-816C-5AFF481AFA9C}"/>
+                </a:ext>
+              </a:extLst>
+            </p:cNvPr>
+            <p:cNvSpPr txBox="1"/>
+            <p:nvPr/>
+          </p:nvSpPr>
+          <p:spPr>
+            <a:xfrm>
+              <a:off x="0" y="-38100"/>
+              <a:ext cx="2860316" cy="419569"/>
+            </a:xfrm>
+            <a:prstGeom prst="rect">
+              <a:avLst/>
+            </a:prstGeom>
+          </p:spPr>
+          <p:txBody>
+            <a:bodyPr lIns="50800" tIns="50800" rIns="50800" bIns="50800" rtlCol="0" anchor="ctr"/>
+            <a:lstStyle/>
+            <a:p>
+              <a:pPr algn="ctr">
+                <a:lnSpc>
+                  <a:spcPts val="2659"/>
+                </a:lnSpc>
+              </a:pPr>
+              <a:endParaRPr/>
+            </a:p>
+          </p:txBody>
+        </p:sp>
+      </p:grpSp>
+      <p:sp>
+        <p:nvSpPr>
+          <p:cNvPr id="8" name="TextBox 27">
+            <a:extLst>
+              <a:ext uri="{FF2B5EF4-FFF2-40B4-BE49-F238E27FC236}">
+                <a16:creationId xmlns:a16="http://schemas.microsoft.com/office/drawing/2014/main" id="{00C52A4F-E674-51DB-00CC-FEB44737848E}"/>
+              </a:ext>
+            </a:extLst>
+          </p:cNvPr>
+          <p:cNvSpPr txBox="1"/>
+          <p:nvPr/>
+        </p:nvSpPr>
+        <p:spPr>
+          <a:xfrm>
+            <a:off x="1203244" y="2015293"/>
+            <a:ext cx="4514368" cy="457626"/>
+          </a:xfrm>
+          <a:prstGeom prst="rect">
+            <a:avLst/>
+          </a:prstGeom>
+        </p:spPr>
+        <p:txBody>
+          <a:bodyPr lIns="0" tIns="0" rIns="0" bIns="0" rtlCol="0" anchor="t">
+            <a:spAutoFit/>
+          </a:bodyPr>
+          <a:lstStyle/>
+          <a:p>
+            <a:pPr algn="ctr">
+              <a:lnSpc>
+                <a:spcPts val="3919"/>
+              </a:lnSpc>
+            </a:pPr>
+            <a:r>
+              <a:rPr lang="en-US" sz="2799" dirty="0">
+                <a:solidFill>
+                  <a:srgbClr val="222366"/>
+                </a:solidFill>
+                <a:latin typeface="Public Sans Bold"/>
+              </a:rPr>
+              <a:t>Sample Code</a:t>
+            </a:r>
+          </a:p>
+        </p:txBody>
+      </p:sp>
+      <p:sp>
+        <p:nvSpPr>
+          <p:cNvPr id="10" name="Freeform 15">
+            <a:extLst>
+              <a:ext uri="{FF2B5EF4-FFF2-40B4-BE49-F238E27FC236}">
+                <a16:creationId xmlns:a16="http://schemas.microsoft.com/office/drawing/2014/main" id="{B6D88411-24F2-D8CB-35D8-20D7235E22B5}"/>
+              </a:ext>
+            </a:extLst>
+          </p:cNvPr>
           <p:cNvSpPr/>
           <p:nvPr/>
         </p:nvSpPr>
         <p:spPr>
           <a:xfrm>
-            <a:off x="-1305252" y="8670689"/>
-            <a:ext cx="2226371" cy="2183842"/>
+            <a:off x="12725400" y="6035439"/>
+            <a:ext cx="4246987" cy="4415582"/>
           </a:xfrm>
           <a:custGeom>
             <a:avLst/>
@@ -9506,18 +12976,18 @@
             <a:cxnLst/>
             <a:rect l="l" t="t" r="r" b="b"/>
             <a:pathLst>
-              <a:path w="2226371" h="2183842">
+              <a:path w="4246987" h="4415582">
                 <a:moveTo>
                   <a:pt x="0" y="0"/>
                 </a:moveTo>
                 <a:lnTo>
-                  <a:pt x="2226371" y="0"/>
-                </a:lnTo>
-                <a:lnTo>
-                  <a:pt x="2226371" y="2183843"/>
-                </a:lnTo>
-                <a:lnTo>
-                  <a:pt x="0" y="2183843"/>
+                  <a:pt x="4246987" y="0"/>
+                </a:lnTo>
+                <a:lnTo>
+                  <a:pt x="4246987" y="4415582"/>
+                </a:lnTo>
+                <a:lnTo>
+                  <a:pt x="0" y="4415582"/>
                 </a:lnTo>
                 <a:lnTo>
                   <a:pt x="0" y="0"/>
@@ -9549,14 +13019,20 @@
       </p:sp>
       <p:sp>
         <p:nvSpPr>
-          <p:cNvPr id="40" name="Freeform 40"/>
+          <p:cNvPr id="12" name="Freeform 2">
+            <a:extLst>
+              <a:ext uri="{FF2B5EF4-FFF2-40B4-BE49-F238E27FC236}">
+                <a16:creationId xmlns:a16="http://schemas.microsoft.com/office/drawing/2014/main" id="{C62A4496-7570-195B-9992-9A66B79D3445}"/>
+              </a:ext>
+            </a:extLst>
+          </p:cNvPr>
           <p:cNvSpPr/>
           <p:nvPr/>
         </p:nvSpPr>
         <p:spPr>
-          <a:xfrm rot="-829265">
-            <a:off x="444917" y="453986"/>
-            <a:ext cx="1224051" cy="1204021"/>
+          <a:xfrm rot="5400000">
+            <a:off x="15922316" y="-872815"/>
+            <a:ext cx="3200642" cy="3193673"/>
           </a:xfrm>
           <a:custGeom>
             <a:avLst/>
@@ -9565,18 +13041,18 @@
             <a:cxnLst/>
             <a:rect l="l" t="t" r="r" b="b"/>
             <a:pathLst>
-              <a:path w="1224051" h="1204021">
+              <a:path w="2226371" h="2183842">
                 <a:moveTo>
                   <a:pt x="0" y="0"/>
                 </a:moveTo>
                 <a:lnTo>
-                  <a:pt x="1224051" y="0"/>
-                </a:lnTo>
-                <a:lnTo>
-                  <a:pt x="1224051" y="1204021"/>
-                </a:lnTo>
-                <a:lnTo>
-                  <a:pt x="0" y="1204021"/>
+                  <a:pt x="2226371" y="0"/>
+                </a:lnTo>
+                <a:lnTo>
+                  <a:pt x="2226371" y="2183843"/>
+                </a:lnTo>
+                <a:lnTo>
+                  <a:pt x="0" y="2183843"/>
                 </a:lnTo>
                 <a:lnTo>
                   <a:pt x="0" y="0"/>
@@ -9606,134 +13082,12 @@
           </a:p>
         </p:txBody>
       </p:sp>
-      <p:sp>
-        <p:nvSpPr>
-          <p:cNvPr id="49" name="TextBox 49"/>
-          <p:cNvSpPr txBox="1"/>
-          <p:nvPr/>
-        </p:nvSpPr>
-        <p:spPr>
-          <a:xfrm>
-            <a:off x="1762406" y="557490"/>
-            <a:ext cx="14763189" cy="1000851"/>
-          </a:xfrm>
-          <a:prstGeom prst="rect">
-            <a:avLst/>
-          </a:prstGeom>
-        </p:spPr>
-        <p:txBody>
-          <a:bodyPr lIns="0" tIns="0" rIns="0" bIns="0" rtlCol="0" anchor="t">
-            <a:spAutoFit/>
-          </a:bodyPr>
-          <a:lstStyle/>
-          <a:p>
-            <a:pPr algn="ctr">
-              <a:lnSpc>
-                <a:spcPts val="8819"/>
-              </a:lnSpc>
-            </a:pPr>
-            <a:r>
-              <a:rPr lang="en-US" sz="6300" dirty="0">
-                <a:solidFill>
-                  <a:srgbClr val="222366"/>
-                </a:solidFill>
-                <a:latin typeface="Brick Sans"/>
-              </a:rPr>
-              <a:t>MODEL FEATURE IMPORTANCES</a:t>
-            </a:r>
-          </a:p>
-        </p:txBody>
-      </p:sp>
-      <p:sp>
-        <p:nvSpPr>
-          <p:cNvPr id="54" name="Freeform 54"/>
-          <p:cNvSpPr/>
-          <p:nvPr/>
-        </p:nvSpPr>
-        <p:spPr>
-          <a:xfrm rot="814863">
-            <a:off x="16482498" y="684374"/>
-            <a:ext cx="1224051" cy="1204021"/>
-          </a:xfrm>
-          <a:custGeom>
-            <a:avLst/>
-            <a:gdLst/>
-            <a:ahLst/>
-            <a:cxnLst/>
-            <a:rect l="l" t="t" r="r" b="b"/>
-            <a:pathLst>
-              <a:path w="1224051" h="1204021">
-                <a:moveTo>
-                  <a:pt x="0" y="0"/>
-                </a:moveTo>
-                <a:lnTo>
-                  <a:pt x="1224051" y="0"/>
-                </a:lnTo>
-                <a:lnTo>
-                  <a:pt x="1224051" y="1204020"/>
-                </a:lnTo>
-                <a:lnTo>
-                  <a:pt x="0" y="1204020"/>
-                </a:lnTo>
-                <a:lnTo>
-                  <a:pt x="0" y="0"/>
-                </a:lnTo>
-                <a:close/>
-              </a:path>
-            </a:pathLst>
-          </a:custGeom>
-          <a:blipFill>
-            <a:blip r:embed="rId5">
-              <a:extLst>
-                <a:ext uri="{96DAC541-7B7A-43D3-8B79-37D633B846F1}">
-                  <asvg:svgBlip xmlns:asvg="http://schemas.microsoft.com/office/drawing/2016/SVG/main" r:embed="rId6"/>
-                </a:ext>
-              </a:extLst>
-            </a:blip>
-            <a:stretch>
-              <a:fillRect/>
-            </a:stretch>
-          </a:blipFill>
-        </p:spPr>
-        <p:txBody>
-          <a:bodyPr/>
-          <a:lstStyle/>
-          <a:p>
-            <a:endParaRPr lang="en-US"/>
-          </a:p>
-        </p:txBody>
-      </p:sp>
-      <p:pic>
-        <p:nvPicPr>
-          <p:cNvPr id="56" name="Picture 55">
-            <a:extLst>
-              <a:ext uri="{FF2B5EF4-FFF2-40B4-BE49-F238E27FC236}">
-                <a16:creationId xmlns:a16="http://schemas.microsoft.com/office/drawing/2014/main" id="{2106F3B5-C8ED-B94E-A524-9CFA2FA4700D}"/>
-              </a:ext>
-            </a:extLst>
-          </p:cNvPr>
-          <p:cNvPicPr>
-            <a:picLocks noChangeAspect="1"/>
-          </p:cNvPicPr>
-          <p:nvPr/>
-        </p:nvPicPr>
-        <p:blipFill>
-          <a:blip r:embed="rId7"/>
-          <a:stretch>
-            <a:fillRect/>
-          </a:stretch>
-        </p:blipFill>
-        <p:spPr>
-          <a:xfrm>
-            <a:off x="2743200" y="1764197"/>
-            <a:ext cx="13432683" cy="7965313"/>
-          </a:xfrm>
-          <a:prstGeom prst="rect">
-            <a:avLst/>
-          </a:prstGeom>
-        </p:spPr>
-      </p:pic>
     </p:spTree>
+    <p:extLst>
+      <p:ext uri="{BB962C8B-B14F-4D97-AF65-F5344CB8AC3E}">
+        <p14:creationId xmlns:p14="http://schemas.microsoft.com/office/powerpoint/2010/main" val="3327471935"/>
+      </p:ext>
+    </p:extLst>
   </p:cSld>
   <p:clrMapOvr>
     <a:masterClrMapping/>
@@ -9741,17 +13095,9 @@
 </p:sld>
 </file>
 
-<file path=ppt/slides/slide5.xml><?xml version="1.0" encoding="utf-8"?>
+<file path=ppt/slides/slide7.xml><?xml version="1.0" encoding="utf-8"?>
 <p:sld xmlns:a="http://schemas.openxmlformats.org/drawingml/2006/main" xmlns:r="http://schemas.openxmlformats.org/officeDocument/2006/relationships" xmlns:p="http://schemas.openxmlformats.org/presentationml/2006/main">
   <p:cSld>
-    <p:bg>
-      <p:bgPr>
-        <a:solidFill>
-          <a:srgbClr val="FAF3F3"/>
-        </a:solidFill>
-        <a:effectLst/>
-      </p:bgPr>
-    </p:bg>
     <p:spTree>
       <p:nvGrpSpPr>
         <p:cNvPr id="1" name=""/>
@@ -11317,7 +14663,7 @@
         </p:nvSpPr>
         <p:spPr>
           <a:xfrm>
-            <a:off x="921119" y="7307247"/>
+            <a:off x="921119" y="7169175"/>
             <a:ext cx="4592262" cy="2393925"/>
           </a:xfrm>
           <a:prstGeom prst="rect">
@@ -11833,17 +15179,9 @@
 </p:sld>
 </file>
 
-<file path=ppt/slides/slide6.xml><?xml version="1.0" encoding="utf-8"?>
+<file path=ppt/slides/slide8.xml><?xml version="1.0" encoding="utf-8"?>
 <p:sld xmlns:a="http://schemas.openxmlformats.org/drawingml/2006/main" xmlns:r="http://schemas.openxmlformats.org/officeDocument/2006/relationships" xmlns:p="http://schemas.openxmlformats.org/presentationml/2006/main">
   <p:cSld>
-    <p:bg>
-      <p:bgPr>
-        <a:solidFill>
-          <a:srgbClr val="FAF3F3"/>
-        </a:solidFill>
-        <a:effectLst/>
-      </p:bgPr>
-    </p:bg>
     <p:spTree>
       <p:nvGrpSpPr>
         <p:cNvPr id="1" name=""/>
@@ -12353,17 +15691,9 @@
 </p:sld>
 </file>
 
-<file path=ppt/slides/slide7.xml><?xml version="1.0" encoding="utf-8"?>
+<file path=ppt/slides/slide9.xml><?xml version="1.0" encoding="utf-8"?>
 <p:sld xmlns:a="http://schemas.openxmlformats.org/drawingml/2006/main" xmlns:r="http://schemas.openxmlformats.org/officeDocument/2006/relationships" xmlns:p="http://schemas.openxmlformats.org/presentationml/2006/main">
   <p:cSld>
-    <p:bg>
-      <p:bgPr>
-        <a:solidFill>
-          <a:srgbClr val="FAF3F3"/>
-        </a:solidFill>
-        <a:effectLst/>
-      </p:bgPr>
-    </p:bg>
     <p:spTree>
       <p:nvGrpSpPr>
         <p:cNvPr id="1" name=""/>
@@ -12380,336 +15710,14 @@
       </p:grpSpPr>
       <p:sp>
         <p:nvSpPr>
-          <p:cNvPr id="2" name="TextBox 2"/>
-          <p:cNvSpPr txBox="1"/>
+          <p:cNvPr id="2" name="Freeform 2"/>
+          <p:cNvSpPr/>
           <p:nvPr/>
         </p:nvSpPr>
         <p:spPr>
           <a:xfrm>
-            <a:off x="1762406" y="271740"/>
-            <a:ext cx="14763189" cy="1144905"/>
-          </a:xfrm>
-          <a:prstGeom prst="rect">
-            <a:avLst/>
-          </a:prstGeom>
-        </p:spPr>
-        <p:txBody>
-          <a:bodyPr lIns="0" tIns="0" rIns="0" bIns="0" rtlCol="0" anchor="t">
-            <a:spAutoFit/>
-          </a:bodyPr>
-          <a:lstStyle/>
-          <a:p>
-            <a:pPr algn="ctr">
-              <a:lnSpc>
-                <a:spcPts val="8819"/>
-              </a:lnSpc>
-            </a:pPr>
-            <a:r>
-              <a:rPr lang="en-US" sz="6300">
-                <a:solidFill>
-                  <a:srgbClr val="222366"/>
-                </a:solidFill>
-                <a:latin typeface="Brick Sans"/>
-              </a:rPr>
-              <a:t>Model Results &amp; Evaluation</a:t>
-            </a:r>
-          </a:p>
-        </p:txBody>
-      </p:sp>
-      <p:grpSp>
-        <p:nvGrpSpPr>
-          <p:cNvPr id="3" name="Group 3"/>
-          <p:cNvGrpSpPr/>
-          <p:nvPr/>
-        </p:nvGrpSpPr>
-        <p:grpSpPr>
-          <a:xfrm>
-            <a:off x="3857906" y="1657322"/>
-            <a:ext cx="3821545" cy="687269"/>
-            <a:chOff x="0" y="0"/>
-            <a:chExt cx="2121149" cy="381469"/>
-          </a:xfrm>
-        </p:grpSpPr>
-        <p:sp>
-          <p:nvSpPr>
-            <p:cNvPr id="4" name="Freeform 4"/>
-            <p:cNvSpPr/>
-            <p:nvPr/>
-          </p:nvSpPr>
-          <p:spPr>
-            <a:xfrm>
-              <a:off x="0" y="0"/>
-              <a:ext cx="2121149" cy="381469"/>
-            </a:xfrm>
-            <a:custGeom>
-              <a:avLst/>
-              <a:gdLst/>
-              <a:ahLst/>
-              <a:cxnLst/>
-              <a:rect l="l" t="t" r="r" b="b"/>
-              <a:pathLst>
-                <a:path w="2121149" h="381469">
-                  <a:moveTo>
-                    <a:pt x="1917949" y="0"/>
-                  </a:moveTo>
-                  <a:cubicBezTo>
-                    <a:pt x="2030174" y="0"/>
-                    <a:pt x="2121149" y="85395"/>
-                    <a:pt x="2121149" y="190734"/>
-                  </a:cubicBezTo>
-                  <a:cubicBezTo>
-                    <a:pt x="2121149" y="296074"/>
-                    <a:pt x="2030174" y="381469"/>
-                    <a:pt x="1917949" y="381469"/>
-                  </a:cubicBezTo>
-                  <a:lnTo>
-                    <a:pt x="203200" y="381469"/>
-                  </a:lnTo>
-                  <a:cubicBezTo>
-                    <a:pt x="90976" y="381469"/>
-                    <a:pt x="0" y="296074"/>
-                    <a:pt x="0" y="190734"/>
-                  </a:cubicBezTo>
-                  <a:cubicBezTo>
-                    <a:pt x="0" y="85395"/>
-                    <a:pt x="90976" y="0"/>
-                    <a:pt x="203200" y="0"/>
-                  </a:cubicBezTo>
-                  <a:close/>
-                </a:path>
-              </a:pathLst>
-            </a:custGeom>
-            <a:solidFill>
-              <a:srgbClr val="BDD2EA"/>
-            </a:solidFill>
-          </p:spPr>
-          <p:txBody>
-            <a:bodyPr/>
-            <a:lstStyle/>
-            <a:p>
-              <a:endParaRPr lang="en-US"/>
-            </a:p>
-          </p:txBody>
-        </p:sp>
-        <p:sp>
-          <p:nvSpPr>
-            <p:cNvPr id="5" name="TextBox 5"/>
-            <p:cNvSpPr txBox="1"/>
-            <p:nvPr/>
-          </p:nvSpPr>
-          <p:spPr>
-            <a:xfrm>
-              <a:off x="0" y="-38100"/>
-              <a:ext cx="2121149" cy="419569"/>
-            </a:xfrm>
-            <a:prstGeom prst="rect">
-              <a:avLst/>
-            </a:prstGeom>
-          </p:spPr>
-          <p:txBody>
-            <a:bodyPr lIns="50800" tIns="50800" rIns="50800" bIns="50800" rtlCol="0" anchor="ctr"/>
-            <a:lstStyle/>
-            <a:p>
-              <a:pPr algn="ctr">
-                <a:lnSpc>
-                  <a:spcPts val="2659"/>
-                </a:lnSpc>
-              </a:pPr>
-              <a:endParaRPr/>
-            </a:p>
-          </p:txBody>
-        </p:sp>
-      </p:grpSp>
-      <p:sp>
-        <p:nvSpPr>
-          <p:cNvPr id="6" name="TextBox 6"/>
-          <p:cNvSpPr txBox="1"/>
-          <p:nvPr/>
-        </p:nvSpPr>
-        <p:spPr>
-          <a:xfrm>
-            <a:off x="3962577" y="1679088"/>
-            <a:ext cx="3598497" cy="532150"/>
-          </a:xfrm>
-          <a:prstGeom prst="rect">
-            <a:avLst/>
-          </a:prstGeom>
-        </p:spPr>
-        <p:txBody>
-          <a:bodyPr lIns="0" tIns="0" rIns="0" bIns="0" rtlCol="0" anchor="t">
-            <a:spAutoFit/>
-          </a:bodyPr>
-          <a:lstStyle/>
-          <a:p>
-            <a:pPr algn="ctr">
-              <a:lnSpc>
-                <a:spcPts val="4213"/>
-              </a:lnSpc>
-            </a:pPr>
-            <a:r>
-              <a:rPr lang="en-US" sz="3009">
-                <a:solidFill>
-                  <a:srgbClr val="222366"/>
-                </a:solidFill>
-                <a:latin typeface="Public Sans Bold"/>
-              </a:rPr>
-              <a:t>Decision Tree</a:t>
-            </a:r>
-          </a:p>
-        </p:txBody>
-      </p:sp>
-      <p:grpSp>
-        <p:nvGrpSpPr>
-          <p:cNvPr id="7" name="Group 7"/>
-          <p:cNvGrpSpPr/>
-          <p:nvPr/>
-        </p:nvGrpSpPr>
-        <p:grpSpPr>
-          <a:xfrm>
-            <a:off x="3857906" y="6005437"/>
-            <a:ext cx="3821545" cy="687269"/>
-            <a:chOff x="0" y="0"/>
-            <a:chExt cx="2121149" cy="381469"/>
-          </a:xfrm>
-        </p:grpSpPr>
-        <p:sp>
-          <p:nvSpPr>
-            <p:cNvPr id="8" name="Freeform 8"/>
-            <p:cNvSpPr/>
-            <p:nvPr/>
-          </p:nvSpPr>
-          <p:spPr>
-            <a:xfrm>
-              <a:off x="0" y="0"/>
-              <a:ext cx="2121149" cy="381469"/>
-            </a:xfrm>
-            <a:custGeom>
-              <a:avLst/>
-              <a:gdLst/>
-              <a:ahLst/>
-              <a:cxnLst/>
-              <a:rect l="l" t="t" r="r" b="b"/>
-              <a:pathLst>
-                <a:path w="2121149" h="381469">
-                  <a:moveTo>
-                    <a:pt x="1917949" y="0"/>
-                  </a:moveTo>
-                  <a:cubicBezTo>
-                    <a:pt x="2030174" y="0"/>
-                    <a:pt x="2121149" y="85395"/>
-                    <a:pt x="2121149" y="190734"/>
-                  </a:cubicBezTo>
-                  <a:cubicBezTo>
-                    <a:pt x="2121149" y="296074"/>
-                    <a:pt x="2030174" y="381469"/>
-                    <a:pt x="1917949" y="381469"/>
-                  </a:cubicBezTo>
-                  <a:lnTo>
-                    <a:pt x="203200" y="381469"/>
-                  </a:lnTo>
-                  <a:cubicBezTo>
-                    <a:pt x="90976" y="381469"/>
-                    <a:pt x="0" y="296074"/>
-                    <a:pt x="0" y="190734"/>
-                  </a:cubicBezTo>
-                  <a:cubicBezTo>
-                    <a:pt x="0" y="85395"/>
-                    <a:pt x="90976" y="0"/>
-                    <a:pt x="203200" y="0"/>
-                  </a:cubicBezTo>
-                  <a:close/>
-                </a:path>
-              </a:pathLst>
-            </a:custGeom>
-            <a:solidFill>
-              <a:srgbClr val="BDD2EA"/>
-            </a:solidFill>
-          </p:spPr>
-          <p:txBody>
-            <a:bodyPr/>
-            <a:lstStyle/>
-            <a:p>
-              <a:endParaRPr lang="en-US"/>
-            </a:p>
-          </p:txBody>
-        </p:sp>
-        <p:sp>
-          <p:nvSpPr>
-            <p:cNvPr id="9" name="TextBox 9"/>
-            <p:cNvSpPr txBox="1"/>
-            <p:nvPr/>
-          </p:nvSpPr>
-          <p:spPr>
-            <a:xfrm>
-              <a:off x="0" y="-38100"/>
-              <a:ext cx="2121149" cy="419569"/>
-            </a:xfrm>
-            <a:prstGeom prst="rect">
-              <a:avLst/>
-            </a:prstGeom>
-          </p:spPr>
-          <p:txBody>
-            <a:bodyPr lIns="50800" tIns="50800" rIns="50800" bIns="50800" rtlCol="0" anchor="ctr"/>
-            <a:lstStyle/>
-            <a:p>
-              <a:pPr algn="ctr">
-                <a:lnSpc>
-                  <a:spcPts val="2659"/>
-                </a:lnSpc>
-              </a:pPr>
-              <a:endParaRPr/>
-            </a:p>
-          </p:txBody>
-        </p:sp>
-      </p:grpSp>
-      <p:sp>
-        <p:nvSpPr>
-          <p:cNvPr id="10" name="TextBox 10"/>
-          <p:cNvSpPr txBox="1"/>
-          <p:nvPr/>
-        </p:nvSpPr>
-        <p:spPr>
-          <a:xfrm>
-            <a:off x="3962577" y="6093879"/>
-            <a:ext cx="3598497" cy="415043"/>
-          </a:xfrm>
-          <a:prstGeom prst="rect">
-            <a:avLst/>
-          </a:prstGeom>
-        </p:spPr>
-        <p:txBody>
-          <a:bodyPr lIns="0" tIns="0" rIns="0" bIns="0" rtlCol="0" anchor="t">
-            <a:spAutoFit/>
-          </a:bodyPr>
-          <a:lstStyle/>
-          <a:p>
-            <a:pPr algn="ctr">
-              <a:lnSpc>
-                <a:spcPts val="3373"/>
-              </a:lnSpc>
-            </a:pPr>
-            <a:r>
-              <a:rPr lang="en-US" sz="2409">
-                <a:solidFill>
-                  <a:srgbClr val="222366"/>
-                </a:solidFill>
-                <a:latin typeface="Public Sans Bold"/>
-              </a:rPr>
-              <a:t>Support Vector Machine</a:t>
-            </a:r>
-          </a:p>
-        </p:txBody>
-      </p:sp>
-      <p:sp>
-        <p:nvSpPr>
-          <p:cNvPr id="11" name="Freeform 11"/>
-          <p:cNvSpPr/>
-          <p:nvPr/>
-        </p:nvSpPr>
-        <p:spPr>
-          <a:xfrm>
-            <a:off x="3975437" y="2426872"/>
-            <a:ext cx="10394613" cy="3412898"/>
+            <a:off x="-1305252" y="8670689"/>
+            <a:ext cx="2226371" cy="2183842"/>
           </a:xfrm>
           <a:custGeom>
             <a:avLst/>
@@ -12718,18 +15726,18 @@
             <a:cxnLst/>
             <a:rect l="l" t="t" r="r" b="b"/>
             <a:pathLst>
-              <a:path w="10394613" h="3412898">
+              <a:path w="2226371" h="2183842">
                 <a:moveTo>
                   <a:pt x="0" y="0"/>
                 </a:moveTo>
                 <a:lnTo>
-                  <a:pt x="10394613" y="0"/>
-                </a:lnTo>
-                <a:lnTo>
-                  <a:pt x="10394613" y="3412898"/>
-                </a:lnTo>
-                <a:lnTo>
-                  <a:pt x="0" y="3412898"/>
+                  <a:pt x="2226371" y="0"/>
+                </a:lnTo>
+                <a:lnTo>
+                  <a:pt x="2226371" y="2183843"/>
+                </a:lnTo>
+                <a:lnTo>
+                  <a:pt x="0" y="2183843"/>
                 </a:lnTo>
                 <a:lnTo>
                   <a:pt x="0" y="0"/>
@@ -12739,116 +15747,10 @@
             </a:pathLst>
           </a:custGeom>
           <a:blipFill>
-            <a:blip r:embed="rId2"/>
-            <a:stretch>
-              <a:fillRect/>
-            </a:stretch>
-          </a:blipFill>
-        </p:spPr>
-        <p:txBody>
-          <a:bodyPr/>
-          <a:lstStyle/>
-          <a:p>
-            <a:endParaRPr lang="en-US"/>
-          </a:p>
-        </p:txBody>
-      </p:sp>
-      <p:sp>
-        <p:nvSpPr>
-          <p:cNvPr id="12" name="Freeform 12"/>
-          <p:cNvSpPr/>
-          <p:nvPr/>
-        </p:nvSpPr>
-        <p:spPr>
-          <a:xfrm>
-            <a:off x="4004012" y="6835582"/>
-            <a:ext cx="10394613" cy="3356594"/>
-          </a:xfrm>
-          <a:custGeom>
-            <a:avLst/>
-            <a:gdLst/>
-            <a:ahLst/>
-            <a:cxnLst/>
-            <a:rect l="l" t="t" r="r" b="b"/>
-            <a:pathLst>
-              <a:path w="10394613" h="3356594">
-                <a:moveTo>
-                  <a:pt x="0" y="0"/>
-                </a:moveTo>
-                <a:lnTo>
-                  <a:pt x="10394613" y="0"/>
-                </a:lnTo>
-                <a:lnTo>
-                  <a:pt x="10394613" y="3356593"/>
-                </a:lnTo>
-                <a:lnTo>
-                  <a:pt x="0" y="3356593"/>
-                </a:lnTo>
-                <a:lnTo>
-                  <a:pt x="0" y="0"/>
-                </a:lnTo>
-                <a:close/>
-              </a:path>
-            </a:pathLst>
-          </a:custGeom>
-          <a:blipFill>
-            <a:blip r:embed="rId3"/>
-            <a:stretch>
-              <a:fillRect/>
-            </a:stretch>
-          </a:blipFill>
-        </p:spPr>
-        <p:txBody>
-          <a:bodyPr/>
-          <a:lstStyle/>
-          <a:p>
-            <a:endParaRPr lang="en-US"/>
-          </a:p>
-        </p:txBody>
-      </p:sp>
-      <p:sp>
-        <p:nvSpPr>
-          <p:cNvPr id="13" name="Freeform 13"/>
-          <p:cNvSpPr/>
-          <p:nvPr/>
-        </p:nvSpPr>
-        <p:spPr>
-          <a:xfrm>
-            <a:off x="1028700" y="8189346"/>
-            <a:ext cx="2168627" cy="2097654"/>
-          </a:xfrm>
-          <a:custGeom>
-            <a:avLst/>
-            <a:gdLst/>
-            <a:ahLst/>
-            <a:cxnLst/>
-            <a:rect l="l" t="t" r="r" b="b"/>
-            <a:pathLst>
-              <a:path w="2168627" h="2097654">
-                <a:moveTo>
-                  <a:pt x="0" y="0"/>
-                </a:moveTo>
-                <a:lnTo>
-                  <a:pt x="2168627" y="0"/>
-                </a:lnTo>
-                <a:lnTo>
-                  <a:pt x="2168627" y="2097654"/>
-                </a:lnTo>
-                <a:lnTo>
-                  <a:pt x="0" y="2097654"/>
-                </a:lnTo>
-                <a:lnTo>
-                  <a:pt x="0" y="0"/>
-                </a:lnTo>
-                <a:close/>
-              </a:path>
-            </a:pathLst>
-          </a:custGeom>
-          <a:blipFill>
-            <a:blip r:embed="rId4">
+            <a:blip r:embed="rId3">
               <a:extLst>
                 <a:ext uri="{96DAC541-7B7A-43D3-8B79-37D633B846F1}">
-                  <asvg:svgBlip xmlns:asvg="http://schemas.microsoft.com/office/drawing/2016/SVG/main" r:embed="rId5"/>
+                  <asvg:svgBlip xmlns:asvg="http://schemas.microsoft.com/office/drawing/2016/SVG/main" r:embed="rId4"/>
                 </a:ext>
               </a:extLst>
             </a:blip>
@@ -12865,257 +15767,16 @@
           </a:p>
         </p:txBody>
       </p:sp>
-    </p:spTree>
-  </p:cSld>
-  <p:clrMapOvr>
-    <a:masterClrMapping/>
-  </p:clrMapOvr>
-</p:sld>
-</file>
-
-<file path=ppt/slides/slide8.xml><?xml version="1.0" encoding="utf-8"?>
-<p:sld xmlns:a="http://schemas.openxmlformats.org/drawingml/2006/main" xmlns:r="http://schemas.openxmlformats.org/officeDocument/2006/relationships" xmlns:p="http://schemas.openxmlformats.org/presentationml/2006/main">
-  <p:cSld>
-    <p:bg>
-      <p:bgPr>
-        <a:solidFill>
-          <a:srgbClr val="FAF3F3"/>
-        </a:solidFill>
-        <a:effectLst/>
-      </p:bgPr>
-    </p:bg>
-    <p:spTree>
-      <p:nvGrpSpPr>
-        <p:cNvPr id="1" name=""/>
-        <p:cNvGrpSpPr/>
-        <p:nvPr/>
-      </p:nvGrpSpPr>
-      <p:grpSpPr>
-        <a:xfrm>
-          <a:off x="0" y="0"/>
-          <a:ext cx="0" cy="0"/>
-          <a:chOff x="0" y="0"/>
-          <a:chExt cx="0" cy="0"/>
-        </a:xfrm>
-      </p:grpSpPr>
-      <p:grpSp>
-        <p:nvGrpSpPr>
-          <p:cNvPr id="2" name="Group 2"/>
-          <p:cNvGrpSpPr/>
-          <p:nvPr/>
-        </p:nvGrpSpPr>
-        <p:grpSpPr>
-          <a:xfrm>
-            <a:off x="3857906" y="1657322"/>
-            <a:ext cx="3821545" cy="687269"/>
-            <a:chOff x="0" y="0"/>
-            <a:chExt cx="2121149" cy="381469"/>
-          </a:xfrm>
-        </p:grpSpPr>
-        <p:sp>
-          <p:nvSpPr>
-            <p:cNvPr id="3" name="Freeform 3"/>
-            <p:cNvSpPr/>
-            <p:nvPr/>
-          </p:nvSpPr>
-          <p:spPr>
-            <a:xfrm>
-              <a:off x="0" y="0"/>
-              <a:ext cx="2121149" cy="381469"/>
-            </a:xfrm>
-            <a:custGeom>
-              <a:avLst/>
-              <a:gdLst/>
-              <a:ahLst/>
-              <a:cxnLst/>
-              <a:rect l="l" t="t" r="r" b="b"/>
-              <a:pathLst>
-                <a:path w="2121149" h="381469">
-                  <a:moveTo>
-                    <a:pt x="1917949" y="0"/>
-                  </a:moveTo>
-                  <a:cubicBezTo>
-                    <a:pt x="2030174" y="0"/>
-                    <a:pt x="2121149" y="85395"/>
-                    <a:pt x="2121149" y="190734"/>
-                  </a:cubicBezTo>
-                  <a:cubicBezTo>
-                    <a:pt x="2121149" y="296074"/>
-                    <a:pt x="2030174" y="381469"/>
-                    <a:pt x="1917949" y="381469"/>
-                  </a:cubicBezTo>
-                  <a:lnTo>
-                    <a:pt x="203200" y="381469"/>
-                  </a:lnTo>
-                  <a:cubicBezTo>
-                    <a:pt x="90976" y="381469"/>
-                    <a:pt x="0" y="296074"/>
-                    <a:pt x="0" y="190734"/>
-                  </a:cubicBezTo>
-                  <a:cubicBezTo>
-                    <a:pt x="0" y="85395"/>
-                    <a:pt x="90976" y="0"/>
-                    <a:pt x="203200" y="0"/>
-                  </a:cubicBezTo>
-                  <a:close/>
-                </a:path>
-              </a:pathLst>
-            </a:custGeom>
-            <a:solidFill>
-              <a:srgbClr val="BDD2EA"/>
-            </a:solidFill>
-          </p:spPr>
-          <p:txBody>
-            <a:bodyPr/>
-            <a:lstStyle/>
-            <a:p>
-              <a:endParaRPr lang="en-US"/>
-            </a:p>
-          </p:txBody>
-        </p:sp>
-        <p:sp>
-          <p:nvSpPr>
-            <p:cNvPr id="4" name="TextBox 4"/>
-            <p:cNvSpPr txBox="1"/>
-            <p:nvPr/>
-          </p:nvSpPr>
-          <p:spPr>
-            <a:xfrm>
-              <a:off x="0" y="-38100"/>
-              <a:ext cx="2121149" cy="419569"/>
-            </a:xfrm>
-            <a:prstGeom prst="rect">
-              <a:avLst/>
-            </a:prstGeom>
-          </p:spPr>
-          <p:txBody>
-            <a:bodyPr lIns="50800" tIns="50800" rIns="50800" bIns="50800" rtlCol="0" anchor="ctr"/>
-            <a:lstStyle/>
-            <a:p>
-              <a:pPr algn="ctr">
-                <a:lnSpc>
-                  <a:spcPts val="2659"/>
-                </a:lnSpc>
-              </a:pPr>
-              <a:endParaRPr/>
-            </a:p>
-          </p:txBody>
-        </p:sp>
-      </p:grpSp>
-      <p:grpSp>
-        <p:nvGrpSpPr>
-          <p:cNvPr id="5" name="Group 5"/>
-          <p:cNvGrpSpPr/>
-          <p:nvPr/>
-        </p:nvGrpSpPr>
-        <p:grpSpPr>
-          <a:xfrm>
-            <a:off x="3857906" y="6005437"/>
-            <a:ext cx="3821545" cy="687269"/>
-            <a:chOff x="0" y="0"/>
-            <a:chExt cx="2121149" cy="381469"/>
-          </a:xfrm>
-        </p:grpSpPr>
-        <p:sp>
-          <p:nvSpPr>
-            <p:cNvPr id="6" name="Freeform 6"/>
-            <p:cNvSpPr/>
-            <p:nvPr/>
-          </p:nvSpPr>
-          <p:spPr>
-            <a:xfrm>
-              <a:off x="0" y="0"/>
-              <a:ext cx="2121149" cy="381469"/>
-            </a:xfrm>
-            <a:custGeom>
-              <a:avLst/>
-              <a:gdLst/>
-              <a:ahLst/>
-              <a:cxnLst/>
-              <a:rect l="l" t="t" r="r" b="b"/>
-              <a:pathLst>
-                <a:path w="2121149" h="381469">
-                  <a:moveTo>
-                    <a:pt x="1917949" y="0"/>
-                  </a:moveTo>
-                  <a:cubicBezTo>
-                    <a:pt x="2030174" y="0"/>
-                    <a:pt x="2121149" y="85395"/>
-                    <a:pt x="2121149" y="190734"/>
-                  </a:cubicBezTo>
-                  <a:cubicBezTo>
-                    <a:pt x="2121149" y="296074"/>
-                    <a:pt x="2030174" y="381469"/>
-                    <a:pt x="1917949" y="381469"/>
-                  </a:cubicBezTo>
-                  <a:lnTo>
-                    <a:pt x="203200" y="381469"/>
-                  </a:lnTo>
-                  <a:cubicBezTo>
-                    <a:pt x="90976" y="381469"/>
-                    <a:pt x="0" y="296074"/>
-                    <a:pt x="0" y="190734"/>
-                  </a:cubicBezTo>
-                  <a:cubicBezTo>
-                    <a:pt x="0" y="85395"/>
-                    <a:pt x="90976" y="0"/>
-                    <a:pt x="203200" y="0"/>
-                  </a:cubicBezTo>
-                  <a:close/>
-                </a:path>
-              </a:pathLst>
-            </a:custGeom>
-            <a:solidFill>
-              <a:srgbClr val="BDD2EA"/>
-            </a:solidFill>
-          </p:spPr>
-          <p:txBody>
-            <a:bodyPr/>
-            <a:lstStyle/>
-            <a:p>
-              <a:endParaRPr lang="en-US"/>
-            </a:p>
-          </p:txBody>
-        </p:sp>
-        <p:sp>
-          <p:nvSpPr>
-            <p:cNvPr id="7" name="TextBox 7"/>
-            <p:cNvSpPr txBox="1"/>
-            <p:nvPr/>
-          </p:nvSpPr>
-          <p:spPr>
-            <a:xfrm>
-              <a:off x="0" y="-38100"/>
-              <a:ext cx="2121149" cy="419569"/>
-            </a:xfrm>
-            <a:prstGeom prst="rect">
-              <a:avLst/>
-            </a:prstGeom>
-          </p:spPr>
-          <p:txBody>
-            <a:bodyPr lIns="50800" tIns="50800" rIns="50800" bIns="50800" rtlCol="0" anchor="ctr"/>
-            <a:lstStyle/>
-            <a:p>
-              <a:pPr algn="ctr">
-                <a:lnSpc>
-                  <a:spcPts val="2659"/>
-                </a:lnSpc>
-              </a:pPr>
-              <a:endParaRPr/>
-            </a:p>
-          </p:txBody>
-        </p:sp>
-      </p:grpSp>
-      <p:sp>
-        <p:nvSpPr>
-          <p:cNvPr id="8" name="Freeform 8"/>
+      <p:sp>
+        <p:nvSpPr>
+          <p:cNvPr id="40" name="Freeform 40"/>
           <p:cNvSpPr/>
           <p:nvPr/>
         </p:nvSpPr>
         <p:spPr>
-          <a:xfrm>
-            <a:off x="3962577" y="2436397"/>
-            <a:ext cx="10436048" cy="3387367"/>
+          <a:xfrm rot="-829265">
+            <a:off x="444917" y="453986"/>
+            <a:ext cx="1224051" cy="1204021"/>
           </a:xfrm>
           <a:custGeom>
             <a:avLst/>
@@ -13124,177 +15785,18 @@
             <a:cxnLst/>
             <a:rect l="l" t="t" r="r" b="b"/>
             <a:pathLst>
-              <a:path w="10436048" h="3387367">
+              <a:path w="1224051" h="1204021">
                 <a:moveTo>
                   <a:pt x="0" y="0"/>
                 </a:moveTo>
                 <a:lnTo>
-                  <a:pt x="10436048" y="0"/>
-                </a:lnTo>
-                <a:lnTo>
-                  <a:pt x="10436048" y="3387368"/>
-                </a:lnTo>
-                <a:lnTo>
-                  <a:pt x="0" y="3387368"/>
-                </a:lnTo>
-                <a:lnTo>
-                  <a:pt x="0" y="0"/>
-                </a:lnTo>
-                <a:close/>
-              </a:path>
-            </a:pathLst>
-          </a:custGeom>
-          <a:blipFill>
-            <a:blip r:embed="rId2"/>
-            <a:stretch>
-              <a:fillRect/>
-            </a:stretch>
-          </a:blipFill>
-        </p:spPr>
-        <p:txBody>
-          <a:bodyPr/>
-          <a:lstStyle/>
-          <a:p>
-            <a:endParaRPr lang="en-US"/>
-          </a:p>
-        </p:txBody>
-      </p:sp>
-      <p:sp>
-        <p:nvSpPr>
-          <p:cNvPr id="9" name="Freeform 9"/>
-          <p:cNvSpPr/>
-          <p:nvPr/>
-        </p:nvSpPr>
-        <p:spPr>
-          <a:xfrm>
-            <a:off x="7842467" y="6787957"/>
-            <a:ext cx="3370131" cy="3340440"/>
-          </a:xfrm>
-          <a:custGeom>
-            <a:avLst/>
-            <a:gdLst/>
-            <a:ahLst/>
-            <a:cxnLst/>
-            <a:rect l="l" t="t" r="r" b="b"/>
-            <a:pathLst>
-              <a:path w="3370131" h="2112019">
-                <a:moveTo>
-                  <a:pt x="0" y="0"/>
-                </a:moveTo>
-                <a:lnTo>
-                  <a:pt x="3370131" y="0"/>
-                </a:lnTo>
-                <a:lnTo>
-                  <a:pt x="3370131" y="2112018"/>
-                </a:lnTo>
-                <a:lnTo>
-                  <a:pt x="0" y="2112018"/>
-                </a:lnTo>
-                <a:lnTo>
-                  <a:pt x="0" y="0"/>
-                </a:lnTo>
-                <a:close/>
-              </a:path>
-            </a:pathLst>
-          </a:custGeom>
-          <a:blipFill>
-            <a:blip r:embed="rId3"/>
-            <a:stretch>
-              <a:fillRect/>
-            </a:stretch>
-          </a:blipFill>
-        </p:spPr>
-        <p:txBody>
-          <a:bodyPr/>
-          <a:lstStyle/>
-          <a:p>
-            <a:endParaRPr lang="en-US"/>
-          </a:p>
-        </p:txBody>
-      </p:sp>
-      <p:sp>
-        <p:nvSpPr>
-          <p:cNvPr id="10" name="Freeform 10"/>
-          <p:cNvSpPr/>
-          <p:nvPr/>
-        </p:nvSpPr>
-        <p:spPr>
-          <a:xfrm>
-            <a:off x="11212598" y="6787957"/>
-            <a:ext cx="3338918" cy="3340440"/>
-          </a:xfrm>
-          <a:custGeom>
-            <a:avLst/>
-            <a:gdLst/>
-            <a:ahLst/>
-            <a:cxnLst/>
-            <a:rect l="l" t="t" r="r" b="b"/>
-            <a:pathLst>
-              <a:path w="3338918" h="2112019">
-                <a:moveTo>
-                  <a:pt x="0" y="0"/>
-                </a:moveTo>
-                <a:lnTo>
-                  <a:pt x="3338917" y="0"/>
-                </a:lnTo>
-                <a:lnTo>
-                  <a:pt x="3338917" y="2112018"/>
-                </a:lnTo>
-                <a:lnTo>
-                  <a:pt x="0" y="2112018"/>
-                </a:lnTo>
-                <a:lnTo>
-                  <a:pt x="0" y="0"/>
-                </a:lnTo>
-                <a:close/>
-              </a:path>
-            </a:pathLst>
-          </a:custGeom>
-          <a:blipFill>
-            <a:blip r:embed="rId4"/>
-            <a:stretch>
-              <a:fillRect/>
-            </a:stretch>
-          </a:blipFill>
-        </p:spPr>
-        <p:txBody>
-          <a:bodyPr/>
-          <a:lstStyle/>
-          <a:p>
-            <a:endParaRPr lang="en-US"/>
-          </a:p>
-        </p:txBody>
-      </p:sp>
-      <p:sp>
-        <p:nvSpPr>
-          <p:cNvPr id="11" name="Freeform 11"/>
-          <p:cNvSpPr/>
-          <p:nvPr/>
-        </p:nvSpPr>
-        <p:spPr>
-          <a:xfrm>
-            <a:off x="1028700" y="8189346"/>
-            <a:ext cx="2168627" cy="2097654"/>
-          </a:xfrm>
-          <a:custGeom>
-            <a:avLst/>
-            <a:gdLst/>
-            <a:ahLst/>
-            <a:cxnLst/>
-            <a:rect l="l" t="t" r="r" b="b"/>
-            <a:pathLst>
-              <a:path w="2168627" h="2097654">
-                <a:moveTo>
-                  <a:pt x="0" y="0"/>
-                </a:moveTo>
-                <a:lnTo>
-                  <a:pt x="2168627" y="0"/>
-                </a:lnTo>
-                <a:lnTo>
-                  <a:pt x="2168627" y="2097654"/>
-                </a:lnTo>
-                <a:lnTo>
-                  <a:pt x="0" y="2097654"/>
+                  <a:pt x="1224051" y="0"/>
+                </a:lnTo>
+                <a:lnTo>
+                  <a:pt x="1224051" y="1204021"/>
+                </a:lnTo>
+                <a:lnTo>
+                  <a:pt x="0" y="1204021"/>
                 </a:lnTo>
                 <a:lnTo>
                   <a:pt x="0" y="0"/>
@@ -13326,14 +15828,52 @@
       </p:sp>
       <p:sp>
         <p:nvSpPr>
-          <p:cNvPr id="12" name="Freeform 12"/>
+          <p:cNvPr id="49" name="TextBox 49"/>
+          <p:cNvSpPr txBox="1"/>
+          <p:nvPr/>
+        </p:nvSpPr>
+        <p:spPr>
+          <a:xfrm>
+            <a:off x="1762406" y="557490"/>
+            <a:ext cx="14763189" cy="1000851"/>
+          </a:xfrm>
+          <a:prstGeom prst="rect">
+            <a:avLst/>
+          </a:prstGeom>
+        </p:spPr>
+        <p:txBody>
+          <a:bodyPr lIns="0" tIns="0" rIns="0" bIns="0" rtlCol="0" anchor="t">
+            <a:spAutoFit/>
+          </a:bodyPr>
+          <a:lstStyle/>
+          <a:p>
+            <a:pPr algn="ctr">
+              <a:lnSpc>
+                <a:spcPts val="8819"/>
+              </a:lnSpc>
+            </a:pPr>
+            <a:r>
+              <a:rPr lang="en-US" sz="6300" dirty="0">
+                <a:solidFill>
+                  <a:srgbClr val="222366"/>
+                </a:solidFill>
+                <a:latin typeface="Brick Sans"/>
+              </a:rPr>
+              <a:t>Model Feature Importances</a:t>
+            </a:r>
+          </a:p>
+        </p:txBody>
+      </p:sp>
+      <p:sp>
+        <p:nvSpPr>
+          <p:cNvPr id="54" name="Freeform 54"/>
           <p:cNvSpPr/>
           <p:nvPr/>
         </p:nvSpPr>
         <p:spPr>
-          <a:xfrm>
-            <a:off x="3962577" y="6787957"/>
-            <a:ext cx="3879890" cy="3340440"/>
+          <a:xfrm rot="814863">
+            <a:off x="16634897" y="469784"/>
+            <a:ext cx="1224051" cy="1204021"/>
           </a:xfrm>
           <a:custGeom>
             <a:avLst/>
@@ -13342,18 +15882,18 @@
             <a:cxnLst/>
             <a:rect l="l" t="t" r="r" b="b"/>
             <a:pathLst>
-              <a:path w="3879890" h="3340440">
+              <a:path w="1224051" h="1204021">
                 <a:moveTo>
                   <a:pt x="0" y="0"/>
                 </a:moveTo>
                 <a:lnTo>
-                  <a:pt x="3879890" y="0"/>
-                </a:lnTo>
-                <a:lnTo>
-                  <a:pt x="3879890" y="3340440"/>
-                </a:lnTo>
-                <a:lnTo>
-                  <a:pt x="0" y="3340440"/>
+                  <a:pt x="1224051" y="0"/>
+                </a:lnTo>
+                <a:lnTo>
+                  <a:pt x="1224051" y="1204020"/>
+                </a:lnTo>
+                <a:lnTo>
+                  <a:pt x="0" y="1204020"/>
                 </a:lnTo>
                 <a:lnTo>
                   <a:pt x="0" y="0"/>
@@ -13363,210 +15903,10 @@
             </a:pathLst>
           </a:custGeom>
           <a:blipFill>
-            <a:blip r:embed="rId7"/>
-            <a:stretch>
-              <a:fillRect l="-82837" t="-38684" r="-60484" b="-11602"/>
-            </a:stretch>
-          </a:blipFill>
-        </p:spPr>
-        <p:txBody>
-          <a:bodyPr/>
-          <a:lstStyle/>
-          <a:p>
-            <a:endParaRPr lang="en-US"/>
-          </a:p>
-        </p:txBody>
-      </p:sp>
-      <p:sp>
-        <p:nvSpPr>
-          <p:cNvPr id="13" name="TextBox 13"/>
-          <p:cNvSpPr txBox="1"/>
-          <p:nvPr/>
-        </p:nvSpPr>
-        <p:spPr>
-          <a:xfrm>
-            <a:off x="1771931" y="271740"/>
-            <a:ext cx="14763189" cy="1144905"/>
-          </a:xfrm>
-          <a:prstGeom prst="rect">
-            <a:avLst/>
-          </a:prstGeom>
-        </p:spPr>
-        <p:txBody>
-          <a:bodyPr lIns="0" tIns="0" rIns="0" bIns="0" rtlCol="0" anchor="t">
-            <a:spAutoFit/>
-          </a:bodyPr>
-          <a:lstStyle/>
-          <a:p>
-            <a:pPr algn="ctr">
-              <a:lnSpc>
-                <a:spcPts val="8819"/>
-              </a:lnSpc>
-            </a:pPr>
-            <a:r>
-              <a:rPr lang="en-US" sz="6300">
-                <a:solidFill>
-                  <a:srgbClr val="222366"/>
-                </a:solidFill>
-                <a:latin typeface="Brick Sans"/>
-              </a:rPr>
-              <a:t>Model Results &amp; Evaluation</a:t>
-            </a:r>
-          </a:p>
-        </p:txBody>
-      </p:sp>
-      <p:sp>
-        <p:nvSpPr>
-          <p:cNvPr id="14" name="TextBox 14"/>
-          <p:cNvSpPr txBox="1"/>
-          <p:nvPr/>
-        </p:nvSpPr>
-        <p:spPr>
-          <a:xfrm>
-            <a:off x="3962577" y="1707663"/>
-            <a:ext cx="3598497" cy="457588"/>
-          </a:xfrm>
-          <a:prstGeom prst="rect">
-            <a:avLst/>
-          </a:prstGeom>
-        </p:spPr>
-        <p:txBody>
-          <a:bodyPr lIns="0" tIns="0" rIns="0" bIns="0" rtlCol="0" anchor="t">
-            <a:spAutoFit/>
-          </a:bodyPr>
-          <a:lstStyle/>
-          <a:p>
-            <a:pPr algn="ctr">
-              <a:lnSpc>
-                <a:spcPts val="3653"/>
-              </a:lnSpc>
-            </a:pPr>
-            <a:r>
-              <a:rPr lang="en-US" sz="2609">
-                <a:solidFill>
-                  <a:srgbClr val="222366"/>
-                </a:solidFill>
-                <a:latin typeface="Public Sans Bold"/>
-              </a:rPr>
-              <a:t>K-Nearest Neighbors</a:t>
-            </a:r>
-          </a:p>
-        </p:txBody>
-      </p:sp>
-      <p:sp>
-        <p:nvSpPr>
-          <p:cNvPr id="15" name="TextBox 15"/>
-          <p:cNvSpPr txBox="1"/>
-          <p:nvPr/>
-        </p:nvSpPr>
-        <p:spPr>
-          <a:xfrm>
-            <a:off x="3962577" y="6027204"/>
-            <a:ext cx="3598497" cy="492635"/>
-          </a:xfrm>
-          <a:prstGeom prst="rect">
-            <a:avLst/>
-          </a:prstGeom>
-        </p:spPr>
-        <p:txBody>
-          <a:bodyPr lIns="0" tIns="0" rIns="0" bIns="0" rtlCol="0" anchor="t">
-            <a:spAutoFit/>
-          </a:bodyPr>
-          <a:lstStyle/>
-          <a:p>
-            <a:pPr algn="ctr">
-              <a:lnSpc>
-                <a:spcPts val="4213"/>
-              </a:lnSpc>
-            </a:pPr>
-            <a:r>
-              <a:rPr lang="en-US" sz="3009" dirty="0">
-                <a:solidFill>
-                  <a:srgbClr val="222366"/>
-                </a:solidFill>
-                <a:latin typeface="Public Sans Bold"/>
-              </a:rPr>
-              <a:t>Neural Network</a:t>
-            </a:r>
-          </a:p>
-        </p:txBody>
-      </p:sp>
-    </p:spTree>
-  </p:cSld>
-  <p:clrMapOvr>
-    <a:masterClrMapping/>
-  </p:clrMapOvr>
-</p:sld>
-</file>
-
-<file path=ppt/slides/slide9.xml><?xml version="1.0" encoding="utf-8"?>
-<p:sld xmlns:a="http://schemas.openxmlformats.org/drawingml/2006/main" xmlns:r="http://schemas.openxmlformats.org/officeDocument/2006/relationships" xmlns:p="http://schemas.openxmlformats.org/presentationml/2006/main">
-  <p:cSld>
-    <p:bg>
-      <p:bgPr>
-        <a:solidFill>
-          <a:srgbClr val="FAF3F3"/>
-        </a:solidFill>
-        <a:effectLst/>
-      </p:bgPr>
-    </p:bg>
-    <p:spTree>
-      <p:nvGrpSpPr>
-        <p:cNvPr id="1" name=""/>
-        <p:cNvGrpSpPr/>
-        <p:nvPr/>
-      </p:nvGrpSpPr>
-      <p:grpSpPr>
-        <a:xfrm>
-          <a:off x="0" y="0"/>
-          <a:ext cx="0" cy="0"/>
-          <a:chOff x="0" y="0"/>
-          <a:chExt cx="0" cy="0"/>
-        </a:xfrm>
-      </p:grpSpPr>
-      <p:sp>
-        <p:nvSpPr>
-          <p:cNvPr id="11" name="Freeform 11"/>
-          <p:cNvSpPr/>
-          <p:nvPr/>
-        </p:nvSpPr>
-        <p:spPr>
-          <a:xfrm>
-            <a:off x="152400" y="8189346"/>
-            <a:ext cx="2168627" cy="2097654"/>
-          </a:xfrm>
-          <a:custGeom>
-            <a:avLst/>
-            <a:gdLst/>
-            <a:ahLst/>
-            <a:cxnLst/>
-            <a:rect l="l" t="t" r="r" b="b"/>
-            <a:pathLst>
-              <a:path w="2168627" h="2097654">
-                <a:moveTo>
-                  <a:pt x="0" y="0"/>
-                </a:moveTo>
-                <a:lnTo>
-                  <a:pt x="2168627" y="0"/>
-                </a:lnTo>
-                <a:lnTo>
-                  <a:pt x="2168627" y="2097654"/>
-                </a:lnTo>
-                <a:lnTo>
-                  <a:pt x="0" y="2097654"/>
-                </a:lnTo>
-                <a:lnTo>
-                  <a:pt x="0" y="0"/>
-                </a:lnTo>
-                <a:close/>
-              </a:path>
-            </a:pathLst>
-          </a:custGeom>
-          <a:blipFill>
-            <a:blip r:embed="rId2">
+            <a:blip r:embed="rId5">
               <a:extLst>
                 <a:ext uri="{96DAC541-7B7A-43D3-8B79-37D633B846F1}">
-                  <asvg:svgBlip xmlns:asvg="http://schemas.microsoft.com/office/drawing/2016/SVG/main" r:embed="rId3"/>
+                  <asvg:svgBlip xmlns:asvg="http://schemas.microsoft.com/office/drawing/2016/SVG/main" r:embed="rId6"/>
                 </a:ext>
               </a:extLst>
             </a:blip>
@@ -13583,50 +15923,12 @@
           </a:p>
         </p:txBody>
       </p:sp>
-      <p:sp>
-        <p:nvSpPr>
-          <p:cNvPr id="13" name="TextBox 13"/>
-          <p:cNvSpPr txBox="1"/>
-          <p:nvPr/>
-        </p:nvSpPr>
-        <p:spPr>
-          <a:xfrm>
-            <a:off x="1771931" y="271740"/>
-            <a:ext cx="14763189" cy="993477"/>
-          </a:xfrm>
-          <a:prstGeom prst="rect">
-            <a:avLst/>
-          </a:prstGeom>
-        </p:spPr>
-        <p:txBody>
-          <a:bodyPr lIns="0" tIns="0" rIns="0" bIns="0" rtlCol="0" anchor="t">
-            <a:spAutoFit/>
-          </a:bodyPr>
-          <a:lstStyle/>
-          <a:p>
-            <a:pPr algn="ctr">
-              <a:lnSpc>
-                <a:spcPts val="8819"/>
-              </a:lnSpc>
-            </a:pPr>
-            <a:r>
-              <a:rPr lang="en-US" sz="5400" dirty="0">
-                <a:solidFill>
-                  <a:srgbClr val="222366"/>
-                </a:solidFill>
-                <a:latin typeface="Brick Sans"/>
-              </a:rPr>
-              <a:t>Model Results &amp; Evaluation</a:t>
-            </a:r>
-          </a:p>
-        </p:txBody>
-      </p:sp>
       <p:pic>
         <p:nvPicPr>
-          <p:cNvPr id="17" name="Picture 16">
+          <p:cNvPr id="56" name="Picture 55">
             <a:extLst>
               <a:ext uri="{FF2B5EF4-FFF2-40B4-BE49-F238E27FC236}">
-                <a16:creationId xmlns:a16="http://schemas.microsoft.com/office/drawing/2014/main" id="{15C64702-1FC0-9A06-11F9-26F4817C6414}"/>
+                <a16:creationId xmlns:a16="http://schemas.microsoft.com/office/drawing/2014/main" id="{2106F3B5-C8ED-B94E-A524-9CFA2FA4700D}"/>
               </a:ext>
             </a:extLst>
           </p:cNvPr>
@@ -13636,56 +15938,22 @@
           <p:nvPr/>
         </p:nvPicPr>
         <p:blipFill>
-          <a:blip r:embed="rId4"/>
+          <a:blip r:embed="rId7"/>
           <a:stretch>
             <a:fillRect/>
           </a:stretch>
         </p:blipFill>
         <p:spPr>
           <a:xfrm>
-            <a:off x="609600" y="1454769"/>
-            <a:ext cx="17363788" cy="6490596"/>
+            <a:off x="2731854" y="1764197"/>
+            <a:ext cx="12823083" cy="7965313"/>
           </a:xfrm>
           <a:prstGeom prst="rect">
             <a:avLst/>
           </a:prstGeom>
-          <a:solidFill>
-            <a:srgbClr val="FFFFFF">
-              <a:shade val="85000"/>
-            </a:srgbClr>
-          </a:solidFill>
-          <a:ln w="190500" cap="rnd">
-            <a:solidFill>
-              <a:srgbClr val="FFFFFF"/>
-            </a:solidFill>
-          </a:ln>
-          <a:effectLst>
-            <a:outerShdw blurRad="50000" algn="tl" rotWithShape="0">
-              <a:srgbClr val="000000">
-                <a:alpha val="41000"/>
-              </a:srgbClr>
-            </a:outerShdw>
-          </a:effectLst>
-          <a:scene3d>
-            <a:camera prst="orthographicFront"/>
-            <a:lightRig rig="twoPt" dir="t">
-              <a:rot lat="0" lon="0" rev="7800000"/>
-            </a:lightRig>
-          </a:scene3d>
-          <a:sp3d contourW="6350">
-            <a:bevelT w="50800" h="16510"/>
-            <a:contourClr>
-              <a:srgbClr val="C0C0C0"/>
-            </a:contourClr>
-          </a:sp3d>
         </p:spPr>
       </p:pic>
     </p:spTree>
-    <p:extLst>
-      <p:ext uri="{BB962C8B-B14F-4D97-AF65-F5344CB8AC3E}">
-        <p14:creationId xmlns:p14="http://schemas.microsoft.com/office/powerpoint/2010/main" val="2676376378"/>
-      </p:ext>
-    </p:extLst>
   </p:cSld>
   <p:clrMapOvr>
     <a:masterClrMapping/>

--- a/presentation/presentation.pptx
+++ b/presentation/presentation.pptx
@@ -175,6 +175,69 @@
 
 <file path=ppt/changesInfos/changesInfo1.xml><?xml version="1.0" encoding="utf-8"?>
 <pc:chgInfo xmlns:a="http://schemas.openxmlformats.org/drawingml/2006/main" xmlns:r="http://schemas.openxmlformats.org/officeDocument/2006/relationships" xmlns:ac="http://schemas.microsoft.com/office/drawing/2013/main/command" xmlns:pc="http://schemas.microsoft.com/office/powerpoint/2013/main/command">
+  <pc:docChgLst>
+    <pc:chgData name="Aysha Gheewala" userId="819ba6fb6ea0380f" providerId="LiveId" clId="{E350AD09-D01D-4030-8400-341479BF05EF}"/>
+    <pc:docChg chg="modSld">
+      <pc:chgData name="Aysha Gheewala" userId="819ba6fb6ea0380f" providerId="LiveId" clId="{E350AD09-D01D-4030-8400-341479BF05EF}" dt="2024-04-04T15:36:01.347" v="11" actId="1037"/>
+      <pc:docMkLst>
+        <pc:docMk/>
+      </pc:docMkLst>
+      <pc:sldChg chg="modSp mod">
+        <pc:chgData name="Aysha Gheewala" userId="819ba6fb6ea0380f" providerId="LiveId" clId="{E350AD09-D01D-4030-8400-341479BF05EF}" dt="2024-04-04T15:34:36.438" v="5" actId="732"/>
+        <pc:sldMkLst>
+          <pc:docMk/>
+          <pc:sldMk cId="929031580" sldId="269"/>
+        </pc:sldMkLst>
+        <pc:spChg chg="mod modCrop">
+          <ac:chgData name="Aysha Gheewala" userId="819ba6fb6ea0380f" providerId="LiveId" clId="{E350AD09-D01D-4030-8400-341479BF05EF}" dt="2024-04-04T15:34:36.438" v="5" actId="732"/>
+          <ac:spMkLst>
+            <pc:docMk/>
+            <pc:sldMk cId="929031580" sldId="269"/>
+            <ac:spMk id="3" creationId="{00000000-0000-0000-0000-000000000000}"/>
+          </ac:spMkLst>
+        </pc:spChg>
+      </pc:sldChg>
+      <pc:sldChg chg="modSp mod">
+        <pc:chgData name="Aysha Gheewala" userId="819ba6fb6ea0380f" providerId="LiveId" clId="{E350AD09-D01D-4030-8400-341479BF05EF}" dt="2024-04-04T15:36:01.347" v="11" actId="1037"/>
+        <pc:sldMkLst>
+          <pc:docMk/>
+          <pc:sldMk cId="3327471935" sldId="270"/>
+        </pc:sldMkLst>
+        <pc:spChg chg="mod">
+          <ac:chgData name="Aysha Gheewala" userId="819ba6fb6ea0380f" providerId="LiveId" clId="{E350AD09-D01D-4030-8400-341479BF05EF}" dt="2024-04-04T15:36:01.347" v="11" actId="1037"/>
+          <ac:spMkLst>
+            <pc:docMk/>
+            <pc:sldMk cId="3327471935" sldId="270"/>
+            <ac:spMk id="10" creationId="{B6D88411-24F2-D8CB-35D8-20D7235E22B5}"/>
+          </ac:spMkLst>
+        </pc:spChg>
+        <pc:spChg chg="mod">
+          <ac:chgData name="Aysha Gheewala" userId="819ba6fb6ea0380f" providerId="LiveId" clId="{E350AD09-D01D-4030-8400-341479BF05EF}" dt="2024-04-04T15:33:41.053" v="4" actId="1076"/>
+          <ac:spMkLst>
+            <pc:docMk/>
+            <pc:sldMk cId="3327471935" sldId="270"/>
+            <ac:spMk id="12" creationId="{C62A4496-7570-195B-9992-9A66B79D3445}"/>
+          </ac:spMkLst>
+        </pc:spChg>
+        <pc:grpChg chg="mod">
+          <ac:chgData name="Aysha Gheewala" userId="819ba6fb6ea0380f" providerId="LiveId" clId="{E350AD09-D01D-4030-8400-341479BF05EF}" dt="2024-04-04T15:33:19.768" v="2" actId="1076"/>
+          <ac:grpSpMkLst>
+            <pc:docMk/>
+            <pc:sldMk cId="3327471935" sldId="270"/>
+            <ac:grpSpMk id="5" creationId="{6BEC1080-5F5C-83CE-BAB6-6CF35B099C7D}"/>
+          </ac:grpSpMkLst>
+        </pc:grpChg>
+        <pc:picChg chg="mod">
+          <ac:chgData name="Aysha Gheewala" userId="819ba6fb6ea0380f" providerId="LiveId" clId="{E350AD09-D01D-4030-8400-341479BF05EF}" dt="2024-04-04T15:33:10.601" v="1" actId="1076"/>
+          <ac:picMkLst>
+            <pc:docMk/>
+            <pc:sldMk cId="3327471935" sldId="270"/>
+            <ac:picMk id="4" creationId="{24708E8B-DC8C-0644-B695-9FBC42E1CEFE}"/>
+          </ac:picMkLst>
+        </pc:picChg>
+      </pc:sldChg>
+    </pc:docChg>
+  </pc:docChgLst>
   <pc:docChgLst>
     <pc:chgData name="Aysha Gheewala" userId="819ba6fb6ea0380f" providerId="LiveId" clId="{650812C4-EEA9-4F2B-9F39-40FEADFCFB65}"/>
     <pc:docChg chg="undo redo custSel addSld modSld">
@@ -503,7 +566,7 @@
           <a:p>
             <a:fld id="{85BA90B5-C4B4-C647-BC3D-46BF24662E26}" type="datetimeFigureOut">
               <a:rPr lang="en-US" smtClean="0"/>
-              <a:t>4/3/2024</a:t>
+              <a:t>4/4/2024</a:t>
             </a:fld>
             <a:endParaRPr lang="en-US"/>
           </a:p>
@@ -3027,7 +3090,7 @@
             <a:fld id="{1D8BD707-D9CF-40AE-B4C6-C98DA3205C09}" type="datetimeFigureOut">
               <a:rPr lang="en-US" smtClean="0"/>
               <a:pPr/>
-              <a:t>4/3/2024</a:t>
+              <a:t>4/4/2024</a:t>
             </a:fld>
             <a:endParaRPr lang="en-US"/>
           </a:p>
@@ -3192,7 +3255,7 @@
             <a:fld id="{1D8BD707-D9CF-40AE-B4C6-C98DA3205C09}" type="datetimeFigureOut">
               <a:rPr lang="en-US" smtClean="0"/>
               <a:pPr/>
-              <a:t>4/3/2024</a:t>
+              <a:t>4/4/2024</a:t>
             </a:fld>
             <a:endParaRPr lang="en-US"/>
           </a:p>
@@ -3367,7 +3430,7 @@
             <a:fld id="{1D8BD707-D9CF-40AE-B4C6-C98DA3205C09}" type="datetimeFigureOut">
               <a:rPr lang="en-US" smtClean="0"/>
               <a:pPr/>
-              <a:t>4/3/2024</a:t>
+              <a:t>4/4/2024</a:t>
             </a:fld>
             <a:endParaRPr lang="en-US"/>
           </a:p>
@@ -3532,7 +3595,7 @@
             <a:fld id="{1D8BD707-D9CF-40AE-B4C6-C98DA3205C09}" type="datetimeFigureOut">
               <a:rPr lang="en-US" smtClean="0"/>
               <a:pPr/>
-              <a:t>4/3/2024</a:t>
+              <a:t>4/4/2024</a:t>
             </a:fld>
             <a:endParaRPr lang="en-US"/>
           </a:p>
@@ -3774,7 +3837,7 @@
             <a:fld id="{1D8BD707-D9CF-40AE-B4C6-C98DA3205C09}" type="datetimeFigureOut">
               <a:rPr lang="en-US" smtClean="0"/>
               <a:pPr/>
-              <a:t>4/3/2024</a:t>
+              <a:t>4/4/2024</a:t>
             </a:fld>
             <a:endParaRPr lang="en-US"/>
           </a:p>
@@ -4056,7 +4119,7 @@
             <a:fld id="{1D8BD707-D9CF-40AE-B4C6-C98DA3205C09}" type="datetimeFigureOut">
               <a:rPr lang="en-US" smtClean="0"/>
               <a:pPr/>
-              <a:t>4/3/2024</a:t>
+              <a:t>4/4/2024</a:t>
             </a:fld>
             <a:endParaRPr lang="en-US"/>
           </a:p>
@@ -4472,7 +4535,7 @@
             <a:fld id="{1D8BD707-D9CF-40AE-B4C6-C98DA3205C09}" type="datetimeFigureOut">
               <a:rPr lang="en-US" smtClean="0"/>
               <a:pPr/>
-              <a:t>4/3/2024</a:t>
+              <a:t>4/4/2024</a:t>
             </a:fld>
             <a:endParaRPr lang="en-US"/>
           </a:p>
@@ -4586,7 +4649,7 @@
             <a:fld id="{1D8BD707-D9CF-40AE-B4C6-C98DA3205C09}" type="datetimeFigureOut">
               <a:rPr lang="en-US" smtClean="0"/>
               <a:pPr/>
-              <a:t>4/3/2024</a:t>
+              <a:t>4/4/2024</a:t>
             </a:fld>
             <a:endParaRPr lang="en-US"/>
           </a:p>
@@ -4678,7 +4741,7 @@
             <a:fld id="{1D8BD707-D9CF-40AE-B4C6-C98DA3205C09}" type="datetimeFigureOut">
               <a:rPr lang="en-US" smtClean="0"/>
               <a:pPr/>
-              <a:t>4/3/2024</a:t>
+              <a:t>4/4/2024</a:t>
             </a:fld>
             <a:endParaRPr lang="en-US"/>
           </a:p>
@@ -4950,7 +5013,7 @@
             <a:fld id="{1D8BD707-D9CF-40AE-B4C6-C98DA3205C09}" type="datetimeFigureOut">
               <a:rPr lang="en-US" smtClean="0"/>
               <a:pPr/>
-              <a:t>4/3/2024</a:t>
+              <a:t>4/4/2024</a:t>
             </a:fld>
             <a:endParaRPr lang="en-US"/>
           </a:p>
@@ -5199,7 +5262,7 @@
             <a:fld id="{1D8BD707-D9CF-40AE-B4C6-C98DA3205C09}" type="datetimeFigureOut">
               <a:rPr lang="en-US" smtClean="0"/>
               <a:pPr/>
-              <a:t>4/3/2024</a:t>
+              <a:t>4/4/2024</a:t>
             </a:fld>
             <a:endParaRPr lang="en-US"/>
           </a:p>
@@ -5410,7 +5473,7 @@
             <a:fld id="{1D8BD707-D9CF-40AE-B4C6-C98DA3205C09}" type="datetimeFigureOut">
               <a:rPr lang="en-US" smtClean="0"/>
               <a:pPr/>
-              <a:t>4/3/2024</a:t>
+              <a:t>4/4/2024</a:t>
             </a:fld>
             <a:endParaRPr lang="en-US"/>
           </a:p>
@@ -10868,7 +10931,7 @@
         <p:spPr>
           <a:xfrm>
             <a:off x="15327344" y="-352696"/>
-            <a:ext cx="4657694" cy="4568722"/>
+            <a:ext cx="4657694" cy="3008082"/>
           </a:xfrm>
           <a:custGeom>
             <a:avLst/>
@@ -10906,7 +10969,7 @@
               </a:extLst>
             </a:blip>
             <a:stretch>
-              <a:fillRect/>
+              <a:fillRect b="-51882"/>
             </a:stretch>
           </a:blipFill>
         </p:spPr>
@@ -10914,7 +10977,7 @@
           <a:bodyPr/>
           <a:lstStyle/>
           <a:p>
-            <a:endParaRPr lang="en-US"/>
+            <a:endParaRPr lang="en-US" dirty="0"/>
           </a:p>
         </p:txBody>
       </p:sp>
@@ -12778,7 +12841,7 @@
         </p:blipFill>
         <p:spPr>
           <a:xfrm>
-            <a:off x="304800" y="2857500"/>
+            <a:off x="1028700" y="2814053"/>
             <a:ext cx="12344400" cy="7155256"/>
           </a:xfrm>
           <a:prstGeom prst="rect">
@@ -12800,7 +12863,7 @@
         </p:nvGrpSpPr>
         <p:grpSpPr>
           <a:xfrm>
-            <a:off x="1063336" y="1924416"/>
+            <a:off x="1028700" y="1924415"/>
             <a:ext cx="4794184" cy="639381"/>
             <a:chOff x="0" y="0"/>
             <a:chExt cx="2860316" cy="381469"/>
@@ -12966,7 +13029,7 @@
         </p:nvSpPr>
         <p:spPr>
           <a:xfrm>
-            <a:off x="12725400" y="6035439"/>
+            <a:off x="13944600" y="6057900"/>
             <a:ext cx="4246987" cy="4415582"/>
           </a:xfrm>
           <a:custGeom>
@@ -13031,7 +13094,7 @@
         </p:nvSpPr>
         <p:spPr>
           <a:xfrm rot="5400000">
-            <a:off x="15922316" y="-872815"/>
+            <a:off x="17234044" y="-408670"/>
             <a:ext cx="3200642" cy="3193673"/>
           </a:xfrm>
           <a:custGeom>
